--- a/04-PresentationThirdPhase.pptx
+++ b/04-PresentationThirdPhase.pptx
@@ -5,7 +5,7 @@
     <p:sldMasterId id="2147483660" r:id="rId4"/>
   </p:sldMasterIdLst>
   <p:notesMasterIdLst>
-    <p:notesMasterId r:id="rId19"/>
+    <p:notesMasterId r:id="rId18"/>
   </p:notesMasterIdLst>
   <p:sldIdLst>
     <p:sldId id="265" r:id="rId5"/>
@@ -13,15 +13,14 @@
     <p:sldId id="310" r:id="rId7"/>
     <p:sldId id="323" r:id="rId8"/>
     <p:sldId id="311" r:id="rId9"/>
-    <p:sldId id="290" r:id="rId10"/>
-    <p:sldId id="312" r:id="rId11"/>
-    <p:sldId id="319" r:id="rId12"/>
-    <p:sldId id="313" r:id="rId13"/>
-    <p:sldId id="320" r:id="rId14"/>
-    <p:sldId id="314" r:id="rId15"/>
-    <p:sldId id="317" r:id="rId16"/>
-    <p:sldId id="318" r:id="rId17"/>
-    <p:sldId id="322" r:id="rId18"/>
+    <p:sldId id="312" r:id="rId10"/>
+    <p:sldId id="319" r:id="rId11"/>
+    <p:sldId id="313" r:id="rId12"/>
+    <p:sldId id="320" r:id="rId13"/>
+    <p:sldId id="314" r:id="rId14"/>
+    <p:sldId id="317" r:id="rId15"/>
+    <p:sldId id="318" r:id="rId16"/>
+    <p:sldId id="322" r:id="rId17"/>
   </p:sldIdLst>
   <p:sldSz cx="12192000" cy="6858000"/>
   <p:notesSz cx="6858000" cy="9144000"/>
@@ -741,7 +740,7 @@
           <a:p>
             <a:fld id="{F917F88C-BACD-4A94-B7B7-C91B49D4CB7C}" type="slidenum">
               <a:rPr lang="nl-NL" smtClean="0"/>
-              <a:t>11</a:t>
+              <a:t>10</a:t>
             </a:fld>
             <a:endParaRPr lang="nl-NL"/>
           </a:p>
@@ -834,7 +833,7 @@
           <a:p>
             <a:fld id="{F917F88C-BACD-4A94-B7B7-C91B49D4CB7C}" type="slidenum">
               <a:rPr lang="nl-NL" smtClean="0"/>
-              <a:t>12</a:t>
+              <a:t>11</a:t>
             </a:fld>
             <a:endParaRPr lang="nl-NL"/>
           </a:p>
@@ -921,7 +920,7 @@
           <a:p>
             <a:fld id="{F917F88C-BACD-4A94-B7B7-C91B49D4CB7C}" type="slidenum">
               <a:rPr lang="nl-NL" smtClean="0"/>
-              <a:t>13</a:t>
+              <a:t>12</a:t>
             </a:fld>
             <a:endParaRPr lang="nl-NL"/>
           </a:p>
@@ -4749,7 +4748,7 @@
           <p:cNvPr id="2" name="Title 1">
             <a:extLst>
               <a:ext uri="{FF2B5EF4-FFF2-40B4-BE49-F238E27FC236}">
-                <a16:creationId xmlns:a16="http://schemas.microsoft.com/office/drawing/2014/main" id="{29F19A6B-CDB2-8D48-97AF-EC9F49EA2578}"/>
+                <a16:creationId xmlns:a16="http://schemas.microsoft.com/office/drawing/2014/main" id="{233F2E4A-DE16-334C-9AB7-734725DAC7A5}"/>
               </a:ext>
             </a:extLst>
           </p:cNvPr>
@@ -4767,7 +4766,7 @@
           <a:p>
             <a:r>
               <a:rPr lang="en-US" dirty="0"/>
-              <a:t>Experiments</a:t>
+              <a:t>UML Diagram</a:t>
             </a:r>
           </a:p>
         </p:txBody>
@@ -4777,7 +4776,7 @@
           <p:cNvPr id="3" name="Content Placeholder 2">
             <a:extLst>
               <a:ext uri="{FF2B5EF4-FFF2-40B4-BE49-F238E27FC236}">
-                <a16:creationId xmlns:a16="http://schemas.microsoft.com/office/drawing/2014/main" id="{B33325E4-832A-D040-B461-E6D8A517BFF9}"/>
+                <a16:creationId xmlns:a16="http://schemas.microsoft.com/office/drawing/2014/main" id="{7169AE04-0E63-2E47-B422-126D340626A6}"/>
               </a:ext>
             </a:extLst>
           </p:cNvPr>
@@ -4795,7 +4794,7 @@
           <a:p>
             <a:r>
               <a:rPr lang="en-US" dirty="0"/>
-              <a:t>- TODO</a:t>
+              <a:t>- Should we do it?</a:t>
             </a:r>
           </a:p>
         </p:txBody>
@@ -4803,7 +4802,7 @@
     </p:spTree>
     <p:extLst>
       <p:ext uri="{BB962C8B-B14F-4D97-AF65-F5344CB8AC3E}">
-        <p14:creationId xmlns:p14="http://schemas.microsoft.com/office/powerpoint/2010/main" val="3107714555"/>
+        <p14:creationId xmlns:p14="http://schemas.microsoft.com/office/powerpoint/2010/main" val="3577463860"/>
       </p:ext>
     </p:extLst>
   </p:cSld>
@@ -4835,7 +4834,7 @@
           <p:cNvPr id="2" name="Title 1">
             <a:extLst>
               <a:ext uri="{FF2B5EF4-FFF2-40B4-BE49-F238E27FC236}">
-                <a16:creationId xmlns:a16="http://schemas.microsoft.com/office/drawing/2014/main" id="{233F2E4A-DE16-334C-9AB7-734725DAC7A5}"/>
+                <a16:creationId xmlns:a16="http://schemas.microsoft.com/office/drawing/2014/main" id="{5CA11336-2D88-4A4E-B47F-30DEE9950B8E}"/>
               </a:ext>
             </a:extLst>
           </p:cNvPr>
@@ -4853,7 +4852,7 @@
           <a:p>
             <a:r>
               <a:rPr lang="en-US" dirty="0"/>
-              <a:t>UML Diagram</a:t>
+              <a:t>Collision Detection?</a:t>
             </a:r>
           </a:p>
         </p:txBody>
@@ -4863,7 +4862,7 @@
           <p:cNvPr id="3" name="Content Placeholder 2">
             <a:extLst>
               <a:ext uri="{FF2B5EF4-FFF2-40B4-BE49-F238E27FC236}">
-                <a16:creationId xmlns:a16="http://schemas.microsoft.com/office/drawing/2014/main" id="{7169AE04-0E63-2E47-B422-126D340626A6}"/>
+                <a16:creationId xmlns:a16="http://schemas.microsoft.com/office/drawing/2014/main" id="{9AB3564E-A875-EA49-BF49-EEECA8BF23BB}"/>
               </a:ext>
             </a:extLst>
           </p:cNvPr>
@@ -4881,7 +4880,7 @@
           <a:p>
             <a:r>
               <a:rPr lang="en-US" dirty="0"/>
-              <a:t>- Should we do it?</a:t>
+              <a:t>- TODO</a:t>
             </a:r>
           </a:p>
         </p:txBody>
@@ -4889,7 +4888,7 @@
     </p:spTree>
     <p:extLst>
       <p:ext uri="{BB962C8B-B14F-4D97-AF65-F5344CB8AC3E}">
-        <p14:creationId xmlns:p14="http://schemas.microsoft.com/office/powerpoint/2010/main" val="3577463860"/>
+        <p14:creationId xmlns:p14="http://schemas.microsoft.com/office/powerpoint/2010/main" val="1886375000"/>
       </p:ext>
     </p:extLst>
   </p:cSld>
@@ -4921,92 +4920,6 @@
           <p:cNvPr id="2" name="Title 1">
             <a:extLst>
               <a:ext uri="{FF2B5EF4-FFF2-40B4-BE49-F238E27FC236}">
-                <a16:creationId xmlns:a16="http://schemas.microsoft.com/office/drawing/2014/main" id="{5CA11336-2D88-4A4E-B47F-30DEE9950B8E}"/>
-              </a:ext>
-            </a:extLst>
-          </p:cNvPr>
-          <p:cNvSpPr>
-            <a:spLocks noGrp="1"/>
-          </p:cNvSpPr>
-          <p:nvPr>
-            <p:ph type="title"/>
-          </p:nvPr>
-        </p:nvSpPr>
-        <p:spPr/>
-        <p:txBody>
-          <a:bodyPr/>
-          <a:lstStyle/>
-          <a:p>
-            <a:r>
-              <a:rPr lang="en-US" dirty="0"/>
-              <a:t>Collision Detection?</a:t>
-            </a:r>
-          </a:p>
-        </p:txBody>
-      </p:sp>
-      <p:sp>
-        <p:nvSpPr>
-          <p:cNvPr id="3" name="Content Placeholder 2">
-            <a:extLst>
-              <a:ext uri="{FF2B5EF4-FFF2-40B4-BE49-F238E27FC236}">
-                <a16:creationId xmlns:a16="http://schemas.microsoft.com/office/drawing/2014/main" id="{9AB3564E-A875-EA49-BF49-EEECA8BF23BB}"/>
-              </a:ext>
-            </a:extLst>
-          </p:cNvPr>
-          <p:cNvSpPr>
-            <a:spLocks noGrp="1"/>
-          </p:cNvSpPr>
-          <p:nvPr>
-            <p:ph idx="1"/>
-          </p:nvPr>
-        </p:nvSpPr>
-        <p:spPr/>
-        <p:txBody>
-          <a:bodyPr/>
-          <a:lstStyle/>
-          <a:p>
-            <a:r>
-              <a:rPr lang="en-US" dirty="0"/>
-              <a:t>- TODO</a:t>
-            </a:r>
-          </a:p>
-        </p:txBody>
-      </p:sp>
-    </p:spTree>
-    <p:extLst>
-      <p:ext uri="{BB962C8B-B14F-4D97-AF65-F5344CB8AC3E}">
-        <p14:creationId xmlns:p14="http://schemas.microsoft.com/office/powerpoint/2010/main" val="1886375000"/>
-      </p:ext>
-    </p:extLst>
-  </p:cSld>
-  <p:clrMapOvr>
-    <a:masterClrMapping/>
-  </p:clrMapOvr>
-</p:sld>
-</file>
-
-<file path=ppt/slides/slide13.xml><?xml version="1.0" encoding="utf-8"?>
-<p:sld xmlns:a="http://schemas.openxmlformats.org/drawingml/2006/main" xmlns:r="http://schemas.openxmlformats.org/officeDocument/2006/relationships" xmlns:p="http://schemas.openxmlformats.org/presentationml/2006/main">
-  <p:cSld>
-    <p:spTree>
-      <p:nvGrpSpPr>
-        <p:cNvPr id="1" name=""/>
-        <p:cNvGrpSpPr/>
-        <p:nvPr/>
-      </p:nvGrpSpPr>
-      <p:grpSpPr>
-        <a:xfrm>
-          <a:off x="0" y="0"/>
-          <a:ext cx="0" cy="0"/>
-          <a:chOff x="0" y="0"/>
-          <a:chExt cx="0" cy="0"/>
-        </a:xfrm>
-      </p:grpSpPr>
-      <p:sp>
-        <p:nvSpPr>
-          <p:cNvPr id="2" name="Title 1">
-            <a:extLst>
-              <a:ext uri="{FF2B5EF4-FFF2-40B4-BE49-F238E27FC236}">
                 <a16:creationId xmlns:a16="http://schemas.microsoft.com/office/drawing/2014/main" id="{538E8784-9CE9-174F-9AB5-4FEC4AC283AA}"/>
               </a:ext>
             </a:extLst>
@@ -5068,7 +4981,7 @@
 </p:sld>
 </file>
 
-<file path=ppt/slides/slide14.xml><?xml version="1.0" encoding="utf-8"?>
+<file path=ppt/slides/slide13.xml><?xml version="1.0" encoding="utf-8"?>
 <p:sld xmlns:a="http://schemas.openxmlformats.org/drawingml/2006/main" xmlns:r="http://schemas.openxmlformats.org/officeDocument/2006/relationships" xmlns:p="http://schemas.openxmlformats.org/presentationml/2006/main">
   <p:cSld>
     <p:spTree>
@@ -5497,6 +5410,14 @@
 <file path=ppt/slides/slide5.xml><?xml version="1.0" encoding="utf-8"?>
 <p:sld xmlns:a="http://schemas.openxmlformats.org/drawingml/2006/main" xmlns:r="http://schemas.openxmlformats.org/officeDocument/2006/relationships" xmlns:p="http://schemas.openxmlformats.org/presentationml/2006/main">
   <p:cSld>
+    <p:bg>
+      <p:bgPr>
+        <a:solidFill>
+          <a:schemeClr val="bg1"/>
+        </a:solidFill>
+        <a:effectLst/>
+      </p:bgPr>
+    </p:bg>
     <p:spTree>
       <p:nvGrpSpPr>
         <p:cNvPr id="1" name=""/>
@@ -5511,6 +5432,121 @@
           <a:chExt cx="0" cy="0"/>
         </a:xfrm>
       </p:grpSpPr>
+      <p:sp useBgFill="1">
+        <p:nvSpPr>
+          <p:cNvPr id="9" name="Rectangle 8">
+            <a:extLst>
+              <a:ext uri="{FF2B5EF4-FFF2-40B4-BE49-F238E27FC236}">
+                <a16:creationId xmlns:a16="http://schemas.microsoft.com/office/drawing/2014/main" id="{0AB6E427-3F73-4C06-A5D5-AE52C3883B50}"/>
+              </a:ext>
+              <a:ext uri="{C183D7F6-B498-43B3-948B-1728B52AA6E4}">
+                <adec:decorative xmlns:adec="http://schemas.microsoft.com/office/drawing/2017/decorative" val="1"/>
+              </a:ext>
+            </a:extLst>
+          </p:cNvPr>
+          <p:cNvSpPr>
+            <a:spLocks noGrp="1" noRot="1" noChangeAspect="1" noMove="1" noResize="1" noEditPoints="1" noAdjustHandles="1" noChangeArrowheads="1" noChangeShapeType="1" noTextEdit="1"/>
+          </p:cNvSpPr>
+          <p:nvPr>
+            <p:extLst>
+              <p:ext uri="{386F3935-93C4-4BCD-93E2-E3B085C9AB24}">
+                <p16:designElem xmlns:p16="http://schemas.microsoft.com/office/powerpoint/2015/main" val="1"/>
+              </p:ext>
+            </p:extLst>
+          </p:nvPr>
+        </p:nvSpPr>
+        <p:spPr>
+          <a:xfrm>
+            <a:off x="5685" y="0"/>
+            <a:ext cx="12186315" cy="6858000"/>
+          </a:xfrm>
+          <a:prstGeom prst="rect">
+            <a:avLst/>
+          </a:prstGeom>
+          <a:ln>
+            <a:noFill/>
+          </a:ln>
+        </p:spPr>
+        <p:style>
+          <a:lnRef idx="2">
+            <a:schemeClr val="accent6">
+              <a:shade val="50000"/>
+            </a:schemeClr>
+          </a:lnRef>
+          <a:fillRef idx="1001">
+            <a:schemeClr val="lt1"/>
+          </a:fillRef>
+          <a:effectRef idx="0">
+            <a:schemeClr val="accent6"/>
+          </a:effectRef>
+          <a:fontRef idx="minor">
+            <a:schemeClr val="lt1"/>
+          </a:fontRef>
+        </p:style>
+        <p:txBody>
+          <a:bodyPr rtlCol="0" anchor="ctr"/>
+          <a:lstStyle/>
+          <a:p>
+            <a:pPr algn="ctr"/>
+            <a:endParaRPr lang="en-US"/>
+          </a:p>
+        </p:txBody>
+      </p:sp>
+      <p:sp>
+        <p:nvSpPr>
+          <p:cNvPr id="11" name="Rectangle 10">
+            <a:extLst>
+              <a:ext uri="{FF2B5EF4-FFF2-40B4-BE49-F238E27FC236}">
+                <a16:creationId xmlns:a16="http://schemas.microsoft.com/office/drawing/2014/main" id="{D8C9BDAA-0390-4B39-9B5C-BC95E5120DA4}"/>
+              </a:ext>
+              <a:ext uri="{C183D7F6-B498-43B3-948B-1728B52AA6E4}">
+                <adec:decorative xmlns:adec="http://schemas.microsoft.com/office/drawing/2017/decorative" val="1"/>
+              </a:ext>
+            </a:extLst>
+          </p:cNvPr>
+          <p:cNvSpPr>
+            <a:spLocks noGrp="1" noRot="1" noChangeAspect="1" noMove="1" noResize="1" noEditPoints="1" noAdjustHandles="1" noChangeArrowheads="1" noChangeShapeType="1" noTextEdit="1"/>
+          </p:cNvSpPr>
+          <p:nvPr>
+            <p:extLst>
+              <p:ext uri="{386F3935-93C4-4BCD-93E2-E3B085C9AB24}">
+                <p16:designElem xmlns:p16="http://schemas.microsoft.com/office/powerpoint/2015/main" val="1"/>
+              </p:ext>
+            </p:extLst>
+          </p:nvPr>
+        </p:nvSpPr>
+        <p:spPr>
+          <a:xfrm>
+            <a:off x="16" y="0"/>
+            <a:ext cx="4059919" cy="6858000"/>
+          </a:xfrm>
+          <a:prstGeom prst="rect">
+            <a:avLst/>
+          </a:prstGeom>
+          <a:solidFill>
+            <a:srgbClr val="415750"/>
+          </a:solidFill>
+          <a:ln>
+            <a:noFill/>
+          </a:ln>
+        </p:spPr>
+        <p:style>
+          <a:lnRef idx="2">
+            <a:schemeClr val="accent1">
+              <a:shade val="50000"/>
+            </a:schemeClr>
+          </a:lnRef>
+          <a:fillRef idx="1">
+            <a:schemeClr val="accent1"/>
+          </a:fillRef>
+          <a:effectRef idx="0">
+            <a:schemeClr val="accent1"/>
+          </a:effectRef>
+          <a:fontRef idx="minor">
+            <a:schemeClr val="lt1"/>
+          </a:fontRef>
+        </p:style>
+      </p:sp>
       <p:sp>
         <p:nvSpPr>
           <p:cNvPr id="2" name="Title 1">
@@ -5527,18 +5563,81 @@
             <p:ph type="title"/>
           </p:nvPr>
         </p:nvSpPr>
-        <p:spPr/>
-        <p:txBody>
-          <a:bodyPr/>
-          <a:lstStyle/>
-          <a:p>
-            <a:r>
-              <a:rPr lang="en-US" dirty="0"/>
+        <p:spPr>
+          <a:xfrm>
+            <a:off x="492370" y="516836"/>
+            <a:ext cx="3084844" cy="1961086"/>
+          </a:xfrm>
+        </p:spPr>
+        <p:txBody>
+          <a:bodyPr>
+            <a:normAutofit/>
+          </a:bodyPr>
+          <a:lstStyle/>
+          <a:p>
+            <a:r>
+              <a:rPr lang="en-US" sz="4000">
+                <a:solidFill>
+                  <a:srgbClr val="FFFFFF"/>
+                </a:solidFill>
+              </a:rPr>
               <a:t>Game Engine</a:t>
             </a:r>
           </a:p>
         </p:txBody>
       </p:sp>
+      <p:cxnSp>
+        <p:nvCxnSpPr>
+          <p:cNvPr id="13" name="Straight Connector 12">
+            <a:extLst>
+              <a:ext uri="{FF2B5EF4-FFF2-40B4-BE49-F238E27FC236}">
+                <a16:creationId xmlns:a16="http://schemas.microsoft.com/office/drawing/2014/main" id="{E04A321A-A039-4720-87B4-66A4210E0D57}"/>
+              </a:ext>
+              <a:ext uri="{C183D7F6-B498-43B3-948B-1728B52AA6E4}">
+                <adec:decorative xmlns:adec="http://schemas.microsoft.com/office/drawing/2017/decorative" val="1"/>
+              </a:ext>
+            </a:extLst>
+          </p:cNvPr>
+          <p:cNvCxnSpPr>
+            <a:cxnSpLocks noGrp="1" noRot="1" noChangeAspect="1" noMove="1" noResize="1" noEditPoints="1" noAdjustHandles="1" noChangeArrowheads="1" noChangeShapeType="1"/>
+          </p:cNvCxnSpPr>
+          <p:nvPr>
+            <p:extLst>
+              <p:ext uri="{386F3935-93C4-4BCD-93E2-E3B085C9AB24}">
+                <p16:designElem xmlns:p16="http://schemas.microsoft.com/office/powerpoint/2015/main" val="1"/>
+              </p:ext>
+            </p:extLst>
+          </p:nvPr>
+        </p:nvCxnSpPr>
+        <p:spPr>
+          <a:xfrm>
+            <a:off x="571752" y="2638787"/>
+            <a:ext cx="2743200" cy="0"/>
+          </a:xfrm>
+          <a:prstGeom prst="line">
+            <a:avLst/>
+          </a:prstGeom>
+          <a:ln w="19050">
+            <a:solidFill>
+              <a:schemeClr val="accent1"/>
+            </a:solidFill>
+          </a:ln>
+        </p:spPr>
+        <p:style>
+          <a:lnRef idx="1">
+            <a:schemeClr val="accent1"/>
+          </a:lnRef>
+          <a:fillRef idx="0">
+            <a:schemeClr val="accent1"/>
+          </a:fillRef>
+          <a:effectRef idx="0">
+            <a:schemeClr val="accent1"/>
+          </a:effectRef>
+          <a:fontRef idx="minor">
+            <a:schemeClr val="tx1"/>
+          </a:fontRef>
+        </p:style>
+      </p:cxnSp>
       <p:sp>
         <p:nvSpPr>
           <p:cNvPr id="3" name="Content Placeholder 2">
@@ -5555,12 +5654,33 @@
             <p:ph idx="1"/>
           </p:nvPr>
         </p:nvSpPr>
-        <p:spPr/>
-        <p:txBody>
-          <a:bodyPr/>
-          <a:lstStyle/>
-          <a:p>
-            <a:endParaRPr lang="en-US"/>
+        <p:spPr>
+          <a:xfrm>
+            <a:off x="571752" y="2799654"/>
+            <a:ext cx="3005462" cy="3189665"/>
+          </a:xfrm>
+        </p:spPr>
+        <p:txBody>
+          <a:bodyPr>
+            <a:normAutofit/>
+          </a:bodyPr>
+          <a:lstStyle/>
+          <a:p>
+            <a:r>
+              <a:rPr lang="en-US" sz="1800" dirty="0">
+                <a:solidFill>
+                  <a:srgbClr val="FFFFFF"/>
+                </a:solidFill>
+              </a:rPr>
+              <a:t>We wrote our own game engine based on OpenGL. This means that we made everything from creating a window, a way to render our 3D world, allowing the use of textures, adding a system for importing 3D models, lighting calculations, a third person camera and so on our selves.</a:t>
+            </a:r>
+          </a:p>
+          <a:p>
+            <a:endParaRPr lang="en-US" sz="1800" dirty="0">
+              <a:solidFill>
+                <a:srgbClr val="FFFFFF"/>
+              </a:solidFill>
+            </a:endParaRPr>
           </a:p>
         </p:txBody>
       </p:sp>
@@ -5589,7 +5709,7 @@
         </p:blipFill>
         <p:spPr>
           <a:xfrm>
-            <a:off x="2696959" y="1517039"/>
+            <a:off x="4742017" y="1517039"/>
             <a:ext cx="6798082" cy="3823921"/>
           </a:xfrm>
           <a:prstGeom prst="rect">
@@ -5767,7 +5887,7 @@
           <p:cNvPr id="2" name="Title 1">
             <a:extLst>
               <a:ext uri="{FF2B5EF4-FFF2-40B4-BE49-F238E27FC236}">
-                <a16:creationId xmlns:a16="http://schemas.microsoft.com/office/drawing/2014/main" id="{86F1B403-3A59-4EF8-80C5-FE16649147D1}"/>
+                <a16:creationId xmlns:a16="http://schemas.microsoft.com/office/drawing/2014/main" id="{200E7CE6-2441-3C46-9FC0-54953D57A541}"/>
               </a:ext>
             </a:extLst>
           </p:cNvPr>
@@ -5785,9 +5905,8 @@
           <a:p>
             <a:r>
               <a:rPr lang="en-US" dirty="0"/>
-              <a:t>Our game engine</a:t>
-            </a:r>
-            <a:endParaRPr lang="nl-NL" dirty="0"/>
+              <a:t>Physics</a:t>
+            </a:r>
           </a:p>
         </p:txBody>
       </p:sp>
@@ -5796,7 +5915,7 @@
           <p:cNvPr id="3" name="Content Placeholder 2">
             <a:extLst>
               <a:ext uri="{FF2B5EF4-FFF2-40B4-BE49-F238E27FC236}">
-                <a16:creationId xmlns:a16="http://schemas.microsoft.com/office/drawing/2014/main" id="{CE5C357F-4F0D-48DC-B776-1100C89F5F5C}"/>
+                <a16:creationId xmlns:a16="http://schemas.microsoft.com/office/drawing/2014/main" id="{08FF44B2-D01F-164B-9336-71FB8412FC79}"/>
               </a:ext>
             </a:extLst>
           </p:cNvPr>
@@ -5813,41 +5932,16 @@
           <a:lstStyle/>
           <a:p>
             <a:r>
-              <a:rPr lang="en-US" dirty="0">
-                <a:highlight>
-                  <a:srgbClr val="FFFF00"/>
-                </a:highlight>
-              </a:rPr>
-              <a:t>We wrote our own game engine based on OpenGL. This means that we made everything from creating a window, a way to render our 3D world, allowing the use of textures, adding a system for importing 3D models, lighting calculations, a third person camera and so on our selves.</a:t>
-            </a:r>
-          </a:p>
-          <a:p>
-            <a:r>
               <a:rPr lang="en-US" dirty="0"/>
-              <a:t>To put next to the video</a:t>
-            </a:r>
-          </a:p>
-          <a:p>
-            <a:endParaRPr lang="en-US" dirty="0"/>
-          </a:p>
-          <a:p>
-            <a:pPr marL="0" indent="0">
-              <a:buNone/>
-            </a:pPr>
-            <a:endParaRPr lang="en-US" dirty="0"/>
-          </a:p>
-          <a:p>
-            <a:pPr marL="0" indent="0">
-              <a:buNone/>
-            </a:pPr>
-            <a:endParaRPr lang="nl-NL" dirty="0"/>
+              <a:t>- Flying balls explanation by Matthijs the genius</a:t>
+            </a:r>
           </a:p>
         </p:txBody>
       </p:sp>
     </p:spTree>
     <p:extLst>
       <p:ext uri="{BB962C8B-B14F-4D97-AF65-F5344CB8AC3E}">
-        <p14:creationId xmlns:p14="http://schemas.microsoft.com/office/powerpoint/2010/main" val="1680556345"/>
+        <p14:creationId xmlns:p14="http://schemas.microsoft.com/office/powerpoint/2010/main" val="1901925188"/>
       </p:ext>
     </p:extLst>
   </p:cSld>
@@ -5879,7 +5973,7 @@
           <p:cNvPr id="2" name="Title 1">
             <a:extLst>
               <a:ext uri="{FF2B5EF4-FFF2-40B4-BE49-F238E27FC236}">
-                <a16:creationId xmlns:a16="http://schemas.microsoft.com/office/drawing/2014/main" id="{200E7CE6-2441-3C46-9FC0-54953D57A541}"/>
+                <a16:creationId xmlns:a16="http://schemas.microsoft.com/office/drawing/2014/main" id="{ECC9EA66-DA16-8F4D-85C8-7C1A8AA5E8C0}"/>
               </a:ext>
             </a:extLst>
           </p:cNvPr>
@@ -5897,7 +5991,7 @@
           <a:p>
             <a:r>
               <a:rPr lang="en-US" dirty="0"/>
-              <a:t>Physics</a:t>
+              <a:t>Experiments</a:t>
             </a:r>
           </a:p>
         </p:txBody>
@@ -5907,7 +6001,7 @@
           <p:cNvPr id="3" name="Content Placeholder 2">
             <a:extLst>
               <a:ext uri="{FF2B5EF4-FFF2-40B4-BE49-F238E27FC236}">
-                <a16:creationId xmlns:a16="http://schemas.microsoft.com/office/drawing/2014/main" id="{08FF44B2-D01F-164B-9336-71FB8412FC79}"/>
+                <a16:creationId xmlns:a16="http://schemas.microsoft.com/office/drawing/2014/main" id="{C9558773-9B13-A84D-89BB-7F3575370622}"/>
               </a:ext>
             </a:extLst>
           </p:cNvPr>
@@ -5925,7 +6019,7 @@
           <a:p>
             <a:r>
               <a:rPr lang="en-US" dirty="0"/>
-              <a:t>- Flying balls explanation by Matthijs the genius</a:t>
+              <a:t>- TODO</a:t>
             </a:r>
           </a:p>
         </p:txBody>
@@ -5933,7 +6027,7 @@
     </p:spTree>
     <p:extLst>
       <p:ext uri="{BB962C8B-B14F-4D97-AF65-F5344CB8AC3E}">
-        <p14:creationId xmlns:p14="http://schemas.microsoft.com/office/powerpoint/2010/main" val="1901925188"/>
+        <p14:creationId xmlns:p14="http://schemas.microsoft.com/office/powerpoint/2010/main" val="233089366"/>
       </p:ext>
     </p:extLst>
   </p:cSld>
@@ -5965,7 +6059,7 @@
           <p:cNvPr id="2" name="Title 1">
             <a:extLst>
               <a:ext uri="{FF2B5EF4-FFF2-40B4-BE49-F238E27FC236}">
-                <a16:creationId xmlns:a16="http://schemas.microsoft.com/office/drawing/2014/main" id="{ECC9EA66-DA16-8F4D-85C8-7C1A8AA5E8C0}"/>
+                <a16:creationId xmlns:a16="http://schemas.microsoft.com/office/drawing/2014/main" id="{8BA4C2DD-6E22-274B-8E73-0864CCF300AE}"/>
               </a:ext>
             </a:extLst>
           </p:cNvPr>
@@ -5983,7 +6077,7 @@
           <a:p>
             <a:r>
               <a:rPr lang="en-US" dirty="0"/>
-              <a:t>Experiments</a:t>
+              <a:t>Bot</a:t>
             </a:r>
           </a:p>
         </p:txBody>
@@ -5993,7 +6087,7 @@
           <p:cNvPr id="3" name="Content Placeholder 2">
             <a:extLst>
               <a:ext uri="{FF2B5EF4-FFF2-40B4-BE49-F238E27FC236}">
-                <a16:creationId xmlns:a16="http://schemas.microsoft.com/office/drawing/2014/main" id="{C9558773-9B13-A84D-89BB-7F3575370622}"/>
+                <a16:creationId xmlns:a16="http://schemas.microsoft.com/office/drawing/2014/main" id="{4E3DCD13-71A0-6B4E-AD41-C79CB8F6CFFC}"/>
               </a:ext>
             </a:extLst>
           </p:cNvPr>
@@ -6011,7 +6105,7 @@
           <a:p>
             <a:r>
               <a:rPr lang="en-US" dirty="0"/>
-              <a:t>- TODO</a:t>
+              <a:t>- New bot explanation</a:t>
             </a:r>
           </a:p>
         </p:txBody>
@@ -6019,7 +6113,7 @@
     </p:spTree>
     <p:extLst>
       <p:ext uri="{BB962C8B-B14F-4D97-AF65-F5344CB8AC3E}">
-        <p14:creationId xmlns:p14="http://schemas.microsoft.com/office/powerpoint/2010/main" val="233089366"/>
+        <p14:creationId xmlns:p14="http://schemas.microsoft.com/office/powerpoint/2010/main" val="258929525"/>
       </p:ext>
     </p:extLst>
   </p:cSld>
@@ -6051,7 +6145,7 @@
           <p:cNvPr id="2" name="Title 1">
             <a:extLst>
               <a:ext uri="{FF2B5EF4-FFF2-40B4-BE49-F238E27FC236}">
-                <a16:creationId xmlns:a16="http://schemas.microsoft.com/office/drawing/2014/main" id="{8BA4C2DD-6E22-274B-8E73-0864CCF300AE}"/>
+                <a16:creationId xmlns:a16="http://schemas.microsoft.com/office/drawing/2014/main" id="{29F19A6B-CDB2-8D48-97AF-EC9F49EA2578}"/>
               </a:ext>
             </a:extLst>
           </p:cNvPr>
@@ -6069,7 +6163,7 @@
           <a:p>
             <a:r>
               <a:rPr lang="en-US" dirty="0"/>
-              <a:t>Bot</a:t>
+              <a:t>Experiments</a:t>
             </a:r>
           </a:p>
         </p:txBody>
@@ -6079,7 +6173,7 @@
           <p:cNvPr id="3" name="Content Placeholder 2">
             <a:extLst>
               <a:ext uri="{FF2B5EF4-FFF2-40B4-BE49-F238E27FC236}">
-                <a16:creationId xmlns:a16="http://schemas.microsoft.com/office/drawing/2014/main" id="{4E3DCD13-71A0-6B4E-AD41-C79CB8F6CFFC}"/>
+                <a16:creationId xmlns:a16="http://schemas.microsoft.com/office/drawing/2014/main" id="{B33325E4-832A-D040-B461-E6D8A517BFF9}"/>
               </a:ext>
             </a:extLst>
           </p:cNvPr>
@@ -6097,7 +6191,7 @@
           <a:p>
             <a:r>
               <a:rPr lang="en-US" dirty="0"/>
-              <a:t>- New bot explanation</a:t>
+              <a:t>- TODO</a:t>
             </a:r>
           </a:p>
         </p:txBody>
@@ -6105,7 +6199,7 @@
     </p:spTree>
     <p:extLst>
       <p:ext uri="{BB962C8B-B14F-4D97-AF65-F5344CB8AC3E}">
-        <p14:creationId xmlns:p14="http://schemas.microsoft.com/office/powerpoint/2010/main" val="258929525"/>
+        <p14:creationId xmlns:p14="http://schemas.microsoft.com/office/powerpoint/2010/main" val="3107714555"/>
       </p:ext>
     </p:extLst>
   </p:cSld>
@@ -6737,24 +6831,6 @@
 </file>
 
 <file path=customXml/item1.xml><?xml version="1.0" encoding="utf-8"?>
-<p:properties xmlns:p="http://schemas.microsoft.com/office/2006/metadata/properties" xmlns:xsi="http://www.w3.org/2001/XMLSchema-instance" xmlns:pc="http://schemas.microsoft.com/office/infopath/2007/PartnerControls">
-  <documentManagement>
-    <Status xmlns="71af3243-3dd4-4a8d-8c0d-dd76da1f02a5">Not started</Status>
-    <MediaServiceKeyPoints xmlns="71af3243-3dd4-4a8d-8c0d-dd76da1f02a5" xsi:nil="true"/>
-  </documentManagement>
-</p:properties>
-</file>
-
-<file path=customXml/item2.xml><?xml version="1.0" encoding="utf-8"?>
-<?mso-contentType ?>
-<FormTemplates xmlns="http://schemas.microsoft.com/sharepoint/v3/contenttype/forms">
-  <Display>DocumentLibraryForm</Display>
-  <Edit>DocumentLibraryForm</Edit>
-  <New>DocumentLibraryForm</New>
-</FormTemplates>
-</file>
-
-<file path=customXml/item3.xml><?xml version="1.0" encoding="utf-8"?>
 <ct:contentTypeSchema xmlns:ct="http://schemas.microsoft.com/office/2006/metadata/contentType" xmlns:ma="http://schemas.microsoft.com/office/2006/metadata/properties/metaAttributes" ct:_="" ma:_="" ma:contentTypeName="Document" ma:contentTypeID="0x01010079F111ED35F8CC479449609E8A0923A6" ma:contentTypeVersion="12" ma:contentTypeDescription="Create a new document." ma:contentTypeScope="" ma:versionID="a410dd7f93c95333ffa1b60ed6adedd1">
   <xsd:schema xmlns:xsd="http://www.w3.org/2001/XMLSchema" xmlns:xs="http://www.w3.org/2001/XMLSchema" xmlns:p="http://schemas.microsoft.com/office/2006/metadata/properties" xmlns:ns2="71af3243-3dd4-4a8d-8c0d-dd76da1f02a5" xmlns:ns3="16c05727-aa75-4e4a-9b5f-8a80a1165891" targetNamespace="http://schemas.microsoft.com/office/2006/metadata/properties" ma:root="true" ma:fieldsID="a936d9baba76aa3866493feff160faab" ns2:_="" ns3:_="">
     <xsd:import namespace="71af3243-3dd4-4a8d-8c0d-dd76da1f02a5"/>
@@ -6975,25 +7051,25 @@
 </ct:contentTypeSchema>
 </file>
 
-<file path=customXml/itemProps1.xml><?xml version="1.0" encoding="utf-8"?>
-<ds:datastoreItem xmlns:ds="http://schemas.openxmlformats.org/officeDocument/2006/customXml" ds:itemID="{626E351D-C19B-467F-A5C7-085C4CECACA9}">
-  <ds:schemaRefs>
-    <ds:schemaRef ds:uri="http://schemas.microsoft.com/office/2006/metadata/properties"/>
-    <ds:schemaRef ds:uri="http://schemas.microsoft.com/office/infopath/2007/PartnerControls"/>
-    <ds:schemaRef ds:uri="71af3243-3dd4-4a8d-8c0d-dd76da1f02a5"/>
-  </ds:schemaRefs>
-</ds:datastoreItem>
+<file path=customXml/item2.xml><?xml version="1.0" encoding="utf-8"?>
+<?mso-contentType ?>
+<FormTemplates xmlns="http://schemas.microsoft.com/sharepoint/v3/contenttype/forms">
+  <Display>DocumentLibraryForm</Display>
+  <Edit>DocumentLibraryForm</Edit>
+  <New>DocumentLibraryForm</New>
+</FormTemplates>
 </file>
 
-<file path=customXml/itemProps2.xml><?xml version="1.0" encoding="utf-8"?>
-<ds:datastoreItem xmlns:ds="http://schemas.openxmlformats.org/officeDocument/2006/customXml" ds:itemID="{3C586965-D4BF-4605-8C1C-5B8CCCAB7737}">
-  <ds:schemaRefs>
-    <ds:schemaRef ds:uri="http://schemas.microsoft.com/sharepoint/v3/contenttype/forms"/>
-  </ds:schemaRefs>
-</ds:datastoreItem>
+<file path=customXml/item3.xml><?xml version="1.0" encoding="utf-8"?>
+<p:properties xmlns:p="http://schemas.microsoft.com/office/2006/metadata/properties" xmlns:xsi="http://www.w3.org/2001/XMLSchema-instance" xmlns:pc="http://schemas.microsoft.com/office/infopath/2007/PartnerControls">
+  <documentManagement>
+    <Status xmlns="71af3243-3dd4-4a8d-8c0d-dd76da1f02a5">Not started</Status>
+    <MediaServiceKeyPoints xmlns="71af3243-3dd4-4a8d-8c0d-dd76da1f02a5" xsi:nil="true"/>
+  </documentManagement>
+</p:properties>
 </file>
 
-<file path=customXml/itemProps3.xml><?xml version="1.0" encoding="utf-8"?>
+<file path=customXml/itemProps1.xml><?xml version="1.0" encoding="utf-8"?>
 <ds:datastoreItem xmlns:ds="http://schemas.openxmlformats.org/officeDocument/2006/customXml" ds:itemID="{6E499CE6-06FC-4D3E-8B56-30558CC9D1A4}">
   <ds:schemaRefs>
     <ds:schemaRef ds:uri="http://schemas.microsoft.com/office/2006/metadata/contentType"/>
@@ -7010,4 +7086,22 @@
     <ds:schemaRef ds:uri="http://schemas.microsoft.com/internal/obd"/>
   </ds:schemaRefs>
 </ds:datastoreItem>
+</file>
+
+<file path=customXml/itemProps2.xml><?xml version="1.0" encoding="utf-8"?>
+<ds:datastoreItem xmlns:ds="http://schemas.openxmlformats.org/officeDocument/2006/customXml" ds:itemID="{3C586965-D4BF-4605-8C1C-5B8CCCAB7737}">
+  <ds:schemaRefs>
+    <ds:schemaRef ds:uri="http://schemas.microsoft.com/sharepoint/v3/contenttype/forms"/>
+  </ds:schemaRefs>
+</ds:datastoreItem>
+</file>
+
+<file path=customXml/itemProps3.xml><?xml version="1.0" encoding="utf-8"?>
+<ds:datastoreItem xmlns:ds="http://schemas.openxmlformats.org/officeDocument/2006/customXml" ds:itemID="{626E351D-C19B-467F-A5C7-085C4CECACA9}">
+  <ds:schemaRefs>
+    <ds:schemaRef ds:uri="http://schemas.microsoft.com/office/2006/metadata/properties"/>
+    <ds:schemaRef ds:uri="http://schemas.microsoft.com/office/infopath/2007/PartnerControls"/>
+    <ds:schemaRef ds:uri="71af3243-3dd4-4a8d-8c0d-dd76da1f02a5"/>
+  </ds:schemaRefs>
+</ds:datastoreItem>
 </file>
--- a/04-PresentationThirdPhase.pptx
+++ b/04-PresentationThirdPhase.pptx
@@ -5,7 +5,7 @@
     <p:sldMasterId id="2147483660" r:id="rId4"/>
   </p:sldMasterIdLst>
   <p:notesMasterIdLst>
-    <p:notesMasterId r:id="rId18"/>
+    <p:notesMasterId r:id="rId19"/>
   </p:notesMasterIdLst>
   <p:sldIdLst>
     <p:sldId id="265" r:id="rId5"/>
@@ -21,6 +21,7 @@
     <p:sldId id="317" r:id="rId15"/>
     <p:sldId id="318" r:id="rId16"/>
     <p:sldId id="322" r:id="rId17"/>
+    <p:sldId id="324" r:id="rId18"/>
   </p:sldIdLst>
   <p:sldSz cx="12192000" cy="6858000"/>
   <p:notesSz cx="6858000" cy="9144000"/>
@@ -212,7 +213,7 @@
           <a:p>
             <a:fld id="{05052211-91C2-4B5D-9566-2C0C10015937}" type="datetimeFigureOut">
               <a:rPr lang="nl-NL" smtClean="0"/>
-              <a:t>18-06-2020</a:t>
+              <a:t>18-6-2020</a:t>
             </a:fld>
             <a:endParaRPr lang="nl-NL"/>
           </a:p>
@@ -1183,7 +1184,7 @@
           <a:p>
             <a:fld id="{9184DA70-C731-4C70-880D-CCD4705E623C}" type="datetime1">
               <a:rPr lang="en-US" smtClean="0"/>
-              <a:t>6/18/20</a:t>
+              <a:t>6/18/2020</a:t>
             </a:fld>
             <a:endParaRPr lang="en-US" dirty="0"/>
           </a:p>
@@ -1371,7 +1372,7 @@
           <a:p>
             <a:fld id="{4BE1D723-8F53-4F53-90B0-1982A396982E}" type="datetime1">
               <a:rPr lang="en-US" smtClean="0"/>
-              <a:t>6/18/20</a:t>
+              <a:t>6/18/2020</a:t>
             </a:fld>
             <a:endParaRPr lang="en-US" dirty="0"/>
           </a:p>
@@ -1744,7 +1745,7 @@
           <a:p>
             <a:fld id="{97669AF7-7BEB-44E4-9852-375E34362B5B}" type="datetime1">
               <a:rPr lang="en-US" smtClean="0"/>
-              <a:t>6/18/20</a:t>
+              <a:t>6/18/2020</a:t>
             </a:fld>
             <a:endParaRPr lang="en-US" dirty="0"/>
           </a:p>
@@ -1999,7 +2000,7 @@
           <a:p>
             <a:fld id="{BAAAC38D-0552-4C82-B593-E6124DFADBE2}" type="datetime1">
               <a:rPr lang="en-US" smtClean="0"/>
-              <a:t>6/18/20</a:t>
+              <a:t>6/18/2020</a:t>
             </a:fld>
             <a:endParaRPr lang="en-US" dirty="0"/>
           </a:p>
@@ -2396,7 +2397,7 @@
           <a:p>
             <a:fld id="{D9DF0F1C-5577-4ACB-BB62-DF8F3C494C7E}" type="datetime1">
               <a:rPr lang="en-US" smtClean="0"/>
-              <a:t>6/18/20</a:t>
+              <a:t>6/18/2020</a:t>
             </a:fld>
             <a:endParaRPr lang="en-US" dirty="0"/>
           </a:p>
@@ -2532,7 +2533,7 @@
           <a:p>
             <a:fld id="{1775B394-D9F9-4F0C-B15D-605F45CB9E9F}" type="datetime1">
               <a:rPr lang="en-US" smtClean="0"/>
-              <a:t>6/18/20</a:t>
+              <a:t>6/18/2020</a:t>
             </a:fld>
             <a:endParaRPr lang="en-US" dirty="0"/>
           </a:p>
@@ -2689,7 +2690,7 @@
           <a:p>
             <a:fld id="{39667345-2558-425A-8533-9BFDBCE15005}" type="datetime1">
               <a:rPr lang="en-US" smtClean="0"/>
-              <a:t>6/18/20</a:t>
+              <a:t>6/18/2020</a:t>
             </a:fld>
             <a:endParaRPr lang="en-US" dirty="0"/>
           </a:p>
@@ -3018,7 +3019,7 @@
           <a:p>
             <a:fld id="{92BEA474-078D-4E9B-9B14-09A87B19DC46}" type="datetime1">
               <a:rPr lang="en-US" smtClean="0"/>
-              <a:t>6/18/20</a:t>
+              <a:t>6/18/2020</a:t>
             </a:fld>
             <a:endParaRPr lang="en-US" dirty="0"/>
           </a:p>
@@ -3368,7 +3369,7 @@
           <a:p>
             <a:fld id="{4907D986-8816-4272-A432-0437A28A9828}" type="datetime1">
               <a:rPr lang="en-US" smtClean="0"/>
-              <a:t>6/18/20</a:t>
+              <a:t>6/18/2020</a:t>
             </a:fld>
             <a:endParaRPr lang="en-US" dirty="0"/>
           </a:p>
@@ -3629,7 +3630,7 @@
           <a:p>
             <a:fld id="{62D6E202-B606-4609-B914-27C9371A1F6D}" type="datetime1">
               <a:rPr lang="en-US" smtClean="0"/>
-              <a:t>6/18/20</a:t>
+              <a:t>6/18/2020</a:t>
             </a:fld>
             <a:endParaRPr lang="en-US" dirty="0"/>
           </a:p>
@@ -5064,6 +5065,86 @@
 </p:sld>
 </file>
 
+<file path=ppt/slides/slide14.xml><?xml version="1.0" encoding="utf-8"?>
+<p:sld xmlns:a="http://schemas.openxmlformats.org/drawingml/2006/main" xmlns:r="http://schemas.openxmlformats.org/officeDocument/2006/relationships" xmlns:p="http://schemas.openxmlformats.org/presentationml/2006/main">
+  <p:cSld>
+    <p:spTree>
+      <p:nvGrpSpPr>
+        <p:cNvPr id="1" name=""/>
+        <p:cNvGrpSpPr/>
+        <p:nvPr/>
+      </p:nvGrpSpPr>
+      <p:grpSpPr>
+        <a:xfrm>
+          <a:off x="0" y="0"/>
+          <a:ext cx="0" cy="0"/>
+          <a:chOff x="0" y="0"/>
+          <a:chExt cx="0" cy="0"/>
+        </a:xfrm>
+      </p:grpSpPr>
+      <p:sp>
+        <p:nvSpPr>
+          <p:cNvPr id="2" name="Title 1">
+            <a:extLst>
+              <a:ext uri="{FF2B5EF4-FFF2-40B4-BE49-F238E27FC236}">
+                <a16:creationId xmlns:a16="http://schemas.microsoft.com/office/drawing/2014/main" id="{829E259F-FE68-4055-B7BD-1312721101B5}"/>
+              </a:ext>
+            </a:extLst>
+          </p:cNvPr>
+          <p:cNvSpPr>
+            <a:spLocks noGrp="1"/>
+          </p:cNvSpPr>
+          <p:nvPr>
+            <p:ph type="title"/>
+          </p:nvPr>
+        </p:nvSpPr>
+        <p:spPr/>
+        <p:txBody>
+          <a:bodyPr/>
+          <a:lstStyle/>
+          <a:p>
+            <a:endParaRPr lang="nl-NL"/>
+          </a:p>
+        </p:txBody>
+      </p:sp>
+      <p:sp>
+        <p:nvSpPr>
+          <p:cNvPr id="3" name="Content Placeholder 2">
+            <a:extLst>
+              <a:ext uri="{FF2B5EF4-FFF2-40B4-BE49-F238E27FC236}">
+                <a16:creationId xmlns:a16="http://schemas.microsoft.com/office/drawing/2014/main" id="{C9B3192F-3F18-48D2-9AD9-5FB803B1B522}"/>
+              </a:ext>
+            </a:extLst>
+          </p:cNvPr>
+          <p:cNvSpPr>
+            <a:spLocks noGrp="1"/>
+          </p:cNvSpPr>
+          <p:nvPr>
+            <p:ph idx="1"/>
+          </p:nvPr>
+        </p:nvSpPr>
+        <p:spPr/>
+        <p:txBody>
+          <a:bodyPr/>
+          <a:lstStyle/>
+          <a:p>
+            <a:endParaRPr lang="nl-NL"/>
+          </a:p>
+        </p:txBody>
+      </p:sp>
+    </p:spTree>
+    <p:extLst>
+      <p:ext uri="{BB962C8B-B14F-4D97-AF65-F5344CB8AC3E}">
+        <p14:creationId xmlns:p14="http://schemas.microsoft.com/office/powerpoint/2010/main" val="566507608"/>
+      </p:ext>
+    </p:extLst>
+  </p:cSld>
+  <p:clrMapOvr>
+    <a:masterClrMapping/>
+  </p:clrMapOvr>
+</p:sld>
+</file>
+
 <file path=ppt/slides/slide2.xml><?xml version="1.0" encoding="utf-8"?>
 <p:sld xmlns:a="http://schemas.openxmlformats.org/drawingml/2006/main" xmlns:r="http://schemas.openxmlformats.org/officeDocument/2006/relationships" xmlns:p="http://schemas.openxmlformats.org/presentationml/2006/main">
   <p:cSld>
@@ -5158,7 +5239,7 @@
           <a:p>
             <a:r>
               <a:rPr lang="en-US" dirty="0"/>
-              <a:t>5. Implement a collision detection.</a:t>
+              <a:t>5. Implement collision detection.</a:t>
             </a:r>
             <a:endParaRPr lang="nl-NL" dirty="0"/>
           </a:p>
@@ -5261,27 +5342,21 @@
             </a:r>
           </a:p>
           <a:p>
+            <a:pPr marL="0" indent="0">
+              <a:buNone/>
+            </a:pPr>
             <a:r>
               <a:rPr lang="en-US" dirty="0"/>
-              <a:t>4. UML Diagram?</a:t>
-            </a:r>
-          </a:p>
-          <a:p>
+              <a:t>  4. Collision Detection?</a:t>
+            </a:r>
+          </a:p>
+          <a:p>
+            <a:pPr marL="0" indent="0">
+              <a:buNone/>
+            </a:pPr>
             <a:r>
               <a:rPr lang="en-US" dirty="0"/>
-              <a:t>5. Collision Detection?</a:t>
-            </a:r>
-          </a:p>
-          <a:p>
-            <a:r>
-              <a:rPr lang="en-US" dirty="0"/>
-              <a:t>6. Saver Loader system?</a:t>
-            </a:r>
-          </a:p>
-          <a:p>
-            <a:r>
-              <a:rPr lang="en-US" dirty="0"/>
-              <a:t>7. Conclusion</a:t>
+              <a:t>  5. Conclusion</a:t>
             </a:r>
           </a:p>
         </p:txBody>
@@ -5339,7 +5414,7 @@
           <a:p>
             <a:r>
               <a:rPr lang="en-US" dirty="0"/>
-              <a:t>‘Find a name’</a:t>
+              <a:t>Our questions</a:t>
             </a:r>
           </a:p>
         </p:txBody>
@@ -7052,21 +7127,21 @@
 </file>
 
 <file path=customXml/item2.xml><?xml version="1.0" encoding="utf-8"?>
+<p:properties xmlns:p="http://schemas.microsoft.com/office/2006/metadata/properties" xmlns:xsi="http://www.w3.org/2001/XMLSchema-instance" xmlns:pc="http://schemas.microsoft.com/office/infopath/2007/PartnerControls">
+  <documentManagement>
+    <Status xmlns="71af3243-3dd4-4a8d-8c0d-dd76da1f02a5">Not started</Status>
+    <MediaServiceKeyPoints xmlns="71af3243-3dd4-4a8d-8c0d-dd76da1f02a5" xsi:nil="true"/>
+  </documentManagement>
+</p:properties>
+</file>
+
+<file path=customXml/item3.xml><?xml version="1.0" encoding="utf-8"?>
 <?mso-contentType ?>
 <FormTemplates xmlns="http://schemas.microsoft.com/sharepoint/v3/contenttype/forms">
   <Display>DocumentLibraryForm</Display>
   <Edit>DocumentLibraryForm</Edit>
   <New>DocumentLibraryForm</New>
 </FormTemplates>
-</file>
-
-<file path=customXml/item3.xml><?xml version="1.0" encoding="utf-8"?>
-<p:properties xmlns:p="http://schemas.microsoft.com/office/2006/metadata/properties" xmlns:xsi="http://www.w3.org/2001/XMLSchema-instance" xmlns:pc="http://schemas.microsoft.com/office/infopath/2007/PartnerControls">
-  <documentManagement>
-    <Status xmlns="71af3243-3dd4-4a8d-8c0d-dd76da1f02a5">Not started</Status>
-    <MediaServiceKeyPoints xmlns="71af3243-3dd4-4a8d-8c0d-dd76da1f02a5" xsi:nil="true"/>
-  </documentManagement>
-</p:properties>
 </file>
 
 <file path=customXml/itemProps1.xml><?xml version="1.0" encoding="utf-8"?>
@@ -7089,14 +7164,6 @@
 </file>
 
 <file path=customXml/itemProps2.xml><?xml version="1.0" encoding="utf-8"?>
-<ds:datastoreItem xmlns:ds="http://schemas.openxmlformats.org/officeDocument/2006/customXml" ds:itemID="{3C586965-D4BF-4605-8C1C-5B8CCCAB7737}">
-  <ds:schemaRefs>
-    <ds:schemaRef ds:uri="http://schemas.microsoft.com/sharepoint/v3/contenttype/forms"/>
-  </ds:schemaRefs>
-</ds:datastoreItem>
-</file>
-
-<file path=customXml/itemProps3.xml><?xml version="1.0" encoding="utf-8"?>
 <ds:datastoreItem xmlns:ds="http://schemas.openxmlformats.org/officeDocument/2006/customXml" ds:itemID="{626E351D-C19B-467F-A5C7-085C4CECACA9}">
   <ds:schemaRefs>
     <ds:schemaRef ds:uri="http://schemas.microsoft.com/office/2006/metadata/properties"/>
@@ -7104,4 +7171,12 @@
     <ds:schemaRef ds:uri="71af3243-3dd4-4a8d-8c0d-dd76da1f02a5"/>
   </ds:schemaRefs>
 </ds:datastoreItem>
+</file>
+
+<file path=customXml/itemProps3.xml><?xml version="1.0" encoding="utf-8"?>
+<ds:datastoreItem xmlns:ds="http://schemas.openxmlformats.org/officeDocument/2006/customXml" ds:itemID="{3C586965-D4BF-4605-8C1C-5B8CCCAB7737}">
+  <ds:schemaRefs>
+    <ds:schemaRef ds:uri="http://schemas.microsoft.com/sharepoint/v3/contenttype/forms"/>
+  </ds:schemaRefs>
+</ds:datastoreItem>
 </file>
--- a/04-PresentationThirdPhase.pptx
+++ b/04-PresentationThirdPhase.pptx
@@ -5,7 +5,7 @@
     <p:sldMasterId id="2147483660" r:id="rId4"/>
   </p:sldMasterIdLst>
   <p:notesMasterIdLst>
-    <p:notesMasterId r:id="rId19"/>
+    <p:notesMasterId r:id="rId21"/>
   </p:notesMasterIdLst>
   <p:sldIdLst>
     <p:sldId id="265" r:id="rId5"/>
@@ -13,15 +13,17 @@
     <p:sldId id="310" r:id="rId7"/>
     <p:sldId id="323" r:id="rId8"/>
     <p:sldId id="311" r:id="rId9"/>
-    <p:sldId id="312" r:id="rId10"/>
-    <p:sldId id="319" r:id="rId11"/>
-    <p:sldId id="313" r:id="rId12"/>
-    <p:sldId id="320" r:id="rId13"/>
-    <p:sldId id="314" r:id="rId14"/>
-    <p:sldId id="317" r:id="rId15"/>
-    <p:sldId id="318" r:id="rId16"/>
-    <p:sldId id="322" r:id="rId17"/>
-    <p:sldId id="324" r:id="rId18"/>
+    <p:sldId id="325" r:id="rId10"/>
+    <p:sldId id="326" r:id="rId11"/>
+    <p:sldId id="312" r:id="rId12"/>
+    <p:sldId id="319" r:id="rId13"/>
+    <p:sldId id="313" r:id="rId14"/>
+    <p:sldId id="320" r:id="rId15"/>
+    <p:sldId id="314" r:id="rId16"/>
+    <p:sldId id="317" r:id="rId17"/>
+    <p:sldId id="318" r:id="rId18"/>
+    <p:sldId id="322" r:id="rId19"/>
+    <p:sldId id="324" r:id="rId20"/>
   </p:sldIdLst>
   <p:sldSz cx="12192000" cy="6858000"/>
   <p:notesSz cx="6858000" cy="9144000"/>
@@ -213,7 +215,7 @@
           <a:p>
             <a:fld id="{05052211-91C2-4B5D-9566-2C0C10015937}" type="datetimeFigureOut">
               <a:rPr lang="nl-NL" smtClean="0"/>
-              <a:t>18-6-2020</a:t>
+              <a:t>19-6-2020</a:t>
             </a:fld>
             <a:endParaRPr lang="nl-NL"/>
           </a:p>
@@ -741,7 +743,7 @@
           <a:p>
             <a:fld id="{F917F88C-BACD-4A94-B7B7-C91B49D4CB7C}" type="slidenum">
               <a:rPr lang="nl-NL" smtClean="0"/>
-              <a:t>10</a:t>
+              <a:t>12</a:t>
             </a:fld>
             <a:endParaRPr lang="nl-NL"/>
           </a:p>
@@ -834,7 +836,7 @@
           <a:p>
             <a:fld id="{F917F88C-BACD-4A94-B7B7-C91B49D4CB7C}" type="slidenum">
               <a:rPr lang="nl-NL" smtClean="0"/>
-              <a:t>11</a:t>
+              <a:t>13</a:t>
             </a:fld>
             <a:endParaRPr lang="nl-NL"/>
           </a:p>
@@ -921,7 +923,7 @@
           <a:p>
             <a:fld id="{F917F88C-BACD-4A94-B7B7-C91B49D4CB7C}" type="slidenum">
               <a:rPr lang="nl-NL" smtClean="0"/>
-              <a:t>12</a:t>
+              <a:t>14</a:t>
             </a:fld>
             <a:endParaRPr lang="nl-NL"/>
           </a:p>
@@ -1184,7 +1186,7 @@
           <a:p>
             <a:fld id="{9184DA70-C731-4C70-880D-CCD4705E623C}" type="datetime1">
               <a:rPr lang="en-US" smtClean="0"/>
-              <a:t>6/18/2020</a:t>
+              <a:t>6/19/2020</a:t>
             </a:fld>
             <a:endParaRPr lang="en-US" dirty="0"/>
           </a:p>
@@ -1372,7 +1374,7 @@
           <a:p>
             <a:fld id="{4BE1D723-8F53-4F53-90B0-1982A396982E}" type="datetime1">
               <a:rPr lang="en-US" smtClean="0"/>
-              <a:t>6/18/2020</a:t>
+              <a:t>6/19/2020</a:t>
             </a:fld>
             <a:endParaRPr lang="en-US" dirty="0"/>
           </a:p>
@@ -1745,7 +1747,7 @@
           <a:p>
             <a:fld id="{97669AF7-7BEB-44E4-9852-375E34362B5B}" type="datetime1">
               <a:rPr lang="en-US" smtClean="0"/>
-              <a:t>6/18/2020</a:t>
+              <a:t>6/19/2020</a:t>
             </a:fld>
             <a:endParaRPr lang="en-US" dirty="0"/>
           </a:p>
@@ -2000,7 +2002,7 @@
           <a:p>
             <a:fld id="{BAAAC38D-0552-4C82-B593-E6124DFADBE2}" type="datetime1">
               <a:rPr lang="en-US" smtClean="0"/>
-              <a:t>6/18/2020</a:t>
+              <a:t>6/19/2020</a:t>
             </a:fld>
             <a:endParaRPr lang="en-US" dirty="0"/>
           </a:p>
@@ -2397,7 +2399,7 @@
           <a:p>
             <a:fld id="{D9DF0F1C-5577-4ACB-BB62-DF8F3C494C7E}" type="datetime1">
               <a:rPr lang="en-US" smtClean="0"/>
-              <a:t>6/18/2020</a:t>
+              <a:t>6/19/2020</a:t>
             </a:fld>
             <a:endParaRPr lang="en-US" dirty="0"/>
           </a:p>
@@ -2533,7 +2535,7 @@
           <a:p>
             <a:fld id="{1775B394-D9F9-4F0C-B15D-605F45CB9E9F}" type="datetime1">
               <a:rPr lang="en-US" smtClean="0"/>
-              <a:t>6/18/2020</a:t>
+              <a:t>6/19/2020</a:t>
             </a:fld>
             <a:endParaRPr lang="en-US" dirty="0"/>
           </a:p>
@@ -2690,7 +2692,7 @@
           <a:p>
             <a:fld id="{39667345-2558-425A-8533-9BFDBCE15005}" type="datetime1">
               <a:rPr lang="en-US" smtClean="0"/>
-              <a:t>6/18/2020</a:t>
+              <a:t>6/19/2020</a:t>
             </a:fld>
             <a:endParaRPr lang="en-US" dirty="0"/>
           </a:p>
@@ -3019,7 +3021,7 @@
           <a:p>
             <a:fld id="{92BEA474-078D-4E9B-9B14-09A87B19DC46}" type="datetime1">
               <a:rPr lang="en-US" smtClean="0"/>
-              <a:t>6/18/2020</a:t>
+              <a:t>6/19/2020</a:t>
             </a:fld>
             <a:endParaRPr lang="en-US" dirty="0"/>
           </a:p>
@@ -3369,7 +3371,7 @@
           <a:p>
             <a:fld id="{4907D986-8816-4272-A432-0437A28A9828}" type="datetime1">
               <a:rPr lang="en-US" smtClean="0"/>
-              <a:t>6/18/2020</a:t>
+              <a:t>6/19/2020</a:t>
             </a:fld>
             <a:endParaRPr lang="en-US" dirty="0"/>
           </a:p>
@@ -3630,7 +3632,7 @@
           <a:p>
             <a:fld id="{62D6E202-B606-4609-B914-27C9371A1F6D}" type="datetime1">
               <a:rPr lang="en-US" smtClean="0"/>
-              <a:t>6/18/2020</a:t>
+              <a:t>6/19/2020</a:t>
             </a:fld>
             <a:endParaRPr lang="en-US" dirty="0"/>
           </a:p>
@@ -4749,7 +4751,7 @@
           <p:cNvPr id="2" name="Title 1">
             <a:extLst>
               <a:ext uri="{FF2B5EF4-FFF2-40B4-BE49-F238E27FC236}">
-                <a16:creationId xmlns:a16="http://schemas.microsoft.com/office/drawing/2014/main" id="{233F2E4A-DE16-334C-9AB7-734725DAC7A5}"/>
+                <a16:creationId xmlns:a16="http://schemas.microsoft.com/office/drawing/2014/main" id="{8BA4C2DD-6E22-274B-8E73-0864CCF300AE}"/>
               </a:ext>
             </a:extLst>
           </p:cNvPr>
@@ -4767,7 +4769,7 @@
           <a:p>
             <a:r>
               <a:rPr lang="en-US" dirty="0"/>
-              <a:t>UML Diagram</a:t>
+              <a:t>Bot</a:t>
             </a:r>
           </a:p>
         </p:txBody>
@@ -4777,7 +4779,7 @@
           <p:cNvPr id="3" name="Content Placeholder 2">
             <a:extLst>
               <a:ext uri="{FF2B5EF4-FFF2-40B4-BE49-F238E27FC236}">
-                <a16:creationId xmlns:a16="http://schemas.microsoft.com/office/drawing/2014/main" id="{7169AE04-0E63-2E47-B422-126D340626A6}"/>
+                <a16:creationId xmlns:a16="http://schemas.microsoft.com/office/drawing/2014/main" id="{4E3DCD13-71A0-6B4E-AD41-C79CB8F6CFFC}"/>
               </a:ext>
             </a:extLst>
           </p:cNvPr>
@@ -4795,7 +4797,7 @@
           <a:p>
             <a:r>
               <a:rPr lang="en-US" dirty="0"/>
-              <a:t>- Should we do it?</a:t>
+              <a:t>- New bot explanation</a:t>
             </a:r>
           </a:p>
         </p:txBody>
@@ -4803,7 +4805,7 @@
     </p:spTree>
     <p:extLst>
       <p:ext uri="{BB962C8B-B14F-4D97-AF65-F5344CB8AC3E}">
-        <p14:creationId xmlns:p14="http://schemas.microsoft.com/office/powerpoint/2010/main" val="3577463860"/>
+        <p14:creationId xmlns:p14="http://schemas.microsoft.com/office/powerpoint/2010/main" val="258929525"/>
       </p:ext>
     </p:extLst>
   </p:cSld>
@@ -4835,7 +4837,7 @@
           <p:cNvPr id="2" name="Title 1">
             <a:extLst>
               <a:ext uri="{FF2B5EF4-FFF2-40B4-BE49-F238E27FC236}">
-                <a16:creationId xmlns:a16="http://schemas.microsoft.com/office/drawing/2014/main" id="{5CA11336-2D88-4A4E-B47F-30DEE9950B8E}"/>
+                <a16:creationId xmlns:a16="http://schemas.microsoft.com/office/drawing/2014/main" id="{29F19A6B-CDB2-8D48-97AF-EC9F49EA2578}"/>
               </a:ext>
             </a:extLst>
           </p:cNvPr>
@@ -4853,7 +4855,7 @@
           <a:p>
             <a:r>
               <a:rPr lang="en-US" dirty="0"/>
-              <a:t>Collision Detection?</a:t>
+              <a:t>Experiments</a:t>
             </a:r>
           </a:p>
         </p:txBody>
@@ -4863,7 +4865,7 @@
           <p:cNvPr id="3" name="Content Placeholder 2">
             <a:extLst>
               <a:ext uri="{FF2B5EF4-FFF2-40B4-BE49-F238E27FC236}">
-                <a16:creationId xmlns:a16="http://schemas.microsoft.com/office/drawing/2014/main" id="{9AB3564E-A875-EA49-BF49-EEECA8BF23BB}"/>
+                <a16:creationId xmlns:a16="http://schemas.microsoft.com/office/drawing/2014/main" id="{B33325E4-832A-D040-B461-E6D8A517BFF9}"/>
               </a:ext>
             </a:extLst>
           </p:cNvPr>
@@ -4889,7 +4891,7 @@
     </p:spTree>
     <p:extLst>
       <p:ext uri="{BB962C8B-B14F-4D97-AF65-F5344CB8AC3E}">
-        <p14:creationId xmlns:p14="http://schemas.microsoft.com/office/powerpoint/2010/main" val="1886375000"/>
+        <p14:creationId xmlns:p14="http://schemas.microsoft.com/office/powerpoint/2010/main" val="3107714555"/>
       </p:ext>
     </p:extLst>
   </p:cSld>
@@ -4921,7 +4923,7 @@
           <p:cNvPr id="2" name="Title 1">
             <a:extLst>
               <a:ext uri="{FF2B5EF4-FFF2-40B4-BE49-F238E27FC236}">
-                <a16:creationId xmlns:a16="http://schemas.microsoft.com/office/drawing/2014/main" id="{538E8784-9CE9-174F-9AB5-4FEC4AC283AA}"/>
+                <a16:creationId xmlns:a16="http://schemas.microsoft.com/office/drawing/2014/main" id="{233F2E4A-DE16-334C-9AB7-734725DAC7A5}"/>
               </a:ext>
             </a:extLst>
           </p:cNvPr>
@@ -4939,7 +4941,7 @@
           <a:p>
             <a:r>
               <a:rPr lang="en-US" dirty="0"/>
-              <a:t>Save Loader system?</a:t>
+              <a:t>UML Diagram</a:t>
             </a:r>
           </a:p>
         </p:txBody>
@@ -4949,7 +4951,7 @@
           <p:cNvPr id="3" name="Content Placeholder 2">
             <a:extLst>
               <a:ext uri="{FF2B5EF4-FFF2-40B4-BE49-F238E27FC236}">
-                <a16:creationId xmlns:a16="http://schemas.microsoft.com/office/drawing/2014/main" id="{D3334042-A589-C447-8CB7-3178BDCCFAEA}"/>
+                <a16:creationId xmlns:a16="http://schemas.microsoft.com/office/drawing/2014/main" id="{7169AE04-0E63-2E47-B422-126D340626A6}"/>
               </a:ext>
             </a:extLst>
           </p:cNvPr>
@@ -4965,14 +4967,17 @@
           <a:bodyPr/>
           <a:lstStyle/>
           <a:p>
-            <a:endParaRPr lang="en-US" dirty="0"/>
+            <a:r>
+              <a:rPr lang="en-US" dirty="0"/>
+              <a:t>- Should we do it?</a:t>
+            </a:r>
           </a:p>
         </p:txBody>
       </p:sp>
     </p:spTree>
     <p:extLst>
       <p:ext uri="{BB962C8B-B14F-4D97-AF65-F5344CB8AC3E}">
-        <p14:creationId xmlns:p14="http://schemas.microsoft.com/office/powerpoint/2010/main" val="3411105790"/>
+        <p14:creationId xmlns:p14="http://schemas.microsoft.com/office/powerpoint/2010/main" val="3577463860"/>
       </p:ext>
     </p:extLst>
   </p:cSld>
@@ -5004,6 +5009,175 @@
           <p:cNvPr id="2" name="Title 1">
             <a:extLst>
               <a:ext uri="{FF2B5EF4-FFF2-40B4-BE49-F238E27FC236}">
+                <a16:creationId xmlns:a16="http://schemas.microsoft.com/office/drawing/2014/main" id="{5CA11336-2D88-4A4E-B47F-30DEE9950B8E}"/>
+              </a:ext>
+            </a:extLst>
+          </p:cNvPr>
+          <p:cNvSpPr>
+            <a:spLocks noGrp="1"/>
+          </p:cNvSpPr>
+          <p:nvPr>
+            <p:ph type="title"/>
+          </p:nvPr>
+        </p:nvSpPr>
+        <p:spPr/>
+        <p:txBody>
+          <a:bodyPr/>
+          <a:lstStyle/>
+          <a:p>
+            <a:r>
+              <a:rPr lang="en-US" dirty="0"/>
+              <a:t>Collision Detection?</a:t>
+            </a:r>
+          </a:p>
+        </p:txBody>
+      </p:sp>
+      <p:sp>
+        <p:nvSpPr>
+          <p:cNvPr id="3" name="Content Placeholder 2">
+            <a:extLst>
+              <a:ext uri="{FF2B5EF4-FFF2-40B4-BE49-F238E27FC236}">
+                <a16:creationId xmlns:a16="http://schemas.microsoft.com/office/drawing/2014/main" id="{9AB3564E-A875-EA49-BF49-EEECA8BF23BB}"/>
+              </a:ext>
+            </a:extLst>
+          </p:cNvPr>
+          <p:cNvSpPr>
+            <a:spLocks noGrp="1"/>
+          </p:cNvSpPr>
+          <p:nvPr>
+            <p:ph idx="1"/>
+          </p:nvPr>
+        </p:nvSpPr>
+        <p:spPr/>
+        <p:txBody>
+          <a:bodyPr/>
+          <a:lstStyle/>
+          <a:p>
+            <a:r>
+              <a:rPr lang="en-US" dirty="0"/>
+              <a:t>- TODO</a:t>
+            </a:r>
+          </a:p>
+        </p:txBody>
+      </p:sp>
+    </p:spTree>
+    <p:extLst>
+      <p:ext uri="{BB962C8B-B14F-4D97-AF65-F5344CB8AC3E}">
+        <p14:creationId xmlns:p14="http://schemas.microsoft.com/office/powerpoint/2010/main" val="1886375000"/>
+      </p:ext>
+    </p:extLst>
+  </p:cSld>
+  <p:clrMapOvr>
+    <a:masterClrMapping/>
+  </p:clrMapOvr>
+</p:sld>
+</file>
+
+<file path=ppt/slides/slide14.xml><?xml version="1.0" encoding="utf-8"?>
+<p:sld xmlns:a="http://schemas.openxmlformats.org/drawingml/2006/main" xmlns:r="http://schemas.openxmlformats.org/officeDocument/2006/relationships" xmlns:p="http://schemas.openxmlformats.org/presentationml/2006/main">
+  <p:cSld>
+    <p:spTree>
+      <p:nvGrpSpPr>
+        <p:cNvPr id="1" name=""/>
+        <p:cNvGrpSpPr/>
+        <p:nvPr/>
+      </p:nvGrpSpPr>
+      <p:grpSpPr>
+        <a:xfrm>
+          <a:off x="0" y="0"/>
+          <a:ext cx="0" cy="0"/>
+          <a:chOff x="0" y="0"/>
+          <a:chExt cx="0" cy="0"/>
+        </a:xfrm>
+      </p:grpSpPr>
+      <p:sp>
+        <p:nvSpPr>
+          <p:cNvPr id="2" name="Title 1">
+            <a:extLst>
+              <a:ext uri="{FF2B5EF4-FFF2-40B4-BE49-F238E27FC236}">
+                <a16:creationId xmlns:a16="http://schemas.microsoft.com/office/drawing/2014/main" id="{538E8784-9CE9-174F-9AB5-4FEC4AC283AA}"/>
+              </a:ext>
+            </a:extLst>
+          </p:cNvPr>
+          <p:cNvSpPr>
+            <a:spLocks noGrp="1"/>
+          </p:cNvSpPr>
+          <p:nvPr>
+            <p:ph type="title"/>
+          </p:nvPr>
+        </p:nvSpPr>
+        <p:spPr/>
+        <p:txBody>
+          <a:bodyPr/>
+          <a:lstStyle/>
+          <a:p>
+            <a:r>
+              <a:rPr lang="en-US" dirty="0"/>
+              <a:t>Save Loader system?</a:t>
+            </a:r>
+          </a:p>
+        </p:txBody>
+      </p:sp>
+      <p:sp>
+        <p:nvSpPr>
+          <p:cNvPr id="3" name="Content Placeholder 2">
+            <a:extLst>
+              <a:ext uri="{FF2B5EF4-FFF2-40B4-BE49-F238E27FC236}">
+                <a16:creationId xmlns:a16="http://schemas.microsoft.com/office/drawing/2014/main" id="{D3334042-A589-C447-8CB7-3178BDCCFAEA}"/>
+              </a:ext>
+            </a:extLst>
+          </p:cNvPr>
+          <p:cNvSpPr>
+            <a:spLocks noGrp="1"/>
+          </p:cNvSpPr>
+          <p:nvPr>
+            <p:ph idx="1"/>
+          </p:nvPr>
+        </p:nvSpPr>
+        <p:spPr/>
+        <p:txBody>
+          <a:bodyPr/>
+          <a:lstStyle/>
+          <a:p>
+            <a:endParaRPr lang="en-US" dirty="0"/>
+          </a:p>
+        </p:txBody>
+      </p:sp>
+    </p:spTree>
+    <p:extLst>
+      <p:ext uri="{BB962C8B-B14F-4D97-AF65-F5344CB8AC3E}">
+        <p14:creationId xmlns:p14="http://schemas.microsoft.com/office/powerpoint/2010/main" val="3411105790"/>
+      </p:ext>
+    </p:extLst>
+  </p:cSld>
+  <p:clrMapOvr>
+    <a:masterClrMapping/>
+  </p:clrMapOvr>
+</p:sld>
+</file>
+
+<file path=ppt/slides/slide15.xml><?xml version="1.0" encoding="utf-8"?>
+<p:sld xmlns:a="http://schemas.openxmlformats.org/drawingml/2006/main" xmlns:r="http://schemas.openxmlformats.org/officeDocument/2006/relationships" xmlns:p="http://schemas.openxmlformats.org/presentationml/2006/main">
+  <p:cSld>
+    <p:spTree>
+      <p:nvGrpSpPr>
+        <p:cNvPr id="1" name=""/>
+        <p:cNvGrpSpPr/>
+        <p:nvPr/>
+      </p:nvGrpSpPr>
+      <p:grpSpPr>
+        <a:xfrm>
+          <a:off x="0" y="0"/>
+          <a:ext cx="0" cy="0"/>
+          <a:chOff x="0" y="0"/>
+          <a:chExt cx="0" cy="0"/>
+        </a:xfrm>
+      </p:grpSpPr>
+      <p:sp>
+        <p:nvSpPr>
+          <p:cNvPr id="2" name="Title 1">
+            <a:extLst>
+              <a:ext uri="{FF2B5EF4-FFF2-40B4-BE49-F238E27FC236}">
                 <a16:creationId xmlns:a16="http://schemas.microsoft.com/office/drawing/2014/main" id="{AE509FE0-01FE-484D-9253-00E27C5034A6}"/>
               </a:ext>
             </a:extLst>
@@ -5065,7 +5239,7 @@
 </p:sld>
 </file>
 
-<file path=ppt/slides/slide14.xml><?xml version="1.0" encoding="utf-8"?>
+<file path=ppt/slides/slide16.xml><?xml version="1.0" encoding="utf-8"?>
 <p:sld xmlns:a="http://schemas.openxmlformats.org/drawingml/2006/main" xmlns:r="http://schemas.openxmlformats.org/officeDocument/2006/relationships" xmlns:p="http://schemas.openxmlformats.org/presentationml/2006/main">
   <p:cSld>
     <p:spTree>
@@ -5737,7 +5911,7 @@
         </p:spPr>
         <p:txBody>
           <a:bodyPr>
-            <a:normAutofit/>
+            <a:normAutofit fontScale="62500" lnSpcReduction="20000"/>
           </a:bodyPr>
           <a:lstStyle/>
           <a:p>
@@ -5747,8 +5921,101 @@
                   <a:srgbClr val="FFFFFF"/>
                 </a:solidFill>
               </a:rPr>
-              <a:t>We wrote our own game engine based on OpenGL. This means that we made everything from creating a window, a way to render our 3D world, allowing the use of textures, adding a system for importing 3D models, lighting calculations, a third person camera and so on our selves.</a:t>
-            </a:r>
+              <a:t>We have made our own </a:t>
+            </a:r>
+            <a:r>
+              <a:rPr lang="en-US" sz="1800" dirty="0" err="1">
+                <a:solidFill>
+                  <a:srgbClr val="FFFFFF"/>
+                </a:solidFill>
+              </a:rPr>
+              <a:t>openGL</a:t>
+            </a:r>
+            <a:r>
+              <a:rPr lang="en-US" sz="1800" dirty="0">
+                <a:solidFill>
+                  <a:srgbClr val="FFFFFF"/>
+                </a:solidFill>
+              </a:rPr>
+              <a:t>-based game engine with support for the following features:</a:t>
+            </a:r>
+          </a:p>
+          <a:p>
+            <a:r>
+              <a:rPr lang="en-US" sz="1800" dirty="0">
+                <a:solidFill>
+                  <a:srgbClr val="FFFFFF"/>
+                </a:solidFill>
+              </a:rPr>
+              <a:t>Dynamic terrain generation</a:t>
+            </a:r>
+          </a:p>
+          <a:p>
+            <a:r>
+              <a:rPr lang="en-US" sz="1800" dirty="0">
+                <a:solidFill>
+                  <a:srgbClr val="FFFFFF"/>
+                </a:solidFill>
+              </a:rPr>
+              <a:t>Real-time editing</a:t>
+            </a:r>
+          </a:p>
+          <a:p>
+            <a:r>
+              <a:rPr lang="en-US" sz="1800" dirty="0">
+                <a:solidFill>
+                  <a:srgbClr val="FFFFFF"/>
+                </a:solidFill>
+              </a:rPr>
+              <a:t>Collision detection</a:t>
+            </a:r>
+          </a:p>
+          <a:p>
+            <a:r>
+              <a:rPr lang="en-US" sz="1800" dirty="0">
+                <a:solidFill>
+                  <a:srgbClr val="FFFFFF"/>
+                </a:solidFill>
+              </a:rPr>
+              <a:t>Realistic lighting</a:t>
+            </a:r>
+          </a:p>
+          <a:p>
+            <a:r>
+              <a:rPr lang="en-US" sz="1800" dirty="0">
+                <a:solidFill>
+                  <a:srgbClr val="FFFFFF"/>
+                </a:solidFill>
+              </a:rPr>
+              <a:t>Water with special effects (du/dv maps, reflections, depth effect)</a:t>
+            </a:r>
+          </a:p>
+          <a:p>
+            <a:r>
+              <a:rPr lang="en-US" sz="1800" dirty="0">
+                <a:solidFill>
+                  <a:srgbClr val="FFFFFF"/>
+                </a:solidFill>
+              </a:rPr>
+              <a:t>3D model support (.obj)</a:t>
+            </a:r>
+          </a:p>
+          <a:p>
+            <a:r>
+              <a:rPr lang="en-US" sz="1800" dirty="0">
+                <a:solidFill>
+                  <a:srgbClr val="FFFFFF"/>
+                </a:solidFill>
+              </a:rPr>
+              <a:t>Third person camera</a:t>
+            </a:r>
+          </a:p>
+          <a:p>
+            <a:endParaRPr lang="en-US" sz="1800" dirty="0">
+              <a:solidFill>
+                <a:srgbClr val="FFFFFF"/>
+              </a:solidFill>
+            </a:endParaRPr>
           </a:p>
           <a:p>
             <a:endParaRPr lang="en-US" sz="1800" dirty="0">
@@ -5784,7 +6051,7 @@
         </p:blipFill>
         <p:spPr>
           <a:xfrm>
-            <a:off x="4742017" y="1517039"/>
+            <a:off x="4742017" y="1531787"/>
             <a:ext cx="6798082" cy="3823921"/>
           </a:xfrm>
           <a:prstGeom prst="rect">
@@ -5943,6 +6210,14 @@
 <file path=ppt/slides/slide6.xml><?xml version="1.0" encoding="utf-8"?>
 <p:sld xmlns:a="http://schemas.openxmlformats.org/drawingml/2006/main" xmlns:r="http://schemas.openxmlformats.org/officeDocument/2006/relationships" xmlns:p="http://schemas.openxmlformats.org/presentationml/2006/main">
   <p:cSld>
+    <p:bg>
+      <p:bgPr>
+        <a:solidFill>
+          <a:schemeClr val="bg1"/>
+        </a:solidFill>
+        <a:effectLst/>
+      </p:bgPr>
+    </p:bg>
     <p:spTree>
       <p:nvGrpSpPr>
         <p:cNvPr id="1" name=""/>
@@ -5959,10 +6234,65 @@
       </p:grpSpPr>
       <p:sp>
         <p:nvSpPr>
+          <p:cNvPr id="14" name="Rectangle 13">
+            <a:extLst>
+              <a:ext uri="{FF2B5EF4-FFF2-40B4-BE49-F238E27FC236}">
+                <a16:creationId xmlns:a16="http://schemas.microsoft.com/office/drawing/2014/main" id="{E844E128-FF69-4E9F-8327-6B504B3C5AE1}"/>
+              </a:ext>
+              <a:ext uri="{C183D7F6-B498-43B3-948B-1728B52AA6E4}">
+                <adec:decorative xmlns:adec="http://schemas.microsoft.com/office/drawing/2017/decorative" val="1"/>
+              </a:ext>
+            </a:extLst>
+          </p:cNvPr>
+          <p:cNvSpPr>
+            <a:spLocks noGrp="1" noRot="1" noChangeAspect="1" noMove="1" noResize="1" noEditPoints="1" noAdjustHandles="1" noChangeArrowheads="1" noChangeShapeType="1" noTextEdit="1"/>
+          </p:cNvSpPr>
+          <p:nvPr>
+            <p:extLst>
+              <p:ext uri="{386F3935-93C4-4BCD-93E2-E3B085C9AB24}">
+                <p16:designElem xmlns:p16="http://schemas.microsoft.com/office/powerpoint/2015/main" val="1"/>
+              </p:ext>
+            </p:extLst>
+          </p:nvPr>
+        </p:nvSpPr>
+        <p:spPr bwMode="white">
+          <a:xfrm>
+            <a:off x="15" y="0"/>
+            <a:ext cx="12191985" cy="6858000"/>
+          </a:xfrm>
+          <a:prstGeom prst="rect">
+            <a:avLst/>
+          </a:prstGeom>
+          <a:solidFill>
+            <a:srgbClr val="262626"/>
+          </a:solidFill>
+          <a:ln>
+            <a:noFill/>
+          </a:ln>
+        </p:spPr>
+        <p:style>
+          <a:lnRef idx="2">
+            <a:schemeClr val="accent1">
+              <a:shade val="50000"/>
+            </a:schemeClr>
+          </a:lnRef>
+          <a:fillRef idx="1">
+            <a:schemeClr val="accent1"/>
+          </a:fillRef>
+          <a:effectRef idx="0">
+            <a:schemeClr val="accent1"/>
+          </a:effectRef>
+          <a:fontRef idx="minor">
+            <a:schemeClr val="lt1"/>
+          </a:fontRef>
+        </p:style>
+      </p:sp>
+      <p:sp>
+        <p:nvSpPr>
           <p:cNvPr id="2" name="Title 1">
             <a:extLst>
               <a:ext uri="{FF2B5EF4-FFF2-40B4-BE49-F238E27FC236}">
-                <a16:creationId xmlns:a16="http://schemas.microsoft.com/office/drawing/2014/main" id="{200E7CE6-2441-3C46-9FC0-54953D57A541}"/>
+                <a16:creationId xmlns:a16="http://schemas.microsoft.com/office/drawing/2014/main" id="{6DC84F3E-FD66-4E15-9705-5AF74366E55D}"/>
               </a:ext>
             </a:extLst>
           </p:cNvPr>
@@ -5973,24 +6303,92 @@
             <p:ph type="title"/>
           </p:nvPr>
         </p:nvSpPr>
-        <p:spPr/>
-        <p:txBody>
-          <a:bodyPr/>
-          <a:lstStyle/>
-          <a:p>
-            <a:r>
-              <a:rPr lang="en-US" dirty="0"/>
-              <a:t>Physics</a:t>
-            </a:r>
-          </a:p>
-        </p:txBody>
-      </p:sp>
+        <p:spPr>
+          <a:xfrm>
+            <a:off x="1097280" y="516835"/>
+            <a:ext cx="5977937" cy="1666501"/>
+          </a:xfrm>
+        </p:spPr>
+        <p:txBody>
+          <a:bodyPr>
+            <a:normAutofit/>
+          </a:bodyPr>
+          <a:lstStyle/>
+          <a:p>
+            <a:r>
+              <a:rPr lang="en-US" sz="4000">
+                <a:solidFill>
+                  <a:srgbClr val="FFFFFF"/>
+                </a:solidFill>
+              </a:rPr>
+              <a:t>Terrain generation</a:t>
+            </a:r>
+            <a:endParaRPr lang="nl-NL" sz="4000">
+              <a:solidFill>
+                <a:srgbClr val="FFFFFF"/>
+              </a:solidFill>
+            </a:endParaRPr>
+          </a:p>
+        </p:txBody>
+      </p:sp>
+      <p:cxnSp>
+        <p:nvCxnSpPr>
+          <p:cNvPr id="16" name="Straight Connector 15">
+            <a:extLst>
+              <a:ext uri="{FF2B5EF4-FFF2-40B4-BE49-F238E27FC236}">
+                <a16:creationId xmlns:a16="http://schemas.microsoft.com/office/drawing/2014/main" id="{055CEADF-09EA-423C-8C45-F94AF44D5AF0}"/>
+              </a:ext>
+              <a:ext uri="{C183D7F6-B498-43B3-948B-1728B52AA6E4}">
+                <adec:decorative xmlns:adec="http://schemas.microsoft.com/office/drawing/2017/decorative" val="1"/>
+              </a:ext>
+            </a:extLst>
+          </p:cNvPr>
+          <p:cNvCxnSpPr>
+            <a:cxnSpLocks noGrp="1" noRot="1" noChangeAspect="1" noMove="1" noResize="1" noEditPoints="1" noAdjustHandles="1" noChangeArrowheads="1" noChangeShapeType="1"/>
+          </p:cNvCxnSpPr>
+          <p:nvPr>
+            <p:extLst>
+              <p:ext uri="{386F3935-93C4-4BCD-93E2-E3B085C9AB24}">
+                <p16:designElem xmlns:p16="http://schemas.microsoft.com/office/powerpoint/2015/main" val="1"/>
+              </p:ext>
+            </p:extLst>
+          </p:nvPr>
+        </p:nvCxnSpPr>
+        <p:spPr>
+          <a:xfrm>
+            <a:off x="1215896" y="2353592"/>
+            <a:ext cx="5303520" cy="0"/>
+          </a:xfrm>
+          <a:prstGeom prst="line">
+            <a:avLst/>
+          </a:prstGeom>
+          <a:ln w="19050">
+            <a:solidFill>
+              <a:schemeClr val="accent1"/>
+            </a:solidFill>
+          </a:ln>
+        </p:spPr>
+        <p:style>
+          <a:lnRef idx="1">
+            <a:schemeClr val="accent1"/>
+          </a:lnRef>
+          <a:fillRef idx="0">
+            <a:schemeClr val="accent1"/>
+          </a:fillRef>
+          <a:effectRef idx="0">
+            <a:schemeClr val="accent1"/>
+          </a:effectRef>
+          <a:fontRef idx="minor">
+            <a:schemeClr val="tx1"/>
+          </a:fontRef>
+        </p:style>
+      </p:cxnSp>
       <p:sp>
         <p:nvSpPr>
           <p:cNvPr id="3" name="Content Placeholder 2">
             <a:extLst>
               <a:ext uri="{FF2B5EF4-FFF2-40B4-BE49-F238E27FC236}">
-                <a16:creationId xmlns:a16="http://schemas.microsoft.com/office/drawing/2014/main" id="{08FF44B2-D01F-164B-9336-71FB8412FC79}"/>
+                <a16:creationId xmlns:a16="http://schemas.microsoft.com/office/drawing/2014/main" id="{67E2C6FA-7ECC-4F70-9133-D8AF06BA398A}"/>
               </a:ext>
             </a:extLst>
           </p:cNvPr>
@@ -6001,27 +6399,110 @@
             <p:ph idx="1"/>
           </p:nvPr>
         </p:nvSpPr>
-        <p:spPr/>
-        <p:txBody>
-          <a:bodyPr/>
-          <a:lstStyle/>
-          <a:p>
-            <a:r>
-              <a:rPr lang="en-US" dirty="0"/>
-              <a:t>- Flying balls explanation by Matthijs the genius</a:t>
-            </a:r>
-          </a:p>
-        </p:txBody>
-      </p:sp>
+        <p:spPr>
+          <a:xfrm>
+            <a:off x="1097279" y="2546224"/>
+            <a:ext cx="5977938" cy="3342747"/>
+          </a:xfrm>
+        </p:spPr>
+        <p:txBody>
+          <a:bodyPr>
+            <a:normAutofit/>
+          </a:bodyPr>
+          <a:lstStyle/>
+          <a:p>
+            <a:r>
+              <a:rPr lang="en-US" sz="1800">
+                <a:solidFill>
+                  <a:srgbClr val="FFFFFF"/>
+                </a:solidFill>
+              </a:rPr>
+              <a:t>Given a mathematical function with the variables x and y we can generate a terrain during runtime. </a:t>
+            </a:r>
+          </a:p>
+          <a:p>
+            <a:endParaRPr lang="en-US" sz="1800">
+              <a:solidFill>
+                <a:srgbClr val="FFFFFF"/>
+              </a:solidFill>
+            </a:endParaRPr>
+          </a:p>
+          <a:p>
+            <a:endParaRPr lang="nl-NL" sz="1800">
+              <a:solidFill>
+                <a:srgbClr val="FFFFFF"/>
+              </a:solidFill>
+            </a:endParaRPr>
+          </a:p>
+        </p:txBody>
+      </p:sp>
+      <p:pic>
+        <p:nvPicPr>
+          <p:cNvPr id="9" name="Picture 8">
+            <a:extLst>
+              <a:ext uri="{FF2B5EF4-FFF2-40B4-BE49-F238E27FC236}">
+                <a16:creationId xmlns:a16="http://schemas.microsoft.com/office/drawing/2014/main" id="{EAE68DA4-442C-4DAA-B407-33D705C64385}"/>
+              </a:ext>
+            </a:extLst>
+          </p:cNvPr>
+          <p:cNvPicPr>
+            <a:picLocks noChangeAspect="1"/>
+          </p:cNvPicPr>
+          <p:nvPr/>
+        </p:nvPicPr>
+        <p:blipFill>
+          <a:blip r:embed="rId2"/>
+          <a:srcRect/>
+          <a:stretch/>
+        </p:blipFill>
+        <p:spPr>
+          <a:xfrm>
+            <a:off x="-2" y="3429000"/>
+            <a:ext cx="6098137" cy="3429000"/>
+          </a:xfrm>
+          <a:prstGeom prst="rect">
+            <a:avLst/>
+          </a:prstGeom>
+        </p:spPr>
+      </p:pic>
+      <p:pic>
+        <p:nvPicPr>
+          <p:cNvPr id="7" name="Picture 6">
+            <a:extLst>
+              <a:ext uri="{FF2B5EF4-FFF2-40B4-BE49-F238E27FC236}">
+                <a16:creationId xmlns:a16="http://schemas.microsoft.com/office/drawing/2014/main" id="{8282C41E-2112-4A71-8D00-1E4560859BB1}"/>
+              </a:ext>
+            </a:extLst>
+          </p:cNvPr>
+          <p:cNvPicPr>
+            <a:picLocks noChangeAspect="1"/>
+          </p:cNvPicPr>
+          <p:nvPr/>
+        </p:nvPicPr>
+        <p:blipFill>
+          <a:blip r:embed="rId3"/>
+          <a:srcRect/>
+          <a:stretch/>
+        </p:blipFill>
+        <p:spPr>
+          <a:xfrm>
+            <a:off x="6096000" y="3418745"/>
+            <a:ext cx="6095985" cy="3439255"/>
+          </a:xfrm>
+          <a:prstGeom prst="rect">
+            <a:avLst/>
+          </a:prstGeom>
+        </p:spPr>
+      </p:pic>
     </p:spTree>
     <p:extLst>
       <p:ext uri="{BB962C8B-B14F-4D97-AF65-F5344CB8AC3E}">
-        <p14:creationId xmlns:p14="http://schemas.microsoft.com/office/powerpoint/2010/main" val="1901925188"/>
+        <p14:creationId xmlns:p14="http://schemas.microsoft.com/office/powerpoint/2010/main" val="832711326"/>
       </p:ext>
     </p:extLst>
   </p:cSld>
   <p:clrMapOvr>
-    <a:masterClrMapping/>
+    <a:overrideClrMapping bg1="dk1" tx1="lt1" bg2="dk2" tx2="lt2" accent1="accent1" accent2="accent2" accent3="accent3" accent4="accent4" accent5="accent5" accent6="accent6" hlink="hlink" folHlink="folHlink"/>
   </p:clrMapOvr>
 </p:sld>
 </file>
@@ -6029,6 +6510,14 @@
 <file path=ppt/slides/slide7.xml><?xml version="1.0" encoding="utf-8"?>
 <p:sld xmlns:a="http://schemas.openxmlformats.org/drawingml/2006/main" xmlns:r="http://schemas.openxmlformats.org/officeDocument/2006/relationships" xmlns:p="http://schemas.openxmlformats.org/presentationml/2006/main">
   <p:cSld>
+    <p:bg>
+      <p:bgPr>
+        <a:solidFill>
+          <a:schemeClr val="bg1"/>
+        </a:solidFill>
+        <a:effectLst/>
+      </p:bgPr>
+    </p:bg>
     <p:spTree>
       <p:nvGrpSpPr>
         <p:cNvPr id="1" name=""/>
@@ -6043,12 +6532,72 @@
           <a:chExt cx="0" cy="0"/>
         </a:xfrm>
       </p:grpSpPr>
+      <p:sp useBgFill="1">
+        <p:nvSpPr>
+          <p:cNvPr id="16" name="Rectangle 15">
+            <a:extLst>
+              <a:ext uri="{FF2B5EF4-FFF2-40B4-BE49-F238E27FC236}">
+                <a16:creationId xmlns:a16="http://schemas.microsoft.com/office/drawing/2014/main" id="{0A913F90-4522-4E66-98B7-DC02FD8BBE9F}"/>
+              </a:ext>
+              <a:ext uri="{C183D7F6-B498-43B3-948B-1728B52AA6E4}">
+                <adec:decorative xmlns:adec="http://schemas.microsoft.com/office/drawing/2017/decorative" val="1"/>
+              </a:ext>
+            </a:extLst>
+          </p:cNvPr>
+          <p:cNvSpPr>
+            <a:spLocks noGrp="1" noRot="1" noChangeAspect="1" noMove="1" noResize="1" noEditPoints="1" noAdjustHandles="1" noChangeArrowheads="1" noChangeShapeType="1" noTextEdit="1"/>
+          </p:cNvSpPr>
+          <p:nvPr>
+            <p:extLst>
+              <p:ext uri="{386F3935-93C4-4BCD-93E2-E3B085C9AB24}">
+                <p16:designElem xmlns:p16="http://schemas.microsoft.com/office/powerpoint/2015/main" val="1"/>
+              </p:ext>
+            </p:extLst>
+          </p:nvPr>
+        </p:nvSpPr>
+        <p:spPr>
+          <a:xfrm>
+            <a:off x="0" y="0"/>
+            <a:ext cx="12192001" cy="6858000"/>
+          </a:xfrm>
+          <a:prstGeom prst="rect">
+            <a:avLst/>
+          </a:prstGeom>
+          <a:ln>
+            <a:noFill/>
+          </a:ln>
+        </p:spPr>
+        <p:style>
+          <a:lnRef idx="2">
+            <a:schemeClr val="accent1">
+              <a:shade val="50000"/>
+            </a:schemeClr>
+          </a:lnRef>
+          <a:fillRef idx="1">
+            <a:schemeClr val="accent1"/>
+          </a:fillRef>
+          <a:effectRef idx="0">
+            <a:schemeClr val="accent1"/>
+          </a:effectRef>
+          <a:fontRef idx="minor">
+            <a:schemeClr val="lt1"/>
+          </a:fontRef>
+        </p:style>
+        <p:txBody>
+          <a:bodyPr rtlCol="0" anchor="ctr"/>
+          <a:lstStyle/>
+          <a:p>
+            <a:pPr algn="ctr"/>
+            <a:endParaRPr lang="en-US"/>
+          </a:p>
+        </p:txBody>
+      </p:sp>
       <p:sp>
         <p:nvSpPr>
           <p:cNvPr id="2" name="Title 1">
             <a:extLst>
               <a:ext uri="{FF2B5EF4-FFF2-40B4-BE49-F238E27FC236}">
-                <a16:creationId xmlns:a16="http://schemas.microsoft.com/office/drawing/2014/main" id="{ECC9EA66-DA16-8F4D-85C8-7C1A8AA5E8C0}"/>
+                <a16:creationId xmlns:a16="http://schemas.microsoft.com/office/drawing/2014/main" id="{B53BD68D-F464-4D27-A89D-686E01E734B7}"/>
               </a:ext>
             </a:extLst>
           </p:cNvPr>
@@ -6059,50 +6608,391 @@
             <p:ph type="title"/>
           </p:nvPr>
         </p:nvSpPr>
-        <p:spPr/>
-        <p:txBody>
-          <a:bodyPr/>
-          <a:lstStyle/>
-          <a:p>
+        <p:spPr>
+          <a:xfrm>
+            <a:off x="1097280" y="286603"/>
+            <a:ext cx="10058400" cy="1450757"/>
+          </a:xfrm>
+        </p:spPr>
+        <p:txBody>
+          <a:bodyPr>
+            <a:normAutofit/>
+          </a:bodyPr>
+          <a:lstStyle/>
+          <a:p>
+            <a:r>
+              <a:rPr lang="en-US"/>
+              <a:t>Collision detection</a:t>
+            </a:r>
+            <a:endParaRPr lang="nl-NL" dirty="0"/>
+          </a:p>
+        </p:txBody>
+      </p:sp>
+      <p:cxnSp>
+        <p:nvCxnSpPr>
+          <p:cNvPr id="18" name="Straight Connector 17">
+            <a:extLst>
+              <a:ext uri="{FF2B5EF4-FFF2-40B4-BE49-F238E27FC236}">
+                <a16:creationId xmlns:a16="http://schemas.microsoft.com/office/drawing/2014/main" id="{6B55B8CC-0F92-4837-A535-00875F255E11}"/>
+              </a:ext>
+              <a:ext uri="{C183D7F6-B498-43B3-948B-1728B52AA6E4}">
+                <adec:decorative xmlns:adec="http://schemas.microsoft.com/office/drawing/2017/decorative" val="1"/>
+              </a:ext>
+            </a:extLst>
+          </p:cNvPr>
+          <p:cNvCxnSpPr>
+            <a:cxnSpLocks noGrp="1" noRot="1" noChangeAspect="1" noMove="1" noResize="1" noEditPoints="1" noAdjustHandles="1" noChangeArrowheads="1" noChangeShapeType="1"/>
+          </p:cNvCxnSpPr>
+          <p:nvPr>
+            <p:extLst>
+              <p:ext uri="{386F3935-93C4-4BCD-93E2-E3B085C9AB24}">
+                <p16:designElem xmlns:p16="http://schemas.microsoft.com/office/powerpoint/2015/main" val="1"/>
+              </p:ext>
+            </p:extLst>
+          </p:nvPr>
+        </p:nvCxnSpPr>
+        <p:spPr>
+          <a:xfrm>
+            <a:off x="1193532" y="1897380"/>
+            <a:ext cx="9966960" cy="0"/>
+          </a:xfrm>
+          <a:prstGeom prst="line">
+            <a:avLst/>
+          </a:prstGeom>
+          <a:ln w="12700">
+            <a:solidFill>
+              <a:schemeClr val="tx1">
+                <a:lumMod val="75000"/>
+                <a:lumOff val="25000"/>
+              </a:schemeClr>
+            </a:solidFill>
+          </a:ln>
+        </p:spPr>
+        <p:style>
+          <a:lnRef idx="1">
+            <a:schemeClr val="accent1"/>
+          </a:lnRef>
+          <a:fillRef idx="0">
+            <a:schemeClr val="accent1"/>
+          </a:fillRef>
+          <a:effectRef idx="0">
+            <a:schemeClr val="accent1"/>
+          </a:effectRef>
+          <a:fontRef idx="minor">
+            <a:schemeClr val="tx1"/>
+          </a:fontRef>
+        </p:style>
+      </p:cxnSp>
+      <p:sp>
+        <p:nvSpPr>
+          <p:cNvPr id="13" name="Content Placeholder 12">
+            <a:extLst>
+              <a:ext uri="{FF2B5EF4-FFF2-40B4-BE49-F238E27FC236}">
+                <a16:creationId xmlns:a16="http://schemas.microsoft.com/office/drawing/2014/main" id="{F3B7A8B1-1037-4344-A0A6-A4126E5CE139}"/>
+              </a:ext>
+            </a:extLst>
+          </p:cNvPr>
+          <p:cNvSpPr>
+            <a:spLocks noGrp="1"/>
+          </p:cNvSpPr>
+          <p:nvPr>
+            <p:ph idx="1"/>
+          </p:nvPr>
+        </p:nvSpPr>
+        <p:spPr>
+          <a:xfrm>
+            <a:off x="1097280" y="2108201"/>
+            <a:ext cx="10058400" cy="1117441"/>
+          </a:xfrm>
+        </p:spPr>
+        <p:txBody>
+          <a:bodyPr>
+            <a:normAutofit fontScale="70000" lnSpcReduction="20000"/>
+          </a:bodyPr>
+          <a:lstStyle/>
+          <a:p>
+            <a:pPr marL="0" indent="0">
+              <a:buNone/>
+            </a:pPr>
             <a:r>
               <a:rPr lang="en-US" dirty="0"/>
-              <a:t>Experiments</a:t>
-            </a:r>
-          </a:p>
-        </p:txBody>
-      </p:sp>
-      <p:sp>
-        <p:nvSpPr>
-          <p:cNvPr id="3" name="Content Placeholder 2">
-            <a:extLst>
-              <a:ext uri="{FF2B5EF4-FFF2-40B4-BE49-F238E27FC236}">
-                <a16:creationId xmlns:a16="http://schemas.microsoft.com/office/drawing/2014/main" id="{C9558773-9B13-A84D-89BB-7F3575370622}"/>
-              </a:ext>
-            </a:extLst>
-          </p:cNvPr>
-          <p:cNvSpPr>
-            <a:spLocks noGrp="1"/>
-          </p:cNvSpPr>
-          <p:nvPr>
-            <p:ph idx="1"/>
-          </p:nvPr>
-        </p:nvSpPr>
-        <p:spPr/>
-        <p:txBody>
-          <a:bodyPr/>
-          <a:lstStyle/>
-          <a:p>
+              <a:t>Stages:</a:t>
+            </a:r>
+          </a:p>
+          <a:p>
+            <a:pPr marL="0" indent="0">
+              <a:buNone/>
+            </a:pPr>
             <a:r>
               <a:rPr lang="en-US" dirty="0"/>
-              <a:t>- TODO</a:t>
-            </a:r>
+              <a:t>1. Check if the smallest possible box around an object, that still contains every point making up the model, overlaps with that of the ball.</a:t>
+            </a:r>
+          </a:p>
+          <a:p>
+            <a:pPr marL="0" indent="0">
+              <a:buNone/>
+            </a:pPr>
+            <a:r>
+              <a:rPr lang="en-US" dirty="0"/>
+              <a:t>2. Check if the actual mesh is colliding with the ball</a:t>
+            </a:r>
+          </a:p>
+        </p:txBody>
+      </p:sp>
+      <p:pic>
+        <p:nvPicPr>
+          <p:cNvPr id="9" name="Picture 8">
+            <a:extLst>
+              <a:ext uri="{FF2B5EF4-FFF2-40B4-BE49-F238E27FC236}">
+                <a16:creationId xmlns:a16="http://schemas.microsoft.com/office/drawing/2014/main" id="{0A07C9A6-65AE-46AC-896D-7B886CA5F3ED}"/>
+              </a:ext>
+            </a:extLst>
+          </p:cNvPr>
+          <p:cNvPicPr>
+            <a:picLocks noChangeAspect="1"/>
+          </p:cNvPicPr>
+          <p:nvPr/>
+        </p:nvPicPr>
+        <p:blipFill>
+          <a:blip r:embed="rId2"/>
+          <a:srcRect/>
+          <a:stretch/>
+        </p:blipFill>
+        <p:spPr>
+          <a:xfrm>
+            <a:off x="1156083" y="3391669"/>
+            <a:ext cx="2533675" cy="2481142"/>
+          </a:xfrm>
+          <a:prstGeom prst="rect">
+            <a:avLst/>
+          </a:prstGeom>
+        </p:spPr>
+      </p:pic>
+      <p:pic>
+        <p:nvPicPr>
+          <p:cNvPr id="7" name="Picture 6">
+            <a:extLst>
+              <a:ext uri="{FF2B5EF4-FFF2-40B4-BE49-F238E27FC236}">
+                <a16:creationId xmlns:a16="http://schemas.microsoft.com/office/drawing/2014/main" id="{9A2EA1FE-F77B-4C6D-8ED3-EF9FCC49A67C}"/>
+              </a:ext>
+            </a:extLst>
+          </p:cNvPr>
+          <p:cNvPicPr>
+            <a:picLocks noChangeAspect="1"/>
+          </p:cNvPicPr>
+          <p:nvPr/>
+        </p:nvPicPr>
+        <p:blipFill>
+          <a:blip r:embed="rId3"/>
+          <a:srcRect/>
+          <a:stretch/>
+        </p:blipFill>
+        <p:spPr>
+          <a:xfrm>
+            <a:off x="5172481" y="3391669"/>
+            <a:ext cx="2067059" cy="2531428"/>
+          </a:xfrm>
+          <a:prstGeom prst="rect">
+            <a:avLst/>
+          </a:prstGeom>
+        </p:spPr>
+      </p:pic>
+      <p:pic>
+        <p:nvPicPr>
+          <p:cNvPr id="5" name="Content Placeholder 4">
+            <a:extLst>
+              <a:ext uri="{FF2B5EF4-FFF2-40B4-BE49-F238E27FC236}">
+                <a16:creationId xmlns:a16="http://schemas.microsoft.com/office/drawing/2014/main" id="{6AF4E6FB-0D00-4757-BCF7-3C3D502166DD}"/>
+              </a:ext>
+            </a:extLst>
+          </p:cNvPr>
+          <p:cNvPicPr>
+            <a:picLocks noChangeAspect="1"/>
+          </p:cNvPicPr>
+          <p:nvPr/>
+        </p:nvPicPr>
+        <p:blipFill>
+          <a:blip r:embed="rId4"/>
+          <a:srcRect/>
+          <a:stretch/>
+        </p:blipFill>
+        <p:spPr>
+          <a:xfrm>
+            <a:off x="8642216" y="3387970"/>
+            <a:ext cx="1876973" cy="2572459"/>
+          </a:xfrm>
+          <a:prstGeom prst="rect">
+            <a:avLst/>
+          </a:prstGeom>
+        </p:spPr>
+      </p:pic>
+      <p:sp>
+        <p:nvSpPr>
+          <p:cNvPr id="20" name="Rectangle 19">
+            <a:extLst>
+              <a:ext uri="{FF2B5EF4-FFF2-40B4-BE49-F238E27FC236}">
+                <a16:creationId xmlns:a16="http://schemas.microsoft.com/office/drawing/2014/main" id="{6344C6FC-AA4A-4CB4-835E-C976EBC08E63}"/>
+              </a:ext>
+              <a:ext uri="{C183D7F6-B498-43B3-948B-1728B52AA6E4}">
+                <adec:decorative xmlns:adec="http://schemas.microsoft.com/office/drawing/2017/decorative" val="1"/>
+              </a:ext>
+            </a:extLst>
+          </p:cNvPr>
+          <p:cNvSpPr>
+            <a:spLocks noGrp="1" noRot="1" noChangeAspect="1" noMove="1" noResize="1" noEditPoints="1" noAdjustHandles="1" noChangeArrowheads="1" noChangeShapeType="1" noTextEdit="1"/>
+          </p:cNvSpPr>
+          <p:nvPr>
+            <p:extLst>
+              <p:ext uri="{386F3935-93C4-4BCD-93E2-E3B085C9AB24}">
+                <p16:designElem xmlns:p16="http://schemas.microsoft.com/office/powerpoint/2015/main" val="1"/>
+              </p:ext>
+            </p:extLst>
+          </p:nvPr>
+        </p:nvSpPr>
+        <p:spPr>
+          <a:xfrm>
+            <a:off x="-1" y="6400800"/>
+            <a:ext cx="12192000" cy="457200"/>
+          </a:xfrm>
+          <a:prstGeom prst="rect">
+            <a:avLst/>
+          </a:prstGeom>
+          <a:solidFill>
+            <a:srgbClr val="262626"/>
+          </a:solidFill>
+          <a:ln>
+            <a:noFill/>
+          </a:ln>
+        </p:spPr>
+        <p:style>
+          <a:lnRef idx="2">
+            <a:schemeClr val="accent1">
+              <a:shade val="50000"/>
+            </a:schemeClr>
+          </a:lnRef>
+          <a:fillRef idx="1">
+            <a:schemeClr val="accent1"/>
+          </a:fillRef>
+          <a:effectRef idx="0">
+            <a:schemeClr val="accent1"/>
+          </a:effectRef>
+          <a:fontRef idx="minor">
+            <a:schemeClr val="lt1"/>
+          </a:fontRef>
+        </p:style>
+      </p:sp>
+      <p:sp>
+        <p:nvSpPr>
+          <p:cNvPr id="10" name="TextBox 9">
+            <a:extLst>
+              <a:ext uri="{FF2B5EF4-FFF2-40B4-BE49-F238E27FC236}">
+                <a16:creationId xmlns:a16="http://schemas.microsoft.com/office/drawing/2014/main" id="{58ED5E63-D634-405B-936B-02B078CA0A06}"/>
+              </a:ext>
+            </a:extLst>
+          </p:cNvPr>
+          <p:cNvSpPr txBox="1"/>
+          <p:nvPr/>
+        </p:nvSpPr>
+        <p:spPr>
+          <a:xfrm>
+            <a:off x="1156083" y="5902225"/>
+            <a:ext cx="1847036" cy="338554"/>
+          </a:xfrm>
+          <a:prstGeom prst="rect">
+            <a:avLst/>
+          </a:prstGeom>
+          <a:noFill/>
+        </p:spPr>
+        <p:txBody>
+          <a:bodyPr wrap="square" rtlCol="0">
+            <a:spAutoFit/>
+          </a:bodyPr>
+          <a:lstStyle/>
+          <a:p>
+            <a:r>
+              <a:rPr lang="en-US" sz="1600" dirty="0"/>
+              <a:t>No collision</a:t>
+            </a:r>
+            <a:endParaRPr lang="nl-NL" sz="1600" dirty="0"/>
+          </a:p>
+        </p:txBody>
+      </p:sp>
+      <p:sp>
+        <p:nvSpPr>
+          <p:cNvPr id="19" name="TextBox 18">
+            <a:extLst>
+              <a:ext uri="{FF2B5EF4-FFF2-40B4-BE49-F238E27FC236}">
+                <a16:creationId xmlns:a16="http://schemas.microsoft.com/office/drawing/2014/main" id="{B5DDBF74-E6DE-41A5-9126-2F43A4AA2232}"/>
+              </a:ext>
+            </a:extLst>
+          </p:cNvPr>
+          <p:cNvSpPr txBox="1"/>
+          <p:nvPr/>
+        </p:nvSpPr>
+        <p:spPr>
+          <a:xfrm>
+            <a:off x="5122368" y="5902225"/>
+            <a:ext cx="1847036" cy="338554"/>
+          </a:xfrm>
+          <a:prstGeom prst="rect">
+            <a:avLst/>
+          </a:prstGeom>
+          <a:noFill/>
+        </p:spPr>
+        <p:txBody>
+          <a:bodyPr wrap="square" rtlCol="0">
+            <a:spAutoFit/>
+          </a:bodyPr>
+          <a:lstStyle/>
+          <a:p>
+            <a:r>
+              <a:rPr lang="en-US" sz="1600" dirty="0"/>
+              <a:t>Overlapping box</a:t>
+            </a:r>
+            <a:endParaRPr lang="nl-NL" sz="1600" dirty="0"/>
+          </a:p>
+        </p:txBody>
+      </p:sp>
+      <p:sp>
+        <p:nvSpPr>
+          <p:cNvPr id="21" name="TextBox 20">
+            <a:extLst>
+              <a:ext uri="{FF2B5EF4-FFF2-40B4-BE49-F238E27FC236}">
+                <a16:creationId xmlns:a16="http://schemas.microsoft.com/office/drawing/2014/main" id="{43237E2E-2FA2-44CE-B7C4-912BDD33DD9C}"/>
+              </a:ext>
+            </a:extLst>
+          </p:cNvPr>
+          <p:cNvSpPr txBox="1"/>
+          <p:nvPr/>
+        </p:nvSpPr>
+        <p:spPr>
+          <a:xfrm>
+            <a:off x="8585041" y="5926495"/>
+            <a:ext cx="1847036" cy="338554"/>
+          </a:xfrm>
+          <a:prstGeom prst="rect">
+            <a:avLst/>
+          </a:prstGeom>
+          <a:noFill/>
+        </p:spPr>
+        <p:txBody>
+          <a:bodyPr wrap="square" rtlCol="0">
+            <a:spAutoFit/>
+          </a:bodyPr>
+          <a:lstStyle/>
+          <a:p>
+            <a:r>
+              <a:rPr lang="en-US" sz="1600" dirty="0"/>
+              <a:t>Collision</a:t>
+            </a:r>
+            <a:endParaRPr lang="nl-NL" sz="1600" dirty="0"/>
           </a:p>
         </p:txBody>
       </p:sp>
     </p:spTree>
     <p:extLst>
       <p:ext uri="{BB962C8B-B14F-4D97-AF65-F5344CB8AC3E}">
-        <p14:creationId xmlns:p14="http://schemas.microsoft.com/office/powerpoint/2010/main" val="233089366"/>
+        <p14:creationId xmlns:p14="http://schemas.microsoft.com/office/powerpoint/2010/main" val="3387947597"/>
       </p:ext>
     </p:extLst>
   </p:cSld>
@@ -6134,7 +7024,7 @@
           <p:cNvPr id="2" name="Title 1">
             <a:extLst>
               <a:ext uri="{FF2B5EF4-FFF2-40B4-BE49-F238E27FC236}">
-                <a16:creationId xmlns:a16="http://schemas.microsoft.com/office/drawing/2014/main" id="{8BA4C2DD-6E22-274B-8E73-0864CCF300AE}"/>
+                <a16:creationId xmlns:a16="http://schemas.microsoft.com/office/drawing/2014/main" id="{200E7CE6-2441-3C46-9FC0-54953D57A541}"/>
               </a:ext>
             </a:extLst>
           </p:cNvPr>
@@ -6152,7 +7042,7 @@
           <a:p>
             <a:r>
               <a:rPr lang="en-US" dirty="0"/>
-              <a:t>Bot</a:t>
+              <a:t>Physics</a:t>
             </a:r>
           </a:p>
         </p:txBody>
@@ -6162,7 +7052,7 @@
           <p:cNvPr id="3" name="Content Placeholder 2">
             <a:extLst>
               <a:ext uri="{FF2B5EF4-FFF2-40B4-BE49-F238E27FC236}">
-                <a16:creationId xmlns:a16="http://schemas.microsoft.com/office/drawing/2014/main" id="{4E3DCD13-71A0-6B4E-AD41-C79CB8F6CFFC}"/>
+                <a16:creationId xmlns:a16="http://schemas.microsoft.com/office/drawing/2014/main" id="{08FF44B2-D01F-164B-9336-71FB8412FC79}"/>
               </a:ext>
             </a:extLst>
           </p:cNvPr>
@@ -6180,7 +7070,7 @@
           <a:p>
             <a:r>
               <a:rPr lang="en-US" dirty="0"/>
-              <a:t>- New bot explanation</a:t>
+              <a:t>- Flying balls explanation by Matthijs the genius</a:t>
             </a:r>
           </a:p>
         </p:txBody>
@@ -6188,7 +7078,7 @@
     </p:spTree>
     <p:extLst>
       <p:ext uri="{BB962C8B-B14F-4D97-AF65-F5344CB8AC3E}">
-        <p14:creationId xmlns:p14="http://schemas.microsoft.com/office/powerpoint/2010/main" val="258929525"/>
+        <p14:creationId xmlns:p14="http://schemas.microsoft.com/office/powerpoint/2010/main" val="1901925188"/>
       </p:ext>
     </p:extLst>
   </p:cSld>
@@ -6220,7 +7110,7 @@
           <p:cNvPr id="2" name="Title 1">
             <a:extLst>
               <a:ext uri="{FF2B5EF4-FFF2-40B4-BE49-F238E27FC236}">
-                <a16:creationId xmlns:a16="http://schemas.microsoft.com/office/drawing/2014/main" id="{29F19A6B-CDB2-8D48-97AF-EC9F49EA2578}"/>
+                <a16:creationId xmlns:a16="http://schemas.microsoft.com/office/drawing/2014/main" id="{ECC9EA66-DA16-8F4D-85C8-7C1A8AA5E8C0}"/>
               </a:ext>
             </a:extLst>
           </p:cNvPr>
@@ -6248,7 +7138,7 @@
           <p:cNvPr id="3" name="Content Placeholder 2">
             <a:extLst>
               <a:ext uri="{FF2B5EF4-FFF2-40B4-BE49-F238E27FC236}">
-                <a16:creationId xmlns:a16="http://schemas.microsoft.com/office/drawing/2014/main" id="{B33325E4-832A-D040-B461-E6D8A517BFF9}"/>
+                <a16:creationId xmlns:a16="http://schemas.microsoft.com/office/drawing/2014/main" id="{C9558773-9B13-A84D-89BB-7F3575370622}"/>
               </a:ext>
             </a:extLst>
           </p:cNvPr>
@@ -6274,7 +7164,7 @@
     </p:spTree>
     <p:extLst>
       <p:ext uri="{BB962C8B-B14F-4D97-AF65-F5344CB8AC3E}">
-        <p14:creationId xmlns:p14="http://schemas.microsoft.com/office/powerpoint/2010/main" val="3107714555"/>
+        <p14:creationId xmlns:p14="http://schemas.microsoft.com/office/powerpoint/2010/main" val="233089366"/>
       </p:ext>
     </p:extLst>
   </p:cSld>
@@ -7127,21 +8017,21 @@
 </file>
 
 <file path=customXml/item2.xml><?xml version="1.0" encoding="utf-8"?>
+<?mso-contentType ?>
+<FormTemplates xmlns="http://schemas.microsoft.com/sharepoint/v3/contenttype/forms">
+  <Display>DocumentLibraryForm</Display>
+  <Edit>DocumentLibraryForm</Edit>
+  <New>DocumentLibraryForm</New>
+</FormTemplates>
+</file>
+
+<file path=customXml/item3.xml><?xml version="1.0" encoding="utf-8"?>
 <p:properties xmlns:p="http://schemas.microsoft.com/office/2006/metadata/properties" xmlns:xsi="http://www.w3.org/2001/XMLSchema-instance" xmlns:pc="http://schemas.microsoft.com/office/infopath/2007/PartnerControls">
   <documentManagement>
     <Status xmlns="71af3243-3dd4-4a8d-8c0d-dd76da1f02a5">Not started</Status>
     <MediaServiceKeyPoints xmlns="71af3243-3dd4-4a8d-8c0d-dd76da1f02a5" xsi:nil="true"/>
   </documentManagement>
 </p:properties>
-</file>
-
-<file path=customXml/item3.xml><?xml version="1.0" encoding="utf-8"?>
-<?mso-contentType ?>
-<FormTemplates xmlns="http://schemas.microsoft.com/sharepoint/v3/contenttype/forms">
-  <Display>DocumentLibraryForm</Display>
-  <Edit>DocumentLibraryForm</Edit>
-  <New>DocumentLibraryForm</New>
-</FormTemplates>
 </file>
 
 <file path=customXml/itemProps1.xml><?xml version="1.0" encoding="utf-8"?>
@@ -7164,6 +8054,14 @@
 </file>
 
 <file path=customXml/itemProps2.xml><?xml version="1.0" encoding="utf-8"?>
+<ds:datastoreItem xmlns:ds="http://schemas.openxmlformats.org/officeDocument/2006/customXml" ds:itemID="{3C586965-D4BF-4605-8C1C-5B8CCCAB7737}">
+  <ds:schemaRefs>
+    <ds:schemaRef ds:uri="http://schemas.microsoft.com/sharepoint/v3/contenttype/forms"/>
+  </ds:schemaRefs>
+</ds:datastoreItem>
+</file>
+
+<file path=customXml/itemProps3.xml><?xml version="1.0" encoding="utf-8"?>
 <ds:datastoreItem xmlns:ds="http://schemas.openxmlformats.org/officeDocument/2006/customXml" ds:itemID="{626E351D-C19B-467F-A5C7-085C4CECACA9}">
   <ds:schemaRefs>
     <ds:schemaRef ds:uri="http://schemas.microsoft.com/office/2006/metadata/properties"/>
@@ -7171,12 +8069,4 @@
     <ds:schemaRef ds:uri="71af3243-3dd4-4a8d-8c0d-dd76da1f02a5"/>
   </ds:schemaRefs>
 </ds:datastoreItem>
-</file>
-
-<file path=customXml/itemProps3.xml><?xml version="1.0" encoding="utf-8"?>
-<ds:datastoreItem xmlns:ds="http://schemas.openxmlformats.org/officeDocument/2006/customXml" ds:itemID="{3C586965-D4BF-4605-8C1C-5B8CCCAB7737}">
-  <ds:schemaRefs>
-    <ds:schemaRef ds:uri="http://schemas.microsoft.com/sharepoint/v3/contenttype/forms"/>
-  </ds:schemaRefs>
-</ds:datastoreItem>
 </file>
--- a/04-PresentationThirdPhase.pptx
+++ b/04-PresentationThirdPhase.pptx
@@ -719,10 +719,7 @@
           <a:bodyPr/>
           <a:lstStyle/>
           <a:p>
-            <a:r>
-              <a:rPr lang="en-US" dirty="0"/>
-              <a:t>Is it a good idea to put this in the presentation?</a:t>
-            </a:r>
+            <a:endParaRPr lang="nl-NL"/>
           </a:p>
         </p:txBody>
       </p:sp>
@@ -743,7 +740,7 @@
           <a:p>
             <a:fld id="{F917F88C-BACD-4A94-B7B7-C91B49D4CB7C}" type="slidenum">
               <a:rPr lang="nl-NL" smtClean="0"/>
-              <a:t>12</a:t>
+              <a:t>7</a:t>
             </a:fld>
             <a:endParaRPr lang="nl-NL"/>
           </a:p>
@@ -752,7 +749,7 @@
     </p:spTree>
     <p:extLst>
       <p:ext uri="{BB962C8B-B14F-4D97-AF65-F5344CB8AC3E}">
-        <p14:creationId xmlns:p14="http://schemas.microsoft.com/office/powerpoint/2010/main" val="2273832958"/>
+        <p14:creationId xmlns:p14="http://schemas.microsoft.com/office/powerpoint/2010/main" val="2118906966"/>
       </p:ext>
     </p:extLst>
   </p:cSld>
@@ -808,6 +805,93 @@
           <a:p>
             <a:r>
               <a:rPr lang="en-US" dirty="0"/>
+              <a:t>Is it a good idea to put this in the presentation?</a:t>
+            </a:r>
+          </a:p>
+        </p:txBody>
+      </p:sp>
+      <p:sp>
+        <p:nvSpPr>
+          <p:cNvPr id="4" name="Slide Number Placeholder 3"/>
+          <p:cNvSpPr>
+            <a:spLocks noGrp="1"/>
+          </p:cNvSpPr>
+          <p:nvPr>
+            <p:ph type="sldNum" sz="quarter" idx="5"/>
+          </p:nvPr>
+        </p:nvSpPr>
+        <p:spPr/>
+        <p:txBody>
+          <a:bodyPr/>
+          <a:lstStyle/>
+          <a:p>
+            <a:fld id="{F917F88C-BACD-4A94-B7B7-C91B49D4CB7C}" type="slidenum">
+              <a:rPr lang="nl-NL" smtClean="0"/>
+              <a:t>12</a:t>
+            </a:fld>
+            <a:endParaRPr lang="nl-NL"/>
+          </a:p>
+        </p:txBody>
+      </p:sp>
+    </p:spTree>
+    <p:extLst>
+      <p:ext uri="{BB962C8B-B14F-4D97-AF65-F5344CB8AC3E}">
+        <p14:creationId xmlns:p14="http://schemas.microsoft.com/office/powerpoint/2010/main" val="2273832958"/>
+      </p:ext>
+    </p:extLst>
+  </p:cSld>
+  <p:clrMapOvr>
+    <a:masterClrMapping/>
+  </p:clrMapOvr>
+</p:notes>
+</file>
+
+<file path=ppt/notesSlides/notesSlide5.xml><?xml version="1.0" encoding="utf-8"?>
+<p:notes xmlns:a="http://schemas.openxmlformats.org/drawingml/2006/main" xmlns:r="http://schemas.openxmlformats.org/officeDocument/2006/relationships" xmlns:p="http://schemas.openxmlformats.org/presentationml/2006/main">
+  <p:cSld>
+    <p:spTree>
+      <p:nvGrpSpPr>
+        <p:cNvPr id="1" name=""/>
+        <p:cNvGrpSpPr/>
+        <p:nvPr/>
+      </p:nvGrpSpPr>
+      <p:grpSpPr>
+        <a:xfrm>
+          <a:off x="0" y="0"/>
+          <a:ext cx="0" cy="0"/>
+          <a:chOff x="0" y="0"/>
+          <a:chExt cx="0" cy="0"/>
+        </a:xfrm>
+      </p:grpSpPr>
+      <p:sp>
+        <p:nvSpPr>
+          <p:cNvPr id="2" name="Slide Image Placeholder 1"/>
+          <p:cNvSpPr>
+            <a:spLocks noGrp="1" noRot="1" noChangeAspect="1"/>
+          </p:cNvSpPr>
+          <p:nvPr>
+            <p:ph type="sldImg"/>
+          </p:nvPr>
+        </p:nvSpPr>
+        <p:spPr/>
+      </p:sp>
+      <p:sp>
+        <p:nvSpPr>
+          <p:cNvPr id="3" name="Notes Placeholder 2"/>
+          <p:cNvSpPr>
+            <a:spLocks noGrp="1"/>
+          </p:cNvSpPr>
+          <p:nvPr>
+            <p:ph type="body" idx="1"/>
+          </p:nvPr>
+        </p:nvSpPr>
+        <p:spPr/>
+        <p:txBody>
+          <a:bodyPr/>
+          <a:lstStyle/>
+          <a:p>
+            <a:r>
+              <a:rPr lang="en-US" dirty="0"/>
               <a:t>Since it was one of the requirements for this phase I think we should talk about it.</a:t>
             </a:r>
           </a:p>
@@ -855,7 +939,7 @@
 </p:notes>
 </file>
 
-<file path=ppt/notesSlides/notesSlide5.xml><?xml version="1.0" encoding="utf-8"?>
+<file path=ppt/notesSlides/notesSlide6.xml><?xml version="1.0" encoding="utf-8"?>
 <p:notes xmlns:a="http://schemas.openxmlformats.org/drawingml/2006/main" xmlns:r="http://schemas.openxmlformats.org/officeDocument/2006/relationships" xmlns:p="http://schemas.openxmlformats.org/presentationml/2006/main">
   <p:cSld>
     <p:spTree>
@@ -6754,7 +6838,7 @@
           <p:nvPr/>
         </p:nvPicPr>
         <p:blipFill>
-          <a:blip r:embed="rId2"/>
+          <a:blip r:embed="rId3"/>
           <a:srcRect/>
           <a:stretch/>
         </p:blipFill>
@@ -6783,7 +6867,7 @@
           <p:nvPr/>
         </p:nvPicPr>
         <p:blipFill>
-          <a:blip r:embed="rId3"/>
+          <a:blip r:embed="rId4"/>
           <a:srcRect/>
           <a:stretch/>
         </p:blipFill>
@@ -6812,7 +6896,7 @@
           <p:nvPr/>
         </p:nvPicPr>
         <p:blipFill>
-          <a:blip r:embed="rId4"/>
+          <a:blip r:embed="rId5"/>
           <a:srcRect/>
           <a:stretch/>
         </p:blipFill>
@@ -6947,7 +7031,7 @@
           <a:p>
             <a:r>
               <a:rPr lang="en-US" sz="1600" dirty="0"/>
-              <a:t>Overlapping box</a:t>
+              <a:t>Possible collision</a:t>
             </a:r>
             <a:endParaRPr lang="nl-NL" sz="1600" dirty="0"/>
           </a:p>
@@ -8017,21 +8101,21 @@
 </file>
 
 <file path=customXml/item2.xml><?xml version="1.0" encoding="utf-8"?>
+<p:properties xmlns:p="http://schemas.microsoft.com/office/2006/metadata/properties" xmlns:xsi="http://www.w3.org/2001/XMLSchema-instance" xmlns:pc="http://schemas.microsoft.com/office/infopath/2007/PartnerControls">
+  <documentManagement>
+    <Status xmlns="71af3243-3dd4-4a8d-8c0d-dd76da1f02a5">Not started</Status>
+    <MediaServiceKeyPoints xmlns="71af3243-3dd4-4a8d-8c0d-dd76da1f02a5" xsi:nil="true"/>
+  </documentManagement>
+</p:properties>
+</file>
+
+<file path=customXml/item3.xml><?xml version="1.0" encoding="utf-8"?>
 <?mso-contentType ?>
 <FormTemplates xmlns="http://schemas.microsoft.com/sharepoint/v3/contenttype/forms">
   <Display>DocumentLibraryForm</Display>
   <Edit>DocumentLibraryForm</Edit>
   <New>DocumentLibraryForm</New>
 </FormTemplates>
-</file>
-
-<file path=customXml/item3.xml><?xml version="1.0" encoding="utf-8"?>
-<p:properties xmlns:p="http://schemas.microsoft.com/office/2006/metadata/properties" xmlns:xsi="http://www.w3.org/2001/XMLSchema-instance" xmlns:pc="http://schemas.microsoft.com/office/infopath/2007/PartnerControls">
-  <documentManagement>
-    <Status xmlns="71af3243-3dd4-4a8d-8c0d-dd76da1f02a5">Not started</Status>
-    <MediaServiceKeyPoints xmlns="71af3243-3dd4-4a8d-8c0d-dd76da1f02a5" xsi:nil="true"/>
-  </documentManagement>
-</p:properties>
 </file>
 
 <file path=customXml/itemProps1.xml><?xml version="1.0" encoding="utf-8"?>
@@ -8054,14 +8138,6 @@
 </file>
 
 <file path=customXml/itemProps2.xml><?xml version="1.0" encoding="utf-8"?>
-<ds:datastoreItem xmlns:ds="http://schemas.openxmlformats.org/officeDocument/2006/customXml" ds:itemID="{3C586965-D4BF-4605-8C1C-5B8CCCAB7737}">
-  <ds:schemaRefs>
-    <ds:schemaRef ds:uri="http://schemas.microsoft.com/sharepoint/v3/contenttype/forms"/>
-  </ds:schemaRefs>
-</ds:datastoreItem>
-</file>
-
-<file path=customXml/itemProps3.xml><?xml version="1.0" encoding="utf-8"?>
 <ds:datastoreItem xmlns:ds="http://schemas.openxmlformats.org/officeDocument/2006/customXml" ds:itemID="{626E351D-C19B-467F-A5C7-085C4CECACA9}">
   <ds:schemaRefs>
     <ds:schemaRef ds:uri="http://schemas.microsoft.com/office/2006/metadata/properties"/>
@@ -8069,4 +8145,12 @@
     <ds:schemaRef ds:uri="71af3243-3dd4-4a8d-8c0d-dd76da1f02a5"/>
   </ds:schemaRefs>
 </ds:datastoreItem>
+</file>
+
+<file path=customXml/itemProps3.xml><?xml version="1.0" encoding="utf-8"?>
+<ds:datastoreItem xmlns:ds="http://schemas.openxmlformats.org/officeDocument/2006/customXml" ds:itemID="{3C586965-D4BF-4605-8C1C-5B8CCCAB7737}">
+  <ds:schemaRefs>
+    <ds:schemaRef ds:uri="http://schemas.microsoft.com/sharepoint/v3/contenttype/forms"/>
+  </ds:schemaRefs>
+</ds:datastoreItem>
 </file>
--- a/04-PresentationThirdPhase.pptx
+++ b/04-PresentationThirdPhase.pptx
@@ -5,7 +5,7 @@
     <p:sldMasterId id="2147483660" r:id="rId4"/>
   </p:sldMasterIdLst>
   <p:notesMasterIdLst>
-    <p:notesMasterId r:id="rId21"/>
+    <p:notesMasterId r:id="rId20"/>
   </p:notesMasterIdLst>
   <p:sldIdLst>
     <p:sldId id="265" r:id="rId5"/>
@@ -15,15 +15,14 @@
     <p:sldId id="311" r:id="rId9"/>
     <p:sldId id="325" r:id="rId10"/>
     <p:sldId id="326" r:id="rId11"/>
-    <p:sldId id="312" r:id="rId12"/>
-    <p:sldId id="319" r:id="rId13"/>
-    <p:sldId id="313" r:id="rId14"/>
-    <p:sldId id="320" r:id="rId15"/>
-    <p:sldId id="314" r:id="rId16"/>
+    <p:sldId id="318" r:id="rId12"/>
+    <p:sldId id="312" r:id="rId13"/>
+    <p:sldId id="319" r:id="rId14"/>
+    <p:sldId id="313" r:id="rId15"/>
+    <p:sldId id="320" r:id="rId16"/>
     <p:sldId id="317" r:id="rId17"/>
-    <p:sldId id="318" r:id="rId18"/>
-    <p:sldId id="322" r:id="rId19"/>
-    <p:sldId id="324" r:id="rId20"/>
+    <p:sldId id="322" r:id="rId18"/>
+    <p:sldId id="324" r:id="rId19"/>
   </p:sldIdLst>
   <p:sldSz cx="12192000" cy="6858000"/>
   <p:notesSz cx="6858000" cy="9144000"/>
@@ -215,7 +214,7 @@
           <a:p>
             <a:fld id="{05052211-91C2-4B5D-9566-2C0C10015937}" type="datetimeFigureOut">
               <a:rPr lang="nl-NL" smtClean="0"/>
-              <a:t>19-6-2020</a:t>
+              <a:t>20-6-2020</a:t>
             </a:fld>
             <a:endParaRPr lang="nl-NL"/>
           </a:p>
@@ -805,7 +804,7 @@
           <a:p>
             <a:r>
               <a:rPr lang="en-US" dirty="0"/>
-              <a:t>Is it a good idea to put this in the presentation?</a:t>
+              <a:t>Should it be there?</a:t>
             </a:r>
           </a:p>
         </p:txBody>
@@ -827,7 +826,7 @@
           <a:p>
             <a:fld id="{F917F88C-BACD-4A94-B7B7-C91B49D4CB7C}" type="slidenum">
               <a:rPr lang="nl-NL" smtClean="0"/>
-              <a:t>12</a:t>
+              <a:t>8</a:t>
             </a:fld>
             <a:endParaRPr lang="nl-NL"/>
           </a:p>
@@ -836,7 +835,7 @@
     </p:spTree>
     <p:extLst>
       <p:ext uri="{BB962C8B-B14F-4D97-AF65-F5344CB8AC3E}">
-        <p14:creationId xmlns:p14="http://schemas.microsoft.com/office/powerpoint/2010/main" val="2273832958"/>
+        <p14:creationId xmlns:p14="http://schemas.microsoft.com/office/powerpoint/2010/main" val="165521519"/>
       </p:ext>
     </p:extLst>
   </p:cSld>
@@ -930,93 +929,6 @@
     <p:extLst>
       <p:ext uri="{BB962C8B-B14F-4D97-AF65-F5344CB8AC3E}">
         <p14:creationId xmlns:p14="http://schemas.microsoft.com/office/powerpoint/2010/main" val="3617776286"/>
-      </p:ext>
-    </p:extLst>
-  </p:cSld>
-  <p:clrMapOvr>
-    <a:masterClrMapping/>
-  </p:clrMapOvr>
-</p:notes>
-</file>
-
-<file path=ppt/notesSlides/notesSlide6.xml><?xml version="1.0" encoding="utf-8"?>
-<p:notes xmlns:a="http://schemas.openxmlformats.org/drawingml/2006/main" xmlns:r="http://schemas.openxmlformats.org/officeDocument/2006/relationships" xmlns:p="http://schemas.openxmlformats.org/presentationml/2006/main">
-  <p:cSld>
-    <p:spTree>
-      <p:nvGrpSpPr>
-        <p:cNvPr id="1" name=""/>
-        <p:cNvGrpSpPr/>
-        <p:nvPr/>
-      </p:nvGrpSpPr>
-      <p:grpSpPr>
-        <a:xfrm>
-          <a:off x="0" y="0"/>
-          <a:ext cx="0" cy="0"/>
-          <a:chOff x="0" y="0"/>
-          <a:chExt cx="0" cy="0"/>
-        </a:xfrm>
-      </p:grpSpPr>
-      <p:sp>
-        <p:nvSpPr>
-          <p:cNvPr id="2" name="Slide Image Placeholder 1"/>
-          <p:cNvSpPr>
-            <a:spLocks noGrp="1" noRot="1" noChangeAspect="1"/>
-          </p:cNvSpPr>
-          <p:nvPr>
-            <p:ph type="sldImg"/>
-          </p:nvPr>
-        </p:nvSpPr>
-        <p:spPr/>
-      </p:sp>
-      <p:sp>
-        <p:nvSpPr>
-          <p:cNvPr id="3" name="Notes Placeholder 2"/>
-          <p:cNvSpPr>
-            <a:spLocks noGrp="1"/>
-          </p:cNvSpPr>
-          <p:nvPr>
-            <p:ph type="body" idx="1"/>
-          </p:nvPr>
-        </p:nvSpPr>
-        <p:spPr/>
-        <p:txBody>
-          <a:bodyPr/>
-          <a:lstStyle/>
-          <a:p>
-            <a:r>
-              <a:rPr lang="en-US" dirty="0"/>
-              <a:t>Should it be there?</a:t>
-            </a:r>
-          </a:p>
-        </p:txBody>
-      </p:sp>
-      <p:sp>
-        <p:nvSpPr>
-          <p:cNvPr id="4" name="Slide Number Placeholder 3"/>
-          <p:cNvSpPr>
-            <a:spLocks noGrp="1"/>
-          </p:cNvSpPr>
-          <p:nvPr>
-            <p:ph type="sldNum" sz="quarter" idx="5"/>
-          </p:nvPr>
-        </p:nvSpPr>
-        <p:spPr/>
-        <p:txBody>
-          <a:bodyPr/>
-          <a:lstStyle/>
-          <a:p>
-            <a:fld id="{F917F88C-BACD-4A94-B7B7-C91B49D4CB7C}" type="slidenum">
-              <a:rPr lang="nl-NL" smtClean="0"/>
-              <a:t>14</a:t>
-            </a:fld>
-            <a:endParaRPr lang="nl-NL"/>
-          </a:p>
-        </p:txBody>
-      </p:sp>
-    </p:spTree>
-    <p:extLst>
-      <p:ext uri="{BB962C8B-B14F-4D97-AF65-F5344CB8AC3E}">
-        <p14:creationId xmlns:p14="http://schemas.microsoft.com/office/powerpoint/2010/main" val="165521519"/>
       </p:ext>
     </p:extLst>
   </p:cSld>
@@ -1270,7 +1182,7 @@
           <a:p>
             <a:fld id="{9184DA70-C731-4C70-880D-CCD4705E623C}" type="datetime1">
               <a:rPr lang="en-US" smtClean="0"/>
-              <a:t>6/19/2020</a:t>
+              <a:t>6/20/2020</a:t>
             </a:fld>
             <a:endParaRPr lang="en-US" dirty="0"/>
           </a:p>
@@ -1458,7 +1370,7 @@
           <a:p>
             <a:fld id="{4BE1D723-8F53-4F53-90B0-1982A396982E}" type="datetime1">
               <a:rPr lang="en-US" smtClean="0"/>
-              <a:t>6/19/2020</a:t>
+              <a:t>6/20/2020</a:t>
             </a:fld>
             <a:endParaRPr lang="en-US" dirty="0"/>
           </a:p>
@@ -1831,7 +1743,7 @@
           <a:p>
             <a:fld id="{97669AF7-7BEB-44E4-9852-375E34362B5B}" type="datetime1">
               <a:rPr lang="en-US" smtClean="0"/>
-              <a:t>6/19/2020</a:t>
+              <a:t>6/20/2020</a:t>
             </a:fld>
             <a:endParaRPr lang="en-US" dirty="0"/>
           </a:p>
@@ -2086,7 +1998,7 @@
           <a:p>
             <a:fld id="{BAAAC38D-0552-4C82-B593-E6124DFADBE2}" type="datetime1">
               <a:rPr lang="en-US" smtClean="0"/>
-              <a:t>6/19/2020</a:t>
+              <a:t>6/20/2020</a:t>
             </a:fld>
             <a:endParaRPr lang="en-US" dirty="0"/>
           </a:p>
@@ -2483,7 +2395,7 @@
           <a:p>
             <a:fld id="{D9DF0F1C-5577-4ACB-BB62-DF8F3C494C7E}" type="datetime1">
               <a:rPr lang="en-US" smtClean="0"/>
-              <a:t>6/19/2020</a:t>
+              <a:t>6/20/2020</a:t>
             </a:fld>
             <a:endParaRPr lang="en-US" dirty="0"/>
           </a:p>
@@ -2619,7 +2531,7 @@
           <a:p>
             <a:fld id="{1775B394-D9F9-4F0C-B15D-605F45CB9E9F}" type="datetime1">
               <a:rPr lang="en-US" smtClean="0"/>
-              <a:t>6/19/2020</a:t>
+              <a:t>6/20/2020</a:t>
             </a:fld>
             <a:endParaRPr lang="en-US" dirty="0"/>
           </a:p>
@@ -2776,7 +2688,7 @@
           <a:p>
             <a:fld id="{39667345-2558-425A-8533-9BFDBCE15005}" type="datetime1">
               <a:rPr lang="en-US" smtClean="0"/>
-              <a:t>6/19/2020</a:t>
+              <a:t>6/20/2020</a:t>
             </a:fld>
             <a:endParaRPr lang="en-US" dirty="0"/>
           </a:p>
@@ -3105,7 +3017,7 @@
           <a:p>
             <a:fld id="{92BEA474-078D-4E9B-9B14-09A87B19DC46}" type="datetime1">
               <a:rPr lang="en-US" smtClean="0"/>
-              <a:t>6/19/2020</a:t>
+              <a:t>6/20/2020</a:t>
             </a:fld>
             <a:endParaRPr lang="en-US" dirty="0"/>
           </a:p>
@@ -3455,7 +3367,7 @@
           <a:p>
             <a:fld id="{4907D986-8816-4272-A432-0437A28A9828}" type="datetime1">
               <a:rPr lang="en-US" smtClean="0"/>
-              <a:t>6/19/2020</a:t>
+              <a:t>6/20/2020</a:t>
             </a:fld>
             <a:endParaRPr lang="en-US" dirty="0"/>
           </a:p>
@@ -3716,7 +3628,7 @@
           <a:p>
             <a:fld id="{62D6E202-B606-4609-B914-27C9371A1F6D}" type="datetime1">
               <a:rPr lang="en-US" smtClean="0"/>
-              <a:t>6/19/2020</a:t>
+              <a:t>6/20/2020</a:t>
             </a:fld>
             <a:endParaRPr lang="en-US" dirty="0"/>
           </a:p>
@@ -4835,7 +4747,7 @@
           <p:cNvPr id="2" name="Title 1">
             <a:extLst>
               <a:ext uri="{FF2B5EF4-FFF2-40B4-BE49-F238E27FC236}">
-                <a16:creationId xmlns:a16="http://schemas.microsoft.com/office/drawing/2014/main" id="{8BA4C2DD-6E22-274B-8E73-0864CCF300AE}"/>
+                <a16:creationId xmlns:a16="http://schemas.microsoft.com/office/drawing/2014/main" id="{ECC9EA66-DA16-8F4D-85C8-7C1A8AA5E8C0}"/>
               </a:ext>
             </a:extLst>
           </p:cNvPr>
@@ -4853,7 +4765,7 @@
           <a:p>
             <a:r>
               <a:rPr lang="en-US" dirty="0"/>
-              <a:t>Bot</a:t>
+              <a:t>Experiments</a:t>
             </a:r>
           </a:p>
         </p:txBody>
@@ -4863,7 +4775,7 @@
           <p:cNvPr id="3" name="Content Placeholder 2">
             <a:extLst>
               <a:ext uri="{FF2B5EF4-FFF2-40B4-BE49-F238E27FC236}">
-                <a16:creationId xmlns:a16="http://schemas.microsoft.com/office/drawing/2014/main" id="{4E3DCD13-71A0-6B4E-AD41-C79CB8F6CFFC}"/>
+                <a16:creationId xmlns:a16="http://schemas.microsoft.com/office/drawing/2014/main" id="{C9558773-9B13-A84D-89BB-7F3575370622}"/>
               </a:ext>
             </a:extLst>
           </p:cNvPr>
@@ -4881,7 +4793,7 @@
           <a:p>
             <a:r>
               <a:rPr lang="en-US" dirty="0"/>
-              <a:t>- New bot explanation</a:t>
+              <a:t>- TODO</a:t>
             </a:r>
           </a:p>
         </p:txBody>
@@ -4889,7 +4801,7 @@
     </p:spTree>
     <p:extLst>
       <p:ext uri="{BB962C8B-B14F-4D97-AF65-F5344CB8AC3E}">
-        <p14:creationId xmlns:p14="http://schemas.microsoft.com/office/powerpoint/2010/main" val="258929525"/>
+        <p14:creationId xmlns:p14="http://schemas.microsoft.com/office/powerpoint/2010/main" val="233089366"/>
       </p:ext>
     </p:extLst>
   </p:cSld>
@@ -4921,7 +4833,7 @@
           <p:cNvPr id="2" name="Title 1">
             <a:extLst>
               <a:ext uri="{FF2B5EF4-FFF2-40B4-BE49-F238E27FC236}">
-                <a16:creationId xmlns:a16="http://schemas.microsoft.com/office/drawing/2014/main" id="{29F19A6B-CDB2-8D48-97AF-EC9F49EA2578}"/>
+                <a16:creationId xmlns:a16="http://schemas.microsoft.com/office/drawing/2014/main" id="{8BA4C2DD-6E22-274B-8E73-0864CCF300AE}"/>
               </a:ext>
             </a:extLst>
           </p:cNvPr>
@@ -4939,7 +4851,7 @@
           <a:p>
             <a:r>
               <a:rPr lang="en-US" dirty="0"/>
-              <a:t>Experiments</a:t>
+              <a:t>Bot</a:t>
             </a:r>
           </a:p>
         </p:txBody>
@@ -4949,7 +4861,7 @@
           <p:cNvPr id="3" name="Content Placeholder 2">
             <a:extLst>
               <a:ext uri="{FF2B5EF4-FFF2-40B4-BE49-F238E27FC236}">
-                <a16:creationId xmlns:a16="http://schemas.microsoft.com/office/drawing/2014/main" id="{B33325E4-832A-D040-B461-E6D8A517BFF9}"/>
+                <a16:creationId xmlns:a16="http://schemas.microsoft.com/office/drawing/2014/main" id="{4E3DCD13-71A0-6B4E-AD41-C79CB8F6CFFC}"/>
               </a:ext>
             </a:extLst>
           </p:cNvPr>
@@ -4967,7 +4879,7 @@
           <a:p>
             <a:r>
               <a:rPr lang="en-US" dirty="0"/>
-              <a:t>- TODO</a:t>
+              <a:t>- New bot explanation</a:t>
             </a:r>
           </a:p>
         </p:txBody>
@@ -4975,7 +4887,7 @@
     </p:spTree>
     <p:extLst>
       <p:ext uri="{BB962C8B-B14F-4D97-AF65-F5344CB8AC3E}">
-        <p14:creationId xmlns:p14="http://schemas.microsoft.com/office/powerpoint/2010/main" val="3107714555"/>
+        <p14:creationId xmlns:p14="http://schemas.microsoft.com/office/powerpoint/2010/main" val="258929525"/>
       </p:ext>
     </p:extLst>
   </p:cSld>
@@ -5007,7 +4919,7 @@
           <p:cNvPr id="2" name="Title 1">
             <a:extLst>
               <a:ext uri="{FF2B5EF4-FFF2-40B4-BE49-F238E27FC236}">
-                <a16:creationId xmlns:a16="http://schemas.microsoft.com/office/drawing/2014/main" id="{233F2E4A-DE16-334C-9AB7-734725DAC7A5}"/>
+                <a16:creationId xmlns:a16="http://schemas.microsoft.com/office/drawing/2014/main" id="{29F19A6B-CDB2-8D48-97AF-EC9F49EA2578}"/>
               </a:ext>
             </a:extLst>
           </p:cNvPr>
@@ -5025,7 +4937,7 @@
           <a:p>
             <a:r>
               <a:rPr lang="en-US" dirty="0"/>
-              <a:t>UML Diagram</a:t>
+              <a:t>Experiments</a:t>
             </a:r>
           </a:p>
         </p:txBody>
@@ -5035,7 +4947,7 @@
           <p:cNvPr id="3" name="Content Placeholder 2">
             <a:extLst>
               <a:ext uri="{FF2B5EF4-FFF2-40B4-BE49-F238E27FC236}">
-                <a16:creationId xmlns:a16="http://schemas.microsoft.com/office/drawing/2014/main" id="{7169AE04-0E63-2E47-B422-126D340626A6}"/>
+                <a16:creationId xmlns:a16="http://schemas.microsoft.com/office/drawing/2014/main" id="{B33325E4-832A-D040-B461-E6D8A517BFF9}"/>
               </a:ext>
             </a:extLst>
           </p:cNvPr>
@@ -5053,7 +4965,7 @@
           <a:p>
             <a:r>
               <a:rPr lang="en-US" dirty="0"/>
-              <a:t>- Should we do it?</a:t>
+              <a:t>- TODO</a:t>
             </a:r>
           </a:p>
         </p:txBody>
@@ -5061,7 +4973,7 @@
     </p:spTree>
     <p:extLst>
       <p:ext uri="{BB962C8B-B14F-4D97-AF65-F5344CB8AC3E}">
-        <p14:creationId xmlns:p14="http://schemas.microsoft.com/office/powerpoint/2010/main" val="3577463860"/>
+        <p14:creationId xmlns:p14="http://schemas.microsoft.com/office/powerpoint/2010/main" val="3107714555"/>
       </p:ext>
     </p:extLst>
   </p:cSld>
@@ -5179,89 +5091,6 @@
           <p:cNvPr id="2" name="Title 1">
             <a:extLst>
               <a:ext uri="{FF2B5EF4-FFF2-40B4-BE49-F238E27FC236}">
-                <a16:creationId xmlns:a16="http://schemas.microsoft.com/office/drawing/2014/main" id="{538E8784-9CE9-174F-9AB5-4FEC4AC283AA}"/>
-              </a:ext>
-            </a:extLst>
-          </p:cNvPr>
-          <p:cNvSpPr>
-            <a:spLocks noGrp="1"/>
-          </p:cNvSpPr>
-          <p:nvPr>
-            <p:ph type="title"/>
-          </p:nvPr>
-        </p:nvSpPr>
-        <p:spPr/>
-        <p:txBody>
-          <a:bodyPr/>
-          <a:lstStyle/>
-          <a:p>
-            <a:r>
-              <a:rPr lang="en-US" dirty="0"/>
-              <a:t>Save Loader system?</a:t>
-            </a:r>
-          </a:p>
-        </p:txBody>
-      </p:sp>
-      <p:sp>
-        <p:nvSpPr>
-          <p:cNvPr id="3" name="Content Placeholder 2">
-            <a:extLst>
-              <a:ext uri="{FF2B5EF4-FFF2-40B4-BE49-F238E27FC236}">
-                <a16:creationId xmlns:a16="http://schemas.microsoft.com/office/drawing/2014/main" id="{D3334042-A589-C447-8CB7-3178BDCCFAEA}"/>
-              </a:ext>
-            </a:extLst>
-          </p:cNvPr>
-          <p:cNvSpPr>
-            <a:spLocks noGrp="1"/>
-          </p:cNvSpPr>
-          <p:nvPr>
-            <p:ph idx="1"/>
-          </p:nvPr>
-        </p:nvSpPr>
-        <p:spPr/>
-        <p:txBody>
-          <a:bodyPr/>
-          <a:lstStyle/>
-          <a:p>
-            <a:endParaRPr lang="en-US" dirty="0"/>
-          </a:p>
-        </p:txBody>
-      </p:sp>
-    </p:spTree>
-    <p:extLst>
-      <p:ext uri="{BB962C8B-B14F-4D97-AF65-F5344CB8AC3E}">
-        <p14:creationId xmlns:p14="http://schemas.microsoft.com/office/powerpoint/2010/main" val="3411105790"/>
-      </p:ext>
-    </p:extLst>
-  </p:cSld>
-  <p:clrMapOvr>
-    <a:masterClrMapping/>
-  </p:clrMapOvr>
-</p:sld>
-</file>
-
-<file path=ppt/slides/slide15.xml><?xml version="1.0" encoding="utf-8"?>
-<p:sld xmlns:a="http://schemas.openxmlformats.org/drawingml/2006/main" xmlns:r="http://schemas.openxmlformats.org/officeDocument/2006/relationships" xmlns:p="http://schemas.openxmlformats.org/presentationml/2006/main">
-  <p:cSld>
-    <p:spTree>
-      <p:nvGrpSpPr>
-        <p:cNvPr id="1" name=""/>
-        <p:cNvGrpSpPr/>
-        <p:nvPr/>
-      </p:nvGrpSpPr>
-      <p:grpSpPr>
-        <a:xfrm>
-          <a:off x="0" y="0"/>
-          <a:ext cx="0" cy="0"/>
-          <a:chOff x="0" y="0"/>
-          <a:chExt cx="0" cy="0"/>
-        </a:xfrm>
-      </p:grpSpPr>
-      <p:sp>
-        <p:nvSpPr>
-          <p:cNvPr id="2" name="Title 1">
-            <a:extLst>
-              <a:ext uri="{FF2B5EF4-FFF2-40B4-BE49-F238E27FC236}">
                 <a16:creationId xmlns:a16="http://schemas.microsoft.com/office/drawing/2014/main" id="{AE509FE0-01FE-484D-9253-00E27C5034A6}"/>
               </a:ext>
             </a:extLst>
@@ -5323,7 +5152,7 @@
 </p:sld>
 </file>
 
-<file path=ppt/slides/slide16.xml><?xml version="1.0" encoding="utf-8"?>
+<file path=ppt/slides/slide15.xml><?xml version="1.0" encoding="utf-8"?>
 <p:sld xmlns:a="http://schemas.openxmlformats.org/drawingml/2006/main" xmlns:r="http://schemas.openxmlformats.org/officeDocument/2006/relationships" xmlns:p="http://schemas.openxmlformats.org/presentationml/2006/main">
   <p:cSld>
     <p:spTree>
@@ -7108,7 +6937,7 @@
           <p:cNvPr id="2" name="Title 1">
             <a:extLst>
               <a:ext uri="{FF2B5EF4-FFF2-40B4-BE49-F238E27FC236}">
-                <a16:creationId xmlns:a16="http://schemas.microsoft.com/office/drawing/2014/main" id="{200E7CE6-2441-3C46-9FC0-54953D57A541}"/>
+                <a16:creationId xmlns:a16="http://schemas.microsoft.com/office/drawing/2014/main" id="{538E8784-9CE9-174F-9AB5-4FEC4AC283AA}"/>
               </a:ext>
             </a:extLst>
           </p:cNvPr>
@@ -7125,50 +6954,192 @@
           <a:lstStyle/>
           <a:p>
             <a:r>
-              <a:rPr lang="en-US" dirty="0"/>
-              <a:t>Physics</a:t>
-            </a:r>
-          </a:p>
-        </p:txBody>
-      </p:sp>
-      <p:sp>
-        <p:nvSpPr>
-          <p:cNvPr id="3" name="Content Placeholder 2">
-            <a:extLst>
-              <a:ext uri="{FF2B5EF4-FFF2-40B4-BE49-F238E27FC236}">
-                <a16:creationId xmlns:a16="http://schemas.microsoft.com/office/drawing/2014/main" id="{08FF44B2-D01F-164B-9336-71FB8412FC79}"/>
-              </a:ext>
-            </a:extLst>
-          </p:cNvPr>
-          <p:cNvSpPr>
-            <a:spLocks noGrp="1"/>
-          </p:cNvSpPr>
+              <a:rPr lang="en-US"/>
+              <a:t>Live saving and loading</a:t>
+            </a:r>
+            <a:endParaRPr lang="en-US" dirty="0"/>
+          </a:p>
+        </p:txBody>
+      </p:sp>
+      <p:pic>
+        <p:nvPicPr>
+          <p:cNvPr id="7" name="Online Media 6" title="Live save and load system 2x speed">
+            <a:hlinkClick r:id="" action="ppaction://media"/>
+            <a:extLst>
+              <a:ext uri="{FF2B5EF4-FFF2-40B4-BE49-F238E27FC236}">
+                <a16:creationId xmlns:a16="http://schemas.microsoft.com/office/drawing/2014/main" id="{CD8E8929-E429-4C84-954C-3C03DD6DDDD3}"/>
+              </a:ext>
+            </a:extLst>
+          </p:cNvPr>
+          <p:cNvPicPr>
+            <a:picLocks noGrp="1" noRot="1" noChangeAspect="1"/>
+          </p:cNvPicPr>
           <p:nvPr>
             <p:ph idx="1"/>
-          </p:nvPr>
-        </p:nvSpPr>
-        <p:spPr/>
-        <p:txBody>
-          <a:bodyPr/>
-          <a:lstStyle/>
-          <a:p>
-            <a:r>
-              <a:rPr lang="en-US" dirty="0"/>
-              <a:t>- Flying balls explanation by Matthijs the genius</a:t>
-            </a:r>
-          </a:p>
-        </p:txBody>
-      </p:sp>
+            <a:videoFile r:link="rId1"/>
+          </p:nvPr>
+        </p:nvPicPr>
+        <p:blipFill>
+          <a:blip r:embed="rId4"/>
+          <a:stretch>
+            <a:fillRect/>
+          </a:stretch>
+        </p:blipFill>
+        <p:spPr>
+          <a:xfrm>
+            <a:off x="2782888" y="2108200"/>
+            <a:ext cx="6686550" cy="3760788"/>
+          </a:xfrm>
+          <a:prstGeom prst="rect">
+            <a:avLst/>
+          </a:prstGeom>
+        </p:spPr>
+      </p:pic>
     </p:spTree>
     <p:extLst>
       <p:ext uri="{BB962C8B-B14F-4D97-AF65-F5344CB8AC3E}">
-        <p14:creationId xmlns:p14="http://schemas.microsoft.com/office/powerpoint/2010/main" val="1901925188"/>
+        <p14:creationId xmlns:p14="http://schemas.microsoft.com/office/powerpoint/2010/main" val="3411105790"/>
       </p:ext>
     </p:extLst>
   </p:cSld>
   <p:clrMapOvr>
     <a:masterClrMapping/>
   </p:clrMapOvr>
+  <p:timing>
+    <p:tnLst>
+      <p:par>
+        <p:cTn id="1" dur="indefinite" restart="never" nodeType="tmRoot">
+          <p:childTnLst>
+            <p:seq concurrent="1" nextAc="seek">
+              <p:cTn id="2" dur="indefinite" nodeType="mainSeq">
+                <p:childTnLst>
+                  <p:par>
+                    <p:cTn id="3" fill="hold">
+                      <p:stCondLst>
+                        <p:cond delay="indefinite"/>
+                      </p:stCondLst>
+                      <p:childTnLst>
+                        <p:par>
+                          <p:cTn id="4" fill="hold">
+                            <p:stCondLst>
+                              <p:cond delay="0"/>
+                            </p:stCondLst>
+                            <p:childTnLst>
+                              <p:par>
+                                <p:cTn id="5" presetID="1" presetClass="mediacall" presetSubtype="0" fill="hold" nodeType="clickEffect">
+                                  <p:stCondLst>
+                                    <p:cond delay="0"/>
+                                  </p:stCondLst>
+                                  <p:childTnLst>
+                                    <p:cmd type="call" cmd="playFrom(0.0)">
+                                      <p:cBhvr>
+                                        <p:cTn id="6" dur="1" fill="hold"/>
+                                        <p:tgtEl>
+                                          <p:spTgt spid="7"/>
+                                        </p:tgtEl>
+                                      </p:cBhvr>
+                                    </p:cmd>
+                                  </p:childTnLst>
+                                </p:cTn>
+                              </p:par>
+                            </p:childTnLst>
+                          </p:cTn>
+                        </p:par>
+                      </p:childTnLst>
+                    </p:cTn>
+                  </p:par>
+                </p:childTnLst>
+              </p:cTn>
+              <p:prevCondLst>
+                <p:cond evt="onPrev" delay="0">
+                  <p:tgtEl>
+                    <p:sldTgt/>
+                  </p:tgtEl>
+                </p:cond>
+              </p:prevCondLst>
+              <p:nextCondLst>
+                <p:cond evt="onNext" delay="0">
+                  <p:tgtEl>
+                    <p:sldTgt/>
+                  </p:tgtEl>
+                </p:cond>
+              </p:nextCondLst>
+            </p:seq>
+            <p:video>
+              <p:cMediaNode vol="80000">
+                <p:cTn id="7" fill="hold" display="0">
+                  <p:stCondLst>
+                    <p:cond delay="indefinite"/>
+                  </p:stCondLst>
+                </p:cTn>
+                <p:tgtEl>
+                  <p:spTgt spid="7"/>
+                </p:tgtEl>
+              </p:cMediaNode>
+            </p:video>
+            <p:seq concurrent="1" nextAc="seek">
+              <p:cTn id="8" restart="whenNotActive" fill="hold" evtFilter="cancelBubble" nodeType="interactiveSeq">
+                <p:stCondLst>
+                  <p:cond evt="onClick" delay="0">
+                    <p:tgtEl>
+                      <p:spTgt spid="7"/>
+                    </p:tgtEl>
+                  </p:cond>
+                </p:stCondLst>
+                <p:endSync evt="end" delay="0">
+                  <p:rtn val="all"/>
+                </p:endSync>
+                <p:childTnLst>
+                  <p:par>
+                    <p:cTn id="9" fill="hold">
+                      <p:stCondLst>
+                        <p:cond delay="0"/>
+                      </p:stCondLst>
+                      <p:childTnLst>
+                        <p:par>
+                          <p:cTn id="10" fill="hold">
+                            <p:stCondLst>
+                              <p:cond delay="0"/>
+                            </p:stCondLst>
+                            <p:childTnLst>
+                              <p:par>
+                                <p:cTn id="11" presetID="2" presetClass="mediacall" presetSubtype="0" fill="hold" nodeType="clickEffect">
+                                  <p:stCondLst>
+                                    <p:cond delay="0"/>
+                                  </p:stCondLst>
+                                  <p:childTnLst>
+                                    <p:cmd type="call" cmd="togglePause">
+                                      <p:cBhvr>
+                                        <p:cTn id="12" dur="1" fill="hold"/>
+                                        <p:tgtEl>
+                                          <p:spTgt spid="7"/>
+                                        </p:tgtEl>
+                                      </p:cBhvr>
+                                    </p:cmd>
+                                  </p:childTnLst>
+                                </p:cTn>
+                              </p:par>
+                            </p:childTnLst>
+                          </p:cTn>
+                        </p:par>
+                      </p:childTnLst>
+                    </p:cTn>
+                  </p:par>
+                </p:childTnLst>
+              </p:cTn>
+              <p:nextCondLst>
+                <p:cond evt="onClick" delay="0">
+                  <p:tgtEl>
+                    <p:spTgt spid="7"/>
+                  </p:tgtEl>
+                </p:cond>
+              </p:nextCondLst>
+            </p:seq>
+          </p:childTnLst>
+        </p:cTn>
+      </p:par>
+    </p:tnLst>
+  </p:timing>
 </p:sld>
 </file>
 
@@ -7194,7 +7165,7 @@
           <p:cNvPr id="2" name="Title 1">
             <a:extLst>
               <a:ext uri="{FF2B5EF4-FFF2-40B4-BE49-F238E27FC236}">
-                <a16:creationId xmlns:a16="http://schemas.microsoft.com/office/drawing/2014/main" id="{ECC9EA66-DA16-8F4D-85C8-7C1A8AA5E8C0}"/>
+                <a16:creationId xmlns:a16="http://schemas.microsoft.com/office/drawing/2014/main" id="{200E7CE6-2441-3C46-9FC0-54953D57A541}"/>
               </a:ext>
             </a:extLst>
           </p:cNvPr>
@@ -7212,7 +7183,7 @@
           <a:p>
             <a:r>
               <a:rPr lang="en-US" dirty="0"/>
-              <a:t>Experiments</a:t>
+              <a:t>Physics</a:t>
             </a:r>
           </a:p>
         </p:txBody>
@@ -7222,7 +7193,7 @@
           <p:cNvPr id="3" name="Content Placeholder 2">
             <a:extLst>
               <a:ext uri="{FF2B5EF4-FFF2-40B4-BE49-F238E27FC236}">
-                <a16:creationId xmlns:a16="http://schemas.microsoft.com/office/drawing/2014/main" id="{C9558773-9B13-A84D-89BB-7F3575370622}"/>
+                <a16:creationId xmlns:a16="http://schemas.microsoft.com/office/drawing/2014/main" id="{08FF44B2-D01F-164B-9336-71FB8412FC79}"/>
               </a:ext>
             </a:extLst>
           </p:cNvPr>
@@ -7240,7 +7211,7 @@
           <a:p>
             <a:r>
               <a:rPr lang="en-US" dirty="0"/>
-              <a:t>- TODO</a:t>
+              <a:t>- Flying balls explanation by Matthijs the genius</a:t>
             </a:r>
           </a:p>
         </p:txBody>
@@ -7248,7 +7219,7 @@
     </p:spTree>
     <p:extLst>
       <p:ext uri="{BB962C8B-B14F-4D97-AF65-F5344CB8AC3E}">
-        <p14:creationId xmlns:p14="http://schemas.microsoft.com/office/powerpoint/2010/main" val="233089366"/>
+        <p14:creationId xmlns:p14="http://schemas.microsoft.com/office/powerpoint/2010/main" val="1901925188"/>
       </p:ext>
     </p:extLst>
   </p:cSld>
@@ -8101,21 +8072,21 @@
 </file>
 
 <file path=customXml/item2.xml><?xml version="1.0" encoding="utf-8"?>
+<?mso-contentType ?>
+<FormTemplates xmlns="http://schemas.microsoft.com/sharepoint/v3/contenttype/forms">
+  <Display>DocumentLibraryForm</Display>
+  <Edit>DocumentLibraryForm</Edit>
+  <New>DocumentLibraryForm</New>
+</FormTemplates>
+</file>
+
+<file path=customXml/item3.xml><?xml version="1.0" encoding="utf-8"?>
 <p:properties xmlns:p="http://schemas.microsoft.com/office/2006/metadata/properties" xmlns:xsi="http://www.w3.org/2001/XMLSchema-instance" xmlns:pc="http://schemas.microsoft.com/office/infopath/2007/PartnerControls">
   <documentManagement>
     <Status xmlns="71af3243-3dd4-4a8d-8c0d-dd76da1f02a5">Not started</Status>
     <MediaServiceKeyPoints xmlns="71af3243-3dd4-4a8d-8c0d-dd76da1f02a5" xsi:nil="true"/>
   </documentManagement>
 </p:properties>
-</file>
-
-<file path=customXml/item3.xml><?xml version="1.0" encoding="utf-8"?>
-<?mso-contentType ?>
-<FormTemplates xmlns="http://schemas.microsoft.com/sharepoint/v3/contenttype/forms">
-  <Display>DocumentLibraryForm</Display>
-  <Edit>DocumentLibraryForm</Edit>
-  <New>DocumentLibraryForm</New>
-</FormTemplates>
 </file>
 
 <file path=customXml/itemProps1.xml><?xml version="1.0" encoding="utf-8"?>
@@ -8138,6 +8109,14 @@
 </file>
 
 <file path=customXml/itemProps2.xml><?xml version="1.0" encoding="utf-8"?>
+<ds:datastoreItem xmlns:ds="http://schemas.openxmlformats.org/officeDocument/2006/customXml" ds:itemID="{3C586965-D4BF-4605-8C1C-5B8CCCAB7737}">
+  <ds:schemaRefs>
+    <ds:schemaRef ds:uri="http://schemas.microsoft.com/sharepoint/v3/contenttype/forms"/>
+  </ds:schemaRefs>
+</ds:datastoreItem>
+</file>
+
+<file path=customXml/itemProps3.xml><?xml version="1.0" encoding="utf-8"?>
 <ds:datastoreItem xmlns:ds="http://schemas.openxmlformats.org/officeDocument/2006/customXml" ds:itemID="{626E351D-C19B-467F-A5C7-085C4CECACA9}">
   <ds:schemaRefs>
     <ds:schemaRef ds:uri="http://schemas.microsoft.com/office/2006/metadata/properties"/>
@@ -8145,12 +8124,4 @@
     <ds:schemaRef ds:uri="71af3243-3dd4-4a8d-8c0d-dd76da1f02a5"/>
   </ds:schemaRefs>
 </ds:datastoreItem>
-</file>
-
-<file path=customXml/itemProps3.xml><?xml version="1.0" encoding="utf-8"?>
-<ds:datastoreItem xmlns:ds="http://schemas.openxmlformats.org/officeDocument/2006/customXml" ds:itemID="{3C586965-D4BF-4605-8C1C-5B8CCCAB7737}">
-  <ds:schemaRefs>
-    <ds:schemaRef ds:uri="http://schemas.microsoft.com/sharepoint/v3/contenttype/forms"/>
-  </ds:schemaRefs>
-</ds:datastoreItem>
 </file>
--- a/04-PresentationThirdPhase.pptx
+++ b/04-PresentationThirdPhase.pptx
@@ -20,9 +20,9 @@
     <p:sldId id="319" r:id="rId14"/>
     <p:sldId id="313" r:id="rId15"/>
     <p:sldId id="320" r:id="rId16"/>
-    <p:sldId id="317" r:id="rId17"/>
-    <p:sldId id="322" r:id="rId18"/>
-    <p:sldId id="324" r:id="rId19"/>
+    <p:sldId id="322" r:id="rId17"/>
+    <p:sldId id="324" r:id="rId18"/>
+    <p:sldId id="327" r:id="rId19"/>
   </p:sldIdLst>
   <p:sldSz cx="12192000" cy="6858000"/>
   <p:notesSz cx="6858000" cy="9144000"/>
@@ -718,7 +718,7 @@
           <a:bodyPr/>
           <a:lstStyle/>
           <a:p>
-            <a:endParaRPr lang="nl-NL"/>
+            <a:endParaRPr lang="nl-NL" dirty="0"/>
           </a:p>
         </p:txBody>
       </p:sp>
@@ -739,7 +739,7 @@
           <a:p>
             <a:fld id="{F917F88C-BACD-4A94-B7B7-C91B49D4CB7C}" type="slidenum">
               <a:rPr lang="nl-NL" smtClean="0"/>
-              <a:t>7</a:t>
+              <a:t>4</a:t>
             </a:fld>
             <a:endParaRPr lang="nl-NL"/>
           </a:p>
@@ -748,7 +748,7 @@
     </p:spTree>
     <p:extLst>
       <p:ext uri="{BB962C8B-B14F-4D97-AF65-F5344CB8AC3E}">
-        <p14:creationId xmlns:p14="http://schemas.microsoft.com/office/powerpoint/2010/main" val="2118906966"/>
+        <p14:creationId xmlns:p14="http://schemas.microsoft.com/office/powerpoint/2010/main" val="393441275"/>
       </p:ext>
     </p:extLst>
   </p:cSld>
@@ -802,10 +802,7 @@
           <a:bodyPr/>
           <a:lstStyle/>
           <a:p>
-            <a:r>
-              <a:rPr lang="en-US" dirty="0"/>
-              <a:t>Should it be there?</a:t>
-            </a:r>
+            <a:endParaRPr lang="nl-NL"/>
           </a:p>
         </p:txBody>
       </p:sp>
@@ -826,7 +823,7 @@
           <a:p>
             <a:fld id="{F917F88C-BACD-4A94-B7B7-C91B49D4CB7C}" type="slidenum">
               <a:rPr lang="nl-NL" smtClean="0"/>
-              <a:t>8</a:t>
+              <a:t>7</a:t>
             </a:fld>
             <a:endParaRPr lang="nl-NL"/>
           </a:p>
@@ -835,7 +832,7 @@
     </p:spTree>
     <p:extLst>
       <p:ext uri="{BB962C8B-B14F-4D97-AF65-F5344CB8AC3E}">
-        <p14:creationId xmlns:p14="http://schemas.microsoft.com/office/powerpoint/2010/main" val="165521519"/>
+        <p14:creationId xmlns:p14="http://schemas.microsoft.com/office/powerpoint/2010/main" val="2118906966"/>
       </p:ext>
     </p:extLst>
   </p:cSld>
@@ -891,13 +888,7 @@
           <a:p>
             <a:r>
               <a:rPr lang="en-US" dirty="0"/>
-              <a:t>Since it was one of the requirements for this phase I think we should talk about it.</a:t>
-            </a:r>
-          </a:p>
-          <a:p>
-            <a:r>
-              <a:rPr lang="en-US" dirty="0"/>
-              <a:t>Placement of the slide to check. </a:t>
+              <a:t>Should it be there?</a:t>
             </a:r>
           </a:p>
         </p:txBody>
@@ -919,7 +910,7 @@
           <a:p>
             <a:fld id="{F917F88C-BACD-4A94-B7B7-C91B49D4CB7C}" type="slidenum">
               <a:rPr lang="nl-NL" smtClean="0"/>
-              <a:t>13</a:t>
+              <a:t>8</a:t>
             </a:fld>
             <a:endParaRPr lang="nl-NL"/>
           </a:p>
@@ -928,7 +919,91 @@
     </p:spTree>
     <p:extLst>
       <p:ext uri="{BB962C8B-B14F-4D97-AF65-F5344CB8AC3E}">
-        <p14:creationId xmlns:p14="http://schemas.microsoft.com/office/powerpoint/2010/main" val="3617776286"/>
+        <p14:creationId xmlns:p14="http://schemas.microsoft.com/office/powerpoint/2010/main" val="165521519"/>
+      </p:ext>
+    </p:extLst>
+  </p:cSld>
+  <p:clrMapOvr>
+    <a:masterClrMapping/>
+  </p:clrMapOvr>
+</p:notes>
+</file>
+
+<file path=ppt/notesSlides/notesSlide6.xml><?xml version="1.0" encoding="utf-8"?>
+<p:notes xmlns:a="http://schemas.openxmlformats.org/drawingml/2006/main" xmlns:r="http://schemas.openxmlformats.org/officeDocument/2006/relationships" xmlns:p="http://schemas.openxmlformats.org/presentationml/2006/main">
+  <p:cSld>
+    <p:spTree>
+      <p:nvGrpSpPr>
+        <p:cNvPr id="1" name=""/>
+        <p:cNvGrpSpPr/>
+        <p:nvPr/>
+      </p:nvGrpSpPr>
+      <p:grpSpPr>
+        <a:xfrm>
+          <a:off x="0" y="0"/>
+          <a:ext cx="0" cy="0"/>
+          <a:chOff x="0" y="0"/>
+          <a:chExt cx="0" cy="0"/>
+        </a:xfrm>
+      </p:grpSpPr>
+      <p:sp>
+        <p:nvSpPr>
+          <p:cNvPr id="2" name="Slide Image Placeholder 1"/>
+          <p:cNvSpPr>
+            <a:spLocks noGrp="1" noRot="1" noChangeAspect="1"/>
+          </p:cNvSpPr>
+          <p:nvPr>
+            <p:ph type="sldImg"/>
+          </p:nvPr>
+        </p:nvSpPr>
+        <p:spPr/>
+      </p:sp>
+      <p:sp>
+        <p:nvSpPr>
+          <p:cNvPr id="3" name="Notes Placeholder 2"/>
+          <p:cNvSpPr>
+            <a:spLocks noGrp="1"/>
+          </p:cNvSpPr>
+          <p:nvPr>
+            <p:ph type="body" idx="1"/>
+          </p:nvPr>
+        </p:nvSpPr>
+        <p:spPr/>
+        <p:txBody>
+          <a:bodyPr/>
+          <a:lstStyle/>
+          <a:p>
+            <a:endParaRPr lang="nl-NL"/>
+          </a:p>
+        </p:txBody>
+      </p:sp>
+      <p:sp>
+        <p:nvSpPr>
+          <p:cNvPr id="4" name="Slide Number Placeholder 3"/>
+          <p:cNvSpPr>
+            <a:spLocks noGrp="1"/>
+          </p:cNvSpPr>
+          <p:nvPr>
+            <p:ph type="sldNum" sz="quarter" idx="5"/>
+          </p:nvPr>
+        </p:nvSpPr>
+        <p:spPr/>
+        <p:txBody>
+          <a:bodyPr/>
+          <a:lstStyle/>
+          <a:p>
+            <a:fld id="{F917F88C-BACD-4A94-B7B7-C91B49D4CB7C}" type="slidenum">
+              <a:rPr lang="nl-NL" smtClean="0"/>
+              <a:t>9</a:t>
+            </a:fld>
+            <a:endParaRPr lang="nl-NL"/>
+          </a:p>
+        </p:txBody>
+      </p:sp>
+    </p:spTree>
+    <p:extLst>
+      <p:ext uri="{BB962C8B-B14F-4D97-AF65-F5344CB8AC3E}">
+        <p14:creationId xmlns:p14="http://schemas.microsoft.com/office/powerpoint/2010/main" val="3094949380"/>
       </p:ext>
     </p:extLst>
   </p:cSld>
@@ -5005,7 +5080,7 @@
           <p:cNvPr id="2" name="Title 1">
             <a:extLst>
               <a:ext uri="{FF2B5EF4-FFF2-40B4-BE49-F238E27FC236}">
-                <a16:creationId xmlns:a16="http://schemas.microsoft.com/office/drawing/2014/main" id="{5CA11336-2D88-4A4E-B47F-30DEE9950B8E}"/>
+                <a16:creationId xmlns:a16="http://schemas.microsoft.com/office/drawing/2014/main" id="{AE509FE0-01FE-484D-9253-00E27C5034A6}"/>
               </a:ext>
             </a:extLst>
           </p:cNvPr>
@@ -5023,7 +5098,7 @@
           <a:p>
             <a:r>
               <a:rPr lang="en-US" dirty="0"/>
-              <a:t>Collision Detection?</a:t>
+              <a:t>Conclusion</a:t>
             </a:r>
           </a:p>
         </p:txBody>
@@ -5033,7 +5108,7 @@
           <p:cNvPr id="3" name="Content Placeholder 2">
             <a:extLst>
               <a:ext uri="{FF2B5EF4-FFF2-40B4-BE49-F238E27FC236}">
-                <a16:creationId xmlns:a16="http://schemas.microsoft.com/office/drawing/2014/main" id="{9AB3564E-A875-EA49-BF49-EEECA8BF23BB}"/>
+                <a16:creationId xmlns:a16="http://schemas.microsoft.com/office/drawing/2014/main" id="{89B654AC-0CDE-8E40-85E6-B44275F7D14F}"/>
               </a:ext>
             </a:extLst>
           </p:cNvPr>
@@ -5049,17 +5124,14 @@
           <a:bodyPr/>
           <a:lstStyle/>
           <a:p>
-            <a:r>
-              <a:rPr lang="en-US" dirty="0"/>
-              <a:t>- TODO</a:t>
-            </a:r>
+            <a:endParaRPr lang="en-US"/>
           </a:p>
         </p:txBody>
       </p:sp>
     </p:spTree>
     <p:extLst>
       <p:ext uri="{BB962C8B-B14F-4D97-AF65-F5344CB8AC3E}">
-        <p14:creationId xmlns:p14="http://schemas.microsoft.com/office/powerpoint/2010/main" val="1886375000"/>
+        <p14:creationId xmlns:p14="http://schemas.microsoft.com/office/powerpoint/2010/main" val="2578131005"/>
       </p:ext>
     </p:extLst>
   </p:cSld>
@@ -5091,7 +5163,7 @@
           <p:cNvPr id="2" name="Title 1">
             <a:extLst>
               <a:ext uri="{FF2B5EF4-FFF2-40B4-BE49-F238E27FC236}">
-                <a16:creationId xmlns:a16="http://schemas.microsoft.com/office/drawing/2014/main" id="{AE509FE0-01FE-484D-9253-00E27C5034A6}"/>
+                <a16:creationId xmlns:a16="http://schemas.microsoft.com/office/drawing/2014/main" id="{829E259F-FE68-4055-B7BD-1312721101B5}"/>
               </a:ext>
             </a:extLst>
           </p:cNvPr>
@@ -5109,8 +5181,9 @@
           <a:p>
             <a:r>
               <a:rPr lang="en-US" dirty="0"/>
-              <a:t>Conclusion</a:t>
-            </a:r>
+              <a:t>Questions</a:t>
+            </a:r>
+            <a:endParaRPr lang="nl-NL" dirty="0"/>
           </a:p>
         </p:txBody>
       </p:sp>
@@ -5119,7 +5192,7 @@
           <p:cNvPr id="3" name="Content Placeholder 2">
             <a:extLst>
               <a:ext uri="{FF2B5EF4-FFF2-40B4-BE49-F238E27FC236}">
-                <a16:creationId xmlns:a16="http://schemas.microsoft.com/office/drawing/2014/main" id="{89B654AC-0CDE-8E40-85E6-B44275F7D14F}"/>
+                <a16:creationId xmlns:a16="http://schemas.microsoft.com/office/drawing/2014/main" id="{C9B3192F-3F18-48D2-9AD9-5FB803B1B522}"/>
               </a:ext>
             </a:extLst>
           </p:cNvPr>
@@ -5135,14 +5208,14 @@
           <a:bodyPr/>
           <a:lstStyle/>
           <a:p>
-            <a:endParaRPr lang="en-US"/>
+            <a:endParaRPr lang="nl-NL"/>
           </a:p>
         </p:txBody>
       </p:sp>
     </p:spTree>
     <p:extLst>
       <p:ext uri="{BB962C8B-B14F-4D97-AF65-F5344CB8AC3E}">
-        <p14:creationId xmlns:p14="http://schemas.microsoft.com/office/powerpoint/2010/main" val="2578131005"/>
+        <p14:creationId xmlns:p14="http://schemas.microsoft.com/office/powerpoint/2010/main" val="566507608"/>
       </p:ext>
     </p:extLst>
   </p:cSld>
@@ -5174,7 +5247,7 @@
           <p:cNvPr id="2" name="Title 1">
             <a:extLst>
               <a:ext uri="{FF2B5EF4-FFF2-40B4-BE49-F238E27FC236}">
-                <a16:creationId xmlns:a16="http://schemas.microsoft.com/office/drawing/2014/main" id="{829E259F-FE68-4055-B7BD-1312721101B5}"/>
+                <a16:creationId xmlns:a16="http://schemas.microsoft.com/office/drawing/2014/main" id="{83CB4DD8-CB42-424F-9E5A-2FDB23B37659}"/>
               </a:ext>
             </a:extLst>
           </p:cNvPr>
@@ -5190,7 +5263,11 @@
           <a:bodyPr/>
           <a:lstStyle/>
           <a:p>
-            <a:endParaRPr lang="nl-NL"/>
+            <a:r>
+              <a:rPr lang="en-US" dirty="0"/>
+              <a:t>Sources</a:t>
+            </a:r>
+            <a:endParaRPr lang="nl-NL" dirty="0"/>
           </a:p>
         </p:txBody>
       </p:sp>
@@ -5199,7 +5276,7 @@
           <p:cNvPr id="3" name="Content Placeholder 2">
             <a:extLst>
               <a:ext uri="{FF2B5EF4-FFF2-40B4-BE49-F238E27FC236}">
-                <a16:creationId xmlns:a16="http://schemas.microsoft.com/office/drawing/2014/main" id="{C9B3192F-3F18-48D2-9AD9-5FB803B1B522}"/>
+                <a16:creationId xmlns:a16="http://schemas.microsoft.com/office/drawing/2014/main" id="{5482C07E-4C00-4318-851C-0ABA7BC3E702}"/>
               </a:ext>
             </a:extLst>
           </p:cNvPr>
@@ -5215,14 +5292,14 @@
           <a:bodyPr/>
           <a:lstStyle/>
           <a:p>
-            <a:endParaRPr lang="nl-NL"/>
+            <a:endParaRPr lang="nl-NL" dirty="0"/>
           </a:p>
         </p:txBody>
       </p:sp>
     </p:spTree>
     <p:extLst>
       <p:ext uri="{BB962C8B-B14F-4D97-AF65-F5344CB8AC3E}">
-        <p14:creationId xmlns:p14="http://schemas.microsoft.com/office/powerpoint/2010/main" val="566507608"/>
+        <p14:creationId xmlns:p14="http://schemas.microsoft.com/office/powerpoint/2010/main" val="1912911425"/>
       </p:ext>
     </p:extLst>
   </p:cSld>
@@ -5348,6 +5425,14 @@
 <file path=ppt/slides/slide3.xml><?xml version="1.0" encoding="utf-8"?>
 <p:sld xmlns:a="http://schemas.openxmlformats.org/drawingml/2006/main" xmlns:r="http://schemas.openxmlformats.org/officeDocument/2006/relationships" xmlns:p="http://schemas.openxmlformats.org/presentationml/2006/main">
   <p:cSld>
+    <p:bg>
+      <p:bgPr>
+        <a:solidFill>
+          <a:schemeClr val="bg1"/>
+        </a:solidFill>
+        <a:effectLst/>
+      </p:bgPr>
+    </p:bg>
     <p:spTree>
       <p:nvGrpSpPr>
         <p:cNvPr id="1" name=""/>
@@ -5362,6 +5447,66 @@
           <a:chExt cx="0" cy="0"/>
         </a:xfrm>
       </p:grpSpPr>
+      <p:sp useBgFill="1">
+        <p:nvSpPr>
+          <p:cNvPr id="8" name="Rectangle 7">
+            <a:extLst>
+              <a:ext uri="{FF2B5EF4-FFF2-40B4-BE49-F238E27FC236}">
+                <a16:creationId xmlns:a16="http://schemas.microsoft.com/office/drawing/2014/main" id="{C8DD82D3-D002-45B0-B16A-82B3DA4EFDDB}"/>
+              </a:ext>
+              <a:ext uri="{C183D7F6-B498-43B3-948B-1728B52AA6E4}">
+                <adec:decorative xmlns:adec="http://schemas.microsoft.com/office/drawing/2017/decorative" val="1"/>
+              </a:ext>
+            </a:extLst>
+          </p:cNvPr>
+          <p:cNvSpPr>
+            <a:spLocks noGrp="1" noRot="1" noChangeAspect="1" noMove="1" noResize="1" noEditPoints="1" noAdjustHandles="1" noChangeArrowheads="1" noChangeShapeType="1" noTextEdit="1"/>
+          </p:cNvSpPr>
+          <p:nvPr>
+            <p:extLst>
+              <p:ext uri="{386F3935-93C4-4BCD-93E2-E3B085C9AB24}">
+                <p16:designElem xmlns:p16="http://schemas.microsoft.com/office/powerpoint/2015/main" val="1"/>
+              </p:ext>
+            </p:extLst>
+          </p:nvPr>
+        </p:nvSpPr>
+        <p:spPr>
+          <a:xfrm>
+            <a:off x="3048" y="0"/>
+            <a:ext cx="12188952" cy="6858000"/>
+          </a:xfrm>
+          <a:prstGeom prst="rect">
+            <a:avLst/>
+          </a:prstGeom>
+          <a:ln>
+            <a:noFill/>
+          </a:ln>
+        </p:spPr>
+        <p:style>
+          <a:lnRef idx="2">
+            <a:schemeClr val="accent1">
+              <a:shade val="50000"/>
+            </a:schemeClr>
+          </a:lnRef>
+          <a:fillRef idx="1">
+            <a:schemeClr val="accent1"/>
+          </a:fillRef>
+          <a:effectRef idx="0">
+            <a:schemeClr val="accent1"/>
+          </a:effectRef>
+          <a:fontRef idx="minor">
+            <a:schemeClr val="lt1"/>
+          </a:fontRef>
+        </p:style>
+        <p:txBody>
+          <a:bodyPr rtlCol="0" anchor="ctr"/>
+          <a:lstStyle/>
+          <a:p>
+            <a:pPr algn="ctr"/>
+            <a:endParaRPr lang="en-US"/>
+          </a:p>
+        </p:txBody>
+      </p:sp>
       <p:sp>
         <p:nvSpPr>
           <p:cNvPr id="2" name="Title 1">
@@ -5378,18 +5523,80 @@
             <p:ph type="title"/>
           </p:nvPr>
         </p:nvSpPr>
-        <p:spPr/>
-        <p:txBody>
-          <a:bodyPr/>
-          <a:lstStyle/>
-          <a:p>
+        <p:spPr>
+          <a:xfrm>
+            <a:off x="643468" y="643467"/>
+            <a:ext cx="3073550" cy="5126203"/>
+          </a:xfrm>
+        </p:spPr>
+        <p:txBody>
+          <a:bodyPr anchor="ctr">
+            <a:normAutofit/>
+          </a:bodyPr>
+          <a:lstStyle/>
+          <a:p>
+            <a:pPr algn="r"/>
             <a:r>
               <a:rPr lang="en-US" dirty="0"/>
               <a:t>Table of contents</a:t>
             </a:r>
-          </a:p>
-        </p:txBody>
-      </p:sp>
+            <a:endParaRPr lang="en-US"/>
+          </a:p>
+        </p:txBody>
+      </p:sp>
+      <p:cxnSp>
+        <p:nvCxnSpPr>
+          <p:cNvPr id="10" name="Straight Connector 9">
+            <a:extLst>
+              <a:ext uri="{FF2B5EF4-FFF2-40B4-BE49-F238E27FC236}">
+                <a16:creationId xmlns:a16="http://schemas.microsoft.com/office/drawing/2014/main" id="{9F09C252-16FE-4557-AD6D-BB5CA773496C}"/>
+              </a:ext>
+              <a:ext uri="{C183D7F6-B498-43B3-948B-1728B52AA6E4}">
+                <adec:decorative xmlns:adec="http://schemas.microsoft.com/office/drawing/2017/decorative" val="1"/>
+              </a:ext>
+            </a:extLst>
+          </p:cNvPr>
+          <p:cNvCxnSpPr>
+            <a:cxnSpLocks noGrp="1" noRot="1" noChangeAspect="1" noMove="1" noResize="1" noEditPoints="1" noAdjustHandles="1" noChangeArrowheads="1" noChangeShapeType="1"/>
+          </p:cNvCxnSpPr>
+          <p:nvPr>
+            <p:extLst>
+              <p:ext uri="{386F3935-93C4-4BCD-93E2-E3B085C9AB24}">
+                <p16:designElem xmlns:p16="http://schemas.microsoft.com/office/powerpoint/2015/main" val="1"/>
+              </p:ext>
+            </p:extLst>
+          </p:nvPr>
+        </p:nvCxnSpPr>
+        <p:spPr>
+          <a:xfrm>
+            <a:off x="4042052" y="1778497"/>
+            <a:ext cx="0" cy="3200400"/>
+          </a:xfrm>
+          <a:prstGeom prst="line">
+            <a:avLst/>
+          </a:prstGeom>
+          <a:ln w="19050">
+            <a:solidFill>
+              <a:schemeClr val="tx1"/>
+            </a:solidFill>
+            <a:miter lim="800000"/>
+          </a:ln>
+        </p:spPr>
+        <p:style>
+          <a:lnRef idx="1">
+            <a:schemeClr val="accent1"/>
+          </a:lnRef>
+          <a:fillRef idx="0">
+            <a:schemeClr val="accent1"/>
+          </a:fillRef>
+          <a:effectRef idx="0">
+            <a:schemeClr val="accent1"/>
+          </a:effectRef>
+          <a:fontRef idx="minor">
+            <a:schemeClr val="tx1"/>
+          </a:fontRef>
+        </p:style>
+      </p:cxnSp>
       <p:sp>
         <p:nvSpPr>
           <p:cNvPr id="3" name="Content Placeholder 2">
@@ -5406,9 +5613,16 @@
             <p:ph idx="1"/>
           </p:nvPr>
         </p:nvSpPr>
-        <p:spPr/>
-        <p:txBody>
-          <a:bodyPr/>
+        <p:spPr>
+          <a:xfrm>
+            <a:off x="4363786" y="621697"/>
+            <a:ext cx="6791894" cy="5147973"/>
+          </a:xfrm>
+        </p:spPr>
+        <p:txBody>
+          <a:bodyPr anchor="ctr">
+            <a:normAutofit/>
+          </a:bodyPr>
           <a:lstStyle/>
           <a:p>
             <a:r>
@@ -5447,6 +5661,61 @@
             </a:r>
           </a:p>
         </p:txBody>
+      </p:sp>
+      <p:sp>
+        <p:nvSpPr>
+          <p:cNvPr id="12" name="Rectangle 11">
+            <a:extLst>
+              <a:ext uri="{FF2B5EF4-FFF2-40B4-BE49-F238E27FC236}">
+                <a16:creationId xmlns:a16="http://schemas.microsoft.com/office/drawing/2014/main" id="{14552793-7DFF-4EC7-AC69-D34A75D01880}"/>
+              </a:ext>
+              <a:ext uri="{C183D7F6-B498-43B3-948B-1728B52AA6E4}">
+                <adec:decorative xmlns:adec="http://schemas.microsoft.com/office/drawing/2017/decorative" val="1"/>
+              </a:ext>
+            </a:extLst>
+          </p:cNvPr>
+          <p:cNvSpPr>
+            <a:spLocks noGrp="1" noRot="1" noChangeAspect="1" noMove="1" noResize="1" noEditPoints="1" noAdjustHandles="1" noChangeArrowheads="1" noChangeShapeType="1" noTextEdit="1"/>
+          </p:cNvSpPr>
+          <p:nvPr>
+            <p:extLst>
+              <p:ext uri="{386F3935-93C4-4BCD-93E2-E3B085C9AB24}">
+                <p16:designElem xmlns:p16="http://schemas.microsoft.com/office/powerpoint/2015/main" val="1"/>
+              </p:ext>
+            </p:extLst>
+          </p:nvPr>
+        </p:nvSpPr>
+        <p:spPr>
+          <a:xfrm>
+            <a:off x="0" y="6400800"/>
+            <a:ext cx="12192000" cy="457200"/>
+          </a:xfrm>
+          <a:prstGeom prst="rect">
+            <a:avLst/>
+          </a:prstGeom>
+          <a:solidFill>
+            <a:srgbClr val="262626"/>
+          </a:solidFill>
+          <a:ln>
+            <a:noFill/>
+          </a:ln>
+        </p:spPr>
+        <p:style>
+          <a:lnRef idx="2">
+            <a:schemeClr val="accent1">
+              <a:shade val="50000"/>
+            </a:schemeClr>
+          </a:lnRef>
+          <a:fillRef idx="1">
+            <a:schemeClr val="accent1"/>
+          </a:fillRef>
+          <a:effectRef idx="0">
+            <a:schemeClr val="accent1"/>
+          </a:effectRef>
+          <a:fontRef idx="minor">
+            <a:schemeClr val="lt1"/>
+          </a:fontRef>
+        </p:style>
       </p:sp>
     </p:spTree>
     <p:extLst>
@@ -5922,13 +6191,6 @@
               </a:rPr>
               <a:t>Third person camera</a:t>
             </a:r>
-          </a:p>
-          <a:p>
-            <a:endParaRPr lang="en-US" sz="1800" dirty="0">
-              <a:solidFill>
-                <a:srgbClr val="FFFFFF"/>
-              </a:solidFill>
-            </a:endParaRPr>
           </a:p>
           <a:p>
             <a:endParaRPr lang="en-US" sz="1800" dirty="0">
@@ -8072,21 +8334,21 @@
 </file>
 
 <file path=customXml/item2.xml><?xml version="1.0" encoding="utf-8"?>
+<p:properties xmlns:p="http://schemas.microsoft.com/office/2006/metadata/properties" xmlns:xsi="http://www.w3.org/2001/XMLSchema-instance" xmlns:pc="http://schemas.microsoft.com/office/infopath/2007/PartnerControls">
+  <documentManagement>
+    <Status xmlns="71af3243-3dd4-4a8d-8c0d-dd76da1f02a5">Not started</Status>
+    <MediaServiceKeyPoints xmlns="71af3243-3dd4-4a8d-8c0d-dd76da1f02a5" xsi:nil="true"/>
+  </documentManagement>
+</p:properties>
+</file>
+
+<file path=customXml/item3.xml><?xml version="1.0" encoding="utf-8"?>
 <?mso-contentType ?>
 <FormTemplates xmlns="http://schemas.microsoft.com/sharepoint/v3/contenttype/forms">
   <Display>DocumentLibraryForm</Display>
   <Edit>DocumentLibraryForm</Edit>
   <New>DocumentLibraryForm</New>
 </FormTemplates>
-</file>
-
-<file path=customXml/item3.xml><?xml version="1.0" encoding="utf-8"?>
-<p:properties xmlns:p="http://schemas.microsoft.com/office/2006/metadata/properties" xmlns:xsi="http://www.w3.org/2001/XMLSchema-instance" xmlns:pc="http://schemas.microsoft.com/office/infopath/2007/PartnerControls">
-  <documentManagement>
-    <Status xmlns="71af3243-3dd4-4a8d-8c0d-dd76da1f02a5">Not started</Status>
-    <MediaServiceKeyPoints xmlns="71af3243-3dd4-4a8d-8c0d-dd76da1f02a5" xsi:nil="true"/>
-  </documentManagement>
-</p:properties>
 </file>
 
 <file path=customXml/itemProps1.xml><?xml version="1.0" encoding="utf-8"?>
@@ -8109,14 +8371,6 @@
 </file>
 
 <file path=customXml/itemProps2.xml><?xml version="1.0" encoding="utf-8"?>
-<ds:datastoreItem xmlns:ds="http://schemas.openxmlformats.org/officeDocument/2006/customXml" ds:itemID="{3C586965-D4BF-4605-8C1C-5B8CCCAB7737}">
-  <ds:schemaRefs>
-    <ds:schemaRef ds:uri="http://schemas.microsoft.com/sharepoint/v3/contenttype/forms"/>
-  </ds:schemaRefs>
-</ds:datastoreItem>
-</file>
-
-<file path=customXml/itemProps3.xml><?xml version="1.0" encoding="utf-8"?>
 <ds:datastoreItem xmlns:ds="http://schemas.openxmlformats.org/officeDocument/2006/customXml" ds:itemID="{626E351D-C19B-467F-A5C7-085C4CECACA9}">
   <ds:schemaRefs>
     <ds:schemaRef ds:uri="http://schemas.microsoft.com/office/2006/metadata/properties"/>
@@ -8124,4 +8378,12 @@
     <ds:schemaRef ds:uri="71af3243-3dd4-4a8d-8c0d-dd76da1f02a5"/>
   </ds:schemaRefs>
 </ds:datastoreItem>
+</file>
+
+<file path=customXml/itemProps3.xml><?xml version="1.0" encoding="utf-8"?>
+<ds:datastoreItem xmlns:ds="http://schemas.openxmlformats.org/officeDocument/2006/customXml" ds:itemID="{3C586965-D4BF-4605-8C1C-5B8CCCAB7737}">
+  <ds:schemaRefs>
+    <ds:schemaRef ds:uri="http://schemas.microsoft.com/sharepoint/v3/contenttype/forms"/>
+  </ds:schemaRefs>
+</ds:datastoreItem>
 </file>
--- a/04-PresentationThirdPhase.pptx
+++ b/04-PresentationThirdPhase.pptx
@@ -5,7 +5,7 @@
     <p:sldMasterId id="2147483660" r:id="rId4"/>
   </p:sldMasterIdLst>
   <p:notesMasterIdLst>
-    <p:notesMasterId r:id="rId20"/>
+    <p:notesMasterId r:id="rId26"/>
   </p:notesMasterIdLst>
   <p:sldIdLst>
     <p:sldId id="265" r:id="rId5"/>
@@ -16,13 +16,19 @@
     <p:sldId id="325" r:id="rId10"/>
     <p:sldId id="326" r:id="rId11"/>
     <p:sldId id="318" r:id="rId12"/>
-    <p:sldId id="312" r:id="rId13"/>
-    <p:sldId id="319" r:id="rId14"/>
-    <p:sldId id="313" r:id="rId15"/>
-    <p:sldId id="320" r:id="rId16"/>
-    <p:sldId id="322" r:id="rId17"/>
-    <p:sldId id="324" r:id="rId18"/>
-    <p:sldId id="327" r:id="rId19"/>
+    <p:sldId id="291" r:id="rId13"/>
+    <p:sldId id="301" r:id="rId14"/>
+    <p:sldId id="304" r:id="rId15"/>
+    <p:sldId id="305" r:id="rId16"/>
+    <p:sldId id="328" r:id="rId17"/>
+    <p:sldId id="329" r:id="rId18"/>
+    <p:sldId id="319" r:id="rId19"/>
+    <p:sldId id="330" r:id="rId20"/>
+    <p:sldId id="313" r:id="rId21"/>
+    <p:sldId id="320" r:id="rId22"/>
+    <p:sldId id="322" r:id="rId23"/>
+    <p:sldId id="324" r:id="rId24"/>
+    <p:sldId id="327" r:id="rId25"/>
   </p:sldIdLst>
   <p:sldSz cx="12192000" cy="6858000"/>
   <p:notesSz cx="6858000" cy="9144000"/>
@@ -130,6 +136,2013 @@
     </p:ext>
   </p:extLst>
 </p:presentation>
+</file>
+
+<file path=ppt/charts/chart1.xml><?xml version="1.0" encoding="utf-8"?>
+<c:chartSpace xmlns:c="http://schemas.openxmlformats.org/drawingml/2006/chart" xmlns:a="http://schemas.openxmlformats.org/drawingml/2006/main" xmlns:r="http://schemas.openxmlformats.org/officeDocument/2006/relationships" xmlns:c16r2="http://schemas.microsoft.com/office/drawing/2015/06/chart">
+  <c:date1904 val="0"/>
+  <c:lang val="en-US"/>
+  <c:roundedCorners val="0"/>
+  <mc:AlternateContent xmlns:mc="http://schemas.openxmlformats.org/markup-compatibility/2006">
+    <mc:Choice xmlns:c14="http://schemas.microsoft.com/office/drawing/2007/8/2/chart" Requires="c14">
+      <c14:style val="102"/>
+    </mc:Choice>
+    <mc:Fallback>
+      <c:style val="2"/>
+    </mc:Fallback>
+  </mc:AlternateContent>
+  <c:chart>
+    <c:title>
+      <c:tx>
+        <c:rich>
+          <a:bodyPr rot="0" spcFirstLastPara="1" vertOverflow="ellipsis" vert="horz" wrap="square" anchor="ctr" anchorCtr="1"/>
+          <a:lstStyle/>
+          <a:p>
+            <a:pPr>
+              <a:defRPr sz="1862" b="0" i="0" u="none" strike="noStrike" kern="1200" spc="0" baseline="0">
+                <a:solidFill>
+                  <a:schemeClr val="tx1">
+                    <a:lumMod val="65000"/>
+                    <a:lumOff val="35000"/>
+                  </a:schemeClr>
+                </a:solidFill>
+                <a:latin typeface="+mn-lt"/>
+                <a:ea typeface="+mn-ea"/>
+                <a:cs typeface="+mn-cs"/>
+              </a:defRPr>
+            </a:pPr>
+            <a:r>
+              <a:rPr lang="en-GB" noProof="0" dirty="0"/>
+              <a:t>Error compared to step size</a:t>
+            </a:r>
+          </a:p>
+        </c:rich>
+      </c:tx>
+      <c:overlay val="0"/>
+      <c:spPr>
+        <a:noFill/>
+        <a:ln>
+          <a:noFill/>
+        </a:ln>
+        <a:effectLst/>
+      </c:spPr>
+      <c:txPr>
+        <a:bodyPr rot="0" spcFirstLastPara="1" vertOverflow="ellipsis" vert="horz" wrap="square" anchor="ctr" anchorCtr="1"/>
+        <a:lstStyle/>
+        <a:p>
+          <a:pPr>
+            <a:defRPr sz="1862" b="0" i="0" u="none" strike="noStrike" kern="1200" spc="0" baseline="0">
+              <a:solidFill>
+                <a:schemeClr val="tx1">
+                  <a:lumMod val="65000"/>
+                  <a:lumOff val="35000"/>
+                </a:schemeClr>
+              </a:solidFill>
+              <a:latin typeface="+mn-lt"/>
+              <a:ea typeface="+mn-ea"/>
+              <a:cs typeface="+mn-cs"/>
+            </a:defRPr>
+          </a:pPr>
+          <a:endParaRPr lang="nl-NL"/>
+        </a:p>
+      </c:txPr>
+    </c:title>
+    <c:autoTitleDeleted val="0"/>
+    <c:plotArea>
+      <c:layout/>
+      <c:barChart>
+        <c:barDir val="col"/>
+        <c:grouping val="clustered"/>
+        <c:varyColors val="0"/>
+        <c:ser>
+          <c:idx val="0"/>
+          <c:order val="0"/>
+          <c:tx>
+            <c:strRef>
+              <c:f>Sheet1!$B$1</c:f>
+              <c:strCache>
+                <c:ptCount val="1"/>
+                <c:pt idx="0">
+                  <c:v>Euler</c:v>
+                </c:pt>
+              </c:strCache>
+            </c:strRef>
+          </c:tx>
+          <c:spPr>
+            <a:solidFill>
+              <a:schemeClr val="accent1"/>
+            </a:solidFill>
+            <a:ln>
+              <a:noFill/>
+            </a:ln>
+            <a:effectLst/>
+          </c:spPr>
+          <c:invertIfNegative val="0"/>
+          <c:cat>
+            <c:strRef>
+              <c:f>Sheet1!$A$2:$A$7</c:f>
+              <c:strCache>
+                <c:ptCount val="6"/>
+                <c:pt idx="0">
+                  <c:v>0.01</c:v>
+                </c:pt>
+                <c:pt idx="1">
+                  <c:v>0.05</c:v>
+                </c:pt>
+                <c:pt idx="2">
+                  <c:v>0.10</c:v>
+                </c:pt>
+                <c:pt idx="3">
+                  <c:v>0.50</c:v>
+                </c:pt>
+                <c:pt idx="4">
+                  <c:v>1.00</c:v>
+                </c:pt>
+                <c:pt idx="5">
+                  <c:v>5.00</c:v>
+                </c:pt>
+              </c:strCache>
+            </c:strRef>
+          </c:cat>
+          <c:val>
+            <c:numRef>
+              <c:f>Sheet1!$B$2:$B$7</c:f>
+              <c:numCache>
+                <c:formatCode>General</c:formatCode>
+                <c:ptCount val="6"/>
+                <c:pt idx="0">
+                  <c:v>4.3</c:v>
+                </c:pt>
+                <c:pt idx="1">
+                  <c:v>2.5</c:v>
+                </c:pt>
+                <c:pt idx="2">
+                  <c:v>3.5</c:v>
+                </c:pt>
+                <c:pt idx="3">
+                  <c:v>4.5</c:v>
+                </c:pt>
+                <c:pt idx="4">
+                  <c:v>3.5</c:v>
+                </c:pt>
+                <c:pt idx="5">
+                  <c:v>4.5</c:v>
+                </c:pt>
+              </c:numCache>
+            </c:numRef>
+          </c:val>
+          <c:extLst>
+            <c:ext xmlns:c16="http://schemas.microsoft.com/office/drawing/2014/chart" uri="{C3380CC4-5D6E-409C-BE32-E72D297353CC}">
+              <c16:uniqueId val="{00000000-F6EE-43F4-B578-3451D73C3D2B}"/>
+            </c:ext>
+          </c:extLst>
+        </c:ser>
+        <c:ser>
+          <c:idx val="1"/>
+          <c:order val="1"/>
+          <c:tx>
+            <c:strRef>
+              <c:f>Sheet1!$C$1</c:f>
+              <c:strCache>
+                <c:ptCount val="1"/>
+                <c:pt idx="0">
+                  <c:v>Verlet</c:v>
+                </c:pt>
+              </c:strCache>
+            </c:strRef>
+          </c:tx>
+          <c:spPr>
+            <a:solidFill>
+              <a:schemeClr val="accent2"/>
+            </a:solidFill>
+            <a:ln>
+              <a:noFill/>
+            </a:ln>
+            <a:effectLst/>
+          </c:spPr>
+          <c:invertIfNegative val="0"/>
+          <c:cat>
+            <c:strRef>
+              <c:f>Sheet1!$A$2:$A$7</c:f>
+              <c:strCache>
+                <c:ptCount val="6"/>
+                <c:pt idx="0">
+                  <c:v>0.01</c:v>
+                </c:pt>
+                <c:pt idx="1">
+                  <c:v>0.05</c:v>
+                </c:pt>
+                <c:pt idx="2">
+                  <c:v>0.10</c:v>
+                </c:pt>
+                <c:pt idx="3">
+                  <c:v>0.50</c:v>
+                </c:pt>
+                <c:pt idx="4">
+                  <c:v>1.00</c:v>
+                </c:pt>
+                <c:pt idx="5">
+                  <c:v>5.00</c:v>
+                </c:pt>
+              </c:strCache>
+            </c:strRef>
+          </c:cat>
+          <c:val>
+            <c:numRef>
+              <c:f>Sheet1!$C$2:$C$7</c:f>
+              <c:numCache>
+                <c:formatCode>General</c:formatCode>
+                <c:ptCount val="6"/>
+                <c:pt idx="0">
+                  <c:v>2.4</c:v>
+                </c:pt>
+                <c:pt idx="1">
+                  <c:v>4.4000000000000004</c:v>
+                </c:pt>
+                <c:pt idx="2">
+                  <c:v>1.8</c:v>
+                </c:pt>
+                <c:pt idx="3">
+                  <c:v>2.8</c:v>
+                </c:pt>
+                <c:pt idx="4">
+                  <c:v>1.8</c:v>
+                </c:pt>
+                <c:pt idx="5">
+                  <c:v>2.8</c:v>
+                </c:pt>
+              </c:numCache>
+            </c:numRef>
+          </c:val>
+          <c:extLst>
+            <c:ext xmlns:c16="http://schemas.microsoft.com/office/drawing/2014/chart" uri="{C3380CC4-5D6E-409C-BE32-E72D297353CC}">
+              <c16:uniqueId val="{00000001-F6EE-43F4-B578-3451D73C3D2B}"/>
+            </c:ext>
+          </c:extLst>
+        </c:ser>
+        <c:ser>
+          <c:idx val="2"/>
+          <c:order val="2"/>
+          <c:tx>
+            <c:strRef>
+              <c:f>Sheet1!$D$1</c:f>
+              <c:strCache>
+                <c:ptCount val="1"/>
+                <c:pt idx="0">
+                  <c:v>Runge-Kutta</c:v>
+                </c:pt>
+              </c:strCache>
+            </c:strRef>
+          </c:tx>
+          <c:spPr>
+            <a:solidFill>
+              <a:schemeClr val="accent3"/>
+            </a:solidFill>
+            <a:ln>
+              <a:noFill/>
+            </a:ln>
+            <a:effectLst/>
+          </c:spPr>
+          <c:invertIfNegative val="0"/>
+          <c:cat>
+            <c:strRef>
+              <c:f>Sheet1!$A$2:$A$7</c:f>
+              <c:strCache>
+                <c:ptCount val="6"/>
+                <c:pt idx="0">
+                  <c:v>0.01</c:v>
+                </c:pt>
+                <c:pt idx="1">
+                  <c:v>0.05</c:v>
+                </c:pt>
+                <c:pt idx="2">
+                  <c:v>0.10</c:v>
+                </c:pt>
+                <c:pt idx="3">
+                  <c:v>0.50</c:v>
+                </c:pt>
+                <c:pt idx="4">
+                  <c:v>1.00</c:v>
+                </c:pt>
+                <c:pt idx="5">
+                  <c:v>5.00</c:v>
+                </c:pt>
+              </c:strCache>
+            </c:strRef>
+          </c:cat>
+          <c:val>
+            <c:numRef>
+              <c:f>Sheet1!$D$2:$D$7</c:f>
+              <c:numCache>
+                <c:formatCode>General</c:formatCode>
+                <c:ptCount val="6"/>
+                <c:pt idx="0">
+                  <c:v>2</c:v>
+                </c:pt>
+                <c:pt idx="1">
+                  <c:v>2</c:v>
+                </c:pt>
+                <c:pt idx="2">
+                  <c:v>3</c:v>
+                </c:pt>
+                <c:pt idx="3">
+                  <c:v>5</c:v>
+                </c:pt>
+                <c:pt idx="4">
+                  <c:v>3</c:v>
+                </c:pt>
+                <c:pt idx="5">
+                  <c:v>5</c:v>
+                </c:pt>
+              </c:numCache>
+            </c:numRef>
+          </c:val>
+          <c:extLst>
+            <c:ext xmlns:c16="http://schemas.microsoft.com/office/drawing/2014/chart" uri="{C3380CC4-5D6E-409C-BE32-E72D297353CC}">
+              <c16:uniqueId val="{00000002-F6EE-43F4-B578-3451D73C3D2B}"/>
+            </c:ext>
+          </c:extLst>
+        </c:ser>
+        <c:dLbls>
+          <c:showLegendKey val="0"/>
+          <c:showVal val="0"/>
+          <c:showCatName val="0"/>
+          <c:showSerName val="0"/>
+          <c:showPercent val="0"/>
+          <c:showBubbleSize val="0"/>
+        </c:dLbls>
+        <c:gapWidth val="219"/>
+        <c:overlap val="-27"/>
+        <c:axId val="547336896"/>
+        <c:axId val="690337440"/>
+      </c:barChart>
+      <c:catAx>
+        <c:axId val="547336896"/>
+        <c:scaling>
+          <c:orientation val="minMax"/>
+        </c:scaling>
+        <c:delete val="0"/>
+        <c:axPos val="b"/>
+        <c:numFmt formatCode="General" sourceLinked="1"/>
+        <c:majorTickMark val="none"/>
+        <c:minorTickMark val="none"/>
+        <c:tickLblPos val="nextTo"/>
+        <c:spPr>
+          <a:noFill/>
+          <a:ln w="9525" cap="flat" cmpd="sng" algn="ctr">
+            <a:solidFill>
+              <a:schemeClr val="tx1">
+                <a:lumMod val="15000"/>
+                <a:lumOff val="85000"/>
+              </a:schemeClr>
+            </a:solidFill>
+            <a:round/>
+          </a:ln>
+          <a:effectLst/>
+        </c:spPr>
+        <c:txPr>
+          <a:bodyPr rot="-60000000" spcFirstLastPara="1" vertOverflow="ellipsis" vert="horz" wrap="square" anchor="ctr" anchorCtr="1"/>
+          <a:lstStyle/>
+          <a:p>
+            <a:pPr>
+              <a:defRPr sz="1197" b="0" i="0" u="none" strike="noStrike" kern="1200" baseline="0">
+                <a:solidFill>
+                  <a:schemeClr val="tx1">
+                    <a:lumMod val="65000"/>
+                    <a:lumOff val="35000"/>
+                  </a:schemeClr>
+                </a:solidFill>
+                <a:latin typeface="+mn-lt"/>
+                <a:ea typeface="+mn-ea"/>
+                <a:cs typeface="+mn-cs"/>
+              </a:defRPr>
+            </a:pPr>
+            <a:endParaRPr lang="nl-NL"/>
+          </a:p>
+        </c:txPr>
+        <c:crossAx val="690337440"/>
+        <c:crosses val="autoZero"/>
+        <c:auto val="1"/>
+        <c:lblAlgn val="ctr"/>
+        <c:lblOffset val="100"/>
+        <c:noMultiLvlLbl val="0"/>
+      </c:catAx>
+      <c:valAx>
+        <c:axId val="690337440"/>
+        <c:scaling>
+          <c:orientation val="minMax"/>
+        </c:scaling>
+        <c:delete val="0"/>
+        <c:axPos val="l"/>
+        <c:majorGridlines>
+          <c:spPr>
+            <a:ln w="9525" cap="flat" cmpd="sng" algn="ctr">
+              <a:solidFill>
+                <a:schemeClr val="tx1">
+                  <a:lumMod val="15000"/>
+                  <a:lumOff val="85000"/>
+                </a:schemeClr>
+              </a:solidFill>
+              <a:round/>
+            </a:ln>
+            <a:effectLst/>
+          </c:spPr>
+        </c:majorGridlines>
+        <c:numFmt formatCode="General" sourceLinked="1"/>
+        <c:majorTickMark val="none"/>
+        <c:minorTickMark val="none"/>
+        <c:tickLblPos val="nextTo"/>
+        <c:spPr>
+          <a:noFill/>
+          <a:ln>
+            <a:noFill/>
+          </a:ln>
+          <a:effectLst/>
+        </c:spPr>
+        <c:txPr>
+          <a:bodyPr rot="-60000000" spcFirstLastPara="1" vertOverflow="ellipsis" vert="horz" wrap="square" anchor="ctr" anchorCtr="1"/>
+          <a:lstStyle/>
+          <a:p>
+            <a:pPr>
+              <a:defRPr sz="1197" b="0" i="0" u="none" strike="noStrike" kern="1200" baseline="0">
+                <a:solidFill>
+                  <a:schemeClr val="tx1">
+                    <a:lumMod val="65000"/>
+                    <a:lumOff val="35000"/>
+                  </a:schemeClr>
+                </a:solidFill>
+                <a:latin typeface="+mn-lt"/>
+                <a:ea typeface="+mn-ea"/>
+                <a:cs typeface="+mn-cs"/>
+              </a:defRPr>
+            </a:pPr>
+            <a:endParaRPr lang="nl-NL"/>
+          </a:p>
+        </c:txPr>
+        <c:crossAx val="547336896"/>
+        <c:crosses val="autoZero"/>
+        <c:crossBetween val="between"/>
+      </c:valAx>
+      <c:spPr>
+        <a:noFill/>
+        <a:ln>
+          <a:noFill/>
+        </a:ln>
+        <a:effectLst/>
+      </c:spPr>
+    </c:plotArea>
+    <c:legend>
+      <c:legendPos val="b"/>
+      <c:overlay val="0"/>
+      <c:spPr>
+        <a:noFill/>
+        <a:ln>
+          <a:noFill/>
+        </a:ln>
+        <a:effectLst/>
+      </c:spPr>
+      <c:txPr>
+        <a:bodyPr rot="0" spcFirstLastPara="1" vertOverflow="ellipsis" vert="horz" wrap="square" anchor="ctr" anchorCtr="1"/>
+        <a:lstStyle/>
+        <a:p>
+          <a:pPr>
+            <a:defRPr sz="1197" b="0" i="0" u="none" strike="noStrike" kern="1200" baseline="0">
+              <a:solidFill>
+                <a:schemeClr val="tx1">
+                  <a:lumMod val="65000"/>
+                  <a:lumOff val="35000"/>
+                </a:schemeClr>
+              </a:solidFill>
+              <a:latin typeface="+mn-lt"/>
+              <a:ea typeface="+mn-ea"/>
+              <a:cs typeface="+mn-cs"/>
+            </a:defRPr>
+          </a:pPr>
+          <a:endParaRPr lang="nl-NL"/>
+        </a:p>
+      </c:txPr>
+    </c:legend>
+    <c:plotVisOnly val="1"/>
+    <c:dispBlanksAs val="gap"/>
+    <c:extLst>
+      <c:ext xmlns:c16r3="http://schemas.microsoft.com/office/drawing/2017/03/chart" uri="{56B9EC1D-385E-4148-901F-78D8002777C0}">
+        <c16r3:dataDisplayOptions16>
+          <c16r3:dispNaAsBlank val="1"/>
+        </c16r3:dataDisplayOptions16>
+      </c:ext>
+    </c:extLst>
+    <c:showDLblsOverMax val="0"/>
+  </c:chart>
+  <c:spPr>
+    <a:noFill/>
+    <a:ln>
+      <a:noFill/>
+    </a:ln>
+    <a:effectLst/>
+  </c:spPr>
+  <c:txPr>
+    <a:bodyPr/>
+    <a:lstStyle/>
+    <a:p>
+      <a:pPr>
+        <a:defRPr/>
+      </a:pPr>
+      <a:endParaRPr lang="nl-NL"/>
+    </a:p>
+  </c:txPr>
+  <c:externalData r:id="rId3">
+    <c:autoUpdate val="0"/>
+  </c:externalData>
+</c:chartSpace>
+</file>
+
+<file path=ppt/charts/chart2.xml><?xml version="1.0" encoding="utf-8"?>
+<c:chartSpace xmlns:c="http://schemas.openxmlformats.org/drawingml/2006/chart" xmlns:a="http://schemas.openxmlformats.org/drawingml/2006/main" xmlns:r="http://schemas.openxmlformats.org/officeDocument/2006/relationships" xmlns:c16r2="http://schemas.microsoft.com/office/drawing/2015/06/chart">
+  <c:date1904 val="0"/>
+  <c:lang val="en-US"/>
+  <c:roundedCorners val="0"/>
+  <mc:AlternateContent xmlns:mc="http://schemas.openxmlformats.org/markup-compatibility/2006">
+    <mc:Choice xmlns:c14="http://schemas.microsoft.com/office/drawing/2007/8/2/chart" Requires="c14">
+      <c14:style val="102"/>
+    </mc:Choice>
+    <mc:Fallback>
+      <c:style val="2"/>
+    </mc:Fallback>
+  </mc:AlternateContent>
+  <c:chart>
+    <c:title>
+      <c:overlay val="0"/>
+      <c:spPr>
+        <a:noFill/>
+        <a:ln>
+          <a:noFill/>
+        </a:ln>
+        <a:effectLst/>
+      </c:spPr>
+      <c:txPr>
+        <a:bodyPr rot="0" spcFirstLastPara="1" vertOverflow="ellipsis" vert="horz" wrap="square" anchor="ctr" anchorCtr="1"/>
+        <a:lstStyle/>
+        <a:p>
+          <a:pPr>
+            <a:defRPr sz="1862" b="0" i="0" u="none" strike="noStrike" kern="1200" spc="0" baseline="0">
+              <a:solidFill>
+                <a:schemeClr val="tx1">
+                  <a:lumMod val="65000"/>
+                  <a:lumOff val="35000"/>
+                </a:schemeClr>
+              </a:solidFill>
+              <a:latin typeface="+mn-lt"/>
+              <a:ea typeface="+mn-ea"/>
+              <a:cs typeface="+mn-cs"/>
+            </a:defRPr>
+          </a:pPr>
+          <a:endParaRPr lang="nl-NL"/>
+        </a:p>
+      </c:txPr>
+    </c:title>
+    <c:autoTitleDeleted val="0"/>
+    <c:plotArea>
+      <c:layout/>
+      <c:barChart>
+        <c:barDir val="col"/>
+        <c:grouping val="clustered"/>
+        <c:varyColors val="0"/>
+        <c:ser>
+          <c:idx val="0"/>
+          <c:order val="0"/>
+          <c:tx>
+            <c:strRef>
+              <c:f>Sheet1!$B$1</c:f>
+              <c:strCache>
+                <c:ptCount val="1"/>
+                <c:pt idx="0">
+                  <c:v>Euler</c:v>
+                </c:pt>
+              </c:strCache>
+            </c:strRef>
+          </c:tx>
+          <c:spPr>
+            <a:solidFill>
+              <a:schemeClr val="accent1"/>
+            </a:solidFill>
+            <a:ln>
+              <a:noFill/>
+            </a:ln>
+            <a:effectLst/>
+          </c:spPr>
+          <c:invertIfNegative val="0"/>
+          <c:cat>
+            <c:strRef>
+              <c:f>Sheet1!$A$2</c:f>
+              <c:strCache>
+                <c:ptCount val="1"/>
+                <c:pt idx="0">
+                  <c:v>time spent</c:v>
+                </c:pt>
+              </c:strCache>
+            </c:strRef>
+          </c:cat>
+          <c:val>
+            <c:numRef>
+              <c:f>Sheet1!$B$2</c:f>
+              <c:numCache>
+                <c:formatCode>General</c:formatCode>
+                <c:ptCount val="1"/>
+                <c:pt idx="0">
+                  <c:v>4.3</c:v>
+                </c:pt>
+              </c:numCache>
+            </c:numRef>
+          </c:val>
+          <c:extLst>
+            <c:ext xmlns:c16="http://schemas.microsoft.com/office/drawing/2014/chart" uri="{C3380CC4-5D6E-409C-BE32-E72D297353CC}">
+              <c16:uniqueId val="{00000000-7854-481C-893F-9AC8E01E0481}"/>
+            </c:ext>
+          </c:extLst>
+        </c:ser>
+        <c:ser>
+          <c:idx val="1"/>
+          <c:order val="1"/>
+          <c:tx>
+            <c:strRef>
+              <c:f>Sheet1!$C$1</c:f>
+              <c:strCache>
+                <c:ptCount val="1"/>
+                <c:pt idx="0">
+                  <c:v>Verlet</c:v>
+                </c:pt>
+              </c:strCache>
+            </c:strRef>
+          </c:tx>
+          <c:spPr>
+            <a:solidFill>
+              <a:schemeClr val="accent2"/>
+            </a:solidFill>
+            <a:ln>
+              <a:noFill/>
+            </a:ln>
+            <a:effectLst/>
+          </c:spPr>
+          <c:invertIfNegative val="0"/>
+          <c:cat>
+            <c:strRef>
+              <c:f>Sheet1!$A$2</c:f>
+              <c:strCache>
+                <c:ptCount val="1"/>
+                <c:pt idx="0">
+                  <c:v>time spent</c:v>
+                </c:pt>
+              </c:strCache>
+            </c:strRef>
+          </c:cat>
+          <c:val>
+            <c:numRef>
+              <c:f>Sheet1!$C$2</c:f>
+              <c:numCache>
+                <c:formatCode>General</c:formatCode>
+                <c:ptCount val="1"/>
+                <c:pt idx="0">
+                  <c:v>2.4</c:v>
+                </c:pt>
+              </c:numCache>
+            </c:numRef>
+          </c:val>
+          <c:extLst>
+            <c:ext xmlns:c16="http://schemas.microsoft.com/office/drawing/2014/chart" uri="{C3380CC4-5D6E-409C-BE32-E72D297353CC}">
+              <c16:uniqueId val="{00000001-7854-481C-893F-9AC8E01E0481}"/>
+            </c:ext>
+          </c:extLst>
+        </c:ser>
+        <c:ser>
+          <c:idx val="2"/>
+          <c:order val="2"/>
+          <c:tx>
+            <c:strRef>
+              <c:f>Sheet1!$D$1</c:f>
+              <c:strCache>
+                <c:ptCount val="1"/>
+                <c:pt idx="0">
+                  <c:v>Runge-Kutta</c:v>
+                </c:pt>
+              </c:strCache>
+            </c:strRef>
+          </c:tx>
+          <c:spPr>
+            <a:solidFill>
+              <a:schemeClr val="accent3"/>
+            </a:solidFill>
+            <a:ln>
+              <a:noFill/>
+            </a:ln>
+            <a:effectLst/>
+          </c:spPr>
+          <c:invertIfNegative val="0"/>
+          <c:cat>
+            <c:strRef>
+              <c:f>Sheet1!$A$2</c:f>
+              <c:strCache>
+                <c:ptCount val="1"/>
+                <c:pt idx="0">
+                  <c:v>time spent</c:v>
+                </c:pt>
+              </c:strCache>
+            </c:strRef>
+          </c:cat>
+          <c:val>
+            <c:numRef>
+              <c:f>Sheet1!$D$2</c:f>
+              <c:numCache>
+                <c:formatCode>General</c:formatCode>
+                <c:ptCount val="1"/>
+                <c:pt idx="0">
+                  <c:v>2</c:v>
+                </c:pt>
+              </c:numCache>
+            </c:numRef>
+          </c:val>
+          <c:extLst>
+            <c:ext xmlns:c16="http://schemas.microsoft.com/office/drawing/2014/chart" uri="{C3380CC4-5D6E-409C-BE32-E72D297353CC}">
+              <c16:uniqueId val="{00000002-7854-481C-893F-9AC8E01E0481}"/>
+            </c:ext>
+          </c:extLst>
+        </c:ser>
+        <c:dLbls>
+          <c:showLegendKey val="0"/>
+          <c:showVal val="0"/>
+          <c:showCatName val="0"/>
+          <c:showSerName val="0"/>
+          <c:showPercent val="0"/>
+          <c:showBubbleSize val="0"/>
+        </c:dLbls>
+        <c:gapWidth val="219"/>
+        <c:overlap val="-27"/>
+        <c:axId val="723243472"/>
+        <c:axId val="641512976"/>
+      </c:barChart>
+      <c:catAx>
+        <c:axId val="723243472"/>
+        <c:scaling>
+          <c:orientation val="minMax"/>
+        </c:scaling>
+        <c:delete val="0"/>
+        <c:axPos val="b"/>
+        <c:numFmt formatCode="General" sourceLinked="1"/>
+        <c:majorTickMark val="none"/>
+        <c:minorTickMark val="none"/>
+        <c:tickLblPos val="nextTo"/>
+        <c:spPr>
+          <a:noFill/>
+          <a:ln w="9525" cap="flat" cmpd="sng" algn="ctr">
+            <a:solidFill>
+              <a:schemeClr val="tx1">
+                <a:lumMod val="15000"/>
+                <a:lumOff val="85000"/>
+              </a:schemeClr>
+            </a:solidFill>
+            <a:round/>
+          </a:ln>
+          <a:effectLst/>
+        </c:spPr>
+        <c:txPr>
+          <a:bodyPr rot="-60000000" spcFirstLastPara="1" vertOverflow="ellipsis" vert="horz" wrap="square" anchor="ctr" anchorCtr="1"/>
+          <a:lstStyle/>
+          <a:p>
+            <a:pPr>
+              <a:defRPr sz="1197" b="0" i="0" u="none" strike="noStrike" kern="1200" baseline="0">
+                <a:solidFill>
+                  <a:schemeClr val="tx1">
+                    <a:lumMod val="65000"/>
+                    <a:lumOff val="35000"/>
+                  </a:schemeClr>
+                </a:solidFill>
+                <a:latin typeface="+mn-lt"/>
+                <a:ea typeface="+mn-ea"/>
+                <a:cs typeface="+mn-cs"/>
+              </a:defRPr>
+            </a:pPr>
+            <a:endParaRPr lang="nl-NL"/>
+          </a:p>
+        </c:txPr>
+        <c:crossAx val="641512976"/>
+        <c:crosses val="autoZero"/>
+        <c:auto val="1"/>
+        <c:lblAlgn val="ctr"/>
+        <c:lblOffset val="100"/>
+        <c:noMultiLvlLbl val="0"/>
+      </c:catAx>
+      <c:valAx>
+        <c:axId val="641512976"/>
+        <c:scaling>
+          <c:orientation val="minMax"/>
+        </c:scaling>
+        <c:delete val="0"/>
+        <c:axPos val="l"/>
+        <c:majorGridlines>
+          <c:spPr>
+            <a:ln w="9525" cap="flat" cmpd="sng" algn="ctr">
+              <a:solidFill>
+                <a:schemeClr val="tx1">
+                  <a:lumMod val="15000"/>
+                  <a:lumOff val="85000"/>
+                </a:schemeClr>
+              </a:solidFill>
+              <a:round/>
+            </a:ln>
+            <a:effectLst/>
+          </c:spPr>
+        </c:majorGridlines>
+        <c:numFmt formatCode="General" sourceLinked="1"/>
+        <c:majorTickMark val="none"/>
+        <c:minorTickMark val="none"/>
+        <c:tickLblPos val="nextTo"/>
+        <c:spPr>
+          <a:noFill/>
+          <a:ln>
+            <a:noFill/>
+          </a:ln>
+          <a:effectLst/>
+        </c:spPr>
+        <c:txPr>
+          <a:bodyPr rot="-60000000" spcFirstLastPara="1" vertOverflow="ellipsis" vert="horz" wrap="square" anchor="ctr" anchorCtr="1"/>
+          <a:lstStyle/>
+          <a:p>
+            <a:pPr>
+              <a:defRPr sz="1197" b="0" i="0" u="none" strike="noStrike" kern="1200" baseline="0">
+                <a:solidFill>
+                  <a:schemeClr val="tx1">
+                    <a:lumMod val="65000"/>
+                    <a:lumOff val="35000"/>
+                  </a:schemeClr>
+                </a:solidFill>
+                <a:latin typeface="+mn-lt"/>
+                <a:ea typeface="+mn-ea"/>
+                <a:cs typeface="+mn-cs"/>
+              </a:defRPr>
+            </a:pPr>
+            <a:endParaRPr lang="nl-NL"/>
+          </a:p>
+        </c:txPr>
+        <c:crossAx val="723243472"/>
+        <c:crosses val="autoZero"/>
+        <c:crossBetween val="between"/>
+      </c:valAx>
+      <c:spPr>
+        <a:noFill/>
+        <a:ln>
+          <a:noFill/>
+        </a:ln>
+        <a:effectLst/>
+      </c:spPr>
+    </c:plotArea>
+    <c:legend>
+      <c:legendPos val="b"/>
+      <c:overlay val="0"/>
+      <c:spPr>
+        <a:noFill/>
+        <a:ln>
+          <a:noFill/>
+        </a:ln>
+        <a:effectLst/>
+      </c:spPr>
+      <c:txPr>
+        <a:bodyPr rot="0" spcFirstLastPara="1" vertOverflow="ellipsis" vert="horz" wrap="square" anchor="ctr" anchorCtr="1"/>
+        <a:lstStyle/>
+        <a:p>
+          <a:pPr>
+            <a:defRPr sz="1197" b="0" i="0" u="none" strike="noStrike" kern="1200" baseline="0">
+              <a:solidFill>
+                <a:schemeClr val="tx1">
+                  <a:lumMod val="65000"/>
+                  <a:lumOff val="35000"/>
+                </a:schemeClr>
+              </a:solidFill>
+              <a:latin typeface="+mn-lt"/>
+              <a:ea typeface="+mn-ea"/>
+              <a:cs typeface="+mn-cs"/>
+            </a:defRPr>
+          </a:pPr>
+          <a:endParaRPr lang="nl-NL"/>
+        </a:p>
+      </c:txPr>
+    </c:legend>
+    <c:plotVisOnly val="1"/>
+    <c:dispBlanksAs val="gap"/>
+    <c:extLst>
+      <c:ext xmlns:c16r3="http://schemas.microsoft.com/office/drawing/2017/03/chart" uri="{56B9EC1D-385E-4148-901F-78D8002777C0}">
+        <c16r3:dataDisplayOptions16>
+          <c16r3:dispNaAsBlank val="1"/>
+        </c16r3:dataDisplayOptions16>
+      </c:ext>
+    </c:extLst>
+    <c:showDLblsOverMax val="0"/>
+  </c:chart>
+  <c:spPr>
+    <a:noFill/>
+    <a:ln>
+      <a:noFill/>
+    </a:ln>
+    <a:effectLst/>
+  </c:spPr>
+  <c:txPr>
+    <a:bodyPr/>
+    <a:lstStyle/>
+    <a:p>
+      <a:pPr>
+        <a:defRPr/>
+      </a:pPr>
+      <a:endParaRPr lang="nl-NL"/>
+    </a:p>
+  </c:txPr>
+  <c:externalData r:id="rId3">
+    <c:autoUpdate val="0"/>
+  </c:externalData>
+</c:chartSpace>
+</file>
+
+<file path=ppt/charts/colors1.xml><?xml version="1.0" encoding="utf-8"?>
+<cs:colorStyle xmlns:cs="http://schemas.microsoft.com/office/drawing/2012/chartStyle" xmlns:a="http://schemas.openxmlformats.org/drawingml/2006/main" meth="cycle" id="10">
+  <a:schemeClr val="accent1"/>
+  <a:schemeClr val="accent2"/>
+  <a:schemeClr val="accent3"/>
+  <a:schemeClr val="accent4"/>
+  <a:schemeClr val="accent5"/>
+  <a:schemeClr val="accent6"/>
+  <cs:variation/>
+  <cs:variation>
+    <a:lumMod val="60000"/>
+  </cs:variation>
+  <cs:variation>
+    <a:lumMod val="80000"/>
+    <a:lumOff val="20000"/>
+  </cs:variation>
+  <cs:variation>
+    <a:lumMod val="80000"/>
+  </cs:variation>
+  <cs:variation>
+    <a:lumMod val="60000"/>
+    <a:lumOff val="40000"/>
+  </cs:variation>
+  <cs:variation>
+    <a:lumMod val="50000"/>
+  </cs:variation>
+  <cs:variation>
+    <a:lumMod val="70000"/>
+    <a:lumOff val="30000"/>
+  </cs:variation>
+  <cs:variation>
+    <a:lumMod val="70000"/>
+  </cs:variation>
+  <cs:variation>
+    <a:lumMod val="50000"/>
+    <a:lumOff val="50000"/>
+  </cs:variation>
+</cs:colorStyle>
+</file>
+
+<file path=ppt/charts/colors2.xml><?xml version="1.0" encoding="utf-8"?>
+<cs:colorStyle xmlns:cs="http://schemas.microsoft.com/office/drawing/2012/chartStyle" xmlns:a="http://schemas.openxmlformats.org/drawingml/2006/main" meth="cycle" id="10">
+  <a:schemeClr val="accent1"/>
+  <a:schemeClr val="accent2"/>
+  <a:schemeClr val="accent3"/>
+  <a:schemeClr val="accent4"/>
+  <a:schemeClr val="accent5"/>
+  <a:schemeClr val="accent6"/>
+  <cs:variation/>
+  <cs:variation>
+    <a:lumMod val="60000"/>
+  </cs:variation>
+  <cs:variation>
+    <a:lumMod val="80000"/>
+    <a:lumOff val="20000"/>
+  </cs:variation>
+  <cs:variation>
+    <a:lumMod val="80000"/>
+  </cs:variation>
+  <cs:variation>
+    <a:lumMod val="60000"/>
+    <a:lumOff val="40000"/>
+  </cs:variation>
+  <cs:variation>
+    <a:lumMod val="50000"/>
+  </cs:variation>
+  <cs:variation>
+    <a:lumMod val="70000"/>
+    <a:lumOff val="30000"/>
+  </cs:variation>
+  <cs:variation>
+    <a:lumMod val="70000"/>
+  </cs:variation>
+  <cs:variation>
+    <a:lumMod val="50000"/>
+    <a:lumOff val="50000"/>
+  </cs:variation>
+</cs:colorStyle>
+</file>
+
+<file path=ppt/charts/style1.xml><?xml version="1.0" encoding="utf-8"?>
+<cs:chartStyle xmlns:cs="http://schemas.microsoft.com/office/drawing/2012/chartStyle" xmlns:a="http://schemas.openxmlformats.org/drawingml/2006/main" id="201">
+  <cs:axisTitle>
+    <cs:lnRef idx="0"/>
+    <cs:fillRef idx="0"/>
+    <cs:effectRef idx="0"/>
+    <cs:fontRef idx="minor">
+      <a:schemeClr val="tx1">
+        <a:lumMod val="65000"/>
+        <a:lumOff val="35000"/>
+      </a:schemeClr>
+    </cs:fontRef>
+    <cs:defRPr sz="1330" kern="1200"/>
+  </cs:axisTitle>
+  <cs:categoryAxis>
+    <cs:lnRef idx="0"/>
+    <cs:fillRef idx="0"/>
+    <cs:effectRef idx="0"/>
+    <cs:fontRef idx="minor">
+      <a:schemeClr val="tx1">
+        <a:lumMod val="65000"/>
+        <a:lumOff val="35000"/>
+      </a:schemeClr>
+    </cs:fontRef>
+    <cs:spPr>
+      <a:ln w="9525" cap="flat" cmpd="sng" algn="ctr">
+        <a:solidFill>
+          <a:schemeClr val="tx1">
+            <a:lumMod val="15000"/>
+            <a:lumOff val="85000"/>
+          </a:schemeClr>
+        </a:solidFill>
+        <a:round/>
+      </a:ln>
+    </cs:spPr>
+    <cs:defRPr sz="1197" kern="1200"/>
+  </cs:categoryAxis>
+  <cs:chartArea mods="allowNoFillOverride allowNoLineOverride">
+    <cs:lnRef idx="0"/>
+    <cs:fillRef idx="0"/>
+    <cs:effectRef idx="0"/>
+    <cs:fontRef idx="minor">
+      <a:schemeClr val="tx1"/>
+    </cs:fontRef>
+    <cs:spPr>
+      <a:solidFill>
+        <a:schemeClr val="bg1"/>
+      </a:solidFill>
+      <a:ln w="9525" cap="flat" cmpd="sng" algn="ctr">
+        <a:solidFill>
+          <a:schemeClr val="tx1">
+            <a:lumMod val="15000"/>
+            <a:lumOff val="85000"/>
+          </a:schemeClr>
+        </a:solidFill>
+        <a:round/>
+      </a:ln>
+    </cs:spPr>
+    <cs:defRPr sz="1330" kern="1200"/>
+  </cs:chartArea>
+  <cs:dataLabel>
+    <cs:lnRef idx="0"/>
+    <cs:fillRef idx="0"/>
+    <cs:effectRef idx="0"/>
+    <cs:fontRef idx="minor">
+      <a:schemeClr val="tx1">
+        <a:lumMod val="75000"/>
+        <a:lumOff val="25000"/>
+      </a:schemeClr>
+    </cs:fontRef>
+    <cs:defRPr sz="1197" kern="1200"/>
+  </cs:dataLabel>
+  <cs:dataLabelCallout>
+    <cs:lnRef idx="0"/>
+    <cs:fillRef idx="0"/>
+    <cs:effectRef idx="0"/>
+    <cs:fontRef idx="minor">
+      <a:schemeClr val="dk1">
+        <a:lumMod val="65000"/>
+        <a:lumOff val="35000"/>
+      </a:schemeClr>
+    </cs:fontRef>
+    <cs:spPr>
+      <a:solidFill>
+        <a:schemeClr val="lt1"/>
+      </a:solidFill>
+      <a:ln>
+        <a:solidFill>
+          <a:schemeClr val="dk1">
+            <a:lumMod val="25000"/>
+            <a:lumOff val="75000"/>
+          </a:schemeClr>
+        </a:solidFill>
+      </a:ln>
+    </cs:spPr>
+    <cs:defRPr sz="1197" kern="1200"/>
+    <cs:bodyPr rot="0" spcFirstLastPara="1" vertOverflow="clip" horzOverflow="clip" vert="horz" wrap="square" lIns="36576" tIns="18288" rIns="36576" bIns="18288" anchor="ctr" anchorCtr="1">
+      <a:spAutoFit/>
+    </cs:bodyPr>
+  </cs:dataLabelCallout>
+  <cs:dataPoint>
+    <cs:lnRef idx="0"/>
+    <cs:fillRef idx="1">
+      <cs:styleClr val="auto"/>
+    </cs:fillRef>
+    <cs:effectRef idx="0"/>
+    <cs:fontRef idx="minor">
+      <a:schemeClr val="tx1"/>
+    </cs:fontRef>
+  </cs:dataPoint>
+  <cs:dataPoint3D>
+    <cs:lnRef idx="0"/>
+    <cs:fillRef idx="1">
+      <cs:styleClr val="auto"/>
+    </cs:fillRef>
+    <cs:effectRef idx="0"/>
+    <cs:fontRef idx="minor">
+      <a:schemeClr val="tx1"/>
+    </cs:fontRef>
+  </cs:dataPoint3D>
+  <cs:dataPointLine>
+    <cs:lnRef idx="0">
+      <cs:styleClr val="auto"/>
+    </cs:lnRef>
+    <cs:fillRef idx="1"/>
+    <cs:effectRef idx="0"/>
+    <cs:fontRef idx="minor">
+      <a:schemeClr val="tx1"/>
+    </cs:fontRef>
+    <cs:spPr>
+      <a:ln w="28575" cap="rnd">
+        <a:solidFill>
+          <a:schemeClr val="phClr"/>
+        </a:solidFill>
+        <a:round/>
+      </a:ln>
+    </cs:spPr>
+  </cs:dataPointLine>
+  <cs:dataPointMarker>
+    <cs:lnRef idx="0">
+      <cs:styleClr val="auto"/>
+    </cs:lnRef>
+    <cs:fillRef idx="1">
+      <cs:styleClr val="auto"/>
+    </cs:fillRef>
+    <cs:effectRef idx="0"/>
+    <cs:fontRef idx="minor">
+      <a:schemeClr val="tx1"/>
+    </cs:fontRef>
+    <cs:spPr>
+      <a:ln w="9525">
+        <a:solidFill>
+          <a:schemeClr val="phClr"/>
+        </a:solidFill>
+      </a:ln>
+    </cs:spPr>
+  </cs:dataPointMarker>
+  <cs:dataPointMarkerLayout symbol="circle" size="5"/>
+  <cs:dataPointWireframe>
+    <cs:lnRef idx="0">
+      <cs:styleClr val="auto"/>
+    </cs:lnRef>
+    <cs:fillRef idx="1"/>
+    <cs:effectRef idx="0"/>
+    <cs:fontRef idx="minor">
+      <a:schemeClr val="tx1"/>
+    </cs:fontRef>
+    <cs:spPr>
+      <a:ln w="9525" cap="rnd">
+        <a:solidFill>
+          <a:schemeClr val="phClr"/>
+        </a:solidFill>
+        <a:round/>
+      </a:ln>
+    </cs:spPr>
+  </cs:dataPointWireframe>
+  <cs:dataTable>
+    <cs:lnRef idx="0"/>
+    <cs:fillRef idx="0"/>
+    <cs:effectRef idx="0"/>
+    <cs:fontRef idx="minor">
+      <a:schemeClr val="tx1">
+        <a:lumMod val="65000"/>
+        <a:lumOff val="35000"/>
+      </a:schemeClr>
+    </cs:fontRef>
+    <cs:spPr>
+      <a:noFill/>
+      <a:ln w="9525" cap="flat" cmpd="sng" algn="ctr">
+        <a:solidFill>
+          <a:schemeClr val="tx1">
+            <a:lumMod val="15000"/>
+            <a:lumOff val="85000"/>
+          </a:schemeClr>
+        </a:solidFill>
+        <a:round/>
+      </a:ln>
+    </cs:spPr>
+    <cs:defRPr sz="1197" kern="1200"/>
+  </cs:dataTable>
+  <cs:downBar>
+    <cs:lnRef idx="0"/>
+    <cs:fillRef idx="0"/>
+    <cs:effectRef idx="0"/>
+    <cs:fontRef idx="minor">
+      <a:schemeClr val="dk1"/>
+    </cs:fontRef>
+    <cs:spPr>
+      <a:solidFill>
+        <a:schemeClr val="dk1">
+          <a:lumMod val="65000"/>
+          <a:lumOff val="35000"/>
+        </a:schemeClr>
+      </a:solidFill>
+      <a:ln w="9525">
+        <a:solidFill>
+          <a:schemeClr val="tx1">
+            <a:lumMod val="65000"/>
+            <a:lumOff val="35000"/>
+          </a:schemeClr>
+        </a:solidFill>
+      </a:ln>
+    </cs:spPr>
+  </cs:downBar>
+  <cs:dropLine>
+    <cs:lnRef idx="0"/>
+    <cs:fillRef idx="0"/>
+    <cs:effectRef idx="0"/>
+    <cs:fontRef idx="minor">
+      <a:schemeClr val="tx1"/>
+    </cs:fontRef>
+    <cs:spPr>
+      <a:ln w="9525" cap="flat" cmpd="sng" algn="ctr">
+        <a:solidFill>
+          <a:schemeClr val="tx1">
+            <a:lumMod val="35000"/>
+            <a:lumOff val="65000"/>
+          </a:schemeClr>
+        </a:solidFill>
+        <a:round/>
+      </a:ln>
+    </cs:spPr>
+  </cs:dropLine>
+  <cs:errorBar>
+    <cs:lnRef idx="0"/>
+    <cs:fillRef idx="0"/>
+    <cs:effectRef idx="0"/>
+    <cs:fontRef idx="minor">
+      <a:schemeClr val="tx1"/>
+    </cs:fontRef>
+    <cs:spPr>
+      <a:ln w="9525" cap="flat" cmpd="sng" algn="ctr">
+        <a:solidFill>
+          <a:schemeClr val="tx1">
+            <a:lumMod val="65000"/>
+            <a:lumOff val="35000"/>
+          </a:schemeClr>
+        </a:solidFill>
+        <a:round/>
+      </a:ln>
+    </cs:spPr>
+  </cs:errorBar>
+  <cs:floor>
+    <cs:lnRef idx="0"/>
+    <cs:fillRef idx="0"/>
+    <cs:effectRef idx="0"/>
+    <cs:fontRef idx="minor">
+      <a:schemeClr val="tx1"/>
+    </cs:fontRef>
+    <cs:spPr>
+      <a:noFill/>
+      <a:ln>
+        <a:noFill/>
+      </a:ln>
+    </cs:spPr>
+  </cs:floor>
+  <cs:gridlineMajor>
+    <cs:lnRef idx="0"/>
+    <cs:fillRef idx="0"/>
+    <cs:effectRef idx="0"/>
+    <cs:fontRef idx="minor">
+      <a:schemeClr val="tx1"/>
+    </cs:fontRef>
+    <cs:spPr>
+      <a:ln w="9525" cap="flat" cmpd="sng" algn="ctr">
+        <a:solidFill>
+          <a:schemeClr val="tx1">
+            <a:lumMod val="15000"/>
+            <a:lumOff val="85000"/>
+          </a:schemeClr>
+        </a:solidFill>
+        <a:round/>
+      </a:ln>
+    </cs:spPr>
+  </cs:gridlineMajor>
+  <cs:gridlineMinor>
+    <cs:lnRef idx="0"/>
+    <cs:fillRef idx="0"/>
+    <cs:effectRef idx="0"/>
+    <cs:fontRef idx="minor">
+      <a:schemeClr val="tx1"/>
+    </cs:fontRef>
+    <cs:spPr>
+      <a:ln w="9525" cap="flat" cmpd="sng" algn="ctr">
+        <a:solidFill>
+          <a:schemeClr val="tx1">
+            <a:lumMod val="5000"/>
+            <a:lumOff val="95000"/>
+          </a:schemeClr>
+        </a:solidFill>
+        <a:round/>
+      </a:ln>
+    </cs:spPr>
+  </cs:gridlineMinor>
+  <cs:hiLoLine>
+    <cs:lnRef idx="0"/>
+    <cs:fillRef idx="0"/>
+    <cs:effectRef idx="0"/>
+    <cs:fontRef idx="minor">
+      <a:schemeClr val="tx1"/>
+    </cs:fontRef>
+    <cs:spPr>
+      <a:ln w="9525" cap="flat" cmpd="sng" algn="ctr">
+        <a:solidFill>
+          <a:schemeClr val="tx1">
+            <a:lumMod val="75000"/>
+            <a:lumOff val="25000"/>
+          </a:schemeClr>
+        </a:solidFill>
+        <a:round/>
+      </a:ln>
+    </cs:spPr>
+  </cs:hiLoLine>
+  <cs:leaderLine>
+    <cs:lnRef idx="0"/>
+    <cs:fillRef idx="0"/>
+    <cs:effectRef idx="0"/>
+    <cs:fontRef idx="minor">
+      <a:schemeClr val="tx1"/>
+    </cs:fontRef>
+    <cs:spPr>
+      <a:ln w="9525" cap="flat" cmpd="sng" algn="ctr">
+        <a:solidFill>
+          <a:schemeClr val="tx1">
+            <a:lumMod val="35000"/>
+            <a:lumOff val="65000"/>
+          </a:schemeClr>
+        </a:solidFill>
+        <a:round/>
+      </a:ln>
+    </cs:spPr>
+  </cs:leaderLine>
+  <cs:legend>
+    <cs:lnRef idx="0"/>
+    <cs:fillRef idx="0"/>
+    <cs:effectRef idx="0"/>
+    <cs:fontRef idx="minor">
+      <a:schemeClr val="tx1">
+        <a:lumMod val="65000"/>
+        <a:lumOff val="35000"/>
+      </a:schemeClr>
+    </cs:fontRef>
+    <cs:defRPr sz="1197" kern="1200"/>
+  </cs:legend>
+  <cs:plotArea mods="allowNoFillOverride allowNoLineOverride">
+    <cs:lnRef idx="0"/>
+    <cs:fillRef idx="0"/>
+    <cs:effectRef idx="0"/>
+    <cs:fontRef idx="minor">
+      <a:schemeClr val="tx1"/>
+    </cs:fontRef>
+  </cs:plotArea>
+  <cs:plotArea3D mods="allowNoFillOverride allowNoLineOverride">
+    <cs:lnRef idx="0"/>
+    <cs:fillRef idx="0"/>
+    <cs:effectRef idx="0"/>
+    <cs:fontRef idx="minor">
+      <a:schemeClr val="tx1"/>
+    </cs:fontRef>
+  </cs:plotArea3D>
+  <cs:seriesAxis>
+    <cs:lnRef idx="0"/>
+    <cs:fillRef idx="0"/>
+    <cs:effectRef idx="0"/>
+    <cs:fontRef idx="minor">
+      <a:schemeClr val="tx1">
+        <a:lumMod val="65000"/>
+        <a:lumOff val="35000"/>
+      </a:schemeClr>
+    </cs:fontRef>
+    <cs:defRPr sz="1197" kern="1200"/>
+  </cs:seriesAxis>
+  <cs:seriesLine>
+    <cs:lnRef idx="0"/>
+    <cs:fillRef idx="0"/>
+    <cs:effectRef idx="0"/>
+    <cs:fontRef idx="minor">
+      <a:schemeClr val="tx1"/>
+    </cs:fontRef>
+    <cs:spPr>
+      <a:ln w="9525" cap="flat" cmpd="sng" algn="ctr">
+        <a:solidFill>
+          <a:schemeClr val="tx1">
+            <a:lumMod val="35000"/>
+            <a:lumOff val="65000"/>
+          </a:schemeClr>
+        </a:solidFill>
+        <a:round/>
+      </a:ln>
+    </cs:spPr>
+  </cs:seriesLine>
+  <cs:title>
+    <cs:lnRef idx="0"/>
+    <cs:fillRef idx="0"/>
+    <cs:effectRef idx="0"/>
+    <cs:fontRef idx="minor">
+      <a:schemeClr val="tx1">
+        <a:lumMod val="65000"/>
+        <a:lumOff val="35000"/>
+      </a:schemeClr>
+    </cs:fontRef>
+    <cs:defRPr sz="1862" b="0" kern="1200" spc="0" baseline="0"/>
+  </cs:title>
+  <cs:trendline>
+    <cs:lnRef idx="0">
+      <cs:styleClr val="auto"/>
+    </cs:lnRef>
+    <cs:fillRef idx="0"/>
+    <cs:effectRef idx="0"/>
+    <cs:fontRef idx="minor">
+      <a:schemeClr val="tx1"/>
+    </cs:fontRef>
+    <cs:spPr>
+      <a:ln w="19050" cap="rnd">
+        <a:solidFill>
+          <a:schemeClr val="phClr"/>
+        </a:solidFill>
+        <a:prstDash val="sysDot"/>
+      </a:ln>
+    </cs:spPr>
+  </cs:trendline>
+  <cs:trendlineLabel>
+    <cs:lnRef idx="0"/>
+    <cs:fillRef idx="0"/>
+    <cs:effectRef idx="0"/>
+    <cs:fontRef idx="minor">
+      <a:schemeClr val="tx1">
+        <a:lumMod val="65000"/>
+        <a:lumOff val="35000"/>
+      </a:schemeClr>
+    </cs:fontRef>
+    <cs:defRPr sz="1197" kern="1200"/>
+  </cs:trendlineLabel>
+  <cs:upBar>
+    <cs:lnRef idx="0"/>
+    <cs:fillRef idx="0"/>
+    <cs:effectRef idx="0"/>
+    <cs:fontRef idx="minor">
+      <a:schemeClr val="dk1"/>
+    </cs:fontRef>
+    <cs:spPr>
+      <a:solidFill>
+        <a:schemeClr val="lt1"/>
+      </a:solidFill>
+      <a:ln w="9525">
+        <a:solidFill>
+          <a:schemeClr val="tx1">
+            <a:lumMod val="15000"/>
+            <a:lumOff val="85000"/>
+          </a:schemeClr>
+        </a:solidFill>
+      </a:ln>
+    </cs:spPr>
+  </cs:upBar>
+  <cs:valueAxis>
+    <cs:lnRef idx="0"/>
+    <cs:fillRef idx="0"/>
+    <cs:effectRef idx="0"/>
+    <cs:fontRef idx="minor">
+      <a:schemeClr val="tx1">
+        <a:lumMod val="65000"/>
+        <a:lumOff val="35000"/>
+      </a:schemeClr>
+    </cs:fontRef>
+    <cs:defRPr sz="1197" kern="1200"/>
+  </cs:valueAxis>
+  <cs:wall>
+    <cs:lnRef idx="0"/>
+    <cs:fillRef idx="0"/>
+    <cs:effectRef idx="0"/>
+    <cs:fontRef idx="minor">
+      <a:schemeClr val="tx1"/>
+    </cs:fontRef>
+    <cs:spPr>
+      <a:noFill/>
+      <a:ln>
+        <a:noFill/>
+      </a:ln>
+    </cs:spPr>
+  </cs:wall>
+</cs:chartStyle>
+</file>
+
+<file path=ppt/charts/style2.xml><?xml version="1.0" encoding="utf-8"?>
+<cs:chartStyle xmlns:cs="http://schemas.microsoft.com/office/drawing/2012/chartStyle" xmlns:a="http://schemas.openxmlformats.org/drawingml/2006/main" id="201">
+  <cs:axisTitle>
+    <cs:lnRef idx="0"/>
+    <cs:fillRef idx="0"/>
+    <cs:effectRef idx="0"/>
+    <cs:fontRef idx="minor">
+      <a:schemeClr val="tx1">
+        <a:lumMod val="65000"/>
+        <a:lumOff val="35000"/>
+      </a:schemeClr>
+    </cs:fontRef>
+    <cs:defRPr sz="1330" kern="1200"/>
+  </cs:axisTitle>
+  <cs:categoryAxis>
+    <cs:lnRef idx="0"/>
+    <cs:fillRef idx="0"/>
+    <cs:effectRef idx="0"/>
+    <cs:fontRef idx="minor">
+      <a:schemeClr val="tx1">
+        <a:lumMod val="65000"/>
+        <a:lumOff val="35000"/>
+      </a:schemeClr>
+    </cs:fontRef>
+    <cs:spPr>
+      <a:ln w="9525" cap="flat" cmpd="sng" algn="ctr">
+        <a:solidFill>
+          <a:schemeClr val="tx1">
+            <a:lumMod val="15000"/>
+            <a:lumOff val="85000"/>
+          </a:schemeClr>
+        </a:solidFill>
+        <a:round/>
+      </a:ln>
+    </cs:spPr>
+    <cs:defRPr sz="1197" kern="1200"/>
+  </cs:categoryAxis>
+  <cs:chartArea mods="allowNoFillOverride allowNoLineOverride">
+    <cs:lnRef idx="0"/>
+    <cs:fillRef idx="0"/>
+    <cs:effectRef idx="0"/>
+    <cs:fontRef idx="minor">
+      <a:schemeClr val="tx1"/>
+    </cs:fontRef>
+    <cs:spPr>
+      <a:solidFill>
+        <a:schemeClr val="bg1"/>
+      </a:solidFill>
+      <a:ln w="9525" cap="flat" cmpd="sng" algn="ctr">
+        <a:solidFill>
+          <a:schemeClr val="tx1">
+            <a:lumMod val="15000"/>
+            <a:lumOff val="85000"/>
+          </a:schemeClr>
+        </a:solidFill>
+        <a:round/>
+      </a:ln>
+    </cs:spPr>
+    <cs:defRPr sz="1330" kern="1200"/>
+  </cs:chartArea>
+  <cs:dataLabel>
+    <cs:lnRef idx="0"/>
+    <cs:fillRef idx="0"/>
+    <cs:effectRef idx="0"/>
+    <cs:fontRef idx="minor">
+      <a:schemeClr val="tx1">
+        <a:lumMod val="75000"/>
+        <a:lumOff val="25000"/>
+      </a:schemeClr>
+    </cs:fontRef>
+    <cs:defRPr sz="1197" kern="1200"/>
+  </cs:dataLabel>
+  <cs:dataLabelCallout>
+    <cs:lnRef idx="0"/>
+    <cs:fillRef idx="0"/>
+    <cs:effectRef idx="0"/>
+    <cs:fontRef idx="minor">
+      <a:schemeClr val="dk1">
+        <a:lumMod val="65000"/>
+        <a:lumOff val="35000"/>
+      </a:schemeClr>
+    </cs:fontRef>
+    <cs:spPr>
+      <a:solidFill>
+        <a:schemeClr val="lt1"/>
+      </a:solidFill>
+      <a:ln>
+        <a:solidFill>
+          <a:schemeClr val="dk1">
+            <a:lumMod val="25000"/>
+            <a:lumOff val="75000"/>
+          </a:schemeClr>
+        </a:solidFill>
+      </a:ln>
+    </cs:spPr>
+    <cs:defRPr sz="1197" kern="1200"/>
+    <cs:bodyPr rot="0" spcFirstLastPara="1" vertOverflow="clip" horzOverflow="clip" vert="horz" wrap="square" lIns="36576" tIns="18288" rIns="36576" bIns="18288" anchor="ctr" anchorCtr="1">
+      <a:spAutoFit/>
+    </cs:bodyPr>
+  </cs:dataLabelCallout>
+  <cs:dataPoint>
+    <cs:lnRef idx="0"/>
+    <cs:fillRef idx="1">
+      <cs:styleClr val="auto"/>
+    </cs:fillRef>
+    <cs:effectRef idx="0"/>
+    <cs:fontRef idx="minor">
+      <a:schemeClr val="tx1"/>
+    </cs:fontRef>
+  </cs:dataPoint>
+  <cs:dataPoint3D>
+    <cs:lnRef idx="0"/>
+    <cs:fillRef idx="1">
+      <cs:styleClr val="auto"/>
+    </cs:fillRef>
+    <cs:effectRef idx="0"/>
+    <cs:fontRef idx="minor">
+      <a:schemeClr val="tx1"/>
+    </cs:fontRef>
+  </cs:dataPoint3D>
+  <cs:dataPointLine>
+    <cs:lnRef idx="0">
+      <cs:styleClr val="auto"/>
+    </cs:lnRef>
+    <cs:fillRef idx="1"/>
+    <cs:effectRef idx="0"/>
+    <cs:fontRef idx="minor">
+      <a:schemeClr val="tx1"/>
+    </cs:fontRef>
+    <cs:spPr>
+      <a:ln w="28575" cap="rnd">
+        <a:solidFill>
+          <a:schemeClr val="phClr"/>
+        </a:solidFill>
+        <a:round/>
+      </a:ln>
+    </cs:spPr>
+  </cs:dataPointLine>
+  <cs:dataPointMarker>
+    <cs:lnRef idx="0">
+      <cs:styleClr val="auto"/>
+    </cs:lnRef>
+    <cs:fillRef idx="1">
+      <cs:styleClr val="auto"/>
+    </cs:fillRef>
+    <cs:effectRef idx="0"/>
+    <cs:fontRef idx="minor">
+      <a:schemeClr val="tx1"/>
+    </cs:fontRef>
+    <cs:spPr>
+      <a:ln w="9525">
+        <a:solidFill>
+          <a:schemeClr val="phClr"/>
+        </a:solidFill>
+      </a:ln>
+    </cs:spPr>
+  </cs:dataPointMarker>
+  <cs:dataPointMarkerLayout symbol="circle" size="5"/>
+  <cs:dataPointWireframe>
+    <cs:lnRef idx="0">
+      <cs:styleClr val="auto"/>
+    </cs:lnRef>
+    <cs:fillRef idx="1"/>
+    <cs:effectRef idx="0"/>
+    <cs:fontRef idx="minor">
+      <a:schemeClr val="tx1"/>
+    </cs:fontRef>
+    <cs:spPr>
+      <a:ln w="9525" cap="rnd">
+        <a:solidFill>
+          <a:schemeClr val="phClr"/>
+        </a:solidFill>
+        <a:round/>
+      </a:ln>
+    </cs:spPr>
+  </cs:dataPointWireframe>
+  <cs:dataTable>
+    <cs:lnRef idx="0"/>
+    <cs:fillRef idx="0"/>
+    <cs:effectRef idx="0"/>
+    <cs:fontRef idx="minor">
+      <a:schemeClr val="tx1">
+        <a:lumMod val="65000"/>
+        <a:lumOff val="35000"/>
+      </a:schemeClr>
+    </cs:fontRef>
+    <cs:spPr>
+      <a:noFill/>
+      <a:ln w="9525" cap="flat" cmpd="sng" algn="ctr">
+        <a:solidFill>
+          <a:schemeClr val="tx1">
+            <a:lumMod val="15000"/>
+            <a:lumOff val="85000"/>
+          </a:schemeClr>
+        </a:solidFill>
+        <a:round/>
+      </a:ln>
+    </cs:spPr>
+    <cs:defRPr sz="1197" kern="1200"/>
+  </cs:dataTable>
+  <cs:downBar>
+    <cs:lnRef idx="0"/>
+    <cs:fillRef idx="0"/>
+    <cs:effectRef idx="0"/>
+    <cs:fontRef idx="minor">
+      <a:schemeClr val="dk1"/>
+    </cs:fontRef>
+    <cs:spPr>
+      <a:solidFill>
+        <a:schemeClr val="dk1">
+          <a:lumMod val="65000"/>
+          <a:lumOff val="35000"/>
+        </a:schemeClr>
+      </a:solidFill>
+      <a:ln w="9525">
+        <a:solidFill>
+          <a:schemeClr val="tx1">
+            <a:lumMod val="65000"/>
+            <a:lumOff val="35000"/>
+          </a:schemeClr>
+        </a:solidFill>
+      </a:ln>
+    </cs:spPr>
+  </cs:downBar>
+  <cs:dropLine>
+    <cs:lnRef idx="0"/>
+    <cs:fillRef idx="0"/>
+    <cs:effectRef idx="0"/>
+    <cs:fontRef idx="minor">
+      <a:schemeClr val="tx1"/>
+    </cs:fontRef>
+    <cs:spPr>
+      <a:ln w="9525" cap="flat" cmpd="sng" algn="ctr">
+        <a:solidFill>
+          <a:schemeClr val="tx1">
+            <a:lumMod val="35000"/>
+            <a:lumOff val="65000"/>
+          </a:schemeClr>
+        </a:solidFill>
+        <a:round/>
+      </a:ln>
+    </cs:spPr>
+  </cs:dropLine>
+  <cs:errorBar>
+    <cs:lnRef idx="0"/>
+    <cs:fillRef idx="0"/>
+    <cs:effectRef idx="0"/>
+    <cs:fontRef idx="minor">
+      <a:schemeClr val="tx1"/>
+    </cs:fontRef>
+    <cs:spPr>
+      <a:ln w="9525" cap="flat" cmpd="sng" algn="ctr">
+        <a:solidFill>
+          <a:schemeClr val="tx1">
+            <a:lumMod val="65000"/>
+            <a:lumOff val="35000"/>
+          </a:schemeClr>
+        </a:solidFill>
+        <a:round/>
+      </a:ln>
+    </cs:spPr>
+  </cs:errorBar>
+  <cs:floor>
+    <cs:lnRef idx="0"/>
+    <cs:fillRef idx="0"/>
+    <cs:effectRef idx="0"/>
+    <cs:fontRef idx="minor">
+      <a:schemeClr val="tx1"/>
+    </cs:fontRef>
+    <cs:spPr>
+      <a:noFill/>
+      <a:ln>
+        <a:noFill/>
+      </a:ln>
+    </cs:spPr>
+  </cs:floor>
+  <cs:gridlineMajor>
+    <cs:lnRef idx="0"/>
+    <cs:fillRef idx="0"/>
+    <cs:effectRef idx="0"/>
+    <cs:fontRef idx="minor">
+      <a:schemeClr val="tx1"/>
+    </cs:fontRef>
+    <cs:spPr>
+      <a:ln w="9525" cap="flat" cmpd="sng" algn="ctr">
+        <a:solidFill>
+          <a:schemeClr val="tx1">
+            <a:lumMod val="15000"/>
+            <a:lumOff val="85000"/>
+          </a:schemeClr>
+        </a:solidFill>
+        <a:round/>
+      </a:ln>
+    </cs:spPr>
+  </cs:gridlineMajor>
+  <cs:gridlineMinor>
+    <cs:lnRef idx="0"/>
+    <cs:fillRef idx="0"/>
+    <cs:effectRef idx="0"/>
+    <cs:fontRef idx="minor">
+      <a:schemeClr val="tx1"/>
+    </cs:fontRef>
+    <cs:spPr>
+      <a:ln w="9525" cap="flat" cmpd="sng" algn="ctr">
+        <a:solidFill>
+          <a:schemeClr val="tx1">
+            <a:lumMod val="5000"/>
+            <a:lumOff val="95000"/>
+          </a:schemeClr>
+        </a:solidFill>
+        <a:round/>
+      </a:ln>
+    </cs:spPr>
+  </cs:gridlineMinor>
+  <cs:hiLoLine>
+    <cs:lnRef idx="0"/>
+    <cs:fillRef idx="0"/>
+    <cs:effectRef idx="0"/>
+    <cs:fontRef idx="minor">
+      <a:schemeClr val="tx1"/>
+    </cs:fontRef>
+    <cs:spPr>
+      <a:ln w="9525" cap="flat" cmpd="sng" algn="ctr">
+        <a:solidFill>
+          <a:schemeClr val="tx1">
+            <a:lumMod val="75000"/>
+            <a:lumOff val="25000"/>
+          </a:schemeClr>
+        </a:solidFill>
+        <a:round/>
+      </a:ln>
+    </cs:spPr>
+  </cs:hiLoLine>
+  <cs:leaderLine>
+    <cs:lnRef idx="0"/>
+    <cs:fillRef idx="0"/>
+    <cs:effectRef idx="0"/>
+    <cs:fontRef idx="minor">
+      <a:schemeClr val="tx1"/>
+    </cs:fontRef>
+    <cs:spPr>
+      <a:ln w="9525" cap="flat" cmpd="sng" algn="ctr">
+        <a:solidFill>
+          <a:schemeClr val="tx1">
+            <a:lumMod val="35000"/>
+            <a:lumOff val="65000"/>
+          </a:schemeClr>
+        </a:solidFill>
+        <a:round/>
+      </a:ln>
+    </cs:spPr>
+  </cs:leaderLine>
+  <cs:legend>
+    <cs:lnRef idx="0"/>
+    <cs:fillRef idx="0"/>
+    <cs:effectRef idx="0"/>
+    <cs:fontRef idx="minor">
+      <a:schemeClr val="tx1">
+        <a:lumMod val="65000"/>
+        <a:lumOff val="35000"/>
+      </a:schemeClr>
+    </cs:fontRef>
+    <cs:defRPr sz="1197" kern="1200"/>
+  </cs:legend>
+  <cs:plotArea mods="allowNoFillOverride allowNoLineOverride">
+    <cs:lnRef idx="0"/>
+    <cs:fillRef idx="0"/>
+    <cs:effectRef idx="0"/>
+    <cs:fontRef idx="minor">
+      <a:schemeClr val="tx1"/>
+    </cs:fontRef>
+  </cs:plotArea>
+  <cs:plotArea3D mods="allowNoFillOverride allowNoLineOverride">
+    <cs:lnRef idx="0"/>
+    <cs:fillRef idx="0"/>
+    <cs:effectRef idx="0"/>
+    <cs:fontRef idx="minor">
+      <a:schemeClr val="tx1"/>
+    </cs:fontRef>
+  </cs:plotArea3D>
+  <cs:seriesAxis>
+    <cs:lnRef idx="0"/>
+    <cs:fillRef idx="0"/>
+    <cs:effectRef idx="0"/>
+    <cs:fontRef idx="minor">
+      <a:schemeClr val="tx1">
+        <a:lumMod val="65000"/>
+        <a:lumOff val="35000"/>
+      </a:schemeClr>
+    </cs:fontRef>
+    <cs:defRPr sz="1197" kern="1200"/>
+  </cs:seriesAxis>
+  <cs:seriesLine>
+    <cs:lnRef idx="0"/>
+    <cs:fillRef idx="0"/>
+    <cs:effectRef idx="0"/>
+    <cs:fontRef idx="minor">
+      <a:schemeClr val="tx1"/>
+    </cs:fontRef>
+    <cs:spPr>
+      <a:ln w="9525" cap="flat" cmpd="sng" algn="ctr">
+        <a:solidFill>
+          <a:schemeClr val="tx1">
+            <a:lumMod val="35000"/>
+            <a:lumOff val="65000"/>
+          </a:schemeClr>
+        </a:solidFill>
+        <a:round/>
+      </a:ln>
+    </cs:spPr>
+  </cs:seriesLine>
+  <cs:title>
+    <cs:lnRef idx="0"/>
+    <cs:fillRef idx="0"/>
+    <cs:effectRef idx="0"/>
+    <cs:fontRef idx="minor">
+      <a:schemeClr val="tx1">
+        <a:lumMod val="65000"/>
+        <a:lumOff val="35000"/>
+      </a:schemeClr>
+    </cs:fontRef>
+    <cs:defRPr sz="1862" b="0" kern="1200" spc="0" baseline="0"/>
+  </cs:title>
+  <cs:trendline>
+    <cs:lnRef idx="0">
+      <cs:styleClr val="auto"/>
+    </cs:lnRef>
+    <cs:fillRef idx="0"/>
+    <cs:effectRef idx="0"/>
+    <cs:fontRef idx="minor">
+      <a:schemeClr val="tx1"/>
+    </cs:fontRef>
+    <cs:spPr>
+      <a:ln w="19050" cap="rnd">
+        <a:solidFill>
+          <a:schemeClr val="phClr"/>
+        </a:solidFill>
+        <a:prstDash val="sysDot"/>
+      </a:ln>
+    </cs:spPr>
+  </cs:trendline>
+  <cs:trendlineLabel>
+    <cs:lnRef idx="0"/>
+    <cs:fillRef idx="0"/>
+    <cs:effectRef idx="0"/>
+    <cs:fontRef idx="minor">
+      <a:schemeClr val="tx1">
+        <a:lumMod val="65000"/>
+        <a:lumOff val="35000"/>
+      </a:schemeClr>
+    </cs:fontRef>
+    <cs:defRPr sz="1197" kern="1200"/>
+  </cs:trendlineLabel>
+  <cs:upBar>
+    <cs:lnRef idx="0"/>
+    <cs:fillRef idx="0"/>
+    <cs:effectRef idx="0"/>
+    <cs:fontRef idx="minor">
+      <a:schemeClr val="dk1"/>
+    </cs:fontRef>
+    <cs:spPr>
+      <a:solidFill>
+        <a:schemeClr val="lt1"/>
+      </a:solidFill>
+      <a:ln w="9525">
+        <a:solidFill>
+          <a:schemeClr val="tx1">
+            <a:lumMod val="15000"/>
+            <a:lumOff val="85000"/>
+          </a:schemeClr>
+        </a:solidFill>
+      </a:ln>
+    </cs:spPr>
+  </cs:upBar>
+  <cs:valueAxis>
+    <cs:lnRef idx="0"/>
+    <cs:fillRef idx="0"/>
+    <cs:effectRef idx="0"/>
+    <cs:fontRef idx="minor">
+      <a:schemeClr val="tx1">
+        <a:lumMod val="65000"/>
+        <a:lumOff val="35000"/>
+      </a:schemeClr>
+    </cs:fontRef>
+    <cs:defRPr sz="1197" kern="1200"/>
+  </cs:valueAxis>
+  <cs:wall>
+    <cs:lnRef idx="0"/>
+    <cs:fillRef idx="0"/>
+    <cs:effectRef idx="0"/>
+    <cs:fontRef idx="minor">
+      <a:schemeClr val="tx1"/>
+    </cs:fontRef>
+    <cs:spPr>
+      <a:noFill/>
+      <a:ln>
+        <a:noFill/>
+      </a:ln>
+    </cs:spPr>
+  </cs:wall>
+</cs:chartStyle>
 </file>
 
 <file path=ppt/notesMasters/notesMaster1.xml><?xml version="1.0" encoding="utf-8"?>
@@ -973,7 +2986,7 @@
           <a:bodyPr/>
           <a:lstStyle/>
           <a:p>
-            <a:endParaRPr lang="nl-NL"/>
+            <a:endParaRPr lang="nl-NL" dirty="0"/>
           </a:p>
         </p:txBody>
       </p:sp>
@@ -1003,7 +3016,271 @@
     </p:spTree>
     <p:extLst>
       <p:ext uri="{BB962C8B-B14F-4D97-AF65-F5344CB8AC3E}">
-        <p14:creationId xmlns:p14="http://schemas.microsoft.com/office/powerpoint/2010/main" val="3094949380"/>
+        <p14:creationId xmlns:p14="http://schemas.microsoft.com/office/powerpoint/2010/main" val="4253772193"/>
+      </p:ext>
+    </p:extLst>
+  </p:cSld>
+  <p:clrMapOvr>
+    <a:masterClrMapping/>
+  </p:clrMapOvr>
+</p:notes>
+</file>
+
+<file path=ppt/notesSlides/notesSlide7.xml><?xml version="1.0" encoding="utf-8"?>
+<p:notes xmlns:a="http://schemas.openxmlformats.org/drawingml/2006/main" xmlns:r="http://schemas.openxmlformats.org/officeDocument/2006/relationships" xmlns:p="http://schemas.openxmlformats.org/presentationml/2006/main">
+  <p:cSld>
+    <p:spTree>
+      <p:nvGrpSpPr>
+        <p:cNvPr id="1" name=""/>
+        <p:cNvGrpSpPr/>
+        <p:nvPr/>
+      </p:nvGrpSpPr>
+      <p:grpSpPr>
+        <a:xfrm>
+          <a:off x="0" y="0"/>
+          <a:ext cx="0" cy="0"/>
+          <a:chOff x="0" y="0"/>
+          <a:chExt cx="0" cy="0"/>
+        </a:xfrm>
+      </p:grpSpPr>
+      <p:sp>
+        <p:nvSpPr>
+          <p:cNvPr id="2" name="Slide Image Placeholder 1"/>
+          <p:cNvSpPr>
+            <a:spLocks noGrp="1" noRot="1" noChangeAspect="1"/>
+          </p:cNvSpPr>
+          <p:nvPr>
+            <p:ph type="sldImg"/>
+          </p:nvPr>
+        </p:nvSpPr>
+        <p:spPr/>
+      </p:sp>
+      <p:sp>
+        <p:nvSpPr>
+          <p:cNvPr id="3" name="Notes Placeholder 2"/>
+          <p:cNvSpPr>
+            <a:spLocks noGrp="1"/>
+          </p:cNvSpPr>
+          <p:nvPr>
+            <p:ph type="body" idx="1"/>
+          </p:nvPr>
+        </p:nvSpPr>
+        <p:spPr/>
+        <p:txBody>
+          <a:bodyPr/>
+          <a:lstStyle/>
+          <a:p>
+            <a:r>
+              <a:rPr lang="en-US" dirty="0"/>
+              <a:t>First ask the examiners if they would like us to explain the formulas. Possibly skip this slide</a:t>
+            </a:r>
+            <a:endParaRPr lang="nl-NL" dirty="0"/>
+          </a:p>
+        </p:txBody>
+      </p:sp>
+      <p:sp>
+        <p:nvSpPr>
+          <p:cNvPr id="4" name="Slide Number Placeholder 3"/>
+          <p:cNvSpPr>
+            <a:spLocks noGrp="1"/>
+          </p:cNvSpPr>
+          <p:nvPr>
+            <p:ph type="sldNum" sz="quarter" idx="5"/>
+          </p:nvPr>
+        </p:nvSpPr>
+        <p:spPr/>
+        <p:txBody>
+          <a:bodyPr/>
+          <a:lstStyle/>
+          <a:p>
+            <a:fld id="{F917F88C-BACD-4A94-B7B7-C91B49D4CB7C}" type="slidenum">
+              <a:rPr lang="nl-NL" smtClean="0"/>
+              <a:t>10</a:t>
+            </a:fld>
+            <a:endParaRPr lang="nl-NL"/>
+          </a:p>
+        </p:txBody>
+      </p:sp>
+    </p:spTree>
+    <p:extLst>
+      <p:ext uri="{BB962C8B-B14F-4D97-AF65-F5344CB8AC3E}">
+        <p14:creationId xmlns:p14="http://schemas.microsoft.com/office/powerpoint/2010/main" val="876129242"/>
+      </p:ext>
+    </p:extLst>
+  </p:cSld>
+  <p:clrMapOvr>
+    <a:masterClrMapping/>
+  </p:clrMapOvr>
+</p:notes>
+</file>
+
+<file path=ppt/notesSlides/notesSlide8.xml><?xml version="1.0" encoding="utf-8"?>
+<p:notes xmlns:a="http://schemas.openxmlformats.org/drawingml/2006/main" xmlns:r="http://schemas.openxmlformats.org/officeDocument/2006/relationships" xmlns:p="http://schemas.openxmlformats.org/presentationml/2006/main">
+  <p:cSld>
+    <p:spTree>
+      <p:nvGrpSpPr>
+        <p:cNvPr id="1" name=""/>
+        <p:cNvGrpSpPr/>
+        <p:nvPr/>
+      </p:nvGrpSpPr>
+      <p:grpSpPr>
+        <a:xfrm>
+          <a:off x="0" y="0"/>
+          <a:ext cx="0" cy="0"/>
+          <a:chOff x="0" y="0"/>
+          <a:chExt cx="0" cy="0"/>
+        </a:xfrm>
+      </p:grpSpPr>
+      <p:sp>
+        <p:nvSpPr>
+          <p:cNvPr id="2" name="Slide Image Placeholder 1"/>
+          <p:cNvSpPr>
+            <a:spLocks noGrp="1" noRot="1" noChangeAspect="1"/>
+          </p:cNvSpPr>
+          <p:nvPr>
+            <p:ph type="sldImg"/>
+          </p:nvPr>
+        </p:nvSpPr>
+        <p:spPr/>
+      </p:sp>
+      <p:sp>
+        <p:nvSpPr>
+          <p:cNvPr id="3" name="Notes Placeholder 2"/>
+          <p:cNvSpPr>
+            <a:spLocks noGrp="1"/>
+          </p:cNvSpPr>
+          <p:nvPr>
+            <p:ph type="body" idx="1"/>
+          </p:nvPr>
+        </p:nvSpPr>
+        <p:spPr/>
+        <p:txBody>
+          <a:bodyPr/>
+          <a:lstStyle/>
+          <a:p>
+            <a:r>
+              <a:rPr lang="en-US" dirty="0"/>
+              <a:t>First ask the examiners if they would like us to explain the formulas. Possibly skip this slide</a:t>
+            </a:r>
+            <a:endParaRPr lang="nl-NL" dirty="0"/>
+          </a:p>
+        </p:txBody>
+      </p:sp>
+      <p:sp>
+        <p:nvSpPr>
+          <p:cNvPr id="4" name="Slide Number Placeholder 3"/>
+          <p:cNvSpPr>
+            <a:spLocks noGrp="1"/>
+          </p:cNvSpPr>
+          <p:nvPr>
+            <p:ph type="sldNum" sz="quarter" idx="5"/>
+          </p:nvPr>
+        </p:nvSpPr>
+        <p:spPr/>
+        <p:txBody>
+          <a:bodyPr/>
+          <a:lstStyle/>
+          <a:p>
+            <a:fld id="{F917F88C-BACD-4A94-B7B7-C91B49D4CB7C}" type="slidenum">
+              <a:rPr lang="nl-NL" smtClean="0"/>
+              <a:t>11</a:t>
+            </a:fld>
+            <a:endParaRPr lang="nl-NL"/>
+          </a:p>
+        </p:txBody>
+      </p:sp>
+    </p:spTree>
+    <p:extLst>
+      <p:ext uri="{BB962C8B-B14F-4D97-AF65-F5344CB8AC3E}">
+        <p14:creationId xmlns:p14="http://schemas.microsoft.com/office/powerpoint/2010/main" val="2843381561"/>
+      </p:ext>
+    </p:extLst>
+  </p:cSld>
+  <p:clrMapOvr>
+    <a:masterClrMapping/>
+  </p:clrMapOvr>
+</p:notes>
+</file>
+
+<file path=ppt/notesSlides/notesSlide9.xml><?xml version="1.0" encoding="utf-8"?>
+<p:notes xmlns:a="http://schemas.openxmlformats.org/drawingml/2006/main" xmlns:r="http://schemas.openxmlformats.org/officeDocument/2006/relationships" xmlns:p="http://schemas.openxmlformats.org/presentationml/2006/main">
+  <p:cSld>
+    <p:spTree>
+      <p:nvGrpSpPr>
+        <p:cNvPr id="1" name=""/>
+        <p:cNvGrpSpPr/>
+        <p:nvPr/>
+      </p:nvGrpSpPr>
+      <p:grpSpPr>
+        <a:xfrm>
+          <a:off x="0" y="0"/>
+          <a:ext cx="0" cy="0"/>
+          <a:chOff x="0" y="0"/>
+          <a:chExt cx="0" cy="0"/>
+        </a:xfrm>
+      </p:grpSpPr>
+      <p:sp>
+        <p:nvSpPr>
+          <p:cNvPr id="2" name="Slide Image Placeholder 1"/>
+          <p:cNvSpPr>
+            <a:spLocks noGrp="1" noRot="1" noChangeAspect="1"/>
+          </p:cNvSpPr>
+          <p:nvPr>
+            <p:ph type="sldImg"/>
+          </p:nvPr>
+        </p:nvSpPr>
+        <p:spPr/>
+      </p:sp>
+      <p:sp>
+        <p:nvSpPr>
+          <p:cNvPr id="3" name="Notes Placeholder 2"/>
+          <p:cNvSpPr>
+            <a:spLocks noGrp="1"/>
+          </p:cNvSpPr>
+          <p:nvPr>
+            <p:ph type="body" idx="1"/>
+          </p:nvPr>
+        </p:nvSpPr>
+        <p:spPr/>
+        <p:txBody>
+          <a:bodyPr/>
+          <a:lstStyle/>
+          <a:p>
+            <a:r>
+              <a:rPr lang="en-US" dirty="0"/>
+              <a:t>First ask the examiners if they would like us to explain the formulas. Possibly skip this slide</a:t>
+            </a:r>
+            <a:endParaRPr lang="nl-NL" dirty="0"/>
+          </a:p>
+        </p:txBody>
+      </p:sp>
+      <p:sp>
+        <p:nvSpPr>
+          <p:cNvPr id="4" name="Slide Number Placeholder 3"/>
+          <p:cNvSpPr>
+            <a:spLocks noGrp="1"/>
+          </p:cNvSpPr>
+          <p:nvPr>
+            <p:ph type="sldNum" sz="quarter" idx="5"/>
+          </p:nvPr>
+        </p:nvSpPr>
+        <p:spPr/>
+        <p:txBody>
+          <a:bodyPr/>
+          <a:lstStyle/>
+          <a:p>
+            <a:fld id="{F917F88C-BACD-4A94-B7B7-C91B49D4CB7C}" type="slidenum">
+              <a:rPr lang="nl-NL" smtClean="0"/>
+              <a:t>12</a:t>
+            </a:fld>
+            <a:endParaRPr lang="nl-NL"/>
+          </a:p>
+        </p:txBody>
+      </p:sp>
+    </p:spTree>
+    <p:extLst>
+      <p:ext uri="{BB962C8B-B14F-4D97-AF65-F5344CB8AC3E}">
+        <p14:creationId xmlns:p14="http://schemas.microsoft.com/office/powerpoint/2010/main" val="1933149079"/>
       </p:ext>
     </p:extLst>
   </p:cSld>
@@ -4822,7 +7099,7 @@
           <p:cNvPr id="2" name="Title 1">
             <a:extLst>
               <a:ext uri="{FF2B5EF4-FFF2-40B4-BE49-F238E27FC236}">
-                <a16:creationId xmlns:a16="http://schemas.microsoft.com/office/drawing/2014/main" id="{ECC9EA66-DA16-8F4D-85C8-7C1A8AA5E8C0}"/>
+                <a16:creationId xmlns:a16="http://schemas.microsoft.com/office/drawing/2014/main" id="{5FC132AA-6D25-43A2-85C9-4418A09EA0D6}"/>
               </a:ext>
             </a:extLst>
           </p:cNvPr>
@@ -4840,43 +7117,556 @@
           <a:p>
             <a:r>
               <a:rPr lang="en-US" dirty="0"/>
-              <a:t>Experiments</a:t>
+              <a:t>The formulas</a:t>
             </a:r>
+            <a:br>
+              <a:rPr lang="en-US" dirty="0"/>
+            </a:br>
+            <a:r>
+              <a:rPr lang="en-US" dirty="0"/>
+              <a:t>2</a:t>
+            </a:r>
+            <a:r>
+              <a:rPr lang="en-US" baseline="30000" dirty="0"/>
+              <a:t>nd</a:t>
+            </a:r>
+            <a:r>
+              <a:rPr lang="en-US" dirty="0"/>
+              <a:t>-order Verlet</a:t>
+            </a:r>
+            <a:endParaRPr lang="nl-NL" dirty="0"/>
           </a:p>
         </p:txBody>
       </p:sp>
-      <p:sp>
-        <p:nvSpPr>
-          <p:cNvPr id="3" name="Content Placeholder 2">
-            <a:extLst>
-              <a:ext uri="{FF2B5EF4-FFF2-40B4-BE49-F238E27FC236}">
-                <a16:creationId xmlns:a16="http://schemas.microsoft.com/office/drawing/2014/main" id="{C9558773-9B13-A84D-89BB-7F3575370622}"/>
-              </a:ext>
-            </a:extLst>
-          </p:cNvPr>
-          <p:cNvSpPr>
-            <a:spLocks noGrp="1"/>
-          </p:cNvSpPr>
-          <p:nvPr>
-            <p:ph idx="1"/>
-          </p:nvPr>
-        </p:nvSpPr>
-        <p:spPr/>
-        <p:txBody>
-          <a:bodyPr/>
-          <a:lstStyle/>
-          <a:p>
-            <a:r>
-              <a:rPr lang="en-US" dirty="0"/>
-              <a:t>- TODO</a:t>
-            </a:r>
-          </a:p>
-        </p:txBody>
-      </p:sp>
+      <mc:AlternateContent xmlns:mc="http://schemas.openxmlformats.org/markup-compatibility/2006" xmlns:a14="http://schemas.microsoft.com/office/drawing/2010/main">
+        <mc:Choice Requires="a14">
+          <p:sp>
+            <p:nvSpPr>
+              <p:cNvPr id="3" name="Content Placeholder 2">
+                <a:extLst>
+                  <a:ext uri="{FF2B5EF4-FFF2-40B4-BE49-F238E27FC236}">
+                    <a16:creationId xmlns:a16="http://schemas.microsoft.com/office/drawing/2014/main" id="{2C807C5B-BBEB-4D09-A4B8-DDD8ACC39660}"/>
+                  </a:ext>
+                </a:extLst>
+              </p:cNvPr>
+              <p:cNvSpPr>
+                <a:spLocks noGrp="1"/>
+              </p:cNvSpPr>
+              <p:nvPr>
+                <p:ph idx="1"/>
+              </p:nvPr>
+            </p:nvSpPr>
+            <p:spPr/>
+            <p:txBody>
+              <a:bodyPr/>
+              <a:lstStyle/>
+              <a:p>
+                <a:pPr marL="0" indent="0">
+                  <a:buNone/>
+                </a:pPr>
+                <a:r>
+                  <a:rPr lang="nl-NL" i="1" dirty="0">
+                    <a:latin typeface="Cambria Math" panose="02040503050406030204" pitchFamily="18" charset="0"/>
+                  </a:rPr>
+                  <a:t>  </a:t>
+                </a:r>
+                <a14:m>
+                  <m:oMath xmlns:m="http://schemas.openxmlformats.org/officeDocument/2006/math">
+                    <m:r>
+                      <a:rPr lang="nl-NL" b="0" i="1" smtClean="0">
+                        <a:latin typeface="Cambria Math" panose="02040503050406030204" pitchFamily="18" charset="0"/>
+                      </a:rPr>
+                      <m:t>𝑥</m:t>
+                    </m:r>
+                    <m:d>
+                      <m:dPr>
+                        <m:ctrlPr>
+                          <a:rPr lang="nl-NL" b="0" i="1" smtClean="0">
+                            <a:latin typeface="Cambria Math" panose="02040503050406030204" pitchFamily="18" charset="0"/>
+                          </a:rPr>
+                        </m:ctrlPr>
+                      </m:dPr>
+                      <m:e>
+                        <m:r>
+                          <a:rPr lang="nl-NL" b="0" i="1" smtClean="0">
+                            <a:latin typeface="Cambria Math" panose="02040503050406030204" pitchFamily="18" charset="0"/>
+                          </a:rPr>
+                          <m:t>𝑡</m:t>
+                        </m:r>
+                        <m:r>
+                          <a:rPr lang="nl-NL" b="0" i="1" smtClean="0">
+                            <a:latin typeface="Cambria Math" panose="02040503050406030204" pitchFamily="18" charset="0"/>
+                          </a:rPr>
+                          <m:t>+∆</m:t>
+                        </m:r>
+                        <m:r>
+                          <a:rPr lang="nl-NL" b="0" i="1" smtClean="0">
+                            <a:latin typeface="Cambria Math" panose="02040503050406030204" pitchFamily="18" charset="0"/>
+                            <a:ea typeface="Cambria Math" panose="02040503050406030204" pitchFamily="18" charset="0"/>
+                          </a:rPr>
+                          <m:t>𝑡</m:t>
+                        </m:r>
+                      </m:e>
+                    </m:d>
+                    <m:r>
+                      <a:rPr lang="nl-NL" b="0" i="1" smtClean="0">
+                        <a:latin typeface="Cambria Math" panose="02040503050406030204" pitchFamily="18" charset="0"/>
+                        <a:ea typeface="Cambria Math" panose="02040503050406030204" pitchFamily="18" charset="0"/>
+                      </a:rPr>
+                      <m:t>=2</m:t>
+                    </m:r>
+                    <m:r>
+                      <a:rPr lang="nl-NL" b="0" i="1" smtClean="0">
+                        <a:latin typeface="Cambria Math" panose="02040503050406030204" pitchFamily="18" charset="0"/>
+                        <a:ea typeface="Cambria Math" panose="02040503050406030204" pitchFamily="18" charset="0"/>
+                      </a:rPr>
+                      <m:t>𝑥</m:t>
+                    </m:r>
+                    <m:d>
+                      <m:dPr>
+                        <m:ctrlPr>
+                          <a:rPr lang="nl-NL" b="0" i="1" smtClean="0">
+                            <a:latin typeface="Cambria Math" panose="02040503050406030204" pitchFamily="18" charset="0"/>
+                            <a:ea typeface="Cambria Math" panose="02040503050406030204" pitchFamily="18" charset="0"/>
+                          </a:rPr>
+                        </m:ctrlPr>
+                      </m:dPr>
+                      <m:e>
+                        <m:r>
+                          <a:rPr lang="nl-NL" b="0" i="1" smtClean="0">
+                            <a:latin typeface="Cambria Math" panose="02040503050406030204" pitchFamily="18" charset="0"/>
+                            <a:ea typeface="Cambria Math" panose="02040503050406030204" pitchFamily="18" charset="0"/>
+                          </a:rPr>
+                          <m:t>𝑡</m:t>
+                        </m:r>
+                      </m:e>
+                    </m:d>
+                    <m:r>
+                      <a:rPr lang="nl-NL" b="0" i="1" smtClean="0">
+                        <a:latin typeface="Cambria Math" panose="02040503050406030204" pitchFamily="18" charset="0"/>
+                        <a:ea typeface="Cambria Math" panose="02040503050406030204" pitchFamily="18" charset="0"/>
+                      </a:rPr>
+                      <m:t>−</m:t>
+                    </m:r>
+                    <m:r>
+                      <a:rPr lang="nl-NL" b="0" i="1" smtClean="0">
+                        <a:latin typeface="Cambria Math" panose="02040503050406030204" pitchFamily="18" charset="0"/>
+                        <a:ea typeface="Cambria Math" panose="02040503050406030204" pitchFamily="18" charset="0"/>
+                      </a:rPr>
+                      <m:t>𝑥</m:t>
+                    </m:r>
+                    <m:d>
+                      <m:dPr>
+                        <m:ctrlPr>
+                          <a:rPr lang="nl-NL" b="0" i="1" smtClean="0">
+                            <a:latin typeface="Cambria Math" panose="02040503050406030204" pitchFamily="18" charset="0"/>
+                            <a:ea typeface="Cambria Math" panose="02040503050406030204" pitchFamily="18" charset="0"/>
+                          </a:rPr>
+                        </m:ctrlPr>
+                      </m:dPr>
+                      <m:e>
+                        <m:r>
+                          <a:rPr lang="nl-NL" b="0" i="1" smtClean="0">
+                            <a:latin typeface="Cambria Math" panose="02040503050406030204" pitchFamily="18" charset="0"/>
+                            <a:ea typeface="Cambria Math" panose="02040503050406030204" pitchFamily="18" charset="0"/>
+                          </a:rPr>
+                          <m:t>𝑡</m:t>
+                        </m:r>
+                        <m:r>
+                          <a:rPr lang="nl-NL" b="0" i="1" smtClean="0">
+                            <a:latin typeface="Cambria Math" panose="02040503050406030204" pitchFamily="18" charset="0"/>
+                            <a:ea typeface="Cambria Math" panose="02040503050406030204" pitchFamily="18" charset="0"/>
+                          </a:rPr>
+                          <m:t>−∆</m:t>
+                        </m:r>
+                        <m:r>
+                          <a:rPr lang="nl-NL" b="0" i="1" smtClean="0">
+                            <a:latin typeface="Cambria Math" panose="02040503050406030204" pitchFamily="18" charset="0"/>
+                            <a:ea typeface="Cambria Math" panose="02040503050406030204" pitchFamily="18" charset="0"/>
+                          </a:rPr>
+                          <m:t>𝑡</m:t>
+                        </m:r>
+                      </m:e>
+                    </m:d>
+                    <m:r>
+                      <a:rPr lang="nl-NL" b="0" i="1" smtClean="0">
+                        <a:latin typeface="Cambria Math" panose="02040503050406030204" pitchFamily="18" charset="0"/>
+                        <a:ea typeface="Cambria Math" panose="02040503050406030204" pitchFamily="18" charset="0"/>
+                      </a:rPr>
+                      <m:t>+</m:t>
+                    </m:r>
+                    <m:acc>
+                      <m:accPr>
+                        <m:chr m:val="̈"/>
+                        <m:ctrlPr>
+                          <a:rPr lang="nl-NL" b="0" i="1" smtClean="0">
+                            <a:latin typeface="Cambria Math" panose="02040503050406030204" pitchFamily="18" charset="0"/>
+                            <a:ea typeface="Cambria Math" panose="02040503050406030204" pitchFamily="18" charset="0"/>
+                          </a:rPr>
+                        </m:ctrlPr>
+                      </m:accPr>
+                      <m:e>
+                        <m:r>
+                          <a:rPr lang="nl-NL" b="0" i="1" smtClean="0">
+                            <a:latin typeface="Cambria Math" panose="02040503050406030204" pitchFamily="18" charset="0"/>
+                            <a:ea typeface="Cambria Math" panose="02040503050406030204" pitchFamily="18" charset="0"/>
+                          </a:rPr>
+                          <m:t>𝑥</m:t>
+                        </m:r>
+                      </m:e>
+                    </m:acc>
+                    <m:r>
+                      <a:rPr lang="nl-NL" b="0" i="1" smtClean="0">
+                        <a:latin typeface="Cambria Math" panose="02040503050406030204" pitchFamily="18" charset="0"/>
+                        <a:ea typeface="Cambria Math" panose="02040503050406030204" pitchFamily="18" charset="0"/>
+                      </a:rPr>
+                      <m:t>∆</m:t>
+                    </m:r>
+                    <m:sSup>
+                      <m:sSupPr>
+                        <m:ctrlPr>
+                          <a:rPr lang="nl-NL" b="0" i="1" smtClean="0">
+                            <a:latin typeface="Cambria Math" panose="02040503050406030204" pitchFamily="18" charset="0"/>
+                            <a:ea typeface="Cambria Math" panose="02040503050406030204" pitchFamily="18" charset="0"/>
+                          </a:rPr>
+                        </m:ctrlPr>
+                      </m:sSupPr>
+                      <m:e>
+                        <m:r>
+                          <a:rPr lang="nl-NL" b="0" i="1" smtClean="0">
+                            <a:latin typeface="Cambria Math" panose="02040503050406030204" pitchFamily="18" charset="0"/>
+                            <a:ea typeface="Cambria Math" panose="02040503050406030204" pitchFamily="18" charset="0"/>
+                          </a:rPr>
+                          <m:t>𝑡</m:t>
+                        </m:r>
+                      </m:e>
+                      <m:sup>
+                        <m:r>
+                          <a:rPr lang="nl-NL" b="0" i="1" smtClean="0">
+                            <a:latin typeface="Cambria Math" panose="02040503050406030204" pitchFamily="18" charset="0"/>
+                            <a:ea typeface="Cambria Math" panose="02040503050406030204" pitchFamily="18" charset="0"/>
+                          </a:rPr>
+                          <m:t>2</m:t>
+                        </m:r>
+                      </m:sup>
+                    </m:sSup>
+                    <m:r>
+                      <a:rPr lang="nl-NL" b="0" i="1" smtClean="0">
+                        <a:latin typeface="Cambria Math" panose="02040503050406030204" pitchFamily="18" charset="0"/>
+                        <a:ea typeface="Cambria Math" panose="02040503050406030204" pitchFamily="18" charset="0"/>
+                      </a:rPr>
+                      <m:t>+</m:t>
+                    </m:r>
+                    <m:r>
+                      <a:rPr lang="nl-NL" b="0" i="1" smtClean="0">
+                        <a:latin typeface="Cambria Math" panose="02040503050406030204" pitchFamily="18" charset="0"/>
+                        <a:ea typeface="Cambria Math" panose="02040503050406030204" pitchFamily="18" charset="0"/>
+                      </a:rPr>
+                      <m:t>𝑂</m:t>
+                    </m:r>
+                    <m:r>
+                      <a:rPr lang="nl-NL" b="0" i="1" smtClean="0">
+                        <a:latin typeface="Cambria Math" panose="02040503050406030204" pitchFamily="18" charset="0"/>
+                        <a:ea typeface="Cambria Math" panose="02040503050406030204" pitchFamily="18" charset="0"/>
+                      </a:rPr>
+                      <m:t>(∆</m:t>
+                    </m:r>
+                    <m:sSup>
+                      <m:sSupPr>
+                        <m:ctrlPr>
+                          <a:rPr lang="nl-NL" b="0" i="1" smtClean="0">
+                            <a:latin typeface="Cambria Math" panose="02040503050406030204" pitchFamily="18" charset="0"/>
+                            <a:ea typeface="Cambria Math" panose="02040503050406030204" pitchFamily="18" charset="0"/>
+                          </a:rPr>
+                        </m:ctrlPr>
+                      </m:sSupPr>
+                      <m:e>
+                        <m:r>
+                          <a:rPr lang="nl-NL" b="0" i="1" smtClean="0">
+                            <a:latin typeface="Cambria Math" panose="02040503050406030204" pitchFamily="18" charset="0"/>
+                            <a:ea typeface="Cambria Math" panose="02040503050406030204" pitchFamily="18" charset="0"/>
+                          </a:rPr>
+                          <m:t>𝑡</m:t>
+                        </m:r>
+                      </m:e>
+                      <m:sup>
+                        <m:r>
+                          <a:rPr lang="nl-NL" b="0" i="1" smtClean="0">
+                            <a:latin typeface="Cambria Math" panose="02040503050406030204" pitchFamily="18" charset="0"/>
+                            <a:ea typeface="Cambria Math" panose="02040503050406030204" pitchFamily="18" charset="0"/>
+                          </a:rPr>
+                          <m:t>2</m:t>
+                        </m:r>
+                      </m:sup>
+                    </m:sSup>
+                    <m:r>
+                      <a:rPr lang="nl-NL" b="0" i="1" smtClean="0">
+                        <a:latin typeface="Cambria Math" panose="02040503050406030204" pitchFamily="18" charset="0"/>
+                        <a:ea typeface="Cambria Math" panose="02040503050406030204" pitchFamily="18" charset="0"/>
+                      </a:rPr>
+                      <m:t>)</m:t>
+                    </m:r>
+                  </m:oMath>
+                </a14:m>
+                <a:endParaRPr lang="en-US" dirty="0"/>
+              </a:p>
+              <a:p>
+                <a14:m>
+                  <m:oMath xmlns:m="http://schemas.openxmlformats.org/officeDocument/2006/math">
+                    <m:r>
+                      <a:rPr lang="nl-NL" b="0" i="1" smtClean="0">
+                        <a:latin typeface="Cambria Math" panose="02040503050406030204" pitchFamily="18" charset="0"/>
+                      </a:rPr>
+                      <m:t>𝑣</m:t>
+                    </m:r>
+                    <m:d>
+                      <m:dPr>
+                        <m:ctrlPr>
+                          <a:rPr lang="nl-NL" b="0" i="1" smtClean="0">
+                            <a:latin typeface="Cambria Math" panose="02040503050406030204" pitchFamily="18" charset="0"/>
+                          </a:rPr>
+                        </m:ctrlPr>
+                      </m:dPr>
+                      <m:e>
+                        <m:r>
+                          <a:rPr lang="nl-NL" b="0" i="1" smtClean="0">
+                            <a:latin typeface="Cambria Math" panose="02040503050406030204" pitchFamily="18" charset="0"/>
+                          </a:rPr>
+                          <m:t>𝑡</m:t>
+                        </m:r>
+                      </m:e>
+                    </m:d>
+                    <m:r>
+                      <a:rPr lang="nl-NL" b="0" i="1" smtClean="0">
+                        <a:latin typeface="Cambria Math" panose="02040503050406030204" pitchFamily="18" charset="0"/>
+                      </a:rPr>
+                      <m:t>=</m:t>
+                    </m:r>
+                    <m:f>
+                      <m:fPr>
+                        <m:ctrlPr>
+                          <a:rPr lang="nl-NL" b="0" i="1" smtClean="0">
+                            <a:latin typeface="Cambria Math" panose="02040503050406030204" pitchFamily="18" charset="0"/>
+                          </a:rPr>
+                        </m:ctrlPr>
+                      </m:fPr>
+                      <m:num>
+                        <m:r>
+                          <a:rPr lang="nl-NL" b="0" i="1" smtClean="0">
+                            <a:latin typeface="Cambria Math" panose="02040503050406030204" pitchFamily="18" charset="0"/>
+                          </a:rPr>
+                          <m:t>𝑥</m:t>
+                        </m:r>
+                        <m:d>
+                          <m:dPr>
+                            <m:ctrlPr>
+                              <a:rPr lang="nl-NL" b="0" i="1" smtClean="0">
+                                <a:latin typeface="Cambria Math" panose="02040503050406030204" pitchFamily="18" charset="0"/>
+                              </a:rPr>
+                            </m:ctrlPr>
+                          </m:dPr>
+                          <m:e>
+                            <m:r>
+                              <a:rPr lang="nl-NL" b="0" i="1" smtClean="0">
+                                <a:latin typeface="Cambria Math" panose="02040503050406030204" pitchFamily="18" charset="0"/>
+                              </a:rPr>
+                              <m:t>𝑡</m:t>
+                            </m:r>
+                            <m:r>
+                              <a:rPr lang="nl-NL" b="0" i="1" smtClean="0">
+                                <a:latin typeface="Cambria Math" panose="02040503050406030204" pitchFamily="18" charset="0"/>
+                              </a:rPr>
+                              <m:t>+∆</m:t>
+                            </m:r>
+                            <m:r>
+                              <a:rPr lang="nl-NL" b="0" i="1" smtClean="0">
+                                <a:latin typeface="Cambria Math" panose="02040503050406030204" pitchFamily="18" charset="0"/>
+                                <a:ea typeface="Cambria Math" panose="02040503050406030204" pitchFamily="18" charset="0"/>
+                              </a:rPr>
+                              <m:t>𝑡</m:t>
+                            </m:r>
+                          </m:e>
+                        </m:d>
+                        <m:r>
+                          <a:rPr lang="nl-NL" b="0" i="1" smtClean="0">
+                            <a:latin typeface="Cambria Math" panose="02040503050406030204" pitchFamily="18" charset="0"/>
+                            <a:ea typeface="Cambria Math" panose="02040503050406030204" pitchFamily="18" charset="0"/>
+                          </a:rPr>
+                          <m:t>−</m:t>
+                        </m:r>
+                        <m:r>
+                          <a:rPr lang="nl-NL" b="0" i="1" smtClean="0">
+                            <a:latin typeface="Cambria Math" panose="02040503050406030204" pitchFamily="18" charset="0"/>
+                            <a:ea typeface="Cambria Math" panose="02040503050406030204" pitchFamily="18" charset="0"/>
+                          </a:rPr>
+                          <m:t>𝑥</m:t>
+                        </m:r>
+                        <m:r>
+                          <a:rPr lang="nl-NL" b="0" i="1" smtClean="0">
+                            <a:latin typeface="Cambria Math" panose="02040503050406030204" pitchFamily="18" charset="0"/>
+                            <a:ea typeface="Cambria Math" panose="02040503050406030204" pitchFamily="18" charset="0"/>
+                          </a:rPr>
+                          <m:t>(</m:t>
+                        </m:r>
+                        <m:r>
+                          <a:rPr lang="nl-NL" b="0" i="1" smtClean="0">
+                            <a:latin typeface="Cambria Math" panose="02040503050406030204" pitchFamily="18" charset="0"/>
+                            <a:ea typeface="Cambria Math" panose="02040503050406030204" pitchFamily="18" charset="0"/>
+                          </a:rPr>
+                          <m:t>𝑡</m:t>
+                        </m:r>
+                        <m:r>
+                          <a:rPr lang="nl-NL" b="0" i="1" smtClean="0">
+                            <a:latin typeface="Cambria Math" panose="02040503050406030204" pitchFamily="18" charset="0"/>
+                            <a:ea typeface="Cambria Math" panose="02040503050406030204" pitchFamily="18" charset="0"/>
+                          </a:rPr>
+                          <m:t>−∆</m:t>
+                        </m:r>
+                        <m:r>
+                          <a:rPr lang="nl-NL" b="0" i="1" smtClean="0">
+                            <a:latin typeface="Cambria Math" panose="02040503050406030204" pitchFamily="18" charset="0"/>
+                            <a:ea typeface="Cambria Math" panose="02040503050406030204" pitchFamily="18" charset="0"/>
+                          </a:rPr>
+                          <m:t>𝑡</m:t>
+                        </m:r>
+                        <m:r>
+                          <a:rPr lang="nl-NL" b="0" i="1" smtClean="0">
+                            <a:latin typeface="Cambria Math" panose="02040503050406030204" pitchFamily="18" charset="0"/>
+                            <a:ea typeface="Cambria Math" panose="02040503050406030204" pitchFamily="18" charset="0"/>
+                          </a:rPr>
+                          <m:t>)</m:t>
+                        </m:r>
+                      </m:num>
+                      <m:den>
+                        <m:r>
+                          <a:rPr lang="nl-NL" b="0" i="1" smtClean="0">
+                            <a:latin typeface="Cambria Math" panose="02040503050406030204" pitchFamily="18" charset="0"/>
+                          </a:rPr>
+                          <m:t>2</m:t>
+                        </m:r>
+                        <m:r>
+                          <a:rPr lang="nl-NL" b="0" i="1" smtClean="0">
+                            <a:latin typeface="Cambria Math" panose="02040503050406030204" pitchFamily="18" charset="0"/>
+                            <a:ea typeface="Cambria Math" panose="02040503050406030204" pitchFamily="18" charset="0"/>
+                          </a:rPr>
+                          <m:t>∆</m:t>
+                        </m:r>
+                        <m:r>
+                          <a:rPr lang="nl-NL" b="0" i="1" smtClean="0">
+                            <a:latin typeface="Cambria Math" panose="02040503050406030204" pitchFamily="18" charset="0"/>
+                            <a:ea typeface="Cambria Math" panose="02040503050406030204" pitchFamily="18" charset="0"/>
+                          </a:rPr>
+                          <m:t>𝑡</m:t>
+                        </m:r>
+                      </m:den>
+                    </m:f>
+                    <m:r>
+                      <a:rPr lang="nl-NL" b="0" i="1" smtClean="0">
+                        <a:latin typeface="Cambria Math" panose="02040503050406030204" pitchFamily="18" charset="0"/>
+                      </a:rPr>
+                      <m:t>+</m:t>
+                    </m:r>
+                    <m:r>
+                      <a:rPr lang="nl-NL" b="0" i="1" smtClean="0">
+                        <a:latin typeface="Cambria Math" panose="02040503050406030204" pitchFamily="18" charset="0"/>
+                      </a:rPr>
+                      <m:t>𝑂</m:t>
+                    </m:r>
+                    <m:r>
+                      <a:rPr lang="nl-NL" b="0" i="1" smtClean="0">
+                        <a:latin typeface="Cambria Math" panose="02040503050406030204" pitchFamily="18" charset="0"/>
+                      </a:rPr>
+                      <m:t>(∆</m:t>
+                    </m:r>
+                    <m:sSup>
+                      <m:sSupPr>
+                        <m:ctrlPr>
+                          <a:rPr lang="nl-NL" b="0" i="1" smtClean="0">
+                            <a:latin typeface="Cambria Math" panose="02040503050406030204" pitchFamily="18" charset="0"/>
+                            <a:ea typeface="Cambria Math" panose="02040503050406030204" pitchFamily="18" charset="0"/>
+                          </a:rPr>
+                        </m:ctrlPr>
+                      </m:sSupPr>
+                      <m:e>
+                        <m:r>
+                          <a:rPr lang="nl-NL" b="0" i="1" smtClean="0">
+                            <a:latin typeface="Cambria Math" panose="02040503050406030204" pitchFamily="18" charset="0"/>
+                            <a:ea typeface="Cambria Math" panose="02040503050406030204" pitchFamily="18" charset="0"/>
+                          </a:rPr>
+                          <m:t>𝑡</m:t>
+                        </m:r>
+                      </m:e>
+                      <m:sup>
+                        <m:r>
+                          <a:rPr lang="nl-NL" b="0" i="1" smtClean="0">
+                            <a:latin typeface="Cambria Math" panose="02040503050406030204" pitchFamily="18" charset="0"/>
+                            <a:ea typeface="Cambria Math" panose="02040503050406030204" pitchFamily="18" charset="0"/>
+                          </a:rPr>
+                          <m:t>2</m:t>
+                        </m:r>
+                      </m:sup>
+                    </m:sSup>
+                    <m:r>
+                      <a:rPr lang="nl-NL" b="0" i="1" smtClean="0">
+                        <a:latin typeface="Cambria Math" panose="02040503050406030204" pitchFamily="18" charset="0"/>
+                        <a:ea typeface="Cambria Math" panose="02040503050406030204" pitchFamily="18" charset="0"/>
+                      </a:rPr>
+                      <m:t>)</m:t>
+                    </m:r>
+                  </m:oMath>
+                </a14:m>
+                <a:endParaRPr lang="en-US" dirty="0"/>
+              </a:p>
+              <a:p>
+                <a:endParaRPr lang="nl-NL" dirty="0"/>
+              </a:p>
+            </p:txBody>
+          </p:sp>
+        </mc:Choice>
+        <mc:Fallback xmlns="">
+          <p:sp>
+            <p:nvSpPr>
+              <p:cNvPr id="3" name="Content Placeholder 2">
+                <a:extLst>
+                  <a:ext uri="{FF2B5EF4-FFF2-40B4-BE49-F238E27FC236}">
+                    <a16:creationId xmlns:a16="http://schemas.microsoft.com/office/drawing/2014/main" id="{2C807C5B-BBEB-4D09-A4B8-DDD8ACC39660}"/>
+                  </a:ext>
+                </a:extLst>
+              </p:cNvPr>
+              <p:cNvSpPr>
+                <a:spLocks noGrp="1" noRot="1" noChangeAspect="1" noMove="1" noResize="1" noEditPoints="1" noAdjustHandles="1" noChangeArrowheads="1" noChangeShapeType="1" noTextEdit="1"/>
+              </p:cNvSpPr>
+              <p:nvPr>
+                <p:ph idx="1"/>
+              </p:nvPr>
+            </p:nvSpPr>
+            <p:spPr>
+              <a:blipFill>
+                <a:blip r:embed="rId3"/>
+                <a:stretch>
+                  <a:fillRect/>
+                </a:stretch>
+              </a:blipFill>
+            </p:spPr>
+            <p:txBody>
+              <a:bodyPr/>
+              <a:lstStyle/>
+              <a:p>
+                <a:r>
+                  <a:rPr lang="nl-NL">
+                    <a:noFill/>
+                  </a:rPr>
+                  <a:t> </a:t>
+                </a:r>
+              </a:p>
+            </p:txBody>
+          </p:sp>
+        </mc:Fallback>
+      </mc:AlternateContent>
     </p:spTree>
     <p:extLst>
       <p:ext uri="{BB962C8B-B14F-4D97-AF65-F5344CB8AC3E}">
-        <p14:creationId xmlns:p14="http://schemas.microsoft.com/office/powerpoint/2010/main" val="233089366"/>
+        <p14:creationId xmlns:p14="http://schemas.microsoft.com/office/powerpoint/2010/main" val="2122963621"/>
       </p:ext>
     </p:extLst>
   </p:cSld>
@@ -4908,7 +7698,7 @@
           <p:cNvPr id="2" name="Title 1">
             <a:extLst>
               <a:ext uri="{FF2B5EF4-FFF2-40B4-BE49-F238E27FC236}">
-                <a16:creationId xmlns:a16="http://schemas.microsoft.com/office/drawing/2014/main" id="{8BA4C2DD-6E22-274B-8E73-0864CCF300AE}"/>
+                <a16:creationId xmlns:a16="http://schemas.microsoft.com/office/drawing/2014/main" id="{5FC132AA-6D25-43A2-85C9-4418A09EA0D6}"/>
               </a:ext>
             </a:extLst>
           </p:cNvPr>
@@ -4926,43 +7716,784 @@
           <a:p>
             <a:r>
               <a:rPr lang="en-US" dirty="0"/>
-              <a:t>Bot</a:t>
+              <a:t>The formulas </a:t>
             </a:r>
+            <a:br>
+              <a:rPr lang="en-US" dirty="0"/>
+            </a:br>
+            <a:r>
+              <a:rPr lang="en-US" dirty="0"/>
+              <a:t>2</a:t>
+            </a:r>
+            <a:r>
+              <a:rPr lang="en-US" baseline="30000" dirty="0"/>
+              <a:t>nd</a:t>
+            </a:r>
+            <a:r>
+              <a:rPr lang="en-US" dirty="0"/>
+              <a:t>-order Velocity Verlet</a:t>
+            </a:r>
+            <a:endParaRPr lang="nl-NL" dirty="0"/>
           </a:p>
         </p:txBody>
       </p:sp>
-      <p:sp>
-        <p:nvSpPr>
-          <p:cNvPr id="3" name="Content Placeholder 2">
-            <a:extLst>
-              <a:ext uri="{FF2B5EF4-FFF2-40B4-BE49-F238E27FC236}">
-                <a16:creationId xmlns:a16="http://schemas.microsoft.com/office/drawing/2014/main" id="{4E3DCD13-71A0-6B4E-AD41-C79CB8F6CFFC}"/>
-              </a:ext>
-            </a:extLst>
-          </p:cNvPr>
-          <p:cNvSpPr>
-            <a:spLocks noGrp="1"/>
-          </p:cNvSpPr>
-          <p:nvPr>
-            <p:ph idx="1"/>
-          </p:nvPr>
-        </p:nvSpPr>
-        <p:spPr/>
-        <p:txBody>
-          <a:bodyPr/>
-          <a:lstStyle/>
-          <a:p>
-            <a:r>
-              <a:rPr lang="en-US" dirty="0"/>
-              <a:t>- New bot explanation</a:t>
-            </a:r>
-          </a:p>
-        </p:txBody>
-      </p:sp>
+      <mc:AlternateContent xmlns:mc="http://schemas.openxmlformats.org/markup-compatibility/2006" xmlns:a14="http://schemas.microsoft.com/office/drawing/2010/main">
+        <mc:Choice Requires="a14">
+          <p:sp>
+            <p:nvSpPr>
+              <p:cNvPr id="3" name="Content Placeholder 2">
+                <a:extLst>
+                  <a:ext uri="{FF2B5EF4-FFF2-40B4-BE49-F238E27FC236}">
+                    <a16:creationId xmlns:a16="http://schemas.microsoft.com/office/drawing/2014/main" id="{2C807C5B-BBEB-4D09-A4B8-DDD8ACC39660}"/>
+                  </a:ext>
+                </a:extLst>
+              </p:cNvPr>
+              <p:cNvSpPr>
+                <a:spLocks noGrp="1"/>
+              </p:cNvSpPr>
+              <p:nvPr>
+                <p:ph idx="1"/>
+              </p:nvPr>
+            </p:nvSpPr>
+            <p:spPr/>
+            <p:txBody>
+              <a:bodyPr/>
+              <a:lstStyle/>
+              <a:p>
+                <a:pPr marL="0" indent="0">
+                  <a:buNone/>
+                </a:pPr>
+                <a:r>
+                  <a:rPr lang="en-GB" dirty="0"/>
+                  <a:t>  </a:t>
+                </a:r>
+                <a14:m>
+                  <m:oMath xmlns:m="http://schemas.openxmlformats.org/officeDocument/2006/math">
+                    <m:r>
+                      <a:rPr lang="en-GB" b="0" i="1" smtClean="0">
+                        <a:latin typeface="Cambria Math" panose="02040503050406030204" pitchFamily="18" charset="0"/>
+                      </a:rPr>
+                      <m:t>𝑥</m:t>
+                    </m:r>
+                    <m:d>
+                      <m:dPr>
+                        <m:ctrlPr>
+                          <a:rPr lang="en-GB" b="0" i="1" smtClean="0">
+                            <a:latin typeface="Cambria Math" panose="02040503050406030204" pitchFamily="18" charset="0"/>
+                          </a:rPr>
+                        </m:ctrlPr>
+                      </m:dPr>
+                      <m:e>
+                        <m:r>
+                          <a:rPr lang="en-GB" b="0" i="1" smtClean="0">
+                            <a:latin typeface="Cambria Math" panose="02040503050406030204" pitchFamily="18" charset="0"/>
+                          </a:rPr>
+                          <m:t>𝑡</m:t>
+                        </m:r>
+                        <m:r>
+                          <a:rPr lang="en-GB" b="0" i="1" smtClean="0">
+                            <a:latin typeface="Cambria Math" panose="02040503050406030204" pitchFamily="18" charset="0"/>
+                          </a:rPr>
+                          <m:t>+∆</m:t>
+                        </m:r>
+                        <m:r>
+                          <a:rPr lang="en-GB" b="0" i="1" smtClean="0">
+                            <a:latin typeface="Cambria Math" panose="02040503050406030204" pitchFamily="18" charset="0"/>
+                            <a:ea typeface="Cambria Math" panose="02040503050406030204" pitchFamily="18" charset="0"/>
+                          </a:rPr>
+                          <m:t>𝑡</m:t>
+                        </m:r>
+                      </m:e>
+                    </m:d>
+                    <m:r>
+                      <a:rPr lang="en-GB" b="0" i="1" smtClean="0">
+                        <a:latin typeface="Cambria Math" panose="02040503050406030204" pitchFamily="18" charset="0"/>
+                        <a:ea typeface="Cambria Math" panose="02040503050406030204" pitchFamily="18" charset="0"/>
+                      </a:rPr>
+                      <m:t>=</m:t>
+                    </m:r>
+                    <m:r>
+                      <a:rPr lang="en-GB" b="0" i="1" smtClean="0">
+                        <a:latin typeface="Cambria Math" panose="02040503050406030204" pitchFamily="18" charset="0"/>
+                        <a:ea typeface="Cambria Math" panose="02040503050406030204" pitchFamily="18" charset="0"/>
+                      </a:rPr>
+                      <m:t>𝑥</m:t>
+                    </m:r>
+                    <m:d>
+                      <m:dPr>
+                        <m:ctrlPr>
+                          <a:rPr lang="en-GB" b="0" i="1" smtClean="0">
+                            <a:latin typeface="Cambria Math" panose="02040503050406030204" pitchFamily="18" charset="0"/>
+                            <a:ea typeface="Cambria Math" panose="02040503050406030204" pitchFamily="18" charset="0"/>
+                          </a:rPr>
+                        </m:ctrlPr>
+                      </m:dPr>
+                      <m:e>
+                        <m:r>
+                          <a:rPr lang="en-GB" b="0" i="1" smtClean="0">
+                            <a:latin typeface="Cambria Math" panose="02040503050406030204" pitchFamily="18" charset="0"/>
+                            <a:ea typeface="Cambria Math" panose="02040503050406030204" pitchFamily="18" charset="0"/>
+                          </a:rPr>
+                          <m:t>𝑡</m:t>
+                        </m:r>
+                      </m:e>
+                    </m:d>
+                    <m:r>
+                      <a:rPr lang="en-GB" b="0" i="1" smtClean="0">
+                        <a:latin typeface="Cambria Math" panose="02040503050406030204" pitchFamily="18" charset="0"/>
+                        <a:ea typeface="Cambria Math" panose="02040503050406030204" pitchFamily="18" charset="0"/>
+                      </a:rPr>
+                      <m:t>+</m:t>
+                    </m:r>
+                    <m:r>
+                      <a:rPr lang="en-GB" b="0" i="1" smtClean="0">
+                        <a:latin typeface="Cambria Math" panose="02040503050406030204" pitchFamily="18" charset="0"/>
+                        <a:ea typeface="Cambria Math" panose="02040503050406030204" pitchFamily="18" charset="0"/>
+                      </a:rPr>
+                      <m:t>𝑣</m:t>
+                    </m:r>
+                    <m:d>
+                      <m:dPr>
+                        <m:ctrlPr>
+                          <a:rPr lang="en-GB" b="0" i="1" smtClean="0">
+                            <a:latin typeface="Cambria Math" panose="02040503050406030204" pitchFamily="18" charset="0"/>
+                            <a:ea typeface="Cambria Math" panose="02040503050406030204" pitchFamily="18" charset="0"/>
+                          </a:rPr>
+                        </m:ctrlPr>
+                      </m:dPr>
+                      <m:e>
+                        <m:r>
+                          <a:rPr lang="en-GB" b="0" i="1" smtClean="0">
+                            <a:latin typeface="Cambria Math" panose="02040503050406030204" pitchFamily="18" charset="0"/>
+                            <a:ea typeface="Cambria Math" panose="02040503050406030204" pitchFamily="18" charset="0"/>
+                          </a:rPr>
+                          <m:t>𝑡</m:t>
+                        </m:r>
+                      </m:e>
+                    </m:d>
+                    <m:r>
+                      <a:rPr lang="en-GB" b="0" i="1" smtClean="0">
+                        <a:latin typeface="Cambria Math" panose="02040503050406030204" pitchFamily="18" charset="0"/>
+                        <a:ea typeface="Cambria Math" panose="02040503050406030204" pitchFamily="18" charset="0"/>
+                      </a:rPr>
+                      <m:t>∆</m:t>
+                    </m:r>
+                    <m:r>
+                      <a:rPr lang="en-GB" b="0" i="1" smtClean="0">
+                        <a:latin typeface="Cambria Math" panose="02040503050406030204" pitchFamily="18" charset="0"/>
+                        <a:ea typeface="Cambria Math" panose="02040503050406030204" pitchFamily="18" charset="0"/>
+                      </a:rPr>
+                      <m:t>𝑡</m:t>
+                    </m:r>
+                    <m:r>
+                      <a:rPr lang="en-GB" b="0" i="1" smtClean="0">
+                        <a:latin typeface="Cambria Math" panose="02040503050406030204" pitchFamily="18" charset="0"/>
+                        <a:ea typeface="Cambria Math" panose="02040503050406030204" pitchFamily="18" charset="0"/>
+                      </a:rPr>
+                      <m:t>+</m:t>
+                    </m:r>
+                    <m:f>
+                      <m:fPr>
+                        <m:ctrlPr>
+                          <a:rPr lang="en-GB" b="0" i="1" smtClean="0">
+                            <a:latin typeface="Cambria Math" panose="02040503050406030204" pitchFamily="18" charset="0"/>
+                            <a:ea typeface="Cambria Math" panose="02040503050406030204" pitchFamily="18" charset="0"/>
+                          </a:rPr>
+                        </m:ctrlPr>
+                      </m:fPr>
+                      <m:num>
+                        <m:r>
+                          <a:rPr lang="en-GB" b="0" i="1" smtClean="0">
+                            <a:latin typeface="Cambria Math" panose="02040503050406030204" pitchFamily="18" charset="0"/>
+                            <a:ea typeface="Cambria Math" panose="02040503050406030204" pitchFamily="18" charset="0"/>
+                          </a:rPr>
+                          <m:t>1</m:t>
+                        </m:r>
+                      </m:num>
+                      <m:den>
+                        <m:r>
+                          <a:rPr lang="en-GB" b="0" i="1" smtClean="0">
+                            <a:latin typeface="Cambria Math" panose="02040503050406030204" pitchFamily="18" charset="0"/>
+                            <a:ea typeface="Cambria Math" panose="02040503050406030204" pitchFamily="18" charset="0"/>
+                          </a:rPr>
+                          <m:t>2</m:t>
+                        </m:r>
+                      </m:den>
+                    </m:f>
+                    <m:r>
+                      <a:rPr lang="en-GB" b="0" i="1" smtClean="0">
+                        <a:latin typeface="Cambria Math" panose="02040503050406030204" pitchFamily="18" charset="0"/>
+                        <a:ea typeface="Cambria Math" panose="02040503050406030204" pitchFamily="18" charset="0"/>
+                      </a:rPr>
+                      <m:t>𝑎</m:t>
+                    </m:r>
+                    <m:r>
+                      <a:rPr lang="en-GB" b="0" i="1" smtClean="0">
+                        <a:latin typeface="Cambria Math" panose="02040503050406030204" pitchFamily="18" charset="0"/>
+                        <a:ea typeface="Cambria Math" panose="02040503050406030204" pitchFamily="18" charset="0"/>
+                      </a:rPr>
+                      <m:t>(</m:t>
+                    </m:r>
+                    <m:r>
+                      <a:rPr lang="en-GB" b="0" i="1" smtClean="0">
+                        <a:latin typeface="Cambria Math" panose="02040503050406030204" pitchFamily="18" charset="0"/>
+                        <a:ea typeface="Cambria Math" panose="02040503050406030204" pitchFamily="18" charset="0"/>
+                      </a:rPr>
+                      <m:t>𝑡</m:t>
+                    </m:r>
+                    <m:r>
+                      <a:rPr lang="en-GB" b="0" i="1" smtClean="0">
+                        <a:latin typeface="Cambria Math" panose="02040503050406030204" pitchFamily="18" charset="0"/>
+                        <a:ea typeface="Cambria Math" panose="02040503050406030204" pitchFamily="18" charset="0"/>
+                      </a:rPr>
+                      <m:t>)∆</m:t>
+                    </m:r>
+                    <m:sSup>
+                      <m:sSupPr>
+                        <m:ctrlPr>
+                          <a:rPr lang="en-GB" b="0" i="1" smtClean="0">
+                            <a:latin typeface="Cambria Math" panose="02040503050406030204" pitchFamily="18" charset="0"/>
+                            <a:ea typeface="Cambria Math" panose="02040503050406030204" pitchFamily="18" charset="0"/>
+                          </a:rPr>
+                        </m:ctrlPr>
+                      </m:sSupPr>
+                      <m:e>
+                        <m:r>
+                          <a:rPr lang="en-GB" b="0" i="1" smtClean="0">
+                            <a:latin typeface="Cambria Math" panose="02040503050406030204" pitchFamily="18" charset="0"/>
+                            <a:ea typeface="Cambria Math" panose="02040503050406030204" pitchFamily="18" charset="0"/>
+                          </a:rPr>
+                          <m:t>𝑡</m:t>
+                        </m:r>
+                      </m:e>
+                      <m:sup>
+                        <m:r>
+                          <a:rPr lang="en-GB" b="0" i="1" smtClean="0">
+                            <a:latin typeface="Cambria Math" panose="02040503050406030204" pitchFamily="18" charset="0"/>
+                            <a:ea typeface="Cambria Math" panose="02040503050406030204" pitchFamily="18" charset="0"/>
+                          </a:rPr>
+                          <m:t>2</m:t>
+                        </m:r>
+                      </m:sup>
+                    </m:sSup>
+                  </m:oMath>
+                </a14:m>
+                <a:endParaRPr lang="en-GB" dirty="0"/>
+              </a:p>
+              <a:p>
+                <a14:m>
+                  <m:oMath xmlns:m="http://schemas.openxmlformats.org/officeDocument/2006/math">
+                    <m:r>
+                      <a:rPr lang="en-GB" b="0" i="1" smtClean="0">
+                        <a:latin typeface="Cambria Math" panose="02040503050406030204" pitchFamily="18" charset="0"/>
+                      </a:rPr>
+                      <m:t>𝑣</m:t>
+                    </m:r>
+                    <m:d>
+                      <m:dPr>
+                        <m:ctrlPr>
+                          <a:rPr lang="en-GB" b="0" i="1" smtClean="0">
+                            <a:latin typeface="Cambria Math" panose="02040503050406030204" pitchFamily="18" charset="0"/>
+                          </a:rPr>
+                        </m:ctrlPr>
+                      </m:dPr>
+                      <m:e>
+                        <m:r>
+                          <a:rPr lang="en-GB" b="0" i="1" smtClean="0">
+                            <a:latin typeface="Cambria Math" panose="02040503050406030204" pitchFamily="18" charset="0"/>
+                          </a:rPr>
+                          <m:t>𝑡</m:t>
+                        </m:r>
+                        <m:r>
+                          <a:rPr lang="en-GB" b="0" i="1" smtClean="0">
+                            <a:latin typeface="Cambria Math" panose="02040503050406030204" pitchFamily="18" charset="0"/>
+                          </a:rPr>
+                          <m:t>+</m:t>
+                        </m:r>
+                        <m:f>
+                          <m:fPr>
+                            <m:ctrlPr>
+                              <a:rPr lang="en-GB" b="0" i="1" smtClean="0">
+                                <a:latin typeface="Cambria Math" panose="02040503050406030204" pitchFamily="18" charset="0"/>
+                              </a:rPr>
+                            </m:ctrlPr>
+                          </m:fPr>
+                          <m:num>
+                            <m:r>
+                              <a:rPr lang="en-GB" b="0" i="1" smtClean="0">
+                                <a:latin typeface="Cambria Math" panose="02040503050406030204" pitchFamily="18" charset="0"/>
+                              </a:rPr>
+                              <m:t>1</m:t>
+                            </m:r>
+                          </m:num>
+                          <m:den>
+                            <m:r>
+                              <a:rPr lang="en-GB" b="0" i="1" smtClean="0">
+                                <a:latin typeface="Cambria Math" panose="02040503050406030204" pitchFamily="18" charset="0"/>
+                              </a:rPr>
+                              <m:t>2</m:t>
+                            </m:r>
+                          </m:den>
+                        </m:f>
+                        <m:r>
+                          <a:rPr lang="en-GB" b="0" i="1" smtClean="0">
+                            <a:latin typeface="Cambria Math" panose="02040503050406030204" pitchFamily="18" charset="0"/>
+                            <a:ea typeface="Cambria Math" panose="02040503050406030204" pitchFamily="18" charset="0"/>
+                          </a:rPr>
+                          <m:t>∆</m:t>
+                        </m:r>
+                        <m:r>
+                          <a:rPr lang="en-GB" b="0" i="1" smtClean="0">
+                            <a:latin typeface="Cambria Math" panose="02040503050406030204" pitchFamily="18" charset="0"/>
+                            <a:ea typeface="Cambria Math" panose="02040503050406030204" pitchFamily="18" charset="0"/>
+                          </a:rPr>
+                          <m:t>𝑡</m:t>
+                        </m:r>
+                      </m:e>
+                    </m:d>
+                    <m:r>
+                      <a:rPr lang="en-GB" b="0" i="1" smtClean="0">
+                        <a:latin typeface="Cambria Math" panose="02040503050406030204" pitchFamily="18" charset="0"/>
+                        <a:ea typeface="Cambria Math" panose="02040503050406030204" pitchFamily="18" charset="0"/>
+                      </a:rPr>
+                      <m:t>=</m:t>
+                    </m:r>
+                    <m:r>
+                      <a:rPr lang="en-GB" b="0" i="1" smtClean="0">
+                        <a:latin typeface="Cambria Math" panose="02040503050406030204" pitchFamily="18" charset="0"/>
+                        <a:ea typeface="Cambria Math" panose="02040503050406030204" pitchFamily="18" charset="0"/>
+                      </a:rPr>
+                      <m:t>𝑣</m:t>
+                    </m:r>
+                    <m:d>
+                      <m:dPr>
+                        <m:ctrlPr>
+                          <a:rPr lang="en-GB" b="0" i="1" smtClean="0">
+                            <a:latin typeface="Cambria Math" panose="02040503050406030204" pitchFamily="18" charset="0"/>
+                            <a:ea typeface="Cambria Math" panose="02040503050406030204" pitchFamily="18" charset="0"/>
+                          </a:rPr>
+                        </m:ctrlPr>
+                      </m:dPr>
+                      <m:e>
+                        <m:r>
+                          <a:rPr lang="en-GB" b="0" i="1" smtClean="0">
+                            <a:latin typeface="Cambria Math" panose="02040503050406030204" pitchFamily="18" charset="0"/>
+                            <a:ea typeface="Cambria Math" panose="02040503050406030204" pitchFamily="18" charset="0"/>
+                          </a:rPr>
+                          <m:t>𝑡</m:t>
+                        </m:r>
+                      </m:e>
+                    </m:d>
+                    <m:r>
+                      <a:rPr lang="en-GB" b="0" i="1" smtClean="0">
+                        <a:latin typeface="Cambria Math" panose="02040503050406030204" pitchFamily="18" charset="0"/>
+                        <a:ea typeface="Cambria Math" panose="02040503050406030204" pitchFamily="18" charset="0"/>
+                      </a:rPr>
+                      <m:t>+</m:t>
+                    </m:r>
+                    <m:f>
+                      <m:fPr>
+                        <m:ctrlPr>
+                          <a:rPr lang="en-GB" b="0" i="1" smtClean="0">
+                            <a:latin typeface="Cambria Math" panose="02040503050406030204" pitchFamily="18" charset="0"/>
+                            <a:ea typeface="Cambria Math" panose="02040503050406030204" pitchFamily="18" charset="0"/>
+                          </a:rPr>
+                        </m:ctrlPr>
+                      </m:fPr>
+                      <m:num>
+                        <m:r>
+                          <a:rPr lang="en-GB" b="0" i="1" smtClean="0">
+                            <a:latin typeface="Cambria Math" panose="02040503050406030204" pitchFamily="18" charset="0"/>
+                            <a:ea typeface="Cambria Math" panose="02040503050406030204" pitchFamily="18" charset="0"/>
+                          </a:rPr>
+                          <m:t>1</m:t>
+                        </m:r>
+                      </m:num>
+                      <m:den>
+                        <m:r>
+                          <a:rPr lang="en-GB" b="0" i="1" smtClean="0">
+                            <a:latin typeface="Cambria Math" panose="02040503050406030204" pitchFamily="18" charset="0"/>
+                            <a:ea typeface="Cambria Math" panose="02040503050406030204" pitchFamily="18" charset="0"/>
+                          </a:rPr>
+                          <m:t>2</m:t>
+                        </m:r>
+                      </m:den>
+                    </m:f>
+                    <m:r>
+                      <a:rPr lang="en-GB" b="0" i="1" smtClean="0">
+                        <a:latin typeface="Cambria Math" panose="02040503050406030204" pitchFamily="18" charset="0"/>
+                        <a:ea typeface="Cambria Math" panose="02040503050406030204" pitchFamily="18" charset="0"/>
+                      </a:rPr>
+                      <m:t>𝑎</m:t>
+                    </m:r>
+                    <m:d>
+                      <m:dPr>
+                        <m:ctrlPr>
+                          <a:rPr lang="en-GB" b="0" i="1" smtClean="0">
+                            <a:latin typeface="Cambria Math" panose="02040503050406030204" pitchFamily="18" charset="0"/>
+                            <a:ea typeface="Cambria Math" panose="02040503050406030204" pitchFamily="18" charset="0"/>
+                          </a:rPr>
+                        </m:ctrlPr>
+                      </m:dPr>
+                      <m:e>
+                        <m:r>
+                          <a:rPr lang="en-GB" b="0" i="1" smtClean="0">
+                            <a:latin typeface="Cambria Math" panose="02040503050406030204" pitchFamily="18" charset="0"/>
+                            <a:ea typeface="Cambria Math" panose="02040503050406030204" pitchFamily="18" charset="0"/>
+                          </a:rPr>
+                          <m:t>𝑡</m:t>
+                        </m:r>
+                      </m:e>
+                    </m:d>
+                    <m:r>
+                      <a:rPr lang="en-GB" b="0" i="1" smtClean="0">
+                        <a:latin typeface="Cambria Math" panose="02040503050406030204" pitchFamily="18" charset="0"/>
+                        <a:ea typeface="Cambria Math" panose="02040503050406030204" pitchFamily="18" charset="0"/>
+                      </a:rPr>
+                      <m:t>∆</m:t>
+                    </m:r>
+                    <m:r>
+                      <a:rPr lang="en-GB" b="0" i="1" smtClean="0">
+                        <a:latin typeface="Cambria Math" panose="02040503050406030204" pitchFamily="18" charset="0"/>
+                        <a:ea typeface="Cambria Math" panose="02040503050406030204" pitchFamily="18" charset="0"/>
+                      </a:rPr>
+                      <m:t>𝑡</m:t>
+                    </m:r>
+                  </m:oMath>
+                </a14:m>
+                <a:endParaRPr lang="en-GB" b="0" dirty="0">
+                  <a:ea typeface="Cambria Math" panose="02040503050406030204" pitchFamily="18" charset="0"/>
+                </a:endParaRPr>
+              </a:p>
+              <a:p>
+                <a14:m>
+                  <m:oMath xmlns:m="http://schemas.openxmlformats.org/officeDocument/2006/math">
+                    <m:r>
+                      <a:rPr lang="nl-NL" b="0" i="1" smtClean="0">
+                        <a:latin typeface="Cambria Math" panose="02040503050406030204" pitchFamily="18" charset="0"/>
+                      </a:rPr>
+                      <m:t>𝑎</m:t>
+                    </m:r>
+                    <m:d>
+                      <m:dPr>
+                        <m:ctrlPr>
+                          <a:rPr lang="nl-NL" b="0" i="1" smtClean="0">
+                            <a:latin typeface="Cambria Math" panose="02040503050406030204" pitchFamily="18" charset="0"/>
+                          </a:rPr>
+                        </m:ctrlPr>
+                      </m:dPr>
+                      <m:e>
+                        <m:r>
+                          <a:rPr lang="nl-NL" b="0" i="1" smtClean="0">
+                            <a:latin typeface="Cambria Math" panose="02040503050406030204" pitchFamily="18" charset="0"/>
+                          </a:rPr>
+                          <m:t>𝑡</m:t>
+                        </m:r>
+                        <m:r>
+                          <a:rPr lang="nl-NL" b="0" i="1" smtClean="0">
+                            <a:latin typeface="Cambria Math" panose="02040503050406030204" pitchFamily="18" charset="0"/>
+                          </a:rPr>
+                          <m:t>+∆</m:t>
+                        </m:r>
+                        <m:r>
+                          <a:rPr lang="nl-NL" b="0" i="1" smtClean="0">
+                            <a:latin typeface="Cambria Math" panose="02040503050406030204" pitchFamily="18" charset="0"/>
+                            <a:ea typeface="Cambria Math" panose="02040503050406030204" pitchFamily="18" charset="0"/>
+                          </a:rPr>
+                          <m:t>𝑡</m:t>
+                        </m:r>
+                      </m:e>
+                    </m:d>
+                    <m:r>
+                      <a:rPr lang="nl-NL" b="0" i="1" smtClean="0">
+                        <a:latin typeface="Cambria Math" panose="02040503050406030204" pitchFamily="18" charset="0"/>
+                        <a:ea typeface="Cambria Math" panose="02040503050406030204" pitchFamily="18" charset="0"/>
+                      </a:rPr>
+                      <m:t>= </m:t>
+                    </m:r>
+                    <m:acc>
+                      <m:accPr>
+                        <m:chr m:val="̈"/>
+                        <m:ctrlPr>
+                          <a:rPr lang="nl-NL" b="0" i="1" smtClean="0">
+                            <a:latin typeface="Cambria Math" panose="02040503050406030204" pitchFamily="18" charset="0"/>
+                            <a:ea typeface="Cambria Math" panose="02040503050406030204" pitchFamily="18" charset="0"/>
+                          </a:rPr>
+                        </m:ctrlPr>
+                      </m:accPr>
+                      <m:e>
+                        <m:r>
+                          <a:rPr lang="nl-NL" b="0" i="1" smtClean="0">
+                            <a:latin typeface="Cambria Math" panose="02040503050406030204" pitchFamily="18" charset="0"/>
+                            <a:ea typeface="Cambria Math" panose="02040503050406030204" pitchFamily="18" charset="0"/>
+                          </a:rPr>
+                          <m:t>𝑥</m:t>
+                        </m:r>
+                      </m:e>
+                    </m:acc>
+                  </m:oMath>
+                </a14:m>
+                <a:endParaRPr lang="en-GB" dirty="0"/>
+              </a:p>
+              <a:p>
+                <a14:m>
+                  <m:oMath xmlns:m="http://schemas.openxmlformats.org/officeDocument/2006/math">
+                    <m:r>
+                      <a:rPr lang="nl-NL" b="0" i="1" smtClean="0">
+                        <a:latin typeface="Cambria Math" panose="02040503050406030204" pitchFamily="18" charset="0"/>
+                      </a:rPr>
+                      <m:t>𝑣</m:t>
+                    </m:r>
+                    <m:d>
+                      <m:dPr>
+                        <m:ctrlPr>
+                          <a:rPr lang="nl-NL" b="0" i="1" smtClean="0">
+                            <a:latin typeface="Cambria Math" panose="02040503050406030204" pitchFamily="18" charset="0"/>
+                          </a:rPr>
+                        </m:ctrlPr>
+                      </m:dPr>
+                      <m:e>
+                        <m:r>
+                          <a:rPr lang="nl-NL" b="0" i="1" smtClean="0">
+                            <a:latin typeface="Cambria Math" panose="02040503050406030204" pitchFamily="18" charset="0"/>
+                          </a:rPr>
+                          <m:t>𝑡</m:t>
+                        </m:r>
+                        <m:r>
+                          <a:rPr lang="nl-NL" b="0" i="1" smtClean="0">
+                            <a:latin typeface="Cambria Math" panose="02040503050406030204" pitchFamily="18" charset="0"/>
+                          </a:rPr>
+                          <m:t>+∆</m:t>
+                        </m:r>
+                        <m:r>
+                          <a:rPr lang="nl-NL" b="0" i="1" smtClean="0">
+                            <a:latin typeface="Cambria Math" panose="02040503050406030204" pitchFamily="18" charset="0"/>
+                            <a:ea typeface="Cambria Math" panose="02040503050406030204" pitchFamily="18" charset="0"/>
+                          </a:rPr>
+                          <m:t>𝑡</m:t>
+                        </m:r>
+                      </m:e>
+                    </m:d>
+                    <m:r>
+                      <a:rPr lang="nl-NL" b="0" i="1" smtClean="0">
+                        <a:latin typeface="Cambria Math" panose="02040503050406030204" pitchFamily="18" charset="0"/>
+                        <a:ea typeface="Cambria Math" panose="02040503050406030204" pitchFamily="18" charset="0"/>
+                      </a:rPr>
+                      <m:t>=</m:t>
+                    </m:r>
+                    <m:r>
+                      <a:rPr lang="nl-NL" b="0" i="1" smtClean="0">
+                        <a:latin typeface="Cambria Math" panose="02040503050406030204" pitchFamily="18" charset="0"/>
+                        <a:ea typeface="Cambria Math" panose="02040503050406030204" pitchFamily="18" charset="0"/>
+                      </a:rPr>
+                      <m:t>𝑣</m:t>
+                    </m:r>
+                    <m:d>
+                      <m:dPr>
+                        <m:ctrlPr>
+                          <a:rPr lang="nl-NL" b="0" i="1" smtClean="0">
+                            <a:latin typeface="Cambria Math" panose="02040503050406030204" pitchFamily="18" charset="0"/>
+                            <a:ea typeface="Cambria Math" panose="02040503050406030204" pitchFamily="18" charset="0"/>
+                          </a:rPr>
+                        </m:ctrlPr>
+                      </m:dPr>
+                      <m:e>
+                        <m:r>
+                          <a:rPr lang="nl-NL" b="0" i="1" smtClean="0">
+                            <a:latin typeface="Cambria Math" panose="02040503050406030204" pitchFamily="18" charset="0"/>
+                            <a:ea typeface="Cambria Math" panose="02040503050406030204" pitchFamily="18" charset="0"/>
+                          </a:rPr>
+                          <m:t>𝑡</m:t>
+                        </m:r>
+                        <m:r>
+                          <a:rPr lang="nl-NL" b="0" i="1" smtClean="0">
+                            <a:latin typeface="Cambria Math" panose="02040503050406030204" pitchFamily="18" charset="0"/>
+                            <a:ea typeface="Cambria Math" panose="02040503050406030204" pitchFamily="18" charset="0"/>
+                          </a:rPr>
+                          <m:t>+</m:t>
+                        </m:r>
+                        <m:f>
+                          <m:fPr>
+                            <m:ctrlPr>
+                              <a:rPr lang="nl-NL" b="0" i="1" smtClean="0">
+                                <a:latin typeface="Cambria Math" panose="02040503050406030204" pitchFamily="18" charset="0"/>
+                                <a:ea typeface="Cambria Math" panose="02040503050406030204" pitchFamily="18" charset="0"/>
+                              </a:rPr>
+                            </m:ctrlPr>
+                          </m:fPr>
+                          <m:num>
+                            <m:r>
+                              <a:rPr lang="nl-NL" b="0" i="1" smtClean="0">
+                                <a:latin typeface="Cambria Math" panose="02040503050406030204" pitchFamily="18" charset="0"/>
+                                <a:ea typeface="Cambria Math" panose="02040503050406030204" pitchFamily="18" charset="0"/>
+                              </a:rPr>
+                              <m:t>1</m:t>
+                            </m:r>
+                          </m:num>
+                          <m:den>
+                            <m:r>
+                              <a:rPr lang="nl-NL" b="0" i="1" smtClean="0">
+                                <a:latin typeface="Cambria Math" panose="02040503050406030204" pitchFamily="18" charset="0"/>
+                                <a:ea typeface="Cambria Math" panose="02040503050406030204" pitchFamily="18" charset="0"/>
+                              </a:rPr>
+                              <m:t>2</m:t>
+                            </m:r>
+                          </m:den>
+                        </m:f>
+                        <m:r>
+                          <a:rPr lang="nl-NL" b="0" i="1" smtClean="0">
+                            <a:latin typeface="Cambria Math" panose="02040503050406030204" pitchFamily="18" charset="0"/>
+                            <a:ea typeface="Cambria Math" panose="02040503050406030204" pitchFamily="18" charset="0"/>
+                          </a:rPr>
+                          <m:t>∆</m:t>
+                        </m:r>
+                        <m:r>
+                          <a:rPr lang="nl-NL" b="0" i="1" smtClean="0">
+                            <a:latin typeface="Cambria Math" panose="02040503050406030204" pitchFamily="18" charset="0"/>
+                            <a:ea typeface="Cambria Math" panose="02040503050406030204" pitchFamily="18" charset="0"/>
+                          </a:rPr>
+                          <m:t>𝑡</m:t>
+                        </m:r>
+                      </m:e>
+                    </m:d>
+                    <m:r>
+                      <a:rPr lang="nl-NL" b="0" i="1" smtClean="0">
+                        <a:latin typeface="Cambria Math" panose="02040503050406030204" pitchFamily="18" charset="0"/>
+                        <a:ea typeface="Cambria Math" panose="02040503050406030204" pitchFamily="18" charset="0"/>
+                      </a:rPr>
+                      <m:t>+</m:t>
+                    </m:r>
+                    <m:f>
+                      <m:fPr>
+                        <m:ctrlPr>
+                          <a:rPr lang="nl-NL" b="0" i="1" smtClean="0">
+                            <a:latin typeface="Cambria Math" panose="02040503050406030204" pitchFamily="18" charset="0"/>
+                            <a:ea typeface="Cambria Math" panose="02040503050406030204" pitchFamily="18" charset="0"/>
+                          </a:rPr>
+                        </m:ctrlPr>
+                      </m:fPr>
+                      <m:num>
+                        <m:r>
+                          <a:rPr lang="nl-NL" b="0" i="1" smtClean="0">
+                            <a:latin typeface="Cambria Math" panose="02040503050406030204" pitchFamily="18" charset="0"/>
+                            <a:ea typeface="Cambria Math" panose="02040503050406030204" pitchFamily="18" charset="0"/>
+                          </a:rPr>
+                          <m:t>1</m:t>
+                        </m:r>
+                      </m:num>
+                      <m:den>
+                        <m:r>
+                          <a:rPr lang="nl-NL" b="0" i="1" smtClean="0">
+                            <a:latin typeface="Cambria Math" panose="02040503050406030204" pitchFamily="18" charset="0"/>
+                            <a:ea typeface="Cambria Math" panose="02040503050406030204" pitchFamily="18" charset="0"/>
+                          </a:rPr>
+                          <m:t>2</m:t>
+                        </m:r>
+                      </m:den>
+                    </m:f>
+                    <m:r>
+                      <a:rPr lang="nl-NL" b="0" i="1" smtClean="0">
+                        <a:latin typeface="Cambria Math" panose="02040503050406030204" pitchFamily="18" charset="0"/>
+                        <a:ea typeface="Cambria Math" panose="02040503050406030204" pitchFamily="18" charset="0"/>
+                      </a:rPr>
+                      <m:t>𝑎</m:t>
+                    </m:r>
+                    <m:r>
+                      <a:rPr lang="nl-NL" b="0" i="1" smtClean="0">
+                        <a:latin typeface="Cambria Math" panose="02040503050406030204" pitchFamily="18" charset="0"/>
+                        <a:ea typeface="Cambria Math" panose="02040503050406030204" pitchFamily="18" charset="0"/>
+                      </a:rPr>
+                      <m:t>(</m:t>
+                    </m:r>
+                    <m:r>
+                      <a:rPr lang="nl-NL" b="0" i="1" smtClean="0">
+                        <a:latin typeface="Cambria Math" panose="02040503050406030204" pitchFamily="18" charset="0"/>
+                        <a:ea typeface="Cambria Math" panose="02040503050406030204" pitchFamily="18" charset="0"/>
+                      </a:rPr>
+                      <m:t>𝑡</m:t>
+                    </m:r>
+                    <m:r>
+                      <a:rPr lang="nl-NL" b="0" i="1" smtClean="0">
+                        <a:latin typeface="Cambria Math" panose="02040503050406030204" pitchFamily="18" charset="0"/>
+                        <a:ea typeface="Cambria Math" panose="02040503050406030204" pitchFamily="18" charset="0"/>
+                      </a:rPr>
+                      <m:t>+∆</m:t>
+                    </m:r>
+                    <m:r>
+                      <a:rPr lang="nl-NL" b="0" i="1" smtClean="0">
+                        <a:latin typeface="Cambria Math" panose="02040503050406030204" pitchFamily="18" charset="0"/>
+                        <a:ea typeface="Cambria Math" panose="02040503050406030204" pitchFamily="18" charset="0"/>
+                      </a:rPr>
+                      <m:t>𝑡</m:t>
+                    </m:r>
+                    <m:r>
+                      <a:rPr lang="nl-NL" b="0" i="1" smtClean="0">
+                        <a:latin typeface="Cambria Math" panose="02040503050406030204" pitchFamily="18" charset="0"/>
+                        <a:ea typeface="Cambria Math" panose="02040503050406030204" pitchFamily="18" charset="0"/>
+                      </a:rPr>
+                      <m:t>)∆</m:t>
+                    </m:r>
+                    <m:r>
+                      <a:rPr lang="nl-NL" b="0" i="1" smtClean="0">
+                        <a:latin typeface="Cambria Math" panose="02040503050406030204" pitchFamily="18" charset="0"/>
+                        <a:ea typeface="Cambria Math" panose="02040503050406030204" pitchFamily="18" charset="0"/>
+                      </a:rPr>
+                      <m:t>𝑡</m:t>
+                    </m:r>
+                  </m:oMath>
+                </a14:m>
+                <a:endParaRPr lang="en-GB" dirty="0"/>
+              </a:p>
+              <a:p>
+                <a:endParaRPr lang="en-GB" dirty="0"/>
+              </a:p>
+            </p:txBody>
+          </p:sp>
+        </mc:Choice>
+        <mc:Fallback xmlns="">
+          <p:sp>
+            <p:nvSpPr>
+              <p:cNvPr id="3" name="Content Placeholder 2">
+                <a:extLst>
+                  <a:ext uri="{FF2B5EF4-FFF2-40B4-BE49-F238E27FC236}">
+                    <a16:creationId xmlns:a16="http://schemas.microsoft.com/office/drawing/2014/main" id="{2C807C5B-BBEB-4D09-A4B8-DDD8ACC39660}"/>
+                  </a:ext>
+                </a:extLst>
+              </p:cNvPr>
+              <p:cNvSpPr>
+                <a:spLocks noGrp="1" noRot="1" noChangeAspect="1" noMove="1" noResize="1" noEditPoints="1" noAdjustHandles="1" noChangeArrowheads="1" noChangeShapeType="1" noTextEdit="1"/>
+              </p:cNvSpPr>
+              <p:nvPr>
+                <p:ph idx="1"/>
+              </p:nvPr>
+            </p:nvSpPr>
+            <p:spPr>
+              <a:blipFill>
+                <a:blip r:embed="rId3"/>
+                <a:stretch>
+                  <a:fillRect l="-1455"/>
+                </a:stretch>
+              </a:blipFill>
+            </p:spPr>
+            <p:txBody>
+              <a:bodyPr/>
+              <a:lstStyle/>
+              <a:p>
+                <a:r>
+                  <a:rPr lang="nl-NL">
+                    <a:noFill/>
+                  </a:rPr>
+                  <a:t> </a:t>
+                </a:r>
+              </a:p>
+            </p:txBody>
+          </p:sp>
+        </mc:Fallback>
+      </mc:AlternateContent>
     </p:spTree>
     <p:extLst>
       <p:ext uri="{BB962C8B-B14F-4D97-AF65-F5344CB8AC3E}">
-        <p14:creationId xmlns:p14="http://schemas.microsoft.com/office/powerpoint/2010/main" val="258929525"/>
+        <p14:creationId xmlns:p14="http://schemas.microsoft.com/office/powerpoint/2010/main" val="3972284105"/>
       </p:ext>
     </p:extLst>
   </p:cSld>
@@ -4994,7 +8525,7 @@
           <p:cNvPr id="2" name="Title 1">
             <a:extLst>
               <a:ext uri="{FF2B5EF4-FFF2-40B4-BE49-F238E27FC236}">
-                <a16:creationId xmlns:a16="http://schemas.microsoft.com/office/drawing/2014/main" id="{29F19A6B-CDB2-8D48-97AF-EC9F49EA2578}"/>
+                <a16:creationId xmlns:a16="http://schemas.microsoft.com/office/drawing/2014/main" id="{5FC132AA-6D25-43A2-85C9-4418A09EA0D6}"/>
               </a:ext>
             </a:extLst>
           </p:cNvPr>
@@ -5012,43 +8543,1701 @@
           <a:p>
             <a:r>
               <a:rPr lang="en-US" dirty="0"/>
-              <a:t>Experiments</a:t>
+              <a:t>The formulas </a:t>
             </a:r>
+            <a:br>
+              <a:rPr lang="en-US" dirty="0"/>
+            </a:br>
+            <a:r>
+              <a:rPr lang="en-US" dirty="0"/>
+              <a:t>Classical 4</a:t>
+            </a:r>
+            <a:r>
+              <a:rPr lang="en-US" baseline="30000" dirty="0"/>
+              <a:t>th</a:t>
+            </a:r>
+            <a:r>
+              <a:rPr lang="en-US" dirty="0"/>
+              <a:t>-order Runge-</a:t>
+            </a:r>
+            <a:r>
+              <a:rPr lang="en-US" dirty="0" err="1"/>
+              <a:t>Kutta</a:t>
+            </a:r>
+            <a:endParaRPr lang="nl-NL" dirty="0"/>
           </a:p>
         </p:txBody>
       </p:sp>
-      <p:sp>
-        <p:nvSpPr>
-          <p:cNvPr id="3" name="Content Placeholder 2">
-            <a:extLst>
-              <a:ext uri="{FF2B5EF4-FFF2-40B4-BE49-F238E27FC236}">
-                <a16:creationId xmlns:a16="http://schemas.microsoft.com/office/drawing/2014/main" id="{B33325E4-832A-D040-B461-E6D8A517BFF9}"/>
-              </a:ext>
-            </a:extLst>
-          </p:cNvPr>
-          <p:cNvSpPr>
-            <a:spLocks noGrp="1"/>
-          </p:cNvSpPr>
-          <p:nvPr>
-            <p:ph idx="1"/>
-          </p:nvPr>
-        </p:nvSpPr>
-        <p:spPr/>
-        <p:txBody>
-          <a:bodyPr/>
-          <a:lstStyle/>
-          <a:p>
-            <a:r>
-              <a:rPr lang="en-US" dirty="0"/>
-              <a:t>- TODO</a:t>
-            </a:r>
-          </a:p>
-        </p:txBody>
-      </p:sp>
+      <mc:AlternateContent xmlns:mc="http://schemas.openxmlformats.org/markup-compatibility/2006" xmlns:a14="http://schemas.microsoft.com/office/drawing/2010/main">
+        <mc:Choice Requires="a14">
+          <p:sp>
+            <p:nvSpPr>
+              <p:cNvPr id="3" name="Content Placeholder 2">
+                <a:extLst>
+                  <a:ext uri="{FF2B5EF4-FFF2-40B4-BE49-F238E27FC236}">
+                    <a16:creationId xmlns:a16="http://schemas.microsoft.com/office/drawing/2014/main" id="{2C807C5B-BBEB-4D09-A4B8-DDD8ACC39660}"/>
+                  </a:ext>
+                </a:extLst>
+              </p:cNvPr>
+              <p:cNvSpPr>
+                <a:spLocks noGrp="1"/>
+              </p:cNvSpPr>
+              <p:nvPr>
+                <p:ph idx="1"/>
+              </p:nvPr>
+            </p:nvSpPr>
+            <p:spPr/>
+            <p:txBody>
+              <a:bodyPr/>
+              <a:lstStyle/>
+              <a:p>
+                <a:pPr marL="0" indent="0">
+                  <a:buNone/>
+                </a:pPr>
+                <a:r>
+                  <a:rPr lang="nl-NL" dirty="0"/>
+                  <a:t>	</a:t>
+                </a:r>
+                <a14:m>
+                  <m:oMath xmlns:m="http://schemas.openxmlformats.org/officeDocument/2006/math">
+                    <m:sSub>
+                      <m:sSubPr>
+                        <m:ctrlPr>
+                          <a:rPr lang="nl-NL" b="0" i="1" smtClean="0">
+                            <a:latin typeface="Cambria Math" panose="02040503050406030204" pitchFamily="18" charset="0"/>
+                          </a:rPr>
+                        </m:ctrlPr>
+                      </m:sSubPr>
+                      <m:e>
+                        <m:r>
+                          <a:rPr lang="nl-NL" b="0" i="1" smtClean="0">
+                            <a:latin typeface="Cambria Math" panose="02040503050406030204" pitchFamily="18" charset="0"/>
+                          </a:rPr>
+                          <m:t>𝑘</m:t>
+                        </m:r>
+                      </m:e>
+                      <m:sub>
+                        <m:r>
+                          <a:rPr lang="nl-NL" b="0" i="1" smtClean="0">
+                            <a:latin typeface="Cambria Math" panose="02040503050406030204" pitchFamily="18" charset="0"/>
+                          </a:rPr>
+                          <m:t>1</m:t>
+                        </m:r>
+                      </m:sub>
+                    </m:sSub>
+                    <m:r>
+                      <a:rPr lang="nl-NL" b="0" i="1" smtClean="0">
+                        <a:latin typeface="Cambria Math" panose="02040503050406030204" pitchFamily="18" charset="0"/>
+                      </a:rPr>
+                      <m:t>=</m:t>
+                    </m:r>
+                    <m:sSub>
+                      <m:sSubPr>
+                        <m:ctrlPr>
+                          <a:rPr lang="nl-NL" b="0" i="1" smtClean="0">
+                            <a:latin typeface="Cambria Math" panose="02040503050406030204" pitchFamily="18" charset="0"/>
+                          </a:rPr>
+                        </m:ctrlPr>
+                      </m:sSubPr>
+                      <m:e>
+                        <m:r>
+                          <a:rPr lang="nl-NL" b="0" i="1" smtClean="0">
+                            <a:latin typeface="Cambria Math" panose="02040503050406030204" pitchFamily="18" charset="0"/>
+                          </a:rPr>
+                          <m:t>𝑣</m:t>
+                        </m:r>
+                      </m:e>
+                      <m:sub>
+                        <m:r>
+                          <a:rPr lang="nl-NL" b="0" i="1" smtClean="0">
+                            <a:latin typeface="Cambria Math" panose="02040503050406030204" pitchFamily="18" charset="0"/>
+                          </a:rPr>
+                          <m:t>𝑥</m:t>
+                        </m:r>
+                      </m:sub>
+                    </m:sSub>
+                    <m:r>
+                      <a:rPr lang="nl-NL" b="0" i="1" smtClean="0">
+                        <a:latin typeface="Cambria Math" panose="02040503050406030204" pitchFamily="18" charset="0"/>
+                      </a:rPr>
+                      <m:t>(</m:t>
+                    </m:r>
+                    <m:r>
+                      <a:rPr lang="nl-NL" b="0" i="1" smtClean="0">
+                        <a:latin typeface="Cambria Math" panose="02040503050406030204" pitchFamily="18" charset="0"/>
+                      </a:rPr>
+                      <m:t>𝑡</m:t>
+                    </m:r>
+                    <m:r>
+                      <a:rPr lang="nl-NL" b="0" i="1" smtClean="0">
+                        <a:latin typeface="Cambria Math" panose="02040503050406030204" pitchFamily="18" charset="0"/>
+                      </a:rPr>
+                      <m:t>)</m:t>
+                    </m:r>
+                  </m:oMath>
+                </a14:m>
+                <a:r>
+                  <a:rPr lang="nl-NL" dirty="0"/>
+                  <a:t>		</a:t>
+                </a:r>
+                <a14:m>
+                  <m:oMath xmlns:m="http://schemas.openxmlformats.org/officeDocument/2006/math">
+                    <m:sSub>
+                      <m:sSubPr>
+                        <m:ctrlPr>
+                          <a:rPr lang="nl-NL" i="1">
+                            <a:latin typeface="Cambria Math" panose="02040503050406030204" pitchFamily="18" charset="0"/>
+                          </a:rPr>
+                        </m:ctrlPr>
+                      </m:sSubPr>
+                      <m:e>
+                        <m:r>
+                          <a:rPr lang="nl-NL" i="1">
+                            <a:latin typeface="Cambria Math" panose="02040503050406030204" pitchFamily="18" charset="0"/>
+                          </a:rPr>
+                          <m:t>𝑘</m:t>
+                        </m:r>
+                      </m:e>
+                      <m:sub>
+                        <m:r>
+                          <a:rPr lang="nl-NL" b="0" i="1" smtClean="0">
+                            <a:latin typeface="Cambria Math" panose="02040503050406030204" pitchFamily="18" charset="0"/>
+                          </a:rPr>
+                          <m:t>3</m:t>
+                        </m:r>
+                      </m:sub>
+                    </m:sSub>
+                    <m:r>
+                      <a:rPr lang="nl-NL" i="1">
+                        <a:latin typeface="Cambria Math" panose="02040503050406030204" pitchFamily="18" charset="0"/>
+                      </a:rPr>
+                      <m:t>=</m:t>
+                    </m:r>
+                    <m:sSub>
+                      <m:sSubPr>
+                        <m:ctrlPr>
+                          <a:rPr lang="nl-NL" i="1">
+                            <a:latin typeface="Cambria Math" panose="02040503050406030204" pitchFamily="18" charset="0"/>
+                          </a:rPr>
+                        </m:ctrlPr>
+                      </m:sSubPr>
+                      <m:e>
+                        <m:r>
+                          <a:rPr lang="nl-NL" i="1">
+                            <a:latin typeface="Cambria Math" panose="02040503050406030204" pitchFamily="18" charset="0"/>
+                          </a:rPr>
+                          <m:t>𝑣</m:t>
+                        </m:r>
+                      </m:e>
+                      <m:sub>
+                        <m:r>
+                          <a:rPr lang="nl-NL" i="1">
+                            <a:latin typeface="Cambria Math" panose="02040503050406030204" pitchFamily="18" charset="0"/>
+                          </a:rPr>
+                          <m:t>𝑥</m:t>
+                        </m:r>
+                      </m:sub>
+                    </m:sSub>
+                    <m:r>
+                      <a:rPr lang="nl-NL" b="0" i="1" smtClean="0">
+                        <a:latin typeface="Cambria Math" panose="02040503050406030204" pitchFamily="18" charset="0"/>
+                      </a:rPr>
+                      <m:t>(</m:t>
+                    </m:r>
+                    <m:r>
+                      <a:rPr lang="nl-NL" b="0" i="1" smtClean="0">
+                        <a:latin typeface="Cambria Math" panose="02040503050406030204" pitchFamily="18" charset="0"/>
+                      </a:rPr>
+                      <m:t>𝑡</m:t>
+                    </m:r>
+                    <m:r>
+                      <a:rPr lang="nl-NL" b="0" i="1" smtClean="0">
+                        <a:latin typeface="Cambria Math" panose="02040503050406030204" pitchFamily="18" charset="0"/>
+                      </a:rPr>
+                      <m:t>)+</m:t>
+                    </m:r>
+                    <m:sSub>
+                      <m:sSubPr>
+                        <m:ctrlPr>
+                          <a:rPr lang="nl-NL" i="1">
+                            <a:latin typeface="Cambria Math" panose="02040503050406030204" pitchFamily="18" charset="0"/>
+                          </a:rPr>
+                        </m:ctrlPr>
+                      </m:sSubPr>
+                      <m:e>
+                        <m:r>
+                          <a:rPr lang="nl-NL" i="1">
+                            <a:latin typeface="Cambria Math" panose="02040503050406030204" pitchFamily="18" charset="0"/>
+                          </a:rPr>
+                          <m:t>𝑙</m:t>
+                        </m:r>
+                      </m:e>
+                      <m:sub>
+                        <m:r>
+                          <a:rPr lang="nl-NL" b="0" i="1" smtClean="0">
+                            <a:latin typeface="Cambria Math" panose="02040503050406030204" pitchFamily="18" charset="0"/>
+                          </a:rPr>
+                          <m:t>2</m:t>
+                        </m:r>
+                      </m:sub>
+                    </m:sSub>
+                    <m:f>
+                      <m:fPr>
+                        <m:ctrlPr>
+                          <a:rPr lang="nl-NL" i="1">
+                            <a:latin typeface="Cambria Math" panose="02040503050406030204" pitchFamily="18" charset="0"/>
+                          </a:rPr>
+                        </m:ctrlPr>
+                      </m:fPr>
+                      <m:num>
+                        <m:r>
+                          <a:rPr lang="nl-NL" i="1">
+                            <a:latin typeface="Cambria Math" panose="02040503050406030204" pitchFamily="18" charset="0"/>
+                          </a:rPr>
+                          <m:t>1</m:t>
+                        </m:r>
+                      </m:num>
+                      <m:den>
+                        <m:r>
+                          <a:rPr lang="nl-NL" i="1">
+                            <a:latin typeface="Cambria Math" panose="02040503050406030204" pitchFamily="18" charset="0"/>
+                          </a:rPr>
+                          <m:t>2</m:t>
+                        </m:r>
+                      </m:den>
+                    </m:f>
+                    <m:r>
+                      <a:rPr lang="nl-NL" i="1">
+                        <a:latin typeface="Cambria Math" panose="02040503050406030204" pitchFamily="18" charset="0"/>
+                      </a:rPr>
+                      <m:t>h</m:t>
+                    </m:r>
+                  </m:oMath>
+                </a14:m>
+                <a:endParaRPr lang="nl-NL" dirty="0"/>
+              </a:p>
+              <a:p>
+                <a:pPr marL="0" indent="0">
+                  <a:buNone/>
+                </a:pPr>
+                <a:r>
+                  <a:rPr lang="nl-NL" dirty="0"/>
+                  <a:t>	</a:t>
+                </a:r>
+                <a14:m>
+                  <m:oMath xmlns:m="http://schemas.openxmlformats.org/officeDocument/2006/math">
+                    <m:sSub>
+                      <m:sSubPr>
+                        <m:ctrlPr>
+                          <a:rPr lang="nl-NL" i="1" smtClean="0">
+                            <a:latin typeface="Cambria Math" panose="02040503050406030204" pitchFamily="18" charset="0"/>
+                          </a:rPr>
+                        </m:ctrlPr>
+                      </m:sSubPr>
+                      <m:e>
+                        <m:r>
+                          <a:rPr lang="nl-NL" b="0" i="1" smtClean="0">
+                            <a:latin typeface="Cambria Math" panose="02040503050406030204" pitchFamily="18" charset="0"/>
+                          </a:rPr>
+                          <m:t>𝑙</m:t>
+                        </m:r>
+                      </m:e>
+                      <m:sub>
+                        <m:r>
+                          <a:rPr lang="nl-NL" b="0" i="1" smtClean="0">
+                            <a:latin typeface="Cambria Math" panose="02040503050406030204" pitchFamily="18" charset="0"/>
+                          </a:rPr>
+                          <m:t>1</m:t>
+                        </m:r>
+                      </m:sub>
+                    </m:sSub>
+                    <m:r>
+                      <a:rPr lang="nl-NL" b="0" i="1" smtClean="0">
+                        <a:latin typeface="Cambria Math" panose="02040503050406030204" pitchFamily="18" charset="0"/>
+                      </a:rPr>
+                      <m:t>=</m:t>
+                    </m:r>
+                    <m:sSub>
+                      <m:sSubPr>
+                        <m:ctrlPr>
+                          <a:rPr lang="nl-NL" b="0" i="1" smtClean="0">
+                            <a:latin typeface="Cambria Math" panose="02040503050406030204" pitchFamily="18" charset="0"/>
+                          </a:rPr>
+                        </m:ctrlPr>
+                      </m:sSubPr>
+                      <m:e>
+                        <m:r>
+                          <a:rPr lang="nl-NL" b="0" i="1" smtClean="0">
+                            <a:latin typeface="Cambria Math" panose="02040503050406030204" pitchFamily="18" charset="0"/>
+                          </a:rPr>
+                          <m:t>𝑎</m:t>
+                        </m:r>
+                      </m:e>
+                      <m:sub>
+                        <m:r>
+                          <a:rPr lang="nl-NL" b="0" i="1" smtClean="0">
+                            <a:latin typeface="Cambria Math" panose="02040503050406030204" pitchFamily="18" charset="0"/>
+                          </a:rPr>
+                          <m:t>𝑥</m:t>
+                        </m:r>
+                        <m:r>
+                          <a:rPr lang="nl-NL" b="0" i="1" smtClean="0">
+                            <a:latin typeface="Cambria Math" panose="02040503050406030204" pitchFamily="18" charset="0"/>
+                          </a:rPr>
+                          <m:t>(</m:t>
+                        </m:r>
+                        <m:r>
+                          <a:rPr lang="nl-NL" b="0" i="1" smtClean="0">
+                            <a:latin typeface="Cambria Math" panose="02040503050406030204" pitchFamily="18" charset="0"/>
+                          </a:rPr>
+                          <m:t>𝑡</m:t>
+                        </m:r>
+                        <m:r>
+                          <a:rPr lang="nl-NL" b="0" i="1" smtClean="0">
+                            <a:latin typeface="Cambria Math" panose="02040503050406030204" pitchFamily="18" charset="0"/>
+                          </a:rPr>
+                          <m:t>),</m:t>
+                        </m:r>
+                        <m:sSub>
+                          <m:sSubPr>
+                            <m:ctrlPr>
+                              <a:rPr lang="nl-NL" b="0" i="1" smtClean="0">
+                                <a:latin typeface="Cambria Math" panose="02040503050406030204" pitchFamily="18" charset="0"/>
+                              </a:rPr>
+                            </m:ctrlPr>
+                          </m:sSubPr>
+                          <m:e>
+                            <m:r>
+                              <a:rPr lang="nl-NL" b="0" i="1" smtClean="0">
+                                <a:latin typeface="Cambria Math" panose="02040503050406030204" pitchFamily="18" charset="0"/>
+                              </a:rPr>
+                              <m:t>𝑣</m:t>
+                            </m:r>
+                          </m:e>
+                          <m:sub>
+                            <m:r>
+                              <a:rPr lang="nl-NL" b="0" i="1" smtClean="0">
+                                <a:latin typeface="Cambria Math" panose="02040503050406030204" pitchFamily="18" charset="0"/>
+                              </a:rPr>
+                              <m:t>𝑥</m:t>
+                            </m:r>
+                          </m:sub>
+                        </m:sSub>
+                        <m:r>
+                          <a:rPr lang="nl-NL" b="0" i="1" smtClean="0">
+                            <a:latin typeface="Cambria Math" panose="02040503050406030204" pitchFamily="18" charset="0"/>
+                          </a:rPr>
+                          <m:t>(</m:t>
+                        </m:r>
+                        <m:r>
+                          <a:rPr lang="nl-NL" b="0" i="1" smtClean="0">
+                            <a:latin typeface="Cambria Math" panose="02040503050406030204" pitchFamily="18" charset="0"/>
+                          </a:rPr>
+                          <m:t>𝑡</m:t>
+                        </m:r>
+                        <m:r>
+                          <a:rPr lang="nl-NL" b="0" i="1" smtClean="0">
+                            <a:latin typeface="Cambria Math" panose="02040503050406030204" pitchFamily="18" charset="0"/>
+                          </a:rPr>
+                          <m:t>)</m:t>
+                        </m:r>
+                      </m:sub>
+                    </m:sSub>
+                  </m:oMath>
+                </a14:m>
+                <a:r>
+                  <a:rPr lang="nl-NL" dirty="0"/>
+                  <a:t>		</a:t>
+                </a:r>
+                <a14:m>
+                  <m:oMath xmlns:m="http://schemas.openxmlformats.org/officeDocument/2006/math">
+                    <m:sSub>
+                      <m:sSubPr>
+                        <m:ctrlPr>
+                          <a:rPr lang="nl-NL" i="1">
+                            <a:latin typeface="Cambria Math" panose="02040503050406030204" pitchFamily="18" charset="0"/>
+                          </a:rPr>
+                        </m:ctrlPr>
+                      </m:sSubPr>
+                      <m:e>
+                        <m:r>
+                          <a:rPr lang="nl-NL" i="1">
+                            <a:latin typeface="Cambria Math" panose="02040503050406030204" pitchFamily="18" charset="0"/>
+                          </a:rPr>
+                          <m:t>𝑙</m:t>
+                        </m:r>
+                      </m:e>
+                      <m:sub>
+                        <m:r>
+                          <a:rPr lang="nl-NL" b="0" i="1" smtClean="0">
+                            <a:latin typeface="Cambria Math" panose="02040503050406030204" pitchFamily="18" charset="0"/>
+                          </a:rPr>
+                          <m:t>3</m:t>
+                        </m:r>
+                      </m:sub>
+                    </m:sSub>
+                    <m:r>
+                      <a:rPr lang="nl-NL" i="1">
+                        <a:latin typeface="Cambria Math" panose="02040503050406030204" pitchFamily="18" charset="0"/>
+                      </a:rPr>
+                      <m:t>=</m:t>
+                    </m:r>
+                    <m:sSub>
+                      <m:sSubPr>
+                        <m:ctrlPr>
+                          <a:rPr lang="nl-NL" i="1">
+                            <a:latin typeface="Cambria Math" panose="02040503050406030204" pitchFamily="18" charset="0"/>
+                          </a:rPr>
+                        </m:ctrlPr>
+                      </m:sSubPr>
+                      <m:e>
+                        <m:r>
+                          <a:rPr lang="nl-NL" i="1">
+                            <a:latin typeface="Cambria Math" panose="02040503050406030204" pitchFamily="18" charset="0"/>
+                          </a:rPr>
+                          <m:t>𝑎</m:t>
+                        </m:r>
+                      </m:e>
+                      <m:sub>
+                        <m:r>
+                          <a:rPr lang="nl-NL" i="1">
+                            <a:latin typeface="Cambria Math" panose="02040503050406030204" pitchFamily="18" charset="0"/>
+                          </a:rPr>
+                          <m:t>𝑥</m:t>
+                        </m:r>
+                        <m:r>
+                          <a:rPr lang="nl-NL" i="1">
+                            <a:latin typeface="Cambria Math" panose="02040503050406030204" pitchFamily="18" charset="0"/>
+                          </a:rPr>
+                          <m:t>(</m:t>
+                        </m:r>
+                        <m:r>
+                          <a:rPr lang="nl-NL" i="1">
+                            <a:latin typeface="Cambria Math" panose="02040503050406030204" pitchFamily="18" charset="0"/>
+                          </a:rPr>
+                          <m:t>𝑡</m:t>
+                        </m:r>
+                        <m:r>
+                          <a:rPr lang="nl-NL" i="1">
+                            <a:latin typeface="Cambria Math" panose="02040503050406030204" pitchFamily="18" charset="0"/>
+                          </a:rPr>
+                          <m:t>)+</m:t>
+                        </m:r>
+                        <m:sSub>
+                          <m:sSubPr>
+                            <m:ctrlPr>
+                              <a:rPr lang="nl-NL" i="1">
+                                <a:latin typeface="Cambria Math" panose="02040503050406030204" pitchFamily="18" charset="0"/>
+                              </a:rPr>
+                            </m:ctrlPr>
+                          </m:sSubPr>
+                          <m:e>
+                            <m:r>
+                              <a:rPr lang="nl-NL" i="1">
+                                <a:latin typeface="Cambria Math" panose="02040503050406030204" pitchFamily="18" charset="0"/>
+                              </a:rPr>
+                              <m:t>𝑘</m:t>
+                            </m:r>
+                          </m:e>
+                          <m:sub>
+                            <m:r>
+                              <a:rPr lang="nl-NL" b="0" i="1" smtClean="0">
+                                <a:latin typeface="Cambria Math" panose="02040503050406030204" pitchFamily="18" charset="0"/>
+                              </a:rPr>
+                              <m:t>2</m:t>
+                            </m:r>
+                          </m:sub>
+                        </m:sSub>
+                        <m:f>
+                          <m:fPr>
+                            <m:ctrlPr>
+                              <a:rPr lang="nl-NL" i="1">
+                                <a:latin typeface="Cambria Math" panose="02040503050406030204" pitchFamily="18" charset="0"/>
+                              </a:rPr>
+                            </m:ctrlPr>
+                          </m:fPr>
+                          <m:num>
+                            <m:r>
+                              <a:rPr lang="nl-NL" i="1">
+                                <a:latin typeface="Cambria Math" panose="02040503050406030204" pitchFamily="18" charset="0"/>
+                              </a:rPr>
+                              <m:t>1</m:t>
+                            </m:r>
+                          </m:num>
+                          <m:den>
+                            <m:r>
+                              <a:rPr lang="nl-NL" i="1">
+                                <a:latin typeface="Cambria Math" panose="02040503050406030204" pitchFamily="18" charset="0"/>
+                              </a:rPr>
+                              <m:t>2</m:t>
+                            </m:r>
+                          </m:den>
+                        </m:f>
+                        <m:r>
+                          <a:rPr lang="nl-NL" i="1">
+                            <a:latin typeface="Cambria Math" panose="02040503050406030204" pitchFamily="18" charset="0"/>
+                          </a:rPr>
+                          <m:t>h</m:t>
+                        </m:r>
+                        <m:r>
+                          <a:rPr lang="nl-NL" i="1">
+                            <a:latin typeface="Cambria Math" panose="02040503050406030204" pitchFamily="18" charset="0"/>
+                          </a:rPr>
+                          <m:t>,</m:t>
+                        </m:r>
+                        <m:sSub>
+                          <m:sSubPr>
+                            <m:ctrlPr>
+                              <a:rPr lang="nl-NL" i="1" smtClean="0">
+                                <a:latin typeface="Cambria Math" panose="02040503050406030204" pitchFamily="18" charset="0"/>
+                              </a:rPr>
+                            </m:ctrlPr>
+                          </m:sSubPr>
+                          <m:e>
+                            <m:r>
+                              <a:rPr lang="nl-NL" b="0" i="1" smtClean="0">
+                                <a:latin typeface="Cambria Math" panose="02040503050406030204" pitchFamily="18" charset="0"/>
+                              </a:rPr>
+                              <m:t>𝑘</m:t>
+                            </m:r>
+                          </m:e>
+                          <m:sub>
+                            <m:r>
+                              <a:rPr lang="nl-NL" b="0" i="1" smtClean="0">
+                                <a:latin typeface="Cambria Math" panose="02040503050406030204" pitchFamily="18" charset="0"/>
+                              </a:rPr>
+                              <m:t>3</m:t>
+                            </m:r>
+                          </m:sub>
+                        </m:sSub>
+                        <m:r>
+                          <a:rPr lang="nl-NL" i="1" smtClean="0">
+                            <a:latin typeface="Cambria Math" panose="02040503050406030204" pitchFamily="18" charset="0"/>
+                          </a:rPr>
+                          <m:t> </m:t>
+                        </m:r>
+                      </m:sub>
+                    </m:sSub>
+                  </m:oMath>
+                </a14:m>
+                <a:endParaRPr lang="nl-NL" dirty="0"/>
+              </a:p>
+              <a:p>
+                <a:pPr marL="0" indent="0">
+                  <a:buNone/>
+                </a:pPr>
+                <a:r>
+                  <a:rPr lang="nl-NL" dirty="0"/>
+                  <a:t>	</a:t>
+                </a:r>
+                <a14:m>
+                  <m:oMath xmlns:m="http://schemas.openxmlformats.org/officeDocument/2006/math">
+                    <m:sSub>
+                      <m:sSubPr>
+                        <m:ctrlPr>
+                          <a:rPr lang="nl-NL" i="1">
+                            <a:latin typeface="Cambria Math" panose="02040503050406030204" pitchFamily="18" charset="0"/>
+                          </a:rPr>
+                        </m:ctrlPr>
+                      </m:sSubPr>
+                      <m:e>
+                        <m:r>
+                          <a:rPr lang="nl-NL" i="1">
+                            <a:latin typeface="Cambria Math" panose="02040503050406030204" pitchFamily="18" charset="0"/>
+                          </a:rPr>
+                          <m:t>𝑘</m:t>
+                        </m:r>
+                      </m:e>
+                      <m:sub>
+                        <m:r>
+                          <a:rPr lang="nl-NL" b="0" i="1" smtClean="0">
+                            <a:latin typeface="Cambria Math" panose="02040503050406030204" pitchFamily="18" charset="0"/>
+                          </a:rPr>
+                          <m:t>2</m:t>
+                        </m:r>
+                      </m:sub>
+                    </m:sSub>
+                    <m:r>
+                      <a:rPr lang="nl-NL" i="1">
+                        <a:latin typeface="Cambria Math" panose="02040503050406030204" pitchFamily="18" charset="0"/>
+                      </a:rPr>
+                      <m:t>=</m:t>
+                    </m:r>
+                    <m:sSub>
+                      <m:sSubPr>
+                        <m:ctrlPr>
+                          <a:rPr lang="nl-NL" i="1">
+                            <a:latin typeface="Cambria Math" panose="02040503050406030204" pitchFamily="18" charset="0"/>
+                          </a:rPr>
+                        </m:ctrlPr>
+                      </m:sSubPr>
+                      <m:e>
+                        <m:r>
+                          <a:rPr lang="nl-NL" i="1">
+                            <a:latin typeface="Cambria Math" panose="02040503050406030204" pitchFamily="18" charset="0"/>
+                          </a:rPr>
+                          <m:t>𝑣</m:t>
+                        </m:r>
+                      </m:e>
+                      <m:sub>
+                        <m:r>
+                          <a:rPr lang="nl-NL" i="1">
+                            <a:latin typeface="Cambria Math" panose="02040503050406030204" pitchFamily="18" charset="0"/>
+                          </a:rPr>
+                          <m:t>𝑥</m:t>
+                        </m:r>
+                      </m:sub>
+                    </m:sSub>
+                    <m:r>
+                      <a:rPr lang="nl-NL" b="0" i="1" smtClean="0">
+                        <a:latin typeface="Cambria Math" panose="02040503050406030204" pitchFamily="18" charset="0"/>
+                      </a:rPr>
+                      <m:t>(</m:t>
+                    </m:r>
+                    <m:r>
+                      <a:rPr lang="nl-NL" b="0" i="1" smtClean="0">
+                        <a:latin typeface="Cambria Math" panose="02040503050406030204" pitchFamily="18" charset="0"/>
+                      </a:rPr>
+                      <m:t>𝑡</m:t>
+                    </m:r>
+                    <m:r>
+                      <a:rPr lang="nl-NL" b="0" i="1" smtClean="0">
+                        <a:latin typeface="Cambria Math" panose="02040503050406030204" pitchFamily="18" charset="0"/>
+                      </a:rPr>
+                      <m:t>)+</m:t>
+                    </m:r>
+                    <m:sSub>
+                      <m:sSubPr>
+                        <m:ctrlPr>
+                          <a:rPr lang="nl-NL" b="0" i="1" smtClean="0">
+                            <a:latin typeface="Cambria Math" panose="02040503050406030204" pitchFamily="18" charset="0"/>
+                          </a:rPr>
+                        </m:ctrlPr>
+                      </m:sSubPr>
+                      <m:e>
+                        <m:r>
+                          <a:rPr lang="nl-NL" b="0" i="1" smtClean="0">
+                            <a:latin typeface="Cambria Math" panose="02040503050406030204" pitchFamily="18" charset="0"/>
+                          </a:rPr>
+                          <m:t>𝑙</m:t>
+                        </m:r>
+                      </m:e>
+                      <m:sub>
+                        <m:r>
+                          <a:rPr lang="nl-NL" b="0" i="1" smtClean="0">
+                            <a:latin typeface="Cambria Math" panose="02040503050406030204" pitchFamily="18" charset="0"/>
+                          </a:rPr>
+                          <m:t>1</m:t>
+                        </m:r>
+                      </m:sub>
+                    </m:sSub>
+                    <m:f>
+                      <m:fPr>
+                        <m:ctrlPr>
+                          <a:rPr lang="nl-NL" b="0" i="1" smtClean="0">
+                            <a:latin typeface="Cambria Math" panose="02040503050406030204" pitchFamily="18" charset="0"/>
+                          </a:rPr>
+                        </m:ctrlPr>
+                      </m:fPr>
+                      <m:num>
+                        <m:r>
+                          <a:rPr lang="nl-NL" b="0" i="1" smtClean="0">
+                            <a:latin typeface="Cambria Math" panose="02040503050406030204" pitchFamily="18" charset="0"/>
+                          </a:rPr>
+                          <m:t>1</m:t>
+                        </m:r>
+                      </m:num>
+                      <m:den>
+                        <m:r>
+                          <a:rPr lang="nl-NL" b="0" i="1" smtClean="0">
+                            <a:latin typeface="Cambria Math" panose="02040503050406030204" pitchFamily="18" charset="0"/>
+                          </a:rPr>
+                          <m:t>2</m:t>
+                        </m:r>
+                      </m:den>
+                    </m:f>
+                    <m:r>
+                      <a:rPr lang="nl-NL" b="0" i="1" smtClean="0">
+                        <a:latin typeface="Cambria Math" panose="02040503050406030204" pitchFamily="18" charset="0"/>
+                      </a:rPr>
+                      <m:t>h</m:t>
+                    </m:r>
+                  </m:oMath>
+                </a14:m>
+                <a:r>
+                  <a:rPr lang="nl-NL" dirty="0"/>
+                  <a:t>	</a:t>
+                </a:r>
+                <a14:m>
+                  <m:oMath xmlns:m="http://schemas.openxmlformats.org/officeDocument/2006/math">
+                    <m:sSub>
+                      <m:sSubPr>
+                        <m:ctrlPr>
+                          <a:rPr lang="nl-NL" i="1">
+                            <a:latin typeface="Cambria Math" panose="02040503050406030204" pitchFamily="18" charset="0"/>
+                          </a:rPr>
+                        </m:ctrlPr>
+                      </m:sSubPr>
+                      <m:e>
+                        <m:r>
+                          <a:rPr lang="nl-NL" i="1">
+                            <a:latin typeface="Cambria Math" panose="02040503050406030204" pitchFamily="18" charset="0"/>
+                          </a:rPr>
+                          <m:t>𝑘</m:t>
+                        </m:r>
+                      </m:e>
+                      <m:sub>
+                        <m:r>
+                          <a:rPr lang="nl-NL" b="0" i="1" smtClean="0">
+                            <a:latin typeface="Cambria Math" panose="02040503050406030204" pitchFamily="18" charset="0"/>
+                          </a:rPr>
+                          <m:t>4</m:t>
+                        </m:r>
+                      </m:sub>
+                    </m:sSub>
+                    <m:r>
+                      <a:rPr lang="nl-NL" i="1">
+                        <a:latin typeface="Cambria Math" panose="02040503050406030204" pitchFamily="18" charset="0"/>
+                      </a:rPr>
+                      <m:t>=</m:t>
+                    </m:r>
+                    <m:sSub>
+                      <m:sSubPr>
+                        <m:ctrlPr>
+                          <a:rPr lang="nl-NL" i="1">
+                            <a:latin typeface="Cambria Math" panose="02040503050406030204" pitchFamily="18" charset="0"/>
+                          </a:rPr>
+                        </m:ctrlPr>
+                      </m:sSubPr>
+                      <m:e>
+                        <m:r>
+                          <a:rPr lang="nl-NL" i="1">
+                            <a:latin typeface="Cambria Math" panose="02040503050406030204" pitchFamily="18" charset="0"/>
+                          </a:rPr>
+                          <m:t>𝑣</m:t>
+                        </m:r>
+                      </m:e>
+                      <m:sub>
+                        <m:r>
+                          <a:rPr lang="nl-NL" i="1">
+                            <a:latin typeface="Cambria Math" panose="02040503050406030204" pitchFamily="18" charset="0"/>
+                          </a:rPr>
+                          <m:t>𝑥</m:t>
+                        </m:r>
+                      </m:sub>
+                    </m:sSub>
+                    <m:r>
+                      <a:rPr lang="nl-NL" i="1">
+                        <a:latin typeface="Cambria Math" panose="02040503050406030204" pitchFamily="18" charset="0"/>
+                      </a:rPr>
+                      <m:t>(</m:t>
+                    </m:r>
+                    <m:r>
+                      <a:rPr lang="nl-NL" i="1">
+                        <a:latin typeface="Cambria Math" panose="02040503050406030204" pitchFamily="18" charset="0"/>
+                      </a:rPr>
+                      <m:t>𝑡</m:t>
+                    </m:r>
+                    <m:r>
+                      <a:rPr lang="nl-NL" i="1">
+                        <a:latin typeface="Cambria Math" panose="02040503050406030204" pitchFamily="18" charset="0"/>
+                      </a:rPr>
+                      <m:t>)+</m:t>
+                    </m:r>
+                    <m:sSub>
+                      <m:sSubPr>
+                        <m:ctrlPr>
+                          <a:rPr lang="nl-NL" i="1">
+                            <a:latin typeface="Cambria Math" panose="02040503050406030204" pitchFamily="18" charset="0"/>
+                          </a:rPr>
+                        </m:ctrlPr>
+                      </m:sSubPr>
+                      <m:e>
+                        <m:r>
+                          <a:rPr lang="nl-NL" i="1">
+                            <a:latin typeface="Cambria Math" panose="02040503050406030204" pitchFamily="18" charset="0"/>
+                          </a:rPr>
+                          <m:t>𝑙</m:t>
+                        </m:r>
+                      </m:e>
+                      <m:sub>
+                        <m:r>
+                          <a:rPr lang="nl-NL" b="0" i="1" smtClean="0">
+                            <a:latin typeface="Cambria Math" panose="02040503050406030204" pitchFamily="18" charset="0"/>
+                          </a:rPr>
+                          <m:t>3</m:t>
+                        </m:r>
+                      </m:sub>
+                    </m:sSub>
+                    <m:r>
+                      <a:rPr lang="nl-NL" i="1">
+                        <a:latin typeface="Cambria Math" panose="02040503050406030204" pitchFamily="18" charset="0"/>
+                      </a:rPr>
+                      <m:t>h</m:t>
+                    </m:r>
+                  </m:oMath>
+                </a14:m>
+                <a:endParaRPr lang="nl-NL" dirty="0"/>
+              </a:p>
+              <a:p>
+                <a:pPr marL="0" indent="0">
+                  <a:buNone/>
+                </a:pPr>
+                <a:r>
+                  <a:rPr lang="nl-NL" dirty="0"/>
+                  <a:t>	</a:t>
+                </a:r>
+                <a14:m>
+                  <m:oMath xmlns:m="http://schemas.openxmlformats.org/officeDocument/2006/math">
+                    <m:sSub>
+                      <m:sSubPr>
+                        <m:ctrlPr>
+                          <a:rPr lang="nl-NL" i="1">
+                            <a:latin typeface="Cambria Math" panose="02040503050406030204" pitchFamily="18" charset="0"/>
+                          </a:rPr>
+                        </m:ctrlPr>
+                      </m:sSubPr>
+                      <m:e>
+                        <m:r>
+                          <a:rPr lang="nl-NL" i="1">
+                            <a:latin typeface="Cambria Math" panose="02040503050406030204" pitchFamily="18" charset="0"/>
+                          </a:rPr>
+                          <m:t>𝑙</m:t>
+                        </m:r>
+                      </m:e>
+                      <m:sub>
+                        <m:r>
+                          <a:rPr lang="nl-NL" b="0" i="1" smtClean="0">
+                            <a:latin typeface="Cambria Math" panose="02040503050406030204" pitchFamily="18" charset="0"/>
+                          </a:rPr>
+                          <m:t>2</m:t>
+                        </m:r>
+                      </m:sub>
+                    </m:sSub>
+                    <m:r>
+                      <a:rPr lang="nl-NL" i="1">
+                        <a:latin typeface="Cambria Math" panose="02040503050406030204" pitchFamily="18" charset="0"/>
+                      </a:rPr>
+                      <m:t>=</m:t>
+                    </m:r>
+                    <m:sSub>
+                      <m:sSubPr>
+                        <m:ctrlPr>
+                          <a:rPr lang="nl-NL" i="1">
+                            <a:latin typeface="Cambria Math" panose="02040503050406030204" pitchFamily="18" charset="0"/>
+                          </a:rPr>
+                        </m:ctrlPr>
+                      </m:sSubPr>
+                      <m:e>
+                        <m:r>
+                          <a:rPr lang="nl-NL" i="1">
+                            <a:latin typeface="Cambria Math" panose="02040503050406030204" pitchFamily="18" charset="0"/>
+                          </a:rPr>
+                          <m:t>𝑎</m:t>
+                        </m:r>
+                      </m:e>
+                      <m:sub>
+                        <m:r>
+                          <a:rPr lang="nl-NL" b="0" i="1" smtClean="0">
+                            <a:latin typeface="Cambria Math" panose="02040503050406030204" pitchFamily="18" charset="0"/>
+                          </a:rPr>
+                          <m:t>𝑥</m:t>
+                        </m:r>
+                        <m:r>
+                          <a:rPr lang="nl-NL" b="0" i="1" smtClean="0">
+                            <a:latin typeface="Cambria Math" panose="02040503050406030204" pitchFamily="18" charset="0"/>
+                          </a:rPr>
+                          <m:t>(</m:t>
+                        </m:r>
+                        <m:r>
+                          <a:rPr lang="nl-NL" b="0" i="1" smtClean="0">
+                            <a:latin typeface="Cambria Math" panose="02040503050406030204" pitchFamily="18" charset="0"/>
+                          </a:rPr>
+                          <m:t>𝑡</m:t>
+                        </m:r>
+                        <m:r>
+                          <a:rPr lang="nl-NL" b="0" i="1" smtClean="0">
+                            <a:latin typeface="Cambria Math" panose="02040503050406030204" pitchFamily="18" charset="0"/>
+                          </a:rPr>
+                          <m:t>)+</m:t>
+                        </m:r>
+                        <m:sSub>
+                          <m:sSubPr>
+                            <m:ctrlPr>
+                              <a:rPr lang="nl-NL" b="0" i="1" smtClean="0">
+                                <a:latin typeface="Cambria Math" panose="02040503050406030204" pitchFamily="18" charset="0"/>
+                              </a:rPr>
+                            </m:ctrlPr>
+                          </m:sSubPr>
+                          <m:e>
+                            <m:r>
+                              <a:rPr lang="nl-NL" b="0" i="1" smtClean="0">
+                                <a:latin typeface="Cambria Math" panose="02040503050406030204" pitchFamily="18" charset="0"/>
+                              </a:rPr>
+                              <m:t>𝑘</m:t>
+                            </m:r>
+                          </m:e>
+                          <m:sub>
+                            <m:r>
+                              <a:rPr lang="nl-NL" b="0" i="1" smtClean="0">
+                                <a:latin typeface="Cambria Math" panose="02040503050406030204" pitchFamily="18" charset="0"/>
+                              </a:rPr>
+                              <m:t>1</m:t>
+                            </m:r>
+                          </m:sub>
+                        </m:sSub>
+                        <m:f>
+                          <m:fPr>
+                            <m:ctrlPr>
+                              <a:rPr lang="nl-NL" b="0" i="1" smtClean="0">
+                                <a:latin typeface="Cambria Math" panose="02040503050406030204" pitchFamily="18" charset="0"/>
+                              </a:rPr>
+                            </m:ctrlPr>
+                          </m:fPr>
+                          <m:num>
+                            <m:r>
+                              <a:rPr lang="nl-NL" b="0" i="1" smtClean="0">
+                                <a:latin typeface="Cambria Math" panose="02040503050406030204" pitchFamily="18" charset="0"/>
+                              </a:rPr>
+                              <m:t>1</m:t>
+                            </m:r>
+                          </m:num>
+                          <m:den>
+                            <m:r>
+                              <a:rPr lang="nl-NL" b="0" i="1" smtClean="0">
+                                <a:latin typeface="Cambria Math" panose="02040503050406030204" pitchFamily="18" charset="0"/>
+                              </a:rPr>
+                              <m:t>2</m:t>
+                            </m:r>
+                          </m:den>
+                        </m:f>
+                        <m:r>
+                          <a:rPr lang="nl-NL" b="0" i="1" smtClean="0">
+                            <a:latin typeface="Cambria Math" panose="02040503050406030204" pitchFamily="18" charset="0"/>
+                          </a:rPr>
+                          <m:t>h</m:t>
+                        </m:r>
+                        <m:r>
+                          <a:rPr lang="nl-NL" i="1">
+                            <a:latin typeface="Cambria Math" panose="02040503050406030204" pitchFamily="18" charset="0"/>
+                          </a:rPr>
+                          <m:t>,</m:t>
+                        </m:r>
+                        <m:sSub>
+                          <m:sSubPr>
+                            <m:ctrlPr>
+                              <a:rPr lang="nl-NL" i="1">
+                                <a:latin typeface="Cambria Math" panose="02040503050406030204" pitchFamily="18" charset="0"/>
+                              </a:rPr>
+                            </m:ctrlPr>
+                          </m:sSubPr>
+                          <m:e>
+                            <m:r>
+                              <a:rPr lang="nl-NL" b="0" i="1" smtClean="0">
+                                <a:latin typeface="Cambria Math" panose="02040503050406030204" pitchFamily="18" charset="0"/>
+                              </a:rPr>
+                              <m:t>𝑘</m:t>
+                            </m:r>
+                          </m:e>
+                          <m:sub>
+                            <m:r>
+                              <a:rPr lang="nl-NL" b="0" i="1" smtClean="0">
+                                <a:latin typeface="Cambria Math" panose="02040503050406030204" pitchFamily="18" charset="0"/>
+                              </a:rPr>
+                              <m:t>2</m:t>
+                            </m:r>
+                          </m:sub>
+                        </m:sSub>
+                      </m:sub>
+                    </m:sSub>
+                  </m:oMath>
+                </a14:m>
+                <a:r>
+                  <a:rPr lang="nl-NL" dirty="0"/>
+                  <a:t>		</a:t>
+                </a:r>
+                <a14:m>
+                  <m:oMath xmlns:m="http://schemas.openxmlformats.org/officeDocument/2006/math">
+                    <m:sSub>
+                      <m:sSubPr>
+                        <m:ctrlPr>
+                          <a:rPr lang="nl-NL" i="1">
+                            <a:latin typeface="Cambria Math" panose="02040503050406030204" pitchFamily="18" charset="0"/>
+                          </a:rPr>
+                        </m:ctrlPr>
+                      </m:sSubPr>
+                      <m:e>
+                        <m:r>
+                          <a:rPr lang="nl-NL" i="1">
+                            <a:latin typeface="Cambria Math" panose="02040503050406030204" pitchFamily="18" charset="0"/>
+                          </a:rPr>
+                          <m:t>𝑙</m:t>
+                        </m:r>
+                      </m:e>
+                      <m:sub>
+                        <m:r>
+                          <a:rPr lang="nl-NL" b="0" i="1" smtClean="0">
+                            <a:latin typeface="Cambria Math" panose="02040503050406030204" pitchFamily="18" charset="0"/>
+                          </a:rPr>
+                          <m:t>4</m:t>
+                        </m:r>
+                      </m:sub>
+                    </m:sSub>
+                    <m:r>
+                      <a:rPr lang="nl-NL" i="1">
+                        <a:latin typeface="Cambria Math" panose="02040503050406030204" pitchFamily="18" charset="0"/>
+                      </a:rPr>
+                      <m:t>=</m:t>
+                    </m:r>
+                    <m:sSub>
+                      <m:sSubPr>
+                        <m:ctrlPr>
+                          <a:rPr lang="nl-NL" i="1">
+                            <a:latin typeface="Cambria Math" panose="02040503050406030204" pitchFamily="18" charset="0"/>
+                          </a:rPr>
+                        </m:ctrlPr>
+                      </m:sSubPr>
+                      <m:e>
+                        <m:r>
+                          <a:rPr lang="nl-NL" i="1">
+                            <a:latin typeface="Cambria Math" panose="02040503050406030204" pitchFamily="18" charset="0"/>
+                          </a:rPr>
+                          <m:t>𝑎</m:t>
+                        </m:r>
+                      </m:e>
+                      <m:sub>
+                        <m:r>
+                          <a:rPr lang="nl-NL" i="1">
+                            <a:latin typeface="Cambria Math" panose="02040503050406030204" pitchFamily="18" charset="0"/>
+                          </a:rPr>
+                          <m:t>𝑥</m:t>
+                        </m:r>
+                        <m:r>
+                          <a:rPr lang="nl-NL" i="1">
+                            <a:latin typeface="Cambria Math" panose="02040503050406030204" pitchFamily="18" charset="0"/>
+                          </a:rPr>
+                          <m:t>(</m:t>
+                        </m:r>
+                        <m:r>
+                          <a:rPr lang="nl-NL" i="1">
+                            <a:latin typeface="Cambria Math" panose="02040503050406030204" pitchFamily="18" charset="0"/>
+                          </a:rPr>
+                          <m:t>𝑡</m:t>
+                        </m:r>
+                        <m:r>
+                          <a:rPr lang="nl-NL" i="1">
+                            <a:latin typeface="Cambria Math" panose="02040503050406030204" pitchFamily="18" charset="0"/>
+                          </a:rPr>
+                          <m:t>)+</m:t>
+                        </m:r>
+                        <m:sSub>
+                          <m:sSubPr>
+                            <m:ctrlPr>
+                              <a:rPr lang="nl-NL" i="1">
+                                <a:latin typeface="Cambria Math" panose="02040503050406030204" pitchFamily="18" charset="0"/>
+                              </a:rPr>
+                            </m:ctrlPr>
+                          </m:sSubPr>
+                          <m:e>
+                            <m:r>
+                              <a:rPr lang="nl-NL" i="1">
+                                <a:latin typeface="Cambria Math" panose="02040503050406030204" pitchFamily="18" charset="0"/>
+                              </a:rPr>
+                              <m:t>𝑘</m:t>
+                            </m:r>
+                          </m:e>
+                          <m:sub>
+                            <m:r>
+                              <a:rPr lang="nl-NL" b="0" i="1" smtClean="0">
+                                <a:latin typeface="Cambria Math" panose="02040503050406030204" pitchFamily="18" charset="0"/>
+                              </a:rPr>
+                              <m:t>3</m:t>
+                            </m:r>
+                          </m:sub>
+                        </m:sSub>
+                        <m:r>
+                          <a:rPr lang="nl-NL" i="1">
+                            <a:latin typeface="Cambria Math" panose="02040503050406030204" pitchFamily="18" charset="0"/>
+                          </a:rPr>
+                          <m:t>h</m:t>
+                        </m:r>
+                        <m:r>
+                          <a:rPr lang="nl-NL" i="1">
+                            <a:latin typeface="Cambria Math" panose="02040503050406030204" pitchFamily="18" charset="0"/>
+                          </a:rPr>
+                          <m:t>,</m:t>
+                        </m:r>
+                        <m:sSub>
+                          <m:sSubPr>
+                            <m:ctrlPr>
+                              <a:rPr lang="nl-NL" i="1">
+                                <a:latin typeface="Cambria Math" panose="02040503050406030204" pitchFamily="18" charset="0"/>
+                              </a:rPr>
+                            </m:ctrlPr>
+                          </m:sSubPr>
+                          <m:e>
+                            <m:r>
+                              <a:rPr lang="nl-NL" i="1">
+                                <a:latin typeface="Cambria Math" panose="02040503050406030204" pitchFamily="18" charset="0"/>
+                              </a:rPr>
+                              <m:t>𝑘</m:t>
+                            </m:r>
+                          </m:e>
+                          <m:sub>
+                            <m:r>
+                              <a:rPr lang="nl-NL" b="0" i="1" smtClean="0">
+                                <a:latin typeface="Cambria Math" panose="02040503050406030204" pitchFamily="18" charset="0"/>
+                              </a:rPr>
+                              <m:t>4</m:t>
+                            </m:r>
+                          </m:sub>
+                        </m:sSub>
+                      </m:sub>
+                    </m:sSub>
+                  </m:oMath>
+                </a14:m>
+                <a:endParaRPr lang="nl-NL" dirty="0"/>
+              </a:p>
+              <a:p>
+                <a:pPr marL="0" indent="0">
+                  <a:buNone/>
+                </a:pPr>
+                <a:r>
+                  <a:rPr lang="nl-NL" b="0" dirty="0"/>
+                  <a:t>		</a:t>
+                </a:r>
+                <a14:m>
+                  <m:oMath xmlns:m="http://schemas.openxmlformats.org/officeDocument/2006/math">
+                    <m:r>
+                      <a:rPr lang="nl-NL" b="0" i="1" smtClean="0">
+                        <a:latin typeface="Cambria Math" panose="02040503050406030204" pitchFamily="18" charset="0"/>
+                      </a:rPr>
+                      <m:t>𝑥</m:t>
+                    </m:r>
+                    <m:d>
+                      <m:dPr>
+                        <m:ctrlPr>
+                          <a:rPr lang="nl-NL" b="0" i="1" smtClean="0">
+                            <a:latin typeface="Cambria Math" panose="02040503050406030204" pitchFamily="18" charset="0"/>
+                          </a:rPr>
+                        </m:ctrlPr>
+                      </m:dPr>
+                      <m:e>
+                        <m:r>
+                          <a:rPr lang="nl-NL" b="0" i="1" smtClean="0">
+                            <a:latin typeface="Cambria Math" panose="02040503050406030204" pitchFamily="18" charset="0"/>
+                          </a:rPr>
+                          <m:t>𝑡</m:t>
+                        </m:r>
+                        <m:r>
+                          <a:rPr lang="nl-NL" b="0" i="1" smtClean="0">
+                            <a:latin typeface="Cambria Math" panose="02040503050406030204" pitchFamily="18" charset="0"/>
+                          </a:rPr>
+                          <m:t>+</m:t>
+                        </m:r>
+                        <m:r>
+                          <a:rPr lang="nl-NL" b="0" i="1" smtClean="0">
+                            <a:latin typeface="Cambria Math" panose="02040503050406030204" pitchFamily="18" charset="0"/>
+                          </a:rPr>
+                          <m:t>h</m:t>
+                        </m:r>
+                      </m:e>
+                    </m:d>
+                    <m:r>
+                      <a:rPr lang="nl-NL" b="0" i="1" smtClean="0">
+                        <a:latin typeface="Cambria Math" panose="02040503050406030204" pitchFamily="18" charset="0"/>
+                      </a:rPr>
+                      <m:t>=</m:t>
+                    </m:r>
+                    <m:r>
+                      <a:rPr lang="nl-NL" b="0" i="1" smtClean="0">
+                        <a:latin typeface="Cambria Math" panose="02040503050406030204" pitchFamily="18" charset="0"/>
+                      </a:rPr>
+                      <m:t>𝑥</m:t>
+                    </m:r>
+                    <m:d>
+                      <m:dPr>
+                        <m:ctrlPr>
+                          <a:rPr lang="nl-NL" b="0" i="1" smtClean="0">
+                            <a:latin typeface="Cambria Math" panose="02040503050406030204" pitchFamily="18" charset="0"/>
+                          </a:rPr>
+                        </m:ctrlPr>
+                      </m:dPr>
+                      <m:e>
+                        <m:r>
+                          <a:rPr lang="nl-NL" b="0" i="1" smtClean="0">
+                            <a:latin typeface="Cambria Math" panose="02040503050406030204" pitchFamily="18" charset="0"/>
+                          </a:rPr>
+                          <m:t>𝑡</m:t>
+                        </m:r>
+                      </m:e>
+                    </m:d>
+                    <m:r>
+                      <a:rPr lang="nl-NL" b="0" i="1" smtClean="0">
+                        <a:latin typeface="Cambria Math" panose="02040503050406030204" pitchFamily="18" charset="0"/>
+                      </a:rPr>
+                      <m:t>+</m:t>
+                    </m:r>
+                    <m:r>
+                      <a:rPr lang="nl-NL" b="0" i="1" smtClean="0">
+                        <a:latin typeface="Cambria Math" panose="02040503050406030204" pitchFamily="18" charset="0"/>
+                      </a:rPr>
+                      <m:t>h</m:t>
+                    </m:r>
+                    <m:f>
+                      <m:fPr>
+                        <m:ctrlPr>
+                          <a:rPr lang="nl-NL" b="0" i="1" smtClean="0">
+                            <a:latin typeface="Cambria Math" panose="02040503050406030204" pitchFamily="18" charset="0"/>
+                          </a:rPr>
+                        </m:ctrlPr>
+                      </m:fPr>
+                      <m:num>
+                        <m:r>
+                          <a:rPr lang="nl-NL" b="0" i="1" smtClean="0">
+                            <a:latin typeface="Cambria Math" panose="02040503050406030204" pitchFamily="18" charset="0"/>
+                          </a:rPr>
+                          <m:t>1</m:t>
+                        </m:r>
+                      </m:num>
+                      <m:den>
+                        <m:r>
+                          <a:rPr lang="nl-NL" b="0" i="1" smtClean="0">
+                            <a:latin typeface="Cambria Math" panose="02040503050406030204" pitchFamily="18" charset="0"/>
+                          </a:rPr>
+                          <m:t>6</m:t>
+                        </m:r>
+                      </m:den>
+                    </m:f>
+                    <m:r>
+                      <a:rPr lang="nl-NL" b="0" i="1" smtClean="0">
+                        <a:latin typeface="Cambria Math" panose="02040503050406030204" pitchFamily="18" charset="0"/>
+                      </a:rPr>
+                      <m:t>(</m:t>
+                    </m:r>
+                    <m:sSub>
+                      <m:sSubPr>
+                        <m:ctrlPr>
+                          <a:rPr lang="nl-NL" i="1">
+                            <a:latin typeface="Cambria Math" panose="02040503050406030204" pitchFamily="18" charset="0"/>
+                          </a:rPr>
+                        </m:ctrlPr>
+                      </m:sSubPr>
+                      <m:e>
+                        <m:r>
+                          <a:rPr lang="nl-NL" i="1">
+                            <a:latin typeface="Cambria Math" panose="02040503050406030204" pitchFamily="18" charset="0"/>
+                          </a:rPr>
+                          <m:t>𝑘</m:t>
+                        </m:r>
+                      </m:e>
+                      <m:sub>
+                        <m:r>
+                          <a:rPr lang="nl-NL" i="1">
+                            <a:latin typeface="Cambria Math" panose="02040503050406030204" pitchFamily="18" charset="0"/>
+                          </a:rPr>
+                          <m:t>1</m:t>
+                        </m:r>
+                      </m:sub>
+                    </m:sSub>
+                    <m:r>
+                      <a:rPr lang="nl-NL" b="0" i="1" smtClean="0">
+                        <a:latin typeface="Cambria Math" panose="02040503050406030204" pitchFamily="18" charset="0"/>
+                      </a:rPr>
+                      <m:t>+2</m:t>
+                    </m:r>
+                    <m:sSub>
+                      <m:sSubPr>
+                        <m:ctrlPr>
+                          <a:rPr lang="nl-NL" i="1">
+                            <a:latin typeface="Cambria Math" panose="02040503050406030204" pitchFamily="18" charset="0"/>
+                          </a:rPr>
+                        </m:ctrlPr>
+                      </m:sSubPr>
+                      <m:e>
+                        <m:r>
+                          <a:rPr lang="nl-NL" i="1">
+                            <a:latin typeface="Cambria Math" panose="02040503050406030204" pitchFamily="18" charset="0"/>
+                          </a:rPr>
+                          <m:t>𝑘</m:t>
+                        </m:r>
+                      </m:e>
+                      <m:sub>
+                        <m:r>
+                          <a:rPr lang="nl-NL" b="0" i="1" smtClean="0">
+                            <a:latin typeface="Cambria Math" panose="02040503050406030204" pitchFamily="18" charset="0"/>
+                          </a:rPr>
+                          <m:t>2</m:t>
+                        </m:r>
+                      </m:sub>
+                    </m:sSub>
+                    <m:r>
+                      <a:rPr lang="nl-NL" b="0" i="1" smtClean="0">
+                        <a:latin typeface="Cambria Math" panose="02040503050406030204" pitchFamily="18" charset="0"/>
+                      </a:rPr>
+                      <m:t>+2</m:t>
+                    </m:r>
+                    <m:sSub>
+                      <m:sSubPr>
+                        <m:ctrlPr>
+                          <a:rPr lang="nl-NL" i="1">
+                            <a:latin typeface="Cambria Math" panose="02040503050406030204" pitchFamily="18" charset="0"/>
+                          </a:rPr>
+                        </m:ctrlPr>
+                      </m:sSubPr>
+                      <m:e>
+                        <m:r>
+                          <a:rPr lang="nl-NL" i="1">
+                            <a:latin typeface="Cambria Math" panose="02040503050406030204" pitchFamily="18" charset="0"/>
+                          </a:rPr>
+                          <m:t>𝑘</m:t>
+                        </m:r>
+                      </m:e>
+                      <m:sub>
+                        <m:r>
+                          <a:rPr lang="nl-NL" b="0" i="1" smtClean="0">
+                            <a:latin typeface="Cambria Math" panose="02040503050406030204" pitchFamily="18" charset="0"/>
+                          </a:rPr>
+                          <m:t>3</m:t>
+                        </m:r>
+                      </m:sub>
+                    </m:sSub>
+                    <m:r>
+                      <a:rPr lang="nl-NL" i="1">
+                        <a:latin typeface="Cambria Math" panose="02040503050406030204" pitchFamily="18" charset="0"/>
+                      </a:rPr>
+                      <m:t>+</m:t>
+                    </m:r>
+                    <m:sSub>
+                      <m:sSubPr>
+                        <m:ctrlPr>
+                          <a:rPr lang="nl-NL" i="1">
+                            <a:latin typeface="Cambria Math" panose="02040503050406030204" pitchFamily="18" charset="0"/>
+                          </a:rPr>
+                        </m:ctrlPr>
+                      </m:sSubPr>
+                      <m:e>
+                        <m:r>
+                          <a:rPr lang="nl-NL" i="1">
+                            <a:latin typeface="Cambria Math" panose="02040503050406030204" pitchFamily="18" charset="0"/>
+                          </a:rPr>
+                          <m:t>𝑘</m:t>
+                        </m:r>
+                      </m:e>
+                      <m:sub>
+                        <m:r>
+                          <a:rPr lang="nl-NL" b="0" i="1" smtClean="0">
+                            <a:latin typeface="Cambria Math" panose="02040503050406030204" pitchFamily="18" charset="0"/>
+                          </a:rPr>
+                          <m:t>4</m:t>
+                        </m:r>
+                      </m:sub>
+                    </m:sSub>
+                    <m:r>
+                      <a:rPr lang="nl-NL" b="0" i="1" smtClean="0">
+                        <a:latin typeface="Cambria Math" panose="02040503050406030204" pitchFamily="18" charset="0"/>
+                      </a:rPr>
+                      <m:t>)</m:t>
+                    </m:r>
+                  </m:oMath>
+                </a14:m>
+                <a:endParaRPr lang="nl-NL" dirty="0"/>
+              </a:p>
+              <a:p>
+                <a:pPr marL="0" indent="0">
+                  <a:buNone/>
+                </a:pPr>
+                <a:r>
+                  <a:rPr lang="nl-NL" dirty="0"/>
+                  <a:t>		</a:t>
+                </a:r>
+                <a14:m>
+                  <m:oMath xmlns:m="http://schemas.openxmlformats.org/officeDocument/2006/math">
+                    <m:r>
+                      <m:rPr>
+                        <m:sty m:val="p"/>
+                      </m:rPr>
+                      <a:rPr lang="nl-NL" b="0" i="0" smtClean="0">
+                        <a:latin typeface="Cambria Math" panose="02040503050406030204" pitchFamily="18" charset="0"/>
+                      </a:rPr>
+                      <m:t>v</m:t>
+                    </m:r>
+                    <m:d>
+                      <m:dPr>
+                        <m:ctrlPr>
+                          <a:rPr lang="nl-NL" i="1">
+                            <a:latin typeface="Cambria Math" panose="02040503050406030204" pitchFamily="18" charset="0"/>
+                          </a:rPr>
+                        </m:ctrlPr>
+                      </m:dPr>
+                      <m:e>
+                        <m:r>
+                          <a:rPr lang="nl-NL" i="1">
+                            <a:latin typeface="Cambria Math" panose="02040503050406030204" pitchFamily="18" charset="0"/>
+                          </a:rPr>
+                          <m:t>𝑡</m:t>
+                        </m:r>
+                        <m:r>
+                          <a:rPr lang="nl-NL" i="1">
+                            <a:latin typeface="Cambria Math" panose="02040503050406030204" pitchFamily="18" charset="0"/>
+                          </a:rPr>
+                          <m:t>+</m:t>
+                        </m:r>
+                        <m:r>
+                          <a:rPr lang="nl-NL" i="1">
+                            <a:latin typeface="Cambria Math" panose="02040503050406030204" pitchFamily="18" charset="0"/>
+                          </a:rPr>
+                          <m:t>h</m:t>
+                        </m:r>
+                      </m:e>
+                    </m:d>
+                    <m:r>
+                      <a:rPr lang="nl-NL" i="1">
+                        <a:latin typeface="Cambria Math" panose="02040503050406030204" pitchFamily="18" charset="0"/>
+                      </a:rPr>
+                      <m:t>=</m:t>
+                    </m:r>
+                    <m:r>
+                      <a:rPr lang="nl-NL" b="0" i="1" smtClean="0">
+                        <a:latin typeface="Cambria Math" panose="02040503050406030204" pitchFamily="18" charset="0"/>
+                      </a:rPr>
+                      <m:t>𝑣</m:t>
+                    </m:r>
+                    <m:d>
+                      <m:dPr>
+                        <m:ctrlPr>
+                          <a:rPr lang="nl-NL" i="1">
+                            <a:latin typeface="Cambria Math" panose="02040503050406030204" pitchFamily="18" charset="0"/>
+                          </a:rPr>
+                        </m:ctrlPr>
+                      </m:dPr>
+                      <m:e>
+                        <m:r>
+                          <a:rPr lang="nl-NL" i="1">
+                            <a:latin typeface="Cambria Math" panose="02040503050406030204" pitchFamily="18" charset="0"/>
+                          </a:rPr>
+                          <m:t>𝑡</m:t>
+                        </m:r>
+                      </m:e>
+                    </m:d>
+                    <m:r>
+                      <a:rPr lang="nl-NL" i="1">
+                        <a:latin typeface="Cambria Math" panose="02040503050406030204" pitchFamily="18" charset="0"/>
+                      </a:rPr>
+                      <m:t>+</m:t>
+                    </m:r>
+                    <m:r>
+                      <a:rPr lang="nl-NL" i="1">
+                        <a:latin typeface="Cambria Math" panose="02040503050406030204" pitchFamily="18" charset="0"/>
+                      </a:rPr>
+                      <m:t>h</m:t>
+                    </m:r>
+                    <m:f>
+                      <m:fPr>
+                        <m:ctrlPr>
+                          <a:rPr lang="nl-NL" i="1">
+                            <a:latin typeface="Cambria Math" panose="02040503050406030204" pitchFamily="18" charset="0"/>
+                          </a:rPr>
+                        </m:ctrlPr>
+                      </m:fPr>
+                      <m:num>
+                        <m:r>
+                          <a:rPr lang="nl-NL" i="1">
+                            <a:latin typeface="Cambria Math" panose="02040503050406030204" pitchFamily="18" charset="0"/>
+                          </a:rPr>
+                          <m:t>1</m:t>
+                        </m:r>
+                      </m:num>
+                      <m:den>
+                        <m:r>
+                          <a:rPr lang="nl-NL" i="1">
+                            <a:latin typeface="Cambria Math" panose="02040503050406030204" pitchFamily="18" charset="0"/>
+                          </a:rPr>
+                          <m:t>6</m:t>
+                        </m:r>
+                      </m:den>
+                    </m:f>
+                    <m:r>
+                      <a:rPr lang="nl-NL" i="1">
+                        <a:latin typeface="Cambria Math" panose="02040503050406030204" pitchFamily="18" charset="0"/>
+                      </a:rPr>
+                      <m:t>(</m:t>
+                    </m:r>
+                    <m:sSub>
+                      <m:sSubPr>
+                        <m:ctrlPr>
+                          <a:rPr lang="nl-NL" i="1">
+                            <a:latin typeface="Cambria Math" panose="02040503050406030204" pitchFamily="18" charset="0"/>
+                          </a:rPr>
+                        </m:ctrlPr>
+                      </m:sSubPr>
+                      <m:e>
+                        <m:r>
+                          <a:rPr lang="nl-NL" b="0" i="1" smtClean="0">
+                            <a:latin typeface="Cambria Math" panose="02040503050406030204" pitchFamily="18" charset="0"/>
+                          </a:rPr>
+                          <m:t>𝑙</m:t>
+                        </m:r>
+                      </m:e>
+                      <m:sub>
+                        <m:r>
+                          <a:rPr lang="nl-NL" i="1">
+                            <a:latin typeface="Cambria Math" panose="02040503050406030204" pitchFamily="18" charset="0"/>
+                          </a:rPr>
+                          <m:t>1</m:t>
+                        </m:r>
+                      </m:sub>
+                    </m:sSub>
+                    <m:r>
+                      <a:rPr lang="nl-NL" i="1">
+                        <a:latin typeface="Cambria Math" panose="02040503050406030204" pitchFamily="18" charset="0"/>
+                      </a:rPr>
+                      <m:t>+2</m:t>
+                    </m:r>
+                    <m:sSub>
+                      <m:sSubPr>
+                        <m:ctrlPr>
+                          <a:rPr lang="nl-NL" i="1">
+                            <a:latin typeface="Cambria Math" panose="02040503050406030204" pitchFamily="18" charset="0"/>
+                          </a:rPr>
+                        </m:ctrlPr>
+                      </m:sSubPr>
+                      <m:e>
+                        <m:r>
+                          <a:rPr lang="nl-NL" b="0" i="1" smtClean="0">
+                            <a:latin typeface="Cambria Math" panose="02040503050406030204" pitchFamily="18" charset="0"/>
+                          </a:rPr>
+                          <m:t>𝑙</m:t>
+                        </m:r>
+                      </m:e>
+                      <m:sub>
+                        <m:r>
+                          <a:rPr lang="nl-NL" i="1">
+                            <a:latin typeface="Cambria Math" panose="02040503050406030204" pitchFamily="18" charset="0"/>
+                          </a:rPr>
+                          <m:t>2</m:t>
+                        </m:r>
+                      </m:sub>
+                    </m:sSub>
+                    <m:r>
+                      <a:rPr lang="nl-NL" i="1">
+                        <a:latin typeface="Cambria Math" panose="02040503050406030204" pitchFamily="18" charset="0"/>
+                      </a:rPr>
+                      <m:t>+2</m:t>
+                    </m:r>
+                    <m:sSub>
+                      <m:sSubPr>
+                        <m:ctrlPr>
+                          <a:rPr lang="nl-NL" i="1">
+                            <a:latin typeface="Cambria Math" panose="02040503050406030204" pitchFamily="18" charset="0"/>
+                          </a:rPr>
+                        </m:ctrlPr>
+                      </m:sSubPr>
+                      <m:e>
+                        <m:r>
+                          <a:rPr lang="nl-NL" b="0" i="1" smtClean="0">
+                            <a:latin typeface="Cambria Math" panose="02040503050406030204" pitchFamily="18" charset="0"/>
+                          </a:rPr>
+                          <m:t>𝑙</m:t>
+                        </m:r>
+                      </m:e>
+                      <m:sub>
+                        <m:r>
+                          <a:rPr lang="nl-NL" i="1">
+                            <a:latin typeface="Cambria Math" panose="02040503050406030204" pitchFamily="18" charset="0"/>
+                          </a:rPr>
+                          <m:t>3</m:t>
+                        </m:r>
+                      </m:sub>
+                    </m:sSub>
+                    <m:r>
+                      <a:rPr lang="nl-NL" i="1">
+                        <a:latin typeface="Cambria Math" panose="02040503050406030204" pitchFamily="18" charset="0"/>
+                      </a:rPr>
+                      <m:t>+</m:t>
+                    </m:r>
+                    <m:sSub>
+                      <m:sSubPr>
+                        <m:ctrlPr>
+                          <a:rPr lang="nl-NL" i="1">
+                            <a:latin typeface="Cambria Math" panose="02040503050406030204" pitchFamily="18" charset="0"/>
+                          </a:rPr>
+                        </m:ctrlPr>
+                      </m:sSubPr>
+                      <m:e>
+                        <m:r>
+                          <a:rPr lang="nl-NL" b="0" i="1" smtClean="0">
+                            <a:latin typeface="Cambria Math" panose="02040503050406030204" pitchFamily="18" charset="0"/>
+                          </a:rPr>
+                          <m:t>𝑙</m:t>
+                        </m:r>
+                      </m:e>
+                      <m:sub>
+                        <m:r>
+                          <a:rPr lang="nl-NL" i="1">
+                            <a:latin typeface="Cambria Math" panose="02040503050406030204" pitchFamily="18" charset="0"/>
+                          </a:rPr>
+                          <m:t>4</m:t>
+                        </m:r>
+                      </m:sub>
+                    </m:sSub>
+                    <m:r>
+                      <a:rPr lang="nl-NL" i="1">
+                        <a:latin typeface="Cambria Math" panose="02040503050406030204" pitchFamily="18" charset="0"/>
+                      </a:rPr>
+                      <m:t>)</m:t>
+                    </m:r>
+                  </m:oMath>
+                </a14:m>
+                <a:endParaRPr lang="nl-NL" dirty="0"/>
+              </a:p>
+            </p:txBody>
+          </p:sp>
+        </mc:Choice>
+        <mc:Fallback xmlns="">
+          <p:sp>
+            <p:nvSpPr>
+              <p:cNvPr id="3" name="Content Placeholder 2">
+                <a:extLst>
+                  <a:ext uri="{FF2B5EF4-FFF2-40B4-BE49-F238E27FC236}">
+                    <a16:creationId xmlns:a16="http://schemas.microsoft.com/office/drawing/2014/main" id="{2C807C5B-BBEB-4D09-A4B8-DDD8ACC39660}"/>
+                  </a:ext>
+                </a:extLst>
+              </p:cNvPr>
+              <p:cNvSpPr>
+                <a:spLocks noGrp="1" noRot="1" noChangeAspect="1" noMove="1" noResize="1" noEditPoints="1" noAdjustHandles="1" noChangeArrowheads="1" noChangeShapeType="1" noTextEdit="1"/>
+              </p:cNvSpPr>
+              <p:nvPr>
+                <p:ph idx="1"/>
+              </p:nvPr>
+            </p:nvSpPr>
+            <p:spPr>
+              <a:blipFill>
+                <a:blip r:embed="rId3"/>
+                <a:stretch>
+                  <a:fillRect/>
+                </a:stretch>
+              </a:blipFill>
+            </p:spPr>
+            <p:txBody>
+              <a:bodyPr/>
+              <a:lstStyle/>
+              <a:p>
+                <a:r>
+                  <a:rPr lang="en-GB">
+                    <a:noFill/>
+                  </a:rPr>
+                  <a:t> </a:t>
+                </a:r>
+              </a:p>
+            </p:txBody>
+          </p:sp>
+        </mc:Fallback>
+      </mc:AlternateContent>
     </p:spTree>
     <p:extLst>
       <p:ext uri="{BB962C8B-B14F-4D97-AF65-F5344CB8AC3E}">
-        <p14:creationId xmlns:p14="http://schemas.microsoft.com/office/powerpoint/2010/main" val="3107714555"/>
+        <p14:creationId xmlns:p14="http://schemas.microsoft.com/office/powerpoint/2010/main" val="35196883"/>
       </p:ext>
     </p:extLst>
   </p:cSld>
@@ -5080,7 +10269,7 @@
           <p:cNvPr id="2" name="Title 1">
             <a:extLst>
               <a:ext uri="{FF2B5EF4-FFF2-40B4-BE49-F238E27FC236}">
-                <a16:creationId xmlns:a16="http://schemas.microsoft.com/office/drawing/2014/main" id="{AE509FE0-01FE-484D-9253-00E27C5034A6}"/>
+                <a16:creationId xmlns:a16="http://schemas.microsoft.com/office/drawing/2014/main" id="{61523984-7A2E-437D-8CEA-E490D99479EB}"/>
               </a:ext>
             </a:extLst>
           </p:cNvPr>
@@ -5098,8 +10287,9 @@
           <a:p>
             <a:r>
               <a:rPr lang="en-US" dirty="0"/>
-              <a:t>Conclusion</a:t>
+              <a:t>Flying balls</a:t>
             </a:r>
+            <a:endParaRPr lang="nl-NL" dirty="0"/>
           </a:p>
         </p:txBody>
       </p:sp>
@@ -5108,7 +10298,7 @@
           <p:cNvPr id="3" name="Content Placeholder 2">
             <a:extLst>
               <a:ext uri="{FF2B5EF4-FFF2-40B4-BE49-F238E27FC236}">
-                <a16:creationId xmlns:a16="http://schemas.microsoft.com/office/drawing/2014/main" id="{89B654AC-0CDE-8E40-85E6-B44275F7D14F}"/>
+                <a16:creationId xmlns:a16="http://schemas.microsoft.com/office/drawing/2014/main" id="{295F099C-969E-4E15-AD46-4134B9E94557}"/>
               </a:ext>
             </a:extLst>
           </p:cNvPr>
@@ -5124,14 +10314,14 @@
           <a:bodyPr/>
           <a:lstStyle/>
           <a:p>
-            <a:endParaRPr lang="en-US"/>
+            <a:endParaRPr lang="nl-NL"/>
           </a:p>
         </p:txBody>
       </p:sp>
     </p:spTree>
     <p:extLst>
       <p:ext uri="{BB962C8B-B14F-4D97-AF65-F5344CB8AC3E}">
-        <p14:creationId xmlns:p14="http://schemas.microsoft.com/office/powerpoint/2010/main" val="2578131005"/>
+        <p14:creationId xmlns:p14="http://schemas.microsoft.com/office/powerpoint/2010/main" val="3953052098"/>
       </p:ext>
     </p:extLst>
   </p:cSld>
@@ -5163,7 +10353,7 @@
           <p:cNvPr id="2" name="Title 1">
             <a:extLst>
               <a:ext uri="{FF2B5EF4-FFF2-40B4-BE49-F238E27FC236}">
-                <a16:creationId xmlns:a16="http://schemas.microsoft.com/office/drawing/2014/main" id="{829E259F-FE68-4055-B7BD-1312721101B5}"/>
+                <a16:creationId xmlns:a16="http://schemas.microsoft.com/office/drawing/2014/main" id="{62F7370A-B20D-4C21-A84A-3948727321FC}"/>
               </a:ext>
             </a:extLst>
           </p:cNvPr>
@@ -5181,7 +10371,7 @@
           <a:p>
             <a:r>
               <a:rPr lang="en-US" dirty="0"/>
-              <a:t>Questions</a:t>
+              <a:t>Bouncing balls</a:t>
             </a:r>
             <a:endParaRPr lang="nl-NL" dirty="0"/>
           </a:p>
@@ -5192,7 +10382,7 @@
           <p:cNvPr id="3" name="Content Placeholder 2">
             <a:extLst>
               <a:ext uri="{FF2B5EF4-FFF2-40B4-BE49-F238E27FC236}">
-                <a16:creationId xmlns:a16="http://schemas.microsoft.com/office/drawing/2014/main" id="{C9B3192F-3F18-48D2-9AD9-5FB803B1B522}"/>
+                <a16:creationId xmlns:a16="http://schemas.microsoft.com/office/drawing/2014/main" id="{452A3965-2F4E-4865-B65C-E38FE4805D3F}"/>
               </a:ext>
             </a:extLst>
           </p:cNvPr>
@@ -5215,7 +10405,7 @@
     </p:spTree>
     <p:extLst>
       <p:ext uri="{BB962C8B-B14F-4D97-AF65-F5344CB8AC3E}">
-        <p14:creationId xmlns:p14="http://schemas.microsoft.com/office/powerpoint/2010/main" val="566507608"/>
+        <p14:creationId xmlns:p14="http://schemas.microsoft.com/office/powerpoint/2010/main" val="1202703448"/>
       </p:ext>
     </p:extLst>
   </p:cSld>
@@ -5247,7 +10437,7 @@
           <p:cNvPr id="2" name="Title 1">
             <a:extLst>
               <a:ext uri="{FF2B5EF4-FFF2-40B4-BE49-F238E27FC236}">
-                <a16:creationId xmlns:a16="http://schemas.microsoft.com/office/drawing/2014/main" id="{83CB4DD8-CB42-424F-9E5A-2FDB23B37659}"/>
+                <a16:creationId xmlns:a16="http://schemas.microsoft.com/office/drawing/2014/main" id="{ECC9EA66-DA16-8F4D-85C8-7C1A8AA5E8C0}"/>
               </a:ext>
             </a:extLst>
           </p:cNvPr>
@@ -5265,9 +10455,186 @@
           <a:p>
             <a:r>
               <a:rPr lang="en-US" dirty="0"/>
-              <a:t>Sources</a:t>
+              <a:t>Precision experiment</a:t>
             </a:r>
-            <a:endParaRPr lang="nl-NL" dirty="0"/>
+          </a:p>
+        </p:txBody>
+      </p:sp>
+      <p:graphicFrame>
+        <p:nvGraphicFramePr>
+          <p:cNvPr id="10" name="Content Placeholder 9">
+            <a:extLst>
+              <a:ext uri="{FF2B5EF4-FFF2-40B4-BE49-F238E27FC236}">
+                <a16:creationId xmlns:a16="http://schemas.microsoft.com/office/drawing/2014/main" id="{3AEE1C2D-5E0D-4DC5-AAC3-615B534E0A83}"/>
+              </a:ext>
+            </a:extLst>
+          </p:cNvPr>
+          <p:cNvGraphicFramePr>
+            <a:graphicFrameLocks noGrp="1"/>
+          </p:cNvGraphicFramePr>
+          <p:nvPr>
+            <p:ph idx="1"/>
+            <p:extLst>
+              <p:ext uri="{D42A27DB-BD31-4B8C-83A1-F6EECF244321}">
+                <p14:modId xmlns:p14="http://schemas.microsoft.com/office/powerpoint/2010/main" val="3157494902"/>
+              </p:ext>
+            </p:extLst>
+          </p:nvPr>
+        </p:nvGraphicFramePr>
+        <p:xfrm>
+          <a:off x="1096963" y="2108200"/>
+          <a:ext cx="10058400" cy="3760788"/>
+        </p:xfrm>
+        <a:graphic>
+          <a:graphicData uri="http://schemas.openxmlformats.org/drawingml/2006/chart">
+            <c:chart xmlns:c="http://schemas.openxmlformats.org/drawingml/2006/chart" xmlns:r="http://schemas.openxmlformats.org/officeDocument/2006/relationships" r:id="rId2"/>
+          </a:graphicData>
+        </a:graphic>
+      </p:graphicFrame>
+    </p:spTree>
+    <p:extLst>
+      <p:ext uri="{BB962C8B-B14F-4D97-AF65-F5344CB8AC3E}">
+        <p14:creationId xmlns:p14="http://schemas.microsoft.com/office/powerpoint/2010/main" val="233089366"/>
+      </p:ext>
+    </p:extLst>
+  </p:cSld>
+  <p:clrMapOvr>
+    <a:masterClrMapping/>
+  </p:clrMapOvr>
+</p:sld>
+</file>
+
+<file path=ppt/slides/slide16.xml><?xml version="1.0" encoding="utf-8"?>
+<p:sld xmlns:a="http://schemas.openxmlformats.org/drawingml/2006/main" xmlns:r="http://schemas.openxmlformats.org/officeDocument/2006/relationships" xmlns:p="http://schemas.openxmlformats.org/presentationml/2006/main">
+  <p:cSld>
+    <p:spTree>
+      <p:nvGrpSpPr>
+        <p:cNvPr id="1" name=""/>
+        <p:cNvGrpSpPr/>
+        <p:nvPr/>
+      </p:nvGrpSpPr>
+      <p:grpSpPr>
+        <a:xfrm>
+          <a:off x="0" y="0"/>
+          <a:ext cx="0" cy="0"/>
+          <a:chOff x="0" y="0"/>
+          <a:chExt cx="0" cy="0"/>
+        </a:xfrm>
+      </p:grpSpPr>
+      <p:sp>
+        <p:nvSpPr>
+          <p:cNvPr id="2" name="Title 1">
+            <a:extLst>
+              <a:ext uri="{FF2B5EF4-FFF2-40B4-BE49-F238E27FC236}">
+                <a16:creationId xmlns:a16="http://schemas.microsoft.com/office/drawing/2014/main" id="{ECC9EA66-DA16-8F4D-85C8-7C1A8AA5E8C0}"/>
+              </a:ext>
+            </a:extLst>
+          </p:cNvPr>
+          <p:cNvSpPr>
+            <a:spLocks noGrp="1"/>
+          </p:cNvSpPr>
+          <p:nvPr>
+            <p:ph type="title"/>
+          </p:nvPr>
+        </p:nvSpPr>
+        <p:spPr/>
+        <p:txBody>
+          <a:bodyPr/>
+          <a:lstStyle/>
+          <a:p>
+            <a:r>
+              <a:rPr lang="en-US" dirty="0"/>
+              <a:t>Speed experiment</a:t>
+            </a:r>
+          </a:p>
+        </p:txBody>
+      </p:sp>
+      <p:graphicFrame>
+        <p:nvGraphicFramePr>
+          <p:cNvPr id="6" name="Content Placeholder 5">
+            <a:extLst>
+              <a:ext uri="{FF2B5EF4-FFF2-40B4-BE49-F238E27FC236}">
+                <a16:creationId xmlns:a16="http://schemas.microsoft.com/office/drawing/2014/main" id="{12FFDC9B-A7DC-4EAD-85ED-D1DC46C73A1C}"/>
+              </a:ext>
+            </a:extLst>
+          </p:cNvPr>
+          <p:cNvGraphicFramePr>
+            <a:graphicFrameLocks noGrp="1"/>
+          </p:cNvGraphicFramePr>
+          <p:nvPr>
+            <p:ph idx="1"/>
+            <p:extLst>
+              <p:ext uri="{D42A27DB-BD31-4B8C-83A1-F6EECF244321}">
+                <p14:modId xmlns:p14="http://schemas.microsoft.com/office/powerpoint/2010/main" val="437339874"/>
+              </p:ext>
+            </p:extLst>
+          </p:nvPr>
+        </p:nvGraphicFramePr>
+        <p:xfrm>
+          <a:off x="1096963" y="2108200"/>
+          <a:ext cx="10058400" cy="3760788"/>
+        </p:xfrm>
+        <a:graphic>
+          <a:graphicData uri="http://schemas.openxmlformats.org/drawingml/2006/chart">
+            <c:chart xmlns:c="http://schemas.openxmlformats.org/drawingml/2006/chart" xmlns:r="http://schemas.openxmlformats.org/officeDocument/2006/relationships" r:id="rId2"/>
+          </a:graphicData>
+        </a:graphic>
+      </p:graphicFrame>
+    </p:spTree>
+    <p:extLst>
+      <p:ext uri="{BB962C8B-B14F-4D97-AF65-F5344CB8AC3E}">
+        <p14:creationId xmlns:p14="http://schemas.microsoft.com/office/powerpoint/2010/main" val="2360495450"/>
+      </p:ext>
+    </p:extLst>
+  </p:cSld>
+  <p:clrMapOvr>
+    <a:masterClrMapping/>
+  </p:clrMapOvr>
+</p:sld>
+</file>
+
+<file path=ppt/slides/slide17.xml><?xml version="1.0" encoding="utf-8"?>
+<p:sld xmlns:a="http://schemas.openxmlformats.org/drawingml/2006/main" xmlns:r="http://schemas.openxmlformats.org/officeDocument/2006/relationships" xmlns:p="http://schemas.openxmlformats.org/presentationml/2006/main">
+  <p:cSld>
+    <p:spTree>
+      <p:nvGrpSpPr>
+        <p:cNvPr id="1" name=""/>
+        <p:cNvGrpSpPr/>
+        <p:nvPr/>
+      </p:nvGrpSpPr>
+      <p:grpSpPr>
+        <a:xfrm>
+          <a:off x="0" y="0"/>
+          <a:ext cx="0" cy="0"/>
+          <a:chOff x="0" y="0"/>
+          <a:chExt cx="0" cy="0"/>
+        </a:xfrm>
+      </p:grpSpPr>
+      <p:sp>
+        <p:nvSpPr>
+          <p:cNvPr id="2" name="Title 1">
+            <a:extLst>
+              <a:ext uri="{FF2B5EF4-FFF2-40B4-BE49-F238E27FC236}">
+                <a16:creationId xmlns:a16="http://schemas.microsoft.com/office/drawing/2014/main" id="{8BA4C2DD-6E22-274B-8E73-0864CCF300AE}"/>
+              </a:ext>
+            </a:extLst>
+          </p:cNvPr>
+          <p:cNvSpPr>
+            <a:spLocks noGrp="1"/>
+          </p:cNvSpPr>
+          <p:nvPr>
+            <p:ph type="title"/>
+          </p:nvPr>
+        </p:nvSpPr>
+        <p:spPr/>
+        <p:txBody>
+          <a:bodyPr/>
+          <a:lstStyle/>
+          <a:p>
+            <a:r>
+              <a:rPr lang="en-US" dirty="0"/>
+              <a:t>Bot</a:t>
+            </a:r>
           </a:p>
         </p:txBody>
       </p:sp>
@@ -5276,7 +10643,7 @@
           <p:cNvPr id="3" name="Content Placeholder 2">
             <a:extLst>
               <a:ext uri="{FF2B5EF4-FFF2-40B4-BE49-F238E27FC236}">
-                <a16:creationId xmlns:a16="http://schemas.microsoft.com/office/drawing/2014/main" id="{5482C07E-4C00-4318-851C-0ABA7BC3E702}"/>
+                <a16:creationId xmlns:a16="http://schemas.microsoft.com/office/drawing/2014/main" id="{4E3DCD13-71A0-6B4E-AD41-C79CB8F6CFFC}"/>
               </a:ext>
             </a:extLst>
           </p:cNvPr>
@@ -5292,14 +10659,186 @@
           <a:bodyPr/>
           <a:lstStyle/>
           <a:p>
-            <a:endParaRPr lang="nl-NL" dirty="0"/>
+            <a:r>
+              <a:rPr lang="en-US" dirty="0"/>
+              <a:t>- New bot explanation</a:t>
+            </a:r>
           </a:p>
         </p:txBody>
       </p:sp>
     </p:spTree>
     <p:extLst>
       <p:ext uri="{BB962C8B-B14F-4D97-AF65-F5344CB8AC3E}">
-        <p14:creationId xmlns:p14="http://schemas.microsoft.com/office/powerpoint/2010/main" val="1912911425"/>
+        <p14:creationId xmlns:p14="http://schemas.microsoft.com/office/powerpoint/2010/main" val="258929525"/>
+      </p:ext>
+    </p:extLst>
+  </p:cSld>
+  <p:clrMapOvr>
+    <a:masterClrMapping/>
+  </p:clrMapOvr>
+</p:sld>
+</file>
+
+<file path=ppt/slides/slide18.xml><?xml version="1.0" encoding="utf-8"?>
+<p:sld xmlns:a="http://schemas.openxmlformats.org/drawingml/2006/main" xmlns:r="http://schemas.openxmlformats.org/officeDocument/2006/relationships" xmlns:p="http://schemas.openxmlformats.org/presentationml/2006/main">
+  <p:cSld>
+    <p:spTree>
+      <p:nvGrpSpPr>
+        <p:cNvPr id="1" name=""/>
+        <p:cNvGrpSpPr/>
+        <p:nvPr/>
+      </p:nvGrpSpPr>
+      <p:grpSpPr>
+        <a:xfrm>
+          <a:off x="0" y="0"/>
+          <a:ext cx="0" cy="0"/>
+          <a:chOff x="0" y="0"/>
+          <a:chExt cx="0" cy="0"/>
+        </a:xfrm>
+      </p:grpSpPr>
+      <p:sp>
+        <p:nvSpPr>
+          <p:cNvPr id="2" name="Title 1">
+            <a:extLst>
+              <a:ext uri="{FF2B5EF4-FFF2-40B4-BE49-F238E27FC236}">
+                <a16:creationId xmlns:a16="http://schemas.microsoft.com/office/drawing/2014/main" id="{29F19A6B-CDB2-8D48-97AF-EC9F49EA2578}"/>
+              </a:ext>
+            </a:extLst>
+          </p:cNvPr>
+          <p:cNvSpPr>
+            <a:spLocks noGrp="1"/>
+          </p:cNvSpPr>
+          <p:nvPr>
+            <p:ph type="title"/>
+          </p:nvPr>
+        </p:nvSpPr>
+        <p:spPr/>
+        <p:txBody>
+          <a:bodyPr/>
+          <a:lstStyle/>
+          <a:p>
+            <a:r>
+              <a:rPr lang="en-US" dirty="0"/>
+              <a:t>Experiments</a:t>
+            </a:r>
+          </a:p>
+        </p:txBody>
+      </p:sp>
+      <p:sp>
+        <p:nvSpPr>
+          <p:cNvPr id="3" name="Content Placeholder 2">
+            <a:extLst>
+              <a:ext uri="{FF2B5EF4-FFF2-40B4-BE49-F238E27FC236}">
+                <a16:creationId xmlns:a16="http://schemas.microsoft.com/office/drawing/2014/main" id="{B33325E4-832A-D040-B461-E6D8A517BFF9}"/>
+              </a:ext>
+            </a:extLst>
+          </p:cNvPr>
+          <p:cNvSpPr>
+            <a:spLocks noGrp="1"/>
+          </p:cNvSpPr>
+          <p:nvPr>
+            <p:ph idx="1"/>
+          </p:nvPr>
+        </p:nvSpPr>
+        <p:spPr/>
+        <p:txBody>
+          <a:bodyPr/>
+          <a:lstStyle/>
+          <a:p>
+            <a:r>
+              <a:rPr lang="en-US" dirty="0"/>
+              <a:t>- TODO</a:t>
+            </a:r>
+          </a:p>
+        </p:txBody>
+      </p:sp>
+    </p:spTree>
+    <p:extLst>
+      <p:ext uri="{BB962C8B-B14F-4D97-AF65-F5344CB8AC3E}">
+        <p14:creationId xmlns:p14="http://schemas.microsoft.com/office/powerpoint/2010/main" val="3107714555"/>
+      </p:ext>
+    </p:extLst>
+  </p:cSld>
+  <p:clrMapOvr>
+    <a:masterClrMapping/>
+  </p:clrMapOvr>
+</p:sld>
+</file>
+
+<file path=ppt/slides/slide19.xml><?xml version="1.0" encoding="utf-8"?>
+<p:sld xmlns:a="http://schemas.openxmlformats.org/drawingml/2006/main" xmlns:r="http://schemas.openxmlformats.org/officeDocument/2006/relationships" xmlns:p="http://schemas.openxmlformats.org/presentationml/2006/main">
+  <p:cSld>
+    <p:spTree>
+      <p:nvGrpSpPr>
+        <p:cNvPr id="1" name=""/>
+        <p:cNvGrpSpPr/>
+        <p:nvPr/>
+      </p:nvGrpSpPr>
+      <p:grpSpPr>
+        <a:xfrm>
+          <a:off x="0" y="0"/>
+          <a:ext cx="0" cy="0"/>
+          <a:chOff x="0" y="0"/>
+          <a:chExt cx="0" cy="0"/>
+        </a:xfrm>
+      </p:grpSpPr>
+      <p:sp>
+        <p:nvSpPr>
+          <p:cNvPr id="2" name="Title 1">
+            <a:extLst>
+              <a:ext uri="{FF2B5EF4-FFF2-40B4-BE49-F238E27FC236}">
+                <a16:creationId xmlns:a16="http://schemas.microsoft.com/office/drawing/2014/main" id="{AE509FE0-01FE-484D-9253-00E27C5034A6}"/>
+              </a:ext>
+            </a:extLst>
+          </p:cNvPr>
+          <p:cNvSpPr>
+            <a:spLocks noGrp="1"/>
+          </p:cNvSpPr>
+          <p:nvPr>
+            <p:ph type="title"/>
+          </p:nvPr>
+        </p:nvSpPr>
+        <p:spPr/>
+        <p:txBody>
+          <a:bodyPr/>
+          <a:lstStyle/>
+          <a:p>
+            <a:r>
+              <a:rPr lang="en-US" dirty="0"/>
+              <a:t>Conclusion</a:t>
+            </a:r>
+          </a:p>
+        </p:txBody>
+      </p:sp>
+      <p:sp>
+        <p:nvSpPr>
+          <p:cNvPr id="3" name="Content Placeholder 2">
+            <a:extLst>
+              <a:ext uri="{FF2B5EF4-FFF2-40B4-BE49-F238E27FC236}">
+                <a16:creationId xmlns:a16="http://schemas.microsoft.com/office/drawing/2014/main" id="{89B654AC-0CDE-8E40-85E6-B44275F7D14F}"/>
+              </a:ext>
+            </a:extLst>
+          </p:cNvPr>
+          <p:cNvSpPr>
+            <a:spLocks noGrp="1"/>
+          </p:cNvSpPr>
+          <p:nvPr>
+            <p:ph idx="1"/>
+          </p:nvPr>
+        </p:nvSpPr>
+        <p:spPr/>
+        <p:txBody>
+          <a:bodyPr/>
+          <a:lstStyle/>
+          <a:p>
+            <a:endParaRPr lang="en-US"/>
+          </a:p>
+        </p:txBody>
+      </p:sp>
+    </p:spTree>
+    <p:extLst>
+      <p:ext uri="{BB962C8B-B14F-4D97-AF65-F5344CB8AC3E}">
+        <p14:creationId xmlns:p14="http://schemas.microsoft.com/office/powerpoint/2010/main" val="2578131005"/>
       </p:ext>
     </p:extLst>
   </p:cSld>
@@ -5413,6 +10952,174 @@
     <p:extLst>
       <p:ext uri="{BB962C8B-B14F-4D97-AF65-F5344CB8AC3E}">
         <p14:creationId xmlns:p14="http://schemas.microsoft.com/office/powerpoint/2010/main" val="503401743"/>
+      </p:ext>
+    </p:extLst>
+  </p:cSld>
+  <p:clrMapOvr>
+    <a:masterClrMapping/>
+  </p:clrMapOvr>
+</p:sld>
+</file>
+
+<file path=ppt/slides/slide20.xml><?xml version="1.0" encoding="utf-8"?>
+<p:sld xmlns:a="http://schemas.openxmlformats.org/drawingml/2006/main" xmlns:r="http://schemas.openxmlformats.org/officeDocument/2006/relationships" xmlns:p="http://schemas.openxmlformats.org/presentationml/2006/main">
+  <p:cSld>
+    <p:spTree>
+      <p:nvGrpSpPr>
+        <p:cNvPr id="1" name=""/>
+        <p:cNvGrpSpPr/>
+        <p:nvPr/>
+      </p:nvGrpSpPr>
+      <p:grpSpPr>
+        <a:xfrm>
+          <a:off x="0" y="0"/>
+          <a:ext cx="0" cy="0"/>
+          <a:chOff x="0" y="0"/>
+          <a:chExt cx="0" cy="0"/>
+        </a:xfrm>
+      </p:grpSpPr>
+      <p:sp>
+        <p:nvSpPr>
+          <p:cNvPr id="2" name="Title 1">
+            <a:extLst>
+              <a:ext uri="{FF2B5EF4-FFF2-40B4-BE49-F238E27FC236}">
+                <a16:creationId xmlns:a16="http://schemas.microsoft.com/office/drawing/2014/main" id="{829E259F-FE68-4055-B7BD-1312721101B5}"/>
+              </a:ext>
+            </a:extLst>
+          </p:cNvPr>
+          <p:cNvSpPr>
+            <a:spLocks noGrp="1"/>
+          </p:cNvSpPr>
+          <p:nvPr>
+            <p:ph type="title"/>
+          </p:nvPr>
+        </p:nvSpPr>
+        <p:spPr/>
+        <p:txBody>
+          <a:bodyPr/>
+          <a:lstStyle/>
+          <a:p>
+            <a:r>
+              <a:rPr lang="en-US" dirty="0"/>
+              <a:t>Questions</a:t>
+            </a:r>
+            <a:endParaRPr lang="nl-NL" dirty="0"/>
+          </a:p>
+        </p:txBody>
+      </p:sp>
+      <p:sp>
+        <p:nvSpPr>
+          <p:cNvPr id="3" name="Content Placeholder 2">
+            <a:extLst>
+              <a:ext uri="{FF2B5EF4-FFF2-40B4-BE49-F238E27FC236}">
+                <a16:creationId xmlns:a16="http://schemas.microsoft.com/office/drawing/2014/main" id="{C9B3192F-3F18-48D2-9AD9-5FB803B1B522}"/>
+              </a:ext>
+            </a:extLst>
+          </p:cNvPr>
+          <p:cNvSpPr>
+            <a:spLocks noGrp="1"/>
+          </p:cNvSpPr>
+          <p:nvPr>
+            <p:ph idx="1"/>
+          </p:nvPr>
+        </p:nvSpPr>
+        <p:spPr/>
+        <p:txBody>
+          <a:bodyPr/>
+          <a:lstStyle/>
+          <a:p>
+            <a:endParaRPr lang="nl-NL"/>
+          </a:p>
+        </p:txBody>
+      </p:sp>
+    </p:spTree>
+    <p:extLst>
+      <p:ext uri="{BB962C8B-B14F-4D97-AF65-F5344CB8AC3E}">
+        <p14:creationId xmlns:p14="http://schemas.microsoft.com/office/powerpoint/2010/main" val="566507608"/>
+      </p:ext>
+    </p:extLst>
+  </p:cSld>
+  <p:clrMapOvr>
+    <a:masterClrMapping/>
+  </p:clrMapOvr>
+</p:sld>
+</file>
+
+<file path=ppt/slides/slide21.xml><?xml version="1.0" encoding="utf-8"?>
+<p:sld xmlns:a="http://schemas.openxmlformats.org/drawingml/2006/main" xmlns:r="http://schemas.openxmlformats.org/officeDocument/2006/relationships" xmlns:p="http://schemas.openxmlformats.org/presentationml/2006/main">
+  <p:cSld>
+    <p:spTree>
+      <p:nvGrpSpPr>
+        <p:cNvPr id="1" name=""/>
+        <p:cNvGrpSpPr/>
+        <p:nvPr/>
+      </p:nvGrpSpPr>
+      <p:grpSpPr>
+        <a:xfrm>
+          <a:off x="0" y="0"/>
+          <a:ext cx="0" cy="0"/>
+          <a:chOff x="0" y="0"/>
+          <a:chExt cx="0" cy="0"/>
+        </a:xfrm>
+      </p:grpSpPr>
+      <p:sp>
+        <p:nvSpPr>
+          <p:cNvPr id="2" name="Title 1">
+            <a:extLst>
+              <a:ext uri="{FF2B5EF4-FFF2-40B4-BE49-F238E27FC236}">
+                <a16:creationId xmlns:a16="http://schemas.microsoft.com/office/drawing/2014/main" id="{83CB4DD8-CB42-424F-9E5A-2FDB23B37659}"/>
+              </a:ext>
+            </a:extLst>
+          </p:cNvPr>
+          <p:cNvSpPr>
+            <a:spLocks noGrp="1"/>
+          </p:cNvSpPr>
+          <p:nvPr>
+            <p:ph type="title"/>
+          </p:nvPr>
+        </p:nvSpPr>
+        <p:spPr/>
+        <p:txBody>
+          <a:bodyPr/>
+          <a:lstStyle/>
+          <a:p>
+            <a:r>
+              <a:rPr lang="en-US" dirty="0"/>
+              <a:t>Sources</a:t>
+            </a:r>
+            <a:endParaRPr lang="nl-NL" dirty="0"/>
+          </a:p>
+        </p:txBody>
+      </p:sp>
+      <p:sp>
+        <p:nvSpPr>
+          <p:cNvPr id="3" name="Content Placeholder 2">
+            <a:extLst>
+              <a:ext uri="{FF2B5EF4-FFF2-40B4-BE49-F238E27FC236}">
+                <a16:creationId xmlns:a16="http://schemas.microsoft.com/office/drawing/2014/main" id="{5482C07E-4C00-4318-851C-0ABA7BC3E702}"/>
+              </a:ext>
+            </a:extLst>
+          </p:cNvPr>
+          <p:cNvSpPr>
+            <a:spLocks noGrp="1"/>
+          </p:cNvSpPr>
+          <p:nvPr>
+            <p:ph idx="1"/>
+          </p:nvPr>
+        </p:nvSpPr>
+        <p:spPr/>
+        <p:txBody>
+          <a:bodyPr/>
+          <a:lstStyle/>
+          <a:p>
+            <a:endParaRPr lang="nl-NL" dirty="0"/>
+          </a:p>
+        </p:txBody>
+      </p:sp>
+    </p:spTree>
+    <p:extLst>
+      <p:ext uri="{BB962C8B-B14F-4D97-AF65-F5344CB8AC3E}">
+        <p14:creationId xmlns:p14="http://schemas.microsoft.com/office/powerpoint/2010/main" val="1912911425"/>
       </p:ext>
     </p:extLst>
   </p:cSld>
@@ -7427,7 +13134,7 @@
           <p:cNvPr id="2" name="Title 1">
             <a:extLst>
               <a:ext uri="{FF2B5EF4-FFF2-40B4-BE49-F238E27FC236}">
-                <a16:creationId xmlns:a16="http://schemas.microsoft.com/office/drawing/2014/main" id="{200E7CE6-2441-3C46-9FC0-54953D57A541}"/>
+                <a16:creationId xmlns:a16="http://schemas.microsoft.com/office/drawing/2014/main" id="{439ABE64-F951-4A3B-9488-4522144D5827}"/>
               </a:ext>
             </a:extLst>
           </p:cNvPr>
@@ -7445,8 +13152,9 @@
           <a:p>
             <a:r>
               <a:rPr lang="en-US" dirty="0"/>
-              <a:t>Physics</a:t>
+              <a:t>Our solvers</a:t>
             </a:r>
+            <a:endParaRPr lang="nl-NL" dirty="0"/>
           </a:p>
         </p:txBody>
       </p:sp>
@@ -7455,7 +13163,7 @@
           <p:cNvPr id="3" name="Content Placeholder 2">
             <a:extLst>
               <a:ext uri="{FF2B5EF4-FFF2-40B4-BE49-F238E27FC236}">
-                <a16:creationId xmlns:a16="http://schemas.microsoft.com/office/drawing/2014/main" id="{08FF44B2-D01F-164B-9336-71FB8412FC79}"/>
+                <a16:creationId xmlns:a16="http://schemas.microsoft.com/office/drawing/2014/main" id="{678C0CFD-5A91-4EC8-9C81-632FE3FF7748}"/>
               </a:ext>
             </a:extLst>
           </p:cNvPr>
@@ -7468,20 +13176,83 @@
         </p:nvSpPr>
         <p:spPr/>
         <p:txBody>
-          <a:bodyPr/>
+          <a:bodyPr>
+            <a:normAutofit/>
+          </a:bodyPr>
           <a:lstStyle/>
           <a:p>
             <a:r>
               <a:rPr lang="en-US" dirty="0"/>
-              <a:t>- Flying balls explanation by Matthijs the genius</a:t>
+              <a:t>We rewrote the entire physics engine to improve the way it interacts with the rest of the game. We also added 3 new solvers to improve the accuracy of our calculations.</a:t>
             </a:r>
+          </a:p>
+          <a:p>
+            <a:endParaRPr lang="en-US" dirty="0"/>
+          </a:p>
+          <a:p>
+            <a:pPr>
+              <a:buFont typeface="Wingdings" panose="05000000000000000000" pitchFamily="2" charset="2"/>
+              <a:buChar char="v"/>
+            </a:pPr>
+            <a:r>
+              <a:rPr lang="en-US" dirty="0"/>
+              <a:t> Second order Verlet </a:t>
+            </a:r>
+          </a:p>
+          <a:p>
+            <a:pPr>
+              <a:buFont typeface="Wingdings" panose="05000000000000000000" pitchFamily="2" charset="2"/>
+              <a:buChar char="v"/>
+            </a:pPr>
+            <a:r>
+              <a:rPr lang="en-US" dirty="0"/>
+              <a:t> Second order velocity Verlet</a:t>
+            </a:r>
+          </a:p>
+          <a:p>
+            <a:pPr>
+              <a:buFont typeface="Wingdings" panose="05000000000000000000" pitchFamily="2" charset="2"/>
+              <a:buChar char="v"/>
+            </a:pPr>
+            <a:r>
+              <a:rPr lang="en-US" dirty="0"/>
+              <a:t> Classical 4</a:t>
+            </a:r>
+            <a:r>
+              <a:rPr lang="en-US" baseline="30000" dirty="0"/>
+              <a:t>th</a:t>
+            </a:r>
+            <a:r>
+              <a:rPr lang="en-US" dirty="0"/>
+              <a:t> order Runge-</a:t>
+            </a:r>
+            <a:r>
+              <a:rPr lang="en-US" dirty="0" err="1"/>
+              <a:t>Kutta</a:t>
+            </a:r>
+            <a:endParaRPr lang="en-US" dirty="0"/>
+          </a:p>
+          <a:p>
+            <a:endParaRPr lang="nl-NL" dirty="0"/>
+          </a:p>
+          <a:p>
+            <a:pPr marL="0" indent="0">
+              <a:buNone/>
+            </a:pPr>
+            <a:endParaRPr lang="nl-NL" dirty="0"/>
+          </a:p>
+          <a:p>
+            <a:endParaRPr lang="en-US" dirty="0"/>
+          </a:p>
+          <a:p>
+            <a:endParaRPr lang="nl-NL" dirty="0"/>
           </a:p>
         </p:txBody>
       </p:sp>
     </p:spTree>
     <p:extLst>
       <p:ext uri="{BB962C8B-B14F-4D97-AF65-F5344CB8AC3E}">
-        <p14:creationId xmlns:p14="http://schemas.microsoft.com/office/powerpoint/2010/main" val="1901925188"/>
+        <p14:creationId xmlns:p14="http://schemas.microsoft.com/office/powerpoint/2010/main" val="423268700"/>
       </p:ext>
     </p:extLst>
   </p:cSld>
@@ -8334,21 +14105,21 @@
 </file>
 
 <file path=customXml/item2.xml><?xml version="1.0" encoding="utf-8"?>
+<?mso-contentType ?>
+<FormTemplates xmlns="http://schemas.microsoft.com/sharepoint/v3/contenttype/forms">
+  <Display>DocumentLibraryForm</Display>
+  <Edit>DocumentLibraryForm</Edit>
+  <New>DocumentLibraryForm</New>
+</FormTemplates>
+</file>
+
+<file path=customXml/item3.xml><?xml version="1.0" encoding="utf-8"?>
 <p:properties xmlns:p="http://schemas.microsoft.com/office/2006/metadata/properties" xmlns:xsi="http://www.w3.org/2001/XMLSchema-instance" xmlns:pc="http://schemas.microsoft.com/office/infopath/2007/PartnerControls">
   <documentManagement>
     <Status xmlns="71af3243-3dd4-4a8d-8c0d-dd76da1f02a5">Not started</Status>
     <MediaServiceKeyPoints xmlns="71af3243-3dd4-4a8d-8c0d-dd76da1f02a5" xsi:nil="true"/>
   </documentManagement>
 </p:properties>
-</file>
-
-<file path=customXml/item3.xml><?xml version="1.0" encoding="utf-8"?>
-<?mso-contentType ?>
-<FormTemplates xmlns="http://schemas.microsoft.com/sharepoint/v3/contenttype/forms">
-  <Display>DocumentLibraryForm</Display>
-  <Edit>DocumentLibraryForm</Edit>
-  <New>DocumentLibraryForm</New>
-</FormTemplates>
 </file>
 
 <file path=customXml/itemProps1.xml><?xml version="1.0" encoding="utf-8"?>
@@ -8371,6 +14142,14 @@
 </file>
 
 <file path=customXml/itemProps2.xml><?xml version="1.0" encoding="utf-8"?>
+<ds:datastoreItem xmlns:ds="http://schemas.openxmlformats.org/officeDocument/2006/customXml" ds:itemID="{3C586965-D4BF-4605-8C1C-5B8CCCAB7737}">
+  <ds:schemaRefs>
+    <ds:schemaRef ds:uri="http://schemas.microsoft.com/sharepoint/v3/contenttype/forms"/>
+  </ds:schemaRefs>
+</ds:datastoreItem>
+</file>
+
+<file path=customXml/itemProps3.xml><?xml version="1.0" encoding="utf-8"?>
 <ds:datastoreItem xmlns:ds="http://schemas.openxmlformats.org/officeDocument/2006/customXml" ds:itemID="{626E351D-C19B-467F-A5C7-085C4CECACA9}">
   <ds:schemaRefs>
     <ds:schemaRef ds:uri="http://schemas.microsoft.com/office/2006/metadata/properties"/>
@@ -8378,12 +14157,4 @@
     <ds:schemaRef ds:uri="71af3243-3dd4-4a8d-8c0d-dd76da1f02a5"/>
   </ds:schemaRefs>
 </ds:datastoreItem>
-</file>
-
-<file path=customXml/itemProps3.xml><?xml version="1.0" encoding="utf-8"?>
-<ds:datastoreItem xmlns:ds="http://schemas.openxmlformats.org/officeDocument/2006/customXml" ds:itemID="{3C586965-D4BF-4605-8C1C-5B8CCCAB7737}">
-  <ds:schemaRefs>
-    <ds:schemaRef ds:uri="http://schemas.microsoft.com/sharepoint/v3/contenttype/forms"/>
-  </ds:schemaRefs>
-</ds:datastoreItem>
 </file>
--- a/04-PresentationThirdPhase.pptx
+++ b/04-PresentationThirdPhase.pptx
@@ -141,7 +141,7 @@
 <file path=ppt/charts/chart1.xml><?xml version="1.0" encoding="utf-8"?>
 <c:chartSpace xmlns:c="http://schemas.openxmlformats.org/drawingml/2006/chart" xmlns:a="http://schemas.openxmlformats.org/drawingml/2006/main" xmlns:r="http://schemas.openxmlformats.org/officeDocument/2006/relationships" xmlns:c16r2="http://schemas.microsoft.com/office/drawing/2015/06/chart">
   <c:date1904 val="0"/>
-  <c:lang val="en-US"/>
+  <c:lang val="nl-NL"/>
   <c:roundedCorners val="0"/>
   <mc:AlternateContent xmlns:mc="http://schemas.openxmlformats.org/markup-compatibility/2006">
     <mc:Choice xmlns:c14="http://schemas.microsoft.com/office/drawing/2007/8/2/chart" Requires="c14">
@@ -203,7 +203,7 @@
               <a:cs typeface="+mn-cs"/>
             </a:defRPr>
           </a:pPr>
-          <a:endParaRPr lang="nl-NL"/>
+          <a:endParaRPr lang="en-US"/>
         </a:p>
       </c:txPr>
     </c:title>
@@ -517,7 +517,7 @@
                 <a:cs typeface="+mn-cs"/>
               </a:defRPr>
             </a:pPr>
-            <a:endParaRPr lang="nl-NL"/>
+            <a:endParaRPr lang="en-US"/>
           </a:p>
         </c:txPr>
         <c:crossAx val="690337440"/>
@@ -576,7 +576,7 @@
                 <a:cs typeface="+mn-cs"/>
               </a:defRPr>
             </a:pPr>
-            <a:endParaRPr lang="nl-NL"/>
+            <a:endParaRPr lang="en-US"/>
           </a:p>
         </c:txPr>
         <c:crossAx val="547336896"/>
@@ -618,7 +618,7 @@
               <a:cs typeface="+mn-cs"/>
             </a:defRPr>
           </a:pPr>
-          <a:endParaRPr lang="nl-NL"/>
+          <a:endParaRPr lang="en-US"/>
         </a:p>
       </c:txPr>
     </c:legend>
@@ -647,7 +647,7 @@
       <a:pPr>
         <a:defRPr/>
       </a:pPr>
-      <a:endParaRPr lang="nl-NL"/>
+      <a:endParaRPr lang="en-US"/>
     </a:p>
   </c:txPr>
   <c:externalData r:id="rId3">
@@ -659,7 +659,7 @@
 <file path=ppt/charts/chart2.xml><?xml version="1.0" encoding="utf-8"?>
 <c:chartSpace xmlns:c="http://schemas.openxmlformats.org/drawingml/2006/chart" xmlns:a="http://schemas.openxmlformats.org/drawingml/2006/main" xmlns:r="http://schemas.openxmlformats.org/officeDocument/2006/relationships" xmlns:c16r2="http://schemas.microsoft.com/office/drawing/2015/06/chart">
   <c:date1904 val="0"/>
-  <c:lang val="en-US"/>
+  <c:lang val="nl-NL"/>
   <c:roundedCorners val="0"/>
   <mc:AlternateContent xmlns:mc="http://schemas.openxmlformats.org/markup-compatibility/2006">
     <mc:Choice xmlns:c14="http://schemas.microsoft.com/office/drawing/2007/8/2/chart" Requires="c14">
@@ -696,7 +696,7 @@
               <a:cs typeface="+mn-cs"/>
             </a:defRPr>
           </a:pPr>
-          <a:endParaRPr lang="nl-NL"/>
+          <a:endParaRPr lang="en-US"/>
         </a:p>
       </c:txPr>
     </c:title>
@@ -920,7 +920,7 @@
                 <a:cs typeface="+mn-cs"/>
               </a:defRPr>
             </a:pPr>
-            <a:endParaRPr lang="nl-NL"/>
+            <a:endParaRPr lang="en-US"/>
           </a:p>
         </c:txPr>
         <c:crossAx val="641512976"/>
@@ -979,7 +979,7 @@
                 <a:cs typeface="+mn-cs"/>
               </a:defRPr>
             </a:pPr>
-            <a:endParaRPr lang="nl-NL"/>
+            <a:endParaRPr lang="en-US"/>
           </a:p>
         </c:txPr>
         <c:crossAx val="723243472"/>
@@ -1021,7 +1021,7 @@
               <a:cs typeface="+mn-cs"/>
             </a:defRPr>
           </a:pPr>
-          <a:endParaRPr lang="nl-NL"/>
+          <a:endParaRPr lang="en-US"/>
         </a:p>
       </c:txPr>
     </c:legend>
@@ -1050,7 +1050,7 @@
       <a:pPr>
         <a:defRPr/>
       </a:pPr>
-      <a:endParaRPr lang="nl-NL"/>
+      <a:endParaRPr lang="en-US"/>
     </a:p>
   </c:txPr>
   <c:externalData r:id="rId3">
@@ -2227,7 +2227,7 @@
           <a:p>
             <a:fld id="{05052211-91C2-4B5D-9566-2C0C10015937}" type="datetimeFigureOut">
               <a:rPr lang="nl-NL" smtClean="0"/>
-              <a:t>20-6-2020</a:t>
+              <a:t>21-6-2020</a:t>
             </a:fld>
             <a:endParaRPr lang="nl-NL"/>
           </a:p>
@@ -2386,7 +2386,7 @@
           <a:p>
             <a:fld id="{F917F88C-BACD-4A94-B7B7-C91B49D4CB7C}" type="slidenum">
               <a:rPr lang="nl-NL" smtClean="0"/>
-              <a:t>‹#›</a:t>
+              <a:t>‹nr.›</a:t>
             </a:fld>
             <a:endParaRPr lang="nl-NL"/>
           </a:p>
@@ -3534,7 +3534,7 @@
           <a:p>
             <a:fld id="{9184DA70-C731-4C70-880D-CCD4705E623C}" type="datetime1">
               <a:rPr lang="en-US" smtClean="0"/>
-              <a:t>6/20/2020</a:t>
+              <a:t>6/21/2020</a:t>
             </a:fld>
             <a:endParaRPr lang="en-US" dirty="0"/>
           </a:p>
@@ -3588,7 +3588,7 @@
           <a:p>
             <a:fld id="{3A98EE3D-8CD1-4C3F-BD1C-C98C9596463C}" type="slidenum">
               <a:rPr lang="en-US" smtClean="0"/>
-              <a:t>‹#›</a:t>
+              <a:t>‹nr.›</a:t>
             </a:fld>
             <a:endParaRPr lang="en-US" dirty="0"/>
           </a:p>
@@ -3722,7 +3722,7 @@
           <a:p>
             <a:fld id="{4BE1D723-8F53-4F53-90B0-1982A396982E}" type="datetime1">
               <a:rPr lang="en-US" smtClean="0"/>
-              <a:t>6/20/2020</a:t>
+              <a:t>6/21/2020</a:t>
             </a:fld>
             <a:endParaRPr lang="en-US" dirty="0"/>
           </a:p>
@@ -3776,7 +3776,7 @@
           <a:p>
             <a:fld id="{3A98EE3D-8CD1-4C3F-BD1C-C98C9596463C}" type="slidenum">
               <a:rPr lang="en-US" smtClean="0"/>
-              <a:t>‹#›</a:t>
+              <a:t>‹nr.›</a:t>
             </a:fld>
             <a:endParaRPr lang="en-US" dirty="0"/>
           </a:p>
@@ -4095,7 +4095,7 @@
           <a:p>
             <a:fld id="{97669AF7-7BEB-44E4-9852-375E34362B5B}" type="datetime1">
               <a:rPr lang="en-US" smtClean="0"/>
-              <a:t>6/20/2020</a:t>
+              <a:t>6/21/2020</a:t>
             </a:fld>
             <a:endParaRPr lang="en-US" dirty="0"/>
           </a:p>
@@ -4149,7 +4149,7 @@
           <a:p>
             <a:fld id="{3A98EE3D-8CD1-4C3F-BD1C-C98C9596463C}" type="slidenum">
               <a:rPr lang="en-US" smtClean="0"/>
-              <a:t>‹#›</a:t>
+              <a:t>‹nr.›</a:t>
             </a:fld>
             <a:endParaRPr lang="en-US" dirty="0"/>
           </a:p>
@@ -4350,7 +4350,7 @@
           <a:p>
             <a:fld id="{BAAAC38D-0552-4C82-B593-E6124DFADBE2}" type="datetime1">
               <a:rPr lang="en-US" smtClean="0"/>
-              <a:t>6/20/2020</a:t>
+              <a:t>6/21/2020</a:t>
             </a:fld>
             <a:endParaRPr lang="en-US" dirty="0"/>
           </a:p>
@@ -4404,7 +4404,7 @@
           <a:p>
             <a:fld id="{3A98EE3D-8CD1-4C3F-BD1C-C98C9596463C}" type="slidenum">
               <a:rPr lang="en-US" smtClean="0"/>
-              <a:t>‹#›</a:t>
+              <a:t>‹nr.›</a:t>
             </a:fld>
             <a:endParaRPr lang="en-US" dirty="0"/>
           </a:p>
@@ -4747,7 +4747,7 @@
           <a:p>
             <a:fld id="{D9DF0F1C-5577-4ACB-BB62-DF8F3C494C7E}" type="datetime1">
               <a:rPr lang="en-US" smtClean="0"/>
-              <a:t>6/20/2020</a:t>
+              <a:t>6/21/2020</a:t>
             </a:fld>
             <a:endParaRPr lang="en-US" dirty="0"/>
           </a:p>
@@ -4801,7 +4801,7 @@
           <a:p>
             <a:fld id="{3A98EE3D-8CD1-4C3F-BD1C-C98C9596463C}" type="slidenum">
               <a:rPr lang="en-US" smtClean="0"/>
-              <a:t>‹#›</a:t>
+              <a:t>‹nr.›</a:t>
             </a:fld>
             <a:endParaRPr lang="en-US" dirty="0"/>
           </a:p>
@@ -4883,7 +4883,7 @@
           <a:p>
             <a:fld id="{1775B394-D9F9-4F0C-B15D-605F45CB9E9F}" type="datetime1">
               <a:rPr lang="en-US" smtClean="0"/>
-              <a:t>6/20/2020</a:t>
+              <a:t>6/21/2020</a:t>
             </a:fld>
             <a:endParaRPr lang="en-US" dirty="0"/>
           </a:p>
@@ -4937,7 +4937,7 @@
           <a:p>
             <a:fld id="{3A98EE3D-8CD1-4C3F-BD1C-C98C9596463C}" type="slidenum">
               <a:rPr lang="en-US" smtClean="0"/>
-              <a:t>‹#›</a:t>
+              <a:t>‹nr.›</a:t>
             </a:fld>
             <a:endParaRPr lang="en-US" dirty="0"/>
           </a:p>
@@ -5040,7 +5040,7 @@
           <a:p>
             <a:fld id="{39667345-2558-425A-8533-9BFDBCE15005}" type="datetime1">
               <a:rPr lang="en-US" smtClean="0"/>
-              <a:t>6/20/2020</a:t>
+              <a:t>6/21/2020</a:t>
             </a:fld>
             <a:endParaRPr lang="en-US" dirty="0"/>
           </a:p>
@@ -5094,7 +5094,7 @@
           <a:p>
             <a:fld id="{3A98EE3D-8CD1-4C3F-BD1C-C98C9596463C}" type="slidenum">
               <a:rPr lang="en-US" smtClean="0"/>
-              <a:t>‹#›</a:t>
+              <a:t>‹nr.›</a:t>
             </a:fld>
             <a:endParaRPr lang="en-US" dirty="0"/>
           </a:p>
@@ -5369,7 +5369,7 @@
           <a:p>
             <a:fld id="{92BEA474-078D-4E9B-9B14-09A87B19DC46}" type="datetime1">
               <a:rPr lang="en-US" smtClean="0"/>
-              <a:t>6/20/2020</a:t>
+              <a:t>6/21/2020</a:t>
             </a:fld>
             <a:endParaRPr lang="en-US" dirty="0"/>
           </a:p>
@@ -5433,7 +5433,7 @@
             <a:fld id="{3A98EE3D-8CD1-4C3F-BD1C-C98C9596463C}" type="slidenum">
               <a:rPr lang="en-US" smtClean="0"/>
               <a:pPr/>
-              <a:t>‹#›</a:t>
+              <a:t>‹nr.›</a:t>
             </a:fld>
             <a:endParaRPr lang="en-US" dirty="0"/>
           </a:p>
@@ -5719,7 +5719,7 @@
           <a:p>
             <a:fld id="{4907D986-8816-4272-A432-0437A28A9828}" type="datetime1">
               <a:rPr lang="en-US" smtClean="0"/>
-              <a:t>6/20/2020</a:t>
+              <a:t>6/21/2020</a:t>
             </a:fld>
             <a:endParaRPr lang="en-US" dirty="0"/>
           </a:p>
@@ -5767,7 +5767,7 @@
           <a:p>
             <a:fld id="{3A98EE3D-8CD1-4C3F-BD1C-C98C9596463C}" type="slidenum">
               <a:rPr lang="en-US" smtClean="0"/>
-              <a:t>‹#›</a:t>
+              <a:t>‹nr.›</a:t>
             </a:fld>
             <a:endParaRPr lang="en-US" dirty="0"/>
           </a:p>
@@ -5980,7 +5980,7 @@
           <a:p>
             <a:fld id="{62D6E202-B606-4609-B914-27C9371A1F6D}" type="datetime1">
               <a:rPr lang="en-US" smtClean="0"/>
-              <a:t>6/20/2020</a:t>
+              <a:t>6/21/2020</a:t>
             </a:fld>
             <a:endParaRPr lang="en-US" dirty="0"/>
           </a:p>
@@ -6054,7 +6054,7 @@
           <a:p>
             <a:fld id="{3A98EE3D-8CD1-4C3F-BD1C-C98C9596463C}" type="slidenum">
               <a:rPr lang="en-US" smtClean="0"/>
-              <a:t>‹#›</a:t>
+              <a:t>‹nr.›</a:t>
             </a:fld>
             <a:endParaRPr lang="en-US" dirty="0"/>
           </a:p>
@@ -7138,8 +7138,8 @@
           </a:p>
         </p:txBody>
       </p:sp>
-      <mc:AlternateContent xmlns:mc="http://schemas.openxmlformats.org/markup-compatibility/2006" xmlns:a14="http://schemas.microsoft.com/office/drawing/2010/main">
-        <mc:Choice Requires="a14">
+      <mc:AlternateContent xmlns:mc="http://schemas.openxmlformats.org/markup-compatibility/2006">
+        <mc:Choice xmlns:a14="http://schemas.microsoft.com/office/drawing/2010/main" Requires="a14">
           <p:sp>
             <p:nvSpPr>
               <p:cNvPr id="3" name="Content Placeholder 2">
@@ -7168,16 +7168,10 @@
                   <a:rPr lang="nl-NL" i="1" dirty="0">
                     <a:latin typeface="Cambria Math" panose="02040503050406030204" pitchFamily="18" charset="0"/>
                   </a:rPr>
-                  <a:t>  </a:t>
+                  <a:t>  p</a:t>
                 </a:r>
                 <a14:m>
                   <m:oMath xmlns:m="http://schemas.openxmlformats.org/officeDocument/2006/math">
-                    <m:r>
-                      <a:rPr lang="nl-NL" b="0" i="1" smtClean="0">
-                        <a:latin typeface="Cambria Math" panose="02040503050406030204" pitchFamily="18" charset="0"/>
-                      </a:rPr>
-                      <m:t>𝑥</m:t>
-                    </m:r>
                     <m:d>
                       <m:dPr>
                         <m:ctrlPr>
@@ -7220,7 +7214,7 @@
                         <a:latin typeface="Cambria Math" panose="02040503050406030204" pitchFamily="18" charset="0"/>
                         <a:ea typeface="Cambria Math" panose="02040503050406030204" pitchFamily="18" charset="0"/>
                       </a:rPr>
-                      <m:t>𝑥</m:t>
+                      <m:t>𝑝</m:t>
                     </m:r>
                     <m:d>
                       <m:dPr>
@@ -7253,7 +7247,7 @@
                         <a:latin typeface="Cambria Math" panose="02040503050406030204" pitchFamily="18" charset="0"/>
                         <a:ea typeface="Cambria Math" panose="02040503050406030204" pitchFamily="18" charset="0"/>
                       </a:rPr>
-                      <m:t>𝑥</m:t>
+                      <m:t>𝑝</m:t>
                     </m:r>
                     <m:d>
                       <m:dPr>
@@ -7295,26 +7289,32 @@
                       </a:rPr>
                       <m:t>+</m:t>
                     </m:r>
-                    <m:acc>
-                      <m:accPr>
-                        <m:chr m:val="̈"/>
+                    <m:r>
+                      <a:rPr lang="nl-NL" b="0" i="1" smtClean="0">
+                        <a:latin typeface="Cambria Math" panose="02040503050406030204" pitchFamily="18" charset="0"/>
+                        <a:ea typeface="Cambria Math" panose="02040503050406030204" pitchFamily="18" charset="0"/>
+                      </a:rPr>
+                      <m:t>𝑎</m:t>
+                    </m:r>
+                    <m:d>
+                      <m:dPr>
                         <m:ctrlPr>
                           <a:rPr lang="nl-NL" b="0" i="1" smtClean="0">
                             <a:latin typeface="Cambria Math" panose="02040503050406030204" pitchFamily="18" charset="0"/>
                             <a:ea typeface="Cambria Math" panose="02040503050406030204" pitchFamily="18" charset="0"/>
                           </a:rPr>
                         </m:ctrlPr>
-                      </m:accPr>
+                      </m:dPr>
                       <m:e>
                         <m:r>
                           <a:rPr lang="nl-NL" b="0" i="1" smtClean="0">
                             <a:latin typeface="Cambria Math" panose="02040503050406030204" pitchFamily="18" charset="0"/>
                             <a:ea typeface="Cambria Math" panose="02040503050406030204" pitchFamily="18" charset="0"/>
                           </a:rPr>
-                          <m:t>𝑥</m:t>
+                          <m:t>𝑡</m:t>
                         </m:r>
                       </m:e>
-                    </m:acc>
+                    </m:d>
                     <m:r>
                       <a:rPr lang="nl-NL" b="0" i="1" smtClean="0">
                         <a:latin typeface="Cambria Math" panose="02040503050406030204" pitchFamily="18" charset="0"/>
@@ -7364,50 +7364,207 @@
                       </a:rPr>
                       <m:t>𝑂</m:t>
                     </m:r>
+                    <m:d>
+                      <m:dPr>
+                        <m:ctrlPr>
+                          <a:rPr lang="nl-NL" b="0" i="1" smtClean="0">
+                            <a:latin typeface="Cambria Math" panose="02040503050406030204" pitchFamily="18" charset="0"/>
+                            <a:ea typeface="Cambria Math" panose="02040503050406030204" pitchFamily="18" charset="0"/>
+                          </a:rPr>
+                        </m:ctrlPr>
+                      </m:dPr>
+                      <m:e>
+                        <m:r>
+                          <a:rPr lang="nl-NL" b="0" i="1" smtClean="0">
+                            <a:latin typeface="Cambria Math" panose="02040503050406030204" pitchFamily="18" charset="0"/>
+                            <a:ea typeface="Cambria Math" panose="02040503050406030204" pitchFamily="18" charset="0"/>
+                          </a:rPr>
+                          <m:t>∆</m:t>
+                        </m:r>
+                        <m:sSup>
+                          <m:sSupPr>
+                            <m:ctrlPr>
+                              <a:rPr lang="nl-NL" b="0" i="1" smtClean="0">
+                                <a:latin typeface="Cambria Math" panose="02040503050406030204" pitchFamily="18" charset="0"/>
+                                <a:ea typeface="Cambria Math" panose="02040503050406030204" pitchFamily="18" charset="0"/>
+                              </a:rPr>
+                            </m:ctrlPr>
+                          </m:sSupPr>
+                          <m:e>
+                            <m:r>
+                              <a:rPr lang="nl-NL" b="0" i="1" smtClean="0">
+                                <a:latin typeface="Cambria Math" panose="02040503050406030204" pitchFamily="18" charset="0"/>
+                                <a:ea typeface="Cambria Math" panose="02040503050406030204" pitchFamily="18" charset="0"/>
+                              </a:rPr>
+                              <m:t>𝑡</m:t>
+                            </m:r>
+                          </m:e>
+                          <m:sup>
+                            <m:r>
+                              <a:rPr lang="nl-NL" b="0" i="1" smtClean="0">
+                                <a:latin typeface="Cambria Math" panose="02040503050406030204" pitchFamily="18" charset="0"/>
+                                <a:ea typeface="Cambria Math" panose="02040503050406030204" pitchFamily="18" charset="0"/>
+                              </a:rPr>
+                              <m:t>2</m:t>
+                            </m:r>
+                          </m:sup>
+                        </m:sSup>
+                      </m:e>
+                    </m:d>
+                  </m:oMath>
+                </a14:m>
+                <a:endParaRPr lang="nl-NL" b="0" i="1" dirty="0">
+                  <a:latin typeface="Cambria Math" panose="02040503050406030204" pitchFamily="18" charset="0"/>
+                  <a:ea typeface="Cambria Math" panose="02040503050406030204" pitchFamily="18" charset="0"/>
+                </a:endParaRPr>
+              </a:p>
+              <a:p>
+                <a:pPr marL="0" indent="0">
+                  <a:buNone/>
+                </a:pPr>
+                <a:r>
+                  <a:rPr lang="nl-NL" dirty="0"/>
+                  <a:t>  </a:t>
+                </a:r>
+                <a14:m>
+                  <m:oMath xmlns:m="http://schemas.openxmlformats.org/officeDocument/2006/math">
                     <m:r>
-                      <a:rPr lang="nl-NL" b="0" i="1" smtClean="0">
+                      <a:rPr lang="nl-NL" i="1">
+                        <a:latin typeface="Cambria Math" panose="02040503050406030204" pitchFamily="18" charset="0"/>
+                      </a:rPr>
+                      <m:t>𝑎</m:t>
+                    </m:r>
+                    <m:d>
+                      <m:dPr>
+                        <m:ctrlPr>
+                          <a:rPr lang="nl-NL" i="1">
+                            <a:latin typeface="Cambria Math" panose="02040503050406030204" pitchFamily="18" charset="0"/>
+                          </a:rPr>
+                        </m:ctrlPr>
+                      </m:dPr>
+                      <m:e>
+                        <m:r>
+                          <a:rPr lang="nl-NL" i="1">
+                            <a:latin typeface="Cambria Math" panose="02040503050406030204" pitchFamily="18" charset="0"/>
+                          </a:rPr>
+                          <m:t>𝑡</m:t>
+                        </m:r>
+                      </m:e>
+                    </m:d>
+                    <m:r>
+                      <a:rPr lang="nl-NL" i="1">
                         <a:latin typeface="Cambria Math" panose="02040503050406030204" pitchFamily="18" charset="0"/>
                         <a:ea typeface="Cambria Math" panose="02040503050406030204" pitchFamily="18" charset="0"/>
                       </a:rPr>
-                      <m:t>(∆</m:t>
+                      <m:t>= </m:t>
                     </m:r>
-                    <m:sSup>
-                      <m:sSupPr>
+                    <m:f>
+                      <m:fPr>
                         <m:ctrlPr>
-                          <a:rPr lang="nl-NL" b="0" i="1" smtClean="0">
+                          <a:rPr lang="nl-NL" i="1">
                             <a:latin typeface="Cambria Math" panose="02040503050406030204" pitchFamily="18" charset="0"/>
                             <a:ea typeface="Cambria Math" panose="02040503050406030204" pitchFamily="18" charset="0"/>
                           </a:rPr>
                         </m:ctrlPr>
-                      </m:sSupPr>
-                      <m:e>
+                      </m:fPr>
+                      <m:num>
                         <m:r>
-                          <a:rPr lang="nl-NL" b="0" i="1" smtClean="0">
+                          <a:rPr lang="nl-NL" i="1">
                             <a:latin typeface="Cambria Math" panose="02040503050406030204" pitchFamily="18" charset="0"/>
                             <a:ea typeface="Cambria Math" panose="02040503050406030204" pitchFamily="18" charset="0"/>
                           </a:rPr>
-                          <m:t>𝑡</m:t>
+                          <m:t>𝐹</m:t>
                         </m:r>
-                      </m:e>
-                      <m:sup>
                         <m:r>
-                          <a:rPr lang="nl-NL" b="0" i="1" smtClean="0">
+                          <a:rPr lang="nl-NL" i="1">
                             <a:latin typeface="Cambria Math" panose="02040503050406030204" pitchFamily="18" charset="0"/>
                             <a:ea typeface="Cambria Math" panose="02040503050406030204" pitchFamily="18" charset="0"/>
                           </a:rPr>
-                          <m:t>2</m:t>
+                          <m:t>(</m:t>
                         </m:r>
-                      </m:sup>
-                    </m:sSup>
-                    <m:r>
-                      <a:rPr lang="nl-NL" b="0" i="1" smtClean="0">
-                        <a:latin typeface="Cambria Math" panose="02040503050406030204" pitchFamily="18" charset="0"/>
-                        <a:ea typeface="Cambria Math" panose="02040503050406030204" pitchFamily="18" charset="0"/>
-                      </a:rPr>
-                      <m:t>)</m:t>
-                    </m:r>
+                        <m:r>
+                          <a:rPr lang="nl-NL" i="1">
+                            <a:latin typeface="Cambria Math" panose="02040503050406030204" pitchFamily="18" charset="0"/>
+                            <a:ea typeface="Cambria Math" panose="02040503050406030204" pitchFamily="18" charset="0"/>
+                          </a:rPr>
+                          <m:t>𝑝</m:t>
+                        </m:r>
+                        <m:d>
+                          <m:dPr>
+                            <m:ctrlPr>
+                              <a:rPr lang="nl-NL" i="1">
+                                <a:latin typeface="Cambria Math" panose="02040503050406030204" pitchFamily="18" charset="0"/>
+                                <a:ea typeface="Cambria Math" panose="02040503050406030204" pitchFamily="18" charset="0"/>
+                              </a:rPr>
+                            </m:ctrlPr>
+                          </m:dPr>
+                          <m:e>
+                            <m:r>
+                              <a:rPr lang="nl-NL" i="1">
+                                <a:latin typeface="Cambria Math" panose="02040503050406030204" pitchFamily="18" charset="0"/>
+                                <a:ea typeface="Cambria Math" panose="02040503050406030204" pitchFamily="18" charset="0"/>
+                              </a:rPr>
+                              <m:t>𝑡</m:t>
+                            </m:r>
+                          </m:e>
+                        </m:d>
+                        <m:r>
+                          <a:rPr lang="nl-NL" i="1">
+                            <a:latin typeface="Cambria Math" panose="02040503050406030204" pitchFamily="18" charset="0"/>
+                            <a:ea typeface="Cambria Math" panose="02040503050406030204" pitchFamily="18" charset="0"/>
+                          </a:rPr>
+                          <m:t>,   </m:t>
+                        </m:r>
+                        <m:r>
+                          <a:rPr lang="nl-NL" i="1">
+                            <a:latin typeface="Cambria Math" panose="02040503050406030204" pitchFamily="18" charset="0"/>
+                            <a:ea typeface="Cambria Math" panose="02040503050406030204" pitchFamily="18" charset="0"/>
+                          </a:rPr>
+                          <m:t>𝑣</m:t>
+                        </m:r>
+                        <m:d>
+                          <m:dPr>
+                            <m:ctrlPr>
+                              <a:rPr lang="nl-NL" i="1">
+                                <a:latin typeface="Cambria Math" panose="02040503050406030204" pitchFamily="18" charset="0"/>
+                                <a:ea typeface="Cambria Math" panose="02040503050406030204" pitchFamily="18" charset="0"/>
+                              </a:rPr>
+                            </m:ctrlPr>
+                          </m:dPr>
+                          <m:e>
+                            <m:r>
+                              <a:rPr lang="nl-NL" i="1">
+                                <a:latin typeface="Cambria Math" panose="02040503050406030204" pitchFamily="18" charset="0"/>
+                                <a:ea typeface="Cambria Math" panose="02040503050406030204" pitchFamily="18" charset="0"/>
+                              </a:rPr>
+                              <m:t>𝑡</m:t>
+                            </m:r>
+                          </m:e>
+                        </m:d>
+                        <m:r>
+                          <a:rPr lang="nl-NL" i="1">
+                            <a:latin typeface="Cambria Math" panose="02040503050406030204" pitchFamily="18" charset="0"/>
+                            <a:ea typeface="Cambria Math" panose="02040503050406030204" pitchFamily="18" charset="0"/>
+                          </a:rPr>
+                          <m:t>)</m:t>
+                        </m:r>
+                      </m:num>
+                      <m:den>
+                        <m:r>
+                          <a:rPr lang="nl-NL" i="1">
+                            <a:latin typeface="Cambria Math" panose="02040503050406030204" pitchFamily="18" charset="0"/>
+                            <a:ea typeface="Cambria Math" panose="02040503050406030204" pitchFamily="18" charset="0"/>
+                          </a:rPr>
+                          <m:t>𝑚</m:t>
+                        </m:r>
+                      </m:den>
+                    </m:f>
                   </m:oMath>
                 </a14:m>
+                <a:r>
+                  <a:rPr lang="nl-NL" dirty="0"/>
+                  <a:t> </a:t>
+                </a:r>
                 <a:endParaRPr lang="en-US" dirty="0"/>
               </a:p>
               <a:p>
@@ -7455,7 +7612,7 @@
                           <a:rPr lang="nl-NL" b="0" i="1" smtClean="0">
                             <a:latin typeface="Cambria Math" panose="02040503050406030204" pitchFamily="18" charset="0"/>
                           </a:rPr>
-                          <m:t>𝑥</m:t>
+                          <m:t>𝑝</m:t>
                         </m:r>
                         <m:d>
                           <m:dPr>
@@ -7499,7 +7656,7 @@
                             <a:latin typeface="Cambria Math" panose="02040503050406030204" pitchFamily="18" charset="0"/>
                             <a:ea typeface="Cambria Math" panose="02040503050406030204" pitchFamily="18" charset="0"/>
                           </a:rPr>
-                          <m:t>𝑥</m:t>
+                          <m:t>𝑝</m:t>
                         </m:r>
                         <m:r>
                           <a:rPr lang="nl-NL" b="0" i="1" smtClean="0">
@@ -7617,13 +7774,10 @@
                 </a14:m>
                 <a:endParaRPr lang="en-US" dirty="0"/>
               </a:p>
-              <a:p>
-                <a:endParaRPr lang="nl-NL" dirty="0"/>
-              </a:p>
             </p:txBody>
           </p:sp>
         </mc:Choice>
-        <mc:Fallback xmlns="">
+        <mc:Fallback>
           <p:sp>
             <p:nvSpPr>
               <p:cNvPr id="3" name="Content Placeholder 2">
@@ -7644,7 +7798,7 @@
               <a:blipFill>
                 <a:blip r:embed="rId3"/>
                 <a:stretch>
-                  <a:fillRect/>
+                  <a:fillRect l="-424" t="-810"/>
                 </a:stretch>
               </a:blipFill>
             </p:spPr>
@@ -7653,7 +7807,7 @@
               <a:lstStyle/>
               <a:p>
                 <a:r>
-                  <a:rPr lang="nl-NL">
+                  <a:rPr lang="en-GB">
                     <a:noFill/>
                   </a:rPr>
                   <a:t> </a:t>
@@ -7737,8 +7891,8 @@
           </a:p>
         </p:txBody>
       </p:sp>
-      <mc:AlternateContent xmlns:mc="http://schemas.openxmlformats.org/markup-compatibility/2006" xmlns:a14="http://schemas.microsoft.com/office/drawing/2010/main">
-        <mc:Choice Requires="a14">
+      <mc:AlternateContent xmlns:mc="http://schemas.openxmlformats.org/markup-compatibility/2006">
+        <mc:Choice xmlns:a14="http://schemas.microsoft.com/office/drawing/2010/main" Requires="a14">
           <p:sp>
             <p:nvSpPr>
               <p:cNvPr id="3" name="Content Placeholder 2">
@@ -7770,10 +7924,10 @@
                 <a14:m>
                   <m:oMath xmlns:m="http://schemas.openxmlformats.org/officeDocument/2006/math">
                     <m:r>
-                      <a:rPr lang="en-GB" b="0" i="1" smtClean="0">
+                      <a:rPr lang="nl-NL" b="0" i="1" smtClean="0">
                         <a:latin typeface="Cambria Math" panose="02040503050406030204" pitchFamily="18" charset="0"/>
                       </a:rPr>
-                      <m:t>𝑥</m:t>
+                      <m:t>𝑝</m:t>
                     </m:r>
                     <m:d>
                       <m:dPr>
@@ -7813,11 +7967,11 @@
                       <m:t>=</m:t>
                     </m:r>
                     <m:r>
-                      <a:rPr lang="en-GB" b="0" i="1" smtClean="0">
+                      <a:rPr lang="nl-NL" b="0" i="1" smtClean="0">
                         <a:latin typeface="Cambria Math" panose="02040503050406030204" pitchFamily="18" charset="0"/>
                         <a:ea typeface="Cambria Math" panose="02040503050406030204" pitchFamily="18" charset="0"/>
                       </a:rPr>
-                      <m:t>𝑥</m:t>
+                      <m:t>𝑝</m:t>
                     </m:r>
                     <m:d>
                       <m:dPr>
@@ -8211,26 +8365,135 @@
                       </a:rPr>
                       <m:t>= </m:t>
                     </m:r>
-                    <m:acc>
-                      <m:accPr>
-                        <m:chr m:val="̈"/>
+                    <m:f>
+                      <m:fPr>
                         <m:ctrlPr>
                           <a:rPr lang="nl-NL" b="0" i="1" smtClean="0">
                             <a:latin typeface="Cambria Math" panose="02040503050406030204" pitchFamily="18" charset="0"/>
                             <a:ea typeface="Cambria Math" panose="02040503050406030204" pitchFamily="18" charset="0"/>
                           </a:rPr>
                         </m:ctrlPr>
-                      </m:accPr>
-                      <m:e>
+                      </m:fPr>
+                      <m:num>
                         <m:r>
                           <a:rPr lang="nl-NL" b="0" i="1" smtClean="0">
                             <a:latin typeface="Cambria Math" panose="02040503050406030204" pitchFamily="18" charset="0"/>
                             <a:ea typeface="Cambria Math" panose="02040503050406030204" pitchFamily="18" charset="0"/>
                           </a:rPr>
-                          <m:t>𝑥</m:t>
+                          <m:t>𝐹</m:t>
                         </m:r>
-                      </m:e>
-                    </m:acc>
+                        <m:r>
+                          <a:rPr lang="nl-NL" b="0" i="1" smtClean="0">
+                            <a:latin typeface="Cambria Math" panose="02040503050406030204" pitchFamily="18" charset="0"/>
+                            <a:ea typeface="Cambria Math" panose="02040503050406030204" pitchFamily="18" charset="0"/>
+                          </a:rPr>
+                          <m:t>(</m:t>
+                        </m:r>
+                        <m:r>
+                          <a:rPr lang="nl-NL" b="0" i="1" smtClean="0">
+                            <a:latin typeface="Cambria Math" panose="02040503050406030204" pitchFamily="18" charset="0"/>
+                            <a:ea typeface="Cambria Math" panose="02040503050406030204" pitchFamily="18" charset="0"/>
+                          </a:rPr>
+                          <m:t>𝑝</m:t>
+                        </m:r>
+                        <m:d>
+                          <m:dPr>
+                            <m:ctrlPr>
+                              <a:rPr lang="nl-NL" b="0" i="1" smtClean="0">
+                                <a:latin typeface="Cambria Math" panose="02040503050406030204" pitchFamily="18" charset="0"/>
+                                <a:ea typeface="Cambria Math" panose="02040503050406030204" pitchFamily="18" charset="0"/>
+                              </a:rPr>
+                            </m:ctrlPr>
+                          </m:dPr>
+                          <m:e>
+                            <m:r>
+                              <a:rPr lang="nl-NL" b="0" i="1" smtClean="0">
+                                <a:latin typeface="Cambria Math" panose="02040503050406030204" pitchFamily="18" charset="0"/>
+                                <a:ea typeface="Cambria Math" panose="02040503050406030204" pitchFamily="18" charset="0"/>
+                              </a:rPr>
+                              <m:t>𝑡</m:t>
+                            </m:r>
+                            <m:r>
+                              <a:rPr lang="nl-NL" b="0" i="1" smtClean="0">
+                                <a:latin typeface="Cambria Math" panose="02040503050406030204" pitchFamily="18" charset="0"/>
+                                <a:ea typeface="Cambria Math" panose="02040503050406030204" pitchFamily="18" charset="0"/>
+                              </a:rPr>
+                              <m:t>+∆</m:t>
+                            </m:r>
+                            <m:r>
+                              <a:rPr lang="nl-NL" b="0" i="1" smtClean="0">
+                                <a:latin typeface="Cambria Math" panose="02040503050406030204" pitchFamily="18" charset="0"/>
+                                <a:ea typeface="Cambria Math" panose="02040503050406030204" pitchFamily="18" charset="0"/>
+                              </a:rPr>
+                              <m:t>𝑡</m:t>
+                            </m:r>
+                          </m:e>
+                        </m:d>
+                        <m:r>
+                          <a:rPr lang="nl-NL" b="0" i="1" smtClean="0">
+                            <a:latin typeface="Cambria Math" panose="02040503050406030204" pitchFamily="18" charset="0"/>
+                            <a:ea typeface="Cambria Math" panose="02040503050406030204" pitchFamily="18" charset="0"/>
+                          </a:rPr>
+                          <m:t>,   </m:t>
+                        </m:r>
+                        <m:r>
+                          <a:rPr lang="nl-NL" b="0" i="1" smtClean="0">
+                            <a:latin typeface="Cambria Math" panose="02040503050406030204" pitchFamily="18" charset="0"/>
+                            <a:ea typeface="Cambria Math" panose="02040503050406030204" pitchFamily="18" charset="0"/>
+                          </a:rPr>
+                          <m:t>𝑣</m:t>
+                        </m:r>
+                        <m:d>
+                          <m:dPr>
+                            <m:ctrlPr>
+                              <a:rPr lang="nl-NL" b="0" i="1" smtClean="0">
+                                <a:latin typeface="Cambria Math" panose="02040503050406030204" pitchFamily="18" charset="0"/>
+                                <a:ea typeface="Cambria Math" panose="02040503050406030204" pitchFamily="18" charset="0"/>
+                              </a:rPr>
+                            </m:ctrlPr>
+                          </m:dPr>
+                          <m:e>
+                            <m:r>
+                              <a:rPr lang="nl-NL" b="0" i="1" smtClean="0">
+                                <a:latin typeface="Cambria Math" panose="02040503050406030204" pitchFamily="18" charset="0"/>
+                                <a:ea typeface="Cambria Math" panose="02040503050406030204" pitchFamily="18" charset="0"/>
+                              </a:rPr>
+                              <m:t>𝑡</m:t>
+                            </m:r>
+                            <m:r>
+                              <a:rPr lang="nl-NL" b="0" i="1" smtClean="0">
+                                <a:latin typeface="Cambria Math" panose="02040503050406030204" pitchFamily="18" charset="0"/>
+                                <a:ea typeface="Cambria Math" panose="02040503050406030204" pitchFamily="18" charset="0"/>
+                              </a:rPr>
+                              <m:t>+∆</m:t>
+                            </m:r>
+                            <m:r>
+                              <a:rPr lang="nl-NL" b="0" i="1" smtClean="0">
+                                <a:latin typeface="Cambria Math" panose="02040503050406030204" pitchFamily="18" charset="0"/>
+                                <a:ea typeface="Cambria Math" panose="02040503050406030204" pitchFamily="18" charset="0"/>
+                              </a:rPr>
+                              <m:t>𝑡</m:t>
+                            </m:r>
+                          </m:e>
+                        </m:d>
+                        <m:r>
+                          <a:rPr lang="nl-NL" b="0" i="1" smtClean="0">
+                            <a:latin typeface="Cambria Math" panose="02040503050406030204" pitchFamily="18" charset="0"/>
+                            <a:ea typeface="Cambria Math" panose="02040503050406030204" pitchFamily="18" charset="0"/>
+                          </a:rPr>
+                          <m:t>)</m:t>
+                        </m:r>
+                      </m:num>
+                      <m:den>
+                        <m:r>
+                          <a:rPr lang="nl-NL" b="0" i="1" smtClean="0">
+                            <a:latin typeface="Cambria Math" panose="02040503050406030204" pitchFamily="18" charset="0"/>
+                            <a:ea typeface="Cambria Math" panose="02040503050406030204" pitchFamily="18" charset="0"/>
+                          </a:rPr>
+                          <m:t>𝑚</m:t>
+                        </m:r>
+                      </m:den>
+                    </m:f>
                   </m:oMath>
                 </a14:m>
                 <a:endParaRPr lang="en-GB" dirty="0"/>
@@ -8450,7 +8713,7 @@
             </p:txBody>
           </p:sp>
         </mc:Choice>
-        <mc:Fallback xmlns="">
+        <mc:Fallback>
           <p:sp>
             <p:nvSpPr>
               <p:cNvPr id="3" name="Content Placeholder 2">
@@ -8471,7 +8734,7 @@
               <a:blipFill>
                 <a:blip r:embed="rId3"/>
                 <a:stretch>
-                  <a:fillRect l="-1455"/>
+                  <a:fillRect/>
                 </a:stretch>
               </a:blipFill>
             </p:spPr>
@@ -8480,7 +8743,7 @@
               <a:lstStyle/>
               <a:p>
                 <a:r>
-                  <a:rPr lang="nl-NL">
+                  <a:rPr lang="en-GB">
                     <a:noFill/>
                   </a:rPr>
                   <a:t> </a:t>
@@ -8568,8 +8831,8 @@
           </a:p>
         </p:txBody>
       </p:sp>
-      <mc:AlternateContent xmlns:mc="http://schemas.openxmlformats.org/markup-compatibility/2006" xmlns:a14="http://schemas.microsoft.com/office/drawing/2010/main">
-        <mc:Choice Requires="a14">
+      <mc:AlternateContent xmlns:mc="http://schemas.openxmlformats.org/markup-compatibility/2006">
+        <mc:Choice xmlns:a14="http://schemas.microsoft.com/office/drawing/2010/main" Requires="a14">
           <p:sp>
             <p:nvSpPr>
               <p:cNvPr id="3" name="Content Placeholder 2">
@@ -8588,7 +8851,9 @@
             </p:nvSpPr>
             <p:spPr/>
             <p:txBody>
-              <a:bodyPr/>
+              <a:bodyPr>
+                <a:normAutofit/>
+              </a:bodyPr>
               <a:lstStyle/>
               <a:p>
                 <a:pPr marL="0" indent="0">
@@ -8596,7 +8861,7 @@
                 </a:pPr>
                 <a:r>
                   <a:rPr lang="nl-NL" dirty="0"/>
-                  <a:t>	</a:t>
+                  <a:t>		</a:t>
                 </a:r>
                 <a14:m>
                   <m:oMath xmlns:m="http://schemas.openxmlformats.org/officeDocument/2006/math">
@@ -8631,31 +8896,12 @@
                       </a:rPr>
                       <m:t>=</m:t>
                     </m:r>
-                    <m:sSub>
-                      <m:sSubPr>
-                        <m:ctrlPr>
-                          <a:rPr lang="nl-NL" b="0" i="1" smtClean="0">
-                            <a:latin typeface="Cambria Math" panose="02040503050406030204" pitchFamily="18" charset="0"/>
-                          </a:rPr>
-                        </m:ctrlPr>
-                      </m:sSubPr>
-                      <m:e>
-                        <m:r>
-                          <a:rPr lang="nl-NL" b="0" i="1" smtClean="0">
-                            <a:latin typeface="Cambria Math" panose="02040503050406030204" pitchFamily="18" charset="0"/>
-                          </a:rPr>
-                          <m:t>𝑣</m:t>
-                        </m:r>
-                      </m:e>
-                      <m:sub>
-                        <m:r>
-                          <a:rPr lang="nl-NL" b="0" i="1" smtClean="0">
-                            <a:latin typeface="Cambria Math" panose="02040503050406030204" pitchFamily="18" charset="0"/>
-                          </a:rPr>
-                          <m:t>𝑥</m:t>
-                        </m:r>
-                      </m:sub>
-                    </m:sSub>
+                    <m:r>
+                      <a:rPr lang="nl-NL" b="0" i="1" smtClean="0">
+                        <a:latin typeface="Cambria Math" panose="02040503050406030204" pitchFamily="18" charset="0"/>
+                      </a:rPr>
+                      <m:t>𝑣</m:t>
+                    </m:r>
                     <m:r>
                       <a:rPr lang="nl-NL" b="0" i="1" smtClean="0">
                         <a:latin typeface="Cambria Math" panose="02040503050406030204" pitchFamily="18" charset="0"/>
@@ -8678,7 +8924,7 @@
                 </a14:m>
                 <a:r>
                   <a:rPr lang="nl-NL" dirty="0"/>
-                  <a:t>		</a:t>
+                  <a:t>			</a:t>
                 </a:r>
                 <a14:m>
                   <m:oMath xmlns:m="http://schemas.openxmlformats.org/officeDocument/2006/math">
@@ -8713,31 +8959,12 @@
                       </a:rPr>
                       <m:t>=</m:t>
                     </m:r>
-                    <m:sSub>
-                      <m:sSubPr>
-                        <m:ctrlPr>
-                          <a:rPr lang="nl-NL" i="1">
-                            <a:latin typeface="Cambria Math" panose="02040503050406030204" pitchFamily="18" charset="0"/>
-                          </a:rPr>
-                        </m:ctrlPr>
-                      </m:sSubPr>
-                      <m:e>
-                        <m:r>
-                          <a:rPr lang="nl-NL" i="1">
-                            <a:latin typeface="Cambria Math" panose="02040503050406030204" pitchFamily="18" charset="0"/>
-                          </a:rPr>
-                          <m:t>𝑣</m:t>
-                        </m:r>
-                      </m:e>
-                      <m:sub>
-                        <m:r>
-                          <a:rPr lang="nl-NL" i="1">
-                            <a:latin typeface="Cambria Math" panose="02040503050406030204" pitchFamily="18" charset="0"/>
-                          </a:rPr>
-                          <m:t>𝑥</m:t>
-                        </m:r>
-                      </m:sub>
-                    </m:sSub>
+                    <m:r>
+                      <a:rPr lang="nl-NL" b="0" i="1" smtClean="0">
+                        <a:latin typeface="Cambria Math" panose="02040503050406030204" pitchFamily="18" charset="0"/>
+                      </a:rPr>
+                      <m:t>𝑣</m:t>
+                    </m:r>
                     <m:r>
                       <a:rPr lang="nl-NL" b="0" i="1" smtClean="0">
                         <a:latin typeface="Cambria Math" panose="02040503050406030204" pitchFamily="18" charset="0"/>
@@ -8809,8 +9036,16 @@
                     <m:r>
                       <a:rPr lang="nl-NL" i="1">
                         <a:latin typeface="Cambria Math" panose="02040503050406030204" pitchFamily="18" charset="0"/>
+                        <a:ea typeface="Cambria Math" panose="02040503050406030204" pitchFamily="18" charset="0"/>
                       </a:rPr>
-                      <m:t>h</m:t>
+                      <m:t>∆</m:t>
+                    </m:r>
+                    <m:r>
+                      <a:rPr lang="nl-NL" b="0" i="1" smtClean="0">
+                        <a:latin typeface="Cambria Math" panose="02040503050406030204" pitchFamily="18" charset="0"/>
+                        <a:ea typeface="Cambria Math" panose="02040503050406030204" pitchFamily="18" charset="0"/>
+                      </a:rPr>
+                      <m:t>𝑡</m:t>
                     </m:r>
                   </m:oMath>
                 </a14:m>
@@ -8822,7 +9057,7 @@
                 </a:pPr>
                 <a:r>
                   <a:rPr lang="nl-NL" dirty="0"/>
-                  <a:t>	</a:t>
+                  <a:t>		</a:t>
                 </a:r>
                 <a14:m>
                   <m:oMath xmlns:m="http://schemas.openxmlformats.org/officeDocument/2006/math">
@@ -8857,92 +9092,82 @@
                       </a:rPr>
                       <m:t>=</m:t>
                     </m:r>
-                    <m:sSub>
-                      <m:sSubPr>
+                    <m:r>
+                      <a:rPr lang="nl-NL" i="1">
+                        <a:latin typeface="Cambria Math" panose="02040503050406030204" pitchFamily="18" charset="0"/>
+                      </a:rPr>
+                      <m:t>𝑎</m:t>
+                    </m:r>
+                    <m:r>
+                      <a:rPr lang="nl-NL" i="1">
+                        <a:latin typeface="Cambria Math" panose="02040503050406030204" pitchFamily="18" charset="0"/>
+                      </a:rPr>
+                      <m:t>(</m:t>
+                    </m:r>
+                    <m:r>
+                      <a:rPr lang="nl-NL" i="1">
+                        <a:latin typeface="Cambria Math" panose="02040503050406030204" pitchFamily="18" charset="0"/>
+                      </a:rPr>
+                      <m:t>𝑝</m:t>
+                    </m:r>
+                    <m:d>
+                      <m:dPr>
                         <m:ctrlPr>
-                          <a:rPr lang="nl-NL" b="0" i="1" smtClean="0">
+                          <a:rPr lang="nl-NL" i="1">
                             <a:latin typeface="Cambria Math" panose="02040503050406030204" pitchFamily="18" charset="0"/>
                           </a:rPr>
                         </m:ctrlPr>
-                      </m:sSubPr>
+                      </m:dPr>
                       <m:e>
                         <m:r>
-                          <a:rPr lang="nl-NL" b="0" i="1" smtClean="0">
-                            <a:latin typeface="Cambria Math" panose="02040503050406030204" pitchFamily="18" charset="0"/>
-                          </a:rPr>
-                          <m:t>𝑎</m:t>
+                          <a:rPr lang="nl-NL" i="1">
+                            <a:latin typeface="Cambria Math" panose="02040503050406030204" pitchFamily="18" charset="0"/>
+                          </a:rPr>
+                          <m:t>𝑡</m:t>
                         </m:r>
                       </m:e>
-                      <m:sub>
+                    </m:d>
+                    <m:r>
+                      <a:rPr lang="nl-NL" i="1">
+                        <a:latin typeface="Cambria Math" panose="02040503050406030204" pitchFamily="18" charset="0"/>
+                      </a:rPr>
+                      <m:t>,</m:t>
+                    </m:r>
+                    <m:r>
+                      <a:rPr lang="nl-NL" b="0" i="1" smtClean="0">
+                        <a:latin typeface="Cambria Math" panose="02040503050406030204" pitchFamily="18" charset="0"/>
+                      </a:rPr>
+                      <m:t>  </m:t>
+                    </m:r>
+                    <m:r>
+                      <a:rPr lang="nl-NL" i="1">
+                        <a:latin typeface="Cambria Math" panose="02040503050406030204" pitchFamily="18" charset="0"/>
+                      </a:rPr>
+                      <m:t>𝑣</m:t>
+                    </m:r>
+                    <m:d>
+                      <m:dPr>
+                        <m:ctrlPr>
+                          <a:rPr lang="nl-NL" i="1">
+                            <a:latin typeface="Cambria Math" panose="02040503050406030204" pitchFamily="18" charset="0"/>
+                          </a:rPr>
+                        </m:ctrlPr>
+                      </m:dPr>
+                      <m:e>
                         <m:r>
-                          <a:rPr lang="nl-NL" b="0" i="1" smtClean="0">
-                            <a:latin typeface="Cambria Math" panose="02040503050406030204" pitchFamily="18" charset="0"/>
-                          </a:rPr>
-                          <m:t>𝑥</m:t>
-                        </m:r>
-                        <m:r>
-                          <a:rPr lang="nl-NL" b="0" i="1" smtClean="0">
-                            <a:latin typeface="Cambria Math" panose="02040503050406030204" pitchFamily="18" charset="0"/>
-                          </a:rPr>
-                          <m:t>(</m:t>
-                        </m:r>
-                        <m:r>
-                          <a:rPr lang="nl-NL" b="0" i="1" smtClean="0">
+                          <a:rPr lang="nl-NL" i="1">
                             <a:latin typeface="Cambria Math" panose="02040503050406030204" pitchFamily="18" charset="0"/>
                           </a:rPr>
                           <m:t>𝑡</m:t>
                         </m:r>
-                        <m:r>
-                          <a:rPr lang="nl-NL" b="0" i="1" smtClean="0">
-                            <a:latin typeface="Cambria Math" panose="02040503050406030204" pitchFamily="18" charset="0"/>
-                          </a:rPr>
-                          <m:t>),</m:t>
-                        </m:r>
-                        <m:sSub>
-                          <m:sSubPr>
-                            <m:ctrlPr>
-                              <a:rPr lang="nl-NL" b="0" i="1" smtClean="0">
-                                <a:latin typeface="Cambria Math" panose="02040503050406030204" pitchFamily="18" charset="0"/>
-                              </a:rPr>
-                            </m:ctrlPr>
-                          </m:sSubPr>
-                          <m:e>
-                            <m:r>
-                              <a:rPr lang="nl-NL" b="0" i="1" smtClean="0">
-                                <a:latin typeface="Cambria Math" panose="02040503050406030204" pitchFamily="18" charset="0"/>
-                              </a:rPr>
-                              <m:t>𝑣</m:t>
-                            </m:r>
-                          </m:e>
-                          <m:sub>
-                            <m:r>
-                              <a:rPr lang="nl-NL" b="0" i="1" smtClean="0">
-                                <a:latin typeface="Cambria Math" panose="02040503050406030204" pitchFamily="18" charset="0"/>
-                              </a:rPr>
-                              <m:t>𝑥</m:t>
-                            </m:r>
-                          </m:sub>
-                        </m:sSub>
-                        <m:r>
-                          <a:rPr lang="nl-NL" b="0" i="1" smtClean="0">
-                            <a:latin typeface="Cambria Math" panose="02040503050406030204" pitchFamily="18" charset="0"/>
-                          </a:rPr>
-                          <m:t>(</m:t>
-                        </m:r>
-                        <m:r>
-                          <a:rPr lang="nl-NL" b="0" i="1" smtClean="0">
-                            <a:latin typeface="Cambria Math" panose="02040503050406030204" pitchFamily="18" charset="0"/>
-                          </a:rPr>
-                          <m:t>𝑡</m:t>
-                        </m:r>
-                        <m:r>
-                          <a:rPr lang="nl-NL" b="0" i="1" smtClean="0">
-                            <a:latin typeface="Cambria Math" panose="02040503050406030204" pitchFamily="18" charset="0"/>
-                          </a:rPr>
-                          <m:t>)</m:t>
-                        </m:r>
-                      </m:sub>
-                    </m:sSub>
+                      </m:e>
+                    </m:d>
+                    <m:r>
+                      <a:rPr lang="nl-NL" i="1">
+                        <a:latin typeface="Cambria Math" panose="02040503050406030204" pitchFamily="18" charset="0"/>
+                      </a:rPr>
+                      <m:t>)</m:t>
+                    </m:r>
                   </m:oMath>
                 </a14:m>
                 <a:r>
@@ -8982,46 +9207,49 @@
                       </a:rPr>
                       <m:t>=</m:t>
                     </m:r>
-                    <m:sSub>
-                      <m:sSubPr>
+                    <m:r>
+                      <a:rPr lang="nl-NL" i="1">
+                        <a:latin typeface="Cambria Math" panose="02040503050406030204" pitchFamily="18" charset="0"/>
+                      </a:rPr>
+                      <m:t>𝑎</m:t>
+                    </m:r>
+                    <m:d>
+                      <m:dPr>
                         <m:ctrlPr>
                           <a:rPr lang="nl-NL" i="1">
                             <a:latin typeface="Cambria Math" panose="02040503050406030204" pitchFamily="18" charset="0"/>
                           </a:rPr>
                         </m:ctrlPr>
-                      </m:sSubPr>
+                      </m:dPr>
                       <m:e>
                         <m:r>
                           <a:rPr lang="nl-NL" i="1">
                             <a:latin typeface="Cambria Math" panose="02040503050406030204" pitchFamily="18" charset="0"/>
                           </a:rPr>
-                          <m:t>𝑎</m:t>
+                          <m:t>𝑝</m:t>
                         </m:r>
-                      </m:e>
-                      <m:sub>
+                        <m:d>
+                          <m:dPr>
+                            <m:ctrlPr>
+                              <a:rPr lang="nl-NL" i="1">
+                                <a:latin typeface="Cambria Math" panose="02040503050406030204" pitchFamily="18" charset="0"/>
+                              </a:rPr>
+                            </m:ctrlPr>
+                          </m:dPr>
+                          <m:e>
+                            <m:r>
+                              <a:rPr lang="nl-NL" i="1">
+                                <a:latin typeface="Cambria Math" panose="02040503050406030204" pitchFamily="18" charset="0"/>
+                              </a:rPr>
+                              <m:t>𝑡</m:t>
+                            </m:r>
+                          </m:e>
+                        </m:d>
                         <m:r>
                           <a:rPr lang="nl-NL" i="1">
                             <a:latin typeface="Cambria Math" panose="02040503050406030204" pitchFamily="18" charset="0"/>
                           </a:rPr>
-                          <m:t>𝑥</m:t>
-                        </m:r>
-                        <m:r>
-                          <a:rPr lang="nl-NL" i="1">
-                            <a:latin typeface="Cambria Math" panose="02040503050406030204" pitchFamily="18" charset="0"/>
-                          </a:rPr>
-                          <m:t>(</m:t>
-                        </m:r>
-                        <m:r>
-                          <a:rPr lang="nl-NL" i="1">
-                            <a:latin typeface="Cambria Math" panose="02040503050406030204" pitchFamily="18" charset="0"/>
-                          </a:rPr>
-                          <m:t>𝑡</m:t>
-                        </m:r>
-                        <m:r>
-                          <a:rPr lang="nl-NL" i="1">
-                            <a:latin typeface="Cambria Math" panose="02040503050406030204" pitchFamily="18" charset="0"/>
-                          </a:rPr>
-                          <m:t>)+</m:t>
+                          <m:t>+</m:t>
                         </m:r>
                         <m:sSub>
                           <m:sSubPr>
@@ -9076,26 +9304,40 @@
                         <m:r>
                           <a:rPr lang="nl-NL" i="1">
                             <a:latin typeface="Cambria Math" panose="02040503050406030204" pitchFamily="18" charset="0"/>
-                          </a:rPr>
-                          <m:t>h</m:t>
+                            <a:ea typeface="Cambria Math" panose="02040503050406030204" pitchFamily="18" charset="0"/>
+                          </a:rPr>
+                          <m:t>∆</m:t>
                         </m:r>
                         <m:r>
                           <a:rPr lang="nl-NL" i="1">
                             <a:latin typeface="Cambria Math" panose="02040503050406030204" pitchFamily="18" charset="0"/>
+                            <a:ea typeface="Cambria Math" panose="02040503050406030204" pitchFamily="18" charset="0"/>
+                          </a:rPr>
+                          <m:t>𝑡</m:t>
+                        </m:r>
+                        <m:r>
+                          <a:rPr lang="nl-NL" i="1">
+                            <a:latin typeface="Cambria Math" panose="02040503050406030204" pitchFamily="18" charset="0"/>
                           </a:rPr>
                           <m:t>,</m:t>
+                        </m:r>
+                        <m:r>
+                          <a:rPr lang="nl-NL" i="1">
+                            <a:latin typeface="Cambria Math" panose="02040503050406030204" pitchFamily="18" charset="0"/>
+                          </a:rPr>
+                          <m:t>  </m:t>
                         </m:r>
                         <m:sSub>
                           <m:sSubPr>
                             <m:ctrlPr>
-                              <a:rPr lang="nl-NL" i="1" smtClean="0">
+                              <a:rPr lang="nl-NL" i="1">
                                 <a:latin typeface="Cambria Math" panose="02040503050406030204" pitchFamily="18" charset="0"/>
                               </a:rPr>
                             </m:ctrlPr>
                           </m:sSubPr>
                           <m:e>
                             <m:r>
-                              <a:rPr lang="nl-NL" b="0" i="1" smtClean="0">
+                              <a:rPr lang="nl-NL" i="1">
                                 <a:latin typeface="Cambria Math" panose="02040503050406030204" pitchFamily="18" charset="0"/>
                               </a:rPr>
                               <m:t>𝑘</m:t>
@@ -9110,14 +9352,15 @@
                             </m:r>
                           </m:sub>
                         </m:sSub>
-                        <m:r>
-                          <a:rPr lang="nl-NL" i="1" smtClean="0">
-                            <a:latin typeface="Cambria Math" panose="02040503050406030204" pitchFamily="18" charset="0"/>
-                          </a:rPr>
-                          <m:t> </m:t>
-                        </m:r>
-                      </m:sub>
-                    </m:sSub>
+                      </m:e>
+                    </m:d>
+                    <m:r>
+                      <m:rPr>
+                        <m:nor/>
+                      </m:rPr>
+                      <a:rPr lang="nl-NL" dirty="0"/>
+                      <m:t>	</m:t>
+                    </m:r>
                   </m:oMath>
                 </a14:m>
                 <a:endParaRPr lang="nl-NL" dirty="0"/>
@@ -9128,7 +9371,7 @@
                 </a:pPr>
                 <a:r>
                   <a:rPr lang="nl-NL" dirty="0"/>
-                  <a:t>	</a:t>
+                  <a:t>		</a:t>
                 </a:r>
                 <a14:m>
                   <m:oMath xmlns:m="http://schemas.openxmlformats.org/officeDocument/2006/math">
@@ -9163,31 +9406,12 @@
                       </a:rPr>
                       <m:t>=</m:t>
                     </m:r>
-                    <m:sSub>
-                      <m:sSubPr>
-                        <m:ctrlPr>
-                          <a:rPr lang="nl-NL" i="1">
-                            <a:latin typeface="Cambria Math" panose="02040503050406030204" pitchFamily="18" charset="0"/>
-                          </a:rPr>
-                        </m:ctrlPr>
-                      </m:sSubPr>
-                      <m:e>
-                        <m:r>
-                          <a:rPr lang="nl-NL" i="1">
-                            <a:latin typeface="Cambria Math" panose="02040503050406030204" pitchFamily="18" charset="0"/>
-                          </a:rPr>
-                          <m:t>𝑣</m:t>
-                        </m:r>
-                      </m:e>
-                      <m:sub>
-                        <m:r>
-                          <a:rPr lang="nl-NL" i="1">
-                            <a:latin typeface="Cambria Math" panose="02040503050406030204" pitchFamily="18" charset="0"/>
-                          </a:rPr>
-                          <m:t>𝑥</m:t>
-                        </m:r>
-                      </m:sub>
-                    </m:sSub>
+                    <m:r>
+                      <a:rPr lang="nl-NL" b="0" i="1" smtClean="0">
+                        <a:latin typeface="Cambria Math" panose="02040503050406030204" pitchFamily="18" charset="0"/>
+                      </a:rPr>
+                      <m:t>𝑣</m:t>
+                    </m:r>
                     <m:r>
                       <a:rPr lang="nl-NL" b="0" i="1" smtClean="0">
                         <a:latin typeface="Cambria Math" panose="02040503050406030204" pitchFamily="18" charset="0"/>
@@ -9259,14 +9483,22 @@
                     <m:r>
                       <a:rPr lang="nl-NL" b="0" i="1" smtClean="0">
                         <a:latin typeface="Cambria Math" panose="02040503050406030204" pitchFamily="18" charset="0"/>
+                        <a:ea typeface="Cambria Math" panose="02040503050406030204" pitchFamily="18" charset="0"/>
                       </a:rPr>
-                      <m:t>h</m:t>
+                      <m:t>∆</m:t>
+                    </m:r>
+                    <m:r>
+                      <a:rPr lang="nl-NL" b="0" i="1" smtClean="0">
+                        <a:latin typeface="Cambria Math" panose="02040503050406030204" pitchFamily="18" charset="0"/>
+                        <a:ea typeface="Cambria Math" panose="02040503050406030204" pitchFamily="18" charset="0"/>
+                      </a:rPr>
+                      <m:t>𝑡</m:t>
                     </m:r>
                   </m:oMath>
                 </a14:m>
                 <a:r>
                   <a:rPr lang="nl-NL" dirty="0"/>
-                  <a:t>	</a:t>
+                  <a:t>		</a:t>
                 </a:r>
                 <a14:m>
                   <m:oMath xmlns:m="http://schemas.openxmlformats.org/officeDocument/2006/math">
@@ -9301,31 +9533,12 @@
                       </a:rPr>
                       <m:t>=</m:t>
                     </m:r>
-                    <m:sSub>
-                      <m:sSubPr>
-                        <m:ctrlPr>
-                          <a:rPr lang="nl-NL" i="1">
-                            <a:latin typeface="Cambria Math" panose="02040503050406030204" pitchFamily="18" charset="0"/>
-                          </a:rPr>
-                        </m:ctrlPr>
-                      </m:sSubPr>
-                      <m:e>
-                        <m:r>
-                          <a:rPr lang="nl-NL" i="1">
-                            <a:latin typeface="Cambria Math" panose="02040503050406030204" pitchFamily="18" charset="0"/>
-                          </a:rPr>
-                          <m:t>𝑣</m:t>
-                        </m:r>
-                      </m:e>
-                      <m:sub>
-                        <m:r>
-                          <a:rPr lang="nl-NL" i="1">
-                            <a:latin typeface="Cambria Math" panose="02040503050406030204" pitchFamily="18" charset="0"/>
-                          </a:rPr>
-                          <m:t>𝑥</m:t>
-                        </m:r>
-                      </m:sub>
-                    </m:sSub>
+                    <m:r>
+                      <a:rPr lang="nl-NL" b="0" i="1" smtClean="0">
+                        <a:latin typeface="Cambria Math" panose="02040503050406030204" pitchFamily="18" charset="0"/>
+                      </a:rPr>
+                      <m:t>𝑝</m:t>
+                    </m:r>
                     <m:r>
                       <a:rPr lang="nl-NL" i="1">
                         <a:latin typeface="Cambria Math" panose="02040503050406030204" pitchFamily="18" charset="0"/>
@@ -9370,10 +9583,18 @@
                       </m:sub>
                     </m:sSub>
                     <m:r>
-                      <a:rPr lang="nl-NL" i="1">
+                      <a:rPr lang="nl-NL" i="1" smtClean="0">
                         <a:latin typeface="Cambria Math" panose="02040503050406030204" pitchFamily="18" charset="0"/>
+                        <a:ea typeface="Cambria Math" panose="02040503050406030204" pitchFamily="18" charset="0"/>
                       </a:rPr>
-                      <m:t>h</m:t>
+                      <m:t>∆</m:t>
+                    </m:r>
+                    <m:r>
+                      <a:rPr lang="nl-NL" b="0" i="1" smtClean="0">
+                        <a:latin typeface="Cambria Math" panose="02040503050406030204" pitchFamily="18" charset="0"/>
+                        <a:ea typeface="Cambria Math" panose="02040503050406030204" pitchFamily="18" charset="0"/>
+                      </a:rPr>
+                      <m:t>𝑡</m:t>
                     </m:r>
                   </m:oMath>
                 </a14:m>
@@ -9385,7 +9606,7 @@
                 </a:pPr>
                 <a:r>
                   <a:rPr lang="nl-NL" dirty="0"/>
-                  <a:t>	</a:t>
+                  <a:t>		</a:t>
                 </a:r>
                 <a14:m>
                   <m:oMath xmlns:m="http://schemas.openxmlformats.org/officeDocument/2006/math">
@@ -9420,108 +9641,49 @@
                       </a:rPr>
                       <m:t>=</m:t>
                     </m:r>
-                    <m:sSub>
-                      <m:sSubPr>
+                    <m:r>
+                      <a:rPr lang="nl-NL" i="1">
+                        <a:latin typeface="Cambria Math" panose="02040503050406030204" pitchFamily="18" charset="0"/>
+                      </a:rPr>
+                      <m:t>𝑎</m:t>
+                    </m:r>
+                    <m:d>
+                      <m:dPr>
                         <m:ctrlPr>
                           <a:rPr lang="nl-NL" i="1">
                             <a:latin typeface="Cambria Math" panose="02040503050406030204" pitchFamily="18" charset="0"/>
                           </a:rPr>
                         </m:ctrlPr>
-                      </m:sSubPr>
+                      </m:dPr>
                       <m:e>
                         <m:r>
                           <a:rPr lang="nl-NL" i="1">
                             <a:latin typeface="Cambria Math" panose="02040503050406030204" pitchFamily="18" charset="0"/>
                           </a:rPr>
-                          <m:t>𝑎</m:t>
+                          <m:t>𝑝</m:t>
                         </m:r>
-                      </m:e>
-                      <m:sub>
-                        <m:r>
-                          <a:rPr lang="nl-NL" b="0" i="1" smtClean="0">
-                            <a:latin typeface="Cambria Math" panose="02040503050406030204" pitchFamily="18" charset="0"/>
-                          </a:rPr>
-                          <m:t>𝑥</m:t>
-                        </m:r>
-                        <m:r>
-                          <a:rPr lang="nl-NL" b="0" i="1" smtClean="0">
-                            <a:latin typeface="Cambria Math" panose="02040503050406030204" pitchFamily="18" charset="0"/>
-                          </a:rPr>
-                          <m:t>(</m:t>
-                        </m:r>
-                        <m:r>
-                          <a:rPr lang="nl-NL" b="0" i="1" smtClean="0">
-                            <a:latin typeface="Cambria Math" panose="02040503050406030204" pitchFamily="18" charset="0"/>
-                          </a:rPr>
-                          <m:t>𝑡</m:t>
-                        </m:r>
-                        <m:r>
-                          <a:rPr lang="nl-NL" b="0" i="1" smtClean="0">
-                            <a:latin typeface="Cambria Math" panose="02040503050406030204" pitchFamily="18" charset="0"/>
-                          </a:rPr>
-                          <m:t>)+</m:t>
-                        </m:r>
-                        <m:sSub>
-                          <m:sSubPr>
+                        <m:d>
+                          <m:dPr>
                             <m:ctrlPr>
-                              <a:rPr lang="nl-NL" b="0" i="1" smtClean="0">
+                              <a:rPr lang="nl-NL" i="1">
                                 <a:latin typeface="Cambria Math" panose="02040503050406030204" pitchFamily="18" charset="0"/>
                               </a:rPr>
                             </m:ctrlPr>
-                          </m:sSubPr>
+                          </m:dPr>
                           <m:e>
                             <m:r>
-                              <a:rPr lang="nl-NL" b="0" i="1" smtClean="0">
+                              <a:rPr lang="nl-NL" i="1">
                                 <a:latin typeface="Cambria Math" panose="02040503050406030204" pitchFamily="18" charset="0"/>
                               </a:rPr>
-                              <m:t>𝑘</m:t>
+                              <m:t>𝑡</m:t>
                             </m:r>
                           </m:e>
-                          <m:sub>
-                            <m:r>
-                              <a:rPr lang="nl-NL" b="0" i="1" smtClean="0">
-                                <a:latin typeface="Cambria Math" panose="02040503050406030204" pitchFamily="18" charset="0"/>
-                              </a:rPr>
-                              <m:t>1</m:t>
-                            </m:r>
-                          </m:sub>
-                        </m:sSub>
-                        <m:f>
-                          <m:fPr>
-                            <m:ctrlPr>
-                              <a:rPr lang="nl-NL" b="0" i="1" smtClean="0">
-                                <a:latin typeface="Cambria Math" panose="02040503050406030204" pitchFamily="18" charset="0"/>
-                              </a:rPr>
-                            </m:ctrlPr>
-                          </m:fPr>
-                          <m:num>
-                            <m:r>
-                              <a:rPr lang="nl-NL" b="0" i="1" smtClean="0">
-                                <a:latin typeface="Cambria Math" panose="02040503050406030204" pitchFamily="18" charset="0"/>
-                              </a:rPr>
-                              <m:t>1</m:t>
-                            </m:r>
-                          </m:num>
-                          <m:den>
-                            <m:r>
-                              <a:rPr lang="nl-NL" b="0" i="1" smtClean="0">
-                                <a:latin typeface="Cambria Math" panose="02040503050406030204" pitchFamily="18" charset="0"/>
-                              </a:rPr>
-                              <m:t>2</m:t>
-                            </m:r>
-                          </m:den>
-                        </m:f>
-                        <m:r>
-                          <a:rPr lang="nl-NL" b="0" i="1" smtClean="0">
-                            <a:latin typeface="Cambria Math" panose="02040503050406030204" pitchFamily="18" charset="0"/>
-                          </a:rPr>
-                          <m:t>h</m:t>
-                        </m:r>
+                        </m:d>
                         <m:r>
                           <a:rPr lang="nl-NL" i="1">
                             <a:latin typeface="Cambria Math" panose="02040503050406030204" pitchFamily="18" charset="0"/>
                           </a:rPr>
-                          <m:t>,</m:t>
+                          <m:t>+</m:t>
                         </m:r>
                         <m:sSub>
                           <m:sSubPr>
@@ -9533,7 +9695,7 @@
                           </m:sSubPr>
                           <m:e>
                             <m:r>
-                              <a:rPr lang="nl-NL" b="0" i="1" smtClean="0">
+                              <a:rPr lang="nl-NL" i="1">
                                 <a:latin typeface="Cambria Math" panose="02040503050406030204" pitchFamily="18" charset="0"/>
                               </a:rPr>
                               <m:t>𝑘</m:t>
@@ -9541,15 +9703,91 @@
                           </m:e>
                           <m:sub>
                             <m:r>
-                              <a:rPr lang="nl-NL" b="0" i="1" smtClean="0">
+                              <a:rPr lang="nl-NL" i="1">
+                                <a:latin typeface="Cambria Math" panose="02040503050406030204" pitchFamily="18" charset="0"/>
+                              </a:rPr>
+                              <m:t>1</m:t>
+                            </m:r>
+                          </m:sub>
+                        </m:sSub>
+                        <m:f>
+                          <m:fPr>
+                            <m:ctrlPr>
+                              <a:rPr lang="nl-NL" i="1">
+                                <a:latin typeface="Cambria Math" panose="02040503050406030204" pitchFamily="18" charset="0"/>
+                              </a:rPr>
+                            </m:ctrlPr>
+                          </m:fPr>
+                          <m:num>
+                            <m:r>
+                              <a:rPr lang="nl-NL" i="1">
+                                <a:latin typeface="Cambria Math" panose="02040503050406030204" pitchFamily="18" charset="0"/>
+                              </a:rPr>
+                              <m:t>1</m:t>
+                            </m:r>
+                          </m:num>
+                          <m:den>
+                            <m:r>
+                              <a:rPr lang="nl-NL" i="1">
+                                <a:latin typeface="Cambria Math" panose="02040503050406030204" pitchFamily="18" charset="0"/>
+                              </a:rPr>
+                              <m:t>2</m:t>
+                            </m:r>
+                          </m:den>
+                        </m:f>
+                        <m:r>
+                          <a:rPr lang="nl-NL" i="1">
+                            <a:latin typeface="Cambria Math" panose="02040503050406030204" pitchFamily="18" charset="0"/>
+                            <a:ea typeface="Cambria Math" panose="02040503050406030204" pitchFamily="18" charset="0"/>
+                          </a:rPr>
+                          <m:t>∆</m:t>
+                        </m:r>
+                        <m:r>
+                          <a:rPr lang="nl-NL" i="1">
+                            <a:latin typeface="Cambria Math" panose="02040503050406030204" pitchFamily="18" charset="0"/>
+                            <a:ea typeface="Cambria Math" panose="02040503050406030204" pitchFamily="18" charset="0"/>
+                          </a:rPr>
+                          <m:t>𝑡</m:t>
+                        </m:r>
+                        <m:r>
+                          <a:rPr lang="nl-NL" i="1">
+                            <a:latin typeface="Cambria Math" panose="02040503050406030204" pitchFamily="18" charset="0"/>
+                          </a:rPr>
+                          <m:t>,</m:t>
+                        </m:r>
+                        <m:r>
+                          <a:rPr lang="nl-NL" b="0" i="1" smtClean="0">
+                            <a:latin typeface="Cambria Math" panose="02040503050406030204" pitchFamily="18" charset="0"/>
+                          </a:rPr>
+                          <m:t>  </m:t>
+                        </m:r>
+                        <m:sSub>
+                          <m:sSubPr>
+                            <m:ctrlPr>
+                              <a:rPr lang="nl-NL" i="1">
+                                <a:latin typeface="Cambria Math" panose="02040503050406030204" pitchFamily="18" charset="0"/>
+                              </a:rPr>
+                            </m:ctrlPr>
+                          </m:sSubPr>
+                          <m:e>
+                            <m:r>
+                              <a:rPr lang="nl-NL" i="1">
+                                <a:latin typeface="Cambria Math" panose="02040503050406030204" pitchFamily="18" charset="0"/>
+                              </a:rPr>
+                              <m:t>𝑘</m:t>
+                            </m:r>
+                          </m:e>
+                          <m:sub>
+                            <m:r>
+                              <a:rPr lang="nl-NL" i="1">
                                 <a:latin typeface="Cambria Math" panose="02040503050406030204" pitchFamily="18" charset="0"/>
                               </a:rPr>
                               <m:t>2</m:t>
                             </m:r>
                           </m:sub>
                         </m:sSub>
-                      </m:sub>
-                    </m:sSub>
+                      </m:e>
+                    </m:d>
                   </m:oMath>
                 </a14:m>
                 <a:r>
@@ -9589,46 +9827,49 @@
                       </a:rPr>
                       <m:t>=</m:t>
                     </m:r>
-                    <m:sSub>
-                      <m:sSubPr>
+                    <m:r>
+                      <a:rPr lang="nl-NL" i="1">
+                        <a:latin typeface="Cambria Math" panose="02040503050406030204" pitchFamily="18" charset="0"/>
+                      </a:rPr>
+                      <m:t>𝑎</m:t>
+                    </m:r>
+                    <m:d>
+                      <m:dPr>
                         <m:ctrlPr>
                           <a:rPr lang="nl-NL" i="1">
                             <a:latin typeface="Cambria Math" panose="02040503050406030204" pitchFamily="18" charset="0"/>
                           </a:rPr>
                         </m:ctrlPr>
-                      </m:sSubPr>
+                      </m:dPr>
                       <m:e>
                         <m:r>
                           <a:rPr lang="nl-NL" i="1">
                             <a:latin typeface="Cambria Math" panose="02040503050406030204" pitchFamily="18" charset="0"/>
                           </a:rPr>
-                          <m:t>𝑎</m:t>
+                          <m:t>𝑝</m:t>
                         </m:r>
-                      </m:e>
-                      <m:sub>
+                        <m:d>
+                          <m:dPr>
+                            <m:ctrlPr>
+                              <a:rPr lang="nl-NL" i="1">
+                                <a:latin typeface="Cambria Math" panose="02040503050406030204" pitchFamily="18" charset="0"/>
+                              </a:rPr>
+                            </m:ctrlPr>
+                          </m:dPr>
+                          <m:e>
+                            <m:r>
+                              <a:rPr lang="nl-NL" i="1">
+                                <a:latin typeface="Cambria Math" panose="02040503050406030204" pitchFamily="18" charset="0"/>
+                              </a:rPr>
+                              <m:t>𝑡</m:t>
+                            </m:r>
+                          </m:e>
+                        </m:d>
                         <m:r>
                           <a:rPr lang="nl-NL" i="1">
                             <a:latin typeface="Cambria Math" panose="02040503050406030204" pitchFamily="18" charset="0"/>
                           </a:rPr>
-                          <m:t>𝑥</m:t>
-                        </m:r>
-                        <m:r>
-                          <a:rPr lang="nl-NL" i="1">
-                            <a:latin typeface="Cambria Math" panose="02040503050406030204" pitchFamily="18" charset="0"/>
-                          </a:rPr>
-                          <m:t>(</m:t>
-                        </m:r>
-                        <m:r>
-                          <a:rPr lang="nl-NL" i="1">
-                            <a:latin typeface="Cambria Math" panose="02040503050406030204" pitchFamily="18" charset="0"/>
-                          </a:rPr>
-                          <m:t>𝑡</m:t>
-                        </m:r>
-                        <m:r>
-                          <a:rPr lang="nl-NL" i="1">
-                            <a:latin typeface="Cambria Math" panose="02040503050406030204" pitchFamily="18" charset="0"/>
-                          </a:rPr>
-                          <m:t>)+</m:t>
+                          <m:t>+</m:t>
                         </m:r>
                         <m:sSub>
                           <m:sSubPr>
@@ -9658,14 +9899,28 @@
                         <m:r>
                           <a:rPr lang="nl-NL" i="1">
                             <a:latin typeface="Cambria Math" panose="02040503050406030204" pitchFamily="18" charset="0"/>
-                          </a:rPr>
-                          <m:t>h</m:t>
+                            <a:ea typeface="Cambria Math" panose="02040503050406030204" pitchFamily="18" charset="0"/>
+                          </a:rPr>
+                          <m:t>∆</m:t>
                         </m:r>
                         <m:r>
                           <a:rPr lang="nl-NL" i="1">
                             <a:latin typeface="Cambria Math" panose="02040503050406030204" pitchFamily="18" charset="0"/>
+                            <a:ea typeface="Cambria Math" panose="02040503050406030204" pitchFamily="18" charset="0"/>
+                          </a:rPr>
+                          <m:t>𝑡</m:t>
+                        </m:r>
+                        <m:r>
+                          <a:rPr lang="nl-NL" i="1">
+                            <a:latin typeface="Cambria Math" panose="02040503050406030204" pitchFamily="18" charset="0"/>
                           </a:rPr>
                           <m:t>,</m:t>
+                        </m:r>
+                        <m:r>
+                          <a:rPr lang="nl-NL" i="1">
+                            <a:latin typeface="Cambria Math" panose="02040503050406030204" pitchFamily="18" charset="0"/>
+                          </a:rPr>
+                          <m:t>  </m:t>
                         </m:r>
                         <m:sSub>
                           <m:sSubPr>
@@ -9685,15 +9940,22 @@
                           </m:e>
                           <m:sub>
                             <m:r>
-                              <a:rPr lang="nl-NL" b="0" i="1" smtClean="0">
+                              <a:rPr lang="nl-NL" i="1">
                                 <a:latin typeface="Cambria Math" panose="02040503050406030204" pitchFamily="18" charset="0"/>
                               </a:rPr>
-                              <m:t>4</m:t>
+                              <m:t>2</m:t>
                             </m:r>
                           </m:sub>
                         </m:sSub>
-                      </m:sub>
-                    </m:sSub>
+                      </m:e>
+                    </m:d>
+                    <m:r>
+                      <m:rPr>
+                        <m:nor/>
+                      </m:rPr>
+                      <a:rPr lang="nl-NL" dirty="0"/>
+                      <m:t>	</m:t>
+                    </m:r>
                   </m:oMath>
                 </a14:m>
                 <a:endParaRPr lang="nl-NL" dirty="0"/>
@@ -9704,7 +9966,7 @@
                 </a:pPr>
                 <a:r>
                   <a:rPr lang="nl-NL" b="0" dirty="0"/>
-                  <a:t>		</a:t>
+                  <a:t>			</a:t>
                 </a:r>
                 <a14:m>
                   <m:oMath xmlns:m="http://schemas.openxmlformats.org/officeDocument/2006/math">
@@ -9733,13 +9995,14 @@
                           <a:rPr lang="nl-NL" b="0" i="1" smtClean="0">
                             <a:latin typeface="Cambria Math" panose="02040503050406030204" pitchFamily="18" charset="0"/>
                           </a:rPr>
-                          <m:t>+</m:t>
+                          <m:t>+∆</m:t>
                         </m:r>
                         <m:r>
                           <a:rPr lang="nl-NL" b="0" i="1" smtClean="0">
                             <a:latin typeface="Cambria Math" panose="02040503050406030204" pitchFamily="18" charset="0"/>
-                          </a:rPr>
-                          <m:t>h</m:t>
+                            <a:ea typeface="Cambria Math" panose="02040503050406030204" pitchFamily="18" charset="0"/>
+                          </a:rPr>
+                          <m:t>𝑡</m:t>
                         </m:r>
                       </m:e>
                     </m:d>
@@ -9778,23 +10041,17 @@
                       </a:rPr>
                       <m:t>+</m:t>
                     </m:r>
-                    <m:r>
-                      <a:rPr lang="nl-NL" b="0" i="1" smtClean="0">
-                        <a:latin typeface="Cambria Math" panose="02040503050406030204" pitchFamily="18" charset="0"/>
-                      </a:rPr>
-                      <m:t>h</m:t>
-                    </m:r>
                     <m:f>
                       <m:fPr>
                         <m:ctrlPr>
-                          <a:rPr lang="nl-NL" b="0" i="1" smtClean="0">
+                          <a:rPr lang="nl-NL" i="1">
                             <a:latin typeface="Cambria Math" panose="02040503050406030204" pitchFamily="18" charset="0"/>
                           </a:rPr>
                         </m:ctrlPr>
                       </m:fPr>
                       <m:num>
                         <m:r>
-                          <a:rPr lang="nl-NL" b="0" i="1" smtClean="0">
+                          <a:rPr lang="nl-NL" i="1">
                             <a:latin typeface="Cambria Math" panose="02040503050406030204" pitchFamily="18" charset="0"/>
                           </a:rPr>
                           <m:t>1</m:t>
@@ -9802,13 +10059,27 @@
                       </m:num>
                       <m:den>
                         <m:r>
-                          <a:rPr lang="nl-NL" b="0" i="1" smtClean="0">
+                          <a:rPr lang="nl-NL" i="1">
                             <a:latin typeface="Cambria Math" panose="02040503050406030204" pitchFamily="18" charset="0"/>
                           </a:rPr>
                           <m:t>6</m:t>
                         </m:r>
                       </m:den>
                     </m:f>
+                    <m:r>
+                      <a:rPr lang="nl-NL" i="1">
+                        <a:latin typeface="Cambria Math" panose="02040503050406030204" pitchFamily="18" charset="0"/>
+                        <a:ea typeface="Cambria Math" panose="02040503050406030204" pitchFamily="18" charset="0"/>
+                      </a:rPr>
+                      <m:t>∆</m:t>
+                    </m:r>
+                    <m:r>
+                      <a:rPr lang="nl-NL" i="1">
+                        <a:latin typeface="Cambria Math" panose="02040503050406030204" pitchFamily="18" charset="0"/>
+                        <a:ea typeface="Cambria Math" panose="02040503050406030204" pitchFamily="18" charset="0"/>
+                      </a:rPr>
+                      <m:t>𝑡</m:t>
+                    </m:r>
                     <m:r>
                       <a:rPr lang="nl-NL" b="0" i="1" smtClean="0">
                         <a:latin typeface="Cambria Math" panose="02040503050406030204" pitchFamily="18" charset="0"/>
@@ -9949,7 +10220,7 @@
                 </a:pPr>
                 <a:r>
                   <a:rPr lang="nl-NL" dirty="0"/>
-                  <a:t>		</a:t>
+                  <a:t>			</a:t>
                 </a:r>
                 <a14:m>
                   <m:oMath xmlns:m="http://schemas.openxmlformats.org/officeDocument/2006/math">
@@ -9981,13 +10252,14 @@
                           <a:rPr lang="nl-NL" i="1">
                             <a:latin typeface="Cambria Math" panose="02040503050406030204" pitchFamily="18" charset="0"/>
                           </a:rPr>
-                          <m:t>+</m:t>
+                          <m:t>+∆</m:t>
                         </m:r>
                         <m:r>
-                          <a:rPr lang="nl-NL" i="1">
-                            <a:latin typeface="Cambria Math" panose="02040503050406030204" pitchFamily="18" charset="0"/>
-                          </a:rPr>
-                          <m:t>h</m:t>
+                          <a:rPr lang="nl-NL" b="0" i="1" smtClean="0">
+                            <a:latin typeface="Cambria Math" panose="02040503050406030204" pitchFamily="18" charset="0"/>
+                            <a:ea typeface="Cambria Math" panose="02040503050406030204" pitchFamily="18" charset="0"/>
+                          </a:rPr>
+                          <m:t>𝑡</m:t>
                         </m:r>
                       </m:e>
                     </m:d>
@@ -10026,12 +10298,6 @@
                       </a:rPr>
                       <m:t>+</m:t>
                     </m:r>
-                    <m:r>
-                      <a:rPr lang="nl-NL" i="1">
-                        <a:latin typeface="Cambria Math" panose="02040503050406030204" pitchFamily="18" charset="0"/>
-                      </a:rPr>
-                      <m:t>h</m:t>
-                    </m:r>
                     <m:f>
                       <m:fPr>
                         <m:ctrlPr>
@@ -10057,6 +10323,20 @@
                         </m:r>
                       </m:den>
                     </m:f>
+                    <m:r>
+                      <a:rPr lang="nl-NL" i="1">
+                        <a:latin typeface="Cambria Math" panose="02040503050406030204" pitchFamily="18" charset="0"/>
+                        <a:ea typeface="Cambria Math" panose="02040503050406030204" pitchFamily="18" charset="0"/>
+                      </a:rPr>
+                      <m:t>∆</m:t>
+                    </m:r>
+                    <m:r>
+                      <a:rPr lang="nl-NL" i="1">
+                        <a:latin typeface="Cambria Math" panose="02040503050406030204" pitchFamily="18" charset="0"/>
+                        <a:ea typeface="Cambria Math" panose="02040503050406030204" pitchFamily="18" charset="0"/>
+                      </a:rPr>
+                      <m:t>𝑡</m:t>
+                    </m:r>
                     <m:r>
                       <a:rPr lang="nl-NL" i="1">
                         <a:latin typeface="Cambria Math" panose="02040503050406030204" pitchFamily="18" charset="0"/>
@@ -10194,7 +10474,7 @@
             </p:txBody>
           </p:sp>
         </mc:Choice>
-        <mc:Fallback xmlns="">
+        <mc:Fallback>
           <p:sp>
             <p:nvSpPr>
               <p:cNvPr id="3" name="Content Placeholder 2">
@@ -10314,7 +10594,221 @@
           <a:bodyPr/>
           <a:lstStyle/>
           <a:p>
-            <a:endParaRPr lang="nl-NL"/>
+            <a:pPr marL="0" indent="0">
+              <a:lnSpc>
+                <a:spcPct val="100000"/>
+              </a:lnSpc>
+              <a:spcBef>
+                <a:spcPts val="0"/>
+              </a:spcBef>
+              <a:spcAft>
+                <a:spcPts val="0"/>
+              </a:spcAft>
+              <a:buNone/>
+            </a:pPr>
+            <a:r>
+              <a:rPr lang="en-GB" dirty="0"/>
+              <a:t>process(double </a:t>
+            </a:r>
+            <a:r>
+              <a:rPr lang="en-GB" dirty="0" err="1"/>
+              <a:t>deltaTime</a:t>
+            </a:r>
+            <a:r>
+              <a:rPr lang="en-GB" dirty="0"/>
+              <a:t>, (Vector position, Vector velocity))     </a:t>
+            </a:r>
+          </a:p>
+          <a:p>
+            <a:pPr marL="0" indent="0">
+              <a:lnSpc>
+                <a:spcPct val="100000"/>
+              </a:lnSpc>
+              <a:spcBef>
+                <a:spcPts val="0"/>
+              </a:spcBef>
+              <a:spcAft>
+                <a:spcPts val="0"/>
+              </a:spcAft>
+              <a:buNone/>
+            </a:pPr>
+            <a:r>
+              <a:rPr lang="en-GB" dirty="0"/>
+              <a:t>     </a:t>
+            </a:r>
+            <a:r>
+              <a:rPr lang="en-GB" b="1" dirty="0"/>
+              <a:t>FOR</a:t>
+            </a:r>
+            <a:r>
+              <a:rPr lang="en-GB" dirty="0"/>
+              <a:t> time=0 </a:t>
+            </a:r>
+            <a:r>
+              <a:rPr lang="en-GB" b="1" dirty="0"/>
+              <a:t>TO</a:t>
+            </a:r>
+            <a:r>
+              <a:rPr lang="en-GB" dirty="0"/>
+              <a:t> time=</a:t>
+            </a:r>
+            <a:r>
+              <a:rPr lang="en-GB" dirty="0" err="1"/>
+              <a:t>deltaTime</a:t>
+            </a:r>
+            <a:endParaRPr lang="en-GB" dirty="0"/>
+          </a:p>
+          <a:p>
+            <a:pPr marL="0" indent="0">
+              <a:lnSpc>
+                <a:spcPct val="100000"/>
+              </a:lnSpc>
+              <a:spcBef>
+                <a:spcPts val="0"/>
+              </a:spcBef>
+              <a:spcAft>
+                <a:spcPts val="0"/>
+              </a:spcAft>
+              <a:buNone/>
+            </a:pPr>
+            <a:r>
+              <a:rPr lang="en-GB" b="1" dirty="0"/>
+              <a:t>          IF</a:t>
+            </a:r>
+            <a:r>
+              <a:rPr lang="en-GB" dirty="0"/>
+              <a:t> !</a:t>
+            </a:r>
+            <a:r>
+              <a:rPr lang="en-GB" dirty="0" err="1"/>
+              <a:t>isFlying</a:t>
+            </a:r>
+            <a:r>
+              <a:rPr lang="en-GB" dirty="0"/>
+              <a:t>(position)</a:t>
+            </a:r>
+            <a:endParaRPr lang="en-GB" b="1" dirty="0"/>
+          </a:p>
+          <a:p>
+            <a:pPr marL="0" indent="0">
+              <a:lnSpc>
+                <a:spcPct val="100000"/>
+              </a:lnSpc>
+              <a:spcBef>
+                <a:spcPts val="0"/>
+              </a:spcBef>
+              <a:spcAft>
+                <a:spcPts val="0"/>
+              </a:spcAft>
+              <a:buNone/>
+            </a:pPr>
+            <a:r>
+              <a:rPr lang="en-GB" b="1" dirty="0"/>
+              <a:t>          THEN</a:t>
+            </a:r>
+            <a:r>
+              <a:rPr lang="en-GB" dirty="0"/>
+              <a:t> velocity = </a:t>
+            </a:r>
+            <a:r>
+              <a:rPr lang="en-GB" dirty="0" err="1"/>
+              <a:t>redirectVelocity</a:t>
+            </a:r>
+            <a:r>
+              <a:rPr lang="en-GB" dirty="0"/>
+              <a:t>(position, velocity)</a:t>
+            </a:r>
+          </a:p>
+          <a:p>
+            <a:pPr marL="0" indent="0">
+              <a:lnSpc>
+                <a:spcPct val="100000"/>
+              </a:lnSpc>
+              <a:spcBef>
+                <a:spcPts val="0"/>
+              </a:spcBef>
+              <a:spcAft>
+                <a:spcPts val="0"/>
+              </a:spcAft>
+              <a:buNone/>
+            </a:pPr>
+            <a:r>
+              <a:rPr lang="en-GB" dirty="0"/>
+              <a:t>    </a:t>
+            </a:r>
+          </a:p>
+          <a:p>
+            <a:pPr marL="0" indent="0">
+              <a:lnSpc>
+                <a:spcPct val="100000"/>
+              </a:lnSpc>
+              <a:spcBef>
+                <a:spcPts val="0"/>
+              </a:spcBef>
+              <a:spcAft>
+                <a:spcPts val="0"/>
+              </a:spcAft>
+              <a:buNone/>
+            </a:pPr>
+            <a:r>
+              <a:rPr lang="en-GB" dirty="0"/>
+              <a:t>          </a:t>
+            </a:r>
+            <a:r>
+              <a:rPr lang="en-GB" i="1" dirty="0"/>
+              <a:t>calculate next position and velocity</a:t>
+            </a:r>
+          </a:p>
+          <a:p>
+            <a:pPr marL="0" indent="0">
+              <a:lnSpc>
+                <a:spcPct val="100000"/>
+              </a:lnSpc>
+              <a:spcBef>
+                <a:spcPts val="0"/>
+              </a:spcBef>
+              <a:spcAft>
+                <a:spcPts val="0"/>
+              </a:spcAft>
+              <a:buNone/>
+            </a:pPr>
+            <a:r>
+              <a:rPr lang="en-GB" i="1" dirty="0"/>
+              <a:t>          update position and velocity</a:t>
+            </a:r>
+          </a:p>
+          <a:p>
+            <a:pPr marL="0" indent="0">
+              <a:lnSpc>
+                <a:spcPct val="100000"/>
+              </a:lnSpc>
+              <a:spcBef>
+                <a:spcPts val="0"/>
+              </a:spcBef>
+              <a:spcAft>
+                <a:spcPts val="0"/>
+              </a:spcAft>
+              <a:buNone/>
+            </a:pPr>
+            <a:endParaRPr lang="en-GB" dirty="0"/>
+          </a:p>
+          <a:p>
+            <a:pPr marL="0" indent="0">
+              <a:lnSpc>
+                <a:spcPct val="100000"/>
+              </a:lnSpc>
+              <a:spcBef>
+                <a:spcPts val="0"/>
+              </a:spcBef>
+              <a:spcAft>
+                <a:spcPts val="0"/>
+              </a:spcAft>
+              <a:buNone/>
+            </a:pPr>
+            <a:r>
+              <a:rPr lang="en-GB" dirty="0"/>
+              <a:t>     return (position, velocity)</a:t>
+            </a:r>
           </a:p>
         </p:txBody>
       </p:sp>
@@ -13884,6 +14378,24 @@
 </file>
 
 <file path=customXml/item1.xml><?xml version="1.0" encoding="utf-8"?>
+<p:properties xmlns:p="http://schemas.microsoft.com/office/2006/metadata/properties" xmlns:xsi="http://www.w3.org/2001/XMLSchema-instance" xmlns:pc="http://schemas.microsoft.com/office/infopath/2007/PartnerControls">
+  <documentManagement>
+    <Status xmlns="71af3243-3dd4-4a8d-8c0d-dd76da1f02a5">Not started</Status>
+    <MediaServiceKeyPoints xmlns="71af3243-3dd4-4a8d-8c0d-dd76da1f02a5" xsi:nil="true"/>
+  </documentManagement>
+</p:properties>
+</file>
+
+<file path=customXml/item2.xml><?xml version="1.0" encoding="utf-8"?>
+<?mso-contentType ?>
+<FormTemplates xmlns="http://schemas.microsoft.com/sharepoint/v3/contenttype/forms">
+  <Display>DocumentLibraryForm</Display>
+  <Edit>DocumentLibraryForm</Edit>
+  <New>DocumentLibraryForm</New>
+</FormTemplates>
+</file>
+
+<file path=customXml/item3.xml><?xml version="1.0" encoding="utf-8"?>
 <ct:contentTypeSchema xmlns:ct="http://schemas.microsoft.com/office/2006/metadata/contentType" xmlns:ma="http://schemas.microsoft.com/office/2006/metadata/properties/metaAttributes" ct:_="" ma:_="" ma:contentTypeName="Document" ma:contentTypeID="0x01010079F111ED35F8CC479449609E8A0923A6" ma:contentTypeVersion="12" ma:contentTypeDescription="Create a new document." ma:contentTypeScope="" ma:versionID="a410dd7f93c95333ffa1b60ed6adedd1">
   <xsd:schema xmlns:xsd="http://www.w3.org/2001/XMLSchema" xmlns:xs="http://www.w3.org/2001/XMLSchema" xmlns:p="http://schemas.microsoft.com/office/2006/metadata/properties" xmlns:ns2="71af3243-3dd4-4a8d-8c0d-dd76da1f02a5" xmlns:ns3="16c05727-aa75-4e4a-9b5f-8a80a1165891" targetNamespace="http://schemas.microsoft.com/office/2006/metadata/properties" ma:root="true" ma:fieldsID="a936d9baba76aa3866493feff160faab" ns2:_="" ns3:_="">
     <xsd:import namespace="71af3243-3dd4-4a8d-8c0d-dd76da1f02a5"/>
@@ -14104,25 +14616,25 @@
 </ct:contentTypeSchema>
 </file>
 
-<file path=customXml/item2.xml><?xml version="1.0" encoding="utf-8"?>
-<?mso-contentType ?>
-<FormTemplates xmlns="http://schemas.microsoft.com/sharepoint/v3/contenttype/forms">
-  <Display>DocumentLibraryForm</Display>
-  <Edit>DocumentLibraryForm</Edit>
-  <New>DocumentLibraryForm</New>
-</FormTemplates>
+<file path=customXml/itemProps1.xml><?xml version="1.0" encoding="utf-8"?>
+<ds:datastoreItem xmlns:ds="http://schemas.openxmlformats.org/officeDocument/2006/customXml" ds:itemID="{626E351D-C19B-467F-A5C7-085C4CECACA9}">
+  <ds:schemaRefs>
+    <ds:schemaRef ds:uri="http://schemas.microsoft.com/office/2006/metadata/properties"/>
+    <ds:schemaRef ds:uri="http://schemas.microsoft.com/office/infopath/2007/PartnerControls"/>
+    <ds:schemaRef ds:uri="71af3243-3dd4-4a8d-8c0d-dd76da1f02a5"/>
+  </ds:schemaRefs>
+</ds:datastoreItem>
 </file>
 
-<file path=customXml/item3.xml><?xml version="1.0" encoding="utf-8"?>
-<p:properties xmlns:p="http://schemas.microsoft.com/office/2006/metadata/properties" xmlns:xsi="http://www.w3.org/2001/XMLSchema-instance" xmlns:pc="http://schemas.microsoft.com/office/infopath/2007/PartnerControls">
-  <documentManagement>
-    <Status xmlns="71af3243-3dd4-4a8d-8c0d-dd76da1f02a5">Not started</Status>
-    <MediaServiceKeyPoints xmlns="71af3243-3dd4-4a8d-8c0d-dd76da1f02a5" xsi:nil="true"/>
-  </documentManagement>
-</p:properties>
+<file path=customXml/itemProps2.xml><?xml version="1.0" encoding="utf-8"?>
+<ds:datastoreItem xmlns:ds="http://schemas.openxmlformats.org/officeDocument/2006/customXml" ds:itemID="{3C586965-D4BF-4605-8C1C-5B8CCCAB7737}">
+  <ds:schemaRefs>
+    <ds:schemaRef ds:uri="http://schemas.microsoft.com/sharepoint/v3/contenttype/forms"/>
+  </ds:schemaRefs>
+</ds:datastoreItem>
 </file>
 
-<file path=customXml/itemProps1.xml><?xml version="1.0" encoding="utf-8"?>
+<file path=customXml/itemProps3.xml><?xml version="1.0" encoding="utf-8"?>
 <ds:datastoreItem xmlns:ds="http://schemas.openxmlformats.org/officeDocument/2006/customXml" ds:itemID="{6E499CE6-06FC-4D3E-8B56-30558CC9D1A4}">
   <ds:schemaRefs>
     <ds:schemaRef ds:uri="http://schemas.microsoft.com/office/2006/metadata/contentType"/>
@@ -14139,22 +14651,4 @@
     <ds:schemaRef ds:uri="http://schemas.microsoft.com/internal/obd"/>
   </ds:schemaRefs>
 </ds:datastoreItem>
-</file>
-
-<file path=customXml/itemProps2.xml><?xml version="1.0" encoding="utf-8"?>
-<ds:datastoreItem xmlns:ds="http://schemas.openxmlformats.org/officeDocument/2006/customXml" ds:itemID="{3C586965-D4BF-4605-8C1C-5B8CCCAB7737}">
-  <ds:schemaRefs>
-    <ds:schemaRef ds:uri="http://schemas.microsoft.com/sharepoint/v3/contenttype/forms"/>
-  </ds:schemaRefs>
-</ds:datastoreItem>
-</file>
-
-<file path=customXml/itemProps3.xml><?xml version="1.0" encoding="utf-8"?>
-<ds:datastoreItem xmlns:ds="http://schemas.openxmlformats.org/officeDocument/2006/customXml" ds:itemID="{626E351D-C19B-467F-A5C7-085C4CECACA9}">
-  <ds:schemaRefs>
-    <ds:schemaRef ds:uri="http://schemas.microsoft.com/office/2006/metadata/properties"/>
-    <ds:schemaRef ds:uri="http://schemas.microsoft.com/office/infopath/2007/PartnerControls"/>
-    <ds:schemaRef ds:uri="71af3243-3dd4-4a8d-8c0d-dd76da1f02a5"/>
-  </ds:schemaRefs>
-</ds:datastoreItem>
 </file>
--- a/04-PresentationThirdPhase.pptx
+++ b/04-PresentationThirdPhase.pptx
@@ -5,30 +5,29 @@
     <p:sldMasterId id="2147483660" r:id="rId4"/>
   </p:sldMasterIdLst>
   <p:notesMasterIdLst>
-    <p:notesMasterId r:id="rId26"/>
+    <p:notesMasterId r:id="rId25"/>
   </p:notesMasterIdLst>
   <p:sldIdLst>
     <p:sldId id="265" r:id="rId5"/>
     <p:sldId id="288" r:id="rId6"/>
     <p:sldId id="310" r:id="rId7"/>
-    <p:sldId id="323" r:id="rId8"/>
-    <p:sldId id="311" r:id="rId9"/>
-    <p:sldId id="325" r:id="rId10"/>
-    <p:sldId id="326" r:id="rId11"/>
-    <p:sldId id="318" r:id="rId12"/>
-    <p:sldId id="291" r:id="rId13"/>
-    <p:sldId id="301" r:id="rId14"/>
-    <p:sldId id="304" r:id="rId15"/>
-    <p:sldId id="305" r:id="rId16"/>
-    <p:sldId id="328" r:id="rId17"/>
-    <p:sldId id="329" r:id="rId18"/>
-    <p:sldId id="319" r:id="rId19"/>
-    <p:sldId id="330" r:id="rId20"/>
-    <p:sldId id="313" r:id="rId21"/>
-    <p:sldId id="320" r:id="rId22"/>
-    <p:sldId id="322" r:id="rId23"/>
-    <p:sldId id="324" r:id="rId24"/>
-    <p:sldId id="327" r:id="rId25"/>
+    <p:sldId id="311" r:id="rId8"/>
+    <p:sldId id="325" r:id="rId9"/>
+    <p:sldId id="326" r:id="rId10"/>
+    <p:sldId id="318" r:id="rId11"/>
+    <p:sldId id="291" r:id="rId12"/>
+    <p:sldId id="301" r:id="rId13"/>
+    <p:sldId id="304" r:id="rId14"/>
+    <p:sldId id="305" r:id="rId15"/>
+    <p:sldId id="328" r:id="rId16"/>
+    <p:sldId id="329" r:id="rId17"/>
+    <p:sldId id="319" r:id="rId18"/>
+    <p:sldId id="330" r:id="rId19"/>
+    <p:sldId id="313" r:id="rId20"/>
+    <p:sldId id="320" r:id="rId21"/>
+    <p:sldId id="322" r:id="rId22"/>
+    <p:sldId id="324" r:id="rId23"/>
+    <p:sldId id="327" r:id="rId24"/>
   </p:sldIdLst>
   <p:sldSz cx="12192000" cy="6858000"/>
   <p:notesSz cx="6858000" cy="9144000"/>
@@ -141,7 +140,7 @@
 <file path=ppt/charts/chart1.xml><?xml version="1.0" encoding="utf-8"?>
 <c:chartSpace xmlns:c="http://schemas.openxmlformats.org/drawingml/2006/chart" xmlns:a="http://schemas.openxmlformats.org/drawingml/2006/main" xmlns:r="http://schemas.openxmlformats.org/officeDocument/2006/relationships" xmlns:c16r2="http://schemas.microsoft.com/office/drawing/2015/06/chart">
   <c:date1904 val="0"/>
-  <c:lang val="nl-NL"/>
+  <c:lang val="en-US"/>
   <c:roundedCorners val="0"/>
   <mc:AlternateContent xmlns:mc="http://schemas.openxmlformats.org/markup-compatibility/2006">
     <mc:Choice xmlns:c14="http://schemas.microsoft.com/office/drawing/2007/8/2/chart" Requires="c14">
@@ -203,7 +202,7 @@
               <a:cs typeface="+mn-cs"/>
             </a:defRPr>
           </a:pPr>
-          <a:endParaRPr lang="en-US"/>
+          <a:endParaRPr lang="nl-NL"/>
         </a:p>
       </c:txPr>
     </c:title>
@@ -517,7 +516,7 @@
                 <a:cs typeface="+mn-cs"/>
               </a:defRPr>
             </a:pPr>
-            <a:endParaRPr lang="en-US"/>
+            <a:endParaRPr lang="nl-NL"/>
           </a:p>
         </c:txPr>
         <c:crossAx val="690337440"/>
@@ -576,7 +575,7 @@
                 <a:cs typeface="+mn-cs"/>
               </a:defRPr>
             </a:pPr>
-            <a:endParaRPr lang="en-US"/>
+            <a:endParaRPr lang="nl-NL"/>
           </a:p>
         </c:txPr>
         <c:crossAx val="547336896"/>
@@ -618,7 +617,7 @@
               <a:cs typeface="+mn-cs"/>
             </a:defRPr>
           </a:pPr>
-          <a:endParaRPr lang="en-US"/>
+          <a:endParaRPr lang="nl-NL"/>
         </a:p>
       </c:txPr>
     </c:legend>
@@ -647,7 +646,7 @@
       <a:pPr>
         <a:defRPr/>
       </a:pPr>
-      <a:endParaRPr lang="en-US"/>
+      <a:endParaRPr lang="nl-NL"/>
     </a:p>
   </c:txPr>
   <c:externalData r:id="rId3">
@@ -659,7 +658,7 @@
 <file path=ppt/charts/chart2.xml><?xml version="1.0" encoding="utf-8"?>
 <c:chartSpace xmlns:c="http://schemas.openxmlformats.org/drawingml/2006/chart" xmlns:a="http://schemas.openxmlformats.org/drawingml/2006/main" xmlns:r="http://schemas.openxmlformats.org/officeDocument/2006/relationships" xmlns:c16r2="http://schemas.microsoft.com/office/drawing/2015/06/chart">
   <c:date1904 val="0"/>
-  <c:lang val="nl-NL"/>
+  <c:lang val="en-US"/>
   <c:roundedCorners val="0"/>
   <mc:AlternateContent xmlns:mc="http://schemas.openxmlformats.org/markup-compatibility/2006">
     <mc:Choice xmlns:c14="http://schemas.microsoft.com/office/drawing/2007/8/2/chart" Requires="c14">
@@ -696,7 +695,7 @@
               <a:cs typeface="+mn-cs"/>
             </a:defRPr>
           </a:pPr>
-          <a:endParaRPr lang="en-US"/>
+          <a:endParaRPr lang="nl-NL"/>
         </a:p>
       </c:txPr>
     </c:title>
@@ -920,7 +919,7 @@
                 <a:cs typeface="+mn-cs"/>
               </a:defRPr>
             </a:pPr>
-            <a:endParaRPr lang="en-US"/>
+            <a:endParaRPr lang="nl-NL"/>
           </a:p>
         </c:txPr>
         <c:crossAx val="641512976"/>
@@ -979,7 +978,7 @@
                 <a:cs typeface="+mn-cs"/>
               </a:defRPr>
             </a:pPr>
-            <a:endParaRPr lang="en-US"/>
+            <a:endParaRPr lang="nl-NL"/>
           </a:p>
         </c:txPr>
         <c:crossAx val="723243472"/>
@@ -1021,7 +1020,7 @@
               <a:cs typeface="+mn-cs"/>
             </a:defRPr>
           </a:pPr>
-          <a:endParaRPr lang="en-US"/>
+          <a:endParaRPr lang="nl-NL"/>
         </a:p>
       </c:txPr>
     </c:legend>
@@ -1050,7 +1049,7 @@
       <a:pPr>
         <a:defRPr/>
       </a:pPr>
-      <a:endParaRPr lang="en-US"/>
+      <a:endParaRPr lang="nl-NL"/>
     </a:p>
   </c:txPr>
   <c:externalData r:id="rId3">
@@ -2386,7 +2385,7 @@
           <a:p>
             <a:fld id="{F917F88C-BACD-4A94-B7B7-C91B49D4CB7C}" type="slidenum">
               <a:rPr lang="nl-NL" smtClean="0"/>
-              <a:t>‹nr.›</a:t>
+              <a:t>‹#›</a:t>
             </a:fld>
             <a:endParaRPr lang="nl-NL"/>
           </a:p>
@@ -2539,6 +2538,10 @@
           <a:bodyPr/>
           <a:lstStyle/>
           <a:p>
+            <a:r>
+              <a:rPr lang="en-US" dirty="0"/>
+              <a:t>Haoran</a:t>
+            </a:r>
             <a:endParaRPr lang="nl-NL" dirty="0"/>
           </a:p>
         </p:txBody>
@@ -2570,6 +2573,480 @@
     <p:extLst>
       <p:ext uri="{BB962C8B-B14F-4D97-AF65-F5344CB8AC3E}">
         <p14:creationId xmlns:p14="http://schemas.microsoft.com/office/powerpoint/2010/main" val="3156062854"/>
+      </p:ext>
+    </p:extLst>
+  </p:cSld>
+  <p:clrMapOvr>
+    <a:masterClrMapping/>
+  </p:clrMapOvr>
+</p:notes>
+</file>
+
+<file path=ppt/notesSlides/notesSlide10.xml><?xml version="1.0" encoding="utf-8"?>
+<p:notes xmlns:a="http://schemas.openxmlformats.org/drawingml/2006/main" xmlns:r="http://schemas.openxmlformats.org/officeDocument/2006/relationships" xmlns:p="http://schemas.openxmlformats.org/presentationml/2006/main">
+  <p:cSld>
+    <p:spTree>
+      <p:nvGrpSpPr>
+        <p:cNvPr id="1" name=""/>
+        <p:cNvGrpSpPr/>
+        <p:nvPr/>
+      </p:nvGrpSpPr>
+      <p:grpSpPr>
+        <a:xfrm>
+          <a:off x="0" y="0"/>
+          <a:ext cx="0" cy="0"/>
+          <a:chOff x="0" y="0"/>
+          <a:chExt cx="0" cy="0"/>
+        </a:xfrm>
+      </p:grpSpPr>
+      <p:sp>
+        <p:nvSpPr>
+          <p:cNvPr id="2" name="Slide Image Placeholder 1"/>
+          <p:cNvSpPr>
+            <a:spLocks noGrp="1" noRot="1" noChangeAspect="1"/>
+          </p:cNvSpPr>
+          <p:nvPr>
+            <p:ph type="sldImg"/>
+          </p:nvPr>
+        </p:nvSpPr>
+        <p:spPr/>
+      </p:sp>
+      <p:sp>
+        <p:nvSpPr>
+          <p:cNvPr id="3" name="Notes Placeholder 2"/>
+          <p:cNvSpPr>
+            <a:spLocks noGrp="1"/>
+          </p:cNvSpPr>
+          <p:nvPr>
+            <p:ph type="body" idx="1"/>
+          </p:nvPr>
+        </p:nvSpPr>
+        <p:spPr/>
+        <p:txBody>
+          <a:bodyPr/>
+          <a:lstStyle/>
+          <a:p>
+            <a:r>
+              <a:rPr lang="en-US" dirty="0"/>
+              <a:t>Jean</a:t>
+            </a:r>
+            <a:endParaRPr lang="nl-NL" dirty="0"/>
+          </a:p>
+        </p:txBody>
+      </p:sp>
+      <p:sp>
+        <p:nvSpPr>
+          <p:cNvPr id="4" name="Slide Number Placeholder 3"/>
+          <p:cNvSpPr>
+            <a:spLocks noGrp="1"/>
+          </p:cNvSpPr>
+          <p:nvPr>
+            <p:ph type="sldNum" sz="quarter" idx="5"/>
+          </p:nvPr>
+        </p:nvSpPr>
+        <p:spPr/>
+        <p:txBody>
+          <a:bodyPr/>
+          <a:lstStyle/>
+          <a:p>
+            <a:fld id="{F917F88C-BACD-4A94-B7B7-C91B49D4CB7C}" type="slidenum">
+              <a:rPr lang="nl-NL" smtClean="0"/>
+              <a:t>14</a:t>
+            </a:fld>
+            <a:endParaRPr lang="nl-NL"/>
+          </a:p>
+        </p:txBody>
+      </p:sp>
+    </p:spTree>
+    <p:extLst>
+      <p:ext uri="{BB962C8B-B14F-4D97-AF65-F5344CB8AC3E}">
+        <p14:creationId xmlns:p14="http://schemas.microsoft.com/office/powerpoint/2010/main" val="2144781777"/>
+      </p:ext>
+    </p:extLst>
+  </p:cSld>
+  <p:clrMapOvr>
+    <a:masterClrMapping/>
+  </p:clrMapOvr>
+</p:notes>
+</file>
+
+<file path=ppt/notesSlides/notesSlide11.xml><?xml version="1.0" encoding="utf-8"?>
+<p:notes xmlns:a="http://schemas.openxmlformats.org/drawingml/2006/main" xmlns:r="http://schemas.openxmlformats.org/officeDocument/2006/relationships" xmlns:p="http://schemas.openxmlformats.org/presentationml/2006/main">
+  <p:cSld>
+    <p:spTree>
+      <p:nvGrpSpPr>
+        <p:cNvPr id="1" name=""/>
+        <p:cNvGrpSpPr/>
+        <p:nvPr/>
+      </p:nvGrpSpPr>
+      <p:grpSpPr>
+        <a:xfrm>
+          <a:off x="0" y="0"/>
+          <a:ext cx="0" cy="0"/>
+          <a:chOff x="0" y="0"/>
+          <a:chExt cx="0" cy="0"/>
+        </a:xfrm>
+      </p:grpSpPr>
+      <p:sp>
+        <p:nvSpPr>
+          <p:cNvPr id="2" name="Slide Image Placeholder 1"/>
+          <p:cNvSpPr>
+            <a:spLocks noGrp="1" noRot="1" noChangeAspect="1"/>
+          </p:cNvSpPr>
+          <p:nvPr>
+            <p:ph type="sldImg"/>
+          </p:nvPr>
+        </p:nvSpPr>
+        <p:spPr/>
+      </p:sp>
+      <p:sp>
+        <p:nvSpPr>
+          <p:cNvPr id="3" name="Notes Placeholder 2"/>
+          <p:cNvSpPr>
+            <a:spLocks noGrp="1"/>
+          </p:cNvSpPr>
+          <p:nvPr>
+            <p:ph type="body" idx="1"/>
+          </p:nvPr>
+        </p:nvSpPr>
+        <p:spPr/>
+        <p:txBody>
+          <a:bodyPr/>
+          <a:lstStyle/>
+          <a:p>
+            <a:r>
+              <a:rPr lang="en-US" dirty="0"/>
+              <a:t>Jean</a:t>
+            </a:r>
+            <a:endParaRPr lang="nl-NL" dirty="0"/>
+          </a:p>
+        </p:txBody>
+      </p:sp>
+      <p:sp>
+        <p:nvSpPr>
+          <p:cNvPr id="4" name="Slide Number Placeholder 3"/>
+          <p:cNvSpPr>
+            <a:spLocks noGrp="1"/>
+          </p:cNvSpPr>
+          <p:nvPr>
+            <p:ph type="sldNum" sz="quarter" idx="5"/>
+          </p:nvPr>
+        </p:nvSpPr>
+        <p:spPr/>
+        <p:txBody>
+          <a:bodyPr/>
+          <a:lstStyle/>
+          <a:p>
+            <a:fld id="{F917F88C-BACD-4A94-B7B7-C91B49D4CB7C}" type="slidenum">
+              <a:rPr lang="nl-NL" smtClean="0"/>
+              <a:t>15</a:t>
+            </a:fld>
+            <a:endParaRPr lang="nl-NL"/>
+          </a:p>
+        </p:txBody>
+      </p:sp>
+    </p:spTree>
+    <p:extLst>
+      <p:ext uri="{BB962C8B-B14F-4D97-AF65-F5344CB8AC3E}">
+        <p14:creationId xmlns:p14="http://schemas.microsoft.com/office/powerpoint/2010/main" val="4088738973"/>
+      </p:ext>
+    </p:extLst>
+  </p:cSld>
+  <p:clrMapOvr>
+    <a:masterClrMapping/>
+  </p:clrMapOvr>
+</p:notes>
+</file>
+
+<file path=ppt/notesSlides/notesSlide12.xml><?xml version="1.0" encoding="utf-8"?>
+<p:notes xmlns:a="http://schemas.openxmlformats.org/drawingml/2006/main" xmlns:r="http://schemas.openxmlformats.org/officeDocument/2006/relationships" xmlns:p="http://schemas.openxmlformats.org/presentationml/2006/main">
+  <p:cSld>
+    <p:spTree>
+      <p:nvGrpSpPr>
+        <p:cNvPr id="1" name=""/>
+        <p:cNvGrpSpPr/>
+        <p:nvPr/>
+      </p:nvGrpSpPr>
+      <p:grpSpPr>
+        <a:xfrm>
+          <a:off x="0" y="0"/>
+          <a:ext cx="0" cy="0"/>
+          <a:chOff x="0" y="0"/>
+          <a:chExt cx="0" cy="0"/>
+        </a:xfrm>
+      </p:grpSpPr>
+      <p:sp>
+        <p:nvSpPr>
+          <p:cNvPr id="2" name="Slide Image Placeholder 1"/>
+          <p:cNvSpPr>
+            <a:spLocks noGrp="1" noRot="1" noChangeAspect="1"/>
+          </p:cNvSpPr>
+          <p:nvPr>
+            <p:ph type="sldImg"/>
+          </p:nvPr>
+        </p:nvSpPr>
+        <p:spPr/>
+      </p:sp>
+      <p:sp>
+        <p:nvSpPr>
+          <p:cNvPr id="3" name="Notes Placeholder 2"/>
+          <p:cNvSpPr>
+            <a:spLocks noGrp="1"/>
+          </p:cNvSpPr>
+          <p:nvPr>
+            <p:ph type="body" idx="1"/>
+          </p:nvPr>
+        </p:nvSpPr>
+        <p:spPr/>
+        <p:txBody>
+          <a:bodyPr/>
+          <a:lstStyle/>
+          <a:p>
+            <a:r>
+              <a:rPr lang="en-US" dirty="0"/>
+              <a:t>Aaron</a:t>
+            </a:r>
+            <a:endParaRPr lang="nl-NL" dirty="0"/>
+          </a:p>
+        </p:txBody>
+      </p:sp>
+      <p:sp>
+        <p:nvSpPr>
+          <p:cNvPr id="4" name="Slide Number Placeholder 3"/>
+          <p:cNvSpPr>
+            <a:spLocks noGrp="1"/>
+          </p:cNvSpPr>
+          <p:nvPr>
+            <p:ph type="sldNum" sz="quarter" idx="5"/>
+          </p:nvPr>
+        </p:nvSpPr>
+        <p:spPr/>
+        <p:txBody>
+          <a:bodyPr/>
+          <a:lstStyle/>
+          <a:p>
+            <a:fld id="{F917F88C-BACD-4A94-B7B7-C91B49D4CB7C}" type="slidenum">
+              <a:rPr lang="nl-NL" smtClean="0"/>
+              <a:t>18</a:t>
+            </a:fld>
+            <a:endParaRPr lang="nl-NL"/>
+          </a:p>
+        </p:txBody>
+      </p:sp>
+    </p:spTree>
+    <p:extLst>
+      <p:ext uri="{BB962C8B-B14F-4D97-AF65-F5344CB8AC3E}">
+        <p14:creationId xmlns:p14="http://schemas.microsoft.com/office/powerpoint/2010/main" val="925085918"/>
+      </p:ext>
+    </p:extLst>
+  </p:cSld>
+  <p:clrMapOvr>
+    <a:masterClrMapping/>
+  </p:clrMapOvr>
+</p:notes>
+</file>
+
+<file path=ppt/notesSlides/notesSlide13.xml><?xml version="1.0" encoding="utf-8"?>
+<p:notes xmlns:a="http://schemas.openxmlformats.org/drawingml/2006/main" xmlns:r="http://schemas.openxmlformats.org/officeDocument/2006/relationships" xmlns:p="http://schemas.openxmlformats.org/presentationml/2006/main">
+  <p:cSld>
+    <p:spTree>
+      <p:nvGrpSpPr>
+        <p:cNvPr id="1" name=""/>
+        <p:cNvGrpSpPr/>
+        <p:nvPr/>
+      </p:nvGrpSpPr>
+      <p:grpSpPr>
+        <a:xfrm>
+          <a:off x="0" y="0"/>
+          <a:ext cx="0" cy="0"/>
+          <a:chOff x="0" y="0"/>
+          <a:chExt cx="0" cy="0"/>
+        </a:xfrm>
+      </p:grpSpPr>
+      <p:sp>
+        <p:nvSpPr>
+          <p:cNvPr id="2" name="Slide Image Placeholder 1"/>
+          <p:cNvSpPr>
+            <a:spLocks noGrp="1" noRot="1" noChangeAspect="1"/>
+          </p:cNvSpPr>
+          <p:nvPr>
+            <p:ph type="sldImg"/>
+          </p:nvPr>
+        </p:nvSpPr>
+        <p:spPr/>
+      </p:sp>
+      <p:sp>
+        <p:nvSpPr>
+          <p:cNvPr id="3" name="Notes Placeholder 2"/>
+          <p:cNvSpPr>
+            <a:spLocks noGrp="1"/>
+          </p:cNvSpPr>
+          <p:nvPr>
+            <p:ph type="body" idx="1"/>
+          </p:nvPr>
+        </p:nvSpPr>
+        <p:spPr/>
+        <p:txBody>
+          <a:bodyPr/>
+          <a:lstStyle/>
+          <a:p>
+            <a:pPr marL="0" marR="0" lvl="0" indent="0" algn="l" defTabSz="914400" rtl="0" eaLnBrk="1" fontAlgn="auto" latinLnBrk="0" hangingPunct="1">
+              <a:lnSpc>
+                <a:spcPct val="100000"/>
+              </a:lnSpc>
+              <a:spcBef>
+                <a:spcPts val="0"/>
+              </a:spcBef>
+              <a:spcAft>
+                <a:spcPts val="0"/>
+              </a:spcAft>
+              <a:buClrTx/>
+              <a:buSzTx/>
+              <a:buFontTx/>
+              <a:buNone/>
+              <a:tabLst/>
+              <a:defRPr/>
+            </a:pPr>
+            <a:r>
+              <a:rPr lang="en-US" dirty="0"/>
+              <a:t>Aaron</a:t>
+            </a:r>
+            <a:endParaRPr lang="nl-NL" dirty="0"/>
+          </a:p>
+        </p:txBody>
+      </p:sp>
+      <p:sp>
+        <p:nvSpPr>
+          <p:cNvPr id="4" name="Slide Number Placeholder 3"/>
+          <p:cNvSpPr>
+            <a:spLocks noGrp="1"/>
+          </p:cNvSpPr>
+          <p:nvPr>
+            <p:ph type="sldNum" sz="quarter" idx="5"/>
+          </p:nvPr>
+        </p:nvSpPr>
+        <p:spPr/>
+        <p:txBody>
+          <a:bodyPr/>
+          <a:lstStyle/>
+          <a:p>
+            <a:fld id="{F917F88C-BACD-4A94-B7B7-C91B49D4CB7C}" type="slidenum">
+              <a:rPr lang="nl-NL" smtClean="0"/>
+              <a:t>19</a:t>
+            </a:fld>
+            <a:endParaRPr lang="nl-NL"/>
+          </a:p>
+        </p:txBody>
+      </p:sp>
+    </p:spTree>
+    <p:extLst>
+      <p:ext uri="{BB962C8B-B14F-4D97-AF65-F5344CB8AC3E}">
+        <p14:creationId xmlns:p14="http://schemas.microsoft.com/office/powerpoint/2010/main" val="1762896357"/>
+      </p:ext>
+    </p:extLst>
+  </p:cSld>
+  <p:clrMapOvr>
+    <a:masterClrMapping/>
+  </p:clrMapOvr>
+</p:notes>
+</file>
+
+<file path=ppt/notesSlides/notesSlide14.xml><?xml version="1.0" encoding="utf-8"?>
+<p:notes xmlns:a="http://schemas.openxmlformats.org/drawingml/2006/main" xmlns:r="http://schemas.openxmlformats.org/officeDocument/2006/relationships" xmlns:p="http://schemas.openxmlformats.org/presentationml/2006/main">
+  <p:cSld>
+    <p:spTree>
+      <p:nvGrpSpPr>
+        <p:cNvPr id="1" name=""/>
+        <p:cNvGrpSpPr/>
+        <p:nvPr/>
+      </p:nvGrpSpPr>
+      <p:grpSpPr>
+        <a:xfrm>
+          <a:off x="0" y="0"/>
+          <a:ext cx="0" cy="0"/>
+          <a:chOff x="0" y="0"/>
+          <a:chExt cx="0" cy="0"/>
+        </a:xfrm>
+      </p:grpSpPr>
+      <p:sp>
+        <p:nvSpPr>
+          <p:cNvPr id="2" name="Slide Image Placeholder 1"/>
+          <p:cNvSpPr>
+            <a:spLocks noGrp="1" noRot="1" noChangeAspect="1"/>
+          </p:cNvSpPr>
+          <p:nvPr>
+            <p:ph type="sldImg"/>
+          </p:nvPr>
+        </p:nvSpPr>
+        <p:spPr/>
+      </p:sp>
+      <p:sp>
+        <p:nvSpPr>
+          <p:cNvPr id="3" name="Notes Placeholder 2"/>
+          <p:cNvSpPr>
+            <a:spLocks noGrp="1"/>
+          </p:cNvSpPr>
+          <p:nvPr>
+            <p:ph type="body" idx="1"/>
+          </p:nvPr>
+        </p:nvSpPr>
+        <p:spPr/>
+        <p:txBody>
+          <a:bodyPr/>
+          <a:lstStyle/>
+          <a:p>
+            <a:pPr marL="0" marR="0" lvl="0" indent="0" algn="l" defTabSz="914400" rtl="0" eaLnBrk="1" fontAlgn="auto" latinLnBrk="0" hangingPunct="1">
+              <a:lnSpc>
+                <a:spcPct val="100000"/>
+              </a:lnSpc>
+              <a:spcBef>
+                <a:spcPts val="0"/>
+              </a:spcBef>
+              <a:spcAft>
+                <a:spcPts val="0"/>
+              </a:spcAft>
+              <a:buClrTx/>
+              <a:buSzTx/>
+              <a:buFontTx/>
+              <a:buNone/>
+              <a:tabLst/>
+              <a:defRPr/>
+            </a:pPr>
+            <a:r>
+              <a:rPr lang="en-US" dirty="0"/>
+              <a:t>Computer</a:t>
+            </a:r>
+            <a:endParaRPr lang="nl-NL" dirty="0"/>
+          </a:p>
+        </p:txBody>
+      </p:sp>
+      <p:sp>
+        <p:nvSpPr>
+          <p:cNvPr id="4" name="Slide Number Placeholder 3"/>
+          <p:cNvSpPr>
+            <a:spLocks noGrp="1"/>
+          </p:cNvSpPr>
+          <p:nvPr>
+            <p:ph type="sldNum" sz="quarter" idx="5"/>
+          </p:nvPr>
+        </p:nvSpPr>
+        <p:spPr/>
+        <p:txBody>
+          <a:bodyPr/>
+          <a:lstStyle/>
+          <a:p>
+            <a:fld id="{F917F88C-BACD-4A94-B7B7-C91B49D4CB7C}" type="slidenum">
+              <a:rPr lang="nl-NL" smtClean="0"/>
+              <a:t>20</a:t>
+            </a:fld>
+            <a:endParaRPr lang="nl-NL"/>
+          </a:p>
+        </p:txBody>
+      </p:sp>
+    </p:spTree>
+    <p:extLst>
+      <p:ext uri="{BB962C8B-B14F-4D97-AF65-F5344CB8AC3E}">
+        <p14:creationId xmlns:p14="http://schemas.microsoft.com/office/powerpoint/2010/main" val="1672084041"/>
       </p:ext>
     </p:extLst>
   </p:cSld>
@@ -2731,6 +3208,10 @@
           <a:bodyPr/>
           <a:lstStyle/>
           <a:p>
+            <a:r>
+              <a:rPr lang="en-US" dirty="0"/>
+              <a:t>Jean</a:t>
+            </a:r>
             <a:endParaRPr lang="nl-NL" dirty="0"/>
           </a:p>
         </p:txBody>
@@ -2752,7 +3233,7 @@
           <a:p>
             <a:fld id="{F917F88C-BACD-4A94-B7B7-C91B49D4CB7C}" type="slidenum">
               <a:rPr lang="nl-NL" smtClean="0"/>
-              <a:t>4</a:t>
+              <a:t>3</a:t>
             </a:fld>
             <a:endParaRPr lang="nl-NL"/>
           </a:p>
@@ -2761,7 +3242,7 @@
     </p:spTree>
     <p:extLst>
       <p:ext uri="{BB962C8B-B14F-4D97-AF65-F5344CB8AC3E}">
-        <p14:creationId xmlns:p14="http://schemas.microsoft.com/office/powerpoint/2010/main" val="393441275"/>
+        <p14:creationId xmlns:p14="http://schemas.microsoft.com/office/powerpoint/2010/main" val="1428223420"/>
       </p:ext>
     </p:extLst>
   </p:cSld>
@@ -2815,7 +3296,11 @@
           <a:bodyPr/>
           <a:lstStyle/>
           <a:p>
-            <a:endParaRPr lang="nl-NL"/>
+            <a:r>
+              <a:rPr lang="en-US" dirty="0"/>
+              <a:t>Aaron</a:t>
+            </a:r>
+            <a:endParaRPr lang="nl-NL" dirty="0"/>
           </a:p>
         </p:txBody>
       </p:sp>
@@ -2836,7 +3321,7 @@
           <a:p>
             <a:fld id="{F917F88C-BACD-4A94-B7B7-C91B49D4CB7C}" type="slidenum">
               <a:rPr lang="nl-NL" smtClean="0"/>
-              <a:t>7</a:t>
+              <a:t>6</a:t>
             </a:fld>
             <a:endParaRPr lang="nl-NL"/>
           </a:p>
@@ -2923,7 +3408,7 @@
           <a:p>
             <a:fld id="{F917F88C-BACD-4A94-B7B7-C91B49D4CB7C}" type="slidenum">
               <a:rPr lang="nl-NL" smtClean="0"/>
-              <a:t>8</a:t>
+              <a:t>7</a:t>
             </a:fld>
             <a:endParaRPr lang="nl-NL"/>
           </a:p>
@@ -3007,7 +3492,7 @@
           <a:p>
             <a:fld id="{F917F88C-BACD-4A94-B7B7-C91B49D4CB7C}" type="slidenum">
               <a:rPr lang="nl-NL" smtClean="0"/>
-              <a:t>9</a:t>
+              <a:t>8</a:t>
             </a:fld>
             <a:endParaRPr lang="nl-NL"/>
           </a:p>
@@ -3070,10 +3555,6 @@
           <a:bodyPr/>
           <a:lstStyle/>
           <a:p>
-            <a:r>
-              <a:rPr lang="en-US" dirty="0"/>
-              <a:t>First ask the examiners if they would like us to explain the formulas. Possibly skip this slide</a:t>
-            </a:r>
             <a:endParaRPr lang="nl-NL" dirty="0"/>
           </a:p>
         </p:txBody>
@@ -3095,7 +3576,7 @@
           <a:p>
             <a:fld id="{F917F88C-BACD-4A94-B7B7-C91B49D4CB7C}" type="slidenum">
               <a:rPr lang="nl-NL" smtClean="0"/>
-              <a:t>10</a:t>
+              <a:t>9</a:t>
             </a:fld>
             <a:endParaRPr lang="nl-NL"/>
           </a:p>
@@ -3158,10 +3639,6 @@
           <a:bodyPr/>
           <a:lstStyle/>
           <a:p>
-            <a:r>
-              <a:rPr lang="en-US" dirty="0"/>
-              <a:t>First ask the examiners if they would like us to explain the formulas. Possibly skip this slide</a:t>
-            </a:r>
             <a:endParaRPr lang="nl-NL" dirty="0"/>
           </a:p>
         </p:txBody>
@@ -3183,7 +3660,7 @@
           <a:p>
             <a:fld id="{F917F88C-BACD-4A94-B7B7-C91B49D4CB7C}" type="slidenum">
               <a:rPr lang="nl-NL" smtClean="0"/>
-              <a:t>11</a:t>
+              <a:t>10</a:t>
             </a:fld>
             <a:endParaRPr lang="nl-NL"/>
           </a:p>
@@ -3246,10 +3723,6 @@
           <a:bodyPr/>
           <a:lstStyle/>
           <a:p>
-            <a:r>
-              <a:rPr lang="en-US" dirty="0"/>
-              <a:t>First ask the examiners if they would like us to explain the formulas. Possibly skip this slide</a:t>
-            </a:r>
             <a:endParaRPr lang="nl-NL" dirty="0"/>
           </a:p>
         </p:txBody>
@@ -3271,7 +3744,7 @@
           <a:p>
             <a:fld id="{F917F88C-BACD-4A94-B7B7-C91B49D4CB7C}" type="slidenum">
               <a:rPr lang="nl-NL" smtClean="0"/>
-              <a:t>12</a:t>
+              <a:t>11</a:t>
             </a:fld>
             <a:endParaRPr lang="nl-NL"/>
           </a:p>
@@ -3588,7 +4061,7 @@
           <a:p>
             <a:fld id="{3A98EE3D-8CD1-4C3F-BD1C-C98C9596463C}" type="slidenum">
               <a:rPr lang="en-US" smtClean="0"/>
-              <a:t>‹nr.›</a:t>
+              <a:t>‹#›</a:t>
             </a:fld>
             <a:endParaRPr lang="en-US" dirty="0"/>
           </a:p>
@@ -3776,7 +4249,7 @@
           <a:p>
             <a:fld id="{3A98EE3D-8CD1-4C3F-BD1C-C98C9596463C}" type="slidenum">
               <a:rPr lang="en-US" smtClean="0"/>
-              <a:t>‹nr.›</a:t>
+              <a:t>‹#›</a:t>
             </a:fld>
             <a:endParaRPr lang="en-US" dirty="0"/>
           </a:p>
@@ -4149,7 +4622,7 @@
           <a:p>
             <a:fld id="{3A98EE3D-8CD1-4C3F-BD1C-C98C9596463C}" type="slidenum">
               <a:rPr lang="en-US" smtClean="0"/>
-              <a:t>‹nr.›</a:t>
+              <a:t>‹#›</a:t>
             </a:fld>
             <a:endParaRPr lang="en-US" dirty="0"/>
           </a:p>
@@ -4404,7 +4877,7 @@
           <a:p>
             <a:fld id="{3A98EE3D-8CD1-4C3F-BD1C-C98C9596463C}" type="slidenum">
               <a:rPr lang="en-US" smtClean="0"/>
-              <a:t>‹nr.›</a:t>
+              <a:t>‹#›</a:t>
             </a:fld>
             <a:endParaRPr lang="en-US" dirty="0"/>
           </a:p>
@@ -4801,7 +5274,7 @@
           <a:p>
             <a:fld id="{3A98EE3D-8CD1-4C3F-BD1C-C98C9596463C}" type="slidenum">
               <a:rPr lang="en-US" smtClean="0"/>
-              <a:t>‹nr.›</a:t>
+              <a:t>‹#›</a:t>
             </a:fld>
             <a:endParaRPr lang="en-US" dirty="0"/>
           </a:p>
@@ -4937,7 +5410,7 @@
           <a:p>
             <a:fld id="{3A98EE3D-8CD1-4C3F-BD1C-C98C9596463C}" type="slidenum">
               <a:rPr lang="en-US" smtClean="0"/>
-              <a:t>‹nr.›</a:t>
+              <a:t>‹#›</a:t>
             </a:fld>
             <a:endParaRPr lang="en-US" dirty="0"/>
           </a:p>
@@ -5094,7 +5567,7 @@
           <a:p>
             <a:fld id="{3A98EE3D-8CD1-4C3F-BD1C-C98C9596463C}" type="slidenum">
               <a:rPr lang="en-US" smtClean="0"/>
-              <a:t>‹nr.›</a:t>
+              <a:t>‹#›</a:t>
             </a:fld>
             <a:endParaRPr lang="en-US" dirty="0"/>
           </a:p>
@@ -5433,7 +5906,7 @@
             <a:fld id="{3A98EE3D-8CD1-4C3F-BD1C-C98C9596463C}" type="slidenum">
               <a:rPr lang="en-US" smtClean="0"/>
               <a:pPr/>
-              <a:t>‹nr.›</a:t>
+              <a:t>‹#›</a:t>
             </a:fld>
             <a:endParaRPr lang="en-US" dirty="0"/>
           </a:p>
@@ -5767,7 +6240,7 @@
           <a:p>
             <a:fld id="{3A98EE3D-8CD1-4C3F-BD1C-C98C9596463C}" type="slidenum">
               <a:rPr lang="en-US" smtClean="0"/>
-              <a:t>‹nr.›</a:t>
+              <a:t>‹#›</a:t>
             </a:fld>
             <a:endParaRPr lang="en-US" dirty="0"/>
           </a:p>
@@ -6054,7 +6527,7 @@
           <a:p>
             <a:fld id="{3A98EE3D-8CD1-4C3F-BD1C-C98C9596463C}" type="slidenum">
               <a:rPr lang="en-US" smtClean="0"/>
-              <a:t>‹nr.›</a:t>
+              <a:t>‹#›</a:t>
             </a:fld>
             <a:endParaRPr lang="en-US" dirty="0"/>
           </a:p>
@@ -7117,7 +7590,7 @@
           <a:p>
             <a:r>
               <a:rPr lang="en-US" dirty="0"/>
-              <a:t>The formulas</a:t>
+              <a:t>The formulas </a:t>
             </a:r>
             <a:br>
               <a:rPr lang="en-US" dirty="0"/>
@@ -7132,767 +7605,14 @@
             </a:r>
             <a:r>
               <a:rPr lang="en-US" dirty="0"/>
-              <a:t>-order Verlet</a:t>
+              <a:t>-order Velocity Verlet</a:t>
             </a:r>
             <a:endParaRPr lang="nl-NL" dirty="0"/>
           </a:p>
         </p:txBody>
       </p:sp>
-      <mc:AlternateContent xmlns:mc="http://schemas.openxmlformats.org/markup-compatibility/2006">
-        <mc:Choice xmlns:a14="http://schemas.microsoft.com/office/drawing/2010/main" Requires="a14">
-          <p:sp>
-            <p:nvSpPr>
-              <p:cNvPr id="3" name="Content Placeholder 2">
-                <a:extLst>
-                  <a:ext uri="{FF2B5EF4-FFF2-40B4-BE49-F238E27FC236}">
-                    <a16:creationId xmlns:a16="http://schemas.microsoft.com/office/drawing/2014/main" id="{2C807C5B-BBEB-4D09-A4B8-DDD8ACC39660}"/>
-                  </a:ext>
-                </a:extLst>
-              </p:cNvPr>
-              <p:cNvSpPr>
-                <a:spLocks noGrp="1"/>
-              </p:cNvSpPr>
-              <p:nvPr>
-                <p:ph idx="1"/>
-              </p:nvPr>
-            </p:nvSpPr>
-            <p:spPr/>
-            <p:txBody>
-              <a:bodyPr/>
-              <a:lstStyle/>
-              <a:p>
-                <a:pPr marL="0" indent="0">
-                  <a:buNone/>
-                </a:pPr>
-                <a:r>
-                  <a:rPr lang="nl-NL" i="1" dirty="0">
-                    <a:latin typeface="Cambria Math" panose="02040503050406030204" pitchFamily="18" charset="0"/>
-                  </a:rPr>
-                  <a:t>  p</a:t>
-                </a:r>
-                <a14:m>
-                  <m:oMath xmlns:m="http://schemas.openxmlformats.org/officeDocument/2006/math">
-                    <m:d>
-                      <m:dPr>
-                        <m:ctrlPr>
-                          <a:rPr lang="nl-NL" b="0" i="1" smtClean="0">
-                            <a:latin typeface="Cambria Math" panose="02040503050406030204" pitchFamily="18" charset="0"/>
-                          </a:rPr>
-                        </m:ctrlPr>
-                      </m:dPr>
-                      <m:e>
-                        <m:r>
-                          <a:rPr lang="nl-NL" b="0" i="1" smtClean="0">
-                            <a:latin typeface="Cambria Math" panose="02040503050406030204" pitchFamily="18" charset="0"/>
-                          </a:rPr>
-                          <m:t>𝑡</m:t>
-                        </m:r>
-                        <m:r>
-                          <a:rPr lang="nl-NL" b="0" i="1" smtClean="0">
-                            <a:latin typeface="Cambria Math" panose="02040503050406030204" pitchFamily="18" charset="0"/>
-                          </a:rPr>
-                          <m:t>+∆</m:t>
-                        </m:r>
-                        <m:r>
-                          <a:rPr lang="nl-NL" b="0" i="1" smtClean="0">
-                            <a:latin typeface="Cambria Math" panose="02040503050406030204" pitchFamily="18" charset="0"/>
-                            <a:ea typeface="Cambria Math" panose="02040503050406030204" pitchFamily="18" charset="0"/>
-                          </a:rPr>
-                          <m:t>𝑡</m:t>
-                        </m:r>
-                      </m:e>
-                    </m:d>
-                    <m:r>
-                      <a:rPr lang="nl-NL" b="0" i="1" smtClean="0">
-                        <a:latin typeface="Cambria Math" panose="02040503050406030204" pitchFamily="18" charset="0"/>
-                        <a:ea typeface="Cambria Math" panose="02040503050406030204" pitchFamily="18" charset="0"/>
-                      </a:rPr>
-                      <m:t>=2</m:t>
-                    </m:r>
-                    <m:r>
-                      <a:rPr lang="nl-NL" b="0" i="1" smtClean="0">
-                        <a:latin typeface="Cambria Math" panose="02040503050406030204" pitchFamily="18" charset="0"/>
-                        <a:ea typeface="Cambria Math" panose="02040503050406030204" pitchFamily="18" charset="0"/>
-                      </a:rPr>
-                      <m:t>𝑝</m:t>
-                    </m:r>
-                    <m:d>
-                      <m:dPr>
-                        <m:ctrlPr>
-                          <a:rPr lang="nl-NL" b="0" i="1" smtClean="0">
-                            <a:latin typeface="Cambria Math" panose="02040503050406030204" pitchFamily="18" charset="0"/>
-                            <a:ea typeface="Cambria Math" panose="02040503050406030204" pitchFamily="18" charset="0"/>
-                          </a:rPr>
-                        </m:ctrlPr>
-                      </m:dPr>
-                      <m:e>
-                        <m:r>
-                          <a:rPr lang="nl-NL" b="0" i="1" smtClean="0">
-                            <a:latin typeface="Cambria Math" panose="02040503050406030204" pitchFamily="18" charset="0"/>
-                            <a:ea typeface="Cambria Math" panose="02040503050406030204" pitchFamily="18" charset="0"/>
-                          </a:rPr>
-                          <m:t>𝑡</m:t>
-                        </m:r>
-                      </m:e>
-                    </m:d>
-                    <m:r>
-                      <a:rPr lang="nl-NL" b="0" i="1" smtClean="0">
-                        <a:latin typeface="Cambria Math" panose="02040503050406030204" pitchFamily="18" charset="0"/>
-                        <a:ea typeface="Cambria Math" panose="02040503050406030204" pitchFamily="18" charset="0"/>
-                      </a:rPr>
-                      <m:t>−</m:t>
-                    </m:r>
-                    <m:r>
-                      <a:rPr lang="nl-NL" b="0" i="1" smtClean="0">
-                        <a:latin typeface="Cambria Math" panose="02040503050406030204" pitchFamily="18" charset="0"/>
-                        <a:ea typeface="Cambria Math" panose="02040503050406030204" pitchFamily="18" charset="0"/>
-                      </a:rPr>
-                      <m:t>𝑝</m:t>
-                    </m:r>
-                    <m:d>
-                      <m:dPr>
-                        <m:ctrlPr>
-                          <a:rPr lang="nl-NL" b="0" i="1" smtClean="0">
-                            <a:latin typeface="Cambria Math" panose="02040503050406030204" pitchFamily="18" charset="0"/>
-                            <a:ea typeface="Cambria Math" panose="02040503050406030204" pitchFamily="18" charset="0"/>
-                          </a:rPr>
-                        </m:ctrlPr>
-                      </m:dPr>
-                      <m:e>
-                        <m:r>
-                          <a:rPr lang="nl-NL" b="0" i="1" smtClean="0">
-                            <a:latin typeface="Cambria Math" panose="02040503050406030204" pitchFamily="18" charset="0"/>
-                            <a:ea typeface="Cambria Math" panose="02040503050406030204" pitchFamily="18" charset="0"/>
-                          </a:rPr>
-                          <m:t>𝑡</m:t>
-                        </m:r>
-                        <m:r>
-                          <a:rPr lang="nl-NL" b="0" i="1" smtClean="0">
-                            <a:latin typeface="Cambria Math" panose="02040503050406030204" pitchFamily="18" charset="0"/>
-                            <a:ea typeface="Cambria Math" panose="02040503050406030204" pitchFamily="18" charset="0"/>
-                          </a:rPr>
-                          <m:t>−∆</m:t>
-                        </m:r>
-                        <m:r>
-                          <a:rPr lang="nl-NL" b="0" i="1" smtClean="0">
-                            <a:latin typeface="Cambria Math" panose="02040503050406030204" pitchFamily="18" charset="0"/>
-                            <a:ea typeface="Cambria Math" panose="02040503050406030204" pitchFamily="18" charset="0"/>
-                          </a:rPr>
-                          <m:t>𝑡</m:t>
-                        </m:r>
-                      </m:e>
-                    </m:d>
-                    <m:r>
-                      <a:rPr lang="nl-NL" b="0" i="1" smtClean="0">
-                        <a:latin typeface="Cambria Math" panose="02040503050406030204" pitchFamily="18" charset="0"/>
-                        <a:ea typeface="Cambria Math" panose="02040503050406030204" pitchFamily="18" charset="0"/>
-                      </a:rPr>
-                      <m:t>+</m:t>
-                    </m:r>
-                    <m:r>
-                      <a:rPr lang="nl-NL" b="0" i="1" smtClean="0">
-                        <a:latin typeface="Cambria Math" panose="02040503050406030204" pitchFamily="18" charset="0"/>
-                        <a:ea typeface="Cambria Math" panose="02040503050406030204" pitchFamily="18" charset="0"/>
-                      </a:rPr>
-                      <m:t>𝑎</m:t>
-                    </m:r>
-                    <m:d>
-                      <m:dPr>
-                        <m:ctrlPr>
-                          <a:rPr lang="nl-NL" b="0" i="1" smtClean="0">
-                            <a:latin typeface="Cambria Math" panose="02040503050406030204" pitchFamily="18" charset="0"/>
-                            <a:ea typeface="Cambria Math" panose="02040503050406030204" pitchFamily="18" charset="0"/>
-                          </a:rPr>
-                        </m:ctrlPr>
-                      </m:dPr>
-                      <m:e>
-                        <m:r>
-                          <a:rPr lang="nl-NL" b="0" i="1" smtClean="0">
-                            <a:latin typeface="Cambria Math" panose="02040503050406030204" pitchFamily="18" charset="0"/>
-                            <a:ea typeface="Cambria Math" panose="02040503050406030204" pitchFamily="18" charset="0"/>
-                          </a:rPr>
-                          <m:t>𝑡</m:t>
-                        </m:r>
-                      </m:e>
-                    </m:d>
-                    <m:r>
-                      <a:rPr lang="nl-NL" b="0" i="1" smtClean="0">
-                        <a:latin typeface="Cambria Math" panose="02040503050406030204" pitchFamily="18" charset="0"/>
-                        <a:ea typeface="Cambria Math" panose="02040503050406030204" pitchFamily="18" charset="0"/>
-                      </a:rPr>
-                      <m:t>∆</m:t>
-                    </m:r>
-                    <m:sSup>
-                      <m:sSupPr>
-                        <m:ctrlPr>
-                          <a:rPr lang="nl-NL" b="0" i="1" smtClean="0">
-                            <a:latin typeface="Cambria Math" panose="02040503050406030204" pitchFamily="18" charset="0"/>
-                            <a:ea typeface="Cambria Math" panose="02040503050406030204" pitchFamily="18" charset="0"/>
-                          </a:rPr>
-                        </m:ctrlPr>
-                      </m:sSupPr>
-                      <m:e>
-                        <m:r>
-                          <a:rPr lang="nl-NL" b="0" i="1" smtClean="0">
-                            <a:latin typeface="Cambria Math" panose="02040503050406030204" pitchFamily="18" charset="0"/>
-                            <a:ea typeface="Cambria Math" panose="02040503050406030204" pitchFamily="18" charset="0"/>
-                          </a:rPr>
-                          <m:t>𝑡</m:t>
-                        </m:r>
-                      </m:e>
-                      <m:sup>
-                        <m:r>
-                          <a:rPr lang="nl-NL" b="0" i="1" smtClean="0">
-                            <a:latin typeface="Cambria Math" panose="02040503050406030204" pitchFamily="18" charset="0"/>
-                            <a:ea typeface="Cambria Math" panose="02040503050406030204" pitchFamily="18" charset="0"/>
-                          </a:rPr>
-                          <m:t>2</m:t>
-                        </m:r>
-                      </m:sup>
-                    </m:sSup>
-                    <m:r>
-                      <a:rPr lang="nl-NL" b="0" i="1" smtClean="0">
-                        <a:latin typeface="Cambria Math" panose="02040503050406030204" pitchFamily="18" charset="0"/>
-                        <a:ea typeface="Cambria Math" panose="02040503050406030204" pitchFamily="18" charset="0"/>
-                      </a:rPr>
-                      <m:t>+</m:t>
-                    </m:r>
-                    <m:r>
-                      <a:rPr lang="nl-NL" b="0" i="1" smtClean="0">
-                        <a:latin typeface="Cambria Math" panose="02040503050406030204" pitchFamily="18" charset="0"/>
-                        <a:ea typeface="Cambria Math" panose="02040503050406030204" pitchFamily="18" charset="0"/>
-                      </a:rPr>
-                      <m:t>𝑂</m:t>
-                    </m:r>
-                    <m:d>
-                      <m:dPr>
-                        <m:ctrlPr>
-                          <a:rPr lang="nl-NL" b="0" i="1" smtClean="0">
-                            <a:latin typeface="Cambria Math" panose="02040503050406030204" pitchFamily="18" charset="0"/>
-                            <a:ea typeface="Cambria Math" panose="02040503050406030204" pitchFamily="18" charset="0"/>
-                          </a:rPr>
-                        </m:ctrlPr>
-                      </m:dPr>
-                      <m:e>
-                        <m:r>
-                          <a:rPr lang="nl-NL" b="0" i="1" smtClean="0">
-                            <a:latin typeface="Cambria Math" panose="02040503050406030204" pitchFamily="18" charset="0"/>
-                            <a:ea typeface="Cambria Math" panose="02040503050406030204" pitchFamily="18" charset="0"/>
-                          </a:rPr>
-                          <m:t>∆</m:t>
-                        </m:r>
-                        <m:sSup>
-                          <m:sSupPr>
-                            <m:ctrlPr>
-                              <a:rPr lang="nl-NL" b="0" i="1" smtClean="0">
-                                <a:latin typeface="Cambria Math" panose="02040503050406030204" pitchFamily="18" charset="0"/>
-                                <a:ea typeface="Cambria Math" panose="02040503050406030204" pitchFamily="18" charset="0"/>
-                              </a:rPr>
-                            </m:ctrlPr>
-                          </m:sSupPr>
-                          <m:e>
-                            <m:r>
-                              <a:rPr lang="nl-NL" b="0" i="1" smtClean="0">
-                                <a:latin typeface="Cambria Math" panose="02040503050406030204" pitchFamily="18" charset="0"/>
-                                <a:ea typeface="Cambria Math" panose="02040503050406030204" pitchFamily="18" charset="0"/>
-                              </a:rPr>
-                              <m:t>𝑡</m:t>
-                            </m:r>
-                          </m:e>
-                          <m:sup>
-                            <m:r>
-                              <a:rPr lang="nl-NL" b="0" i="1" smtClean="0">
-                                <a:latin typeface="Cambria Math" panose="02040503050406030204" pitchFamily="18" charset="0"/>
-                                <a:ea typeface="Cambria Math" panose="02040503050406030204" pitchFamily="18" charset="0"/>
-                              </a:rPr>
-                              <m:t>2</m:t>
-                            </m:r>
-                          </m:sup>
-                        </m:sSup>
-                      </m:e>
-                    </m:d>
-                  </m:oMath>
-                </a14:m>
-                <a:endParaRPr lang="nl-NL" b="0" i="1" dirty="0">
-                  <a:latin typeface="Cambria Math" panose="02040503050406030204" pitchFamily="18" charset="0"/>
-                  <a:ea typeface="Cambria Math" panose="02040503050406030204" pitchFamily="18" charset="0"/>
-                </a:endParaRPr>
-              </a:p>
-              <a:p>
-                <a:pPr marL="0" indent="0">
-                  <a:buNone/>
-                </a:pPr>
-                <a:r>
-                  <a:rPr lang="nl-NL" dirty="0"/>
-                  <a:t>  </a:t>
-                </a:r>
-                <a14:m>
-                  <m:oMath xmlns:m="http://schemas.openxmlformats.org/officeDocument/2006/math">
-                    <m:r>
-                      <a:rPr lang="nl-NL" i="1">
-                        <a:latin typeface="Cambria Math" panose="02040503050406030204" pitchFamily="18" charset="0"/>
-                      </a:rPr>
-                      <m:t>𝑎</m:t>
-                    </m:r>
-                    <m:d>
-                      <m:dPr>
-                        <m:ctrlPr>
-                          <a:rPr lang="nl-NL" i="1">
-                            <a:latin typeface="Cambria Math" panose="02040503050406030204" pitchFamily="18" charset="0"/>
-                          </a:rPr>
-                        </m:ctrlPr>
-                      </m:dPr>
-                      <m:e>
-                        <m:r>
-                          <a:rPr lang="nl-NL" i="1">
-                            <a:latin typeface="Cambria Math" panose="02040503050406030204" pitchFamily="18" charset="0"/>
-                          </a:rPr>
-                          <m:t>𝑡</m:t>
-                        </m:r>
-                      </m:e>
-                    </m:d>
-                    <m:r>
-                      <a:rPr lang="nl-NL" i="1">
-                        <a:latin typeface="Cambria Math" panose="02040503050406030204" pitchFamily="18" charset="0"/>
-                        <a:ea typeface="Cambria Math" panose="02040503050406030204" pitchFamily="18" charset="0"/>
-                      </a:rPr>
-                      <m:t>= </m:t>
-                    </m:r>
-                    <m:f>
-                      <m:fPr>
-                        <m:ctrlPr>
-                          <a:rPr lang="nl-NL" i="1">
-                            <a:latin typeface="Cambria Math" panose="02040503050406030204" pitchFamily="18" charset="0"/>
-                            <a:ea typeface="Cambria Math" panose="02040503050406030204" pitchFamily="18" charset="0"/>
-                          </a:rPr>
-                        </m:ctrlPr>
-                      </m:fPr>
-                      <m:num>
-                        <m:r>
-                          <a:rPr lang="nl-NL" i="1">
-                            <a:latin typeface="Cambria Math" panose="02040503050406030204" pitchFamily="18" charset="0"/>
-                            <a:ea typeface="Cambria Math" panose="02040503050406030204" pitchFamily="18" charset="0"/>
-                          </a:rPr>
-                          <m:t>𝐹</m:t>
-                        </m:r>
-                        <m:r>
-                          <a:rPr lang="nl-NL" i="1">
-                            <a:latin typeface="Cambria Math" panose="02040503050406030204" pitchFamily="18" charset="0"/>
-                            <a:ea typeface="Cambria Math" panose="02040503050406030204" pitchFamily="18" charset="0"/>
-                          </a:rPr>
-                          <m:t>(</m:t>
-                        </m:r>
-                        <m:r>
-                          <a:rPr lang="nl-NL" i="1">
-                            <a:latin typeface="Cambria Math" panose="02040503050406030204" pitchFamily="18" charset="0"/>
-                            <a:ea typeface="Cambria Math" panose="02040503050406030204" pitchFamily="18" charset="0"/>
-                          </a:rPr>
-                          <m:t>𝑝</m:t>
-                        </m:r>
-                        <m:d>
-                          <m:dPr>
-                            <m:ctrlPr>
-                              <a:rPr lang="nl-NL" i="1">
-                                <a:latin typeface="Cambria Math" panose="02040503050406030204" pitchFamily="18" charset="0"/>
-                                <a:ea typeface="Cambria Math" panose="02040503050406030204" pitchFamily="18" charset="0"/>
-                              </a:rPr>
-                            </m:ctrlPr>
-                          </m:dPr>
-                          <m:e>
-                            <m:r>
-                              <a:rPr lang="nl-NL" i="1">
-                                <a:latin typeface="Cambria Math" panose="02040503050406030204" pitchFamily="18" charset="0"/>
-                                <a:ea typeface="Cambria Math" panose="02040503050406030204" pitchFamily="18" charset="0"/>
-                              </a:rPr>
-                              <m:t>𝑡</m:t>
-                            </m:r>
-                          </m:e>
-                        </m:d>
-                        <m:r>
-                          <a:rPr lang="nl-NL" i="1">
-                            <a:latin typeface="Cambria Math" panose="02040503050406030204" pitchFamily="18" charset="0"/>
-                            <a:ea typeface="Cambria Math" panose="02040503050406030204" pitchFamily="18" charset="0"/>
-                          </a:rPr>
-                          <m:t>,   </m:t>
-                        </m:r>
-                        <m:r>
-                          <a:rPr lang="nl-NL" i="1">
-                            <a:latin typeface="Cambria Math" panose="02040503050406030204" pitchFamily="18" charset="0"/>
-                            <a:ea typeface="Cambria Math" panose="02040503050406030204" pitchFamily="18" charset="0"/>
-                          </a:rPr>
-                          <m:t>𝑣</m:t>
-                        </m:r>
-                        <m:d>
-                          <m:dPr>
-                            <m:ctrlPr>
-                              <a:rPr lang="nl-NL" i="1">
-                                <a:latin typeface="Cambria Math" panose="02040503050406030204" pitchFamily="18" charset="0"/>
-                                <a:ea typeface="Cambria Math" panose="02040503050406030204" pitchFamily="18" charset="0"/>
-                              </a:rPr>
-                            </m:ctrlPr>
-                          </m:dPr>
-                          <m:e>
-                            <m:r>
-                              <a:rPr lang="nl-NL" i="1">
-                                <a:latin typeface="Cambria Math" panose="02040503050406030204" pitchFamily="18" charset="0"/>
-                                <a:ea typeface="Cambria Math" panose="02040503050406030204" pitchFamily="18" charset="0"/>
-                              </a:rPr>
-                              <m:t>𝑡</m:t>
-                            </m:r>
-                          </m:e>
-                        </m:d>
-                        <m:r>
-                          <a:rPr lang="nl-NL" i="1">
-                            <a:latin typeface="Cambria Math" panose="02040503050406030204" pitchFamily="18" charset="0"/>
-                            <a:ea typeface="Cambria Math" panose="02040503050406030204" pitchFamily="18" charset="0"/>
-                          </a:rPr>
-                          <m:t>)</m:t>
-                        </m:r>
-                      </m:num>
-                      <m:den>
-                        <m:r>
-                          <a:rPr lang="nl-NL" i="1">
-                            <a:latin typeface="Cambria Math" panose="02040503050406030204" pitchFamily="18" charset="0"/>
-                            <a:ea typeface="Cambria Math" panose="02040503050406030204" pitchFamily="18" charset="0"/>
-                          </a:rPr>
-                          <m:t>𝑚</m:t>
-                        </m:r>
-                      </m:den>
-                    </m:f>
-                  </m:oMath>
-                </a14:m>
-                <a:r>
-                  <a:rPr lang="nl-NL" dirty="0"/>
-                  <a:t> </a:t>
-                </a:r>
-                <a:endParaRPr lang="en-US" dirty="0"/>
-              </a:p>
-              <a:p>
-                <a14:m>
-                  <m:oMath xmlns:m="http://schemas.openxmlformats.org/officeDocument/2006/math">
-                    <m:r>
-                      <a:rPr lang="nl-NL" b="0" i="1" smtClean="0">
-                        <a:latin typeface="Cambria Math" panose="02040503050406030204" pitchFamily="18" charset="0"/>
-                      </a:rPr>
-                      <m:t>𝑣</m:t>
-                    </m:r>
-                    <m:d>
-                      <m:dPr>
-                        <m:ctrlPr>
-                          <a:rPr lang="nl-NL" b="0" i="1" smtClean="0">
-                            <a:latin typeface="Cambria Math" panose="02040503050406030204" pitchFamily="18" charset="0"/>
-                          </a:rPr>
-                        </m:ctrlPr>
-                      </m:dPr>
-                      <m:e>
-                        <m:r>
-                          <a:rPr lang="nl-NL" b="0" i="1" smtClean="0">
-                            <a:latin typeface="Cambria Math" panose="02040503050406030204" pitchFamily="18" charset="0"/>
-                          </a:rPr>
-                          <m:t>𝑡</m:t>
-                        </m:r>
-                      </m:e>
-                    </m:d>
-                    <m:r>
-                      <a:rPr lang="nl-NL" b="0" i="1" smtClean="0">
-                        <a:latin typeface="Cambria Math" panose="02040503050406030204" pitchFamily="18" charset="0"/>
-                      </a:rPr>
-                      <m:t>=</m:t>
-                    </m:r>
-                    <m:f>
-                      <m:fPr>
-                        <m:ctrlPr>
-                          <a:rPr lang="nl-NL" b="0" i="1" smtClean="0">
-                            <a:latin typeface="Cambria Math" panose="02040503050406030204" pitchFamily="18" charset="0"/>
-                          </a:rPr>
-                        </m:ctrlPr>
-                      </m:fPr>
-                      <m:num>
-                        <m:r>
-                          <a:rPr lang="nl-NL" b="0" i="1" smtClean="0">
-                            <a:latin typeface="Cambria Math" panose="02040503050406030204" pitchFamily="18" charset="0"/>
-                          </a:rPr>
-                          <m:t>𝑝</m:t>
-                        </m:r>
-                        <m:d>
-                          <m:dPr>
-                            <m:ctrlPr>
-                              <a:rPr lang="nl-NL" b="0" i="1" smtClean="0">
-                                <a:latin typeface="Cambria Math" panose="02040503050406030204" pitchFamily="18" charset="0"/>
-                              </a:rPr>
-                            </m:ctrlPr>
-                          </m:dPr>
-                          <m:e>
-                            <m:r>
-                              <a:rPr lang="nl-NL" b="0" i="1" smtClean="0">
-                                <a:latin typeface="Cambria Math" panose="02040503050406030204" pitchFamily="18" charset="0"/>
-                              </a:rPr>
-                              <m:t>𝑡</m:t>
-                            </m:r>
-                            <m:r>
-                              <a:rPr lang="nl-NL" b="0" i="1" smtClean="0">
-                                <a:latin typeface="Cambria Math" panose="02040503050406030204" pitchFamily="18" charset="0"/>
-                              </a:rPr>
-                              <m:t>+∆</m:t>
-                            </m:r>
-                            <m:r>
-                              <a:rPr lang="nl-NL" b="0" i="1" smtClean="0">
-                                <a:latin typeface="Cambria Math" panose="02040503050406030204" pitchFamily="18" charset="0"/>
-                                <a:ea typeface="Cambria Math" panose="02040503050406030204" pitchFamily="18" charset="0"/>
-                              </a:rPr>
-                              <m:t>𝑡</m:t>
-                            </m:r>
-                          </m:e>
-                        </m:d>
-                        <m:r>
-                          <a:rPr lang="nl-NL" b="0" i="1" smtClean="0">
-                            <a:latin typeface="Cambria Math" panose="02040503050406030204" pitchFamily="18" charset="0"/>
-                            <a:ea typeface="Cambria Math" panose="02040503050406030204" pitchFamily="18" charset="0"/>
-                          </a:rPr>
-                          <m:t>−</m:t>
-                        </m:r>
-                        <m:r>
-                          <a:rPr lang="nl-NL" b="0" i="1" smtClean="0">
-                            <a:latin typeface="Cambria Math" panose="02040503050406030204" pitchFamily="18" charset="0"/>
-                            <a:ea typeface="Cambria Math" panose="02040503050406030204" pitchFamily="18" charset="0"/>
-                          </a:rPr>
-                          <m:t>𝑝</m:t>
-                        </m:r>
-                        <m:r>
-                          <a:rPr lang="nl-NL" b="0" i="1" smtClean="0">
-                            <a:latin typeface="Cambria Math" panose="02040503050406030204" pitchFamily="18" charset="0"/>
-                            <a:ea typeface="Cambria Math" panose="02040503050406030204" pitchFamily="18" charset="0"/>
-                          </a:rPr>
-                          <m:t>(</m:t>
-                        </m:r>
-                        <m:r>
-                          <a:rPr lang="nl-NL" b="0" i="1" smtClean="0">
-                            <a:latin typeface="Cambria Math" panose="02040503050406030204" pitchFamily="18" charset="0"/>
-                            <a:ea typeface="Cambria Math" panose="02040503050406030204" pitchFamily="18" charset="0"/>
-                          </a:rPr>
-                          <m:t>𝑡</m:t>
-                        </m:r>
-                        <m:r>
-                          <a:rPr lang="nl-NL" b="0" i="1" smtClean="0">
-                            <a:latin typeface="Cambria Math" panose="02040503050406030204" pitchFamily="18" charset="0"/>
-                            <a:ea typeface="Cambria Math" panose="02040503050406030204" pitchFamily="18" charset="0"/>
-                          </a:rPr>
-                          <m:t>−∆</m:t>
-                        </m:r>
-                        <m:r>
-                          <a:rPr lang="nl-NL" b="0" i="1" smtClean="0">
-                            <a:latin typeface="Cambria Math" panose="02040503050406030204" pitchFamily="18" charset="0"/>
-                            <a:ea typeface="Cambria Math" panose="02040503050406030204" pitchFamily="18" charset="0"/>
-                          </a:rPr>
-                          <m:t>𝑡</m:t>
-                        </m:r>
-                        <m:r>
-                          <a:rPr lang="nl-NL" b="0" i="1" smtClean="0">
-                            <a:latin typeface="Cambria Math" panose="02040503050406030204" pitchFamily="18" charset="0"/>
-                            <a:ea typeface="Cambria Math" panose="02040503050406030204" pitchFamily="18" charset="0"/>
-                          </a:rPr>
-                          <m:t>)</m:t>
-                        </m:r>
-                      </m:num>
-                      <m:den>
-                        <m:r>
-                          <a:rPr lang="nl-NL" b="0" i="1" smtClean="0">
-                            <a:latin typeface="Cambria Math" panose="02040503050406030204" pitchFamily="18" charset="0"/>
-                          </a:rPr>
-                          <m:t>2</m:t>
-                        </m:r>
-                        <m:r>
-                          <a:rPr lang="nl-NL" b="0" i="1" smtClean="0">
-                            <a:latin typeface="Cambria Math" panose="02040503050406030204" pitchFamily="18" charset="0"/>
-                            <a:ea typeface="Cambria Math" panose="02040503050406030204" pitchFamily="18" charset="0"/>
-                          </a:rPr>
-                          <m:t>∆</m:t>
-                        </m:r>
-                        <m:r>
-                          <a:rPr lang="nl-NL" b="0" i="1" smtClean="0">
-                            <a:latin typeface="Cambria Math" panose="02040503050406030204" pitchFamily="18" charset="0"/>
-                            <a:ea typeface="Cambria Math" panose="02040503050406030204" pitchFamily="18" charset="0"/>
-                          </a:rPr>
-                          <m:t>𝑡</m:t>
-                        </m:r>
-                      </m:den>
-                    </m:f>
-                    <m:r>
-                      <a:rPr lang="nl-NL" b="0" i="1" smtClean="0">
-                        <a:latin typeface="Cambria Math" panose="02040503050406030204" pitchFamily="18" charset="0"/>
-                      </a:rPr>
-                      <m:t>+</m:t>
-                    </m:r>
-                    <m:r>
-                      <a:rPr lang="nl-NL" b="0" i="1" smtClean="0">
-                        <a:latin typeface="Cambria Math" panose="02040503050406030204" pitchFamily="18" charset="0"/>
-                      </a:rPr>
-                      <m:t>𝑂</m:t>
-                    </m:r>
-                    <m:r>
-                      <a:rPr lang="nl-NL" b="0" i="1" smtClean="0">
-                        <a:latin typeface="Cambria Math" panose="02040503050406030204" pitchFamily="18" charset="0"/>
-                      </a:rPr>
-                      <m:t>(∆</m:t>
-                    </m:r>
-                    <m:sSup>
-                      <m:sSupPr>
-                        <m:ctrlPr>
-                          <a:rPr lang="nl-NL" b="0" i="1" smtClean="0">
-                            <a:latin typeface="Cambria Math" panose="02040503050406030204" pitchFamily="18" charset="0"/>
-                            <a:ea typeface="Cambria Math" panose="02040503050406030204" pitchFamily="18" charset="0"/>
-                          </a:rPr>
-                        </m:ctrlPr>
-                      </m:sSupPr>
-                      <m:e>
-                        <m:r>
-                          <a:rPr lang="nl-NL" b="0" i="1" smtClean="0">
-                            <a:latin typeface="Cambria Math" panose="02040503050406030204" pitchFamily="18" charset="0"/>
-                            <a:ea typeface="Cambria Math" panose="02040503050406030204" pitchFamily="18" charset="0"/>
-                          </a:rPr>
-                          <m:t>𝑡</m:t>
-                        </m:r>
-                      </m:e>
-                      <m:sup>
-                        <m:r>
-                          <a:rPr lang="nl-NL" b="0" i="1" smtClean="0">
-                            <a:latin typeface="Cambria Math" panose="02040503050406030204" pitchFamily="18" charset="0"/>
-                            <a:ea typeface="Cambria Math" panose="02040503050406030204" pitchFamily="18" charset="0"/>
-                          </a:rPr>
-                          <m:t>2</m:t>
-                        </m:r>
-                      </m:sup>
-                    </m:sSup>
-                    <m:r>
-                      <a:rPr lang="nl-NL" b="0" i="1" smtClean="0">
-                        <a:latin typeface="Cambria Math" panose="02040503050406030204" pitchFamily="18" charset="0"/>
-                        <a:ea typeface="Cambria Math" panose="02040503050406030204" pitchFamily="18" charset="0"/>
-                      </a:rPr>
-                      <m:t>)</m:t>
-                    </m:r>
-                  </m:oMath>
-                </a14:m>
-                <a:endParaRPr lang="en-US" dirty="0"/>
-              </a:p>
-            </p:txBody>
-          </p:sp>
-        </mc:Choice>
-        <mc:Fallback>
-          <p:sp>
-            <p:nvSpPr>
-              <p:cNvPr id="3" name="Content Placeholder 2">
-                <a:extLst>
-                  <a:ext uri="{FF2B5EF4-FFF2-40B4-BE49-F238E27FC236}">
-                    <a16:creationId xmlns:a16="http://schemas.microsoft.com/office/drawing/2014/main" id="{2C807C5B-BBEB-4D09-A4B8-DDD8ACC39660}"/>
-                  </a:ext>
-                </a:extLst>
-              </p:cNvPr>
-              <p:cNvSpPr>
-                <a:spLocks noGrp="1" noRot="1" noChangeAspect="1" noMove="1" noResize="1" noEditPoints="1" noAdjustHandles="1" noChangeArrowheads="1" noChangeShapeType="1" noTextEdit="1"/>
-              </p:cNvSpPr>
-              <p:nvPr>
-                <p:ph idx="1"/>
-              </p:nvPr>
-            </p:nvSpPr>
-            <p:spPr>
-              <a:blipFill>
-                <a:blip r:embed="rId3"/>
-                <a:stretch>
-                  <a:fillRect l="-424" t="-810"/>
-                </a:stretch>
-              </a:blipFill>
-            </p:spPr>
-            <p:txBody>
-              <a:bodyPr/>
-              <a:lstStyle/>
-              <a:p>
-                <a:r>
-                  <a:rPr lang="en-GB">
-                    <a:noFill/>
-                  </a:rPr>
-                  <a:t> </a:t>
-                </a:r>
-              </a:p>
-            </p:txBody>
-          </p:sp>
-        </mc:Fallback>
-      </mc:AlternateContent>
-    </p:spTree>
-    <p:extLst>
-      <p:ext uri="{BB962C8B-B14F-4D97-AF65-F5344CB8AC3E}">
-        <p14:creationId xmlns:p14="http://schemas.microsoft.com/office/powerpoint/2010/main" val="2122963621"/>
-      </p:ext>
-    </p:extLst>
-  </p:cSld>
-  <p:clrMapOvr>
-    <a:masterClrMapping/>
-  </p:clrMapOvr>
-</p:sld>
-</file>
-
-<file path=ppt/slides/slide11.xml><?xml version="1.0" encoding="utf-8"?>
-<p:sld xmlns:a="http://schemas.openxmlformats.org/drawingml/2006/main" xmlns:r="http://schemas.openxmlformats.org/officeDocument/2006/relationships" xmlns:p="http://schemas.openxmlformats.org/presentationml/2006/main">
-  <p:cSld>
-    <p:spTree>
-      <p:nvGrpSpPr>
-        <p:cNvPr id="1" name=""/>
-        <p:cNvGrpSpPr/>
-        <p:nvPr/>
-      </p:nvGrpSpPr>
-      <p:grpSpPr>
-        <a:xfrm>
-          <a:off x="0" y="0"/>
-          <a:ext cx="0" cy="0"/>
-          <a:chOff x="0" y="0"/>
-          <a:chExt cx="0" cy="0"/>
-        </a:xfrm>
-      </p:grpSpPr>
-      <p:sp>
-        <p:nvSpPr>
-          <p:cNvPr id="2" name="Title 1">
-            <a:extLst>
-              <a:ext uri="{FF2B5EF4-FFF2-40B4-BE49-F238E27FC236}">
-                <a16:creationId xmlns:a16="http://schemas.microsoft.com/office/drawing/2014/main" id="{5FC132AA-6D25-43A2-85C9-4418A09EA0D6}"/>
-              </a:ext>
-            </a:extLst>
-          </p:cNvPr>
-          <p:cNvSpPr>
-            <a:spLocks noGrp="1"/>
-          </p:cNvSpPr>
-          <p:nvPr>
-            <p:ph type="title"/>
-          </p:nvPr>
-        </p:nvSpPr>
-        <p:spPr/>
-        <p:txBody>
-          <a:bodyPr/>
-          <a:lstStyle/>
-          <a:p>
-            <a:r>
-              <a:rPr lang="en-US" dirty="0"/>
-              <a:t>The formulas </a:t>
-            </a:r>
-            <a:br>
-              <a:rPr lang="en-US" dirty="0"/>
-            </a:br>
-            <a:r>
-              <a:rPr lang="en-US" dirty="0"/>
-              <a:t>2</a:t>
-            </a:r>
-            <a:r>
-              <a:rPr lang="en-US" baseline="30000" dirty="0"/>
-              <a:t>nd</a:t>
-            </a:r>
-            <a:r>
-              <a:rPr lang="en-US" dirty="0"/>
-              <a:t>-order Velocity Verlet</a:t>
-            </a:r>
-            <a:endParaRPr lang="nl-NL" dirty="0"/>
-          </a:p>
-        </p:txBody>
-      </p:sp>
-      <mc:AlternateContent xmlns:mc="http://schemas.openxmlformats.org/markup-compatibility/2006">
-        <mc:Choice xmlns:a14="http://schemas.microsoft.com/office/drawing/2010/main" Requires="a14">
+      <mc:AlternateContent xmlns:mc="http://schemas.openxmlformats.org/markup-compatibility/2006" xmlns:a14="http://schemas.microsoft.com/office/drawing/2010/main">
+        <mc:Choice Requires="a14">
           <p:sp>
             <p:nvSpPr>
               <p:cNvPr id="3" name="Content Placeholder 2">
@@ -8713,7 +8433,7 @@
             </p:txBody>
           </p:sp>
         </mc:Choice>
-        <mc:Fallback>
+        <mc:Fallback xmlns="">
           <p:sp>
             <p:nvSpPr>
               <p:cNvPr id="3" name="Content Placeholder 2">
@@ -8766,7 +8486,7 @@
 </p:sld>
 </file>
 
-<file path=ppt/slides/slide12.xml><?xml version="1.0" encoding="utf-8"?>
+<file path=ppt/slides/slide11.xml><?xml version="1.0" encoding="utf-8"?>
 <p:sld xmlns:a="http://schemas.openxmlformats.org/drawingml/2006/main" xmlns:r="http://schemas.openxmlformats.org/officeDocument/2006/relationships" xmlns:p="http://schemas.openxmlformats.org/presentationml/2006/main">
   <p:cSld>
     <p:spTree>
@@ -9319,13 +9039,7 @@
                           <a:rPr lang="nl-NL" i="1">
                             <a:latin typeface="Cambria Math" panose="02040503050406030204" pitchFamily="18" charset="0"/>
                           </a:rPr>
-                          <m:t>,</m:t>
-                        </m:r>
-                        <m:r>
-                          <a:rPr lang="nl-NL" i="1">
-                            <a:latin typeface="Cambria Math" panose="02040503050406030204" pitchFamily="18" charset="0"/>
-                          </a:rPr>
-                          <m:t>  </m:t>
+                          <m:t>,  </m:t>
                         </m:r>
                         <m:sSub>
                           <m:sSubPr>
@@ -9914,13 +9628,7 @@
                           <a:rPr lang="nl-NL" i="1">
                             <a:latin typeface="Cambria Math" panose="02040503050406030204" pitchFamily="18" charset="0"/>
                           </a:rPr>
-                          <m:t>,</m:t>
-                        </m:r>
-                        <m:r>
-                          <a:rPr lang="nl-NL" i="1">
-                            <a:latin typeface="Cambria Math" panose="02040503050406030204" pitchFamily="18" charset="0"/>
-                          </a:rPr>
-                          <m:t>  </m:t>
+                          <m:t>,  </m:t>
                         </m:r>
                         <m:sSub>
                           <m:sSubPr>
@@ -9966,16 +9674,10 @@
                 </a:pPr>
                 <a:r>
                   <a:rPr lang="nl-NL" b="0" dirty="0"/>
-                  <a:t>			</a:t>
+                  <a:t>			p</a:t>
                 </a:r>
                 <a14:m>
                   <m:oMath xmlns:m="http://schemas.openxmlformats.org/officeDocument/2006/math">
-                    <m:r>
-                      <a:rPr lang="nl-NL" b="0" i="1" smtClean="0">
-                        <a:latin typeface="Cambria Math" panose="02040503050406030204" pitchFamily="18" charset="0"/>
-                      </a:rPr>
-                      <m:t>𝑥</m:t>
-                    </m:r>
                     <m:d>
                       <m:dPr>
                         <m:ctrlPr>
@@ -10013,10 +9715,10 @@
                       <m:t>=</m:t>
                     </m:r>
                     <m:r>
-                      <a:rPr lang="nl-NL" b="0" i="1" smtClean="0">
+                      <a:rPr lang="en-US" b="0" i="1" smtClean="0">
                         <a:latin typeface="Cambria Math" panose="02040503050406030204" pitchFamily="18" charset="0"/>
                       </a:rPr>
-                      <m:t>𝑥</m:t>
+                      <m:t>𝑝</m:t>
                     </m:r>
                     <m:d>
                       <m:dPr>
@@ -10504,7 +10206,7 @@
               <a:lstStyle/>
               <a:p>
                 <a:r>
-                  <a:rPr lang="en-GB">
+                  <a:rPr lang="nl-NL">
                     <a:noFill/>
                   </a:rPr>
                   <a:t> </a:t>
@@ -10518,6 +10220,304 @@
     <p:extLst>
       <p:ext uri="{BB962C8B-B14F-4D97-AF65-F5344CB8AC3E}">
         <p14:creationId xmlns:p14="http://schemas.microsoft.com/office/powerpoint/2010/main" val="35196883"/>
+      </p:ext>
+    </p:extLst>
+  </p:cSld>
+  <p:clrMapOvr>
+    <a:masterClrMapping/>
+  </p:clrMapOvr>
+</p:sld>
+</file>
+
+<file path=ppt/slides/slide12.xml><?xml version="1.0" encoding="utf-8"?>
+<p:sld xmlns:a="http://schemas.openxmlformats.org/drawingml/2006/main" xmlns:r="http://schemas.openxmlformats.org/officeDocument/2006/relationships" xmlns:p="http://schemas.openxmlformats.org/presentationml/2006/main">
+  <p:cSld>
+    <p:spTree>
+      <p:nvGrpSpPr>
+        <p:cNvPr id="1" name=""/>
+        <p:cNvGrpSpPr/>
+        <p:nvPr/>
+      </p:nvGrpSpPr>
+      <p:grpSpPr>
+        <a:xfrm>
+          <a:off x="0" y="0"/>
+          <a:ext cx="0" cy="0"/>
+          <a:chOff x="0" y="0"/>
+          <a:chExt cx="0" cy="0"/>
+        </a:xfrm>
+      </p:grpSpPr>
+      <p:sp>
+        <p:nvSpPr>
+          <p:cNvPr id="2" name="Title 1">
+            <a:extLst>
+              <a:ext uri="{FF2B5EF4-FFF2-40B4-BE49-F238E27FC236}">
+                <a16:creationId xmlns:a16="http://schemas.microsoft.com/office/drawing/2014/main" id="{61523984-7A2E-437D-8CEA-E490D99479EB}"/>
+              </a:ext>
+            </a:extLst>
+          </p:cNvPr>
+          <p:cNvSpPr>
+            <a:spLocks noGrp="1"/>
+          </p:cNvSpPr>
+          <p:nvPr>
+            <p:ph type="title"/>
+          </p:nvPr>
+        </p:nvSpPr>
+        <p:spPr/>
+        <p:txBody>
+          <a:bodyPr/>
+          <a:lstStyle/>
+          <a:p>
+            <a:r>
+              <a:rPr lang="en-US" dirty="0"/>
+              <a:t>Flying balls</a:t>
+            </a:r>
+            <a:endParaRPr lang="nl-NL" dirty="0"/>
+          </a:p>
+        </p:txBody>
+      </p:sp>
+      <p:sp>
+        <p:nvSpPr>
+          <p:cNvPr id="3" name="Content Placeholder 2">
+            <a:extLst>
+              <a:ext uri="{FF2B5EF4-FFF2-40B4-BE49-F238E27FC236}">
+                <a16:creationId xmlns:a16="http://schemas.microsoft.com/office/drawing/2014/main" id="{295F099C-969E-4E15-AD46-4134B9E94557}"/>
+              </a:ext>
+            </a:extLst>
+          </p:cNvPr>
+          <p:cNvSpPr>
+            <a:spLocks noGrp="1"/>
+          </p:cNvSpPr>
+          <p:nvPr>
+            <p:ph idx="1"/>
+          </p:nvPr>
+        </p:nvSpPr>
+        <p:spPr/>
+        <p:txBody>
+          <a:bodyPr/>
+          <a:lstStyle/>
+          <a:p>
+            <a:pPr marL="0" indent="0">
+              <a:lnSpc>
+                <a:spcPct val="100000"/>
+              </a:lnSpc>
+              <a:spcBef>
+                <a:spcPts val="0"/>
+              </a:spcBef>
+              <a:spcAft>
+                <a:spcPts val="0"/>
+              </a:spcAft>
+              <a:buNone/>
+            </a:pPr>
+            <a:r>
+              <a:rPr lang="en-GB" dirty="0"/>
+              <a:t>process(double </a:t>
+            </a:r>
+            <a:r>
+              <a:rPr lang="en-GB" dirty="0" err="1"/>
+              <a:t>deltaTime</a:t>
+            </a:r>
+            <a:r>
+              <a:rPr lang="en-GB" dirty="0"/>
+              <a:t>, (Vector position, Vector velocity))     </a:t>
+            </a:r>
+          </a:p>
+          <a:p>
+            <a:pPr marL="0" indent="0">
+              <a:lnSpc>
+                <a:spcPct val="100000"/>
+              </a:lnSpc>
+              <a:spcBef>
+                <a:spcPts val="0"/>
+              </a:spcBef>
+              <a:spcAft>
+                <a:spcPts val="0"/>
+              </a:spcAft>
+              <a:buNone/>
+            </a:pPr>
+            <a:r>
+              <a:rPr lang="en-GB" dirty="0"/>
+              <a:t>     </a:t>
+            </a:r>
+            <a:r>
+              <a:rPr lang="en-GB" b="1" dirty="0"/>
+              <a:t>FOR</a:t>
+            </a:r>
+            <a:r>
+              <a:rPr lang="en-GB" dirty="0"/>
+              <a:t> time=0 </a:t>
+            </a:r>
+            <a:r>
+              <a:rPr lang="en-GB" b="1" dirty="0"/>
+              <a:t>TO</a:t>
+            </a:r>
+            <a:r>
+              <a:rPr lang="en-GB" dirty="0"/>
+              <a:t> time=</a:t>
+            </a:r>
+            <a:r>
+              <a:rPr lang="en-GB" dirty="0" err="1"/>
+              <a:t>deltaTime</a:t>
+            </a:r>
+            <a:endParaRPr lang="en-GB" dirty="0"/>
+          </a:p>
+          <a:p>
+            <a:pPr marL="0" indent="0">
+              <a:lnSpc>
+                <a:spcPct val="100000"/>
+              </a:lnSpc>
+              <a:spcBef>
+                <a:spcPts val="0"/>
+              </a:spcBef>
+              <a:spcAft>
+                <a:spcPts val="0"/>
+              </a:spcAft>
+              <a:buNone/>
+            </a:pPr>
+            <a:r>
+              <a:rPr lang="en-GB" b="1" dirty="0"/>
+              <a:t>          IF</a:t>
+            </a:r>
+            <a:r>
+              <a:rPr lang="en-GB" dirty="0"/>
+              <a:t> !</a:t>
+            </a:r>
+            <a:r>
+              <a:rPr lang="en-GB" dirty="0" err="1"/>
+              <a:t>isFlying</a:t>
+            </a:r>
+            <a:r>
+              <a:rPr lang="en-GB" dirty="0"/>
+              <a:t>(position)</a:t>
+            </a:r>
+            <a:endParaRPr lang="en-GB" b="1" dirty="0"/>
+          </a:p>
+          <a:p>
+            <a:pPr marL="0" indent="0">
+              <a:lnSpc>
+                <a:spcPct val="100000"/>
+              </a:lnSpc>
+              <a:spcBef>
+                <a:spcPts val="0"/>
+              </a:spcBef>
+              <a:spcAft>
+                <a:spcPts val="0"/>
+              </a:spcAft>
+              <a:buNone/>
+            </a:pPr>
+            <a:r>
+              <a:rPr lang="en-GB" b="1" dirty="0"/>
+              <a:t>          THEN</a:t>
+            </a:r>
+            <a:r>
+              <a:rPr lang="en-GB" dirty="0"/>
+              <a:t> velocity = </a:t>
+            </a:r>
+            <a:r>
+              <a:rPr lang="en-GB" dirty="0" err="1"/>
+              <a:t>redirectVelocity</a:t>
+            </a:r>
+            <a:r>
+              <a:rPr lang="en-GB" dirty="0"/>
+              <a:t>(position, velocity)</a:t>
+            </a:r>
+          </a:p>
+          <a:p>
+            <a:pPr marL="0" indent="0">
+              <a:lnSpc>
+                <a:spcPct val="100000"/>
+              </a:lnSpc>
+              <a:spcBef>
+                <a:spcPts val="0"/>
+              </a:spcBef>
+              <a:spcAft>
+                <a:spcPts val="0"/>
+              </a:spcAft>
+              <a:buNone/>
+            </a:pPr>
+            <a:r>
+              <a:rPr lang="en-GB" dirty="0"/>
+              <a:t>    </a:t>
+            </a:r>
+          </a:p>
+          <a:p>
+            <a:pPr marL="0" indent="0">
+              <a:lnSpc>
+                <a:spcPct val="100000"/>
+              </a:lnSpc>
+              <a:spcBef>
+                <a:spcPts val="0"/>
+              </a:spcBef>
+              <a:spcAft>
+                <a:spcPts val="0"/>
+              </a:spcAft>
+              <a:buNone/>
+            </a:pPr>
+            <a:r>
+              <a:rPr lang="en-GB" dirty="0"/>
+              <a:t>          </a:t>
+            </a:r>
+            <a:r>
+              <a:rPr lang="en-GB" i="1" dirty="0"/>
+              <a:t>calculate next position and velocity</a:t>
+            </a:r>
+          </a:p>
+          <a:p>
+            <a:pPr marL="0" indent="0">
+              <a:lnSpc>
+                <a:spcPct val="100000"/>
+              </a:lnSpc>
+              <a:spcBef>
+                <a:spcPts val="0"/>
+              </a:spcBef>
+              <a:spcAft>
+                <a:spcPts val="0"/>
+              </a:spcAft>
+              <a:buNone/>
+            </a:pPr>
+            <a:r>
+              <a:rPr lang="en-GB" i="1" dirty="0"/>
+              <a:t>          update position and velocity</a:t>
+            </a:r>
+          </a:p>
+          <a:p>
+            <a:pPr marL="0" indent="0">
+              <a:lnSpc>
+                <a:spcPct val="100000"/>
+              </a:lnSpc>
+              <a:spcBef>
+                <a:spcPts val="0"/>
+              </a:spcBef>
+              <a:spcAft>
+                <a:spcPts val="0"/>
+              </a:spcAft>
+              <a:buNone/>
+            </a:pPr>
+            <a:endParaRPr lang="en-GB" dirty="0"/>
+          </a:p>
+          <a:p>
+            <a:pPr marL="0" indent="0">
+              <a:lnSpc>
+                <a:spcPct val="100000"/>
+              </a:lnSpc>
+              <a:spcBef>
+                <a:spcPts val="0"/>
+              </a:spcBef>
+              <a:spcAft>
+                <a:spcPts val="0"/>
+              </a:spcAft>
+              <a:buNone/>
+            </a:pPr>
+            <a:r>
+              <a:rPr lang="en-GB" dirty="0"/>
+              <a:t>     return (position, velocity)</a:t>
+            </a:r>
+          </a:p>
+        </p:txBody>
+      </p:sp>
+    </p:spTree>
+    <p:extLst>
+      <p:ext uri="{BB962C8B-B14F-4D97-AF65-F5344CB8AC3E}">
+        <p14:creationId xmlns:p14="http://schemas.microsoft.com/office/powerpoint/2010/main" val="3953052098"/>
       </p:ext>
     </p:extLst>
   </p:cSld>
@@ -10549,7 +10549,7 @@
           <p:cNvPr id="2" name="Title 1">
             <a:extLst>
               <a:ext uri="{FF2B5EF4-FFF2-40B4-BE49-F238E27FC236}">
-                <a16:creationId xmlns:a16="http://schemas.microsoft.com/office/drawing/2014/main" id="{61523984-7A2E-437D-8CEA-E490D99479EB}"/>
+                <a16:creationId xmlns:a16="http://schemas.microsoft.com/office/drawing/2014/main" id="{62F7370A-B20D-4C21-A84A-3948727321FC}"/>
               </a:ext>
             </a:extLst>
           </p:cNvPr>
@@ -10567,7 +10567,7 @@
           <a:p>
             <a:r>
               <a:rPr lang="en-US" dirty="0"/>
-              <a:t>Flying balls</a:t>
+              <a:t>Bouncing balls</a:t>
             </a:r>
             <a:endParaRPr lang="nl-NL" dirty="0"/>
           </a:p>
@@ -10578,7 +10578,7 @@
           <p:cNvPr id="3" name="Content Placeholder 2">
             <a:extLst>
               <a:ext uri="{FF2B5EF4-FFF2-40B4-BE49-F238E27FC236}">
-                <a16:creationId xmlns:a16="http://schemas.microsoft.com/office/drawing/2014/main" id="{295F099C-969E-4E15-AD46-4134B9E94557}"/>
+                <a16:creationId xmlns:a16="http://schemas.microsoft.com/office/drawing/2014/main" id="{452A3965-2F4E-4865-B65C-E38FE4805D3F}"/>
               </a:ext>
             </a:extLst>
           </p:cNvPr>
@@ -10594,228 +10594,14 @@
           <a:bodyPr/>
           <a:lstStyle/>
           <a:p>
-            <a:pPr marL="0" indent="0">
-              <a:lnSpc>
-                <a:spcPct val="100000"/>
-              </a:lnSpc>
-              <a:spcBef>
-                <a:spcPts val="0"/>
-              </a:spcBef>
-              <a:spcAft>
-                <a:spcPts val="0"/>
-              </a:spcAft>
-              <a:buNone/>
-            </a:pPr>
-            <a:r>
-              <a:rPr lang="en-GB" dirty="0"/>
-              <a:t>process(double </a:t>
-            </a:r>
-            <a:r>
-              <a:rPr lang="en-GB" dirty="0" err="1"/>
-              <a:t>deltaTime</a:t>
-            </a:r>
-            <a:r>
-              <a:rPr lang="en-GB" dirty="0"/>
-              <a:t>, (Vector position, Vector velocity))     </a:t>
-            </a:r>
-          </a:p>
-          <a:p>
-            <a:pPr marL="0" indent="0">
-              <a:lnSpc>
-                <a:spcPct val="100000"/>
-              </a:lnSpc>
-              <a:spcBef>
-                <a:spcPts val="0"/>
-              </a:spcBef>
-              <a:spcAft>
-                <a:spcPts val="0"/>
-              </a:spcAft>
-              <a:buNone/>
-            </a:pPr>
-            <a:r>
-              <a:rPr lang="en-GB" dirty="0"/>
-              <a:t>     </a:t>
-            </a:r>
-            <a:r>
-              <a:rPr lang="en-GB" b="1" dirty="0"/>
-              <a:t>FOR</a:t>
-            </a:r>
-            <a:r>
-              <a:rPr lang="en-GB" dirty="0"/>
-              <a:t> time=0 </a:t>
-            </a:r>
-            <a:r>
-              <a:rPr lang="en-GB" b="1" dirty="0"/>
-              <a:t>TO</a:t>
-            </a:r>
-            <a:r>
-              <a:rPr lang="en-GB" dirty="0"/>
-              <a:t> time=</a:t>
-            </a:r>
-            <a:r>
-              <a:rPr lang="en-GB" dirty="0" err="1"/>
-              <a:t>deltaTime</a:t>
-            </a:r>
-            <a:endParaRPr lang="en-GB" dirty="0"/>
-          </a:p>
-          <a:p>
-            <a:pPr marL="0" indent="0">
-              <a:lnSpc>
-                <a:spcPct val="100000"/>
-              </a:lnSpc>
-              <a:spcBef>
-                <a:spcPts val="0"/>
-              </a:spcBef>
-              <a:spcAft>
-                <a:spcPts val="0"/>
-              </a:spcAft>
-              <a:buNone/>
-            </a:pPr>
-            <a:r>
-              <a:rPr lang="en-GB" b="1" dirty="0"/>
-              <a:t>          IF</a:t>
-            </a:r>
-            <a:r>
-              <a:rPr lang="en-GB" dirty="0"/>
-              <a:t> !</a:t>
-            </a:r>
-            <a:r>
-              <a:rPr lang="en-GB" dirty="0" err="1"/>
-              <a:t>isFlying</a:t>
-            </a:r>
-            <a:r>
-              <a:rPr lang="en-GB" dirty="0"/>
-              <a:t>(position)</a:t>
-            </a:r>
-            <a:endParaRPr lang="en-GB" b="1" dirty="0"/>
-          </a:p>
-          <a:p>
-            <a:pPr marL="0" indent="0">
-              <a:lnSpc>
-                <a:spcPct val="100000"/>
-              </a:lnSpc>
-              <a:spcBef>
-                <a:spcPts val="0"/>
-              </a:spcBef>
-              <a:spcAft>
-                <a:spcPts val="0"/>
-              </a:spcAft>
-              <a:buNone/>
-            </a:pPr>
-            <a:r>
-              <a:rPr lang="en-GB" b="1" dirty="0"/>
-              <a:t>          THEN</a:t>
-            </a:r>
-            <a:r>
-              <a:rPr lang="en-GB" dirty="0"/>
-              <a:t> velocity = </a:t>
-            </a:r>
-            <a:r>
-              <a:rPr lang="en-GB" dirty="0" err="1"/>
-              <a:t>redirectVelocity</a:t>
-            </a:r>
-            <a:r>
-              <a:rPr lang="en-GB" dirty="0"/>
-              <a:t>(position, velocity)</a:t>
-            </a:r>
-          </a:p>
-          <a:p>
-            <a:pPr marL="0" indent="0">
-              <a:lnSpc>
-                <a:spcPct val="100000"/>
-              </a:lnSpc>
-              <a:spcBef>
-                <a:spcPts val="0"/>
-              </a:spcBef>
-              <a:spcAft>
-                <a:spcPts val="0"/>
-              </a:spcAft>
-              <a:buNone/>
-            </a:pPr>
-            <a:r>
-              <a:rPr lang="en-GB" dirty="0"/>
-              <a:t>    </a:t>
-            </a:r>
-          </a:p>
-          <a:p>
-            <a:pPr marL="0" indent="0">
-              <a:lnSpc>
-                <a:spcPct val="100000"/>
-              </a:lnSpc>
-              <a:spcBef>
-                <a:spcPts val="0"/>
-              </a:spcBef>
-              <a:spcAft>
-                <a:spcPts val="0"/>
-              </a:spcAft>
-              <a:buNone/>
-            </a:pPr>
-            <a:r>
-              <a:rPr lang="en-GB" dirty="0"/>
-              <a:t>          </a:t>
-            </a:r>
-            <a:r>
-              <a:rPr lang="en-GB" i="1" dirty="0"/>
-              <a:t>calculate next position and velocity</a:t>
-            </a:r>
-          </a:p>
-          <a:p>
-            <a:pPr marL="0" indent="0">
-              <a:lnSpc>
-                <a:spcPct val="100000"/>
-              </a:lnSpc>
-              <a:spcBef>
-                <a:spcPts val="0"/>
-              </a:spcBef>
-              <a:spcAft>
-                <a:spcPts val="0"/>
-              </a:spcAft>
-              <a:buNone/>
-            </a:pPr>
-            <a:r>
-              <a:rPr lang="en-GB" i="1" dirty="0"/>
-              <a:t>          update position and velocity</a:t>
-            </a:r>
-          </a:p>
-          <a:p>
-            <a:pPr marL="0" indent="0">
-              <a:lnSpc>
-                <a:spcPct val="100000"/>
-              </a:lnSpc>
-              <a:spcBef>
-                <a:spcPts val="0"/>
-              </a:spcBef>
-              <a:spcAft>
-                <a:spcPts val="0"/>
-              </a:spcAft>
-              <a:buNone/>
-            </a:pPr>
-            <a:endParaRPr lang="en-GB" dirty="0"/>
-          </a:p>
-          <a:p>
-            <a:pPr marL="0" indent="0">
-              <a:lnSpc>
-                <a:spcPct val="100000"/>
-              </a:lnSpc>
-              <a:spcBef>
-                <a:spcPts val="0"/>
-              </a:spcBef>
-              <a:spcAft>
-                <a:spcPts val="0"/>
-              </a:spcAft>
-              <a:buNone/>
-            </a:pPr>
-            <a:r>
-              <a:rPr lang="en-GB" dirty="0"/>
-              <a:t>     return (position, velocity)</a:t>
-            </a:r>
+            <a:endParaRPr lang="nl-NL"/>
           </a:p>
         </p:txBody>
       </p:sp>
     </p:spTree>
     <p:extLst>
       <p:ext uri="{BB962C8B-B14F-4D97-AF65-F5344CB8AC3E}">
-        <p14:creationId xmlns:p14="http://schemas.microsoft.com/office/powerpoint/2010/main" val="3953052098"/>
+        <p14:creationId xmlns:p14="http://schemas.microsoft.com/office/powerpoint/2010/main" val="1202703448"/>
       </p:ext>
     </p:extLst>
   </p:cSld>
@@ -10847,7 +10633,7 @@
           <p:cNvPr id="2" name="Title 1">
             <a:extLst>
               <a:ext uri="{FF2B5EF4-FFF2-40B4-BE49-F238E27FC236}">
-                <a16:creationId xmlns:a16="http://schemas.microsoft.com/office/drawing/2014/main" id="{62F7370A-B20D-4C21-A84A-3948727321FC}"/>
+                <a16:creationId xmlns:a16="http://schemas.microsoft.com/office/drawing/2014/main" id="{ECC9EA66-DA16-8F4D-85C8-7C1A8AA5E8C0}"/>
               </a:ext>
             </a:extLst>
           </p:cNvPr>
@@ -10865,41 +10651,46 @@
           <a:p>
             <a:r>
               <a:rPr lang="en-US" dirty="0"/>
-              <a:t>Bouncing balls</a:t>
-            </a:r>
-            <a:endParaRPr lang="nl-NL" dirty="0"/>
+              <a:t>Precision experiment</a:t>
+            </a:r>
           </a:p>
         </p:txBody>
       </p:sp>
-      <p:sp>
-        <p:nvSpPr>
-          <p:cNvPr id="3" name="Content Placeholder 2">
+      <p:graphicFrame>
+        <p:nvGraphicFramePr>
+          <p:cNvPr id="10" name="Content Placeholder 9">
             <a:extLst>
               <a:ext uri="{FF2B5EF4-FFF2-40B4-BE49-F238E27FC236}">
-                <a16:creationId xmlns:a16="http://schemas.microsoft.com/office/drawing/2014/main" id="{452A3965-2F4E-4865-B65C-E38FE4805D3F}"/>
+                <a16:creationId xmlns:a16="http://schemas.microsoft.com/office/drawing/2014/main" id="{3AEE1C2D-5E0D-4DC5-AAC3-615B534E0A83}"/>
               </a:ext>
             </a:extLst>
           </p:cNvPr>
-          <p:cNvSpPr>
-            <a:spLocks noGrp="1"/>
-          </p:cNvSpPr>
+          <p:cNvGraphicFramePr>
+            <a:graphicFrameLocks noGrp="1"/>
+          </p:cNvGraphicFramePr>
           <p:nvPr>
             <p:ph idx="1"/>
-          </p:nvPr>
-        </p:nvSpPr>
-        <p:spPr/>
-        <p:txBody>
-          <a:bodyPr/>
-          <a:lstStyle/>
-          <a:p>
-            <a:endParaRPr lang="nl-NL"/>
-          </a:p>
-        </p:txBody>
-      </p:sp>
+            <p:extLst>
+              <p:ext uri="{D42A27DB-BD31-4B8C-83A1-F6EECF244321}">
+                <p14:modId xmlns:p14="http://schemas.microsoft.com/office/powerpoint/2010/main" val="3157494902"/>
+              </p:ext>
+            </p:extLst>
+          </p:nvPr>
+        </p:nvGraphicFramePr>
+        <p:xfrm>
+          <a:off x="1096963" y="2108200"/>
+          <a:ext cx="10058400" cy="3760788"/>
+        </p:xfrm>
+        <a:graphic>
+          <a:graphicData uri="http://schemas.openxmlformats.org/drawingml/2006/chart">
+            <c:chart xmlns:c="http://schemas.openxmlformats.org/drawingml/2006/chart" xmlns:r="http://schemas.openxmlformats.org/officeDocument/2006/relationships" r:id="rId3"/>
+          </a:graphicData>
+        </a:graphic>
+      </p:graphicFrame>
     </p:spTree>
     <p:extLst>
       <p:ext uri="{BB962C8B-B14F-4D97-AF65-F5344CB8AC3E}">
-        <p14:creationId xmlns:p14="http://schemas.microsoft.com/office/powerpoint/2010/main" val="1202703448"/>
+        <p14:creationId xmlns:p14="http://schemas.microsoft.com/office/powerpoint/2010/main" val="233089366"/>
       </p:ext>
     </p:extLst>
   </p:cSld>
@@ -10949,17 +10740,17 @@
           <a:p>
             <a:r>
               <a:rPr lang="en-US" dirty="0"/>
-              <a:t>Precision experiment</a:t>
+              <a:t>Speed experiment</a:t>
             </a:r>
           </a:p>
         </p:txBody>
       </p:sp>
       <p:graphicFrame>
         <p:nvGraphicFramePr>
-          <p:cNvPr id="10" name="Content Placeholder 9">
+          <p:cNvPr id="6" name="Content Placeholder 5">
             <a:extLst>
               <a:ext uri="{FF2B5EF4-FFF2-40B4-BE49-F238E27FC236}">
-                <a16:creationId xmlns:a16="http://schemas.microsoft.com/office/drawing/2014/main" id="{3AEE1C2D-5E0D-4DC5-AAC3-615B534E0A83}"/>
+                <a16:creationId xmlns:a16="http://schemas.microsoft.com/office/drawing/2014/main" id="{12FFDC9B-A7DC-4EAD-85ED-D1DC46C73A1C}"/>
               </a:ext>
             </a:extLst>
           </p:cNvPr>
@@ -10970,7 +10761,7 @@
             <p:ph idx="1"/>
             <p:extLst>
               <p:ext uri="{D42A27DB-BD31-4B8C-83A1-F6EECF244321}">
-                <p14:modId xmlns:p14="http://schemas.microsoft.com/office/powerpoint/2010/main" val="3157494902"/>
+                <p14:modId xmlns:p14="http://schemas.microsoft.com/office/powerpoint/2010/main" val="437339874"/>
               </p:ext>
             </p:extLst>
           </p:nvPr>
@@ -10981,14 +10772,14 @@
         </p:xfrm>
         <a:graphic>
           <a:graphicData uri="http://schemas.openxmlformats.org/drawingml/2006/chart">
-            <c:chart xmlns:c="http://schemas.openxmlformats.org/drawingml/2006/chart" xmlns:r="http://schemas.openxmlformats.org/officeDocument/2006/relationships" r:id="rId2"/>
+            <c:chart xmlns:c="http://schemas.openxmlformats.org/drawingml/2006/chart" xmlns:r="http://schemas.openxmlformats.org/officeDocument/2006/relationships" r:id="rId3"/>
           </a:graphicData>
         </a:graphic>
       </p:graphicFrame>
     </p:spTree>
     <p:extLst>
       <p:ext uri="{BB962C8B-B14F-4D97-AF65-F5344CB8AC3E}">
-        <p14:creationId xmlns:p14="http://schemas.microsoft.com/office/powerpoint/2010/main" val="233089366"/>
+        <p14:creationId xmlns:p14="http://schemas.microsoft.com/office/powerpoint/2010/main" val="2360495450"/>
       </p:ext>
     </p:extLst>
   </p:cSld>
@@ -11020,7 +10811,7 @@
           <p:cNvPr id="2" name="Title 1">
             <a:extLst>
               <a:ext uri="{FF2B5EF4-FFF2-40B4-BE49-F238E27FC236}">
-                <a16:creationId xmlns:a16="http://schemas.microsoft.com/office/drawing/2014/main" id="{ECC9EA66-DA16-8F4D-85C8-7C1A8AA5E8C0}"/>
+                <a16:creationId xmlns:a16="http://schemas.microsoft.com/office/drawing/2014/main" id="{8BA4C2DD-6E22-274B-8E73-0864CCF300AE}"/>
               </a:ext>
             </a:extLst>
           </p:cNvPr>
@@ -11038,46 +10829,43 @@
           <a:p>
             <a:r>
               <a:rPr lang="en-US" dirty="0"/>
-              <a:t>Speed experiment</a:t>
+              <a:t>Bot</a:t>
             </a:r>
           </a:p>
         </p:txBody>
       </p:sp>
-      <p:graphicFrame>
-        <p:nvGraphicFramePr>
-          <p:cNvPr id="6" name="Content Placeholder 5">
+      <p:sp>
+        <p:nvSpPr>
+          <p:cNvPr id="3" name="Content Placeholder 2">
             <a:extLst>
               <a:ext uri="{FF2B5EF4-FFF2-40B4-BE49-F238E27FC236}">
-                <a16:creationId xmlns:a16="http://schemas.microsoft.com/office/drawing/2014/main" id="{12FFDC9B-A7DC-4EAD-85ED-D1DC46C73A1C}"/>
+                <a16:creationId xmlns:a16="http://schemas.microsoft.com/office/drawing/2014/main" id="{4E3DCD13-71A0-6B4E-AD41-C79CB8F6CFFC}"/>
               </a:ext>
             </a:extLst>
           </p:cNvPr>
-          <p:cNvGraphicFramePr>
-            <a:graphicFrameLocks noGrp="1"/>
-          </p:cNvGraphicFramePr>
+          <p:cNvSpPr>
+            <a:spLocks noGrp="1"/>
+          </p:cNvSpPr>
           <p:nvPr>
             <p:ph idx="1"/>
-            <p:extLst>
-              <p:ext uri="{D42A27DB-BD31-4B8C-83A1-F6EECF244321}">
-                <p14:modId xmlns:p14="http://schemas.microsoft.com/office/powerpoint/2010/main" val="437339874"/>
-              </p:ext>
-            </p:extLst>
-          </p:nvPr>
-        </p:nvGraphicFramePr>
-        <p:xfrm>
-          <a:off x="1096963" y="2108200"/>
-          <a:ext cx="10058400" cy="3760788"/>
-        </p:xfrm>
-        <a:graphic>
-          <a:graphicData uri="http://schemas.openxmlformats.org/drawingml/2006/chart">
-            <c:chart xmlns:c="http://schemas.openxmlformats.org/drawingml/2006/chart" xmlns:r="http://schemas.openxmlformats.org/officeDocument/2006/relationships" r:id="rId2"/>
-          </a:graphicData>
-        </a:graphic>
-      </p:graphicFrame>
+          </p:nvPr>
+        </p:nvSpPr>
+        <p:spPr/>
+        <p:txBody>
+          <a:bodyPr/>
+          <a:lstStyle/>
+          <a:p>
+            <a:r>
+              <a:rPr lang="en-US" dirty="0"/>
+              <a:t>- New bot explanation</a:t>
+            </a:r>
+          </a:p>
+        </p:txBody>
+      </p:sp>
     </p:spTree>
     <p:extLst>
       <p:ext uri="{BB962C8B-B14F-4D97-AF65-F5344CB8AC3E}">
-        <p14:creationId xmlns:p14="http://schemas.microsoft.com/office/powerpoint/2010/main" val="2360495450"/>
+        <p14:creationId xmlns:p14="http://schemas.microsoft.com/office/powerpoint/2010/main" val="258929525"/>
       </p:ext>
     </p:extLst>
   </p:cSld>
@@ -11109,7 +10897,7 @@
           <p:cNvPr id="2" name="Title 1">
             <a:extLst>
               <a:ext uri="{FF2B5EF4-FFF2-40B4-BE49-F238E27FC236}">
-                <a16:creationId xmlns:a16="http://schemas.microsoft.com/office/drawing/2014/main" id="{8BA4C2DD-6E22-274B-8E73-0864CCF300AE}"/>
+                <a16:creationId xmlns:a16="http://schemas.microsoft.com/office/drawing/2014/main" id="{29F19A6B-CDB2-8D48-97AF-EC9F49EA2578}"/>
               </a:ext>
             </a:extLst>
           </p:cNvPr>
@@ -11127,7 +10915,7 @@
           <a:p>
             <a:r>
               <a:rPr lang="en-US" dirty="0"/>
-              <a:t>Bot</a:t>
+              <a:t>Experiments</a:t>
             </a:r>
           </a:p>
         </p:txBody>
@@ -11137,7 +10925,7 @@
           <p:cNvPr id="3" name="Content Placeholder 2">
             <a:extLst>
               <a:ext uri="{FF2B5EF4-FFF2-40B4-BE49-F238E27FC236}">
-                <a16:creationId xmlns:a16="http://schemas.microsoft.com/office/drawing/2014/main" id="{4E3DCD13-71A0-6B4E-AD41-C79CB8F6CFFC}"/>
+                <a16:creationId xmlns:a16="http://schemas.microsoft.com/office/drawing/2014/main" id="{B33325E4-832A-D040-B461-E6D8A517BFF9}"/>
               </a:ext>
             </a:extLst>
           </p:cNvPr>
@@ -11155,7 +10943,7 @@
           <a:p>
             <a:r>
               <a:rPr lang="en-US" dirty="0"/>
-              <a:t>- New bot explanation</a:t>
+              <a:t>- TODO</a:t>
             </a:r>
           </a:p>
         </p:txBody>
@@ -11163,7 +10951,7 @@
     </p:spTree>
     <p:extLst>
       <p:ext uri="{BB962C8B-B14F-4D97-AF65-F5344CB8AC3E}">
-        <p14:creationId xmlns:p14="http://schemas.microsoft.com/office/powerpoint/2010/main" val="258929525"/>
+        <p14:creationId xmlns:p14="http://schemas.microsoft.com/office/powerpoint/2010/main" val="3107714555"/>
       </p:ext>
     </p:extLst>
   </p:cSld>
@@ -11195,7 +10983,7 @@
           <p:cNvPr id="2" name="Title 1">
             <a:extLst>
               <a:ext uri="{FF2B5EF4-FFF2-40B4-BE49-F238E27FC236}">
-                <a16:creationId xmlns:a16="http://schemas.microsoft.com/office/drawing/2014/main" id="{29F19A6B-CDB2-8D48-97AF-EC9F49EA2578}"/>
+                <a16:creationId xmlns:a16="http://schemas.microsoft.com/office/drawing/2014/main" id="{AE509FE0-01FE-484D-9253-00E27C5034A6}"/>
               </a:ext>
             </a:extLst>
           </p:cNvPr>
@@ -11213,7 +11001,7 @@
           <a:p>
             <a:r>
               <a:rPr lang="en-US" dirty="0"/>
-              <a:t>Experiments</a:t>
+              <a:t>Conclusion</a:t>
             </a:r>
           </a:p>
         </p:txBody>
@@ -11223,7 +11011,7 @@
           <p:cNvPr id="3" name="Content Placeholder 2">
             <a:extLst>
               <a:ext uri="{FF2B5EF4-FFF2-40B4-BE49-F238E27FC236}">
-                <a16:creationId xmlns:a16="http://schemas.microsoft.com/office/drawing/2014/main" id="{B33325E4-832A-D040-B461-E6D8A517BFF9}"/>
+                <a16:creationId xmlns:a16="http://schemas.microsoft.com/office/drawing/2014/main" id="{89B654AC-0CDE-8E40-85E6-B44275F7D14F}"/>
               </a:ext>
             </a:extLst>
           </p:cNvPr>
@@ -11239,17 +11027,14 @@
           <a:bodyPr/>
           <a:lstStyle/>
           <a:p>
-            <a:r>
-              <a:rPr lang="en-US" dirty="0"/>
-              <a:t>- TODO</a:t>
-            </a:r>
+            <a:endParaRPr lang="en-US"/>
           </a:p>
         </p:txBody>
       </p:sp>
     </p:spTree>
     <p:extLst>
       <p:ext uri="{BB962C8B-B14F-4D97-AF65-F5344CB8AC3E}">
-        <p14:creationId xmlns:p14="http://schemas.microsoft.com/office/powerpoint/2010/main" val="3107714555"/>
+        <p14:creationId xmlns:p14="http://schemas.microsoft.com/office/powerpoint/2010/main" val="2578131005"/>
       </p:ext>
     </p:extLst>
   </p:cSld>
@@ -11281,7 +11066,7 @@
           <p:cNvPr id="2" name="Title 1">
             <a:extLst>
               <a:ext uri="{FF2B5EF4-FFF2-40B4-BE49-F238E27FC236}">
-                <a16:creationId xmlns:a16="http://schemas.microsoft.com/office/drawing/2014/main" id="{AE509FE0-01FE-484D-9253-00E27C5034A6}"/>
+                <a16:creationId xmlns:a16="http://schemas.microsoft.com/office/drawing/2014/main" id="{829E259F-FE68-4055-B7BD-1312721101B5}"/>
               </a:ext>
             </a:extLst>
           </p:cNvPr>
@@ -11299,8 +11084,9 @@
           <a:p>
             <a:r>
               <a:rPr lang="en-US" dirty="0"/>
-              <a:t>Conclusion</a:t>
-            </a:r>
+              <a:t>Questions</a:t>
+            </a:r>
+            <a:endParaRPr lang="nl-NL" dirty="0"/>
           </a:p>
         </p:txBody>
       </p:sp>
@@ -11309,7 +11095,7 @@
           <p:cNvPr id="3" name="Content Placeholder 2">
             <a:extLst>
               <a:ext uri="{FF2B5EF4-FFF2-40B4-BE49-F238E27FC236}">
-                <a16:creationId xmlns:a16="http://schemas.microsoft.com/office/drawing/2014/main" id="{89B654AC-0CDE-8E40-85E6-B44275F7D14F}"/>
+                <a16:creationId xmlns:a16="http://schemas.microsoft.com/office/drawing/2014/main" id="{C9B3192F-3F18-48D2-9AD9-5FB803B1B522}"/>
               </a:ext>
             </a:extLst>
           </p:cNvPr>
@@ -11325,14 +11111,14 @@
           <a:bodyPr/>
           <a:lstStyle/>
           <a:p>
-            <a:endParaRPr lang="en-US"/>
+            <a:endParaRPr lang="nl-NL"/>
           </a:p>
         </p:txBody>
       </p:sp>
     </p:spTree>
     <p:extLst>
       <p:ext uri="{BB962C8B-B14F-4D97-AF65-F5344CB8AC3E}">
-        <p14:creationId xmlns:p14="http://schemas.microsoft.com/office/powerpoint/2010/main" val="2578131005"/>
+        <p14:creationId xmlns:p14="http://schemas.microsoft.com/office/powerpoint/2010/main" val="566507608"/>
       </p:ext>
     </p:extLst>
   </p:cSld>
@@ -11456,90 +11242,6 @@
 </file>
 
 <file path=ppt/slides/slide20.xml><?xml version="1.0" encoding="utf-8"?>
-<p:sld xmlns:a="http://schemas.openxmlformats.org/drawingml/2006/main" xmlns:r="http://schemas.openxmlformats.org/officeDocument/2006/relationships" xmlns:p="http://schemas.openxmlformats.org/presentationml/2006/main">
-  <p:cSld>
-    <p:spTree>
-      <p:nvGrpSpPr>
-        <p:cNvPr id="1" name=""/>
-        <p:cNvGrpSpPr/>
-        <p:nvPr/>
-      </p:nvGrpSpPr>
-      <p:grpSpPr>
-        <a:xfrm>
-          <a:off x="0" y="0"/>
-          <a:ext cx="0" cy="0"/>
-          <a:chOff x="0" y="0"/>
-          <a:chExt cx="0" cy="0"/>
-        </a:xfrm>
-      </p:grpSpPr>
-      <p:sp>
-        <p:nvSpPr>
-          <p:cNvPr id="2" name="Title 1">
-            <a:extLst>
-              <a:ext uri="{FF2B5EF4-FFF2-40B4-BE49-F238E27FC236}">
-                <a16:creationId xmlns:a16="http://schemas.microsoft.com/office/drawing/2014/main" id="{829E259F-FE68-4055-B7BD-1312721101B5}"/>
-              </a:ext>
-            </a:extLst>
-          </p:cNvPr>
-          <p:cNvSpPr>
-            <a:spLocks noGrp="1"/>
-          </p:cNvSpPr>
-          <p:nvPr>
-            <p:ph type="title"/>
-          </p:nvPr>
-        </p:nvSpPr>
-        <p:spPr/>
-        <p:txBody>
-          <a:bodyPr/>
-          <a:lstStyle/>
-          <a:p>
-            <a:r>
-              <a:rPr lang="en-US" dirty="0"/>
-              <a:t>Questions</a:t>
-            </a:r>
-            <a:endParaRPr lang="nl-NL" dirty="0"/>
-          </a:p>
-        </p:txBody>
-      </p:sp>
-      <p:sp>
-        <p:nvSpPr>
-          <p:cNvPr id="3" name="Content Placeholder 2">
-            <a:extLst>
-              <a:ext uri="{FF2B5EF4-FFF2-40B4-BE49-F238E27FC236}">
-                <a16:creationId xmlns:a16="http://schemas.microsoft.com/office/drawing/2014/main" id="{C9B3192F-3F18-48D2-9AD9-5FB803B1B522}"/>
-              </a:ext>
-            </a:extLst>
-          </p:cNvPr>
-          <p:cNvSpPr>
-            <a:spLocks noGrp="1"/>
-          </p:cNvSpPr>
-          <p:nvPr>
-            <p:ph idx="1"/>
-          </p:nvPr>
-        </p:nvSpPr>
-        <p:spPr/>
-        <p:txBody>
-          <a:bodyPr/>
-          <a:lstStyle/>
-          <a:p>
-            <a:endParaRPr lang="nl-NL"/>
-          </a:p>
-        </p:txBody>
-      </p:sp>
-    </p:spTree>
-    <p:extLst>
-      <p:ext uri="{BB962C8B-B14F-4D97-AF65-F5344CB8AC3E}">
-        <p14:creationId xmlns:p14="http://schemas.microsoft.com/office/powerpoint/2010/main" val="566507608"/>
-      </p:ext>
-    </p:extLst>
-  </p:cSld>
-  <p:clrMapOvr>
-    <a:masterClrMapping/>
-  </p:clrMapOvr>
-</p:sld>
-</file>
-
-<file path=ppt/slides/slide21.xml><?xml version="1.0" encoding="utf-8"?>
 <p:sld xmlns:a="http://schemas.openxmlformats.org/drawingml/2006/main" xmlns:r="http://schemas.openxmlformats.org/officeDocument/2006/relationships" xmlns:p="http://schemas.openxmlformats.org/presentationml/2006/main">
   <p:cSld>
     <p:spTree>
@@ -11840,25 +11542,13 @@
           <a:p>
             <a:r>
               <a:rPr lang="en-US" dirty="0"/>
-              <a:t>3. Bots and experiments</a:t>
-            </a:r>
-          </a:p>
-          <a:p>
-            <a:pPr marL="0" indent="0">
-              <a:buNone/>
-            </a:pPr>
+              <a:t>3. Bots and experiments  </a:t>
+            </a:r>
+          </a:p>
+          <a:p>
             <a:r>
               <a:rPr lang="en-US" dirty="0"/>
-              <a:t>  4. Collision Detection?</a:t>
-            </a:r>
-          </a:p>
-          <a:p>
-            <a:pPr marL="0" indent="0">
-              <a:buNone/>
-            </a:pPr>
-            <a:r>
-              <a:rPr lang="en-US" dirty="0"/>
-              <a:t>  5. Conclusion</a:t>
+              <a:t>4. Conclusion</a:t>
             </a:r>
           </a:p>
         </p:txBody>
@@ -11932,114 +11622,6 @@
 </file>
 
 <file path=ppt/slides/slide4.xml><?xml version="1.0" encoding="utf-8"?>
-<p:sld xmlns:a="http://schemas.openxmlformats.org/drawingml/2006/main" xmlns:r="http://schemas.openxmlformats.org/officeDocument/2006/relationships" xmlns:p="http://schemas.openxmlformats.org/presentationml/2006/main">
-  <p:cSld>
-    <p:spTree>
-      <p:nvGrpSpPr>
-        <p:cNvPr id="1" name=""/>
-        <p:cNvGrpSpPr/>
-        <p:nvPr/>
-      </p:nvGrpSpPr>
-      <p:grpSpPr>
-        <a:xfrm>
-          <a:off x="0" y="0"/>
-          <a:ext cx="0" cy="0"/>
-          <a:chOff x="0" y="0"/>
-          <a:chExt cx="0" cy="0"/>
-        </a:xfrm>
-      </p:grpSpPr>
-      <p:sp>
-        <p:nvSpPr>
-          <p:cNvPr id="2" name="Title 1">
-            <a:extLst>
-              <a:ext uri="{FF2B5EF4-FFF2-40B4-BE49-F238E27FC236}">
-                <a16:creationId xmlns:a16="http://schemas.microsoft.com/office/drawing/2014/main" id="{D56B4730-A284-EC4F-A8A4-D6068F18AE57}"/>
-              </a:ext>
-            </a:extLst>
-          </p:cNvPr>
-          <p:cNvSpPr>
-            <a:spLocks noGrp="1"/>
-          </p:cNvSpPr>
-          <p:nvPr>
-            <p:ph type="title"/>
-          </p:nvPr>
-        </p:nvSpPr>
-        <p:spPr/>
-        <p:txBody>
-          <a:bodyPr/>
-          <a:lstStyle/>
-          <a:p>
-            <a:r>
-              <a:rPr lang="en-US" dirty="0"/>
-              <a:t>Our questions</a:t>
-            </a:r>
-          </a:p>
-        </p:txBody>
-      </p:sp>
-      <p:sp>
-        <p:nvSpPr>
-          <p:cNvPr id="3" name="Content Placeholder 2">
-            <a:extLst>
-              <a:ext uri="{FF2B5EF4-FFF2-40B4-BE49-F238E27FC236}">
-                <a16:creationId xmlns:a16="http://schemas.microsoft.com/office/drawing/2014/main" id="{572D4500-3F37-814C-BB96-FB8F7D6E252D}"/>
-              </a:ext>
-            </a:extLst>
-          </p:cNvPr>
-          <p:cNvSpPr>
-            <a:spLocks noGrp="1"/>
-          </p:cNvSpPr>
-          <p:nvPr>
-            <p:ph idx="1"/>
-          </p:nvPr>
-        </p:nvSpPr>
-        <p:spPr/>
-        <p:txBody>
-          <a:bodyPr/>
-          <a:lstStyle/>
-          <a:p>
-            <a:r>
-              <a:rPr lang="en-US" dirty="0"/>
-              <a:t>1. I</a:t>
-            </a:r>
-            <a:r>
-              <a:rPr lang="en-GB" dirty="0"/>
-              <a:t>s it possible to create a realistic putting game that can be played by an AI?</a:t>
-            </a:r>
-          </a:p>
-          <a:p>
-            <a:r>
-              <a:rPr lang="en-GB" dirty="0"/>
-              <a:t>2. What is a good physics solver that can be used in real-time? </a:t>
-            </a:r>
-          </a:p>
-          <a:p>
-            <a:r>
-              <a:rPr lang="en-GB" dirty="0"/>
-              <a:t>3. What kind of AI can be used in order to play the game?</a:t>
-            </a:r>
-          </a:p>
-          <a:p>
-            <a:r>
-              <a:rPr lang="en-GB" dirty="0"/>
-              <a:t>4. What kind of engine is required to show the game, create terrain defined by a height function and allow a human to play?</a:t>
-            </a:r>
-          </a:p>
-        </p:txBody>
-      </p:sp>
-    </p:spTree>
-    <p:extLst>
-      <p:ext uri="{BB962C8B-B14F-4D97-AF65-F5344CB8AC3E}">
-        <p14:creationId xmlns:p14="http://schemas.microsoft.com/office/powerpoint/2010/main" val="3001957418"/>
-      </p:ext>
-    </p:extLst>
-  </p:cSld>
-  <p:clrMapOvr>
-    <a:masterClrMapping/>
-  </p:clrMapOvr>
-</p:sld>
-</file>
-
-<file path=ppt/slides/slide5.xml><?xml version="1.0" encoding="utf-8"?>
 <p:sld xmlns:a="http://schemas.openxmlformats.org/drawingml/2006/main" xmlns:r="http://schemas.openxmlformats.org/officeDocument/2006/relationships" xmlns:p="http://schemas.openxmlformats.org/presentationml/2006/main">
   <p:cSld>
     <p:bg>
@@ -12583,7 +12165,7 @@
 </p:sld>
 </file>
 
-<file path=ppt/slides/slide6.xml><?xml version="1.0" encoding="utf-8"?>
+<file path=ppt/slides/slide5.xml><?xml version="1.0" encoding="utf-8"?>
 <p:sld xmlns:a="http://schemas.openxmlformats.org/drawingml/2006/main" xmlns:r="http://schemas.openxmlformats.org/officeDocument/2006/relationships" xmlns:p="http://schemas.openxmlformats.org/presentationml/2006/main">
   <p:cSld>
     <p:bg>
@@ -12883,7 +12465,7 @@
 </p:sld>
 </file>
 
-<file path=ppt/slides/slide7.xml><?xml version="1.0" encoding="utf-8"?>
+<file path=ppt/slides/slide6.xml><?xml version="1.0" encoding="utf-8"?>
 <p:sld xmlns:a="http://schemas.openxmlformats.org/drawingml/2006/main" xmlns:r="http://schemas.openxmlformats.org/officeDocument/2006/relationships" xmlns:p="http://schemas.openxmlformats.org/presentationml/2006/main">
   <p:cSld>
     <p:bg>
@@ -13378,7 +12960,7 @@
 </p:sld>
 </file>
 
-<file path=ppt/slides/slide8.xml><?xml version="1.0" encoding="utf-8"?>
+<file path=ppt/slides/slide7.xml><?xml version="1.0" encoding="utf-8"?>
 <p:sld xmlns:a="http://schemas.openxmlformats.org/drawingml/2006/main" xmlns:r="http://schemas.openxmlformats.org/officeDocument/2006/relationships" xmlns:p="http://schemas.openxmlformats.org/presentationml/2006/main">
   <p:cSld>
     <p:spTree>
@@ -13606,6 +13188,156 @@
 </p:sld>
 </file>
 
+<file path=ppt/slides/slide8.xml><?xml version="1.0" encoding="utf-8"?>
+<p:sld xmlns:a="http://schemas.openxmlformats.org/drawingml/2006/main" xmlns:r="http://schemas.openxmlformats.org/officeDocument/2006/relationships" xmlns:p="http://schemas.openxmlformats.org/presentationml/2006/main">
+  <p:cSld>
+    <p:spTree>
+      <p:nvGrpSpPr>
+        <p:cNvPr id="1" name=""/>
+        <p:cNvGrpSpPr/>
+        <p:nvPr/>
+      </p:nvGrpSpPr>
+      <p:grpSpPr>
+        <a:xfrm>
+          <a:off x="0" y="0"/>
+          <a:ext cx="0" cy="0"/>
+          <a:chOff x="0" y="0"/>
+          <a:chExt cx="0" cy="0"/>
+        </a:xfrm>
+      </p:grpSpPr>
+      <p:sp>
+        <p:nvSpPr>
+          <p:cNvPr id="2" name="Title 1">
+            <a:extLst>
+              <a:ext uri="{FF2B5EF4-FFF2-40B4-BE49-F238E27FC236}">
+                <a16:creationId xmlns:a16="http://schemas.microsoft.com/office/drawing/2014/main" id="{439ABE64-F951-4A3B-9488-4522144D5827}"/>
+              </a:ext>
+            </a:extLst>
+          </p:cNvPr>
+          <p:cNvSpPr>
+            <a:spLocks noGrp="1"/>
+          </p:cNvSpPr>
+          <p:nvPr>
+            <p:ph type="title"/>
+          </p:nvPr>
+        </p:nvSpPr>
+        <p:spPr/>
+        <p:txBody>
+          <a:bodyPr/>
+          <a:lstStyle/>
+          <a:p>
+            <a:r>
+              <a:rPr lang="en-US" dirty="0"/>
+              <a:t>Our solvers</a:t>
+            </a:r>
+            <a:endParaRPr lang="nl-NL" dirty="0"/>
+          </a:p>
+        </p:txBody>
+      </p:sp>
+      <p:sp>
+        <p:nvSpPr>
+          <p:cNvPr id="3" name="Content Placeholder 2">
+            <a:extLst>
+              <a:ext uri="{FF2B5EF4-FFF2-40B4-BE49-F238E27FC236}">
+                <a16:creationId xmlns:a16="http://schemas.microsoft.com/office/drawing/2014/main" id="{678C0CFD-5A91-4EC8-9C81-632FE3FF7748}"/>
+              </a:ext>
+            </a:extLst>
+          </p:cNvPr>
+          <p:cNvSpPr>
+            <a:spLocks noGrp="1"/>
+          </p:cNvSpPr>
+          <p:nvPr>
+            <p:ph idx="1"/>
+          </p:nvPr>
+        </p:nvSpPr>
+        <p:spPr/>
+        <p:txBody>
+          <a:bodyPr>
+            <a:normAutofit/>
+          </a:bodyPr>
+          <a:lstStyle/>
+          <a:p>
+            <a:r>
+              <a:rPr lang="en-US" dirty="0"/>
+              <a:t>We rewrote the entire physics engine to improve the way it interacts with the rest of the game. We also added 3 new solvers to improve the accuracy of our calculations.</a:t>
+            </a:r>
+          </a:p>
+          <a:p>
+            <a:endParaRPr lang="en-US" dirty="0"/>
+          </a:p>
+          <a:p>
+            <a:pPr>
+              <a:buFont typeface="Wingdings" panose="05000000000000000000" pitchFamily="2" charset="2"/>
+              <a:buChar char="v"/>
+            </a:pPr>
+            <a:r>
+              <a:rPr lang="en-US" dirty="0"/>
+              <a:t> Second order Verlet </a:t>
+            </a:r>
+          </a:p>
+          <a:p>
+            <a:pPr>
+              <a:buFont typeface="Wingdings" panose="05000000000000000000" pitchFamily="2" charset="2"/>
+              <a:buChar char="v"/>
+            </a:pPr>
+            <a:r>
+              <a:rPr lang="en-US" dirty="0"/>
+              <a:t> Second order velocity Verlet</a:t>
+            </a:r>
+          </a:p>
+          <a:p>
+            <a:pPr>
+              <a:buFont typeface="Wingdings" panose="05000000000000000000" pitchFamily="2" charset="2"/>
+              <a:buChar char="v"/>
+            </a:pPr>
+            <a:r>
+              <a:rPr lang="en-US" dirty="0"/>
+              <a:t> Classical 4</a:t>
+            </a:r>
+            <a:r>
+              <a:rPr lang="en-US" baseline="30000" dirty="0"/>
+              <a:t>th</a:t>
+            </a:r>
+            <a:r>
+              <a:rPr lang="en-US" dirty="0"/>
+              <a:t> order Runge-</a:t>
+            </a:r>
+            <a:r>
+              <a:rPr lang="en-US" dirty="0" err="1"/>
+              <a:t>Kutta</a:t>
+            </a:r>
+            <a:endParaRPr lang="en-US" dirty="0"/>
+          </a:p>
+          <a:p>
+            <a:endParaRPr lang="nl-NL" dirty="0"/>
+          </a:p>
+          <a:p>
+            <a:pPr marL="0" indent="0">
+              <a:buNone/>
+            </a:pPr>
+            <a:endParaRPr lang="nl-NL" dirty="0"/>
+          </a:p>
+          <a:p>
+            <a:endParaRPr lang="en-US" dirty="0"/>
+          </a:p>
+          <a:p>
+            <a:endParaRPr lang="nl-NL" dirty="0"/>
+          </a:p>
+        </p:txBody>
+      </p:sp>
+    </p:spTree>
+    <p:extLst>
+      <p:ext uri="{BB962C8B-B14F-4D97-AF65-F5344CB8AC3E}">
+        <p14:creationId xmlns:p14="http://schemas.microsoft.com/office/powerpoint/2010/main" val="423268700"/>
+      </p:ext>
+    </p:extLst>
+  </p:cSld>
+  <p:clrMapOvr>
+    <a:masterClrMapping/>
+  </p:clrMapOvr>
+</p:sld>
+</file>
+
 <file path=ppt/slides/slide9.xml><?xml version="1.0" encoding="utf-8"?>
 <p:sld xmlns:a="http://schemas.openxmlformats.org/drawingml/2006/main" xmlns:r="http://schemas.openxmlformats.org/officeDocument/2006/relationships" xmlns:p="http://schemas.openxmlformats.org/presentationml/2006/main">
   <p:cSld>
@@ -13628,7 +13360,7 @@
           <p:cNvPr id="2" name="Title 1">
             <a:extLst>
               <a:ext uri="{FF2B5EF4-FFF2-40B4-BE49-F238E27FC236}">
-                <a16:creationId xmlns:a16="http://schemas.microsoft.com/office/drawing/2014/main" id="{439ABE64-F951-4A3B-9488-4522144D5827}"/>
+                <a16:creationId xmlns:a16="http://schemas.microsoft.com/office/drawing/2014/main" id="{5FC132AA-6D25-43A2-85C9-4418A09EA0D6}"/>
               </a:ext>
             </a:extLst>
           </p:cNvPr>
@@ -13646,107 +13378,710 @@
           <a:p>
             <a:r>
               <a:rPr lang="en-US" dirty="0"/>
-              <a:t>Our solvers</a:t>
+              <a:t>The formulas</a:t>
+            </a:r>
+            <a:br>
+              <a:rPr lang="en-US" dirty="0"/>
+            </a:br>
+            <a:r>
+              <a:rPr lang="en-US" dirty="0"/>
+              <a:t>2</a:t>
+            </a:r>
+            <a:r>
+              <a:rPr lang="en-US" baseline="30000" dirty="0"/>
+              <a:t>nd</a:t>
+            </a:r>
+            <a:r>
+              <a:rPr lang="en-US" dirty="0"/>
+              <a:t>-order Verlet</a:t>
             </a:r>
             <a:endParaRPr lang="nl-NL" dirty="0"/>
           </a:p>
         </p:txBody>
       </p:sp>
-      <p:sp>
-        <p:nvSpPr>
-          <p:cNvPr id="3" name="Content Placeholder 2">
-            <a:extLst>
-              <a:ext uri="{FF2B5EF4-FFF2-40B4-BE49-F238E27FC236}">
-                <a16:creationId xmlns:a16="http://schemas.microsoft.com/office/drawing/2014/main" id="{678C0CFD-5A91-4EC8-9C81-632FE3FF7748}"/>
-              </a:ext>
-            </a:extLst>
-          </p:cNvPr>
-          <p:cNvSpPr>
-            <a:spLocks noGrp="1"/>
-          </p:cNvSpPr>
-          <p:nvPr>
-            <p:ph idx="1"/>
-          </p:nvPr>
-        </p:nvSpPr>
-        <p:spPr/>
-        <p:txBody>
-          <a:bodyPr>
-            <a:normAutofit/>
-          </a:bodyPr>
-          <a:lstStyle/>
-          <a:p>
-            <a:r>
-              <a:rPr lang="en-US" dirty="0"/>
-              <a:t>We rewrote the entire physics engine to improve the way it interacts with the rest of the game. We also added 3 new solvers to improve the accuracy of our calculations.</a:t>
-            </a:r>
-          </a:p>
-          <a:p>
-            <a:endParaRPr lang="en-US" dirty="0"/>
-          </a:p>
-          <a:p>
-            <a:pPr>
-              <a:buFont typeface="Wingdings" panose="05000000000000000000" pitchFamily="2" charset="2"/>
-              <a:buChar char="v"/>
-            </a:pPr>
-            <a:r>
-              <a:rPr lang="en-US" dirty="0"/>
-              <a:t> Second order Verlet </a:t>
-            </a:r>
-          </a:p>
-          <a:p>
-            <a:pPr>
-              <a:buFont typeface="Wingdings" panose="05000000000000000000" pitchFamily="2" charset="2"/>
-              <a:buChar char="v"/>
-            </a:pPr>
-            <a:r>
-              <a:rPr lang="en-US" dirty="0"/>
-              <a:t> Second order velocity Verlet</a:t>
-            </a:r>
-          </a:p>
-          <a:p>
-            <a:pPr>
-              <a:buFont typeface="Wingdings" panose="05000000000000000000" pitchFamily="2" charset="2"/>
-              <a:buChar char="v"/>
-            </a:pPr>
-            <a:r>
-              <a:rPr lang="en-US" dirty="0"/>
-              <a:t> Classical 4</a:t>
-            </a:r>
-            <a:r>
-              <a:rPr lang="en-US" baseline="30000" dirty="0"/>
-              <a:t>th</a:t>
-            </a:r>
-            <a:r>
-              <a:rPr lang="en-US" dirty="0"/>
-              <a:t> order Runge-</a:t>
-            </a:r>
-            <a:r>
-              <a:rPr lang="en-US" dirty="0" err="1"/>
-              <a:t>Kutta</a:t>
-            </a:r>
-            <a:endParaRPr lang="en-US" dirty="0"/>
-          </a:p>
-          <a:p>
-            <a:endParaRPr lang="nl-NL" dirty="0"/>
-          </a:p>
-          <a:p>
-            <a:pPr marL="0" indent="0">
-              <a:buNone/>
-            </a:pPr>
-            <a:endParaRPr lang="nl-NL" dirty="0"/>
-          </a:p>
-          <a:p>
-            <a:endParaRPr lang="en-US" dirty="0"/>
-          </a:p>
-          <a:p>
-            <a:endParaRPr lang="nl-NL" dirty="0"/>
-          </a:p>
-        </p:txBody>
-      </p:sp>
+      <mc:AlternateContent xmlns:mc="http://schemas.openxmlformats.org/markup-compatibility/2006" xmlns:a14="http://schemas.microsoft.com/office/drawing/2010/main">
+        <mc:Choice Requires="a14">
+          <p:sp>
+            <p:nvSpPr>
+              <p:cNvPr id="3" name="Content Placeholder 2">
+                <a:extLst>
+                  <a:ext uri="{FF2B5EF4-FFF2-40B4-BE49-F238E27FC236}">
+                    <a16:creationId xmlns:a16="http://schemas.microsoft.com/office/drawing/2014/main" id="{2C807C5B-BBEB-4D09-A4B8-DDD8ACC39660}"/>
+                  </a:ext>
+                </a:extLst>
+              </p:cNvPr>
+              <p:cNvSpPr>
+                <a:spLocks noGrp="1"/>
+              </p:cNvSpPr>
+              <p:nvPr>
+                <p:ph idx="1"/>
+              </p:nvPr>
+            </p:nvSpPr>
+            <p:spPr/>
+            <p:txBody>
+              <a:bodyPr/>
+              <a:lstStyle/>
+              <a:p>
+                <a:pPr marL="0" indent="0">
+                  <a:buNone/>
+                </a:pPr>
+                <a:r>
+                  <a:rPr lang="nl-NL" i="1" dirty="0">
+                    <a:latin typeface="Cambria Math" panose="02040503050406030204" pitchFamily="18" charset="0"/>
+                  </a:rPr>
+                  <a:t>  p</a:t>
+                </a:r>
+                <a14:m>
+                  <m:oMath xmlns:m="http://schemas.openxmlformats.org/officeDocument/2006/math">
+                    <m:d>
+                      <m:dPr>
+                        <m:ctrlPr>
+                          <a:rPr lang="nl-NL" b="0" i="1" smtClean="0">
+                            <a:latin typeface="Cambria Math" panose="02040503050406030204" pitchFamily="18" charset="0"/>
+                          </a:rPr>
+                        </m:ctrlPr>
+                      </m:dPr>
+                      <m:e>
+                        <m:r>
+                          <a:rPr lang="nl-NL" b="0" i="1" smtClean="0">
+                            <a:latin typeface="Cambria Math" panose="02040503050406030204" pitchFamily="18" charset="0"/>
+                          </a:rPr>
+                          <m:t>𝑡</m:t>
+                        </m:r>
+                        <m:r>
+                          <a:rPr lang="nl-NL" b="0" i="1" smtClean="0">
+                            <a:latin typeface="Cambria Math" panose="02040503050406030204" pitchFamily="18" charset="0"/>
+                          </a:rPr>
+                          <m:t>+∆</m:t>
+                        </m:r>
+                        <m:r>
+                          <a:rPr lang="nl-NL" b="0" i="1" smtClean="0">
+                            <a:latin typeface="Cambria Math" panose="02040503050406030204" pitchFamily="18" charset="0"/>
+                            <a:ea typeface="Cambria Math" panose="02040503050406030204" pitchFamily="18" charset="0"/>
+                          </a:rPr>
+                          <m:t>𝑡</m:t>
+                        </m:r>
+                      </m:e>
+                    </m:d>
+                    <m:r>
+                      <a:rPr lang="nl-NL" b="0" i="1" smtClean="0">
+                        <a:latin typeface="Cambria Math" panose="02040503050406030204" pitchFamily="18" charset="0"/>
+                        <a:ea typeface="Cambria Math" panose="02040503050406030204" pitchFamily="18" charset="0"/>
+                      </a:rPr>
+                      <m:t>=2</m:t>
+                    </m:r>
+                    <m:r>
+                      <a:rPr lang="nl-NL" b="0" i="1" smtClean="0">
+                        <a:latin typeface="Cambria Math" panose="02040503050406030204" pitchFamily="18" charset="0"/>
+                        <a:ea typeface="Cambria Math" panose="02040503050406030204" pitchFamily="18" charset="0"/>
+                      </a:rPr>
+                      <m:t>𝑝</m:t>
+                    </m:r>
+                    <m:d>
+                      <m:dPr>
+                        <m:ctrlPr>
+                          <a:rPr lang="nl-NL" b="0" i="1" smtClean="0">
+                            <a:latin typeface="Cambria Math" panose="02040503050406030204" pitchFamily="18" charset="0"/>
+                            <a:ea typeface="Cambria Math" panose="02040503050406030204" pitchFamily="18" charset="0"/>
+                          </a:rPr>
+                        </m:ctrlPr>
+                      </m:dPr>
+                      <m:e>
+                        <m:r>
+                          <a:rPr lang="nl-NL" b="0" i="1" smtClean="0">
+                            <a:latin typeface="Cambria Math" panose="02040503050406030204" pitchFamily="18" charset="0"/>
+                            <a:ea typeface="Cambria Math" panose="02040503050406030204" pitchFamily="18" charset="0"/>
+                          </a:rPr>
+                          <m:t>𝑡</m:t>
+                        </m:r>
+                      </m:e>
+                    </m:d>
+                    <m:r>
+                      <a:rPr lang="nl-NL" b="0" i="1" smtClean="0">
+                        <a:latin typeface="Cambria Math" panose="02040503050406030204" pitchFamily="18" charset="0"/>
+                        <a:ea typeface="Cambria Math" panose="02040503050406030204" pitchFamily="18" charset="0"/>
+                      </a:rPr>
+                      <m:t>−</m:t>
+                    </m:r>
+                    <m:r>
+                      <a:rPr lang="nl-NL" b="0" i="1" smtClean="0">
+                        <a:latin typeface="Cambria Math" panose="02040503050406030204" pitchFamily="18" charset="0"/>
+                        <a:ea typeface="Cambria Math" panose="02040503050406030204" pitchFamily="18" charset="0"/>
+                      </a:rPr>
+                      <m:t>𝑝</m:t>
+                    </m:r>
+                    <m:d>
+                      <m:dPr>
+                        <m:ctrlPr>
+                          <a:rPr lang="nl-NL" b="0" i="1" smtClean="0">
+                            <a:latin typeface="Cambria Math" panose="02040503050406030204" pitchFamily="18" charset="0"/>
+                            <a:ea typeface="Cambria Math" panose="02040503050406030204" pitchFamily="18" charset="0"/>
+                          </a:rPr>
+                        </m:ctrlPr>
+                      </m:dPr>
+                      <m:e>
+                        <m:r>
+                          <a:rPr lang="nl-NL" b="0" i="1" smtClean="0">
+                            <a:latin typeface="Cambria Math" panose="02040503050406030204" pitchFamily="18" charset="0"/>
+                            <a:ea typeface="Cambria Math" panose="02040503050406030204" pitchFamily="18" charset="0"/>
+                          </a:rPr>
+                          <m:t>𝑡</m:t>
+                        </m:r>
+                        <m:r>
+                          <a:rPr lang="nl-NL" b="0" i="1" smtClean="0">
+                            <a:latin typeface="Cambria Math" panose="02040503050406030204" pitchFamily="18" charset="0"/>
+                            <a:ea typeface="Cambria Math" panose="02040503050406030204" pitchFamily="18" charset="0"/>
+                          </a:rPr>
+                          <m:t>−∆</m:t>
+                        </m:r>
+                        <m:r>
+                          <a:rPr lang="nl-NL" b="0" i="1" smtClean="0">
+                            <a:latin typeface="Cambria Math" panose="02040503050406030204" pitchFamily="18" charset="0"/>
+                            <a:ea typeface="Cambria Math" panose="02040503050406030204" pitchFamily="18" charset="0"/>
+                          </a:rPr>
+                          <m:t>𝑡</m:t>
+                        </m:r>
+                      </m:e>
+                    </m:d>
+                    <m:r>
+                      <a:rPr lang="nl-NL" b="0" i="1" smtClean="0">
+                        <a:latin typeface="Cambria Math" panose="02040503050406030204" pitchFamily="18" charset="0"/>
+                        <a:ea typeface="Cambria Math" panose="02040503050406030204" pitchFamily="18" charset="0"/>
+                      </a:rPr>
+                      <m:t>+</m:t>
+                    </m:r>
+                    <m:r>
+                      <a:rPr lang="nl-NL" b="0" i="1" smtClean="0">
+                        <a:latin typeface="Cambria Math" panose="02040503050406030204" pitchFamily="18" charset="0"/>
+                        <a:ea typeface="Cambria Math" panose="02040503050406030204" pitchFamily="18" charset="0"/>
+                      </a:rPr>
+                      <m:t>𝑎</m:t>
+                    </m:r>
+                    <m:d>
+                      <m:dPr>
+                        <m:ctrlPr>
+                          <a:rPr lang="nl-NL" b="0" i="1" smtClean="0">
+                            <a:latin typeface="Cambria Math" panose="02040503050406030204" pitchFamily="18" charset="0"/>
+                            <a:ea typeface="Cambria Math" panose="02040503050406030204" pitchFamily="18" charset="0"/>
+                          </a:rPr>
+                        </m:ctrlPr>
+                      </m:dPr>
+                      <m:e>
+                        <m:r>
+                          <a:rPr lang="nl-NL" b="0" i="1" smtClean="0">
+                            <a:latin typeface="Cambria Math" panose="02040503050406030204" pitchFamily="18" charset="0"/>
+                            <a:ea typeface="Cambria Math" panose="02040503050406030204" pitchFamily="18" charset="0"/>
+                          </a:rPr>
+                          <m:t>𝑡</m:t>
+                        </m:r>
+                      </m:e>
+                    </m:d>
+                    <m:r>
+                      <a:rPr lang="nl-NL" b="0" i="1" smtClean="0">
+                        <a:latin typeface="Cambria Math" panose="02040503050406030204" pitchFamily="18" charset="0"/>
+                        <a:ea typeface="Cambria Math" panose="02040503050406030204" pitchFamily="18" charset="0"/>
+                      </a:rPr>
+                      <m:t>∆</m:t>
+                    </m:r>
+                    <m:sSup>
+                      <m:sSupPr>
+                        <m:ctrlPr>
+                          <a:rPr lang="nl-NL" b="0" i="1" smtClean="0">
+                            <a:latin typeface="Cambria Math" panose="02040503050406030204" pitchFamily="18" charset="0"/>
+                            <a:ea typeface="Cambria Math" panose="02040503050406030204" pitchFamily="18" charset="0"/>
+                          </a:rPr>
+                        </m:ctrlPr>
+                      </m:sSupPr>
+                      <m:e>
+                        <m:r>
+                          <a:rPr lang="nl-NL" b="0" i="1" smtClean="0">
+                            <a:latin typeface="Cambria Math" panose="02040503050406030204" pitchFamily="18" charset="0"/>
+                            <a:ea typeface="Cambria Math" panose="02040503050406030204" pitchFamily="18" charset="0"/>
+                          </a:rPr>
+                          <m:t>𝑡</m:t>
+                        </m:r>
+                      </m:e>
+                      <m:sup>
+                        <m:r>
+                          <a:rPr lang="nl-NL" b="0" i="1" smtClean="0">
+                            <a:latin typeface="Cambria Math" panose="02040503050406030204" pitchFamily="18" charset="0"/>
+                            <a:ea typeface="Cambria Math" panose="02040503050406030204" pitchFamily="18" charset="0"/>
+                          </a:rPr>
+                          <m:t>2</m:t>
+                        </m:r>
+                      </m:sup>
+                    </m:sSup>
+                    <m:r>
+                      <a:rPr lang="nl-NL" b="0" i="1" smtClean="0">
+                        <a:latin typeface="Cambria Math" panose="02040503050406030204" pitchFamily="18" charset="0"/>
+                        <a:ea typeface="Cambria Math" panose="02040503050406030204" pitchFamily="18" charset="0"/>
+                      </a:rPr>
+                      <m:t>+</m:t>
+                    </m:r>
+                    <m:r>
+                      <a:rPr lang="nl-NL" b="0" i="1" smtClean="0">
+                        <a:latin typeface="Cambria Math" panose="02040503050406030204" pitchFamily="18" charset="0"/>
+                        <a:ea typeface="Cambria Math" panose="02040503050406030204" pitchFamily="18" charset="0"/>
+                      </a:rPr>
+                      <m:t>𝑂</m:t>
+                    </m:r>
+                    <m:d>
+                      <m:dPr>
+                        <m:ctrlPr>
+                          <a:rPr lang="nl-NL" b="0" i="1" smtClean="0">
+                            <a:latin typeface="Cambria Math" panose="02040503050406030204" pitchFamily="18" charset="0"/>
+                            <a:ea typeface="Cambria Math" panose="02040503050406030204" pitchFamily="18" charset="0"/>
+                          </a:rPr>
+                        </m:ctrlPr>
+                      </m:dPr>
+                      <m:e>
+                        <m:r>
+                          <a:rPr lang="nl-NL" b="0" i="1" smtClean="0">
+                            <a:latin typeface="Cambria Math" panose="02040503050406030204" pitchFamily="18" charset="0"/>
+                            <a:ea typeface="Cambria Math" panose="02040503050406030204" pitchFamily="18" charset="0"/>
+                          </a:rPr>
+                          <m:t>∆</m:t>
+                        </m:r>
+                        <m:sSup>
+                          <m:sSupPr>
+                            <m:ctrlPr>
+                              <a:rPr lang="nl-NL" b="0" i="1" smtClean="0">
+                                <a:latin typeface="Cambria Math" panose="02040503050406030204" pitchFamily="18" charset="0"/>
+                                <a:ea typeface="Cambria Math" panose="02040503050406030204" pitchFamily="18" charset="0"/>
+                              </a:rPr>
+                            </m:ctrlPr>
+                          </m:sSupPr>
+                          <m:e>
+                            <m:r>
+                              <a:rPr lang="nl-NL" b="0" i="1" smtClean="0">
+                                <a:latin typeface="Cambria Math" panose="02040503050406030204" pitchFamily="18" charset="0"/>
+                                <a:ea typeface="Cambria Math" panose="02040503050406030204" pitchFamily="18" charset="0"/>
+                              </a:rPr>
+                              <m:t>𝑡</m:t>
+                            </m:r>
+                          </m:e>
+                          <m:sup>
+                            <m:r>
+                              <a:rPr lang="nl-NL" b="0" i="1" smtClean="0">
+                                <a:latin typeface="Cambria Math" panose="02040503050406030204" pitchFamily="18" charset="0"/>
+                                <a:ea typeface="Cambria Math" panose="02040503050406030204" pitchFamily="18" charset="0"/>
+                              </a:rPr>
+                              <m:t>2</m:t>
+                            </m:r>
+                          </m:sup>
+                        </m:sSup>
+                      </m:e>
+                    </m:d>
+                  </m:oMath>
+                </a14:m>
+                <a:endParaRPr lang="nl-NL" b="0" i="1" dirty="0">
+                  <a:latin typeface="Cambria Math" panose="02040503050406030204" pitchFamily="18" charset="0"/>
+                  <a:ea typeface="Cambria Math" panose="02040503050406030204" pitchFamily="18" charset="0"/>
+                </a:endParaRPr>
+              </a:p>
+              <a:p>
+                <a:pPr marL="0" indent="0">
+                  <a:buNone/>
+                </a:pPr>
+                <a:r>
+                  <a:rPr lang="nl-NL" dirty="0"/>
+                  <a:t>  </a:t>
+                </a:r>
+                <a14:m>
+                  <m:oMath xmlns:m="http://schemas.openxmlformats.org/officeDocument/2006/math">
+                    <m:r>
+                      <a:rPr lang="nl-NL" i="1">
+                        <a:latin typeface="Cambria Math" panose="02040503050406030204" pitchFamily="18" charset="0"/>
+                      </a:rPr>
+                      <m:t>𝑎</m:t>
+                    </m:r>
+                    <m:d>
+                      <m:dPr>
+                        <m:ctrlPr>
+                          <a:rPr lang="nl-NL" i="1">
+                            <a:latin typeface="Cambria Math" panose="02040503050406030204" pitchFamily="18" charset="0"/>
+                          </a:rPr>
+                        </m:ctrlPr>
+                      </m:dPr>
+                      <m:e>
+                        <m:r>
+                          <a:rPr lang="nl-NL" i="1">
+                            <a:latin typeface="Cambria Math" panose="02040503050406030204" pitchFamily="18" charset="0"/>
+                          </a:rPr>
+                          <m:t>𝑡</m:t>
+                        </m:r>
+                      </m:e>
+                    </m:d>
+                    <m:r>
+                      <a:rPr lang="nl-NL" i="1">
+                        <a:latin typeface="Cambria Math" panose="02040503050406030204" pitchFamily="18" charset="0"/>
+                        <a:ea typeface="Cambria Math" panose="02040503050406030204" pitchFamily="18" charset="0"/>
+                      </a:rPr>
+                      <m:t>= </m:t>
+                    </m:r>
+                    <m:f>
+                      <m:fPr>
+                        <m:ctrlPr>
+                          <a:rPr lang="nl-NL" i="1">
+                            <a:latin typeface="Cambria Math" panose="02040503050406030204" pitchFamily="18" charset="0"/>
+                            <a:ea typeface="Cambria Math" panose="02040503050406030204" pitchFamily="18" charset="0"/>
+                          </a:rPr>
+                        </m:ctrlPr>
+                      </m:fPr>
+                      <m:num>
+                        <m:r>
+                          <a:rPr lang="nl-NL" i="1">
+                            <a:latin typeface="Cambria Math" panose="02040503050406030204" pitchFamily="18" charset="0"/>
+                            <a:ea typeface="Cambria Math" panose="02040503050406030204" pitchFamily="18" charset="0"/>
+                          </a:rPr>
+                          <m:t>𝐹</m:t>
+                        </m:r>
+                        <m:r>
+                          <a:rPr lang="nl-NL" i="1">
+                            <a:latin typeface="Cambria Math" panose="02040503050406030204" pitchFamily="18" charset="0"/>
+                            <a:ea typeface="Cambria Math" panose="02040503050406030204" pitchFamily="18" charset="0"/>
+                          </a:rPr>
+                          <m:t>(</m:t>
+                        </m:r>
+                        <m:r>
+                          <a:rPr lang="nl-NL" i="1">
+                            <a:latin typeface="Cambria Math" panose="02040503050406030204" pitchFamily="18" charset="0"/>
+                            <a:ea typeface="Cambria Math" panose="02040503050406030204" pitchFamily="18" charset="0"/>
+                          </a:rPr>
+                          <m:t>𝑝</m:t>
+                        </m:r>
+                        <m:d>
+                          <m:dPr>
+                            <m:ctrlPr>
+                              <a:rPr lang="nl-NL" i="1">
+                                <a:latin typeface="Cambria Math" panose="02040503050406030204" pitchFamily="18" charset="0"/>
+                                <a:ea typeface="Cambria Math" panose="02040503050406030204" pitchFamily="18" charset="0"/>
+                              </a:rPr>
+                            </m:ctrlPr>
+                          </m:dPr>
+                          <m:e>
+                            <m:r>
+                              <a:rPr lang="nl-NL" i="1">
+                                <a:latin typeface="Cambria Math" panose="02040503050406030204" pitchFamily="18" charset="0"/>
+                                <a:ea typeface="Cambria Math" panose="02040503050406030204" pitchFamily="18" charset="0"/>
+                              </a:rPr>
+                              <m:t>𝑡</m:t>
+                            </m:r>
+                          </m:e>
+                        </m:d>
+                        <m:r>
+                          <a:rPr lang="nl-NL" i="1">
+                            <a:latin typeface="Cambria Math" panose="02040503050406030204" pitchFamily="18" charset="0"/>
+                            <a:ea typeface="Cambria Math" panose="02040503050406030204" pitchFamily="18" charset="0"/>
+                          </a:rPr>
+                          <m:t>,   </m:t>
+                        </m:r>
+                        <m:r>
+                          <a:rPr lang="nl-NL" i="1">
+                            <a:latin typeface="Cambria Math" panose="02040503050406030204" pitchFamily="18" charset="0"/>
+                            <a:ea typeface="Cambria Math" panose="02040503050406030204" pitchFamily="18" charset="0"/>
+                          </a:rPr>
+                          <m:t>𝑣</m:t>
+                        </m:r>
+                        <m:d>
+                          <m:dPr>
+                            <m:ctrlPr>
+                              <a:rPr lang="nl-NL" i="1">
+                                <a:latin typeface="Cambria Math" panose="02040503050406030204" pitchFamily="18" charset="0"/>
+                                <a:ea typeface="Cambria Math" panose="02040503050406030204" pitchFamily="18" charset="0"/>
+                              </a:rPr>
+                            </m:ctrlPr>
+                          </m:dPr>
+                          <m:e>
+                            <m:r>
+                              <a:rPr lang="nl-NL" i="1">
+                                <a:latin typeface="Cambria Math" panose="02040503050406030204" pitchFamily="18" charset="0"/>
+                                <a:ea typeface="Cambria Math" panose="02040503050406030204" pitchFamily="18" charset="0"/>
+                              </a:rPr>
+                              <m:t>𝑡</m:t>
+                            </m:r>
+                          </m:e>
+                        </m:d>
+                        <m:r>
+                          <a:rPr lang="nl-NL" i="1">
+                            <a:latin typeface="Cambria Math" panose="02040503050406030204" pitchFamily="18" charset="0"/>
+                            <a:ea typeface="Cambria Math" panose="02040503050406030204" pitchFamily="18" charset="0"/>
+                          </a:rPr>
+                          <m:t>)</m:t>
+                        </m:r>
+                      </m:num>
+                      <m:den>
+                        <m:r>
+                          <a:rPr lang="nl-NL" i="1">
+                            <a:latin typeface="Cambria Math" panose="02040503050406030204" pitchFamily="18" charset="0"/>
+                            <a:ea typeface="Cambria Math" panose="02040503050406030204" pitchFamily="18" charset="0"/>
+                          </a:rPr>
+                          <m:t>𝑚</m:t>
+                        </m:r>
+                      </m:den>
+                    </m:f>
+                  </m:oMath>
+                </a14:m>
+                <a:r>
+                  <a:rPr lang="nl-NL" dirty="0"/>
+                  <a:t> </a:t>
+                </a:r>
+                <a:endParaRPr lang="en-US" dirty="0"/>
+              </a:p>
+              <a:p>
+                <a14:m>
+                  <m:oMath xmlns:m="http://schemas.openxmlformats.org/officeDocument/2006/math">
+                    <m:r>
+                      <a:rPr lang="nl-NL" b="0" i="1" smtClean="0">
+                        <a:latin typeface="Cambria Math" panose="02040503050406030204" pitchFamily="18" charset="0"/>
+                      </a:rPr>
+                      <m:t>𝑣</m:t>
+                    </m:r>
+                    <m:d>
+                      <m:dPr>
+                        <m:ctrlPr>
+                          <a:rPr lang="nl-NL" b="0" i="1" smtClean="0">
+                            <a:latin typeface="Cambria Math" panose="02040503050406030204" pitchFamily="18" charset="0"/>
+                          </a:rPr>
+                        </m:ctrlPr>
+                      </m:dPr>
+                      <m:e>
+                        <m:r>
+                          <a:rPr lang="nl-NL" b="0" i="1" smtClean="0">
+                            <a:latin typeface="Cambria Math" panose="02040503050406030204" pitchFamily="18" charset="0"/>
+                          </a:rPr>
+                          <m:t>𝑡</m:t>
+                        </m:r>
+                      </m:e>
+                    </m:d>
+                    <m:r>
+                      <a:rPr lang="nl-NL" b="0" i="1" smtClean="0">
+                        <a:latin typeface="Cambria Math" panose="02040503050406030204" pitchFamily="18" charset="0"/>
+                      </a:rPr>
+                      <m:t>=</m:t>
+                    </m:r>
+                    <m:f>
+                      <m:fPr>
+                        <m:ctrlPr>
+                          <a:rPr lang="nl-NL" b="0" i="1" smtClean="0">
+                            <a:latin typeface="Cambria Math" panose="02040503050406030204" pitchFamily="18" charset="0"/>
+                          </a:rPr>
+                        </m:ctrlPr>
+                      </m:fPr>
+                      <m:num>
+                        <m:r>
+                          <a:rPr lang="nl-NL" b="0" i="1" smtClean="0">
+                            <a:latin typeface="Cambria Math" panose="02040503050406030204" pitchFamily="18" charset="0"/>
+                          </a:rPr>
+                          <m:t>𝑝</m:t>
+                        </m:r>
+                        <m:d>
+                          <m:dPr>
+                            <m:ctrlPr>
+                              <a:rPr lang="nl-NL" b="0" i="1" smtClean="0">
+                                <a:latin typeface="Cambria Math" panose="02040503050406030204" pitchFamily="18" charset="0"/>
+                              </a:rPr>
+                            </m:ctrlPr>
+                          </m:dPr>
+                          <m:e>
+                            <m:r>
+                              <a:rPr lang="nl-NL" b="0" i="1" smtClean="0">
+                                <a:latin typeface="Cambria Math" panose="02040503050406030204" pitchFamily="18" charset="0"/>
+                              </a:rPr>
+                              <m:t>𝑡</m:t>
+                            </m:r>
+                            <m:r>
+                              <a:rPr lang="nl-NL" b="0" i="1" smtClean="0">
+                                <a:latin typeface="Cambria Math" panose="02040503050406030204" pitchFamily="18" charset="0"/>
+                              </a:rPr>
+                              <m:t>+∆</m:t>
+                            </m:r>
+                            <m:r>
+                              <a:rPr lang="nl-NL" b="0" i="1" smtClean="0">
+                                <a:latin typeface="Cambria Math" panose="02040503050406030204" pitchFamily="18" charset="0"/>
+                                <a:ea typeface="Cambria Math" panose="02040503050406030204" pitchFamily="18" charset="0"/>
+                              </a:rPr>
+                              <m:t>𝑡</m:t>
+                            </m:r>
+                          </m:e>
+                        </m:d>
+                        <m:r>
+                          <a:rPr lang="nl-NL" b="0" i="1" smtClean="0">
+                            <a:latin typeface="Cambria Math" panose="02040503050406030204" pitchFamily="18" charset="0"/>
+                            <a:ea typeface="Cambria Math" panose="02040503050406030204" pitchFamily="18" charset="0"/>
+                          </a:rPr>
+                          <m:t>−</m:t>
+                        </m:r>
+                        <m:r>
+                          <a:rPr lang="nl-NL" b="0" i="1" smtClean="0">
+                            <a:latin typeface="Cambria Math" panose="02040503050406030204" pitchFamily="18" charset="0"/>
+                            <a:ea typeface="Cambria Math" panose="02040503050406030204" pitchFamily="18" charset="0"/>
+                          </a:rPr>
+                          <m:t>𝑝</m:t>
+                        </m:r>
+                        <m:r>
+                          <a:rPr lang="nl-NL" b="0" i="1" smtClean="0">
+                            <a:latin typeface="Cambria Math" panose="02040503050406030204" pitchFamily="18" charset="0"/>
+                            <a:ea typeface="Cambria Math" panose="02040503050406030204" pitchFamily="18" charset="0"/>
+                          </a:rPr>
+                          <m:t>(</m:t>
+                        </m:r>
+                        <m:r>
+                          <a:rPr lang="nl-NL" b="0" i="1" smtClean="0">
+                            <a:latin typeface="Cambria Math" panose="02040503050406030204" pitchFamily="18" charset="0"/>
+                            <a:ea typeface="Cambria Math" panose="02040503050406030204" pitchFamily="18" charset="0"/>
+                          </a:rPr>
+                          <m:t>𝑡</m:t>
+                        </m:r>
+                        <m:r>
+                          <a:rPr lang="nl-NL" b="0" i="1" smtClean="0">
+                            <a:latin typeface="Cambria Math" panose="02040503050406030204" pitchFamily="18" charset="0"/>
+                            <a:ea typeface="Cambria Math" panose="02040503050406030204" pitchFamily="18" charset="0"/>
+                          </a:rPr>
+                          <m:t>−∆</m:t>
+                        </m:r>
+                        <m:r>
+                          <a:rPr lang="nl-NL" b="0" i="1" smtClean="0">
+                            <a:latin typeface="Cambria Math" panose="02040503050406030204" pitchFamily="18" charset="0"/>
+                            <a:ea typeface="Cambria Math" panose="02040503050406030204" pitchFamily="18" charset="0"/>
+                          </a:rPr>
+                          <m:t>𝑡</m:t>
+                        </m:r>
+                        <m:r>
+                          <a:rPr lang="nl-NL" b="0" i="1" smtClean="0">
+                            <a:latin typeface="Cambria Math" panose="02040503050406030204" pitchFamily="18" charset="0"/>
+                            <a:ea typeface="Cambria Math" panose="02040503050406030204" pitchFamily="18" charset="0"/>
+                          </a:rPr>
+                          <m:t>)</m:t>
+                        </m:r>
+                      </m:num>
+                      <m:den>
+                        <m:r>
+                          <a:rPr lang="nl-NL" b="0" i="1" smtClean="0">
+                            <a:latin typeface="Cambria Math" panose="02040503050406030204" pitchFamily="18" charset="0"/>
+                          </a:rPr>
+                          <m:t>2</m:t>
+                        </m:r>
+                        <m:r>
+                          <a:rPr lang="nl-NL" b="0" i="1" smtClean="0">
+                            <a:latin typeface="Cambria Math" panose="02040503050406030204" pitchFamily="18" charset="0"/>
+                            <a:ea typeface="Cambria Math" panose="02040503050406030204" pitchFamily="18" charset="0"/>
+                          </a:rPr>
+                          <m:t>∆</m:t>
+                        </m:r>
+                        <m:r>
+                          <a:rPr lang="nl-NL" b="0" i="1" smtClean="0">
+                            <a:latin typeface="Cambria Math" panose="02040503050406030204" pitchFamily="18" charset="0"/>
+                            <a:ea typeface="Cambria Math" panose="02040503050406030204" pitchFamily="18" charset="0"/>
+                          </a:rPr>
+                          <m:t>𝑡</m:t>
+                        </m:r>
+                      </m:den>
+                    </m:f>
+                    <m:r>
+                      <a:rPr lang="nl-NL" b="0" i="1" smtClean="0">
+                        <a:latin typeface="Cambria Math" panose="02040503050406030204" pitchFamily="18" charset="0"/>
+                      </a:rPr>
+                      <m:t>+</m:t>
+                    </m:r>
+                    <m:r>
+                      <a:rPr lang="nl-NL" b="0" i="1" smtClean="0">
+                        <a:latin typeface="Cambria Math" panose="02040503050406030204" pitchFamily="18" charset="0"/>
+                      </a:rPr>
+                      <m:t>𝑂</m:t>
+                    </m:r>
+                    <m:r>
+                      <a:rPr lang="nl-NL" b="0" i="1" smtClean="0">
+                        <a:latin typeface="Cambria Math" panose="02040503050406030204" pitchFamily="18" charset="0"/>
+                      </a:rPr>
+                      <m:t>(∆</m:t>
+                    </m:r>
+                    <m:sSup>
+                      <m:sSupPr>
+                        <m:ctrlPr>
+                          <a:rPr lang="nl-NL" b="0" i="1" smtClean="0">
+                            <a:latin typeface="Cambria Math" panose="02040503050406030204" pitchFamily="18" charset="0"/>
+                            <a:ea typeface="Cambria Math" panose="02040503050406030204" pitchFamily="18" charset="0"/>
+                          </a:rPr>
+                        </m:ctrlPr>
+                      </m:sSupPr>
+                      <m:e>
+                        <m:r>
+                          <a:rPr lang="nl-NL" b="0" i="1" smtClean="0">
+                            <a:latin typeface="Cambria Math" panose="02040503050406030204" pitchFamily="18" charset="0"/>
+                            <a:ea typeface="Cambria Math" panose="02040503050406030204" pitchFamily="18" charset="0"/>
+                          </a:rPr>
+                          <m:t>𝑡</m:t>
+                        </m:r>
+                      </m:e>
+                      <m:sup>
+                        <m:r>
+                          <a:rPr lang="nl-NL" b="0" i="1" smtClean="0">
+                            <a:latin typeface="Cambria Math" panose="02040503050406030204" pitchFamily="18" charset="0"/>
+                            <a:ea typeface="Cambria Math" panose="02040503050406030204" pitchFamily="18" charset="0"/>
+                          </a:rPr>
+                          <m:t>2</m:t>
+                        </m:r>
+                      </m:sup>
+                    </m:sSup>
+                    <m:r>
+                      <a:rPr lang="nl-NL" b="0" i="1" smtClean="0">
+                        <a:latin typeface="Cambria Math" panose="02040503050406030204" pitchFamily="18" charset="0"/>
+                        <a:ea typeface="Cambria Math" panose="02040503050406030204" pitchFamily="18" charset="0"/>
+                      </a:rPr>
+                      <m:t>)</m:t>
+                    </m:r>
+                  </m:oMath>
+                </a14:m>
+                <a:endParaRPr lang="en-US" dirty="0"/>
+              </a:p>
+            </p:txBody>
+          </p:sp>
+        </mc:Choice>
+        <mc:Fallback xmlns="">
+          <p:sp>
+            <p:nvSpPr>
+              <p:cNvPr id="3" name="Content Placeholder 2">
+                <a:extLst>
+                  <a:ext uri="{FF2B5EF4-FFF2-40B4-BE49-F238E27FC236}">
+                    <a16:creationId xmlns:a16="http://schemas.microsoft.com/office/drawing/2014/main" id="{2C807C5B-BBEB-4D09-A4B8-DDD8ACC39660}"/>
+                  </a:ext>
+                </a:extLst>
+              </p:cNvPr>
+              <p:cNvSpPr>
+                <a:spLocks noGrp="1" noRot="1" noChangeAspect="1" noMove="1" noResize="1" noEditPoints="1" noAdjustHandles="1" noChangeArrowheads="1" noChangeShapeType="1" noTextEdit="1"/>
+              </p:cNvSpPr>
+              <p:nvPr>
+                <p:ph idx="1"/>
+              </p:nvPr>
+            </p:nvSpPr>
+            <p:spPr>
+              <a:blipFill>
+                <a:blip r:embed="rId3"/>
+                <a:stretch>
+                  <a:fillRect l="-424" t="-810"/>
+                </a:stretch>
+              </a:blipFill>
+            </p:spPr>
+            <p:txBody>
+              <a:bodyPr/>
+              <a:lstStyle/>
+              <a:p>
+                <a:r>
+                  <a:rPr lang="en-GB">
+                    <a:noFill/>
+                  </a:rPr>
+                  <a:t> </a:t>
+                </a:r>
+              </a:p>
+            </p:txBody>
+          </p:sp>
+        </mc:Fallback>
+      </mc:AlternateContent>
     </p:spTree>
     <p:extLst>
       <p:ext uri="{BB962C8B-B14F-4D97-AF65-F5344CB8AC3E}">
-        <p14:creationId xmlns:p14="http://schemas.microsoft.com/office/powerpoint/2010/main" val="423268700"/>
+        <p14:creationId xmlns:p14="http://schemas.microsoft.com/office/powerpoint/2010/main" val="2122963621"/>
       </p:ext>
     </p:extLst>
   </p:cSld>
@@ -14378,21 +14713,21 @@
 </file>
 
 <file path=customXml/item1.xml><?xml version="1.0" encoding="utf-8"?>
+<?mso-contentType ?>
+<FormTemplates xmlns="http://schemas.microsoft.com/sharepoint/v3/contenttype/forms">
+  <Display>DocumentLibraryForm</Display>
+  <Edit>DocumentLibraryForm</Edit>
+  <New>DocumentLibraryForm</New>
+</FormTemplates>
+</file>
+
+<file path=customXml/item2.xml><?xml version="1.0" encoding="utf-8"?>
 <p:properties xmlns:p="http://schemas.microsoft.com/office/2006/metadata/properties" xmlns:xsi="http://www.w3.org/2001/XMLSchema-instance" xmlns:pc="http://schemas.microsoft.com/office/infopath/2007/PartnerControls">
   <documentManagement>
     <Status xmlns="71af3243-3dd4-4a8d-8c0d-dd76da1f02a5">Not started</Status>
     <MediaServiceKeyPoints xmlns="71af3243-3dd4-4a8d-8c0d-dd76da1f02a5" xsi:nil="true"/>
   </documentManagement>
 </p:properties>
-</file>
-
-<file path=customXml/item2.xml><?xml version="1.0" encoding="utf-8"?>
-<?mso-contentType ?>
-<FormTemplates xmlns="http://schemas.microsoft.com/sharepoint/v3/contenttype/forms">
-  <Display>DocumentLibraryForm</Display>
-  <Edit>DocumentLibraryForm</Edit>
-  <New>DocumentLibraryForm</New>
-</FormTemplates>
 </file>
 
 <file path=customXml/item3.xml><?xml version="1.0" encoding="utf-8"?>
@@ -14617,19 +14952,19 @@
 </file>
 
 <file path=customXml/itemProps1.xml><?xml version="1.0" encoding="utf-8"?>
+<ds:datastoreItem xmlns:ds="http://schemas.openxmlformats.org/officeDocument/2006/customXml" ds:itemID="{3C586965-D4BF-4605-8C1C-5B8CCCAB7737}">
+  <ds:schemaRefs>
+    <ds:schemaRef ds:uri="http://schemas.microsoft.com/sharepoint/v3/contenttype/forms"/>
+  </ds:schemaRefs>
+</ds:datastoreItem>
+</file>
+
+<file path=customXml/itemProps2.xml><?xml version="1.0" encoding="utf-8"?>
 <ds:datastoreItem xmlns:ds="http://schemas.openxmlformats.org/officeDocument/2006/customXml" ds:itemID="{626E351D-C19B-467F-A5C7-085C4CECACA9}">
   <ds:schemaRefs>
     <ds:schemaRef ds:uri="http://schemas.microsoft.com/office/2006/metadata/properties"/>
     <ds:schemaRef ds:uri="http://schemas.microsoft.com/office/infopath/2007/PartnerControls"/>
     <ds:schemaRef ds:uri="71af3243-3dd4-4a8d-8c0d-dd76da1f02a5"/>
-  </ds:schemaRefs>
-</ds:datastoreItem>
-</file>
-
-<file path=customXml/itemProps2.xml><?xml version="1.0" encoding="utf-8"?>
-<ds:datastoreItem xmlns:ds="http://schemas.openxmlformats.org/officeDocument/2006/customXml" ds:itemID="{3C586965-D4BF-4605-8C1C-5B8CCCAB7737}">
-  <ds:schemaRefs>
-    <ds:schemaRef ds:uri="http://schemas.microsoft.com/sharepoint/v3/contenttype/forms"/>
   </ds:schemaRefs>
 </ds:datastoreItem>
 </file>

--- a/04-PresentationThirdPhase.pptx
+++ b/04-PresentationThirdPhase.pptx
@@ -20,7 +20,7 @@
     <p:sldId id="304" r:id="rId14"/>
     <p:sldId id="305" r:id="rId15"/>
     <p:sldId id="328" r:id="rId16"/>
-    <p:sldId id="329" r:id="rId17"/>
+    <p:sldId id="331" r:id="rId17"/>
     <p:sldId id="319" r:id="rId18"/>
     <p:sldId id="330" r:id="rId19"/>
     <p:sldId id="313" r:id="rId20"/>
@@ -8551,8 +8551,8 @@
           </a:p>
         </p:txBody>
       </p:sp>
-      <mc:AlternateContent xmlns:mc="http://schemas.openxmlformats.org/markup-compatibility/2006">
-        <mc:Choice xmlns:a14="http://schemas.microsoft.com/office/drawing/2010/main" Requires="a14">
+      <mc:AlternateContent xmlns:mc="http://schemas.openxmlformats.org/markup-compatibility/2006" xmlns:a14="http://schemas.microsoft.com/office/drawing/2010/main">
+        <mc:Choice Requires="a14">
           <p:sp>
             <p:nvSpPr>
               <p:cNvPr id="3" name="Content Placeholder 2">
@@ -10176,7 +10176,7 @@
             </p:txBody>
           </p:sp>
         </mc:Choice>
-        <mc:Fallback>
+        <mc:Fallback xmlns="">
           <p:sp>
             <p:nvSpPr>
               <p:cNvPr id="3" name="Content Placeholder 2">
@@ -10269,7 +10269,7 @@
           <a:p>
             <a:r>
               <a:rPr lang="en-US" dirty="0"/>
-              <a:t>Flying balls</a:t>
+              <a:t>Flying and bouncing balls</a:t>
             </a:r>
             <a:endParaRPr lang="nl-NL" dirty="0"/>
           </a:p>
@@ -10549,7 +10549,7 @@
           <p:cNvPr id="2" name="Title 1">
             <a:extLst>
               <a:ext uri="{FF2B5EF4-FFF2-40B4-BE49-F238E27FC236}">
-                <a16:creationId xmlns:a16="http://schemas.microsoft.com/office/drawing/2014/main" id="{62F7370A-B20D-4C21-A84A-3948727321FC}"/>
+                <a16:creationId xmlns:a16="http://schemas.microsoft.com/office/drawing/2014/main" id="{61523984-7A2E-437D-8CEA-E490D99479EB}"/>
               </a:ext>
             </a:extLst>
           </p:cNvPr>
@@ -10567,7 +10567,7 @@
           <a:p>
             <a:r>
               <a:rPr lang="en-US" dirty="0"/>
-              <a:t>Bouncing balls</a:t>
+              <a:t>Flying acceleration</a:t>
             </a:r>
             <a:endParaRPr lang="nl-NL" dirty="0"/>
           </a:p>
@@ -10578,7 +10578,7 @@
           <p:cNvPr id="3" name="Content Placeholder 2">
             <a:extLst>
               <a:ext uri="{FF2B5EF4-FFF2-40B4-BE49-F238E27FC236}">
-                <a16:creationId xmlns:a16="http://schemas.microsoft.com/office/drawing/2014/main" id="{452A3965-2F4E-4865-B65C-E38FE4805D3F}"/>
+                <a16:creationId xmlns:a16="http://schemas.microsoft.com/office/drawing/2014/main" id="{295F099C-969E-4E15-AD46-4134B9E94557}"/>
               </a:ext>
             </a:extLst>
           </p:cNvPr>
@@ -10594,14 +10594,228 @@
           <a:bodyPr/>
           <a:lstStyle/>
           <a:p>
-            <a:endParaRPr lang="nl-NL"/>
+            <a:pPr marL="0" indent="0">
+              <a:lnSpc>
+                <a:spcPct val="100000"/>
+              </a:lnSpc>
+              <a:spcBef>
+                <a:spcPts val="0"/>
+              </a:spcBef>
+              <a:spcAft>
+                <a:spcPts val="0"/>
+              </a:spcAft>
+              <a:buNone/>
+            </a:pPr>
+            <a:r>
+              <a:rPr lang="en-GB" dirty="0"/>
+              <a:t>process(double </a:t>
+            </a:r>
+            <a:r>
+              <a:rPr lang="en-GB" dirty="0" err="1"/>
+              <a:t>deltaTime</a:t>
+            </a:r>
+            <a:r>
+              <a:rPr lang="en-GB" dirty="0"/>
+              <a:t>, (Vector position, Vector velocity))     </a:t>
+            </a:r>
+          </a:p>
+          <a:p>
+            <a:pPr marL="0" indent="0">
+              <a:lnSpc>
+                <a:spcPct val="100000"/>
+              </a:lnSpc>
+              <a:spcBef>
+                <a:spcPts val="0"/>
+              </a:spcBef>
+              <a:spcAft>
+                <a:spcPts val="0"/>
+              </a:spcAft>
+              <a:buNone/>
+            </a:pPr>
+            <a:r>
+              <a:rPr lang="en-GB" dirty="0"/>
+              <a:t>     </a:t>
+            </a:r>
+            <a:r>
+              <a:rPr lang="en-GB" b="1" dirty="0"/>
+              <a:t>FOR</a:t>
+            </a:r>
+            <a:r>
+              <a:rPr lang="en-GB" dirty="0"/>
+              <a:t> time=0 </a:t>
+            </a:r>
+            <a:r>
+              <a:rPr lang="en-GB" b="1" dirty="0"/>
+              <a:t>TO</a:t>
+            </a:r>
+            <a:r>
+              <a:rPr lang="en-GB" dirty="0"/>
+              <a:t> time=</a:t>
+            </a:r>
+            <a:r>
+              <a:rPr lang="en-GB" dirty="0" err="1"/>
+              <a:t>deltaTime</a:t>
+            </a:r>
+            <a:endParaRPr lang="en-GB" dirty="0"/>
+          </a:p>
+          <a:p>
+            <a:pPr marL="0" indent="0">
+              <a:lnSpc>
+                <a:spcPct val="100000"/>
+              </a:lnSpc>
+              <a:spcBef>
+                <a:spcPts val="0"/>
+              </a:spcBef>
+              <a:spcAft>
+                <a:spcPts val="0"/>
+              </a:spcAft>
+              <a:buNone/>
+            </a:pPr>
+            <a:r>
+              <a:rPr lang="en-GB" b="1" dirty="0"/>
+              <a:t>          IF</a:t>
+            </a:r>
+            <a:r>
+              <a:rPr lang="en-GB" dirty="0"/>
+              <a:t> !</a:t>
+            </a:r>
+            <a:r>
+              <a:rPr lang="en-GB" dirty="0" err="1"/>
+              <a:t>isFlying</a:t>
+            </a:r>
+            <a:r>
+              <a:rPr lang="en-GB" dirty="0"/>
+              <a:t>(position)</a:t>
+            </a:r>
+            <a:endParaRPr lang="en-GB" b="1" dirty="0"/>
+          </a:p>
+          <a:p>
+            <a:pPr marL="0" indent="0">
+              <a:lnSpc>
+                <a:spcPct val="100000"/>
+              </a:lnSpc>
+              <a:spcBef>
+                <a:spcPts val="0"/>
+              </a:spcBef>
+              <a:spcAft>
+                <a:spcPts val="0"/>
+              </a:spcAft>
+              <a:buNone/>
+            </a:pPr>
+            <a:r>
+              <a:rPr lang="en-GB" b="1" dirty="0"/>
+              <a:t>          THEN</a:t>
+            </a:r>
+            <a:r>
+              <a:rPr lang="en-GB" dirty="0"/>
+              <a:t> velocity = </a:t>
+            </a:r>
+            <a:r>
+              <a:rPr lang="en-GB" dirty="0" err="1"/>
+              <a:t>redirectVelocity</a:t>
+            </a:r>
+            <a:r>
+              <a:rPr lang="en-GB" dirty="0"/>
+              <a:t>(position, velocity)</a:t>
+            </a:r>
+          </a:p>
+          <a:p>
+            <a:pPr marL="0" indent="0">
+              <a:lnSpc>
+                <a:spcPct val="100000"/>
+              </a:lnSpc>
+              <a:spcBef>
+                <a:spcPts val="0"/>
+              </a:spcBef>
+              <a:spcAft>
+                <a:spcPts val="0"/>
+              </a:spcAft>
+              <a:buNone/>
+            </a:pPr>
+            <a:r>
+              <a:rPr lang="en-GB" dirty="0"/>
+              <a:t>    </a:t>
+            </a:r>
+          </a:p>
+          <a:p>
+            <a:pPr marL="0" indent="0">
+              <a:lnSpc>
+                <a:spcPct val="100000"/>
+              </a:lnSpc>
+              <a:spcBef>
+                <a:spcPts val="0"/>
+              </a:spcBef>
+              <a:spcAft>
+                <a:spcPts val="0"/>
+              </a:spcAft>
+              <a:buNone/>
+            </a:pPr>
+            <a:r>
+              <a:rPr lang="en-GB" dirty="0"/>
+              <a:t>          </a:t>
+            </a:r>
+            <a:r>
+              <a:rPr lang="en-GB" i="1" dirty="0"/>
+              <a:t>calculate next position and velocity</a:t>
+            </a:r>
+          </a:p>
+          <a:p>
+            <a:pPr marL="0" indent="0">
+              <a:lnSpc>
+                <a:spcPct val="100000"/>
+              </a:lnSpc>
+              <a:spcBef>
+                <a:spcPts val="0"/>
+              </a:spcBef>
+              <a:spcAft>
+                <a:spcPts val="0"/>
+              </a:spcAft>
+              <a:buNone/>
+            </a:pPr>
+            <a:r>
+              <a:rPr lang="en-GB" i="1" dirty="0"/>
+              <a:t>          update position and velocity</a:t>
+            </a:r>
+          </a:p>
+          <a:p>
+            <a:pPr marL="0" indent="0">
+              <a:lnSpc>
+                <a:spcPct val="100000"/>
+              </a:lnSpc>
+              <a:spcBef>
+                <a:spcPts val="0"/>
+              </a:spcBef>
+              <a:spcAft>
+                <a:spcPts val="0"/>
+              </a:spcAft>
+              <a:buNone/>
+            </a:pPr>
+            <a:endParaRPr lang="en-GB" dirty="0"/>
+          </a:p>
+          <a:p>
+            <a:pPr marL="0" indent="0">
+              <a:lnSpc>
+                <a:spcPct val="100000"/>
+              </a:lnSpc>
+              <a:spcBef>
+                <a:spcPts val="0"/>
+              </a:spcBef>
+              <a:spcAft>
+                <a:spcPts val="0"/>
+              </a:spcAft>
+              <a:buNone/>
+            </a:pPr>
+            <a:r>
+              <a:rPr lang="en-GB" dirty="0"/>
+              <a:t>     return (position, velocity)</a:t>
+            </a:r>
           </a:p>
         </p:txBody>
       </p:sp>
     </p:spTree>
     <p:extLst>
       <p:ext uri="{BB962C8B-B14F-4D97-AF65-F5344CB8AC3E}">
-        <p14:creationId xmlns:p14="http://schemas.microsoft.com/office/powerpoint/2010/main" val="1202703448"/>
+        <p14:creationId xmlns:p14="http://schemas.microsoft.com/office/powerpoint/2010/main" val="1684362885"/>
       </p:ext>
     </p:extLst>
   </p:cSld>
@@ -14713,21 +14927,21 @@
 </file>
 
 <file path=customXml/item1.xml><?xml version="1.0" encoding="utf-8"?>
+<p:properties xmlns:p="http://schemas.microsoft.com/office/2006/metadata/properties" xmlns:xsi="http://www.w3.org/2001/XMLSchema-instance" xmlns:pc="http://schemas.microsoft.com/office/infopath/2007/PartnerControls">
+  <documentManagement>
+    <Status xmlns="71af3243-3dd4-4a8d-8c0d-dd76da1f02a5">Not started</Status>
+    <MediaServiceKeyPoints xmlns="71af3243-3dd4-4a8d-8c0d-dd76da1f02a5" xsi:nil="true"/>
+  </documentManagement>
+</p:properties>
+</file>
+
+<file path=customXml/item2.xml><?xml version="1.0" encoding="utf-8"?>
 <?mso-contentType ?>
 <FormTemplates xmlns="http://schemas.microsoft.com/sharepoint/v3/contenttype/forms">
   <Display>DocumentLibraryForm</Display>
   <Edit>DocumentLibraryForm</Edit>
   <New>DocumentLibraryForm</New>
 </FormTemplates>
-</file>
-
-<file path=customXml/item2.xml><?xml version="1.0" encoding="utf-8"?>
-<p:properties xmlns:p="http://schemas.microsoft.com/office/2006/metadata/properties" xmlns:xsi="http://www.w3.org/2001/XMLSchema-instance" xmlns:pc="http://schemas.microsoft.com/office/infopath/2007/PartnerControls">
-  <documentManagement>
-    <Status xmlns="71af3243-3dd4-4a8d-8c0d-dd76da1f02a5">Not started</Status>
-    <MediaServiceKeyPoints xmlns="71af3243-3dd4-4a8d-8c0d-dd76da1f02a5" xsi:nil="true"/>
-  </documentManagement>
-</p:properties>
 </file>
 
 <file path=customXml/item3.xml><?xml version="1.0" encoding="utf-8"?>
@@ -14952,19 +15166,19 @@
 </file>
 
 <file path=customXml/itemProps1.xml><?xml version="1.0" encoding="utf-8"?>
-<ds:datastoreItem xmlns:ds="http://schemas.openxmlformats.org/officeDocument/2006/customXml" ds:itemID="{3C586965-D4BF-4605-8C1C-5B8CCCAB7737}">
+<ds:datastoreItem xmlns:ds="http://schemas.openxmlformats.org/officeDocument/2006/customXml" ds:itemID="{626E351D-C19B-467F-A5C7-085C4CECACA9}">
   <ds:schemaRefs>
-    <ds:schemaRef ds:uri="http://schemas.microsoft.com/sharepoint/v3/contenttype/forms"/>
+    <ds:schemaRef ds:uri="http://schemas.microsoft.com/office/2006/metadata/properties"/>
+    <ds:schemaRef ds:uri="http://schemas.microsoft.com/office/infopath/2007/PartnerControls"/>
+    <ds:schemaRef ds:uri="71af3243-3dd4-4a8d-8c0d-dd76da1f02a5"/>
   </ds:schemaRefs>
 </ds:datastoreItem>
 </file>
 
 <file path=customXml/itemProps2.xml><?xml version="1.0" encoding="utf-8"?>
-<ds:datastoreItem xmlns:ds="http://schemas.openxmlformats.org/officeDocument/2006/customXml" ds:itemID="{626E351D-C19B-467F-A5C7-085C4CECACA9}">
+<ds:datastoreItem xmlns:ds="http://schemas.openxmlformats.org/officeDocument/2006/customXml" ds:itemID="{3C586965-D4BF-4605-8C1C-5B8CCCAB7737}">
   <ds:schemaRefs>
-    <ds:schemaRef ds:uri="http://schemas.microsoft.com/office/2006/metadata/properties"/>
-    <ds:schemaRef ds:uri="http://schemas.microsoft.com/office/infopath/2007/PartnerControls"/>
-    <ds:schemaRef ds:uri="71af3243-3dd4-4a8d-8c0d-dd76da1f02a5"/>
+    <ds:schemaRef ds:uri="http://schemas.microsoft.com/sharepoint/v3/contenttype/forms"/>
   </ds:schemaRefs>
 </ds:datastoreItem>
 </file>

--- a/04-PresentationThirdPhase.pptx
+++ b/04-PresentationThirdPhase.pptx
@@ -5,7 +5,7 @@
     <p:sldMasterId id="2147483660" r:id="rId4"/>
   </p:sldMasterIdLst>
   <p:notesMasterIdLst>
-    <p:notesMasterId r:id="rId25"/>
+    <p:notesMasterId r:id="rId24"/>
   </p:notesMasterIdLst>
   <p:sldIdLst>
     <p:sldId id="265" r:id="rId5"/>
@@ -16,18 +16,17 @@
     <p:sldId id="326" r:id="rId10"/>
     <p:sldId id="318" r:id="rId11"/>
     <p:sldId id="291" r:id="rId12"/>
-    <p:sldId id="301" r:id="rId13"/>
-    <p:sldId id="304" r:id="rId14"/>
-    <p:sldId id="305" r:id="rId15"/>
-    <p:sldId id="328" r:id="rId16"/>
-    <p:sldId id="331" r:id="rId17"/>
-    <p:sldId id="319" r:id="rId18"/>
-    <p:sldId id="330" r:id="rId19"/>
-    <p:sldId id="313" r:id="rId20"/>
-    <p:sldId id="320" r:id="rId21"/>
-    <p:sldId id="322" r:id="rId22"/>
-    <p:sldId id="324" r:id="rId23"/>
-    <p:sldId id="327" r:id="rId24"/>
+    <p:sldId id="304" r:id="rId13"/>
+    <p:sldId id="305" r:id="rId14"/>
+    <p:sldId id="328" r:id="rId15"/>
+    <p:sldId id="331" r:id="rId16"/>
+    <p:sldId id="319" r:id="rId17"/>
+    <p:sldId id="330" r:id="rId18"/>
+    <p:sldId id="313" r:id="rId19"/>
+    <p:sldId id="320" r:id="rId20"/>
+    <p:sldId id="322" r:id="rId21"/>
+    <p:sldId id="324" r:id="rId22"/>
+    <p:sldId id="327" r:id="rId23"/>
   </p:sldIdLst>
   <p:sldSz cx="12192000" cy="6858000"/>
   <p:notesSz cx="6858000" cy="9144000"/>
@@ -140,7 +139,7 @@
 <file path=ppt/charts/chart1.xml><?xml version="1.0" encoding="utf-8"?>
 <c:chartSpace xmlns:c="http://schemas.openxmlformats.org/drawingml/2006/chart" xmlns:a="http://schemas.openxmlformats.org/drawingml/2006/main" xmlns:r="http://schemas.openxmlformats.org/officeDocument/2006/relationships" xmlns:c16r2="http://schemas.microsoft.com/office/drawing/2015/06/chart">
   <c:date1904 val="0"/>
-  <c:lang val="en-US"/>
+  <c:lang val="nl-NL"/>
   <c:roundedCorners val="0"/>
   <mc:AlternateContent xmlns:mc="http://schemas.openxmlformats.org/markup-compatibility/2006">
     <mc:Choice xmlns:c14="http://schemas.microsoft.com/office/drawing/2007/8/2/chart" Requires="c14">
@@ -202,7 +201,7 @@
               <a:cs typeface="+mn-cs"/>
             </a:defRPr>
           </a:pPr>
-          <a:endParaRPr lang="nl-NL"/>
+          <a:endParaRPr lang="en-US"/>
         </a:p>
       </c:txPr>
     </c:title>
@@ -516,7 +515,7 @@
                 <a:cs typeface="+mn-cs"/>
               </a:defRPr>
             </a:pPr>
-            <a:endParaRPr lang="nl-NL"/>
+            <a:endParaRPr lang="en-US"/>
           </a:p>
         </c:txPr>
         <c:crossAx val="690337440"/>
@@ -575,7 +574,7 @@
                 <a:cs typeface="+mn-cs"/>
               </a:defRPr>
             </a:pPr>
-            <a:endParaRPr lang="nl-NL"/>
+            <a:endParaRPr lang="en-US"/>
           </a:p>
         </c:txPr>
         <c:crossAx val="547336896"/>
@@ -617,7 +616,7 @@
               <a:cs typeface="+mn-cs"/>
             </a:defRPr>
           </a:pPr>
-          <a:endParaRPr lang="nl-NL"/>
+          <a:endParaRPr lang="en-US"/>
         </a:p>
       </c:txPr>
     </c:legend>
@@ -646,7 +645,7 @@
       <a:pPr>
         <a:defRPr/>
       </a:pPr>
-      <a:endParaRPr lang="nl-NL"/>
+      <a:endParaRPr lang="en-US"/>
     </a:p>
   </c:txPr>
   <c:externalData r:id="rId3">
@@ -658,7 +657,7 @@
 <file path=ppt/charts/chart2.xml><?xml version="1.0" encoding="utf-8"?>
 <c:chartSpace xmlns:c="http://schemas.openxmlformats.org/drawingml/2006/chart" xmlns:a="http://schemas.openxmlformats.org/drawingml/2006/main" xmlns:r="http://schemas.openxmlformats.org/officeDocument/2006/relationships" xmlns:c16r2="http://schemas.microsoft.com/office/drawing/2015/06/chart">
   <c:date1904 val="0"/>
-  <c:lang val="en-US"/>
+  <c:lang val="nl-NL"/>
   <c:roundedCorners val="0"/>
   <mc:AlternateContent xmlns:mc="http://schemas.openxmlformats.org/markup-compatibility/2006">
     <mc:Choice xmlns:c14="http://schemas.microsoft.com/office/drawing/2007/8/2/chart" Requires="c14">
@@ -695,7 +694,7 @@
               <a:cs typeface="+mn-cs"/>
             </a:defRPr>
           </a:pPr>
-          <a:endParaRPr lang="nl-NL"/>
+          <a:endParaRPr lang="en-US"/>
         </a:p>
       </c:txPr>
     </c:title>
@@ -919,7 +918,7 @@
                 <a:cs typeface="+mn-cs"/>
               </a:defRPr>
             </a:pPr>
-            <a:endParaRPr lang="nl-NL"/>
+            <a:endParaRPr lang="en-US"/>
           </a:p>
         </c:txPr>
         <c:crossAx val="641512976"/>
@@ -978,7 +977,7 @@
                 <a:cs typeface="+mn-cs"/>
               </a:defRPr>
             </a:pPr>
-            <a:endParaRPr lang="nl-NL"/>
+            <a:endParaRPr lang="en-US"/>
           </a:p>
         </c:txPr>
         <c:crossAx val="723243472"/>
@@ -1020,7 +1019,7 @@
               <a:cs typeface="+mn-cs"/>
             </a:defRPr>
           </a:pPr>
-          <a:endParaRPr lang="nl-NL"/>
+          <a:endParaRPr lang="en-US"/>
         </a:p>
       </c:txPr>
     </c:legend>
@@ -1049,7 +1048,7 @@
       <a:pPr>
         <a:defRPr/>
       </a:pPr>
-      <a:endParaRPr lang="nl-NL"/>
+      <a:endParaRPr lang="en-US"/>
     </a:p>
   </c:txPr>
   <c:externalData r:id="rId3">
@@ -2385,7 +2384,7 @@
           <a:p>
             <a:fld id="{F917F88C-BACD-4A94-B7B7-C91B49D4CB7C}" type="slidenum">
               <a:rPr lang="nl-NL" smtClean="0"/>
-              <a:t>‹#›</a:t>
+              <a:t>‹nr.›</a:t>
             </a:fld>
             <a:endParaRPr lang="nl-NL"/>
           </a:p>
@@ -2660,7 +2659,7 @@
     </p:spTree>
     <p:extLst>
       <p:ext uri="{BB962C8B-B14F-4D97-AF65-F5344CB8AC3E}">
-        <p14:creationId xmlns:p14="http://schemas.microsoft.com/office/powerpoint/2010/main" val="2144781777"/>
+        <p14:creationId xmlns:p14="http://schemas.microsoft.com/office/powerpoint/2010/main" val="4088738973"/>
       </p:ext>
     </p:extLst>
   </p:cSld>
@@ -2716,7 +2715,7 @@
           <a:p>
             <a:r>
               <a:rPr lang="en-US" dirty="0"/>
-              <a:t>Jean</a:t>
+              <a:t>Aaron</a:t>
             </a:r>
             <a:endParaRPr lang="nl-NL" dirty="0"/>
           </a:p>
@@ -2739,7 +2738,7 @@
           <a:p>
             <a:fld id="{F917F88C-BACD-4A94-B7B7-C91B49D4CB7C}" type="slidenum">
               <a:rPr lang="nl-NL" smtClean="0"/>
-              <a:t>15</a:t>
+              <a:t>17</a:t>
             </a:fld>
             <a:endParaRPr lang="nl-NL"/>
           </a:p>
@@ -2748,7 +2747,7 @@
     </p:spTree>
     <p:extLst>
       <p:ext uri="{BB962C8B-B14F-4D97-AF65-F5344CB8AC3E}">
-        <p14:creationId xmlns:p14="http://schemas.microsoft.com/office/powerpoint/2010/main" val="4088738973"/>
+        <p14:creationId xmlns:p14="http://schemas.microsoft.com/office/powerpoint/2010/main" val="925085918"/>
       </p:ext>
     </p:extLst>
   </p:cSld>
@@ -2802,6 +2801,23 @@
           <a:bodyPr/>
           <a:lstStyle/>
           <a:p>
+            <a:pPr marL="0" marR="0" lvl="0" indent="0" algn="l" defTabSz="914400" rtl="0" eaLnBrk="1" fontAlgn="auto" latinLnBrk="0" hangingPunct="1">
+              <a:lnSpc>
+                <a:spcPct val="100000"/>
+              </a:lnSpc>
+              <a:spcBef>
+                <a:spcPts val="0"/>
+              </a:spcBef>
+              <a:spcAft>
+                <a:spcPts val="0"/>
+              </a:spcAft>
+              <a:buClrTx/>
+              <a:buSzTx/>
+              <a:buFontTx/>
+              <a:buNone/>
+              <a:tabLst/>
+              <a:defRPr/>
+            </a:pPr>
             <a:r>
               <a:rPr lang="en-US" dirty="0"/>
               <a:t>Aaron</a:t>
@@ -2836,7 +2852,7 @@
     </p:spTree>
     <p:extLst>
       <p:ext uri="{BB962C8B-B14F-4D97-AF65-F5344CB8AC3E}">
-        <p14:creationId xmlns:p14="http://schemas.microsoft.com/office/powerpoint/2010/main" val="925085918"/>
+        <p14:creationId xmlns:p14="http://schemas.microsoft.com/office/powerpoint/2010/main" val="1762896357"/>
       </p:ext>
     </p:extLst>
   </p:cSld>
@@ -2909,7 +2925,7 @@
             </a:pPr>
             <a:r>
               <a:rPr lang="en-US" dirty="0"/>
-              <a:t>Aaron</a:t>
+              <a:t>Computer</a:t>
             </a:r>
             <a:endParaRPr lang="nl-NL" dirty="0"/>
           </a:p>
@@ -2933,111 +2949,6 @@
             <a:fld id="{F917F88C-BACD-4A94-B7B7-C91B49D4CB7C}" type="slidenum">
               <a:rPr lang="nl-NL" smtClean="0"/>
               <a:t>19</a:t>
-            </a:fld>
-            <a:endParaRPr lang="nl-NL"/>
-          </a:p>
-        </p:txBody>
-      </p:sp>
-    </p:spTree>
-    <p:extLst>
-      <p:ext uri="{BB962C8B-B14F-4D97-AF65-F5344CB8AC3E}">
-        <p14:creationId xmlns:p14="http://schemas.microsoft.com/office/powerpoint/2010/main" val="1762896357"/>
-      </p:ext>
-    </p:extLst>
-  </p:cSld>
-  <p:clrMapOvr>
-    <a:masterClrMapping/>
-  </p:clrMapOvr>
-</p:notes>
-</file>
-
-<file path=ppt/notesSlides/notesSlide14.xml><?xml version="1.0" encoding="utf-8"?>
-<p:notes xmlns:a="http://schemas.openxmlformats.org/drawingml/2006/main" xmlns:r="http://schemas.openxmlformats.org/officeDocument/2006/relationships" xmlns:p="http://schemas.openxmlformats.org/presentationml/2006/main">
-  <p:cSld>
-    <p:spTree>
-      <p:nvGrpSpPr>
-        <p:cNvPr id="1" name=""/>
-        <p:cNvGrpSpPr/>
-        <p:nvPr/>
-      </p:nvGrpSpPr>
-      <p:grpSpPr>
-        <a:xfrm>
-          <a:off x="0" y="0"/>
-          <a:ext cx="0" cy="0"/>
-          <a:chOff x="0" y="0"/>
-          <a:chExt cx="0" cy="0"/>
-        </a:xfrm>
-      </p:grpSpPr>
-      <p:sp>
-        <p:nvSpPr>
-          <p:cNvPr id="2" name="Slide Image Placeholder 1"/>
-          <p:cNvSpPr>
-            <a:spLocks noGrp="1" noRot="1" noChangeAspect="1"/>
-          </p:cNvSpPr>
-          <p:nvPr>
-            <p:ph type="sldImg"/>
-          </p:nvPr>
-        </p:nvSpPr>
-        <p:spPr/>
-      </p:sp>
-      <p:sp>
-        <p:nvSpPr>
-          <p:cNvPr id="3" name="Notes Placeholder 2"/>
-          <p:cNvSpPr>
-            <a:spLocks noGrp="1"/>
-          </p:cNvSpPr>
-          <p:nvPr>
-            <p:ph type="body" idx="1"/>
-          </p:nvPr>
-        </p:nvSpPr>
-        <p:spPr/>
-        <p:txBody>
-          <a:bodyPr/>
-          <a:lstStyle/>
-          <a:p>
-            <a:pPr marL="0" marR="0" lvl="0" indent="0" algn="l" defTabSz="914400" rtl="0" eaLnBrk="1" fontAlgn="auto" latinLnBrk="0" hangingPunct="1">
-              <a:lnSpc>
-                <a:spcPct val="100000"/>
-              </a:lnSpc>
-              <a:spcBef>
-                <a:spcPts val="0"/>
-              </a:spcBef>
-              <a:spcAft>
-                <a:spcPts val="0"/>
-              </a:spcAft>
-              <a:buClrTx/>
-              <a:buSzTx/>
-              <a:buFontTx/>
-              <a:buNone/>
-              <a:tabLst/>
-              <a:defRPr/>
-            </a:pPr>
-            <a:r>
-              <a:rPr lang="en-US" dirty="0"/>
-              <a:t>Computer</a:t>
-            </a:r>
-            <a:endParaRPr lang="nl-NL" dirty="0"/>
-          </a:p>
-        </p:txBody>
-      </p:sp>
-      <p:sp>
-        <p:nvSpPr>
-          <p:cNvPr id="4" name="Slide Number Placeholder 3"/>
-          <p:cNvSpPr>
-            <a:spLocks noGrp="1"/>
-          </p:cNvSpPr>
-          <p:nvPr>
-            <p:ph type="sldNum" sz="quarter" idx="5"/>
-          </p:nvPr>
-        </p:nvSpPr>
-        <p:spPr/>
-        <p:txBody>
-          <a:bodyPr/>
-          <a:lstStyle/>
-          <a:p>
-            <a:fld id="{F917F88C-BACD-4A94-B7B7-C91B49D4CB7C}" type="slidenum">
-              <a:rPr lang="nl-NL" smtClean="0"/>
-              <a:t>20</a:t>
             </a:fld>
             <a:endParaRPr lang="nl-NL"/>
           </a:p>
@@ -3585,7 +3496,7 @@
     </p:spTree>
     <p:extLst>
       <p:ext uri="{BB962C8B-B14F-4D97-AF65-F5344CB8AC3E}">
-        <p14:creationId xmlns:p14="http://schemas.microsoft.com/office/powerpoint/2010/main" val="876129242"/>
+        <p14:creationId xmlns:p14="http://schemas.microsoft.com/office/powerpoint/2010/main" val="2843381561"/>
       </p:ext>
     </p:extLst>
   </p:cSld>
@@ -3669,7 +3580,7 @@
     </p:spTree>
     <p:extLst>
       <p:ext uri="{BB962C8B-B14F-4D97-AF65-F5344CB8AC3E}">
-        <p14:creationId xmlns:p14="http://schemas.microsoft.com/office/powerpoint/2010/main" val="2843381561"/>
+        <p14:creationId xmlns:p14="http://schemas.microsoft.com/office/powerpoint/2010/main" val="1933149079"/>
       </p:ext>
     </p:extLst>
   </p:cSld>
@@ -3723,6 +3634,10 @@
           <a:bodyPr/>
           <a:lstStyle/>
           <a:p>
+            <a:r>
+              <a:rPr lang="en-US" dirty="0"/>
+              <a:t>Jean</a:t>
+            </a:r>
             <a:endParaRPr lang="nl-NL" dirty="0"/>
           </a:p>
         </p:txBody>
@@ -3744,7 +3659,7 @@
           <a:p>
             <a:fld id="{F917F88C-BACD-4A94-B7B7-C91B49D4CB7C}" type="slidenum">
               <a:rPr lang="nl-NL" smtClean="0"/>
-              <a:t>11</a:t>
+              <a:t>13</a:t>
             </a:fld>
             <a:endParaRPr lang="nl-NL"/>
           </a:p>
@@ -3753,7 +3668,7 @@
     </p:spTree>
     <p:extLst>
       <p:ext uri="{BB962C8B-B14F-4D97-AF65-F5344CB8AC3E}">
-        <p14:creationId xmlns:p14="http://schemas.microsoft.com/office/powerpoint/2010/main" val="1933149079"/>
+        <p14:creationId xmlns:p14="http://schemas.microsoft.com/office/powerpoint/2010/main" val="2144781777"/>
       </p:ext>
     </p:extLst>
   </p:cSld>
@@ -4061,7 +3976,7 @@
           <a:p>
             <a:fld id="{3A98EE3D-8CD1-4C3F-BD1C-C98C9596463C}" type="slidenum">
               <a:rPr lang="en-US" smtClean="0"/>
-              <a:t>‹#›</a:t>
+              <a:t>‹nr.›</a:t>
             </a:fld>
             <a:endParaRPr lang="en-US" dirty="0"/>
           </a:p>
@@ -4249,7 +4164,7 @@
           <a:p>
             <a:fld id="{3A98EE3D-8CD1-4C3F-BD1C-C98C9596463C}" type="slidenum">
               <a:rPr lang="en-US" smtClean="0"/>
-              <a:t>‹#›</a:t>
+              <a:t>‹nr.›</a:t>
             </a:fld>
             <a:endParaRPr lang="en-US" dirty="0"/>
           </a:p>
@@ -4622,7 +4537,7 @@
           <a:p>
             <a:fld id="{3A98EE3D-8CD1-4C3F-BD1C-C98C9596463C}" type="slidenum">
               <a:rPr lang="en-US" smtClean="0"/>
-              <a:t>‹#›</a:t>
+              <a:t>‹nr.›</a:t>
             </a:fld>
             <a:endParaRPr lang="en-US" dirty="0"/>
           </a:p>
@@ -4877,7 +4792,7 @@
           <a:p>
             <a:fld id="{3A98EE3D-8CD1-4C3F-BD1C-C98C9596463C}" type="slidenum">
               <a:rPr lang="en-US" smtClean="0"/>
-              <a:t>‹#›</a:t>
+              <a:t>‹nr.›</a:t>
             </a:fld>
             <a:endParaRPr lang="en-US" dirty="0"/>
           </a:p>
@@ -5274,7 +5189,7 @@
           <a:p>
             <a:fld id="{3A98EE3D-8CD1-4C3F-BD1C-C98C9596463C}" type="slidenum">
               <a:rPr lang="en-US" smtClean="0"/>
-              <a:t>‹#›</a:t>
+              <a:t>‹nr.›</a:t>
             </a:fld>
             <a:endParaRPr lang="en-US" dirty="0"/>
           </a:p>
@@ -5410,7 +5325,7 @@
           <a:p>
             <a:fld id="{3A98EE3D-8CD1-4C3F-BD1C-C98C9596463C}" type="slidenum">
               <a:rPr lang="en-US" smtClean="0"/>
-              <a:t>‹#›</a:t>
+              <a:t>‹nr.›</a:t>
             </a:fld>
             <a:endParaRPr lang="en-US" dirty="0"/>
           </a:p>
@@ -5567,7 +5482,7 @@
           <a:p>
             <a:fld id="{3A98EE3D-8CD1-4C3F-BD1C-C98C9596463C}" type="slidenum">
               <a:rPr lang="en-US" smtClean="0"/>
-              <a:t>‹#›</a:t>
+              <a:t>‹nr.›</a:t>
             </a:fld>
             <a:endParaRPr lang="en-US" dirty="0"/>
           </a:p>
@@ -5906,7 +5821,7 @@
             <a:fld id="{3A98EE3D-8CD1-4C3F-BD1C-C98C9596463C}" type="slidenum">
               <a:rPr lang="en-US" smtClean="0"/>
               <a:pPr/>
-              <a:t>‹#›</a:t>
+              <a:t>‹nr.›</a:t>
             </a:fld>
             <a:endParaRPr lang="en-US" dirty="0"/>
           </a:p>
@@ -6240,7 +6155,7 @@
           <a:p>
             <a:fld id="{3A98EE3D-8CD1-4C3F-BD1C-C98C9596463C}" type="slidenum">
               <a:rPr lang="en-US" smtClean="0"/>
-              <a:t>‹#›</a:t>
+              <a:t>‹nr.›</a:t>
             </a:fld>
             <a:endParaRPr lang="en-US" dirty="0"/>
           </a:p>
@@ -6527,7 +6442,7 @@
           <a:p>
             <a:fld id="{3A98EE3D-8CD1-4C3F-BD1C-C98C9596463C}" type="slidenum">
               <a:rPr lang="en-US" smtClean="0"/>
-              <a:t>‹#›</a:t>
+              <a:t>‹nr.›</a:t>
             </a:fld>
             <a:endParaRPr lang="en-US" dirty="0"/>
           </a:p>
@@ -7597,962 +7512,26 @@
             </a:br>
             <a:r>
               <a:rPr lang="en-US" dirty="0"/>
-              <a:t>2</a:t>
+              <a:t>Classical 4</a:t>
             </a:r>
             <a:r>
               <a:rPr lang="en-US" baseline="30000" dirty="0"/>
-              <a:t>nd</a:t>
+              <a:t>th</a:t>
             </a:r>
             <a:r>
               <a:rPr lang="en-US" dirty="0"/>
-              <a:t>-order Velocity Verlet</a:t>
+              <a:t>-order Runge-</a:t>
+            </a:r>
+            <a:r>
+              <a:rPr lang="en-US" dirty="0" err="1"/>
+              <a:t>Kutta</a:t>
             </a:r>
             <a:endParaRPr lang="nl-NL" dirty="0"/>
           </a:p>
         </p:txBody>
       </p:sp>
-      <mc:AlternateContent xmlns:mc="http://schemas.openxmlformats.org/markup-compatibility/2006" xmlns:a14="http://schemas.microsoft.com/office/drawing/2010/main">
-        <mc:Choice Requires="a14">
-          <p:sp>
-            <p:nvSpPr>
-              <p:cNvPr id="3" name="Content Placeholder 2">
-                <a:extLst>
-                  <a:ext uri="{FF2B5EF4-FFF2-40B4-BE49-F238E27FC236}">
-                    <a16:creationId xmlns:a16="http://schemas.microsoft.com/office/drawing/2014/main" id="{2C807C5B-BBEB-4D09-A4B8-DDD8ACC39660}"/>
-                  </a:ext>
-                </a:extLst>
-              </p:cNvPr>
-              <p:cNvSpPr>
-                <a:spLocks noGrp="1"/>
-              </p:cNvSpPr>
-              <p:nvPr>
-                <p:ph idx="1"/>
-              </p:nvPr>
-            </p:nvSpPr>
-            <p:spPr/>
-            <p:txBody>
-              <a:bodyPr/>
-              <a:lstStyle/>
-              <a:p>
-                <a:pPr marL="0" indent="0">
-                  <a:buNone/>
-                </a:pPr>
-                <a:r>
-                  <a:rPr lang="en-GB" dirty="0"/>
-                  <a:t>  </a:t>
-                </a:r>
-                <a14:m>
-                  <m:oMath xmlns:m="http://schemas.openxmlformats.org/officeDocument/2006/math">
-                    <m:r>
-                      <a:rPr lang="nl-NL" b="0" i="1" smtClean="0">
-                        <a:latin typeface="Cambria Math" panose="02040503050406030204" pitchFamily="18" charset="0"/>
-                      </a:rPr>
-                      <m:t>𝑝</m:t>
-                    </m:r>
-                    <m:d>
-                      <m:dPr>
-                        <m:ctrlPr>
-                          <a:rPr lang="en-GB" b="0" i="1" smtClean="0">
-                            <a:latin typeface="Cambria Math" panose="02040503050406030204" pitchFamily="18" charset="0"/>
-                          </a:rPr>
-                        </m:ctrlPr>
-                      </m:dPr>
-                      <m:e>
-                        <m:r>
-                          <a:rPr lang="en-GB" b="0" i="1" smtClean="0">
-                            <a:latin typeface="Cambria Math" panose="02040503050406030204" pitchFamily="18" charset="0"/>
-                          </a:rPr>
-                          <m:t>𝑡</m:t>
-                        </m:r>
-                        <m:r>
-                          <a:rPr lang="en-GB" b="0" i="1" smtClean="0">
-                            <a:latin typeface="Cambria Math" panose="02040503050406030204" pitchFamily="18" charset="0"/>
-                          </a:rPr>
-                          <m:t>+∆</m:t>
-                        </m:r>
-                        <m:r>
-                          <a:rPr lang="en-GB" b="0" i="1" smtClean="0">
-                            <a:latin typeface="Cambria Math" panose="02040503050406030204" pitchFamily="18" charset="0"/>
-                            <a:ea typeface="Cambria Math" panose="02040503050406030204" pitchFamily="18" charset="0"/>
-                          </a:rPr>
-                          <m:t>𝑡</m:t>
-                        </m:r>
-                      </m:e>
-                    </m:d>
-                    <m:r>
-                      <a:rPr lang="en-GB" b="0" i="1" smtClean="0">
-                        <a:latin typeface="Cambria Math" panose="02040503050406030204" pitchFamily="18" charset="0"/>
-                        <a:ea typeface="Cambria Math" panose="02040503050406030204" pitchFamily="18" charset="0"/>
-                      </a:rPr>
-                      <m:t>=</m:t>
-                    </m:r>
-                    <m:r>
-                      <a:rPr lang="nl-NL" b="0" i="1" smtClean="0">
-                        <a:latin typeface="Cambria Math" panose="02040503050406030204" pitchFamily="18" charset="0"/>
-                        <a:ea typeface="Cambria Math" panose="02040503050406030204" pitchFamily="18" charset="0"/>
-                      </a:rPr>
-                      <m:t>𝑝</m:t>
-                    </m:r>
-                    <m:d>
-                      <m:dPr>
-                        <m:ctrlPr>
-                          <a:rPr lang="en-GB" b="0" i="1" smtClean="0">
-                            <a:latin typeface="Cambria Math" panose="02040503050406030204" pitchFamily="18" charset="0"/>
-                            <a:ea typeface="Cambria Math" panose="02040503050406030204" pitchFamily="18" charset="0"/>
-                          </a:rPr>
-                        </m:ctrlPr>
-                      </m:dPr>
-                      <m:e>
-                        <m:r>
-                          <a:rPr lang="en-GB" b="0" i="1" smtClean="0">
-                            <a:latin typeface="Cambria Math" panose="02040503050406030204" pitchFamily="18" charset="0"/>
-                            <a:ea typeface="Cambria Math" panose="02040503050406030204" pitchFamily="18" charset="0"/>
-                          </a:rPr>
-                          <m:t>𝑡</m:t>
-                        </m:r>
-                      </m:e>
-                    </m:d>
-                    <m:r>
-                      <a:rPr lang="en-GB" b="0" i="1" smtClean="0">
-                        <a:latin typeface="Cambria Math" panose="02040503050406030204" pitchFamily="18" charset="0"/>
-                        <a:ea typeface="Cambria Math" panose="02040503050406030204" pitchFamily="18" charset="0"/>
-                      </a:rPr>
-                      <m:t>+</m:t>
-                    </m:r>
-                    <m:r>
-                      <a:rPr lang="en-GB" b="0" i="1" smtClean="0">
-                        <a:latin typeface="Cambria Math" panose="02040503050406030204" pitchFamily="18" charset="0"/>
-                        <a:ea typeface="Cambria Math" panose="02040503050406030204" pitchFamily="18" charset="0"/>
-                      </a:rPr>
-                      <m:t>𝑣</m:t>
-                    </m:r>
-                    <m:d>
-                      <m:dPr>
-                        <m:ctrlPr>
-                          <a:rPr lang="en-GB" b="0" i="1" smtClean="0">
-                            <a:latin typeface="Cambria Math" panose="02040503050406030204" pitchFamily="18" charset="0"/>
-                            <a:ea typeface="Cambria Math" panose="02040503050406030204" pitchFamily="18" charset="0"/>
-                          </a:rPr>
-                        </m:ctrlPr>
-                      </m:dPr>
-                      <m:e>
-                        <m:r>
-                          <a:rPr lang="en-GB" b="0" i="1" smtClean="0">
-                            <a:latin typeface="Cambria Math" panose="02040503050406030204" pitchFamily="18" charset="0"/>
-                            <a:ea typeface="Cambria Math" panose="02040503050406030204" pitchFamily="18" charset="0"/>
-                          </a:rPr>
-                          <m:t>𝑡</m:t>
-                        </m:r>
-                      </m:e>
-                    </m:d>
-                    <m:r>
-                      <a:rPr lang="en-GB" b="0" i="1" smtClean="0">
-                        <a:latin typeface="Cambria Math" panose="02040503050406030204" pitchFamily="18" charset="0"/>
-                        <a:ea typeface="Cambria Math" panose="02040503050406030204" pitchFamily="18" charset="0"/>
-                      </a:rPr>
-                      <m:t>∆</m:t>
-                    </m:r>
-                    <m:r>
-                      <a:rPr lang="en-GB" b="0" i="1" smtClean="0">
-                        <a:latin typeface="Cambria Math" panose="02040503050406030204" pitchFamily="18" charset="0"/>
-                        <a:ea typeface="Cambria Math" panose="02040503050406030204" pitchFamily="18" charset="0"/>
-                      </a:rPr>
-                      <m:t>𝑡</m:t>
-                    </m:r>
-                    <m:r>
-                      <a:rPr lang="en-GB" b="0" i="1" smtClean="0">
-                        <a:latin typeface="Cambria Math" panose="02040503050406030204" pitchFamily="18" charset="0"/>
-                        <a:ea typeface="Cambria Math" panose="02040503050406030204" pitchFamily="18" charset="0"/>
-                      </a:rPr>
-                      <m:t>+</m:t>
-                    </m:r>
-                    <m:f>
-                      <m:fPr>
-                        <m:ctrlPr>
-                          <a:rPr lang="en-GB" b="0" i="1" smtClean="0">
-                            <a:latin typeface="Cambria Math" panose="02040503050406030204" pitchFamily="18" charset="0"/>
-                            <a:ea typeface="Cambria Math" panose="02040503050406030204" pitchFamily="18" charset="0"/>
-                          </a:rPr>
-                        </m:ctrlPr>
-                      </m:fPr>
-                      <m:num>
-                        <m:r>
-                          <a:rPr lang="en-GB" b="0" i="1" smtClean="0">
-                            <a:latin typeface="Cambria Math" panose="02040503050406030204" pitchFamily="18" charset="0"/>
-                            <a:ea typeface="Cambria Math" panose="02040503050406030204" pitchFamily="18" charset="0"/>
-                          </a:rPr>
-                          <m:t>1</m:t>
-                        </m:r>
-                      </m:num>
-                      <m:den>
-                        <m:r>
-                          <a:rPr lang="en-GB" b="0" i="1" smtClean="0">
-                            <a:latin typeface="Cambria Math" panose="02040503050406030204" pitchFamily="18" charset="0"/>
-                            <a:ea typeface="Cambria Math" panose="02040503050406030204" pitchFamily="18" charset="0"/>
-                          </a:rPr>
-                          <m:t>2</m:t>
-                        </m:r>
-                      </m:den>
-                    </m:f>
-                    <m:r>
-                      <a:rPr lang="en-GB" b="0" i="1" smtClean="0">
-                        <a:latin typeface="Cambria Math" panose="02040503050406030204" pitchFamily="18" charset="0"/>
-                        <a:ea typeface="Cambria Math" panose="02040503050406030204" pitchFamily="18" charset="0"/>
-                      </a:rPr>
-                      <m:t>𝑎</m:t>
-                    </m:r>
-                    <m:r>
-                      <a:rPr lang="en-GB" b="0" i="1" smtClean="0">
-                        <a:latin typeface="Cambria Math" panose="02040503050406030204" pitchFamily="18" charset="0"/>
-                        <a:ea typeface="Cambria Math" panose="02040503050406030204" pitchFamily="18" charset="0"/>
-                      </a:rPr>
-                      <m:t>(</m:t>
-                    </m:r>
-                    <m:r>
-                      <a:rPr lang="en-GB" b="0" i="1" smtClean="0">
-                        <a:latin typeface="Cambria Math" panose="02040503050406030204" pitchFamily="18" charset="0"/>
-                        <a:ea typeface="Cambria Math" panose="02040503050406030204" pitchFamily="18" charset="0"/>
-                      </a:rPr>
-                      <m:t>𝑡</m:t>
-                    </m:r>
-                    <m:r>
-                      <a:rPr lang="en-GB" b="0" i="1" smtClean="0">
-                        <a:latin typeface="Cambria Math" panose="02040503050406030204" pitchFamily="18" charset="0"/>
-                        <a:ea typeface="Cambria Math" panose="02040503050406030204" pitchFamily="18" charset="0"/>
-                      </a:rPr>
-                      <m:t>)∆</m:t>
-                    </m:r>
-                    <m:sSup>
-                      <m:sSupPr>
-                        <m:ctrlPr>
-                          <a:rPr lang="en-GB" b="0" i="1" smtClean="0">
-                            <a:latin typeface="Cambria Math" panose="02040503050406030204" pitchFamily="18" charset="0"/>
-                            <a:ea typeface="Cambria Math" panose="02040503050406030204" pitchFamily="18" charset="0"/>
-                          </a:rPr>
-                        </m:ctrlPr>
-                      </m:sSupPr>
-                      <m:e>
-                        <m:r>
-                          <a:rPr lang="en-GB" b="0" i="1" smtClean="0">
-                            <a:latin typeface="Cambria Math" panose="02040503050406030204" pitchFamily="18" charset="0"/>
-                            <a:ea typeface="Cambria Math" panose="02040503050406030204" pitchFamily="18" charset="0"/>
-                          </a:rPr>
-                          <m:t>𝑡</m:t>
-                        </m:r>
-                      </m:e>
-                      <m:sup>
-                        <m:r>
-                          <a:rPr lang="en-GB" b="0" i="1" smtClean="0">
-                            <a:latin typeface="Cambria Math" panose="02040503050406030204" pitchFamily="18" charset="0"/>
-                            <a:ea typeface="Cambria Math" panose="02040503050406030204" pitchFamily="18" charset="0"/>
-                          </a:rPr>
-                          <m:t>2</m:t>
-                        </m:r>
-                      </m:sup>
-                    </m:sSup>
-                  </m:oMath>
-                </a14:m>
-                <a:endParaRPr lang="en-GB" dirty="0"/>
-              </a:p>
-              <a:p>
-                <a14:m>
-                  <m:oMath xmlns:m="http://schemas.openxmlformats.org/officeDocument/2006/math">
-                    <m:r>
-                      <a:rPr lang="en-GB" b="0" i="1" smtClean="0">
-                        <a:latin typeface="Cambria Math" panose="02040503050406030204" pitchFamily="18" charset="0"/>
-                      </a:rPr>
-                      <m:t>𝑣</m:t>
-                    </m:r>
-                    <m:d>
-                      <m:dPr>
-                        <m:ctrlPr>
-                          <a:rPr lang="en-GB" b="0" i="1" smtClean="0">
-                            <a:latin typeface="Cambria Math" panose="02040503050406030204" pitchFamily="18" charset="0"/>
-                          </a:rPr>
-                        </m:ctrlPr>
-                      </m:dPr>
-                      <m:e>
-                        <m:r>
-                          <a:rPr lang="en-GB" b="0" i="1" smtClean="0">
-                            <a:latin typeface="Cambria Math" panose="02040503050406030204" pitchFamily="18" charset="0"/>
-                          </a:rPr>
-                          <m:t>𝑡</m:t>
-                        </m:r>
-                        <m:r>
-                          <a:rPr lang="en-GB" b="0" i="1" smtClean="0">
-                            <a:latin typeface="Cambria Math" panose="02040503050406030204" pitchFamily="18" charset="0"/>
-                          </a:rPr>
-                          <m:t>+</m:t>
-                        </m:r>
-                        <m:f>
-                          <m:fPr>
-                            <m:ctrlPr>
-                              <a:rPr lang="en-GB" b="0" i="1" smtClean="0">
-                                <a:latin typeface="Cambria Math" panose="02040503050406030204" pitchFamily="18" charset="0"/>
-                              </a:rPr>
-                            </m:ctrlPr>
-                          </m:fPr>
-                          <m:num>
-                            <m:r>
-                              <a:rPr lang="en-GB" b="0" i="1" smtClean="0">
-                                <a:latin typeface="Cambria Math" panose="02040503050406030204" pitchFamily="18" charset="0"/>
-                              </a:rPr>
-                              <m:t>1</m:t>
-                            </m:r>
-                          </m:num>
-                          <m:den>
-                            <m:r>
-                              <a:rPr lang="en-GB" b="0" i="1" smtClean="0">
-                                <a:latin typeface="Cambria Math" panose="02040503050406030204" pitchFamily="18" charset="0"/>
-                              </a:rPr>
-                              <m:t>2</m:t>
-                            </m:r>
-                          </m:den>
-                        </m:f>
-                        <m:r>
-                          <a:rPr lang="en-GB" b="0" i="1" smtClean="0">
-                            <a:latin typeface="Cambria Math" panose="02040503050406030204" pitchFamily="18" charset="0"/>
-                            <a:ea typeface="Cambria Math" panose="02040503050406030204" pitchFamily="18" charset="0"/>
-                          </a:rPr>
-                          <m:t>∆</m:t>
-                        </m:r>
-                        <m:r>
-                          <a:rPr lang="en-GB" b="0" i="1" smtClean="0">
-                            <a:latin typeface="Cambria Math" panose="02040503050406030204" pitchFamily="18" charset="0"/>
-                            <a:ea typeface="Cambria Math" panose="02040503050406030204" pitchFamily="18" charset="0"/>
-                          </a:rPr>
-                          <m:t>𝑡</m:t>
-                        </m:r>
-                      </m:e>
-                    </m:d>
-                    <m:r>
-                      <a:rPr lang="en-GB" b="0" i="1" smtClean="0">
-                        <a:latin typeface="Cambria Math" panose="02040503050406030204" pitchFamily="18" charset="0"/>
-                        <a:ea typeface="Cambria Math" panose="02040503050406030204" pitchFamily="18" charset="0"/>
-                      </a:rPr>
-                      <m:t>=</m:t>
-                    </m:r>
-                    <m:r>
-                      <a:rPr lang="en-GB" b="0" i="1" smtClean="0">
-                        <a:latin typeface="Cambria Math" panose="02040503050406030204" pitchFamily="18" charset="0"/>
-                        <a:ea typeface="Cambria Math" panose="02040503050406030204" pitchFamily="18" charset="0"/>
-                      </a:rPr>
-                      <m:t>𝑣</m:t>
-                    </m:r>
-                    <m:d>
-                      <m:dPr>
-                        <m:ctrlPr>
-                          <a:rPr lang="en-GB" b="0" i="1" smtClean="0">
-                            <a:latin typeface="Cambria Math" panose="02040503050406030204" pitchFamily="18" charset="0"/>
-                            <a:ea typeface="Cambria Math" panose="02040503050406030204" pitchFamily="18" charset="0"/>
-                          </a:rPr>
-                        </m:ctrlPr>
-                      </m:dPr>
-                      <m:e>
-                        <m:r>
-                          <a:rPr lang="en-GB" b="0" i="1" smtClean="0">
-                            <a:latin typeface="Cambria Math" panose="02040503050406030204" pitchFamily="18" charset="0"/>
-                            <a:ea typeface="Cambria Math" panose="02040503050406030204" pitchFamily="18" charset="0"/>
-                          </a:rPr>
-                          <m:t>𝑡</m:t>
-                        </m:r>
-                      </m:e>
-                    </m:d>
-                    <m:r>
-                      <a:rPr lang="en-GB" b="0" i="1" smtClean="0">
-                        <a:latin typeface="Cambria Math" panose="02040503050406030204" pitchFamily="18" charset="0"/>
-                        <a:ea typeface="Cambria Math" panose="02040503050406030204" pitchFamily="18" charset="0"/>
-                      </a:rPr>
-                      <m:t>+</m:t>
-                    </m:r>
-                    <m:f>
-                      <m:fPr>
-                        <m:ctrlPr>
-                          <a:rPr lang="en-GB" b="0" i="1" smtClean="0">
-                            <a:latin typeface="Cambria Math" panose="02040503050406030204" pitchFamily="18" charset="0"/>
-                            <a:ea typeface="Cambria Math" panose="02040503050406030204" pitchFamily="18" charset="0"/>
-                          </a:rPr>
-                        </m:ctrlPr>
-                      </m:fPr>
-                      <m:num>
-                        <m:r>
-                          <a:rPr lang="en-GB" b="0" i="1" smtClean="0">
-                            <a:latin typeface="Cambria Math" panose="02040503050406030204" pitchFamily="18" charset="0"/>
-                            <a:ea typeface="Cambria Math" panose="02040503050406030204" pitchFamily="18" charset="0"/>
-                          </a:rPr>
-                          <m:t>1</m:t>
-                        </m:r>
-                      </m:num>
-                      <m:den>
-                        <m:r>
-                          <a:rPr lang="en-GB" b="0" i="1" smtClean="0">
-                            <a:latin typeface="Cambria Math" panose="02040503050406030204" pitchFamily="18" charset="0"/>
-                            <a:ea typeface="Cambria Math" panose="02040503050406030204" pitchFamily="18" charset="0"/>
-                          </a:rPr>
-                          <m:t>2</m:t>
-                        </m:r>
-                      </m:den>
-                    </m:f>
-                    <m:r>
-                      <a:rPr lang="en-GB" b="0" i="1" smtClean="0">
-                        <a:latin typeface="Cambria Math" panose="02040503050406030204" pitchFamily="18" charset="0"/>
-                        <a:ea typeface="Cambria Math" panose="02040503050406030204" pitchFamily="18" charset="0"/>
-                      </a:rPr>
-                      <m:t>𝑎</m:t>
-                    </m:r>
-                    <m:d>
-                      <m:dPr>
-                        <m:ctrlPr>
-                          <a:rPr lang="en-GB" b="0" i="1" smtClean="0">
-                            <a:latin typeface="Cambria Math" panose="02040503050406030204" pitchFamily="18" charset="0"/>
-                            <a:ea typeface="Cambria Math" panose="02040503050406030204" pitchFamily="18" charset="0"/>
-                          </a:rPr>
-                        </m:ctrlPr>
-                      </m:dPr>
-                      <m:e>
-                        <m:r>
-                          <a:rPr lang="en-GB" b="0" i="1" smtClean="0">
-                            <a:latin typeface="Cambria Math" panose="02040503050406030204" pitchFamily="18" charset="0"/>
-                            <a:ea typeface="Cambria Math" panose="02040503050406030204" pitchFamily="18" charset="0"/>
-                          </a:rPr>
-                          <m:t>𝑡</m:t>
-                        </m:r>
-                      </m:e>
-                    </m:d>
-                    <m:r>
-                      <a:rPr lang="en-GB" b="0" i="1" smtClean="0">
-                        <a:latin typeface="Cambria Math" panose="02040503050406030204" pitchFamily="18" charset="0"/>
-                        <a:ea typeface="Cambria Math" panose="02040503050406030204" pitchFamily="18" charset="0"/>
-                      </a:rPr>
-                      <m:t>∆</m:t>
-                    </m:r>
-                    <m:r>
-                      <a:rPr lang="en-GB" b="0" i="1" smtClean="0">
-                        <a:latin typeface="Cambria Math" panose="02040503050406030204" pitchFamily="18" charset="0"/>
-                        <a:ea typeface="Cambria Math" panose="02040503050406030204" pitchFamily="18" charset="0"/>
-                      </a:rPr>
-                      <m:t>𝑡</m:t>
-                    </m:r>
-                  </m:oMath>
-                </a14:m>
-                <a:endParaRPr lang="en-GB" b="0" dirty="0">
-                  <a:ea typeface="Cambria Math" panose="02040503050406030204" pitchFamily="18" charset="0"/>
-                </a:endParaRPr>
-              </a:p>
-              <a:p>
-                <a14:m>
-                  <m:oMath xmlns:m="http://schemas.openxmlformats.org/officeDocument/2006/math">
-                    <m:r>
-                      <a:rPr lang="nl-NL" b="0" i="1" smtClean="0">
-                        <a:latin typeface="Cambria Math" panose="02040503050406030204" pitchFamily="18" charset="0"/>
-                      </a:rPr>
-                      <m:t>𝑎</m:t>
-                    </m:r>
-                    <m:d>
-                      <m:dPr>
-                        <m:ctrlPr>
-                          <a:rPr lang="nl-NL" b="0" i="1" smtClean="0">
-                            <a:latin typeface="Cambria Math" panose="02040503050406030204" pitchFamily="18" charset="0"/>
-                          </a:rPr>
-                        </m:ctrlPr>
-                      </m:dPr>
-                      <m:e>
-                        <m:r>
-                          <a:rPr lang="nl-NL" b="0" i="1" smtClean="0">
-                            <a:latin typeface="Cambria Math" panose="02040503050406030204" pitchFamily="18" charset="0"/>
-                          </a:rPr>
-                          <m:t>𝑡</m:t>
-                        </m:r>
-                        <m:r>
-                          <a:rPr lang="nl-NL" b="0" i="1" smtClean="0">
-                            <a:latin typeface="Cambria Math" panose="02040503050406030204" pitchFamily="18" charset="0"/>
-                          </a:rPr>
-                          <m:t>+∆</m:t>
-                        </m:r>
-                        <m:r>
-                          <a:rPr lang="nl-NL" b="0" i="1" smtClean="0">
-                            <a:latin typeface="Cambria Math" panose="02040503050406030204" pitchFamily="18" charset="0"/>
-                            <a:ea typeface="Cambria Math" panose="02040503050406030204" pitchFamily="18" charset="0"/>
-                          </a:rPr>
-                          <m:t>𝑡</m:t>
-                        </m:r>
-                      </m:e>
-                    </m:d>
-                    <m:r>
-                      <a:rPr lang="nl-NL" b="0" i="1" smtClean="0">
-                        <a:latin typeface="Cambria Math" panose="02040503050406030204" pitchFamily="18" charset="0"/>
-                        <a:ea typeface="Cambria Math" panose="02040503050406030204" pitchFamily="18" charset="0"/>
-                      </a:rPr>
-                      <m:t>= </m:t>
-                    </m:r>
-                    <m:f>
-                      <m:fPr>
-                        <m:ctrlPr>
-                          <a:rPr lang="nl-NL" b="0" i="1" smtClean="0">
-                            <a:latin typeface="Cambria Math" panose="02040503050406030204" pitchFamily="18" charset="0"/>
-                            <a:ea typeface="Cambria Math" panose="02040503050406030204" pitchFamily="18" charset="0"/>
-                          </a:rPr>
-                        </m:ctrlPr>
-                      </m:fPr>
-                      <m:num>
-                        <m:r>
-                          <a:rPr lang="nl-NL" b="0" i="1" smtClean="0">
-                            <a:latin typeface="Cambria Math" panose="02040503050406030204" pitchFamily="18" charset="0"/>
-                            <a:ea typeface="Cambria Math" panose="02040503050406030204" pitchFamily="18" charset="0"/>
-                          </a:rPr>
-                          <m:t>𝐹</m:t>
-                        </m:r>
-                        <m:r>
-                          <a:rPr lang="nl-NL" b="0" i="1" smtClean="0">
-                            <a:latin typeface="Cambria Math" panose="02040503050406030204" pitchFamily="18" charset="0"/>
-                            <a:ea typeface="Cambria Math" panose="02040503050406030204" pitchFamily="18" charset="0"/>
-                          </a:rPr>
-                          <m:t>(</m:t>
-                        </m:r>
-                        <m:r>
-                          <a:rPr lang="nl-NL" b="0" i="1" smtClean="0">
-                            <a:latin typeface="Cambria Math" panose="02040503050406030204" pitchFamily="18" charset="0"/>
-                            <a:ea typeface="Cambria Math" panose="02040503050406030204" pitchFamily="18" charset="0"/>
-                          </a:rPr>
-                          <m:t>𝑝</m:t>
-                        </m:r>
-                        <m:d>
-                          <m:dPr>
-                            <m:ctrlPr>
-                              <a:rPr lang="nl-NL" b="0" i="1" smtClean="0">
-                                <a:latin typeface="Cambria Math" panose="02040503050406030204" pitchFamily="18" charset="0"/>
-                                <a:ea typeface="Cambria Math" panose="02040503050406030204" pitchFamily="18" charset="0"/>
-                              </a:rPr>
-                            </m:ctrlPr>
-                          </m:dPr>
-                          <m:e>
-                            <m:r>
-                              <a:rPr lang="nl-NL" b="0" i="1" smtClean="0">
-                                <a:latin typeface="Cambria Math" panose="02040503050406030204" pitchFamily="18" charset="0"/>
-                                <a:ea typeface="Cambria Math" panose="02040503050406030204" pitchFamily="18" charset="0"/>
-                              </a:rPr>
-                              <m:t>𝑡</m:t>
-                            </m:r>
-                            <m:r>
-                              <a:rPr lang="nl-NL" b="0" i="1" smtClean="0">
-                                <a:latin typeface="Cambria Math" panose="02040503050406030204" pitchFamily="18" charset="0"/>
-                                <a:ea typeface="Cambria Math" panose="02040503050406030204" pitchFamily="18" charset="0"/>
-                              </a:rPr>
-                              <m:t>+∆</m:t>
-                            </m:r>
-                            <m:r>
-                              <a:rPr lang="nl-NL" b="0" i="1" smtClean="0">
-                                <a:latin typeface="Cambria Math" panose="02040503050406030204" pitchFamily="18" charset="0"/>
-                                <a:ea typeface="Cambria Math" panose="02040503050406030204" pitchFamily="18" charset="0"/>
-                              </a:rPr>
-                              <m:t>𝑡</m:t>
-                            </m:r>
-                          </m:e>
-                        </m:d>
-                        <m:r>
-                          <a:rPr lang="nl-NL" b="0" i="1" smtClean="0">
-                            <a:latin typeface="Cambria Math" panose="02040503050406030204" pitchFamily="18" charset="0"/>
-                            <a:ea typeface="Cambria Math" panose="02040503050406030204" pitchFamily="18" charset="0"/>
-                          </a:rPr>
-                          <m:t>,   </m:t>
-                        </m:r>
-                        <m:r>
-                          <a:rPr lang="nl-NL" b="0" i="1" smtClean="0">
-                            <a:latin typeface="Cambria Math" panose="02040503050406030204" pitchFamily="18" charset="0"/>
-                            <a:ea typeface="Cambria Math" panose="02040503050406030204" pitchFamily="18" charset="0"/>
-                          </a:rPr>
-                          <m:t>𝑣</m:t>
-                        </m:r>
-                        <m:d>
-                          <m:dPr>
-                            <m:ctrlPr>
-                              <a:rPr lang="nl-NL" b="0" i="1" smtClean="0">
-                                <a:latin typeface="Cambria Math" panose="02040503050406030204" pitchFamily="18" charset="0"/>
-                                <a:ea typeface="Cambria Math" panose="02040503050406030204" pitchFamily="18" charset="0"/>
-                              </a:rPr>
-                            </m:ctrlPr>
-                          </m:dPr>
-                          <m:e>
-                            <m:r>
-                              <a:rPr lang="nl-NL" b="0" i="1" smtClean="0">
-                                <a:latin typeface="Cambria Math" panose="02040503050406030204" pitchFamily="18" charset="0"/>
-                                <a:ea typeface="Cambria Math" panose="02040503050406030204" pitchFamily="18" charset="0"/>
-                              </a:rPr>
-                              <m:t>𝑡</m:t>
-                            </m:r>
-                            <m:r>
-                              <a:rPr lang="nl-NL" b="0" i="1" smtClean="0">
-                                <a:latin typeface="Cambria Math" panose="02040503050406030204" pitchFamily="18" charset="0"/>
-                                <a:ea typeface="Cambria Math" panose="02040503050406030204" pitchFamily="18" charset="0"/>
-                              </a:rPr>
-                              <m:t>+∆</m:t>
-                            </m:r>
-                            <m:r>
-                              <a:rPr lang="nl-NL" b="0" i="1" smtClean="0">
-                                <a:latin typeface="Cambria Math" panose="02040503050406030204" pitchFamily="18" charset="0"/>
-                                <a:ea typeface="Cambria Math" panose="02040503050406030204" pitchFamily="18" charset="0"/>
-                              </a:rPr>
-                              <m:t>𝑡</m:t>
-                            </m:r>
-                          </m:e>
-                        </m:d>
-                        <m:r>
-                          <a:rPr lang="nl-NL" b="0" i="1" smtClean="0">
-                            <a:latin typeface="Cambria Math" panose="02040503050406030204" pitchFamily="18" charset="0"/>
-                            <a:ea typeface="Cambria Math" panose="02040503050406030204" pitchFamily="18" charset="0"/>
-                          </a:rPr>
-                          <m:t>)</m:t>
-                        </m:r>
-                      </m:num>
-                      <m:den>
-                        <m:r>
-                          <a:rPr lang="nl-NL" b="0" i="1" smtClean="0">
-                            <a:latin typeface="Cambria Math" panose="02040503050406030204" pitchFamily="18" charset="0"/>
-                            <a:ea typeface="Cambria Math" panose="02040503050406030204" pitchFamily="18" charset="0"/>
-                          </a:rPr>
-                          <m:t>𝑚</m:t>
-                        </m:r>
-                      </m:den>
-                    </m:f>
-                  </m:oMath>
-                </a14:m>
-                <a:endParaRPr lang="en-GB" dirty="0"/>
-              </a:p>
-              <a:p>
-                <a14:m>
-                  <m:oMath xmlns:m="http://schemas.openxmlformats.org/officeDocument/2006/math">
-                    <m:r>
-                      <a:rPr lang="nl-NL" b="0" i="1" smtClean="0">
-                        <a:latin typeface="Cambria Math" panose="02040503050406030204" pitchFamily="18" charset="0"/>
-                      </a:rPr>
-                      <m:t>𝑣</m:t>
-                    </m:r>
-                    <m:d>
-                      <m:dPr>
-                        <m:ctrlPr>
-                          <a:rPr lang="nl-NL" b="0" i="1" smtClean="0">
-                            <a:latin typeface="Cambria Math" panose="02040503050406030204" pitchFamily="18" charset="0"/>
-                          </a:rPr>
-                        </m:ctrlPr>
-                      </m:dPr>
-                      <m:e>
-                        <m:r>
-                          <a:rPr lang="nl-NL" b="0" i="1" smtClean="0">
-                            <a:latin typeface="Cambria Math" panose="02040503050406030204" pitchFamily="18" charset="0"/>
-                          </a:rPr>
-                          <m:t>𝑡</m:t>
-                        </m:r>
-                        <m:r>
-                          <a:rPr lang="nl-NL" b="0" i="1" smtClean="0">
-                            <a:latin typeface="Cambria Math" panose="02040503050406030204" pitchFamily="18" charset="0"/>
-                          </a:rPr>
-                          <m:t>+∆</m:t>
-                        </m:r>
-                        <m:r>
-                          <a:rPr lang="nl-NL" b="0" i="1" smtClean="0">
-                            <a:latin typeface="Cambria Math" panose="02040503050406030204" pitchFamily="18" charset="0"/>
-                            <a:ea typeface="Cambria Math" panose="02040503050406030204" pitchFamily="18" charset="0"/>
-                          </a:rPr>
-                          <m:t>𝑡</m:t>
-                        </m:r>
-                      </m:e>
-                    </m:d>
-                    <m:r>
-                      <a:rPr lang="nl-NL" b="0" i="1" smtClean="0">
-                        <a:latin typeface="Cambria Math" panose="02040503050406030204" pitchFamily="18" charset="0"/>
-                        <a:ea typeface="Cambria Math" panose="02040503050406030204" pitchFamily="18" charset="0"/>
-                      </a:rPr>
-                      <m:t>=</m:t>
-                    </m:r>
-                    <m:r>
-                      <a:rPr lang="nl-NL" b="0" i="1" smtClean="0">
-                        <a:latin typeface="Cambria Math" panose="02040503050406030204" pitchFamily="18" charset="0"/>
-                        <a:ea typeface="Cambria Math" panose="02040503050406030204" pitchFamily="18" charset="0"/>
-                      </a:rPr>
-                      <m:t>𝑣</m:t>
-                    </m:r>
-                    <m:d>
-                      <m:dPr>
-                        <m:ctrlPr>
-                          <a:rPr lang="nl-NL" b="0" i="1" smtClean="0">
-                            <a:latin typeface="Cambria Math" panose="02040503050406030204" pitchFamily="18" charset="0"/>
-                            <a:ea typeface="Cambria Math" panose="02040503050406030204" pitchFamily="18" charset="0"/>
-                          </a:rPr>
-                        </m:ctrlPr>
-                      </m:dPr>
-                      <m:e>
-                        <m:r>
-                          <a:rPr lang="nl-NL" b="0" i="1" smtClean="0">
-                            <a:latin typeface="Cambria Math" panose="02040503050406030204" pitchFamily="18" charset="0"/>
-                            <a:ea typeface="Cambria Math" panose="02040503050406030204" pitchFamily="18" charset="0"/>
-                          </a:rPr>
-                          <m:t>𝑡</m:t>
-                        </m:r>
-                        <m:r>
-                          <a:rPr lang="nl-NL" b="0" i="1" smtClean="0">
-                            <a:latin typeface="Cambria Math" panose="02040503050406030204" pitchFamily="18" charset="0"/>
-                            <a:ea typeface="Cambria Math" panose="02040503050406030204" pitchFamily="18" charset="0"/>
-                          </a:rPr>
-                          <m:t>+</m:t>
-                        </m:r>
-                        <m:f>
-                          <m:fPr>
-                            <m:ctrlPr>
-                              <a:rPr lang="nl-NL" b="0" i="1" smtClean="0">
-                                <a:latin typeface="Cambria Math" panose="02040503050406030204" pitchFamily="18" charset="0"/>
-                                <a:ea typeface="Cambria Math" panose="02040503050406030204" pitchFamily="18" charset="0"/>
-                              </a:rPr>
-                            </m:ctrlPr>
-                          </m:fPr>
-                          <m:num>
-                            <m:r>
-                              <a:rPr lang="nl-NL" b="0" i="1" smtClean="0">
-                                <a:latin typeface="Cambria Math" panose="02040503050406030204" pitchFamily="18" charset="0"/>
-                                <a:ea typeface="Cambria Math" panose="02040503050406030204" pitchFamily="18" charset="0"/>
-                              </a:rPr>
-                              <m:t>1</m:t>
-                            </m:r>
-                          </m:num>
-                          <m:den>
-                            <m:r>
-                              <a:rPr lang="nl-NL" b="0" i="1" smtClean="0">
-                                <a:latin typeface="Cambria Math" panose="02040503050406030204" pitchFamily="18" charset="0"/>
-                                <a:ea typeface="Cambria Math" panose="02040503050406030204" pitchFamily="18" charset="0"/>
-                              </a:rPr>
-                              <m:t>2</m:t>
-                            </m:r>
-                          </m:den>
-                        </m:f>
-                        <m:r>
-                          <a:rPr lang="nl-NL" b="0" i="1" smtClean="0">
-                            <a:latin typeface="Cambria Math" panose="02040503050406030204" pitchFamily="18" charset="0"/>
-                            <a:ea typeface="Cambria Math" panose="02040503050406030204" pitchFamily="18" charset="0"/>
-                          </a:rPr>
-                          <m:t>∆</m:t>
-                        </m:r>
-                        <m:r>
-                          <a:rPr lang="nl-NL" b="0" i="1" smtClean="0">
-                            <a:latin typeface="Cambria Math" panose="02040503050406030204" pitchFamily="18" charset="0"/>
-                            <a:ea typeface="Cambria Math" panose="02040503050406030204" pitchFamily="18" charset="0"/>
-                          </a:rPr>
-                          <m:t>𝑡</m:t>
-                        </m:r>
-                      </m:e>
-                    </m:d>
-                    <m:r>
-                      <a:rPr lang="nl-NL" b="0" i="1" smtClean="0">
-                        <a:latin typeface="Cambria Math" panose="02040503050406030204" pitchFamily="18" charset="0"/>
-                        <a:ea typeface="Cambria Math" panose="02040503050406030204" pitchFamily="18" charset="0"/>
-                      </a:rPr>
-                      <m:t>+</m:t>
-                    </m:r>
-                    <m:f>
-                      <m:fPr>
-                        <m:ctrlPr>
-                          <a:rPr lang="nl-NL" b="0" i="1" smtClean="0">
-                            <a:latin typeface="Cambria Math" panose="02040503050406030204" pitchFamily="18" charset="0"/>
-                            <a:ea typeface="Cambria Math" panose="02040503050406030204" pitchFamily="18" charset="0"/>
-                          </a:rPr>
-                        </m:ctrlPr>
-                      </m:fPr>
-                      <m:num>
-                        <m:r>
-                          <a:rPr lang="nl-NL" b="0" i="1" smtClean="0">
-                            <a:latin typeface="Cambria Math" panose="02040503050406030204" pitchFamily="18" charset="0"/>
-                            <a:ea typeface="Cambria Math" panose="02040503050406030204" pitchFamily="18" charset="0"/>
-                          </a:rPr>
-                          <m:t>1</m:t>
-                        </m:r>
-                      </m:num>
-                      <m:den>
-                        <m:r>
-                          <a:rPr lang="nl-NL" b="0" i="1" smtClean="0">
-                            <a:latin typeface="Cambria Math" panose="02040503050406030204" pitchFamily="18" charset="0"/>
-                            <a:ea typeface="Cambria Math" panose="02040503050406030204" pitchFamily="18" charset="0"/>
-                          </a:rPr>
-                          <m:t>2</m:t>
-                        </m:r>
-                      </m:den>
-                    </m:f>
-                    <m:r>
-                      <a:rPr lang="nl-NL" b="0" i="1" smtClean="0">
-                        <a:latin typeface="Cambria Math" panose="02040503050406030204" pitchFamily="18" charset="0"/>
-                        <a:ea typeface="Cambria Math" panose="02040503050406030204" pitchFamily="18" charset="0"/>
-                      </a:rPr>
-                      <m:t>𝑎</m:t>
-                    </m:r>
-                    <m:r>
-                      <a:rPr lang="nl-NL" b="0" i="1" smtClean="0">
-                        <a:latin typeface="Cambria Math" panose="02040503050406030204" pitchFamily="18" charset="0"/>
-                        <a:ea typeface="Cambria Math" panose="02040503050406030204" pitchFamily="18" charset="0"/>
-                      </a:rPr>
-                      <m:t>(</m:t>
-                    </m:r>
-                    <m:r>
-                      <a:rPr lang="nl-NL" b="0" i="1" smtClean="0">
-                        <a:latin typeface="Cambria Math" panose="02040503050406030204" pitchFamily="18" charset="0"/>
-                        <a:ea typeface="Cambria Math" panose="02040503050406030204" pitchFamily="18" charset="0"/>
-                      </a:rPr>
-                      <m:t>𝑡</m:t>
-                    </m:r>
-                    <m:r>
-                      <a:rPr lang="nl-NL" b="0" i="1" smtClean="0">
-                        <a:latin typeface="Cambria Math" panose="02040503050406030204" pitchFamily="18" charset="0"/>
-                        <a:ea typeface="Cambria Math" panose="02040503050406030204" pitchFamily="18" charset="0"/>
-                      </a:rPr>
-                      <m:t>+∆</m:t>
-                    </m:r>
-                    <m:r>
-                      <a:rPr lang="nl-NL" b="0" i="1" smtClean="0">
-                        <a:latin typeface="Cambria Math" panose="02040503050406030204" pitchFamily="18" charset="0"/>
-                        <a:ea typeface="Cambria Math" panose="02040503050406030204" pitchFamily="18" charset="0"/>
-                      </a:rPr>
-                      <m:t>𝑡</m:t>
-                    </m:r>
-                    <m:r>
-                      <a:rPr lang="nl-NL" b="0" i="1" smtClean="0">
-                        <a:latin typeface="Cambria Math" panose="02040503050406030204" pitchFamily="18" charset="0"/>
-                        <a:ea typeface="Cambria Math" panose="02040503050406030204" pitchFamily="18" charset="0"/>
-                      </a:rPr>
-                      <m:t>)∆</m:t>
-                    </m:r>
-                    <m:r>
-                      <a:rPr lang="nl-NL" b="0" i="1" smtClean="0">
-                        <a:latin typeface="Cambria Math" panose="02040503050406030204" pitchFamily="18" charset="0"/>
-                        <a:ea typeface="Cambria Math" panose="02040503050406030204" pitchFamily="18" charset="0"/>
-                      </a:rPr>
-                      <m:t>𝑡</m:t>
-                    </m:r>
-                  </m:oMath>
-                </a14:m>
-                <a:endParaRPr lang="en-GB" dirty="0"/>
-              </a:p>
-              <a:p>
-                <a:endParaRPr lang="en-GB" dirty="0"/>
-              </a:p>
-            </p:txBody>
-          </p:sp>
-        </mc:Choice>
-        <mc:Fallback xmlns="">
-          <p:sp>
-            <p:nvSpPr>
-              <p:cNvPr id="3" name="Content Placeholder 2">
-                <a:extLst>
-                  <a:ext uri="{FF2B5EF4-FFF2-40B4-BE49-F238E27FC236}">
-                    <a16:creationId xmlns:a16="http://schemas.microsoft.com/office/drawing/2014/main" id="{2C807C5B-BBEB-4D09-A4B8-DDD8ACC39660}"/>
-                  </a:ext>
-                </a:extLst>
-              </p:cNvPr>
-              <p:cNvSpPr>
-                <a:spLocks noGrp="1" noRot="1" noChangeAspect="1" noMove="1" noResize="1" noEditPoints="1" noAdjustHandles="1" noChangeArrowheads="1" noChangeShapeType="1" noTextEdit="1"/>
-              </p:cNvSpPr>
-              <p:nvPr>
-                <p:ph idx="1"/>
-              </p:nvPr>
-            </p:nvSpPr>
-            <p:spPr>
-              <a:blipFill>
-                <a:blip r:embed="rId3"/>
-                <a:stretch>
-                  <a:fillRect/>
-                </a:stretch>
-              </a:blipFill>
-            </p:spPr>
-            <p:txBody>
-              <a:bodyPr/>
-              <a:lstStyle/>
-              <a:p>
-                <a:r>
-                  <a:rPr lang="en-GB">
-                    <a:noFill/>
-                  </a:rPr>
-                  <a:t> </a:t>
-                </a:r>
-              </a:p>
-            </p:txBody>
-          </p:sp>
-        </mc:Fallback>
-      </mc:AlternateContent>
-    </p:spTree>
-    <p:extLst>
-      <p:ext uri="{BB962C8B-B14F-4D97-AF65-F5344CB8AC3E}">
-        <p14:creationId xmlns:p14="http://schemas.microsoft.com/office/powerpoint/2010/main" val="3972284105"/>
-      </p:ext>
-    </p:extLst>
-  </p:cSld>
-  <p:clrMapOvr>
-    <a:masterClrMapping/>
-  </p:clrMapOvr>
-</p:sld>
-</file>
-
-<file path=ppt/slides/slide11.xml><?xml version="1.0" encoding="utf-8"?>
-<p:sld xmlns:a="http://schemas.openxmlformats.org/drawingml/2006/main" xmlns:r="http://schemas.openxmlformats.org/officeDocument/2006/relationships" xmlns:p="http://schemas.openxmlformats.org/presentationml/2006/main">
-  <p:cSld>
-    <p:spTree>
-      <p:nvGrpSpPr>
-        <p:cNvPr id="1" name=""/>
-        <p:cNvGrpSpPr/>
-        <p:nvPr/>
-      </p:nvGrpSpPr>
-      <p:grpSpPr>
-        <a:xfrm>
-          <a:off x="0" y="0"/>
-          <a:ext cx="0" cy="0"/>
-          <a:chOff x="0" y="0"/>
-          <a:chExt cx="0" cy="0"/>
-        </a:xfrm>
-      </p:grpSpPr>
-      <p:sp>
-        <p:nvSpPr>
-          <p:cNvPr id="2" name="Title 1">
-            <a:extLst>
-              <a:ext uri="{FF2B5EF4-FFF2-40B4-BE49-F238E27FC236}">
-                <a16:creationId xmlns:a16="http://schemas.microsoft.com/office/drawing/2014/main" id="{5FC132AA-6D25-43A2-85C9-4418A09EA0D6}"/>
-              </a:ext>
-            </a:extLst>
-          </p:cNvPr>
-          <p:cNvSpPr>
-            <a:spLocks noGrp="1"/>
-          </p:cNvSpPr>
-          <p:nvPr>
-            <p:ph type="title"/>
-          </p:nvPr>
-        </p:nvSpPr>
-        <p:spPr/>
-        <p:txBody>
-          <a:bodyPr/>
-          <a:lstStyle/>
-          <a:p>
-            <a:r>
-              <a:rPr lang="en-US" dirty="0"/>
-              <a:t>The formulas </a:t>
-            </a:r>
-            <a:br>
-              <a:rPr lang="en-US" dirty="0"/>
-            </a:br>
-            <a:r>
-              <a:rPr lang="en-US" dirty="0"/>
-              <a:t>Classical 4</a:t>
-            </a:r>
-            <a:r>
-              <a:rPr lang="en-US" baseline="30000" dirty="0"/>
-              <a:t>th</a:t>
-            </a:r>
-            <a:r>
-              <a:rPr lang="en-US" dirty="0"/>
-              <a:t>-order Runge-</a:t>
-            </a:r>
-            <a:r>
-              <a:rPr lang="en-US" dirty="0" err="1"/>
-              <a:t>Kutta</a:t>
-            </a:r>
-            <a:endParaRPr lang="nl-NL" dirty="0"/>
-          </a:p>
-        </p:txBody>
-      </p:sp>
-      <mc:AlternateContent xmlns:mc="http://schemas.openxmlformats.org/markup-compatibility/2006" xmlns:a14="http://schemas.microsoft.com/office/drawing/2010/main">
-        <mc:Choice Requires="a14">
+      <mc:AlternateContent xmlns:mc="http://schemas.openxmlformats.org/markup-compatibility/2006">
+        <mc:Choice xmlns:a14="http://schemas.microsoft.com/office/drawing/2010/main" Requires="a14">
           <p:sp>
             <p:nvSpPr>
               <p:cNvPr id="3" name="Content Placeholder 2">
@@ -9674,10 +8653,20 @@
                 </a:pPr>
                 <a:r>
                   <a:rPr lang="nl-NL" b="0" dirty="0"/>
-                  <a:t>			p</a:t>
+                  <a:t>			</a:t>
+                </a:r>
+                <a:r>
+                  <a:rPr lang="en-US" dirty="0"/>
+                  <a:t> </a:t>
                 </a:r>
                 <a14:m>
                   <m:oMath xmlns:m="http://schemas.openxmlformats.org/officeDocument/2006/math">
+                    <m:r>
+                      <a:rPr lang="en-US" i="1">
+                        <a:latin typeface="Cambria Math" panose="02040503050406030204" pitchFamily="18" charset="0"/>
+                      </a:rPr>
+                      <m:t>𝑝</m:t>
+                    </m:r>
                     <m:d>
                       <m:dPr>
                         <m:ctrlPr>
@@ -9927,13 +8916,10 @@
                 <a14:m>
                   <m:oMath xmlns:m="http://schemas.openxmlformats.org/officeDocument/2006/math">
                     <m:r>
-                      <m:rPr>
-                        <m:sty m:val="p"/>
-                      </m:rPr>
-                      <a:rPr lang="nl-NL" b="0" i="0" smtClean="0">
+                      <a:rPr lang="nl-NL" b="0" i="1" smtClean="0">
                         <a:latin typeface="Cambria Math" panose="02040503050406030204" pitchFamily="18" charset="0"/>
                       </a:rPr>
-                      <m:t>v</m:t>
+                      <m:t>𝑣</m:t>
                     </m:r>
                     <m:d>
                       <m:dPr>
@@ -10176,7 +9162,7 @@
             </p:txBody>
           </p:sp>
         </mc:Choice>
-        <mc:Fallback xmlns="">
+        <mc:Fallback>
           <p:sp>
             <p:nvSpPr>
               <p:cNvPr id="3" name="Content Placeholder 2">
@@ -10206,7 +9192,7 @@
               <a:lstStyle/>
               <a:p>
                 <a:r>
-                  <a:rPr lang="nl-NL">
+                  <a:rPr lang="en-GB">
                     <a:noFill/>
                   </a:rPr>
                   <a:t> </a:t>
@@ -10220,6 +9206,304 @@
     <p:extLst>
       <p:ext uri="{BB962C8B-B14F-4D97-AF65-F5344CB8AC3E}">
         <p14:creationId xmlns:p14="http://schemas.microsoft.com/office/powerpoint/2010/main" val="35196883"/>
+      </p:ext>
+    </p:extLst>
+  </p:cSld>
+  <p:clrMapOvr>
+    <a:masterClrMapping/>
+  </p:clrMapOvr>
+</p:sld>
+</file>
+
+<file path=ppt/slides/slide11.xml><?xml version="1.0" encoding="utf-8"?>
+<p:sld xmlns:a="http://schemas.openxmlformats.org/drawingml/2006/main" xmlns:r="http://schemas.openxmlformats.org/officeDocument/2006/relationships" xmlns:p="http://schemas.openxmlformats.org/presentationml/2006/main">
+  <p:cSld>
+    <p:spTree>
+      <p:nvGrpSpPr>
+        <p:cNvPr id="1" name=""/>
+        <p:cNvGrpSpPr/>
+        <p:nvPr/>
+      </p:nvGrpSpPr>
+      <p:grpSpPr>
+        <a:xfrm>
+          <a:off x="0" y="0"/>
+          <a:ext cx="0" cy="0"/>
+          <a:chOff x="0" y="0"/>
+          <a:chExt cx="0" cy="0"/>
+        </a:xfrm>
+      </p:grpSpPr>
+      <p:sp>
+        <p:nvSpPr>
+          <p:cNvPr id="2" name="Title 1">
+            <a:extLst>
+              <a:ext uri="{FF2B5EF4-FFF2-40B4-BE49-F238E27FC236}">
+                <a16:creationId xmlns:a16="http://schemas.microsoft.com/office/drawing/2014/main" id="{61523984-7A2E-437D-8CEA-E490D99479EB}"/>
+              </a:ext>
+            </a:extLst>
+          </p:cNvPr>
+          <p:cNvSpPr>
+            <a:spLocks noGrp="1"/>
+          </p:cNvSpPr>
+          <p:nvPr>
+            <p:ph type="title"/>
+          </p:nvPr>
+        </p:nvSpPr>
+        <p:spPr/>
+        <p:txBody>
+          <a:bodyPr/>
+          <a:lstStyle/>
+          <a:p>
+            <a:r>
+              <a:rPr lang="en-US" dirty="0"/>
+              <a:t>Flying and bouncing balls</a:t>
+            </a:r>
+            <a:endParaRPr lang="nl-NL" dirty="0"/>
+          </a:p>
+        </p:txBody>
+      </p:sp>
+      <p:sp>
+        <p:nvSpPr>
+          <p:cNvPr id="3" name="Content Placeholder 2">
+            <a:extLst>
+              <a:ext uri="{FF2B5EF4-FFF2-40B4-BE49-F238E27FC236}">
+                <a16:creationId xmlns:a16="http://schemas.microsoft.com/office/drawing/2014/main" id="{295F099C-969E-4E15-AD46-4134B9E94557}"/>
+              </a:ext>
+            </a:extLst>
+          </p:cNvPr>
+          <p:cNvSpPr>
+            <a:spLocks noGrp="1"/>
+          </p:cNvSpPr>
+          <p:nvPr>
+            <p:ph idx="1"/>
+          </p:nvPr>
+        </p:nvSpPr>
+        <p:spPr/>
+        <p:txBody>
+          <a:bodyPr/>
+          <a:lstStyle/>
+          <a:p>
+            <a:pPr marL="0" indent="0">
+              <a:lnSpc>
+                <a:spcPct val="100000"/>
+              </a:lnSpc>
+              <a:spcBef>
+                <a:spcPts val="0"/>
+              </a:spcBef>
+              <a:spcAft>
+                <a:spcPts val="0"/>
+              </a:spcAft>
+              <a:buNone/>
+            </a:pPr>
+            <a:r>
+              <a:rPr lang="en-GB" dirty="0"/>
+              <a:t>process(double </a:t>
+            </a:r>
+            <a:r>
+              <a:rPr lang="en-GB" dirty="0" err="1"/>
+              <a:t>deltaTime</a:t>
+            </a:r>
+            <a:r>
+              <a:rPr lang="en-GB" dirty="0"/>
+              <a:t>, (Vector position, Vector velocity))     </a:t>
+            </a:r>
+          </a:p>
+          <a:p>
+            <a:pPr marL="0" indent="0">
+              <a:lnSpc>
+                <a:spcPct val="100000"/>
+              </a:lnSpc>
+              <a:spcBef>
+                <a:spcPts val="0"/>
+              </a:spcBef>
+              <a:spcAft>
+                <a:spcPts val="0"/>
+              </a:spcAft>
+              <a:buNone/>
+            </a:pPr>
+            <a:r>
+              <a:rPr lang="en-GB" dirty="0"/>
+              <a:t>     </a:t>
+            </a:r>
+            <a:r>
+              <a:rPr lang="en-GB" b="1" dirty="0"/>
+              <a:t>FOR</a:t>
+            </a:r>
+            <a:r>
+              <a:rPr lang="en-GB" dirty="0"/>
+              <a:t> time=0 </a:t>
+            </a:r>
+            <a:r>
+              <a:rPr lang="en-GB" b="1" dirty="0"/>
+              <a:t>TO</a:t>
+            </a:r>
+            <a:r>
+              <a:rPr lang="en-GB" dirty="0"/>
+              <a:t> time=</a:t>
+            </a:r>
+            <a:r>
+              <a:rPr lang="en-GB" dirty="0" err="1"/>
+              <a:t>deltaTime</a:t>
+            </a:r>
+            <a:endParaRPr lang="en-GB" dirty="0"/>
+          </a:p>
+          <a:p>
+            <a:pPr marL="0" indent="0">
+              <a:lnSpc>
+                <a:spcPct val="100000"/>
+              </a:lnSpc>
+              <a:spcBef>
+                <a:spcPts val="0"/>
+              </a:spcBef>
+              <a:spcAft>
+                <a:spcPts val="0"/>
+              </a:spcAft>
+              <a:buNone/>
+            </a:pPr>
+            <a:r>
+              <a:rPr lang="en-GB" b="1" dirty="0"/>
+              <a:t>          IF</a:t>
+            </a:r>
+            <a:r>
+              <a:rPr lang="en-GB" dirty="0"/>
+              <a:t> !</a:t>
+            </a:r>
+            <a:r>
+              <a:rPr lang="en-GB" dirty="0" err="1"/>
+              <a:t>isFlying</a:t>
+            </a:r>
+            <a:r>
+              <a:rPr lang="en-GB" dirty="0"/>
+              <a:t>(position)</a:t>
+            </a:r>
+            <a:endParaRPr lang="en-GB" b="1" dirty="0"/>
+          </a:p>
+          <a:p>
+            <a:pPr marL="0" indent="0">
+              <a:lnSpc>
+                <a:spcPct val="100000"/>
+              </a:lnSpc>
+              <a:spcBef>
+                <a:spcPts val="0"/>
+              </a:spcBef>
+              <a:spcAft>
+                <a:spcPts val="0"/>
+              </a:spcAft>
+              <a:buNone/>
+            </a:pPr>
+            <a:r>
+              <a:rPr lang="en-GB" b="1" dirty="0"/>
+              <a:t>          THEN</a:t>
+            </a:r>
+            <a:r>
+              <a:rPr lang="en-GB" dirty="0"/>
+              <a:t> velocity = </a:t>
+            </a:r>
+            <a:r>
+              <a:rPr lang="en-GB" dirty="0" err="1"/>
+              <a:t>redirectVelocity</a:t>
+            </a:r>
+            <a:r>
+              <a:rPr lang="en-GB" dirty="0"/>
+              <a:t>(position, velocity)</a:t>
+            </a:r>
+          </a:p>
+          <a:p>
+            <a:pPr marL="0" indent="0">
+              <a:lnSpc>
+                <a:spcPct val="100000"/>
+              </a:lnSpc>
+              <a:spcBef>
+                <a:spcPts val="0"/>
+              </a:spcBef>
+              <a:spcAft>
+                <a:spcPts val="0"/>
+              </a:spcAft>
+              <a:buNone/>
+            </a:pPr>
+            <a:r>
+              <a:rPr lang="en-GB" dirty="0"/>
+              <a:t>    </a:t>
+            </a:r>
+          </a:p>
+          <a:p>
+            <a:pPr marL="0" indent="0">
+              <a:lnSpc>
+                <a:spcPct val="100000"/>
+              </a:lnSpc>
+              <a:spcBef>
+                <a:spcPts val="0"/>
+              </a:spcBef>
+              <a:spcAft>
+                <a:spcPts val="0"/>
+              </a:spcAft>
+              <a:buNone/>
+            </a:pPr>
+            <a:r>
+              <a:rPr lang="en-GB" dirty="0"/>
+              <a:t>          </a:t>
+            </a:r>
+            <a:r>
+              <a:rPr lang="en-GB" i="1" dirty="0"/>
+              <a:t>calculate next position and velocity</a:t>
+            </a:r>
+          </a:p>
+          <a:p>
+            <a:pPr marL="0" indent="0">
+              <a:lnSpc>
+                <a:spcPct val="100000"/>
+              </a:lnSpc>
+              <a:spcBef>
+                <a:spcPts val="0"/>
+              </a:spcBef>
+              <a:spcAft>
+                <a:spcPts val="0"/>
+              </a:spcAft>
+              <a:buNone/>
+            </a:pPr>
+            <a:r>
+              <a:rPr lang="en-GB" i="1" dirty="0"/>
+              <a:t>          update position and velocity</a:t>
+            </a:r>
+          </a:p>
+          <a:p>
+            <a:pPr marL="0" indent="0">
+              <a:lnSpc>
+                <a:spcPct val="100000"/>
+              </a:lnSpc>
+              <a:spcBef>
+                <a:spcPts val="0"/>
+              </a:spcBef>
+              <a:spcAft>
+                <a:spcPts val="0"/>
+              </a:spcAft>
+              <a:buNone/>
+            </a:pPr>
+            <a:endParaRPr lang="en-GB" dirty="0"/>
+          </a:p>
+          <a:p>
+            <a:pPr marL="0" indent="0">
+              <a:lnSpc>
+                <a:spcPct val="100000"/>
+              </a:lnSpc>
+              <a:spcBef>
+                <a:spcPts val="0"/>
+              </a:spcBef>
+              <a:spcAft>
+                <a:spcPts val="0"/>
+              </a:spcAft>
+              <a:buNone/>
+            </a:pPr>
+            <a:r>
+              <a:rPr lang="en-GB" dirty="0"/>
+              <a:t>     return (position, velocity)</a:t>
+            </a:r>
+          </a:p>
+        </p:txBody>
+      </p:sp>
+    </p:spTree>
+    <p:extLst>
+      <p:ext uri="{BB962C8B-B14F-4D97-AF65-F5344CB8AC3E}">
+        <p14:creationId xmlns:p14="http://schemas.microsoft.com/office/powerpoint/2010/main" val="3953052098"/>
       </p:ext>
     </p:extLst>
   </p:cSld>
@@ -10269,255 +9553,1056 @@
           <a:p>
             <a:r>
               <a:rPr lang="en-US" dirty="0"/>
-              <a:t>Flying and bouncing balls</a:t>
+              <a:t>Flying acceleration</a:t>
             </a:r>
             <a:endParaRPr lang="nl-NL" dirty="0"/>
           </a:p>
         </p:txBody>
       </p:sp>
-      <p:sp>
-        <p:nvSpPr>
-          <p:cNvPr id="3" name="Content Placeholder 2">
-            <a:extLst>
-              <a:ext uri="{FF2B5EF4-FFF2-40B4-BE49-F238E27FC236}">
-                <a16:creationId xmlns:a16="http://schemas.microsoft.com/office/drawing/2014/main" id="{295F099C-969E-4E15-AD46-4134B9E94557}"/>
-              </a:ext>
-            </a:extLst>
-          </p:cNvPr>
-          <p:cNvSpPr>
-            <a:spLocks noGrp="1"/>
-          </p:cNvSpPr>
-          <p:nvPr>
-            <p:ph idx="1"/>
-          </p:nvPr>
-        </p:nvSpPr>
-        <p:spPr/>
-        <p:txBody>
-          <a:bodyPr/>
-          <a:lstStyle/>
-          <a:p>
-            <a:pPr marL="0" indent="0">
-              <a:lnSpc>
-                <a:spcPct val="100000"/>
-              </a:lnSpc>
-              <a:spcBef>
-                <a:spcPts val="0"/>
-              </a:spcBef>
-              <a:spcAft>
-                <a:spcPts val="0"/>
-              </a:spcAft>
-              <a:buNone/>
-            </a:pPr>
-            <a:r>
-              <a:rPr lang="en-GB" dirty="0"/>
-              <a:t>process(double </a:t>
-            </a:r>
-            <a:r>
-              <a:rPr lang="en-GB" dirty="0" err="1"/>
-              <a:t>deltaTime</a:t>
-            </a:r>
-            <a:r>
-              <a:rPr lang="en-GB" dirty="0"/>
-              <a:t>, (Vector position, Vector velocity))     </a:t>
-            </a:r>
-          </a:p>
-          <a:p>
-            <a:pPr marL="0" indent="0">
-              <a:lnSpc>
-                <a:spcPct val="100000"/>
-              </a:lnSpc>
-              <a:spcBef>
-                <a:spcPts val="0"/>
-              </a:spcBef>
-              <a:spcAft>
-                <a:spcPts val="0"/>
-              </a:spcAft>
-              <a:buNone/>
-            </a:pPr>
-            <a:r>
-              <a:rPr lang="en-GB" dirty="0"/>
-              <a:t>     </a:t>
-            </a:r>
-            <a:r>
-              <a:rPr lang="en-GB" b="1" dirty="0"/>
-              <a:t>FOR</a:t>
-            </a:r>
-            <a:r>
-              <a:rPr lang="en-GB" dirty="0"/>
-              <a:t> time=0 </a:t>
-            </a:r>
-            <a:r>
-              <a:rPr lang="en-GB" b="1" dirty="0"/>
-              <a:t>TO</a:t>
-            </a:r>
-            <a:r>
-              <a:rPr lang="en-GB" dirty="0"/>
-              <a:t> time=</a:t>
-            </a:r>
-            <a:r>
-              <a:rPr lang="en-GB" dirty="0" err="1"/>
-              <a:t>deltaTime</a:t>
-            </a:r>
-            <a:endParaRPr lang="en-GB" dirty="0"/>
-          </a:p>
-          <a:p>
-            <a:pPr marL="0" indent="0">
-              <a:lnSpc>
-                <a:spcPct val="100000"/>
-              </a:lnSpc>
-              <a:spcBef>
-                <a:spcPts val="0"/>
-              </a:spcBef>
-              <a:spcAft>
-                <a:spcPts val="0"/>
-              </a:spcAft>
-              <a:buNone/>
-            </a:pPr>
-            <a:r>
-              <a:rPr lang="en-GB" b="1" dirty="0"/>
-              <a:t>          IF</a:t>
-            </a:r>
-            <a:r>
-              <a:rPr lang="en-GB" dirty="0"/>
-              <a:t> !</a:t>
-            </a:r>
-            <a:r>
-              <a:rPr lang="en-GB" dirty="0" err="1"/>
-              <a:t>isFlying</a:t>
-            </a:r>
-            <a:r>
-              <a:rPr lang="en-GB" dirty="0"/>
-              <a:t>(position)</a:t>
-            </a:r>
-            <a:endParaRPr lang="en-GB" b="1" dirty="0"/>
-          </a:p>
-          <a:p>
-            <a:pPr marL="0" indent="0">
-              <a:lnSpc>
-                <a:spcPct val="100000"/>
-              </a:lnSpc>
-              <a:spcBef>
-                <a:spcPts val="0"/>
-              </a:spcBef>
-              <a:spcAft>
-                <a:spcPts val="0"/>
-              </a:spcAft>
-              <a:buNone/>
-            </a:pPr>
-            <a:r>
-              <a:rPr lang="en-GB" b="1" dirty="0"/>
-              <a:t>          THEN</a:t>
-            </a:r>
-            <a:r>
-              <a:rPr lang="en-GB" dirty="0"/>
-              <a:t> velocity = </a:t>
-            </a:r>
-            <a:r>
-              <a:rPr lang="en-GB" dirty="0" err="1"/>
-              <a:t>redirectVelocity</a:t>
-            </a:r>
-            <a:r>
-              <a:rPr lang="en-GB" dirty="0"/>
-              <a:t>(position, velocity)</a:t>
-            </a:r>
-          </a:p>
-          <a:p>
-            <a:pPr marL="0" indent="0">
-              <a:lnSpc>
-                <a:spcPct val="100000"/>
-              </a:lnSpc>
-              <a:spcBef>
-                <a:spcPts val="0"/>
-              </a:spcBef>
-              <a:spcAft>
-                <a:spcPts val="0"/>
-              </a:spcAft>
-              <a:buNone/>
-            </a:pPr>
-            <a:r>
-              <a:rPr lang="en-GB" dirty="0"/>
-              <a:t>    </a:t>
-            </a:r>
-          </a:p>
-          <a:p>
-            <a:pPr marL="0" indent="0">
-              <a:lnSpc>
-                <a:spcPct val="100000"/>
-              </a:lnSpc>
-              <a:spcBef>
-                <a:spcPts val="0"/>
-              </a:spcBef>
-              <a:spcAft>
-                <a:spcPts val="0"/>
-              </a:spcAft>
-              <a:buNone/>
-            </a:pPr>
-            <a:r>
-              <a:rPr lang="en-GB" dirty="0"/>
-              <a:t>          </a:t>
-            </a:r>
-            <a:r>
-              <a:rPr lang="en-GB" i="1" dirty="0"/>
-              <a:t>calculate next position and velocity</a:t>
-            </a:r>
-          </a:p>
-          <a:p>
-            <a:pPr marL="0" indent="0">
-              <a:lnSpc>
-                <a:spcPct val="100000"/>
-              </a:lnSpc>
-              <a:spcBef>
-                <a:spcPts val="0"/>
-              </a:spcBef>
-              <a:spcAft>
-                <a:spcPts val="0"/>
-              </a:spcAft>
-              <a:buNone/>
-            </a:pPr>
-            <a:r>
-              <a:rPr lang="en-GB" i="1" dirty="0"/>
-              <a:t>          update position and velocity</a:t>
-            </a:r>
-          </a:p>
-          <a:p>
-            <a:pPr marL="0" indent="0">
-              <a:lnSpc>
-                <a:spcPct val="100000"/>
-              </a:lnSpc>
-              <a:spcBef>
-                <a:spcPts val="0"/>
-              </a:spcBef>
-              <a:spcAft>
-                <a:spcPts val="0"/>
-              </a:spcAft>
-              <a:buNone/>
-            </a:pPr>
-            <a:endParaRPr lang="en-GB" dirty="0"/>
-          </a:p>
-          <a:p>
-            <a:pPr marL="0" indent="0">
-              <a:lnSpc>
-                <a:spcPct val="100000"/>
-              </a:lnSpc>
-              <a:spcBef>
-                <a:spcPts val="0"/>
-              </a:spcBef>
-              <a:spcAft>
-                <a:spcPts val="0"/>
-              </a:spcAft>
-              <a:buNone/>
-            </a:pPr>
-            <a:r>
-              <a:rPr lang="en-GB" dirty="0"/>
-              <a:t>     return (position, velocity)</a:t>
-            </a:r>
-          </a:p>
-        </p:txBody>
-      </p:sp>
+      <mc:AlternateContent xmlns:mc="http://schemas.openxmlformats.org/markup-compatibility/2006">
+        <mc:Choice xmlns:a14="http://schemas.microsoft.com/office/drawing/2010/main" Requires="a14">
+          <p:sp>
+            <p:nvSpPr>
+              <p:cNvPr id="3" name="Content Placeholder 2">
+                <a:extLst>
+                  <a:ext uri="{FF2B5EF4-FFF2-40B4-BE49-F238E27FC236}">
+                    <a16:creationId xmlns:a16="http://schemas.microsoft.com/office/drawing/2014/main" id="{295F099C-969E-4E15-AD46-4134B9E94557}"/>
+                  </a:ext>
+                </a:extLst>
+              </p:cNvPr>
+              <p:cNvSpPr>
+                <a:spLocks noGrp="1"/>
+              </p:cNvSpPr>
+              <p:nvPr>
+                <p:ph idx="1"/>
+              </p:nvPr>
+            </p:nvSpPr>
+            <p:spPr/>
+            <p:txBody>
+              <a:bodyPr/>
+              <a:lstStyle/>
+              <a:p>
+                <a:pPr marL="0" indent="0">
+                  <a:lnSpc>
+                    <a:spcPct val="100000"/>
+                  </a:lnSpc>
+                  <a:spcBef>
+                    <a:spcPts val="0"/>
+                  </a:spcBef>
+                  <a:spcAft>
+                    <a:spcPts val="0"/>
+                  </a:spcAft>
+                  <a:buNone/>
+                </a:pPr>
+                <a:r>
+                  <a:rPr lang="en-GB" dirty="0"/>
+                  <a:t>In the horizontal directions:</a:t>
+                </a:r>
+                <a:endParaRPr lang="en-GB" i="1" dirty="0">
+                  <a:latin typeface="Cambria Math" panose="02040503050406030204" pitchFamily="18" charset="0"/>
+                </a:endParaRPr>
+              </a:p>
+              <a:p>
+                <a:pPr marL="0" indent="0">
+                  <a:lnSpc>
+                    <a:spcPct val="100000"/>
+                  </a:lnSpc>
+                  <a:spcBef>
+                    <a:spcPts val="0"/>
+                  </a:spcBef>
+                  <a:spcAft>
+                    <a:spcPts val="0"/>
+                  </a:spcAft>
+                  <a:buNone/>
+                </a:pPr>
+                <a:r>
+                  <a:rPr lang="en-GB" dirty="0"/>
+                  <a:t>	</a:t>
+                </a:r>
+                <a14:m>
+                  <m:oMath xmlns:m="http://schemas.openxmlformats.org/officeDocument/2006/math">
+                    <m:sSub>
+                      <m:sSubPr>
+                        <m:ctrlPr>
+                          <a:rPr lang="en-GB" i="1" smtClean="0">
+                            <a:latin typeface="Cambria Math" panose="02040503050406030204" pitchFamily="18" charset="0"/>
+                          </a:rPr>
+                        </m:ctrlPr>
+                      </m:sSubPr>
+                      <m:e>
+                        <m:r>
+                          <a:rPr lang="nl-NL" b="0" i="1" smtClean="0">
+                            <a:latin typeface="Cambria Math" panose="02040503050406030204" pitchFamily="18" charset="0"/>
+                          </a:rPr>
+                          <m:t>𝐹</m:t>
+                        </m:r>
+                      </m:e>
+                      <m:sub>
+                        <m:r>
+                          <a:rPr lang="nl-NL" b="0" i="1" smtClean="0">
+                            <a:latin typeface="Cambria Math" panose="02040503050406030204" pitchFamily="18" charset="0"/>
+                          </a:rPr>
+                          <m:t>𝑛𝑒𝑡</m:t>
+                        </m:r>
+                      </m:sub>
+                    </m:sSub>
+                    <m:r>
+                      <a:rPr lang="nl-NL" b="0" i="1" smtClean="0">
+                        <a:latin typeface="Cambria Math" panose="02040503050406030204" pitchFamily="18" charset="0"/>
+                      </a:rPr>
+                      <m:t>=−</m:t>
+                    </m:r>
+                    <m:sSub>
+                      <m:sSubPr>
+                        <m:ctrlPr>
+                          <a:rPr lang="nl-NL" b="0" i="1" smtClean="0">
+                            <a:latin typeface="Cambria Math" panose="02040503050406030204" pitchFamily="18" charset="0"/>
+                          </a:rPr>
+                        </m:ctrlPr>
+                      </m:sSubPr>
+                      <m:e>
+                        <m:r>
+                          <a:rPr lang="nl-NL" b="0" i="1" smtClean="0">
+                            <a:latin typeface="Cambria Math" panose="02040503050406030204" pitchFamily="18" charset="0"/>
+                          </a:rPr>
+                          <m:t>𝐹</m:t>
+                        </m:r>
+                      </m:e>
+                      <m:sub>
+                        <m:r>
+                          <a:rPr lang="nl-NL" b="0" i="1" smtClean="0">
+                            <a:latin typeface="Cambria Math" panose="02040503050406030204" pitchFamily="18" charset="0"/>
+                          </a:rPr>
+                          <m:t>𝐷</m:t>
+                        </m:r>
+                      </m:sub>
+                    </m:sSub>
+                  </m:oMath>
+                </a14:m>
+                <a:r>
+                  <a:rPr lang="en-GB" dirty="0"/>
+                  <a:t> 	</a:t>
+                </a:r>
+                <a:r>
+                  <a:rPr lang="en-GB" dirty="0">
+                    <a:sym typeface="Wingdings" panose="05000000000000000000" pitchFamily="2" charset="2"/>
+                  </a:rPr>
+                  <a:t>	</a:t>
+                </a:r>
+                <a14:m>
+                  <m:oMath xmlns:m="http://schemas.openxmlformats.org/officeDocument/2006/math">
+                    <m:r>
+                      <a:rPr lang="nl-NL" b="0" i="1" smtClean="0">
+                        <a:latin typeface="Cambria Math" panose="02040503050406030204" pitchFamily="18" charset="0"/>
+                        <a:sym typeface="Wingdings" panose="05000000000000000000" pitchFamily="2" charset="2"/>
+                      </a:rPr>
+                      <m:t>𝑚𝑎</m:t>
+                    </m:r>
+                    <m:r>
+                      <a:rPr lang="nl-NL" b="0" i="1" smtClean="0">
+                        <a:latin typeface="Cambria Math" panose="02040503050406030204" pitchFamily="18" charset="0"/>
+                        <a:sym typeface="Wingdings" panose="05000000000000000000" pitchFamily="2" charset="2"/>
+                      </a:rPr>
+                      <m:t>=−</m:t>
+                    </m:r>
+                    <m:f>
+                      <m:fPr>
+                        <m:ctrlPr>
+                          <a:rPr lang="nl-NL" b="0" i="1" smtClean="0">
+                            <a:latin typeface="Cambria Math" panose="02040503050406030204" pitchFamily="18" charset="0"/>
+                            <a:sym typeface="Wingdings" panose="05000000000000000000" pitchFamily="2" charset="2"/>
+                          </a:rPr>
+                        </m:ctrlPr>
+                      </m:fPr>
+                      <m:num>
+                        <m:r>
+                          <a:rPr lang="nl-NL" b="0" i="1" smtClean="0">
+                            <a:latin typeface="Cambria Math" panose="02040503050406030204" pitchFamily="18" charset="0"/>
+                            <a:sym typeface="Wingdings" panose="05000000000000000000" pitchFamily="2" charset="2"/>
+                          </a:rPr>
+                          <m:t>1</m:t>
+                        </m:r>
+                      </m:num>
+                      <m:den>
+                        <m:r>
+                          <a:rPr lang="nl-NL" b="0" i="1" smtClean="0">
+                            <a:latin typeface="Cambria Math" panose="02040503050406030204" pitchFamily="18" charset="0"/>
+                            <a:sym typeface="Wingdings" panose="05000000000000000000" pitchFamily="2" charset="2"/>
+                          </a:rPr>
+                          <m:t>2</m:t>
+                        </m:r>
+                      </m:den>
+                    </m:f>
+                    <m:sSub>
+                      <m:sSubPr>
+                        <m:ctrlPr>
+                          <a:rPr lang="nl-NL" b="0" i="1" smtClean="0">
+                            <a:latin typeface="Cambria Math" panose="02040503050406030204" pitchFamily="18" charset="0"/>
+                            <a:sym typeface="Wingdings" panose="05000000000000000000" pitchFamily="2" charset="2"/>
+                          </a:rPr>
+                        </m:ctrlPr>
+                      </m:sSubPr>
+                      <m:e>
+                        <m:r>
+                          <a:rPr lang="nl-NL" b="0" i="1" smtClean="0">
+                            <a:latin typeface="Cambria Math" panose="02040503050406030204" pitchFamily="18" charset="0"/>
+                            <a:sym typeface="Wingdings" panose="05000000000000000000" pitchFamily="2" charset="2"/>
+                          </a:rPr>
+                          <m:t>𝐶</m:t>
+                        </m:r>
+                      </m:e>
+                      <m:sub>
+                        <m:r>
+                          <a:rPr lang="nl-NL" b="0" i="1" smtClean="0">
+                            <a:latin typeface="Cambria Math" panose="02040503050406030204" pitchFamily="18" charset="0"/>
+                            <a:sym typeface="Wingdings" panose="05000000000000000000" pitchFamily="2" charset="2"/>
+                          </a:rPr>
+                          <m:t>𝐷</m:t>
+                        </m:r>
+                      </m:sub>
+                    </m:sSub>
+                    <m:r>
+                      <a:rPr lang="nl-NL" b="0" i="1" smtClean="0">
+                        <a:latin typeface="Cambria Math" panose="02040503050406030204" pitchFamily="18" charset="0"/>
+                        <a:ea typeface="Cambria Math" panose="02040503050406030204" pitchFamily="18" charset="0"/>
+                        <a:sym typeface="Wingdings" panose="05000000000000000000" pitchFamily="2" charset="2"/>
+                      </a:rPr>
+                      <m:t>𝜌</m:t>
+                    </m:r>
+                    <m:r>
+                      <a:rPr lang="nl-NL" b="0" i="1" smtClean="0">
+                        <a:latin typeface="Cambria Math" panose="02040503050406030204" pitchFamily="18" charset="0"/>
+                        <a:ea typeface="Cambria Math" panose="02040503050406030204" pitchFamily="18" charset="0"/>
+                        <a:sym typeface="Wingdings" panose="05000000000000000000" pitchFamily="2" charset="2"/>
+                      </a:rPr>
+                      <m:t>𝐴</m:t>
+                    </m:r>
+                    <m:sSup>
+                      <m:sSupPr>
+                        <m:ctrlPr>
+                          <a:rPr lang="nl-NL" b="0" i="1" smtClean="0">
+                            <a:latin typeface="Cambria Math" panose="02040503050406030204" pitchFamily="18" charset="0"/>
+                            <a:ea typeface="Cambria Math" panose="02040503050406030204" pitchFamily="18" charset="0"/>
+                            <a:sym typeface="Wingdings" panose="05000000000000000000" pitchFamily="2" charset="2"/>
+                          </a:rPr>
+                        </m:ctrlPr>
+                      </m:sSupPr>
+                      <m:e>
+                        <m:acc>
+                          <m:accPr>
+                            <m:chr m:val="̇"/>
+                            <m:ctrlPr>
+                              <a:rPr lang="nl-NL" b="0" i="1" smtClean="0">
+                                <a:latin typeface="Cambria Math" panose="02040503050406030204" pitchFamily="18" charset="0"/>
+                                <a:ea typeface="Cambria Math" panose="02040503050406030204" pitchFamily="18" charset="0"/>
+                                <a:sym typeface="Wingdings" panose="05000000000000000000" pitchFamily="2" charset="2"/>
+                              </a:rPr>
+                            </m:ctrlPr>
+                          </m:accPr>
+                          <m:e>
+                            <m:r>
+                              <a:rPr lang="nl-NL" b="0" i="1" smtClean="0">
+                                <a:latin typeface="Cambria Math" panose="02040503050406030204" pitchFamily="18" charset="0"/>
+                                <a:ea typeface="Cambria Math" panose="02040503050406030204" pitchFamily="18" charset="0"/>
+                                <a:sym typeface="Wingdings" panose="05000000000000000000" pitchFamily="2" charset="2"/>
+                              </a:rPr>
+                              <m:t>𝑥</m:t>
+                            </m:r>
+                          </m:e>
+                        </m:acc>
+                      </m:e>
+                      <m:sup>
+                        <m:r>
+                          <a:rPr lang="nl-NL" b="0" i="1" smtClean="0">
+                            <a:latin typeface="Cambria Math" panose="02040503050406030204" pitchFamily="18" charset="0"/>
+                            <a:ea typeface="Cambria Math" panose="02040503050406030204" pitchFamily="18" charset="0"/>
+                            <a:sym typeface="Wingdings" panose="05000000000000000000" pitchFamily="2" charset="2"/>
+                          </a:rPr>
+                          <m:t>2</m:t>
+                        </m:r>
+                      </m:sup>
+                    </m:sSup>
+                  </m:oMath>
+                </a14:m>
+                <a:endParaRPr lang="en-GB" dirty="0"/>
+              </a:p>
+              <a:p>
+                <a:pPr marL="0" indent="0">
+                  <a:lnSpc>
+                    <a:spcPct val="100000"/>
+                  </a:lnSpc>
+                  <a:spcBef>
+                    <a:spcPts val="0"/>
+                  </a:spcBef>
+                  <a:spcAft>
+                    <a:spcPts val="0"/>
+                  </a:spcAft>
+                  <a:buNone/>
+                </a:pPr>
+                <a:r>
+                  <a:rPr lang="en-GB" dirty="0"/>
+                  <a:t>				</a:t>
+                </a:r>
+                <a14:m>
+                  <m:oMath xmlns:m="http://schemas.openxmlformats.org/officeDocument/2006/math">
+                    <m:r>
+                      <a:rPr lang="nl-NL" b="0" i="1" smtClean="0">
+                        <a:latin typeface="Cambria Math" panose="02040503050406030204" pitchFamily="18" charset="0"/>
+                      </a:rPr>
+                      <m:t>𝑎</m:t>
+                    </m:r>
+                    <m:r>
+                      <a:rPr lang="nl-NL" b="0" i="1" smtClean="0">
+                        <a:latin typeface="Cambria Math" panose="02040503050406030204" pitchFamily="18" charset="0"/>
+                      </a:rPr>
+                      <m:t>=−</m:t>
+                    </m:r>
+                    <m:f>
+                      <m:fPr>
+                        <m:ctrlPr>
+                          <a:rPr lang="nl-NL" b="0" i="1" smtClean="0">
+                            <a:latin typeface="Cambria Math" panose="02040503050406030204" pitchFamily="18" charset="0"/>
+                          </a:rPr>
+                        </m:ctrlPr>
+                      </m:fPr>
+                      <m:num>
+                        <m:sSub>
+                          <m:sSubPr>
+                            <m:ctrlPr>
+                              <a:rPr lang="nl-NL" b="0" i="1" smtClean="0">
+                                <a:latin typeface="Cambria Math" panose="02040503050406030204" pitchFamily="18" charset="0"/>
+                              </a:rPr>
+                            </m:ctrlPr>
+                          </m:sSubPr>
+                          <m:e>
+                            <m:r>
+                              <a:rPr lang="nl-NL" b="0" i="1" smtClean="0">
+                                <a:latin typeface="Cambria Math" panose="02040503050406030204" pitchFamily="18" charset="0"/>
+                              </a:rPr>
+                              <m:t>𝐶</m:t>
+                            </m:r>
+                          </m:e>
+                          <m:sub>
+                            <m:r>
+                              <a:rPr lang="nl-NL" b="0" i="1" smtClean="0">
+                                <a:latin typeface="Cambria Math" panose="02040503050406030204" pitchFamily="18" charset="0"/>
+                              </a:rPr>
+                              <m:t>𝐷</m:t>
+                            </m:r>
+                          </m:sub>
+                        </m:sSub>
+                        <m:r>
+                          <a:rPr lang="nl-NL" b="0" i="1" smtClean="0">
+                            <a:latin typeface="Cambria Math" panose="02040503050406030204" pitchFamily="18" charset="0"/>
+                            <a:ea typeface="Cambria Math" panose="02040503050406030204" pitchFamily="18" charset="0"/>
+                          </a:rPr>
+                          <m:t>𝜌</m:t>
+                        </m:r>
+                        <m:r>
+                          <a:rPr lang="nl-NL" b="0" i="1" smtClean="0">
+                            <a:latin typeface="Cambria Math" panose="02040503050406030204" pitchFamily="18" charset="0"/>
+                            <a:ea typeface="Cambria Math" panose="02040503050406030204" pitchFamily="18" charset="0"/>
+                          </a:rPr>
+                          <m:t>𝐴</m:t>
+                        </m:r>
+                        <m:sSup>
+                          <m:sSupPr>
+                            <m:ctrlPr>
+                              <a:rPr lang="nl-NL" b="0" i="1" smtClean="0">
+                                <a:latin typeface="Cambria Math" panose="02040503050406030204" pitchFamily="18" charset="0"/>
+                                <a:ea typeface="Cambria Math" panose="02040503050406030204" pitchFamily="18" charset="0"/>
+                              </a:rPr>
+                            </m:ctrlPr>
+                          </m:sSupPr>
+                          <m:e>
+                            <m:acc>
+                              <m:accPr>
+                                <m:chr m:val="̇"/>
+                                <m:ctrlPr>
+                                  <a:rPr lang="nl-NL" i="1">
+                                    <a:latin typeface="Cambria Math" panose="02040503050406030204" pitchFamily="18" charset="0"/>
+                                    <a:ea typeface="Cambria Math" panose="02040503050406030204" pitchFamily="18" charset="0"/>
+                                    <a:sym typeface="Wingdings" panose="05000000000000000000" pitchFamily="2" charset="2"/>
+                                  </a:rPr>
+                                </m:ctrlPr>
+                              </m:accPr>
+                              <m:e>
+                                <m:r>
+                                  <a:rPr lang="nl-NL" i="1">
+                                    <a:latin typeface="Cambria Math" panose="02040503050406030204" pitchFamily="18" charset="0"/>
+                                    <a:ea typeface="Cambria Math" panose="02040503050406030204" pitchFamily="18" charset="0"/>
+                                    <a:sym typeface="Wingdings" panose="05000000000000000000" pitchFamily="2" charset="2"/>
+                                  </a:rPr>
+                                  <m:t>𝑥</m:t>
+                                </m:r>
+                              </m:e>
+                            </m:acc>
+                          </m:e>
+                          <m:sup>
+                            <m:r>
+                              <a:rPr lang="nl-NL" b="0" i="1" smtClean="0">
+                                <a:latin typeface="Cambria Math" panose="02040503050406030204" pitchFamily="18" charset="0"/>
+                                <a:ea typeface="Cambria Math" panose="02040503050406030204" pitchFamily="18" charset="0"/>
+                              </a:rPr>
+                              <m:t>2</m:t>
+                            </m:r>
+                          </m:sup>
+                        </m:sSup>
+                      </m:num>
+                      <m:den>
+                        <m:r>
+                          <a:rPr lang="nl-NL" b="0" i="1" smtClean="0">
+                            <a:latin typeface="Cambria Math" panose="02040503050406030204" pitchFamily="18" charset="0"/>
+                          </a:rPr>
+                          <m:t>2</m:t>
+                        </m:r>
+                        <m:r>
+                          <a:rPr lang="nl-NL" b="0" i="1" smtClean="0">
+                            <a:latin typeface="Cambria Math" panose="02040503050406030204" pitchFamily="18" charset="0"/>
+                          </a:rPr>
+                          <m:t>𝑚</m:t>
+                        </m:r>
+                      </m:den>
+                    </m:f>
+                  </m:oMath>
+                </a14:m>
+                <a:r>
+                  <a:rPr lang="en-GB" dirty="0"/>
+                  <a:t> </a:t>
+                </a:r>
+              </a:p>
+              <a:p>
+                <a:pPr marL="0" indent="0">
+                  <a:lnSpc>
+                    <a:spcPct val="100000"/>
+                  </a:lnSpc>
+                  <a:spcBef>
+                    <a:spcPts val="0"/>
+                  </a:spcBef>
+                  <a:spcAft>
+                    <a:spcPts val="0"/>
+                  </a:spcAft>
+                  <a:buNone/>
+                </a:pPr>
+                <a:r>
+                  <a:rPr lang="en-GB" dirty="0"/>
+                  <a:t>			</a:t>
+                </a:r>
+                <a:r>
+                  <a:rPr lang="en-GB" dirty="0">
+                    <a:sym typeface="Wingdings" panose="05000000000000000000" pitchFamily="2" charset="2"/>
+                  </a:rPr>
+                  <a:t>	</a:t>
+                </a:r>
+                <a14:m>
+                  <m:oMath xmlns:m="http://schemas.openxmlformats.org/officeDocument/2006/math">
+                    <m:r>
+                      <a:rPr lang="nl-NL" i="1">
+                        <a:latin typeface="Cambria Math" panose="02040503050406030204" pitchFamily="18" charset="0"/>
+                      </a:rPr>
+                      <m:t>𝑎</m:t>
+                    </m:r>
+                    <m:r>
+                      <a:rPr lang="nl-NL" i="1">
+                        <a:latin typeface="Cambria Math" panose="02040503050406030204" pitchFamily="18" charset="0"/>
+                      </a:rPr>
+                      <m:t>=−</m:t>
+                    </m:r>
+                    <m:f>
+                      <m:fPr>
+                        <m:ctrlPr>
+                          <a:rPr lang="nl-NL" i="1">
+                            <a:latin typeface="Cambria Math" panose="02040503050406030204" pitchFamily="18" charset="0"/>
+                          </a:rPr>
+                        </m:ctrlPr>
+                      </m:fPr>
+                      <m:num>
+                        <m:sSub>
+                          <m:sSubPr>
+                            <m:ctrlPr>
+                              <a:rPr lang="nl-NL" i="1">
+                                <a:latin typeface="Cambria Math" panose="02040503050406030204" pitchFamily="18" charset="0"/>
+                              </a:rPr>
+                            </m:ctrlPr>
+                          </m:sSubPr>
+                          <m:e>
+                            <m:r>
+                              <a:rPr lang="nl-NL" i="1">
+                                <a:latin typeface="Cambria Math" panose="02040503050406030204" pitchFamily="18" charset="0"/>
+                              </a:rPr>
+                              <m:t>𝐶</m:t>
+                            </m:r>
+                          </m:e>
+                          <m:sub>
+                            <m:r>
+                              <a:rPr lang="nl-NL" i="1">
+                                <a:latin typeface="Cambria Math" panose="02040503050406030204" pitchFamily="18" charset="0"/>
+                              </a:rPr>
+                              <m:t>𝐷</m:t>
+                            </m:r>
+                          </m:sub>
+                        </m:sSub>
+                        <m:r>
+                          <a:rPr lang="nl-NL" i="1">
+                            <a:latin typeface="Cambria Math" panose="02040503050406030204" pitchFamily="18" charset="0"/>
+                            <a:ea typeface="Cambria Math" panose="02040503050406030204" pitchFamily="18" charset="0"/>
+                          </a:rPr>
+                          <m:t>𝜌</m:t>
+                        </m:r>
+                        <m:r>
+                          <a:rPr lang="nl-NL" i="1">
+                            <a:latin typeface="Cambria Math" panose="02040503050406030204" pitchFamily="18" charset="0"/>
+                            <a:ea typeface="Cambria Math" panose="02040503050406030204" pitchFamily="18" charset="0"/>
+                          </a:rPr>
+                          <m:t>𝐴</m:t>
+                        </m:r>
+                        <m:sSup>
+                          <m:sSupPr>
+                            <m:ctrlPr>
+                              <a:rPr lang="nl-NL" i="1">
+                                <a:latin typeface="Cambria Math" panose="02040503050406030204" pitchFamily="18" charset="0"/>
+                                <a:ea typeface="Cambria Math" panose="02040503050406030204" pitchFamily="18" charset="0"/>
+                              </a:rPr>
+                            </m:ctrlPr>
+                          </m:sSupPr>
+                          <m:e>
+                            <m:acc>
+                              <m:accPr>
+                                <m:chr m:val="̇"/>
+                                <m:ctrlPr>
+                                  <a:rPr lang="nl-NL" i="1" smtClean="0">
+                                    <a:latin typeface="Cambria Math" panose="02040503050406030204" pitchFamily="18" charset="0"/>
+                                    <a:ea typeface="Cambria Math" panose="02040503050406030204" pitchFamily="18" charset="0"/>
+                                    <a:sym typeface="Wingdings" panose="05000000000000000000" pitchFamily="2" charset="2"/>
+                                  </a:rPr>
+                                </m:ctrlPr>
+                              </m:accPr>
+                              <m:e>
+                                <m:r>
+                                  <a:rPr lang="nl-NL" b="0" i="1" smtClean="0">
+                                    <a:latin typeface="Cambria Math" panose="02040503050406030204" pitchFamily="18" charset="0"/>
+                                    <a:ea typeface="Cambria Math" panose="02040503050406030204" pitchFamily="18" charset="0"/>
+                                    <a:sym typeface="Wingdings" panose="05000000000000000000" pitchFamily="2" charset="2"/>
+                                  </a:rPr>
+                                  <m:t>𝑦</m:t>
+                                </m:r>
+                              </m:e>
+                            </m:acc>
+                          </m:e>
+                          <m:sup>
+                            <m:r>
+                              <a:rPr lang="nl-NL" i="1">
+                                <a:latin typeface="Cambria Math" panose="02040503050406030204" pitchFamily="18" charset="0"/>
+                                <a:ea typeface="Cambria Math" panose="02040503050406030204" pitchFamily="18" charset="0"/>
+                              </a:rPr>
+                              <m:t>2</m:t>
+                            </m:r>
+                          </m:sup>
+                        </m:sSup>
+                      </m:num>
+                      <m:den>
+                        <m:r>
+                          <a:rPr lang="nl-NL" i="1">
+                            <a:latin typeface="Cambria Math" panose="02040503050406030204" pitchFamily="18" charset="0"/>
+                          </a:rPr>
+                          <m:t>2</m:t>
+                        </m:r>
+                        <m:r>
+                          <a:rPr lang="nl-NL" i="1">
+                            <a:latin typeface="Cambria Math" panose="02040503050406030204" pitchFamily="18" charset="0"/>
+                          </a:rPr>
+                          <m:t>𝑚</m:t>
+                        </m:r>
+                      </m:den>
+                    </m:f>
+                  </m:oMath>
+                </a14:m>
+                <a:endParaRPr lang="en-GB" dirty="0"/>
+              </a:p>
+              <a:p>
+                <a:pPr marL="0" indent="0">
+                  <a:lnSpc>
+                    <a:spcPct val="100000"/>
+                  </a:lnSpc>
+                  <a:spcBef>
+                    <a:spcPts val="0"/>
+                  </a:spcBef>
+                  <a:spcAft>
+                    <a:spcPts val="0"/>
+                  </a:spcAft>
+                  <a:buNone/>
+                </a:pPr>
+                <a:r>
+                  <a:rPr lang="en-GB" dirty="0"/>
+                  <a:t>In the vertical direction:</a:t>
+                </a:r>
+              </a:p>
+              <a:p>
+                <a:pPr marL="0" indent="0">
+                  <a:lnSpc>
+                    <a:spcPct val="100000"/>
+                  </a:lnSpc>
+                  <a:spcBef>
+                    <a:spcPts val="0"/>
+                  </a:spcBef>
+                  <a:spcAft>
+                    <a:spcPts val="0"/>
+                  </a:spcAft>
+                  <a:buNone/>
+                </a:pPr>
+                <a:r>
+                  <a:rPr lang="en-GB" dirty="0"/>
+                  <a:t>	 </a:t>
+                </a:r>
+                <a14:m>
+                  <m:oMath xmlns:m="http://schemas.openxmlformats.org/officeDocument/2006/math">
+                    <m:sSub>
+                      <m:sSubPr>
+                        <m:ctrlPr>
+                          <a:rPr lang="en-GB" i="1">
+                            <a:latin typeface="Cambria Math" panose="02040503050406030204" pitchFamily="18" charset="0"/>
+                          </a:rPr>
+                        </m:ctrlPr>
+                      </m:sSubPr>
+                      <m:e>
+                        <m:r>
+                          <a:rPr lang="nl-NL" i="1">
+                            <a:latin typeface="Cambria Math" panose="02040503050406030204" pitchFamily="18" charset="0"/>
+                          </a:rPr>
+                          <m:t>𝐹</m:t>
+                        </m:r>
+                      </m:e>
+                      <m:sub>
+                        <m:r>
+                          <a:rPr lang="nl-NL" i="1">
+                            <a:latin typeface="Cambria Math" panose="02040503050406030204" pitchFamily="18" charset="0"/>
+                          </a:rPr>
+                          <m:t>𝑛𝑒𝑡</m:t>
+                        </m:r>
+                      </m:sub>
+                    </m:sSub>
+                    <m:r>
+                      <a:rPr lang="nl-NL" i="1">
+                        <a:latin typeface="Cambria Math" panose="02040503050406030204" pitchFamily="18" charset="0"/>
+                      </a:rPr>
+                      <m:t>=</m:t>
+                    </m:r>
+                    <m:r>
+                      <a:rPr lang="nl-NL" b="0" i="1" smtClean="0">
+                        <a:latin typeface="Cambria Math" panose="02040503050406030204" pitchFamily="18" charset="0"/>
+                      </a:rPr>
+                      <m:t>−</m:t>
+                    </m:r>
+                    <m:sSub>
+                      <m:sSubPr>
+                        <m:ctrlPr>
+                          <a:rPr lang="nl-NL" b="0" i="1" smtClean="0">
+                            <a:latin typeface="Cambria Math" panose="02040503050406030204" pitchFamily="18" charset="0"/>
+                          </a:rPr>
+                        </m:ctrlPr>
+                      </m:sSubPr>
+                      <m:e>
+                        <m:r>
+                          <a:rPr lang="nl-NL" b="0" i="1" smtClean="0">
+                            <a:latin typeface="Cambria Math" panose="02040503050406030204" pitchFamily="18" charset="0"/>
+                          </a:rPr>
+                          <m:t>𝐹</m:t>
+                        </m:r>
+                      </m:e>
+                      <m:sub>
+                        <m:r>
+                          <a:rPr lang="nl-NL" b="0" i="1" smtClean="0">
+                            <a:latin typeface="Cambria Math" panose="02040503050406030204" pitchFamily="18" charset="0"/>
+                          </a:rPr>
+                          <m:t>𝑔</m:t>
+                        </m:r>
+                      </m:sub>
+                    </m:sSub>
+                    <m:r>
+                      <a:rPr lang="nl-NL" i="1">
+                        <a:latin typeface="Cambria Math" panose="02040503050406030204" pitchFamily="18" charset="0"/>
+                      </a:rPr>
+                      <m:t>−</m:t>
+                    </m:r>
+                    <m:sSub>
+                      <m:sSubPr>
+                        <m:ctrlPr>
+                          <a:rPr lang="nl-NL" i="1">
+                            <a:latin typeface="Cambria Math" panose="02040503050406030204" pitchFamily="18" charset="0"/>
+                          </a:rPr>
+                        </m:ctrlPr>
+                      </m:sSubPr>
+                      <m:e>
+                        <m:r>
+                          <a:rPr lang="nl-NL" i="1">
+                            <a:latin typeface="Cambria Math" panose="02040503050406030204" pitchFamily="18" charset="0"/>
+                          </a:rPr>
+                          <m:t>𝐹</m:t>
+                        </m:r>
+                      </m:e>
+                      <m:sub>
+                        <m:r>
+                          <a:rPr lang="nl-NL" i="1">
+                            <a:latin typeface="Cambria Math" panose="02040503050406030204" pitchFamily="18" charset="0"/>
+                          </a:rPr>
+                          <m:t>𝐷</m:t>
+                        </m:r>
+                      </m:sub>
+                    </m:sSub>
+                  </m:oMath>
+                </a14:m>
+                <a:r>
+                  <a:rPr lang="en-GB" dirty="0"/>
+                  <a:t>	</a:t>
+                </a:r>
+                <a:r>
+                  <a:rPr lang="en-GB" dirty="0">
+                    <a:sym typeface="Wingdings" panose="05000000000000000000" pitchFamily="2" charset="2"/>
+                  </a:rPr>
+                  <a:t>	</a:t>
+                </a:r>
+                <a14:m>
+                  <m:oMath xmlns:m="http://schemas.openxmlformats.org/officeDocument/2006/math">
+                    <m:r>
+                      <a:rPr lang="nl-NL" i="1">
+                        <a:latin typeface="Cambria Math" panose="02040503050406030204" pitchFamily="18" charset="0"/>
+                        <a:sym typeface="Wingdings" panose="05000000000000000000" pitchFamily="2" charset="2"/>
+                      </a:rPr>
+                      <m:t>𝑚𝑎</m:t>
+                    </m:r>
+                    <m:r>
+                      <a:rPr lang="nl-NL" i="1">
+                        <a:latin typeface="Cambria Math" panose="02040503050406030204" pitchFamily="18" charset="0"/>
+                        <a:sym typeface="Wingdings" panose="05000000000000000000" pitchFamily="2" charset="2"/>
+                      </a:rPr>
+                      <m:t>=−</m:t>
+                    </m:r>
+                    <m:r>
+                      <a:rPr lang="nl-NL" i="1">
+                        <a:latin typeface="Cambria Math" panose="02040503050406030204" pitchFamily="18" charset="0"/>
+                        <a:sym typeface="Wingdings" panose="05000000000000000000" pitchFamily="2" charset="2"/>
+                      </a:rPr>
+                      <m:t>𝑚𝑔</m:t>
+                    </m:r>
+                    <m:r>
+                      <a:rPr lang="nl-NL" i="1">
+                        <a:latin typeface="Cambria Math" panose="02040503050406030204" pitchFamily="18" charset="0"/>
+                        <a:sym typeface="Wingdings" panose="05000000000000000000" pitchFamily="2" charset="2"/>
+                      </a:rPr>
+                      <m:t> −</m:t>
+                    </m:r>
+                    <m:f>
+                      <m:fPr>
+                        <m:ctrlPr>
+                          <a:rPr lang="nl-NL" i="1">
+                            <a:latin typeface="Cambria Math" panose="02040503050406030204" pitchFamily="18" charset="0"/>
+                            <a:sym typeface="Wingdings" panose="05000000000000000000" pitchFamily="2" charset="2"/>
+                          </a:rPr>
+                        </m:ctrlPr>
+                      </m:fPr>
+                      <m:num>
+                        <m:r>
+                          <a:rPr lang="nl-NL" i="1">
+                            <a:latin typeface="Cambria Math" panose="02040503050406030204" pitchFamily="18" charset="0"/>
+                            <a:sym typeface="Wingdings" panose="05000000000000000000" pitchFamily="2" charset="2"/>
+                          </a:rPr>
+                          <m:t>1</m:t>
+                        </m:r>
+                      </m:num>
+                      <m:den>
+                        <m:r>
+                          <a:rPr lang="nl-NL" i="1">
+                            <a:latin typeface="Cambria Math" panose="02040503050406030204" pitchFamily="18" charset="0"/>
+                            <a:sym typeface="Wingdings" panose="05000000000000000000" pitchFamily="2" charset="2"/>
+                          </a:rPr>
+                          <m:t>2</m:t>
+                        </m:r>
+                      </m:den>
+                    </m:f>
+                    <m:sSub>
+                      <m:sSubPr>
+                        <m:ctrlPr>
+                          <a:rPr lang="nl-NL" i="1">
+                            <a:latin typeface="Cambria Math" panose="02040503050406030204" pitchFamily="18" charset="0"/>
+                            <a:sym typeface="Wingdings" panose="05000000000000000000" pitchFamily="2" charset="2"/>
+                          </a:rPr>
+                        </m:ctrlPr>
+                      </m:sSubPr>
+                      <m:e>
+                        <m:r>
+                          <a:rPr lang="nl-NL" i="1">
+                            <a:latin typeface="Cambria Math" panose="02040503050406030204" pitchFamily="18" charset="0"/>
+                            <a:sym typeface="Wingdings" panose="05000000000000000000" pitchFamily="2" charset="2"/>
+                          </a:rPr>
+                          <m:t>𝐶</m:t>
+                        </m:r>
+                      </m:e>
+                      <m:sub>
+                        <m:r>
+                          <a:rPr lang="nl-NL" i="1">
+                            <a:latin typeface="Cambria Math" panose="02040503050406030204" pitchFamily="18" charset="0"/>
+                            <a:sym typeface="Wingdings" panose="05000000000000000000" pitchFamily="2" charset="2"/>
+                          </a:rPr>
+                          <m:t>𝐷</m:t>
+                        </m:r>
+                      </m:sub>
+                    </m:sSub>
+                    <m:r>
+                      <a:rPr lang="nl-NL" i="1">
+                        <a:latin typeface="Cambria Math" panose="02040503050406030204" pitchFamily="18" charset="0"/>
+                        <a:ea typeface="Cambria Math" panose="02040503050406030204" pitchFamily="18" charset="0"/>
+                        <a:sym typeface="Wingdings" panose="05000000000000000000" pitchFamily="2" charset="2"/>
+                      </a:rPr>
+                      <m:t>𝜌</m:t>
+                    </m:r>
+                    <m:r>
+                      <a:rPr lang="nl-NL" i="1">
+                        <a:latin typeface="Cambria Math" panose="02040503050406030204" pitchFamily="18" charset="0"/>
+                        <a:ea typeface="Cambria Math" panose="02040503050406030204" pitchFamily="18" charset="0"/>
+                        <a:sym typeface="Wingdings" panose="05000000000000000000" pitchFamily="2" charset="2"/>
+                      </a:rPr>
+                      <m:t>𝐴</m:t>
+                    </m:r>
+                    <m:sSup>
+                      <m:sSupPr>
+                        <m:ctrlPr>
+                          <a:rPr lang="nl-NL" i="1">
+                            <a:latin typeface="Cambria Math" panose="02040503050406030204" pitchFamily="18" charset="0"/>
+                            <a:ea typeface="Cambria Math" panose="02040503050406030204" pitchFamily="18" charset="0"/>
+                            <a:sym typeface="Wingdings" panose="05000000000000000000" pitchFamily="2" charset="2"/>
+                          </a:rPr>
+                        </m:ctrlPr>
+                      </m:sSupPr>
+                      <m:e>
+                        <m:r>
+                          <a:rPr lang="nl-NL" i="1">
+                            <a:latin typeface="Cambria Math" panose="02040503050406030204" pitchFamily="18" charset="0"/>
+                            <a:ea typeface="Cambria Math" panose="02040503050406030204" pitchFamily="18" charset="0"/>
+                            <a:sym typeface="Wingdings" panose="05000000000000000000" pitchFamily="2" charset="2"/>
+                          </a:rPr>
+                          <m:t>𝑣</m:t>
+                        </m:r>
+                      </m:e>
+                      <m:sup>
+                        <m:r>
+                          <a:rPr lang="nl-NL" i="1">
+                            <a:latin typeface="Cambria Math" panose="02040503050406030204" pitchFamily="18" charset="0"/>
+                            <a:ea typeface="Cambria Math" panose="02040503050406030204" pitchFamily="18" charset="0"/>
+                            <a:sym typeface="Wingdings" panose="05000000000000000000" pitchFamily="2" charset="2"/>
+                          </a:rPr>
+                          <m:t>2</m:t>
+                        </m:r>
+                      </m:sup>
+                    </m:sSup>
+                  </m:oMath>
+                </a14:m>
+                <a:endParaRPr lang="en-GB" dirty="0"/>
+              </a:p>
+              <a:p>
+                <a:pPr marL="0" indent="0">
+                  <a:lnSpc>
+                    <a:spcPct val="100000"/>
+                  </a:lnSpc>
+                  <a:spcBef>
+                    <a:spcPts val="0"/>
+                  </a:spcBef>
+                  <a:spcAft>
+                    <a:spcPts val="0"/>
+                  </a:spcAft>
+                  <a:buNone/>
+                </a:pPr>
+                <a:r>
+                  <a:rPr lang="en-GB" dirty="0"/>
+                  <a:t>				</a:t>
+                </a:r>
+                <a:r>
+                  <a:rPr lang="nl-NL" dirty="0"/>
+                  <a:t> </a:t>
+                </a:r>
+                <a14:m>
+                  <m:oMath xmlns:m="http://schemas.openxmlformats.org/officeDocument/2006/math">
+                    <m:r>
+                      <a:rPr lang="nl-NL" i="1">
+                        <a:latin typeface="Cambria Math" panose="02040503050406030204" pitchFamily="18" charset="0"/>
+                      </a:rPr>
+                      <m:t>𝑎</m:t>
+                    </m:r>
+                    <m:r>
+                      <a:rPr lang="nl-NL" i="1">
+                        <a:latin typeface="Cambria Math" panose="02040503050406030204" pitchFamily="18" charset="0"/>
+                      </a:rPr>
+                      <m:t>=−</m:t>
+                    </m:r>
+                    <m:r>
+                      <a:rPr lang="nl-NL" i="1">
+                        <a:latin typeface="Cambria Math" panose="02040503050406030204" pitchFamily="18" charset="0"/>
+                      </a:rPr>
+                      <m:t>𝑔</m:t>
+                    </m:r>
+                    <m:r>
+                      <a:rPr lang="nl-NL" i="1">
+                        <a:latin typeface="Cambria Math" panose="02040503050406030204" pitchFamily="18" charset="0"/>
+                      </a:rPr>
+                      <m:t>−</m:t>
+                    </m:r>
+                    <m:f>
+                      <m:fPr>
+                        <m:ctrlPr>
+                          <a:rPr lang="nl-NL" i="1">
+                            <a:latin typeface="Cambria Math" panose="02040503050406030204" pitchFamily="18" charset="0"/>
+                          </a:rPr>
+                        </m:ctrlPr>
+                      </m:fPr>
+                      <m:num>
+                        <m:sSub>
+                          <m:sSubPr>
+                            <m:ctrlPr>
+                              <a:rPr lang="nl-NL" i="1">
+                                <a:latin typeface="Cambria Math" panose="02040503050406030204" pitchFamily="18" charset="0"/>
+                              </a:rPr>
+                            </m:ctrlPr>
+                          </m:sSubPr>
+                          <m:e>
+                            <m:r>
+                              <a:rPr lang="nl-NL" i="1">
+                                <a:latin typeface="Cambria Math" panose="02040503050406030204" pitchFamily="18" charset="0"/>
+                              </a:rPr>
+                              <m:t>𝐶</m:t>
+                            </m:r>
+                          </m:e>
+                          <m:sub>
+                            <m:r>
+                              <a:rPr lang="nl-NL" i="1">
+                                <a:latin typeface="Cambria Math" panose="02040503050406030204" pitchFamily="18" charset="0"/>
+                              </a:rPr>
+                              <m:t>𝐷</m:t>
+                            </m:r>
+                          </m:sub>
+                        </m:sSub>
+                        <m:r>
+                          <a:rPr lang="nl-NL" i="1">
+                            <a:latin typeface="Cambria Math" panose="02040503050406030204" pitchFamily="18" charset="0"/>
+                            <a:ea typeface="Cambria Math" panose="02040503050406030204" pitchFamily="18" charset="0"/>
+                          </a:rPr>
+                          <m:t>𝜌</m:t>
+                        </m:r>
+                        <m:r>
+                          <a:rPr lang="nl-NL" i="1">
+                            <a:latin typeface="Cambria Math" panose="02040503050406030204" pitchFamily="18" charset="0"/>
+                            <a:ea typeface="Cambria Math" panose="02040503050406030204" pitchFamily="18" charset="0"/>
+                          </a:rPr>
+                          <m:t>𝐴</m:t>
+                        </m:r>
+                        <m:sSup>
+                          <m:sSupPr>
+                            <m:ctrlPr>
+                              <a:rPr lang="nl-NL" i="1">
+                                <a:latin typeface="Cambria Math" panose="02040503050406030204" pitchFamily="18" charset="0"/>
+                                <a:ea typeface="Cambria Math" panose="02040503050406030204" pitchFamily="18" charset="0"/>
+                              </a:rPr>
+                            </m:ctrlPr>
+                          </m:sSupPr>
+                          <m:e>
+                            <m:acc>
+                              <m:accPr>
+                                <m:chr m:val="̇"/>
+                                <m:ctrlPr>
+                                  <a:rPr lang="nl-NL" i="1">
+                                    <a:latin typeface="Cambria Math" panose="02040503050406030204" pitchFamily="18" charset="0"/>
+                                    <a:ea typeface="Cambria Math" panose="02040503050406030204" pitchFamily="18" charset="0"/>
+                                    <a:sym typeface="Wingdings" panose="05000000000000000000" pitchFamily="2" charset="2"/>
+                                  </a:rPr>
+                                </m:ctrlPr>
+                              </m:accPr>
+                              <m:e>
+                                <m:r>
+                                  <a:rPr lang="nl-NL" i="1">
+                                    <a:latin typeface="Cambria Math" panose="02040503050406030204" pitchFamily="18" charset="0"/>
+                                    <a:ea typeface="Cambria Math" panose="02040503050406030204" pitchFamily="18" charset="0"/>
+                                    <a:sym typeface="Wingdings" panose="05000000000000000000" pitchFamily="2" charset="2"/>
+                                  </a:rPr>
+                                  <m:t>𝑥</m:t>
+                                </m:r>
+                              </m:e>
+                            </m:acc>
+                          </m:e>
+                          <m:sup>
+                            <m:r>
+                              <a:rPr lang="nl-NL" i="1">
+                                <a:latin typeface="Cambria Math" panose="02040503050406030204" pitchFamily="18" charset="0"/>
+                                <a:ea typeface="Cambria Math" panose="02040503050406030204" pitchFamily="18" charset="0"/>
+                              </a:rPr>
+                              <m:t>2</m:t>
+                            </m:r>
+                          </m:sup>
+                        </m:sSup>
+                      </m:num>
+                      <m:den>
+                        <m:r>
+                          <a:rPr lang="nl-NL" i="1">
+                            <a:latin typeface="Cambria Math" panose="02040503050406030204" pitchFamily="18" charset="0"/>
+                          </a:rPr>
+                          <m:t>2</m:t>
+                        </m:r>
+                        <m:r>
+                          <a:rPr lang="nl-NL" i="1">
+                            <a:latin typeface="Cambria Math" panose="02040503050406030204" pitchFamily="18" charset="0"/>
+                          </a:rPr>
+                          <m:t>𝑚</m:t>
+                        </m:r>
+                      </m:den>
+                    </m:f>
+                  </m:oMath>
+                </a14:m>
+                <a:endParaRPr lang="en-GB" dirty="0"/>
+              </a:p>
+            </p:txBody>
+          </p:sp>
+        </mc:Choice>
+        <mc:Fallback>
+          <p:sp>
+            <p:nvSpPr>
+              <p:cNvPr id="3" name="Content Placeholder 2">
+                <a:extLst>
+                  <a:ext uri="{FF2B5EF4-FFF2-40B4-BE49-F238E27FC236}">
+                    <a16:creationId xmlns:a16="http://schemas.microsoft.com/office/drawing/2014/main" id="{295F099C-969E-4E15-AD46-4134B9E94557}"/>
+                  </a:ext>
+                </a:extLst>
+              </p:cNvPr>
+              <p:cNvSpPr>
+                <a:spLocks noGrp="1" noRot="1" noChangeAspect="1" noMove="1" noResize="1" noEditPoints="1" noAdjustHandles="1" noChangeArrowheads="1" noChangeShapeType="1" noTextEdit="1"/>
+              </p:cNvSpPr>
+              <p:nvPr>
+                <p:ph idx="1"/>
+              </p:nvPr>
+            </p:nvSpPr>
+            <p:spPr>
+              <a:blipFill>
+                <a:blip r:embed="rId2"/>
+                <a:stretch>
+                  <a:fillRect l="-1455" t="-972"/>
+                </a:stretch>
+              </a:blipFill>
+            </p:spPr>
+            <p:txBody>
+              <a:bodyPr/>
+              <a:lstStyle/>
+              <a:p>
+                <a:r>
+                  <a:rPr lang="en-GB">
+                    <a:noFill/>
+                  </a:rPr>
+                  <a:t> </a:t>
+                </a:r>
+              </a:p>
+            </p:txBody>
+          </p:sp>
+        </mc:Fallback>
+      </mc:AlternateContent>
     </p:spTree>
     <p:extLst>
       <p:ext uri="{BB962C8B-B14F-4D97-AF65-F5344CB8AC3E}">
-        <p14:creationId xmlns:p14="http://schemas.microsoft.com/office/powerpoint/2010/main" val="3953052098"/>
+        <p14:creationId xmlns:p14="http://schemas.microsoft.com/office/powerpoint/2010/main" val="1684362885"/>
       </p:ext>
     </p:extLst>
   </p:cSld>
@@ -10549,7 +10634,7 @@
           <p:cNvPr id="2" name="Title 1">
             <a:extLst>
               <a:ext uri="{FF2B5EF4-FFF2-40B4-BE49-F238E27FC236}">
-                <a16:creationId xmlns:a16="http://schemas.microsoft.com/office/drawing/2014/main" id="{61523984-7A2E-437D-8CEA-E490D99479EB}"/>
+                <a16:creationId xmlns:a16="http://schemas.microsoft.com/office/drawing/2014/main" id="{ECC9EA66-DA16-8F4D-85C8-7C1A8AA5E8C0}"/>
               </a:ext>
             </a:extLst>
           </p:cNvPr>
@@ -10567,255 +10652,46 @@
           <a:p>
             <a:r>
               <a:rPr lang="en-US" dirty="0"/>
-              <a:t>Flying acceleration</a:t>
-            </a:r>
-            <a:endParaRPr lang="nl-NL" dirty="0"/>
+              <a:t>Precision experiment</a:t>
+            </a:r>
           </a:p>
         </p:txBody>
       </p:sp>
-      <p:sp>
-        <p:nvSpPr>
-          <p:cNvPr id="3" name="Content Placeholder 2">
+      <p:graphicFrame>
+        <p:nvGraphicFramePr>
+          <p:cNvPr id="10" name="Content Placeholder 9">
             <a:extLst>
               <a:ext uri="{FF2B5EF4-FFF2-40B4-BE49-F238E27FC236}">
-                <a16:creationId xmlns:a16="http://schemas.microsoft.com/office/drawing/2014/main" id="{295F099C-969E-4E15-AD46-4134B9E94557}"/>
+                <a16:creationId xmlns:a16="http://schemas.microsoft.com/office/drawing/2014/main" id="{3AEE1C2D-5E0D-4DC5-AAC3-615B534E0A83}"/>
               </a:ext>
             </a:extLst>
           </p:cNvPr>
-          <p:cNvSpPr>
-            <a:spLocks noGrp="1"/>
-          </p:cNvSpPr>
+          <p:cNvGraphicFramePr>
+            <a:graphicFrameLocks noGrp="1"/>
+          </p:cNvGraphicFramePr>
           <p:nvPr>
             <p:ph idx="1"/>
+            <p:extLst>
+              <p:ext uri="{D42A27DB-BD31-4B8C-83A1-F6EECF244321}">
+                <p14:modId xmlns:p14="http://schemas.microsoft.com/office/powerpoint/2010/main" val="3157494902"/>
+              </p:ext>
+            </p:extLst>
           </p:nvPr>
-        </p:nvSpPr>
-        <p:spPr/>
-        <p:txBody>
-          <a:bodyPr/>
-          <a:lstStyle/>
-          <a:p>
-            <a:pPr marL="0" indent="0">
-              <a:lnSpc>
-                <a:spcPct val="100000"/>
-              </a:lnSpc>
-              <a:spcBef>
-                <a:spcPts val="0"/>
-              </a:spcBef>
-              <a:spcAft>
-                <a:spcPts val="0"/>
-              </a:spcAft>
-              <a:buNone/>
-            </a:pPr>
-            <a:r>
-              <a:rPr lang="en-GB" dirty="0"/>
-              <a:t>process(double </a:t>
-            </a:r>
-            <a:r>
-              <a:rPr lang="en-GB" dirty="0" err="1"/>
-              <a:t>deltaTime</a:t>
-            </a:r>
-            <a:r>
-              <a:rPr lang="en-GB" dirty="0"/>
-              <a:t>, (Vector position, Vector velocity))     </a:t>
-            </a:r>
-          </a:p>
-          <a:p>
-            <a:pPr marL="0" indent="0">
-              <a:lnSpc>
-                <a:spcPct val="100000"/>
-              </a:lnSpc>
-              <a:spcBef>
-                <a:spcPts val="0"/>
-              </a:spcBef>
-              <a:spcAft>
-                <a:spcPts val="0"/>
-              </a:spcAft>
-              <a:buNone/>
-            </a:pPr>
-            <a:r>
-              <a:rPr lang="en-GB" dirty="0"/>
-              <a:t>     </a:t>
-            </a:r>
-            <a:r>
-              <a:rPr lang="en-GB" b="1" dirty="0"/>
-              <a:t>FOR</a:t>
-            </a:r>
-            <a:r>
-              <a:rPr lang="en-GB" dirty="0"/>
-              <a:t> time=0 </a:t>
-            </a:r>
-            <a:r>
-              <a:rPr lang="en-GB" b="1" dirty="0"/>
-              <a:t>TO</a:t>
-            </a:r>
-            <a:r>
-              <a:rPr lang="en-GB" dirty="0"/>
-              <a:t> time=</a:t>
-            </a:r>
-            <a:r>
-              <a:rPr lang="en-GB" dirty="0" err="1"/>
-              <a:t>deltaTime</a:t>
-            </a:r>
-            <a:endParaRPr lang="en-GB" dirty="0"/>
-          </a:p>
-          <a:p>
-            <a:pPr marL="0" indent="0">
-              <a:lnSpc>
-                <a:spcPct val="100000"/>
-              </a:lnSpc>
-              <a:spcBef>
-                <a:spcPts val="0"/>
-              </a:spcBef>
-              <a:spcAft>
-                <a:spcPts val="0"/>
-              </a:spcAft>
-              <a:buNone/>
-            </a:pPr>
-            <a:r>
-              <a:rPr lang="en-GB" b="1" dirty="0"/>
-              <a:t>          IF</a:t>
-            </a:r>
-            <a:r>
-              <a:rPr lang="en-GB" dirty="0"/>
-              <a:t> !</a:t>
-            </a:r>
-            <a:r>
-              <a:rPr lang="en-GB" dirty="0" err="1"/>
-              <a:t>isFlying</a:t>
-            </a:r>
-            <a:r>
-              <a:rPr lang="en-GB" dirty="0"/>
-              <a:t>(position)</a:t>
-            </a:r>
-            <a:endParaRPr lang="en-GB" b="1" dirty="0"/>
-          </a:p>
-          <a:p>
-            <a:pPr marL="0" indent="0">
-              <a:lnSpc>
-                <a:spcPct val="100000"/>
-              </a:lnSpc>
-              <a:spcBef>
-                <a:spcPts val="0"/>
-              </a:spcBef>
-              <a:spcAft>
-                <a:spcPts val="0"/>
-              </a:spcAft>
-              <a:buNone/>
-            </a:pPr>
-            <a:r>
-              <a:rPr lang="en-GB" b="1" dirty="0"/>
-              <a:t>          THEN</a:t>
-            </a:r>
-            <a:r>
-              <a:rPr lang="en-GB" dirty="0"/>
-              <a:t> velocity = </a:t>
-            </a:r>
-            <a:r>
-              <a:rPr lang="en-GB" dirty="0" err="1"/>
-              <a:t>redirectVelocity</a:t>
-            </a:r>
-            <a:r>
-              <a:rPr lang="en-GB" dirty="0"/>
-              <a:t>(position, velocity)</a:t>
-            </a:r>
-          </a:p>
-          <a:p>
-            <a:pPr marL="0" indent="0">
-              <a:lnSpc>
-                <a:spcPct val="100000"/>
-              </a:lnSpc>
-              <a:spcBef>
-                <a:spcPts val="0"/>
-              </a:spcBef>
-              <a:spcAft>
-                <a:spcPts val="0"/>
-              </a:spcAft>
-              <a:buNone/>
-            </a:pPr>
-            <a:r>
-              <a:rPr lang="en-GB" dirty="0"/>
-              <a:t>    </a:t>
-            </a:r>
-          </a:p>
-          <a:p>
-            <a:pPr marL="0" indent="0">
-              <a:lnSpc>
-                <a:spcPct val="100000"/>
-              </a:lnSpc>
-              <a:spcBef>
-                <a:spcPts val="0"/>
-              </a:spcBef>
-              <a:spcAft>
-                <a:spcPts val="0"/>
-              </a:spcAft>
-              <a:buNone/>
-            </a:pPr>
-            <a:r>
-              <a:rPr lang="en-GB" dirty="0"/>
-              <a:t>          </a:t>
-            </a:r>
-            <a:r>
-              <a:rPr lang="en-GB" i="1" dirty="0"/>
-              <a:t>calculate next position and velocity</a:t>
-            </a:r>
-          </a:p>
-          <a:p>
-            <a:pPr marL="0" indent="0">
-              <a:lnSpc>
-                <a:spcPct val="100000"/>
-              </a:lnSpc>
-              <a:spcBef>
-                <a:spcPts val="0"/>
-              </a:spcBef>
-              <a:spcAft>
-                <a:spcPts val="0"/>
-              </a:spcAft>
-              <a:buNone/>
-            </a:pPr>
-            <a:r>
-              <a:rPr lang="en-GB" i="1" dirty="0"/>
-              <a:t>          update position and velocity</a:t>
-            </a:r>
-          </a:p>
-          <a:p>
-            <a:pPr marL="0" indent="0">
-              <a:lnSpc>
-                <a:spcPct val="100000"/>
-              </a:lnSpc>
-              <a:spcBef>
-                <a:spcPts val="0"/>
-              </a:spcBef>
-              <a:spcAft>
-                <a:spcPts val="0"/>
-              </a:spcAft>
-              <a:buNone/>
-            </a:pPr>
-            <a:endParaRPr lang="en-GB" dirty="0"/>
-          </a:p>
-          <a:p>
-            <a:pPr marL="0" indent="0">
-              <a:lnSpc>
-                <a:spcPct val="100000"/>
-              </a:lnSpc>
-              <a:spcBef>
-                <a:spcPts val="0"/>
-              </a:spcBef>
-              <a:spcAft>
-                <a:spcPts val="0"/>
-              </a:spcAft>
-              <a:buNone/>
-            </a:pPr>
-            <a:r>
-              <a:rPr lang="en-GB" dirty="0"/>
-              <a:t>     return (position, velocity)</a:t>
-            </a:r>
-          </a:p>
-        </p:txBody>
-      </p:sp>
+        </p:nvGraphicFramePr>
+        <p:xfrm>
+          <a:off x="1096963" y="2108200"/>
+          <a:ext cx="10058400" cy="3760788"/>
+        </p:xfrm>
+        <a:graphic>
+          <a:graphicData uri="http://schemas.openxmlformats.org/drawingml/2006/chart">
+            <c:chart xmlns:c="http://schemas.openxmlformats.org/drawingml/2006/chart" xmlns:r="http://schemas.openxmlformats.org/officeDocument/2006/relationships" r:id="rId3"/>
+          </a:graphicData>
+        </a:graphic>
+      </p:graphicFrame>
     </p:spTree>
     <p:extLst>
       <p:ext uri="{BB962C8B-B14F-4D97-AF65-F5344CB8AC3E}">
-        <p14:creationId xmlns:p14="http://schemas.microsoft.com/office/powerpoint/2010/main" val="1684362885"/>
+        <p14:creationId xmlns:p14="http://schemas.microsoft.com/office/powerpoint/2010/main" val="233089366"/>
       </p:ext>
     </p:extLst>
   </p:cSld>
@@ -10865,95 +10741,6 @@
           <a:p>
             <a:r>
               <a:rPr lang="en-US" dirty="0"/>
-              <a:t>Precision experiment</a:t>
-            </a:r>
-          </a:p>
-        </p:txBody>
-      </p:sp>
-      <p:graphicFrame>
-        <p:nvGraphicFramePr>
-          <p:cNvPr id="10" name="Content Placeholder 9">
-            <a:extLst>
-              <a:ext uri="{FF2B5EF4-FFF2-40B4-BE49-F238E27FC236}">
-                <a16:creationId xmlns:a16="http://schemas.microsoft.com/office/drawing/2014/main" id="{3AEE1C2D-5E0D-4DC5-AAC3-615B534E0A83}"/>
-              </a:ext>
-            </a:extLst>
-          </p:cNvPr>
-          <p:cNvGraphicFramePr>
-            <a:graphicFrameLocks noGrp="1"/>
-          </p:cNvGraphicFramePr>
-          <p:nvPr>
-            <p:ph idx="1"/>
-            <p:extLst>
-              <p:ext uri="{D42A27DB-BD31-4B8C-83A1-F6EECF244321}">
-                <p14:modId xmlns:p14="http://schemas.microsoft.com/office/powerpoint/2010/main" val="3157494902"/>
-              </p:ext>
-            </p:extLst>
-          </p:nvPr>
-        </p:nvGraphicFramePr>
-        <p:xfrm>
-          <a:off x="1096963" y="2108200"/>
-          <a:ext cx="10058400" cy="3760788"/>
-        </p:xfrm>
-        <a:graphic>
-          <a:graphicData uri="http://schemas.openxmlformats.org/drawingml/2006/chart">
-            <c:chart xmlns:c="http://schemas.openxmlformats.org/drawingml/2006/chart" xmlns:r="http://schemas.openxmlformats.org/officeDocument/2006/relationships" r:id="rId3"/>
-          </a:graphicData>
-        </a:graphic>
-      </p:graphicFrame>
-    </p:spTree>
-    <p:extLst>
-      <p:ext uri="{BB962C8B-B14F-4D97-AF65-F5344CB8AC3E}">
-        <p14:creationId xmlns:p14="http://schemas.microsoft.com/office/powerpoint/2010/main" val="233089366"/>
-      </p:ext>
-    </p:extLst>
-  </p:cSld>
-  <p:clrMapOvr>
-    <a:masterClrMapping/>
-  </p:clrMapOvr>
-</p:sld>
-</file>
-
-<file path=ppt/slides/slide15.xml><?xml version="1.0" encoding="utf-8"?>
-<p:sld xmlns:a="http://schemas.openxmlformats.org/drawingml/2006/main" xmlns:r="http://schemas.openxmlformats.org/officeDocument/2006/relationships" xmlns:p="http://schemas.openxmlformats.org/presentationml/2006/main">
-  <p:cSld>
-    <p:spTree>
-      <p:nvGrpSpPr>
-        <p:cNvPr id="1" name=""/>
-        <p:cNvGrpSpPr/>
-        <p:nvPr/>
-      </p:nvGrpSpPr>
-      <p:grpSpPr>
-        <a:xfrm>
-          <a:off x="0" y="0"/>
-          <a:ext cx="0" cy="0"/>
-          <a:chOff x="0" y="0"/>
-          <a:chExt cx="0" cy="0"/>
-        </a:xfrm>
-      </p:grpSpPr>
-      <p:sp>
-        <p:nvSpPr>
-          <p:cNvPr id="2" name="Title 1">
-            <a:extLst>
-              <a:ext uri="{FF2B5EF4-FFF2-40B4-BE49-F238E27FC236}">
-                <a16:creationId xmlns:a16="http://schemas.microsoft.com/office/drawing/2014/main" id="{ECC9EA66-DA16-8F4D-85C8-7C1A8AA5E8C0}"/>
-              </a:ext>
-            </a:extLst>
-          </p:cNvPr>
-          <p:cNvSpPr>
-            <a:spLocks noGrp="1"/>
-          </p:cNvSpPr>
-          <p:nvPr>
-            <p:ph type="title"/>
-          </p:nvPr>
-        </p:nvSpPr>
-        <p:spPr/>
-        <p:txBody>
-          <a:bodyPr/>
-          <a:lstStyle/>
-          <a:p>
-            <a:r>
-              <a:rPr lang="en-US" dirty="0"/>
               <a:t>Speed experiment</a:t>
             </a:r>
           </a:p>
@@ -11003,7 +10790,7 @@
 </p:sld>
 </file>
 
-<file path=ppt/slides/slide16.xml><?xml version="1.0" encoding="utf-8"?>
+<file path=ppt/slides/slide15.xml><?xml version="1.0" encoding="utf-8"?>
 <p:sld xmlns:a="http://schemas.openxmlformats.org/drawingml/2006/main" xmlns:r="http://schemas.openxmlformats.org/officeDocument/2006/relationships" xmlns:p="http://schemas.openxmlformats.org/presentationml/2006/main">
   <p:cSld>
     <p:spTree>
@@ -11089,7 +10876,7 @@
 </p:sld>
 </file>
 
-<file path=ppt/slides/slide17.xml><?xml version="1.0" encoding="utf-8"?>
+<file path=ppt/slides/slide16.xml><?xml version="1.0" encoding="utf-8"?>
 <p:sld xmlns:a="http://schemas.openxmlformats.org/drawingml/2006/main" xmlns:r="http://schemas.openxmlformats.org/officeDocument/2006/relationships" xmlns:p="http://schemas.openxmlformats.org/presentationml/2006/main">
   <p:cSld>
     <p:spTree>
@@ -11175,7 +10962,7 @@
 </p:sld>
 </file>
 
-<file path=ppt/slides/slide18.xml><?xml version="1.0" encoding="utf-8"?>
+<file path=ppt/slides/slide17.xml><?xml version="1.0" encoding="utf-8"?>
 <p:sld xmlns:a="http://schemas.openxmlformats.org/drawingml/2006/main" xmlns:r="http://schemas.openxmlformats.org/officeDocument/2006/relationships" xmlns:p="http://schemas.openxmlformats.org/presentationml/2006/main">
   <p:cSld>
     <p:spTree>
@@ -11258,7 +11045,7 @@
 </p:sld>
 </file>
 
-<file path=ppt/slides/slide19.xml><?xml version="1.0" encoding="utf-8"?>
+<file path=ppt/slides/slide18.xml><?xml version="1.0" encoding="utf-8"?>
 <p:sld xmlns:a="http://schemas.openxmlformats.org/drawingml/2006/main" xmlns:r="http://schemas.openxmlformats.org/officeDocument/2006/relationships" xmlns:p="http://schemas.openxmlformats.org/presentationml/2006/main">
   <p:cSld>
     <p:spTree>
@@ -11333,6 +11120,90 @@
     <p:extLst>
       <p:ext uri="{BB962C8B-B14F-4D97-AF65-F5344CB8AC3E}">
         <p14:creationId xmlns:p14="http://schemas.microsoft.com/office/powerpoint/2010/main" val="566507608"/>
+      </p:ext>
+    </p:extLst>
+  </p:cSld>
+  <p:clrMapOvr>
+    <a:masterClrMapping/>
+  </p:clrMapOvr>
+</p:sld>
+</file>
+
+<file path=ppt/slides/slide19.xml><?xml version="1.0" encoding="utf-8"?>
+<p:sld xmlns:a="http://schemas.openxmlformats.org/drawingml/2006/main" xmlns:r="http://schemas.openxmlformats.org/officeDocument/2006/relationships" xmlns:p="http://schemas.openxmlformats.org/presentationml/2006/main">
+  <p:cSld>
+    <p:spTree>
+      <p:nvGrpSpPr>
+        <p:cNvPr id="1" name=""/>
+        <p:cNvGrpSpPr/>
+        <p:nvPr/>
+      </p:nvGrpSpPr>
+      <p:grpSpPr>
+        <a:xfrm>
+          <a:off x="0" y="0"/>
+          <a:ext cx="0" cy="0"/>
+          <a:chOff x="0" y="0"/>
+          <a:chExt cx="0" cy="0"/>
+        </a:xfrm>
+      </p:grpSpPr>
+      <p:sp>
+        <p:nvSpPr>
+          <p:cNvPr id="2" name="Title 1">
+            <a:extLst>
+              <a:ext uri="{FF2B5EF4-FFF2-40B4-BE49-F238E27FC236}">
+                <a16:creationId xmlns:a16="http://schemas.microsoft.com/office/drawing/2014/main" id="{83CB4DD8-CB42-424F-9E5A-2FDB23B37659}"/>
+              </a:ext>
+            </a:extLst>
+          </p:cNvPr>
+          <p:cNvSpPr>
+            <a:spLocks noGrp="1"/>
+          </p:cNvSpPr>
+          <p:nvPr>
+            <p:ph type="title"/>
+          </p:nvPr>
+        </p:nvSpPr>
+        <p:spPr/>
+        <p:txBody>
+          <a:bodyPr/>
+          <a:lstStyle/>
+          <a:p>
+            <a:r>
+              <a:rPr lang="en-US" dirty="0"/>
+              <a:t>Sources</a:t>
+            </a:r>
+            <a:endParaRPr lang="nl-NL" dirty="0"/>
+          </a:p>
+        </p:txBody>
+      </p:sp>
+      <p:sp>
+        <p:nvSpPr>
+          <p:cNvPr id="3" name="Content Placeholder 2">
+            <a:extLst>
+              <a:ext uri="{FF2B5EF4-FFF2-40B4-BE49-F238E27FC236}">
+                <a16:creationId xmlns:a16="http://schemas.microsoft.com/office/drawing/2014/main" id="{5482C07E-4C00-4318-851C-0ABA7BC3E702}"/>
+              </a:ext>
+            </a:extLst>
+          </p:cNvPr>
+          <p:cNvSpPr>
+            <a:spLocks noGrp="1"/>
+          </p:cNvSpPr>
+          <p:nvPr>
+            <p:ph idx="1"/>
+          </p:nvPr>
+        </p:nvSpPr>
+        <p:spPr/>
+        <p:txBody>
+          <a:bodyPr/>
+          <a:lstStyle/>
+          <a:p>
+            <a:endParaRPr lang="nl-NL" dirty="0"/>
+          </a:p>
+        </p:txBody>
+      </p:sp>
+    </p:spTree>
+    <p:extLst>
+      <p:ext uri="{BB962C8B-B14F-4D97-AF65-F5344CB8AC3E}">
+        <p14:creationId xmlns:p14="http://schemas.microsoft.com/office/powerpoint/2010/main" val="1912911425"/>
       </p:ext>
     </p:extLst>
   </p:cSld>
@@ -11446,90 +11317,6 @@
     <p:extLst>
       <p:ext uri="{BB962C8B-B14F-4D97-AF65-F5344CB8AC3E}">
         <p14:creationId xmlns:p14="http://schemas.microsoft.com/office/powerpoint/2010/main" val="503401743"/>
-      </p:ext>
-    </p:extLst>
-  </p:cSld>
-  <p:clrMapOvr>
-    <a:masterClrMapping/>
-  </p:clrMapOvr>
-</p:sld>
-</file>
-
-<file path=ppt/slides/slide20.xml><?xml version="1.0" encoding="utf-8"?>
-<p:sld xmlns:a="http://schemas.openxmlformats.org/drawingml/2006/main" xmlns:r="http://schemas.openxmlformats.org/officeDocument/2006/relationships" xmlns:p="http://schemas.openxmlformats.org/presentationml/2006/main">
-  <p:cSld>
-    <p:spTree>
-      <p:nvGrpSpPr>
-        <p:cNvPr id="1" name=""/>
-        <p:cNvGrpSpPr/>
-        <p:nvPr/>
-      </p:nvGrpSpPr>
-      <p:grpSpPr>
-        <a:xfrm>
-          <a:off x="0" y="0"/>
-          <a:ext cx="0" cy="0"/>
-          <a:chOff x="0" y="0"/>
-          <a:chExt cx="0" cy="0"/>
-        </a:xfrm>
-      </p:grpSpPr>
-      <p:sp>
-        <p:nvSpPr>
-          <p:cNvPr id="2" name="Title 1">
-            <a:extLst>
-              <a:ext uri="{FF2B5EF4-FFF2-40B4-BE49-F238E27FC236}">
-                <a16:creationId xmlns:a16="http://schemas.microsoft.com/office/drawing/2014/main" id="{83CB4DD8-CB42-424F-9E5A-2FDB23B37659}"/>
-              </a:ext>
-            </a:extLst>
-          </p:cNvPr>
-          <p:cNvSpPr>
-            <a:spLocks noGrp="1"/>
-          </p:cNvSpPr>
-          <p:nvPr>
-            <p:ph type="title"/>
-          </p:nvPr>
-        </p:nvSpPr>
-        <p:spPr/>
-        <p:txBody>
-          <a:bodyPr/>
-          <a:lstStyle/>
-          <a:p>
-            <a:r>
-              <a:rPr lang="en-US" dirty="0"/>
-              <a:t>Sources</a:t>
-            </a:r>
-            <a:endParaRPr lang="nl-NL" dirty="0"/>
-          </a:p>
-        </p:txBody>
-      </p:sp>
-      <p:sp>
-        <p:nvSpPr>
-          <p:cNvPr id="3" name="Content Placeholder 2">
-            <a:extLst>
-              <a:ext uri="{FF2B5EF4-FFF2-40B4-BE49-F238E27FC236}">
-                <a16:creationId xmlns:a16="http://schemas.microsoft.com/office/drawing/2014/main" id="{5482C07E-4C00-4318-851C-0ABA7BC3E702}"/>
-              </a:ext>
-            </a:extLst>
-          </p:cNvPr>
-          <p:cNvSpPr>
-            <a:spLocks noGrp="1"/>
-          </p:cNvSpPr>
-          <p:nvPr>
-            <p:ph idx="1"/>
-          </p:nvPr>
-        </p:nvSpPr>
-        <p:spPr/>
-        <p:txBody>
-          <a:bodyPr/>
-          <a:lstStyle/>
-          <a:p>
-            <a:endParaRPr lang="nl-NL" dirty="0"/>
-          </a:p>
-        </p:txBody>
-      </p:sp>
-    </p:spTree>
-    <p:extLst>
-      <p:ext uri="{BB962C8B-B14F-4D97-AF65-F5344CB8AC3E}">
-        <p14:creationId xmlns:p14="http://schemas.microsoft.com/office/powerpoint/2010/main" val="1912911425"/>
       </p:ext>
     </p:extLst>
   </p:cSld>
@@ -13473,7 +13260,7 @@
           <a:p>
             <a:r>
               <a:rPr lang="en-US" dirty="0"/>
-              <a:t>We rewrote the entire physics engine to improve the way it interacts with the rest of the game. We also added 3 new solvers to improve the accuracy of our calculations.</a:t>
+              <a:t>Last period we rewrote the entire physics engine to improve the interaction with the game. We also added 2 solvers to improve the accuracy of our calculations.</a:t>
             </a:r>
           </a:p>
           <a:p>
@@ -13486,17 +13273,7 @@
             </a:pPr>
             <a:r>
               <a:rPr lang="en-US" dirty="0"/>
-              <a:t> Second order Verlet </a:t>
-            </a:r>
-          </a:p>
-          <a:p>
-            <a:pPr>
-              <a:buFont typeface="Wingdings" panose="05000000000000000000" pitchFamily="2" charset="2"/>
-              <a:buChar char="v"/>
-            </a:pPr>
-            <a:r>
-              <a:rPr lang="en-US" dirty="0"/>
-              <a:t> Second order velocity Verlet</a:t>
+              <a:t>Second order velocity Verlet</a:t>
             </a:r>
           </a:p>
           <a:p>
@@ -13592,7 +13369,7 @@
           <a:p>
             <a:r>
               <a:rPr lang="en-US" dirty="0"/>
-              <a:t>The formulas</a:t>
+              <a:t>The formulas </a:t>
             </a:r>
             <a:br>
               <a:rPr lang="en-US" dirty="0"/>
@@ -13607,7 +13384,7 @@
             </a:r>
             <a:r>
               <a:rPr lang="en-US" dirty="0"/>
-              <a:t>-order Verlet</a:t>
+              <a:t>-order Velocity Verlet</a:t>
             </a:r>
             <a:endParaRPr lang="nl-NL" dirty="0"/>
           </a:p>
@@ -13640,36 +13417,40 @@
                   <a:buNone/>
                 </a:pPr>
                 <a:r>
-                  <a:rPr lang="nl-NL" i="1" dirty="0">
-                    <a:latin typeface="Cambria Math" panose="02040503050406030204" pitchFamily="18" charset="0"/>
-                  </a:rPr>
-                  <a:t>  p</a:t>
+                  <a:rPr lang="en-GB" dirty="0"/>
+                  <a:t>  </a:t>
                 </a:r>
                 <a14:m>
                   <m:oMath xmlns:m="http://schemas.openxmlformats.org/officeDocument/2006/math">
+                    <m:r>
+                      <a:rPr lang="nl-NL" b="0" i="1" smtClean="0">
+                        <a:latin typeface="Cambria Math" panose="02040503050406030204" pitchFamily="18" charset="0"/>
+                      </a:rPr>
+                      <m:t>𝑝</m:t>
+                    </m:r>
                     <m:d>
                       <m:dPr>
                         <m:ctrlPr>
-                          <a:rPr lang="nl-NL" b="0" i="1" smtClean="0">
+                          <a:rPr lang="en-GB" b="0" i="1" smtClean="0">
                             <a:latin typeface="Cambria Math" panose="02040503050406030204" pitchFamily="18" charset="0"/>
                           </a:rPr>
                         </m:ctrlPr>
                       </m:dPr>
                       <m:e>
                         <m:r>
-                          <a:rPr lang="nl-NL" b="0" i="1" smtClean="0">
+                          <a:rPr lang="en-GB" b="0" i="1" smtClean="0">
                             <a:latin typeface="Cambria Math" panose="02040503050406030204" pitchFamily="18" charset="0"/>
                           </a:rPr>
                           <m:t>𝑡</m:t>
                         </m:r>
                         <m:r>
-                          <a:rPr lang="nl-NL" b="0" i="1" smtClean="0">
+                          <a:rPr lang="en-GB" b="0" i="1" smtClean="0">
                             <a:latin typeface="Cambria Math" panose="02040503050406030204" pitchFamily="18" charset="0"/>
                           </a:rPr>
                           <m:t>+∆</m:t>
                         </m:r>
                         <m:r>
-                          <a:rPr lang="nl-NL" b="0" i="1" smtClean="0">
+                          <a:rPr lang="en-GB" b="0" i="1" smtClean="0">
                             <a:latin typeface="Cambria Math" panose="02040503050406030204" pitchFamily="18" charset="0"/>
                             <a:ea typeface="Cambria Math" panose="02040503050406030204" pitchFamily="18" charset="0"/>
                           </a:rPr>
@@ -13678,11 +13459,11 @@
                       </m:e>
                     </m:d>
                     <m:r>
-                      <a:rPr lang="nl-NL" b="0" i="1" smtClean="0">
+                      <a:rPr lang="en-GB" b="0" i="1" smtClean="0">
                         <a:latin typeface="Cambria Math" panose="02040503050406030204" pitchFamily="18" charset="0"/>
                         <a:ea typeface="Cambria Math" panose="02040503050406030204" pitchFamily="18" charset="0"/>
                       </a:rPr>
-                      <m:t>=2</m:t>
+                      <m:t>=</m:t>
                     </m:r>
                     <m:r>
                       <a:rPr lang="nl-NL" b="0" i="1" smtClean="0">
@@ -13694,13 +13475,379 @@
                     <m:d>
                       <m:dPr>
                         <m:ctrlPr>
-                          <a:rPr lang="nl-NL" b="0" i="1" smtClean="0">
+                          <a:rPr lang="en-GB" b="0" i="1" smtClean="0">
                             <a:latin typeface="Cambria Math" panose="02040503050406030204" pitchFamily="18" charset="0"/>
                             <a:ea typeface="Cambria Math" panose="02040503050406030204" pitchFamily="18" charset="0"/>
                           </a:rPr>
                         </m:ctrlPr>
                       </m:dPr>
                       <m:e>
+                        <m:r>
+                          <a:rPr lang="en-GB" b="0" i="1" smtClean="0">
+                            <a:latin typeface="Cambria Math" panose="02040503050406030204" pitchFamily="18" charset="0"/>
+                            <a:ea typeface="Cambria Math" panose="02040503050406030204" pitchFamily="18" charset="0"/>
+                          </a:rPr>
+                          <m:t>𝑡</m:t>
+                        </m:r>
+                      </m:e>
+                    </m:d>
+                    <m:r>
+                      <a:rPr lang="en-GB" b="0" i="1" smtClean="0">
+                        <a:latin typeface="Cambria Math" panose="02040503050406030204" pitchFamily="18" charset="0"/>
+                        <a:ea typeface="Cambria Math" panose="02040503050406030204" pitchFamily="18" charset="0"/>
+                      </a:rPr>
+                      <m:t>+</m:t>
+                    </m:r>
+                    <m:r>
+                      <a:rPr lang="en-GB" b="0" i="1" smtClean="0">
+                        <a:latin typeface="Cambria Math" panose="02040503050406030204" pitchFamily="18" charset="0"/>
+                        <a:ea typeface="Cambria Math" panose="02040503050406030204" pitchFamily="18" charset="0"/>
+                      </a:rPr>
+                      <m:t>𝑣</m:t>
+                    </m:r>
+                    <m:d>
+                      <m:dPr>
+                        <m:ctrlPr>
+                          <a:rPr lang="en-GB" b="0" i="1" smtClean="0">
+                            <a:latin typeface="Cambria Math" panose="02040503050406030204" pitchFamily="18" charset="0"/>
+                            <a:ea typeface="Cambria Math" panose="02040503050406030204" pitchFamily="18" charset="0"/>
+                          </a:rPr>
+                        </m:ctrlPr>
+                      </m:dPr>
+                      <m:e>
+                        <m:r>
+                          <a:rPr lang="en-GB" b="0" i="1" smtClean="0">
+                            <a:latin typeface="Cambria Math" panose="02040503050406030204" pitchFamily="18" charset="0"/>
+                            <a:ea typeface="Cambria Math" panose="02040503050406030204" pitchFamily="18" charset="0"/>
+                          </a:rPr>
+                          <m:t>𝑡</m:t>
+                        </m:r>
+                      </m:e>
+                    </m:d>
+                    <m:r>
+                      <a:rPr lang="en-GB" b="0" i="1" smtClean="0">
+                        <a:latin typeface="Cambria Math" panose="02040503050406030204" pitchFamily="18" charset="0"/>
+                        <a:ea typeface="Cambria Math" panose="02040503050406030204" pitchFamily="18" charset="0"/>
+                      </a:rPr>
+                      <m:t>∆</m:t>
+                    </m:r>
+                    <m:r>
+                      <a:rPr lang="en-GB" b="0" i="1" smtClean="0">
+                        <a:latin typeface="Cambria Math" panose="02040503050406030204" pitchFamily="18" charset="0"/>
+                        <a:ea typeface="Cambria Math" panose="02040503050406030204" pitchFamily="18" charset="0"/>
+                      </a:rPr>
+                      <m:t>𝑡</m:t>
+                    </m:r>
+                    <m:r>
+                      <a:rPr lang="en-GB" b="0" i="1" smtClean="0">
+                        <a:latin typeface="Cambria Math" panose="02040503050406030204" pitchFamily="18" charset="0"/>
+                        <a:ea typeface="Cambria Math" panose="02040503050406030204" pitchFamily="18" charset="0"/>
+                      </a:rPr>
+                      <m:t>+</m:t>
+                    </m:r>
+                    <m:f>
+                      <m:fPr>
+                        <m:ctrlPr>
+                          <a:rPr lang="en-GB" b="0" i="1" smtClean="0">
+                            <a:latin typeface="Cambria Math" panose="02040503050406030204" pitchFamily="18" charset="0"/>
+                            <a:ea typeface="Cambria Math" panose="02040503050406030204" pitchFamily="18" charset="0"/>
+                          </a:rPr>
+                        </m:ctrlPr>
+                      </m:fPr>
+                      <m:num>
+                        <m:r>
+                          <a:rPr lang="en-GB" b="0" i="1" smtClean="0">
+                            <a:latin typeface="Cambria Math" panose="02040503050406030204" pitchFamily="18" charset="0"/>
+                            <a:ea typeface="Cambria Math" panose="02040503050406030204" pitchFamily="18" charset="0"/>
+                          </a:rPr>
+                          <m:t>1</m:t>
+                        </m:r>
+                      </m:num>
+                      <m:den>
+                        <m:r>
+                          <a:rPr lang="en-GB" b="0" i="1" smtClean="0">
+                            <a:latin typeface="Cambria Math" panose="02040503050406030204" pitchFamily="18" charset="0"/>
+                            <a:ea typeface="Cambria Math" panose="02040503050406030204" pitchFamily="18" charset="0"/>
+                          </a:rPr>
+                          <m:t>2</m:t>
+                        </m:r>
+                      </m:den>
+                    </m:f>
+                    <m:r>
+                      <a:rPr lang="en-GB" b="0" i="1" smtClean="0">
+                        <a:latin typeface="Cambria Math" panose="02040503050406030204" pitchFamily="18" charset="0"/>
+                        <a:ea typeface="Cambria Math" panose="02040503050406030204" pitchFamily="18" charset="0"/>
+                      </a:rPr>
+                      <m:t>𝑎</m:t>
+                    </m:r>
+                    <m:r>
+                      <a:rPr lang="en-GB" b="0" i="1" smtClean="0">
+                        <a:latin typeface="Cambria Math" panose="02040503050406030204" pitchFamily="18" charset="0"/>
+                        <a:ea typeface="Cambria Math" panose="02040503050406030204" pitchFamily="18" charset="0"/>
+                      </a:rPr>
+                      <m:t>(</m:t>
+                    </m:r>
+                    <m:r>
+                      <a:rPr lang="en-GB" b="0" i="1" smtClean="0">
+                        <a:latin typeface="Cambria Math" panose="02040503050406030204" pitchFamily="18" charset="0"/>
+                        <a:ea typeface="Cambria Math" panose="02040503050406030204" pitchFamily="18" charset="0"/>
+                      </a:rPr>
+                      <m:t>𝑡</m:t>
+                    </m:r>
+                    <m:r>
+                      <a:rPr lang="en-GB" b="0" i="1" smtClean="0">
+                        <a:latin typeface="Cambria Math" panose="02040503050406030204" pitchFamily="18" charset="0"/>
+                        <a:ea typeface="Cambria Math" panose="02040503050406030204" pitchFamily="18" charset="0"/>
+                      </a:rPr>
+                      <m:t>)∆</m:t>
+                    </m:r>
+                    <m:sSup>
+                      <m:sSupPr>
+                        <m:ctrlPr>
+                          <a:rPr lang="en-GB" b="0" i="1" smtClean="0">
+                            <a:latin typeface="Cambria Math" panose="02040503050406030204" pitchFamily="18" charset="0"/>
+                            <a:ea typeface="Cambria Math" panose="02040503050406030204" pitchFamily="18" charset="0"/>
+                          </a:rPr>
+                        </m:ctrlPr>
+                      </m:sSupPr>
+                      <m:e>
+                        <m:r>
+                          <a:rPr lang="en-GB" b="0" i="1" smtClean="0">
+                            <a:latin typeface="Cambria Math" panose="02040503050406030204" pitchFamily="18" charset="0"/>
+                            <a:ea typeface="Cambria Math" panose="02040503050406030204" pitchFamily="18" charset="0"/>
+                          </a:rPr>
+                          <m:t>𝑡</m:t>
+                        </m:r>
+                      </m:e>
+                      <m:sup>
+                        <m:r>
+                          <a:rPr lang="en-GB" b="0" i="1" smtClean="0">
+                            <a:latin typeface="Cambria Math" panose="02040503050406030204" pitchFamily="18" charset="0"/>
+                            <a:ea typeface="Cambria Math" panose="02040503050406030204" pitchFamily="18" charset="0"/>
+                          </a:rPr>
+                          <m:t>2</m:t>
+                        </m:r>
+                      </m:sup>
+                    </m:sSup>
+                  </m:oMath>
+                </a14:m>
+                <a:endParaRPr lang="en-GB" dirty="0"/>
+              </a:p>
+              <a:p>
+                <a14:m>
+                  <m:oMath xmlns:m="http://schemas.openxmlformats.org/officeDocument/2006/math">
+                    <m:r>
+                      <a:rPr lang="en-GB" b="0" i="1" smtClean="0">
+                        <a:latin typeface="Cambria Math" panose="02040503050406030204" pitchFamily="18" charset="0"/>
+                      </a:rPr>
+                      <m:t>𝑣</m:t>
+                    </m:r>
+                    <m:d>
+                      <m:dPr>
+                        <m:ctrlPr>
+                          <a:rPr lang="en-GB" b="0" i="1" smtClean="0">
+                            <a:latin typeface="Cambria Math" panose="02040503050406030204" pitchFamily="18" charset="0"/>
+                          </a:rPr>
+                        </m:ctrlPr>
+                      </m:dPr>
+                      <m:e>
+                        <m:r>
+                          <a:rPr lang="en-GB" b="0" i="1" smtClean="0">
+                            <a:latin typeface="Cambria Math" panose="02040503050406030204" pitchFamily="18" charset="0"/>
+                          </a:rPr>
+                          <m:t>𝑡</m:t>
+                        </m:r>
+                        <m:r>
+                          <a:rPr lang="en-GB" b="0" i="1" smtClean="0">
+                            <a:latin typeface="Cambria Math" panose="02040503050406030204" pitchFamily="18" charset="0"/>
+                          </a:rPr>
+                          <m:t>+</m:t>
+                        </m:r>
+                        <m:f>
+                          <m:fPr>
+                            <m:ctrlPr>
+                              <a:rPr lang="en-GB" b="0" i="1" smtClean="0">
+                                <a:latin typeface="Cambria Math" panose="02040503050406030204" pitchFamily="18" charset="0"/>
+                              </a:rPr>
+                            </m:ctrlPr>
+                          </m:fPr>
+                          <m:num>
+                            <m:r>
+                              <a:rPr lang="en-GB" b="0" i="1" smtClean="0">
+                                <a:latin typeface="Cambria Math" panose="02040503050406030204" pitchFamily="18" charset="0"/>
+                              </a:rPr>
+                              <m:t>1</m:t>
+                            </m:r>
+                          </m:num>
+                          <m:den>
+                            <m:r>
+                              <a:rPr lang="en-GB" b="0" i="1" smtClean="0">
+                                <a:latin typeface="Cambria Math" panose="02040503050406030204" pitchFamily="18" charset="0"/>
+                              </a:rPr>
+                              <m:t>2</m:t>
+                            </m:r>
+                          </m:den>
+                        </m:f>
+                        <m:r>
+                          <a:rPr lang="en-GB" b="0" i="1" smtClean="0">
+                            <a:latin typeface="Cambria Math" panose="02040503050406030204" pitchFamily="18" charset="0"/>
+                            <a:ea typeface="Cambria Math" panose="02040503050406030204" pitchFamily="18" charset="0"/>
+                          </a:rPr>
+                          <m:t>∆</m:t>
+                        </m:r>
+                        <m:r>
+                          <a:rPr lang="en-GB" b="0" i="1" smtClean="0">
+                            <a:latin typeface="Cambria Math" panose="02040503050406030204" pitchFamily="18" charset="0"/>
+                            <a:ea typeface="Cambria Math" panose="02040503050406030204" pitchFamily="18" charset="0"/>
+                          </a:rPr>
+                          <m:t>𝑡</m:t>
+                        </m:r>
+                      </m:e>
+                    </m:d>
+                    <m:r>
+                      <a:rPr lang="en-GB" b="0" i="1" smtClean="0">
+                        <a:latin typeface="Cambria Math" panose="02040503050406030204" pitchFamily="18" charset="0"/>
+                        <a:ea typeface="Cambria Math" panose="02040503050406030204" pitchFamily="18" charset="0"/>
+                      </a:rPr>
+                      <m:t>=</m:t>
+                    </m:r>
+                    <m:r>
+                      <a:rPr lang="en-GB" b="0" i="1" smtClean="0">
+                        <a:latin typeface="Cambria Math" panose="02040503050406030204" pitchFamily="18" charset="0"/>
+                        <a:ea typeface="Cambria Math" panose="02040503050406030204" pitchFamily="18" charset="0"/>
+                      </a:rPr>
+                      <m:t>𝑣</m:t>
+                    </m:r>
+                    <m:d>
+                      <m:dPr>
+                        <m:ctrlPr>
+                          <a:rPr lang="en-GB" b="0" i="1" smtClean="0">
+                            <a:latin typeface="Cambria Math" panose="02040503050406030204" pitchFamily="18" charset="0"/>
+                            <a:ea typeface="Cambria Math" panose="02040503050406030204" pitchFamily="18" charset="0"/>
+                          </a:rPr>
+                        </m:ctrlPr>
+                      </m:dPr>
+                      <m:e>
+                        <m:r>
+                          <a:rPr lang="en-GB" b="0" i="1" smtClean="0">
+                            <a:latin typeface="Cambria Math" panose="02040503050406030204" pitchFamily="18" charset="0"/>
+                            <a:ea typeface="Cambria Math" panose="02040503050406030204" pitchFamily="18" charset="0"/>
+                          </a:rPr>
+                          <m:t>𝑡</m:t>
+                        </m:r>
+                      </m:e>
+                    </m:d>
+                    <m:r>
+                      <a:rPr lang="en-GB" b="0" i="1" smtClean="0">
+                        <a:latin typeface="Cambria Math" panose="02040503050406030204" pitchFamily="18" charset="0"/>
+                        <a:ea typeface="Cambria Math" panose="02040503050406030204" pitchFamily="18" charset="0"/>
+                      </a:rPr>
+                      <m:t>+</m:t>
+                    </m:r>
+                    <m:f>
+                      <m:fPr>
+                        <m:ctrlPr>
+                          <a:rPr lang="en-GB" b="0" i="1" smtClean="0">
+                            <a:latin typeface="Cambria Math" panose="02040503050406030204" pitchFamily="18" charset="0"/>
+                            <a:ea typeface="Cambria Math" panose="02040503050406030204" pitchFamily="18" charset="0"/>
+                          </a:rPr>
+                        </m:ctrlPr>
+                      </m:fPr>
+                      <m:num>
+                        <m:r>
+                          <a:rPr lang="en-GB" b="0" i="1" smtClean="0">
+                            <a:latin typeface="Cambria Math" panose="02040503050406030204" pitchFamily="18" charset="0"/>
+                            <a:ea typeface="Cambria Math" panose="02040503050406030204" pitchFamily="18" charset="0"/>
+                          </a:rPr>
+                          <m:t>1</m:t>
+                        </m:r>
+                      </m:num>
+                      <m:den>
+                        <m:r>
+                          <a:rPr lang="en-GB" b="0" i="1" smtClean="0">
+                            <a:latin typeface="Cambria Math" panose="02040503050406030204" pitchFamily="18" charset="0"/>
+                            <a:ea typeface="Cambria Math" panose="02040503050406030204" pitchFamily="18" charset="0"/>
+                          </a:rPr>
+                          <m:t>2</m:t>
+                        </m:r>
+                      </m:den>
+                    </m:f>
+                    <m:r>
+                      <a:rPr lang="en-GB" b="0" i="1" smtClean="0">
+                        <a:latin typeface="Cambria Math" panose="02040503050406030204" pitchFamily="18" charset="0"/>
+                        <a:ea typeface="Cambria Math" panose="02040503050406030204" pitchFamily="18" charset="0"/>
+                      </a:rPr>
+                      <m:t>𝑎</m:t>
+                    </m:r>
+                    <m:d>
+                      <m:dPr>
+                        <m:ctrlPr>
+                          <a:rPr lang="en-GB" b="0" i="1" smtClean="0">
+                            <a:latin typeface="Cambria Math" panose="02040503050406030204" pitchFamily="18" charset="0"/>
+                            <a:ea typeface="Cambria Math" panose="02040503050406030204" pitchFamily="18" charset="0"/>
+                          </a:rPr>
+                        </m:ctrlPr>
+                      </m:dPr>
+                      <m:e>
+                        <m:r>
+                          <a:rPr lang="en-GB" b="0" i="1" smtClean="0">
+                            <a:latin typeface="Cambria Math" panose="02040503050406030204" pitchFamily="18" charset="0"/>
+                            <a:ea typeface="Cambria Math" panose="02040503050406030204" pitchFamily="18" charset="0"/>
+                          </a:rPr>
+                          <m:t>𝑡</m:t>
+                        </m:r>
+                      </m:e>
+                    </m:d>
+                    <m:r>
+                      <a:rPr lang="en-GB" b="0" i="1" smtClean="0">
+                        <a:latin typeface="Cambria Math" panose="02040503050406030204" pitchFamily="18" charset="0"/>
+                        <a:ea typeface="Cambria Math" panose="02040503050406030204" pitchFamily="18" charset="0"/>
+                      </a:rPr>
+                      <m:t>∆</m:t>
+                    </m:r>
+                    <m:r>
+                      <a:rPr lang="en-GB" b="0" i="1" smtClean="0">
+                        <a:latin typeface="Cambria Math" panose="02040503050406030204" pitchFamily="18" charset="0"/>
+                        <a:ea typeface="Cambria Math" panose="02040503050406030204" pitchFamily="18" charset="0"/>
+                      </a:rPr>
+                      <m:t>𝑡</m:t>
+                    </m:r>
+                  </m:oMath>
+                </a14:m>
+                <a:endParaRPr lang="en-GB" b="0" dirty="0">
+                  <a:ea typeface="Cambria Math" panose="02040503050406030204" pitchFamily="18" charset="0"/>
+                </a:endParaRPr>
+              </a:p>
+              <a:p>
+                <a14:m>
+                  <m:oMath xmlns:m="http://schemas.openxmlformats.org/officeDocument/2006/math">
+                    <m:r>
+                      <a:rPr lang="nl-NL" b="0" i="1" smtClean="0">
+                        <a:latin typeface="Cambria Math" panose="02040503050406030204" pitchFamily="18" charset="0"/>
+                      </a:rPr>
+                      <m:t>𝑎</m:t>
+                    </m:r>
+                    <m:d>
+                      <m:dPr>
+                        <m:ctrlPr>
+                          <a:rPr lang="nl-NL" b="0" i="1" smtClean="0">
+                            <a:latin typeface="Cambria Math" panose="02040503050406030204" pitchFamily="18" charset="0"/>
+                          </a:rPr>
+                        </m:ctrlPr>
+                      </m:dPr>
+                      <m:e>
+                        <m:r>
+                          <a:rPr lang="nl-NL" b="0" i="1" smtClean="0">
+                            <a:latin typeface="Cambria Math" panose="02040503050406030204" pitchFamily="18" charset="0"/>
+                          </a:rPr>
+                          <m:t>𝑡</m:t>
+                        </m:r>
+                        <m:r>
+                          <a:rPr lang="nl-NL" b="0" i="1" smtClean="0">
+                            <a:latin typeface="Cambria Math" panose="02040503050406030204" pitchFamily="18" charset="0"/>
+                          </a:rPr>
+                          <m:t>+∆</m:t>
+                        </m:r>
                         <m:r>
                           <a:rPr lang="nl-NL" b="0" i="1" smtClean="0">
                             <a:latin typeface="Cambria Math" panose="02040503050406030204" pitchFamily="18" charset="0"/>
@@ -13715,156 +13862,48 @@
                         <a:latin typeface="Cambria Math" panose="02040503050406030204" pitchFamily="18" charset="0"/>
                         <a:ea typeface="Cambria Math" panose="02040503050406030204" pitchFamily="18" charset="0"/>
                       </a:rPr>
-                      <m:t>−</m:t>
+                      <m:t>= </m:t>
                     </m:r>
-                    <m:r>
-                      <a:rPr lang="nl-NL" b="0" i="1" smtClean="0">
-                        <a:latin typeface="Cambria Math" panose="02040503050406030204" pitchFamily="18" charset="0"/>
-                        <a:ea typeface="Cambria Math" panose="02040503050406030204" pitchFamily="18" charset="0"/>
-                      </a:rPr>
-                      <m:t>𝑝</m:t>
-                    </m:r>
-                    <m:d>
-                      <m:dPr>
+                    <m:f>
+                      <m:fPr>
                         <m:ctrlPr>
                           <a:rPr lang="nl-NL" b="0" i="1" smtClean="0">
                             <a:latin typeface="Cambria Math" panose="02040503050406030204" pitchFamily="18" charset="0"/>
                             <a:ea typeface="Cambria Math" panose="02040503050406030204" pitchFamily="18" charset="0"/>
                           </a:rPr>
                         </m:ctrlPr>
-                      </m:dPr>
-                      <m:e>
+                      </m:fPr>
+                      <m:num>
                         <m:r>
                           <a:rPr lang="nl-NL" b="0" i="1" smtClean="0">
                             <a:latin typeface="Cambria Math" panose="02040503050406030204" pitchFamily="18" charset="0"/>
                             <a:ea typeface="Cambria Math" panose="02040503050406030204" pitchFamily="18" charset="0"/>
                           </a:rPr>
-                          <m:t>𝑡</m:t>
+                          <m:t>𝐹</m:t>
                         </m:r>
                         <m:r>
                           <a:rPr lang="nl-NL" b="0" i="1" smtClean="0">
                             <a:latin typeface="Cambria Math" panose="02040503050406030204" pitchFamily="18" charset="0"/>
                             <a:ea typeface="Cambria Math" panose="02040503050406030204" pitchFamily="18" charset="0"/>
                           </a:rPr>
-                          <m:t>−∆</m:t>
+                          <m:t>(</m:t>
                         </m:r>
                         <m:r>
                           <a:rPr lang="nl-NL" b="0" i="1" smtClean="0">
                             <a:latin typeface="Cambria Math" panose="02040503050406030204" pitchFamily="18" charset="0"/>
                             <a:ea typeface="Cambria Math" panose="02040503050406030204" pitchFamily="18" charset="0"/>
                           </a:rPr>
-                          <m:t>𝑡</m:t>
+                          <m:t>𝑝</m:t>
                         </m:r>
-                      </m:e>
-                    </m:d>
-                    <m:r>
-                      <a:rPr lang="nl-NL" b="0" i="1" smtClean="0">
-                        <a:latin typeface="Cambria Math" panose="02040503050406030204" pitchFamily="18" charset="0"/>
-                        <a:ea typeface="Cambria Math" panose="02040503050406030204" pitchFamily="18" charset="0"/>
-                      </a:rPr>
-                      <m:t>+</m:t>
-                    </m:r>
-                    <m:r>
-                      <a:rPr lang="nl-NL" b="0" i="1" smtClean="0">
-                        <a:latin typeface="Cambria Math" panose="02040503050406030204" pitchFamily="18" charset="0"/>
-                        <a:ea typeface="Cambria Math" panose="02040503050406030204" pitchFamily="18" charset="0"/>
-                      </a:rPr>
-                      <m:t>𝑎</m:t>
-                    </m:r>
-                    <m:d>
-                      <m:dPr>
-                        <m:ctrlPr>
-                          <a:rPr lang="nl-NL" b="0" i="1" smtClean="0">
-                            <a:latin typeface="Cambria Math" panose="02040503050406030204" pitchFamily="18" charset="0"/>
-                            <a:ea typeface="Cambria Math" panose="02040503050406030204" pitchFamily="18" charset="0"/>
-                          </a:rPr>
-                        </m:ctrlPr>
-                      </m:dPr>
-                      <m:e>
-                        <m:r>
-                          <a:rPr lang="nl-NL" b="0" i="1" smtClean="0">
-                            <a:latin typeface="Cambria Math" panose="02040503050406030204" pitchFamily="18" charset="0"/>
-                            <a:ea typeface="Cambria Math" panose="02040503050406030204" pitchFamily="18" charset="0"/>
-                          </a:rPr>
-                          <m:t>𝑡</m:t>
-                        </m:r>
-                      </m:e>
-                    </m:d>
-                    <m:r>
-                      <a:rPr lang="nl-NL" b="0" i="1" smtClean="0">
-                        <a:latin typeface="Cambria Math" panose="02040503050406030204" pitchFamily="18" charset="0"/>
-                        <a:ea typeface="Cambria Math" panose="02040503050406030204" pitchFamily="18" charset="0"/>
-                      </a:rPr>
-                      <m:t>∆</m:t>
-                    </m:r>
-                    <m:sSup>
-                      <m:sSupPr>
-                        <m:ctrlPr>
-                          <a:rPr lang="nl-NL" b="0" i="1" smtClean="0">
-                            <a:latin typeface="Cambria Math" panose="02040503050406030204" pitchFamily="18" charset="0"/>
-                            <a:ea typeface="Cambria Math" panose="02040503050406030204" pitchFamily="18" charset="0"/>
-                          </a:rPr>
-                        </m:ctrlPr>
-                      </m:sSupPr>
-                      <m:e>
-                        <m:r>
-                          <a:rPr lang="nl-NL" b="0" i="1" smtClean="0">
-                            <a:latin typeface="Cambria Math" panose="02040503050406030204" pitchFamily="18" charset="0"/>
-                            <a:ea typeface="Cambria Math" panose="02040503050406030204" pitchFamily="18" charset="0"/>
-                          </a:rPr>
-                          <m:t>𝑡</m:t>
-                        </m:r>
-                      </m:e>
-                      <m:sup>
-                        <m:r>
-                          <a:rPr lang="nl-NL" b="0" i="1" smtClean="0">
-                            <a:latin typeface="Cambria Math" panose="02040503050406030204" pitchFamily="18" charset="0"/>
-                            <a:ea typeface="Cambria Math" panose="02040503050406030204" pitchFamily="18" charset="0"/>
-                          </a:rPr>
-                          <m:t>2</m:t>
-                        </m:r>
-                      </m:sup>
-                    </m:sSup>
-                    <m:r>
-                      <a:rPr lang="nl-NL" b="0" i="1" smtClean="0">
-                        <a:latin typeface="Cambria Math" panose="02040503050406030204" pitchFamily="18" charset="0"/>
-                        <a:ea typeface="Cambria Math" panose="02040503050406030204" pitchFamily="18" charset="0"/>
-                      </a:rPr>
-                      <m:t>+</m:t>
-                    </m:r>
-                    <m:r>
-                      <a:rPr lang="nl-NL" b="0" i="1" smtClean="0">
-                        <a:latin typeface="Cambria Math" panose="02040503050406030204" pitchFamily="18" charset="0"/>
-                        <a:ea typeface="Cambria Math" panose="02040503050406030204" pitchFamily="18" charset="0"/>
-                      </a:rPr>
-                      <m:t>𝑂</m:t>
-                    </m:r>
-                    <m:d>
-                      <m:dPr>
-                        <m:ctrlPr>
-                          <a:rPr lang="nl-NL" b="0" i="1" smtClean="0">
-                            <a:latin typeface="Cambria Math" panose="02040503050406030204" pitchFamily="18" charset="0"/>
-                            <a:ea typeface="Cambria Math" panose="02040503050406030204" pitchFamily="18" charset="0"/>
-                          </a:rPr>
-                        </m:ctrlPr>
-                      </m:dPr>
-                      <m:e>
-                        <m:r>
-                          <a:rPr lang="nl-NL" b="0" i="1" smtClean="0">
-                            <a:latin typeface="Cambria Math" panose="02040503050406030204" pitchFamily="18" charset="0"/>
-                            <a:ea typeface="Cambria Math" panose="02040503050406030204" pitchFamily="18" charset="0"/>
-                          </a:rPr>
-                          <m:t>∆</m:t>
-                        </m:r>
-                        <m:sSup>
-                          <m:sSupPr>
+                        <m:d>
+                          <m:dPr>
                             <m:ctrlPr>
                               <a:rPr lang="nl-NL" b="0" i="1" smtClean="0">
                                 <a:latin typeface="Cambria Math" panose="02040503050406030204" pitchFamily="18" charset="0"/>
                                 <a:ea typeface="Cambria Math" panose="02040503050406030204" pitchFamily="18" charset="0"/>
                               </a:rPr>
                             </m:ctrlPr>
-                          </m:sSupPr>
+                          </m:dPr>
                           <m:e>
                             <m:r>
                               <a:rPr lang="nl-NL" b="0" i="1" smtClean="0">
@@ -13873,109 +13912,15 @@
                               </a:rPr>
                               <m:t>𝑡</m:t>
                             </m:r>
-                          </m:e>
-                          <m:sup>
                             <m:r>
                               <a:rPr lang="nl-NL" b="0" i="1" smtClean="0">
                                 <a:latin typeface="Cambria Math" panose="02040503050406030204" pitchFamily="18" charset="0"/>
                                 <a:ea typeface="Cambria Math" panose="02040503050406030204" pitchFamily="18" charset="0"/>
                               </a:rPr>
-                              <m:t>2</m:t>
+                              <m:t>+∆</m:t>
                             </m:r>
-                          </m:sup>
-                        </m:sSup>
-                      </m:e>
-                    </m:d>
-                  </m:oMath>
-                </a14:m>
-                <a:endParaRPr lang="nl-NL" b="0" i="1" dirty="0">
-                  <a:latin typeface="Cambria Math" panose="02040503050406030204" pitchFamily="18" charset="0"/>
-                  <a:ea typeface="Cambria Math" panose="02040503050406030204" pitchFamily="18" charset="0"/>
-                </a:endParaRPr>
-              </a:p>
-              <a:p>
-                <a:pPr marL="0" indent="0">
-                  <a:buNone/>
-                </a:pPr>
-                <a:r>
-                  <a:rPr lang="nl-NL" dirty="0"/>
-                  <a:t>  </a:t>
-                </a:r>
-                <a14:m>
-                  <m:oMath xmlns:m="http://schemas.openxmlformats.org/officeDocument/2006/math">
-                    <m:r>
-                      <a:rPr lang="nl-NL" i="1">
-                        <a:latin typeface="Cambria Math" panose="02040503050406030204" pitchFamily="18" charset="0"/>
-                      </a:rPr>
-                      <m:t>𝑎</m:t>
-                    </m:r>
-                    <m:d>
-                      <m:dPr>
-                        <m:ctrlPr>
-                          <a:rPr lang="nl-NL" i="1">
-                            <a:latin typeface="Cambria Math" panose="02040503050406030204" pitchFamily="18" charset="0"/>
-                          </a:rPr>
-                        </m:ctrlPr>
-                      </m:dPr>
-                      <m:e>
-                        <m:r>
-                          <a:rPr lang="nl-NL" i="1">
-                            <a:latin typeface="Cambria Math" panose="02040503050406030204" pitchFamily="18" charset="0"/>
-                          </a:rPr>
-                          <m:t>𝑡</m:t>
-                        </m:r>
-                      </m:e>
-                    </m:d>
-                    <m:r>
-                      <a:rPr lang="nl-NL" i="1">
-                        <a:latin typeface="Cambria Math" panose="02040503050406030204" pitchFamily="18" charset="0"/>
-                        <a:ea typeface="Cambria Math" panose="02040503050406030204" pitchFamily="18" charset="0"/>
-                      </a:rPr>
-                      <m:t>= </m:t>
-                    </m:r>
-                    <m:f>
-                      <m:fPr>
-                        <m:ctrlPr>
-                          <a:rPr lang="nl-NL" i="1">
-                            <a:latin typeface="Cambria Math" panose="02040503050406030204" pitchFamily="18" charset="0"/>
-                            <a:ea typeface="Cambria Math" panose="02040503050406030204" pitchFamily="18" charset="0"/>
-                          </a:rPr>
-                        </m:ctrlPr>
-                      </m:fPr>
-                      <m:num>
-                        <m:r>
-                          <a:rPr lang="nl-NL" i="1">
-                            <a:latin typeface="Cambria Math" panose="02040503050406030204" pitchFamily="18" charset="0"/>
-                            <a:ea typeface="Cambria Math" panose="02040503050406030204" pitchFamily="18" charset="0"/>
-                          </a:rPr>
-                          <m:t>𝐹</m:t>
-                        </m:r>
-                        <m:r>
-                          <a:rPr lang="nl-NL" i="1">
-                            <a:latin typeface="Cambria Math" panose="02040503050406030204" pitchFamily="18" charset="0"/>
-                            <a:ea typeface="Cambria Math" panose="02040503050406030204" pitchFamily="18" charset="0"/>
-                          </a:rPr>
-                          <m:t>(</m:t>
-                        </m:r>
-                        <m:r>
-                          <a:rPr lang="nl-NL" i="1">
-                            <a:latin typeface="Cambria Math" panose="02040503050406030204" pitchFamily="18" charset="0"/>
-                            <a:ea typeface="Cambria Math" panose="02040503050406030204" pitchFamily="18" charset="0"/>
-                          </a:rPr>
-                          <m:t>𝑝</m:t>
-                        </m:r>
-                        <m:d>
-                          <m:dPr>
-                            <m:ctrlPr>
-                              <a:rPr lang="nl-NL" i="1">
-                                <a:latin typeface="Cambria Math" panose="02040503050406030204" pitchFamily="18" charset="0"/>
-                                <a:ea typeface="Cambria Math" panose="02040503050406030204" pitchFamily="18" charset="0"/>
-                              </a:rPr>
-                            </m:ctrlPr>
-                          </m:dPr>
-                          <m:e>
                             <m:r>
-                              <a:rPr lang="nl-NL" i="1">
+                              <a:rPr lang="nl-NL" b="0" i="1" smtClean="0">
                                 <a:latin typeface="Cambria Math" panose="02040503050406030204" pitchFamily="18" charset="0"/>
                                 <a:ea typeface="Cambria Math" panose="02040503050406030204" pitchFamily="18" charset="0"/>
                               </a:rPr>
@@ -13984,14 +13929,14 @@
                           </m:e>
                         </m:d>
                         <m:r>
-                          <a:rPr lang="nl-NL" i="1">
+                          <a:rPr lang="nl-NL" b="0" i="1" smtClean="0">
                             <a:latin typeface="Cambria Math" panose="02040503050406030204" pitchFamily="18" charset="0"/>
                             <a:ea typeface="Cambria Math" panose="02040503050406030204" pitchFamily="18" charset="0"/>
                           </a:rPr>
                           <m:t>,   </m:t>
                         </m:r>
                         <m:r>
-                          <a:rPr lang="nl-NL" i="1">
+                          <a:rPr lang="nl-NL" b="0" i="1" smtClean="0">
                             <a:latin typeface="Cambria Math" panose="02040503050406030204" pitchFamily="18" charset="0"/>
                             <a:ea typeface="Cambria Math" panose="02040503050406030204" pitchFamily="18" charset="0"/>
                           </a:rPr>
@@ -14000,7 +13945,7 @@
                         <m:d>
                           <m:dPr>
                             <m:ctrlPr>
-                              <a:rPr lang="nl-NL" i="1">
+                              <a:rPr lang="nl-NL" b="0" i="1" smtClean="0">
                                 <a:latin typeface="Cambria Math" panose="02040503050406030204" pitchFamily="18" charset="0"/>
                                 <a:ea typeface="Cambria Math" panose="02040503050406030204" pitchFamily="18" charset="0"/>
                               </a:rPr>
@@ -14008,7 +13953,21 @@
                           </m:dPr>
                           <m:e>
                             <m:r>
-                              <a:rPr lang="nl-NL" i="1">
+                              <a:rPr lang="nl-NL" b="0" i="1" smtClean="0">
+                                <a:latin typeface="Cambria Math" panose="02040503050406030204" pitchFamily="18" charset="0"/>
+                                <a:ea typeface="Cambria Math" panose="02040503050406030204" pitchFamily="18" charset="0"/>
+                              </a:rPr>
+                              <m:t>𝑡</m:t>
+                            </m:r>
+                            <m:r>
+                              <a:rPr lang="nl-NL" b="0" i="1" smtClean="0">
+                                <a:latin typeface="Cambria Math" panose="02040503050406030204" pitchFamily="18" charset="0"/>
+                                <a:ea typeface="Cambria Math" panose="02040503050406030204" pitchFamily="18" charset="0"/>
+                              </a:rPr>
+                              <m:t>+∆</m:t>
+                            </m:r>
+                            <m:r>
+                              <a:rPr lang="nl-NL" b="0" i="1" smtClean="0">
                                 <a:latin typeface="Cambria Math" panose="02040503050406030204" pitchFamily="18" charset="0"/>
                                 <a:ea typeface="Cambria Math" panose="02040503050406030204" pitchFamily="18" charset="0"/>
                               </a:rPr>
@@ -14017,7 +13976,7 @@
                           </m:e>
                         </m:d>
                         <m:r>
-                          <a:rPr lang="nl-NL" i="1">
+                          <a:rPr lang="nl-NL" b="0" i="1" smtClean="0">
                             <a:latin typeface="Cambria Math" panose="02040503050406030204" pitchFamily="18" charset="0"/>
                             <a:ea typeface="Cambria Math" panose="02040503050406030204" pitchFamily="18" charset="0"/>
                           </a:rPr>
@@ -14026,7 +13985,7 @@
                       </m:num>
                       <m:den>
                         <m:r>
-                          <a:rPr lang="nl-NL" i="1">
+                          <a:rPr lang="nl-NL" b="0" i="1" smtClean="0">
                             <a:latin typeface="Cambria Math" panose="02040503050406030204" pitchFamily="18" charset="0"/>
                             <a:ea typeface="Cambria Math" panose="02040503050406030204" pitchFamily="18" charset="0"/>
                           </a:rPr>
@@ -14036,11 +13995,7 @@
                     </m:f>
                   </m:oMath>
                 </a14:m>
-                <a:r>
-                  <a:rPr lang="nl-NL" dirty="0"/>
-                  <a:t> </a:t>
-                </a:r>
-                <a:endParaRPr lang="en-US" dirty="0"/>
+                <a:endParaRPr lang="en-GB" dirty="0"/>
               </a:p>
               <a:p>
                 <a14:m>
@@ -14066,19 +14021,116 @@
                           </a:rPr>
                           <m:t>𝑡</m:t>
                         </m:r>
+                        <m:r>
+                          <a:rPr lang="nl-NL" b="0" i="1" smtClean="0">
+                            <a:latin typeface="Cambria Math" panose="02040503050406030204" pitchFamily="18" charset="0"/>
+                          </a:rPr>
+                          <m:t>+∆</m:t>
+                        </m:r>
+                        <m:r>
+                          <a:rPr lang="nl-NL" b="0" i="1" smtClean="0">
+                            <a:latin typeface="Cambria Math" panose="02040503050406030204" pitchFamily="18" charset="0"/>
+                            <a:ea typeface="Cambria Math" panose="02040503050406030204" pitchFamily="18" charset="0"/>
+                          </a:rPr>
+                          <m:t>𝑡</m:t>
+                        </m:r>
                       </m:e>
                     </m:d>
                     <m:r>
                       <a:rPr lang="nl-NL" b="0" i="1" smtClean="0">
                         <a:latin typeface="Cambria Math" panose="02040503050406030204" pitchFamily="18" charset="0"/>
+                        <a:ea typeface="Cambria Math" panose="02040503050406030204" pitchFamily="18" charset="0"/>
                       </a:rPr>
                       <m:t>=</m:t>
+                    </m:r>
+                    <m:r>
+                      <a:rPr lang="nl-NL" b="0" i="1" smtClean="0">
+                        <a:latin typeface="Cambria Math" panose="02040503050406030204" pitchFamily="18" charset="0"/>
+                        <a:ea typeface="Cambria Math" panose="02040503050406030204" pitchFamily="18" charset="0"/>
+                      </a:rPr>
+                      <m:t>𝑣</m:t>
+                    </m:r>
+                    <m:d>
+                      <m:dPr>
+                        <m:ctrlPr>
+                          <a:rPr lang="nl-NL" b="0" i="1" smtClean="0">
+                            <a:latin typeface="Cambria Math" panose="02040503050406030204" pitchFamily="18" charset="0"/>
+                            <a:ea typeface="Cambria Math" panose="02040503050406030204" pitchFamily="18" charset="0"/>
+                          </a:rPr>
+                        </m:ctrlPr>
+                      </m:dPr>
+                      <m:e>
+                        <m:r>
+                          <a:rPr lang="nl-NL" b="0" i="1" smtClean="0">
+                            <a:latin typeface="Cambria Math" panose="02040503050406030204" pitchFamily="18" charset="0"/>
+                            <a:ea typeface="Cambria Math" panose="02040503050406030204" pitchFamily="18" charset="0"/>
+                          </a:rPr>
+                          <m:t>𝑡</m:t>
+                        </m:r>
+                        <m:r>
+                          <a:rPr lang="nl-NL" b="0" i="1" smtClean="0">
+                            <a:latin typeface="Cambria Math" panose="02040503050406030204" pitchFamily="18" charset="0"/>
+                            <a:ea typeface="Cambria Math" panose="02040503050406030204" pitchFamily="18" charset="0"/>
+                          </a:rPr>
+                          <m:t>+</m:t>
+                        </m:r>
+                        <m:f>
+                          <m:fPr>
+                            <m:ctrlPr>
+                              <a:rPr lang="nl-NL" b="0" i="1" smtClean="0">
+                                <a:latin typeface="Cambria Math" panose="02040503050406030204" pitchFamily="18" charset="0"/>
+                                <a:ea typeface="Cambria Math" panose="02040503050406030204" pitchFamily="18" charset="0"/>
+                              </a:rPr>
+                            </m:ctrlPr>
+                          </m:fPr>
+                          <m:num>
+                            <m:r>
+                              <a:rPr lang="nl-NL" b="0" i="1" smtClean="0">
+                                <a:latin typeface="Cambria Math" panose="02040503050406030204" pitchFamily="18" charset="0"/>
+                                <a:ea typeface="Cambria Math" panose="02040503050406030204" pitchFamily="18" charset="0"/>
+                              </a:rPr>
+                              <m:t>1</m:t>
+                            </m:r>
+                          </m:num>
+                          <m:den>
+                            <m:r>
+                              <a:rPr lang="nl-NL" b="0" i="1" smtClean="0">
+                                <a:latin typeface="Cambria Math" panose="02040503050406030204" pitchFamily="18" charset="0"/>
+                                <a:ea typeface="Cambria Math" panose="02040503050406030204" pitchFamily="18" charset="0"/>
+                              </a:rPr>
+                              <m:t>2</m:t>
+                            </m:r>
+                          </m:den>
+                        </m:f>
+                        <m:r>
+                          <a:rPr lang="nl-NL" b="0" i="1" smtClean="0">
+                            <a:latin typeface="Cambria Math" panose="02040503050406030204" pitchFamily="18" charset="0"/>
+                            <a:ea typeface="Cambria Math" panose="02040503050406030204" pitchFamily="18" charset="0"/>
+                          </a:rPr>
+                          <m:t>∆</m:t>
+                        </m:r>
+                        <m:r>
+                          <a:rPr lang="nl-NL" b="0" i="1" smtClean="0">
+                            <a:latin typeface="Cambria Math" panose="02040503050406030204" pitchFamily="18" charset="0"/>
+                            <a:ea typeface="Cambria Math" panose="02040503050406030204" pitchFamily="18" charset="0"/>
+                          </a:rPr>
+                          <m:t>𝑡</m:t>
+                        </m:r>
+                      </m:e>
+                    </m:d>
+                    <m:r>
+                      <a:rPr lang="nl-NL" b="0" i="1" smtClean="0">
+                        <a:latin typeface="Cambria Math" panose="02040503050406030204" pitchFamily="18" charset="0"/>
+                        <a:ea typeface="Cambria Math" panose="02040503050406030204" pitchFamily="18" charset="0"/>
+                      </a:rPr>
+                      <m:t>+</m:t>
                     </m:r>
                     <m:f>
                       <m:fPr>
                         <m:ctrlPr>
                           <a:rPr lang="nl-NL" b="0" i="1" smtClean="0">
                             <a:latin typeface="Cambria Math" panose="02040503050406030204" pitchFamily="18" charset="0"/>
+                            <a:ea typeface="Cambria Math" panose="02040503050406030204" pitchFamily="18" charset="0"/>
                           </a:rPr>
                         </m:ctrlPr>
                       </m:fPr>
@@ -14086,168 +14138,76 @@
                         <m:r>
                           <a:rPr lang="nl-NL" b="0" i="1" smtClean="0">
                             <a:latin typeface="Cambria Math" panose="02040503050406030204" pitchFamily="18" charset="0"/>
-                          </a:rPr>
-                          <m:t>𝑝</m:t>
-                        </m:r>
-                        <m:d>
-                          <m:dPr>
-                            <m:ctrlPr>
-                              <a:rPr lang="nl-NL" b="0" i="1" smtClean="0">
-                                <a:latin typeface="Cambria Math" panose="02040503050406030204" pitchFamily="18" charset="0"/>
-                              </a:rPr>
-                            </m:ctrlPr>
-                          </m:dPr>
-                          <m:e>
-                            <m:r>
-                              <a:rPr lang="nl-NL" b="0" i="1" smtClean="0">
-                                <a:latin typeface="Cambria Math" panose="02040503050406030204" pitchFamily="18" charset="0"/>
-                              </a:rPr>
-                              <m:t>𝑡</m:t>
-                            </m:r>
-                            <m:r>
-                              <a:rPr lang="nl-NL" b="0" i="1" smtClean="0">
-                                <a:latin typeface="Cambria Math" panose="02040503050406030204" pitchFamily="18" charset="0"/>
-                              </a:rPr>
-                              <m:t>+∆</m:t>
-                            </m:r>
-                            <m:r>
-                              <a:rPr lang="nl-NL" b="0" i="1" smtClean="0">
-                                <a:latin typeface="Cambria Math" panose="02040503050406030204" pitchFamily="18" charset="0"/>
-                                <a:ea typeface="Cambria Math" panose="02040503050406030204" pitchFamily="18" charset="0"/>
-                              </a:rPr>
-                              <m:t>𝑡</m:t>
-                            </m:r>
-                          </m:e>
-                        </m:d>
-                        <m:r>
-                          <a:rPr lang="nl-NL" b="0" i="1" smtClean="0">
-                            <a:latin typeface="Cambria Math" panose="02040503050406030204" pitchFamily="18" charset="0"/>
                             <a:ea typeface="Cambria Math" panose="02040503050406030204" pitchFamily="18" charset="0"/>
                           </a:rPr>
-                          <m:t>−</m:t>
-                        </m:r>
-                        <m:r>
-                          <a:rPr lang="nl-NL" b="0" i="1" smtClean="0">
-                            <a:latin typeface="Cambria Math" panose="02040503050406030204" pitchFamily="18" charset="0"/>
-                            <a:ea typeface="Cambria Math" panose="02040503050406030204" pitchFamily="18" charset="0"/>
-                          </a:rPr>
-                          <m:t>𝑝</m:t>
-                        </m:r>
-                        <m:r>
-                          <a:rPr lang="nl-NL" b="0" i="1" smtClean="0">
-                            <a:latin typeface="Cambria Math" panose="02040503050406030204" pitchFamily="18" charset="0"/>
-                            <a:ea typeface="Cambria Math" panose="02040503050406030204" pitchFamily="18" charset="0"/>
-                          </a:rPr>
-                          <m:t>(</m:t>
-                        </m:r>
-                        <m:r>
-                          <a:rPr lang="nl-NL" b="0" i="1" smtClean="0">
-                            <a:latin typeface="Cambria Math" panose="02040503050406030204" pitchFamily="18" charset="0"/>
-                            <a:ea typeface="Cambria Math" panose="02040503050406030204" pitchFamily="18" charset="0"/>
-                          </a:rPr>
-                          <m:t>𝑡</m:t>
-                        </m:r>
-                        <m:r>
-                          <a:rPr lang="nl-NL" b="0" i="1" smtClean="0">
-                            <a:latin typeface="Cambria Math" panose="02040503050406030204" pitchFamily="18" charset="0"/>
-                            <a:ea typeface="Cambria Math" panose="02040503050406030204" pitchFamily="18" charset="0"/>
-                          </a:rPr>
-                          <m:t>−∆</m:t>
-                        </m:r>
-                        <m:r>
-                          <a:rPr lang="nl-NL" b="0" i="1" smtClean="0">
-                            <a:latin typeface="Cambria Math" panose="02040503050406030204" pitchFamily="18" charset="0"/>
-                            <a:ea typeface="Cambria Math" panose="02040503050406030204" pitchFamily="18" charset="0"/>
-                          </a:rPr>
-                          <m:t>𝑡</m:t>
-                        </m:r>
-                        <m:r>
-                          <a:rPr lang="nl-NL" b="0" i="1" smtClean="0">
-                            <a:latin typeface="Cambria Math" panose="02040503050406030204" pitchFamily="18" charset="0"/>
-                            <a:ea typeface="Cambria Math" panose="02040503050406030204" pitchFamily="18" charset="0"/>
-                          </a:rPr>
-                          <m:t>)</m:t>
+                          <m:t>1</m:t>
                         </m:r>
                       </m:num>
                       <m:den>
                         <m:r>
                           <a:rPr lang="nl-NL" b="0" i="1" smtClean="0">
                             <a:latin typeface="Cambria Math" panose="02040503050406030204" pitchFamily="18" charset="0"/>
+                            <a:ea typeface="Cambria Math" panose="02040503050406030204" pitchFamily="18" charset="0"/>
                           </a:rPr>
                           <m:t>2</m:t>
-                        </m:r>
-                        <m:r>
-                          <a:rPr lang="nl-NL" b="0" i="1" smtClean="0">
-                            <a:latin typeface="Cambria Math" panose="02040503050406030204" pitchFamily="18" charset="0"/>
-                            <a:ea typeface="Cambria Math" panose="02040503050406030204" pitchFamily="18" charset="0"/>
-                          </a:rPr>
-                          <m:t>∆</m:t>
-                        </m:r>
-                        <m:r>
-                          <a:rPr lang="nl-NL" b="0" i="1" smtClean="0">
-                            <a:latin typeface="Cambria Math" panose="02040503050406030204" pitchFamily="18" charset="0"/>
-                            <a:ea typeface="Cambria Math" panose="02040503050406030204" pitchFamily="18" charset="0"/>
-                          </a:rPr>
-                          <m:t>𝑡</m:t>
                         </m:r>
                       </m:den>
                     </m:f>
                     <m:r>
                       <a:rPr lang="nl-NL" b="0" i="1" smtClean="0">
                         <a:latin typeface="Cambria Math" panose="02040503050406030204" pitchFamily="18" charset="0"/>
+                        <a:ea typeface="Cambria Math" panose="02040503050406030204" pitchFamily="18" charset="0"/>
                       </a:rPr>
-                      <m:t>+</m:t>
+                      <m:t>𝑎</m:t>
                     </m:r>
-                    <m:r>
-                      <a:rPr lang="nl-NL" b="0" i="1" smtClean="0">
-                        <a:latin typeface="Cambria Math" panose="02040503050406030204" pitchFamily="18" charset="0"/>
-                      </a:rPr>
-                      <m:t>𝑂</m:t>
-                    </m:r>
-                    <m:r>
-                      <a:rPr lang="nl-NL" b="0" i="1" smtClean="0">
-                        <a:latin typeface="Cambria Math" panose="02040503050406030204" pitchFamily="18" charset="0"/>
-                      </a:rPr>
-                      <m:t>(∆</m:t>
-                    </m:r>
-                    <m:sSup>
-                      <m:sSupPr>
-                        <m:ctrlPr>
-                          <a:rPr lang="nl-NL" b="0" i="1" smtClean="0">
-                            <a:latin typeface="Cambria Math" panose="02040503050406030204" pitchFamily="18" charset="0"/>
-                            <a:ea typeface="Cambria Math" panose="02040503050406030204" pitchFamily="18" charset="0"/>
-                          </a:rPr>
-                        </m:ctrlPr>
-                      </m:sSupPr>
-                      <m:e>
-                        <m:r>
-                          <a:rPr lang="nl-NL" b="0" i="1" smtClean="0">
-                            <a:latin typeface="Cambria Math" panose="02040503050406030204" pitchFamily="18" charset="0"/>
-                            <a:ea typeface="Cambria Math" panose="02040503050406030204" pitchFamily="18" charset="0"/>
-                          </a:rPr>
-                          <m:t>𝑡</m:t>
-                        </m:r>
-                      </m:e>
-                      <m:sup>
-                        <m:r>
-                          <a:rPr lang="nl-NL" b="0" i="1" smtClean="0">
-                            <a:latin typeface="Cambria Math" panose="02040503050406030204" pitchFamily="18" charset="0"/>
-                            <a:ea typeface="Cambria Math" panose="02040503050406030204" pitchFamily="18" charset="0"/>
-                          </a:rPr>
-                          <m:t>2</m:t>
-                        </m:r>
-                      </m:sup>
-                    </m:sSup>
                     <m:r>
                       <a:rPr lang="nl-NL" b="0" i="1" smtClean="0">
                         <a:latin typeface="Cambria Math" panose="02040503050406030204" pitchFamily="18" charset="0"/>
                         <a:ea typeface="Cambria Math" panose="02040503050406030204" pitchFamily="18" charset="0"/>
                       </a:rPr>
-                      <m:t>)</m:t>
+                      <m:t>(</m:t>
+                    </m:r>
+                    <m:r>
+                      <a:rPr lang="nl-NL" b="0" i="1" smtClean="0">
+                        <a:latin typeface="Cambria Math" panose="02040503050406030204" pitchFamily="18" charset="0"/>
+                        <a:ea typeface="Cambria Math" panose="02040503050406030204" pitchFamily="18" charset="0"/>
+                      </a:rPr>
+                      <m:t>𝑡</m:t>
+                    </m:r>
+                    <m:r>
+                      <a:rPr lang="nl-NL" b="0" i="1" smtClean="0">
+                        <a:latin typeface="Cambria Math" panose="02040503050406030204" pitchFamily="18" charset="0"/>
+                        <a:ea typeface="Cambria Math" panose="02040503050406030204" pitchFamily="18" charset="0"/>
+                      </a:rPr>
+                      <m:t>+∆</m:t>
+                    </m:r>
+                    <m:r>
+                      <a:rPr lang="nl-NL" b="0" i="1" smtClean="0">
+                        <a:latin typeface="Cambria Math" panose="02040503050406030204" pitchFamily="18" charset="0"/>
+                        <a:ea typeface="Cambria Math" panose="02040503050406030204" pitchFamily="18" charset="0"/>
+                      </a:rPr>
+                      <m:t>𝑡</m:t>
+                    </m:r>
+                    <m:r>
+                      <a:rPr lang="nl-NL" b="0" i="1" smtClean="0">
+                        <a:latin typeface="Cambria Math" panose="02040503050406030204" pitchFamily="18" charset="0"/>
+                        <a:ea typeface="Cambria Math" panose="02040503050406030204" pitchFamily="18" charset="0"/>
+                      </a:rPr>
+                      <m:t>)∆</m:t>
+                    </m:r>
+                    <m:r>
+                      <a:rPr lang="nl-NL" b="0" i="1" smtClean="0">
+                        <a:latin typeface="Cambria Math" panose="02040503050406030204" pitchFamily="18" charset="0"/>
+                        <a:ea typeface="Cambria Math" panose="02040503050406030204" pitchFamily="18" charset="0"/>
+                      </a:rPr>
+                      <m:t>𝑡</m:t>
                     </m:r>
                   </m:oMath>
                 </a14:m>
-                <a:endParaRPr lang="en-US" dirty="0"/>
+                <a:endParaRPr lang="en-GB" dirty="0"/>
+              </a:p>
+              <a:p>
+                <a:endParaRPr lang="en-GB" dirty="0"/>
               </a:p>
             </p:txBody>
           </p:sp>
@@ -14273,7 +14233,7 @@
               <a:blipFill>
                 <a:blip r:embed="rId3"/>
                 <a:stretch>
-                  <a:fillRect l="-424" t="-810"/>
+                  <a:fillRect/>
                 </a:stretch>
               </a:blipFill>
             </p:spPr>
@@ -14295,7 +14255,7 @@
     </p:spTree>
     <p:extLst>
       <p:ext uri="{BB962C8B-B14F-4D97-AF65-F5344CB8AC3E}">
-        <p14:creationId xmlns:p14="http://schemas.microsoft.com/office/powerpoint/2010/main" val="2122963621"/>
+        <p14:creationId xmlns:p14="http://schemas.microsoft.com/office/powerpoint/2010/main" val="3972284105"/>
       </p:ext>
     </p:extLst>
   </p:cSld>
@@ -14927,24 +14887,6 @@
 </file>
 
 <file path=customXml/item1.xml><?xml version="1.0" encoding="utf-8"?>
-<p:properties xmlns:p="http://schemas.microsoft.com/office/2006/metadata/properties" xmlns:xsi="http://www.w3.org/2001/XMLSchema-instance" xmlns:pc="http://schemas.microsoft.com/office/infopath/2007/PartnerControls">
-  <documentManagement>
-    <Status xmlns="71af3243-3dd4-4a8d-8c0d-dd76da1f02a5">Not started</Status>
-    <MediaServiceKeyPoints xmlns="71af3243-3dd4-4a8d-8c0d-dd76da1f02a5" xsi:nil="true"/>
-  </documentManagement>
-</p:properties>
-</file>
-
-<file path=customXml/item2.xml><?xml version="1.0" encoding="utf-8"?>
-<?mso-contentType ?>
-<FormTemplates xmlns="http://schemas.microsoft.com/sharepoint/v3/contenttype/forms">
-  <Display>DocumentLibraryForm</Display>
-  <Edit>DocumentLibraryForm</Edit>
-  <New>DocumentLibraryForm</New>
-</FormTemplates>
-</file>
-
-<file path=customXml/item3.xml><?xml version="1.0" encoding="utf-8"?>
 <ct:contentTypeSchema xmlns:ct="http://schemas.microsoft.com/office/2006/metadata/contentType" xmlns:ma="http://schemas.microsoft.com/office/2006/metadata/properties/metaAttributes" ct:_="" ma:_="" ma:contentTypeName="Document" ma:contentTypeID="0x01010079F111ED35F8CC479449609E8A0923A6" ma:contentTypeVersion="12" ma:contentTypeDescription="Create a new document." ma:contentTypeScope="" ma:versionID="a410dd7f93c95333ffa1b60ed6adedd1">
   <xsd:schema xmlns:xsd="http://www.w3.org/2001/XMLSchema" xmlns:xs="http://www.w3.org/2001/XMLSchema" xmlns:p="http://schemas.microsoft.com/office/2006/metadata/properties" xmlns:ns2="71af3243-3dd4-4a8d-8c0d-dd76da1f02a5" xmlns:ns3="16c05727-aa75-4e4a-9b5f-8a80a1165891" targetNamespace="http://schemas.microsoft.com/office/2006/metadata/properties" ma:root="true" ma:fieldsID="a936d9baba76aa3866493feff160faab" ns2:_="" ns3:_="">
     <xsd:import namespace="71af3243-3dd4-4a8d-8c0d-dd76da1f02a5"/>
@@ -15165,25 +15107,25 @@
 </ct:contentTypeSchema>
 </file>
 
-<file path=customXml/itemProps1.xml><?xml version="1.0" encoding="utf-8"?>
-<ds:datastoreItem xmlns:ds="http://schemas.openxmlformats.org/officeDocument/2006/customXml" ds:itemID="{626E351D-C19B-467F-A5C7-085C4CECACA9}">
-  <ds:schemaRefs>
-    <ds:schemaRef ds:uri="http://schemas.microsoft.com/office/2006/metadata/properties"/>
-    <ds:schemaRef ds:uri="http://schemas.microsoft.com/office/infopath/2007/PartnerControls"/>
-    <ds:schemaRef ds:uri="71af3243-3dd4-4a8d-8c0d-dd76da1f02a5"/>
-  </ds:schemaRefs>
-</ds:datastoreItem>
+<file path=customXml/item2.xml><?xml version="1.0" encoding="utf-8"?>
+<?mso-contentType ?>
+<FormTemplates xmlns="http://schemas.microsoft.com/sharepoint/v3/contenttype/forms">
+  <Display>DocumentLibraryForm</Display>
+  <Edit>DocumentLibraryForm</Edit>
+  <New>DocumentLibraryForm</New>
+</FormTemplates>
 </file>
 
-<file path=customXml/itemProps2.xml><?xml version="1.0" encoding="utf-8"?>
-<ds:datastoreItem xmlns:ds="http://schemas.openxmlformats.org/officeDocument/2006/customXml" ds:itemID="{3C586965-D4BF-4605-8C1C-5B8CCCAB7737}">
-  <ds:schemaRefs>
-    <ds:schemaRef ds:uri="http://schemas.microsoft.com/sharepoint/v3/contenttype/forms"/>
-  </ds:schemaRefs>
-</ds:datastoreItem>
+<file path=customXml/item3.xml><?xml version="1.0" encoding="utf-8"?>
+<p:properties xmlns:p="http://schemas.microsoft.com/office/2006/metadata/properties" xmlns:xsi="http://www.w3.org/2001/XMLSchema-instance" xmlns:pc="http://schemas.microsoft.com/office/infopath/2007/PartnerControls">
+  <documentManagement>
+    <Status xmlns="71af3243-3dd4-4a8d-8c0d-dd76da1f02a5">Not started</Status>
+    <MediaServiceKeyPoints xmlns="71af3243-3dd4-4a8d-8c0d-dd76da1f02a5" xsi:nil="true"/>
+  </documentManagement>
+</p:properties>
 </file>
 
-<file path=customXml/itemProps3.xml><?xml version="1.0" encoding="utf-8"?>
+<file path=customXml/itemProps1.xml><?xml version="1.0" encoding="utf-8"?>
 <ds:datastoreItem xmlns:ds="http://schemas.openxmlformats.org/officeDocument/2006/customXml" ds:itemID="{6E499CE6-06FC-4D3E-8B56-30558CC9D1A4}">
   <ds:schemaRefs>
     <ds:schemaRef ds:uri="http://schemas.microsoft.com/office/2006/metadata/contentType"/>
@@ -15200,4 +15142,22 @@
     <ds:schemaRef ds:uri="http://schemas.microsoft.com/internal/obd"/>
   </ds:schemaRefs>
 </ds:datastoreItem>
+</file>
+
+<file path=customXml/itemProps2.xml><?xml version="1.0" encoding="utf-8"?>
+<ds:datastoreItem xmlns:ds="http://schemas.openxmlformats.org/officeDocument/2006/customXml" ds:itemID="{3C586965-D4BF-4605-8C1C-5B8CCCAB7737}">
+  <ds:schemaRefs>
+    <ds:schemaRef ds:uri="http://schemas.microsoft.com/sharepoint/v3/contenttype/forms"/>
+  </ds:schemaRefs>
+</ds:datastoreItem>
+</file>
+
+<file path=customXml/itemProps3.xml><?xml version="1.0" encoding="utf-8"?>
+<ds:datastoreItem xmlns:ds="http://schemas.openxmlformats.org/officeDocument/2006/customXml" ds:itemID="{626E351D-C19B-467F-A5C7-085C4CECACA9}">
+  <ds:schemaRefs>
+    <ds:schemaRef ds:uri="http://schemas.microsoft.com/office/2006/metadata/properties"/>
+    <ds:schemaRef ds:uri="http://schemas.microsoft.com/office/infopath/2007/PartnerControls"/>
+    <ds:schemaRef ds:uri="71af3243-3dd4-4a8d-8c0d-dd76da1f02a5"/>
+  </ds:schemaRefs>
+</ds:datastoreItem>
 </file>
--- a/04-PresentationThirdPhase.pptx
+++ b/04-PresentationThirdPhase.pptx
@@ -5,7 +5,7 @@
     <p:sldMasterId id="2147483660" r:id="rId4"/>
   </p:sldMasterIdLst>
   <p:notesMasterIdLst>
-    <p:notesMasterId r:id="rId24"/>
+    <p:notesMasterId r:id="rId26"/>
   </p:notesMasterIdLst>
   <p:sldIdLst>
     <p:sldId id="265" r:id="rId5"/>
@@ -23,10 +23,12 @@
     <p:sldId id="319" r:id="rId17"/>
     <p:sldId id="330" r:id="rId18"/>
     <p:sldId id="313" r:id="rId19"/>
-    <p:sldId id="320" r:id="rId20"/>
-    <p:sldId id="322" r:id="rId21"/>
-    <p:sldId id="324" r:id="rId22"/>
-    <p:sldId id="327" r:id="rId23"/>
+    <p:sldId id="332" r:id="rId20"/>
+    <p:sldId id="333" r:id="rId21"/>
+    <p:sldId id="320" r:id="rId22"/>
+    <p:sldId id="322" r:id="rId23"/>
+    <p:sldId id="324" r:id="rId24"/>
+    <p:sldId id="327" r:id="rId25"/>
   </p:sldIdLst>
   <p:sldSz cx="12192000" cy="6858000"/>
   <p:notesSz cx="6858000" cy="9144000"/>
@@ -139,7 +141,7 @@
 <file path=ppt/charts/chart1.xml><?xml version="1.0" encoding="utf-8"?>
 <c:chartSpace xmlns:c="http://schemas.openxmlformats.org/drawingml/2006/chart" xmlns:a="http://schemas.openxmlformats.org/drawingml/2006/main" xmlns:r="http://schemas.openxmlformats.org/officeDocument/2006/relationships" xmlns:c16r2="http://schemas.microsoft.com/office/drawing/2015/06/chart">
   <c:date1904 val="0"/>
-  <c:lang val="nl-NL"/>
+  <c:lang val="en-US"/>
   <c:roundedCorners val="0"/>
   <mc:AlternateContent xmlns:mc="http://schemas.openxmlformats.org/markup-compatibility/2006">
     <mc:Choice xmlns:c14="http://schemas.microsoft.com/office/drawing/2007/8/2/chart" Requires="c14">
@@ -201,7 +203,7 @@
               <a:cs typeface="+mn-cs"/>
             </a:defRPr>
           </a:pPr>
-          <a:endParaRPr lang="en-US"/>
+          <a:endParaRPr lang="nl-NL"/>
         </a:p>
       </c:txPr>
     </c:title>
@@ -515,7 +517,7 @@
                 <a:cs typeface="+mn-cs"/>
               </a:defRPr>
             </a:pPr>
-            <a:endParaRPr lang="en-US"/>
+            <a:endParaRPr lang="nl-NL"/>
           </a:p>
         </c:txPr>
         <c:crossAx val="690337440"/>
@@ -574,7 +576,7 @@
                 <a:cs typeface="+mn-cs"/>
               </a:defRPr>
             </a:pPr>
-            <a:endParaRPr lang="en-US"/>
+            <a:endParaRPr lang="nl-NL"/>
           </a:p>
         </c:txPr>
         <c:crossAx val="547336896"/>
@@ -616,7 +618,7 @@
               <a:cs typeface="+mn-cs"/>
             </a:defRPr>
           </a:pPr>
-          <a:endParaRPr lang="en-US"/>
+          <a:endParaRPr lang="nl-NL"/>
         </a:p>
       </c:txPr>
     </c:legend>
@@ -645,7 +647,7 @@
       <a:pPr>
         <a:defRPr/>
       </a:pPr>
-      <a:endParaRPr lang="en-US"/>
+      <a:endParaRPr lang="nl-NL"/>
     </a:p>
   </c:txPr>
   <c:externalData r:id="rId3">
@@ -657,7 +659,7 @@
 <file path=ppt/charts/chart2.xml><?xml version="1.0" encoding="utf-8"?>
 <c:chartSpace xmlns:c="http://schemas.openxmlformats.org/drawingml/2006/chart" xmlns:a="http://schemas.openxmlformats.org/drawingml/2006/main" xmlns:r="http://schemas.openxmlformats.org/officeDocument/2006/relationships" xmlns:c16r2="http://schemas.microsoft.com/office/drawing/2015/06/chart">
   <c:date1904 val="0"/>
-  <c:lang val="nl-NL"/>
+  <c:lang val="en-US"/>
   <c:roundedCorners val="0"/>
   <mc:AlternateContent xmlns:mc="http://schemas.openxmlformats.org/markup-compatibility/2006">
     <mc:Choice xmlns:c14="http://schemas.microsoft.com/office/drawing/2007/8/2/chart" Requires="c14">
@@ -694,7 +696,7 @@
               <a:cs typeface="+mn-cs"/>
             </a:defRPr>
           </a:pPr>
-          <a:endParaRPr lang="en-US"/>
+          <a:endParaRPr lang="nl-NL"/>
         </a:p>
       </c:txPr>
     </c:title>
@@ -918,7 +920,7 @@
                 <a:cs typeface="+mn-cs"/>
               </a:defRPr>
             </a:pPr>
-            <a:endParaRPr lang="en-US"/>
+            <a:endParaRPr lang="nl-NL"/>
           </a:p>
         </c:txPr>
         <c:crossAx val="641512976"/>
@@ -977,7 +979,7 @@
                 <a:cs typeface="+mn-cs"/>
               </a:defRPr>
             </a:pPr>
-            <a:endParaRPr lang="en-US"/>
+            <a:endParaRPr lang="nl-NL"/>
           </a:p>
         </c:txPr>
         <c:crossAx val="723243472"/>
@@ -1019,7 +1021,7 @@
               <a:cs typeface="+mn-cs"/>
             </a:defRPr>
           </a:pPr>
-          <a:endParaRPr lang="en-US"/>
+          <a:endParaRPr lang="nl-NL"/>
         </a:p>
       </c:txPr>
     </c:legend>
@@ -1048,7 +1050,7 @@
       <a:pPr>
         <a:defRPr/>
       </a:pPr>
-      <a:endParaRPr lang="en-US"/>
+      <a:endParaRPr lang="nl-NL"/>
     </a:p>
   </c:txPr>
   <c:externalData r:id="rId3">
@@ -2225,7 +2227,7 @@
           <a:p>
             <a:fld id="{05052211-91C2-4B5D-9566-2C0C10015937}" type="datetimeFigureOut">
               <a:rPr lang="nl-NL" smtClean="0"/>
-              <a:t>21-6-2020</a:t>
+              <a:t>22-6-2020</a:t>
             </a:fld>
             <a:endParaRPr lang="nl-NL"/>
           </a:p>
@@ -2384,7 +2386,7 @@
           <a:p>
             <a:fld id="{F917F88C-BACD-4A94-B7B7-C91B49D4CB7C}" type="slidenum">
               <a:rPr lang="nl-NL" smtClean="0"/>
-              <a:t>‹nr.›</a:t>
+              <a:t>‹#›</a:t>
             </a:fld>
             <a:endParaRPr lang="nl-NL"/>
           </a:p>
@@ -2738,7 +2740,7 @@
           <a:p>
             <a:fld id="{F917F88C-BACD-4A94-B7B7-C91B49D4CB7C}" type="slidenum">
               <a:rPr lang="nl-NL" smtClean="0"/>
-              <a:t>17</a:t>
+              <a:t>19</a:t>
             </a:fld>
             <a:endParaRPr lang="nl-NL"/>
           </a:p>
@@ -2843,7 +2845,7 @@
           <a:p>
             <a:fld id="{F917F88C-BACD-4A94-B7B7-C91B49D4CB7C}" type="slidenum">
               <a:rPr lang="nl-NL" smtClean="0"/>
-              <a:t>18</a:t>
+              <a:t>20</a:t>
             </a:fld>
             <a:endParaRPr lang="nl-NL"/>
           </a:p>
@@ -2948,7 +2950,7 @@
           <a:p>
             <a:fld id="{F917F88C-BACD-4A94-B7B7-C91B49D4CB7C}" type="slidenum">
               <a:rPr lang="nl-NL" smtClean="0"/>
-              <a:t>19</a:t>
+              <a:t>21</a:t>
             </a:fld>
             <a:endParaRPr lang="nl-NL"/>
           </a:p>
@@ -3922,7 +3924,7 @@
           <a:p>
             <a:fld id="{9184DA70-C731-4C70-880D-CCD4705E623C}" type="datetime1">
               <a:rPr lang="en-US" smtClean="0"/>
-              <a:t>6/21/2020</a:t>
+              <a:t>6/22/2020</a:t>
             </a:fld>
             <a:endParaRPr lang="en-US" dirty="0"/>
           </a:p>
@@ -3976,7 +3978,7 @@
           <a:p>
             <a:fld id="{3A98EE3D-8CD1-4C3F-BD1C-C98C9596463C}" type="slidenum">
               <a:rPr lang="en-US" smtClean="0"/>
-              <a:t>‹nr.›</a:t>
+              <a:t>‹#›</a:t>
             </a:fld>
             <a:endParaRPr lang="en-US" dirty="0"/>
           </a:p>
@@ -4110,7 +4112,7 @@
           <a:p>
             <a:fld id="{4BE1D723-8F53-4F53-90B0-1982A396982E}" type="datetime1">
               <a:rPr lang="en-US" smtClean="0"/>
-              <a:t>6/21/2020</a:t>
+              <a:t>6/22/2020</a:t>
             </a:fld>
             <a:endParaRPr lang="en-US" dirty="0"/>
           </a:p>
@@ -4164,7 +4166,7 @@
           <a:p>
             <a:fld id="{3A98EE3D-8CD1-4C3F-BD1C-C98C9596463C}" type="slidenum">
               <a:rPr lang="en-US" smtClean="0"/>
-              <a:t>‹nr.›</a:t>
+              <a:t>‹#›</a:t>
             </a:fld>
             <a:endParaRPr lang="en-US" dirty="0"/>
           </a:p>
@@ -4483,7 +4485,7 @@
           <a:p>
             <a:fld id="{97669AF7-7BEB-44E4-9852-375E34362B5B}" type="datetime1">
               <a:rPr lang="en-US" smtClean="0"/>
-              <a:t>6/21/2020</a:t>
+              <a:t>6/22/2020</a:t>
             </a:fld>
             <a:endParaRPr lang="en-US" dirty="0"/>
           </a:p>
@@ -4537,7 +4539,7 @@
           <a:p>
             <a:fld id="{3A98EE3D-8CD1-4C3F-BD1C-C98C9596463C}" type="slidenum">
               <a:rPr lang="en-US" smtClean="0"/>
-              <a:t>‹nr.›</a:t>
+              <a:t>‹#›</a:t>
             </a:fld>
             <a:endParaRPr lang="en-US" dirty="0"/>
           </a:p>
@@ -4738,7 +4740,7 @@
           <a:p>
             <a:fld id="{BAAAC38D-0552-4C82-B593-E6124DFADBE2}" type="datetime1">
               <a:rPr lang="en-US" smtClean="0"/>
-              <a:t>6/21/2020</a:t>
+              <a:t>6/22/2020</a:t>
             </a:fld>
             <a:endParaRPr lang="en-US" dirty="0"/>
           </a:p>
@@ -4792,7 +4794,7 @@
           <a:p>
             <a:fld id="{3A98EE3D-8CD1-4C3F-BD1C-C98C9596463C}" type="slidenum">
               <a:rPr lang="en-US" smtClean="0"/>
-              <a:t>‹nr.›</a:t>
+              <a:t>‹#›</a:t>
             </a:fld>
             <a:endParaRPr lang="en-US" dirty="0"/>
           </a:p>
@@ -5135,7 +5137,7 @@
           <a:p>
             <a:fld id="{D9DF0F1C-5577-4ACB-BB62-DF8F3C494C7E}" type="datetime1">
               <a:rPr lang="en-US" smtClean="0"/>
-              <a:t>6/21/2020</a:t>
+              <a:t>6/22/2020</a:t>
             </a:fld>
             <a:endParaRPr lang="en-US" dirty="0"/>
           </a:p>
@@ -5189,7 +5191,7 @@
           <a:p>
             <a:fld id="{3A98EE3D-8CD1-4C3F-BD1C-C98C9596463C}" type="slidenum">
               <a:rPr lang="en-US" smtClean="0"/>
-              <a:t>‹nr.›</a:t>
+              <a:t>‹#›</a:t>
             </a:fld>
             <a:endParaRPr lang="en-US" dirty="0"/>
           </a:p>
@@ -5271,7 +5273,7 @@
           <a:p>
             <a:fld id="{1775B394-D9F9-4F0C-B15D-605F45CB9E9F}" type="datetime1">
               <a:rPr lang="en-US" smtClean="0"/>
-              <a:t>6/21/2020</a:t>
+              <a:t>6/22/2020</a:t>
             </a:fld>
             <a:endParaRPr lang="en-US" dirty="0"/>
           </a:p>
@@ -5325,7 +5327,7 @@
           <a:p>
             <a:fld id="{3A98EE3D-8CD1-4C3F-BD1C-C98C9596463C}" type="slidenum">
               <a:rPr lang="en-US" smtClean="0"/>
-              <a:t>‹nr.›</a:t>
+              <a:t>‹#›</a:t>
             </a:fld>
             <a:endParaRPr lang="en-US" dirty="0"/>
           </a:p>
@@ -5428,7 +5430,7 @@
           <a:p>
             <a:fld id="{39667345-2558-425A-8533-9BFDBCE15005}" type="datetime1">
               <a:rPr lang="en-US" smtClean="0"/>
-              <a:t>6/21/2020</a:t>
+              <a:t>6/22/2020</a:t>
             </a:fld>
             <a:endParaRPr lang="en-US" dirty="0"/>
           </a:p>
@@ -5482,7 +5484,7 @@
           <a:p>
             <a:fld id="{3A98EE3D-8CD1-4C3F-BD1C-C98C9596463C}" type="slidenum">
               <a:rPr lang="en-US" smtClean="0"/>
-              <a:t>‹nr.›</a:t>
+              <a:t>‹#›</a:t>
             </a:fld>
             <a:endParaRPr lang="en-US" dirty="0"/>
           </a:p>
@@ -5757,7 +5759,7 @@
           <a:p>
             <a:fld id="{92BEA474-078D-4E9B-9B14-09A87B19DC46}" type="datetime1">
               <a:rPr lang="en-US" smtClean="0"/>
-              <a:t>6/21/2020</a:t>
+              <a:t>6/22/2020</a:t>
             </a:fld>
             <a:endParaRPr lang="en-US" dirty="0"/>
           </a:p>
@@ -5821,7 +5823,7 @@
             <a:fld id="{3A98EE3D-8CD1-4C3F-BD1C-C98C9596463C}" type="slidenum">
               <a:rPr lang="en-US" smtClean="0"/>
               <a:pPr/>
-              <a:t>‹nr.›</a:t>
+              <a:t>‹#›</a:t>
             </a:fld>
             <a:endParaRPr lang="en-US" dirty="0"/>
           </a:p>
@@ -6107,7 +6109,7 @@
           <a:p>
             <a:fld id="{4907D986-8816-4272-A432-0437A28A9828}" type="datetime1">
               <a:rPr lang="en-US" smtClean="0"/>
-              <a:t>6/21/2020</a:t>
+              <a:t>6/22/2020</a:t>
             </a:fld>
             <a:endParaRPr lang="en-US" dirty="0"/>
           </a:p>
@@ -6155,7 +6157,7 @@
           <a:p>
             <a:fld id="{3A98EE3D-8CD1-4C3F-BD1C-C98C9596463C}" type="slidenum">
               <a:rPr lang="en-US" smtClean="0"/>
-              <a:t>‹nr.›</a:t>
+              <a:t>‹#›</a:t>
             </a:fld>
             <a:endParaRPr lang="en-US" dirty="0"/>
           </a:p>
@@ -6368,7 +6370,7 @@
           <a:p>
             <a:fld id="{62D6E202-B606-4609-B914-27C9371A1F6D}" type="datetime1">
               <a:rPr lang="en-US" smtClean="0"/>
-              <a:t>6/21/2020</a:t>
+              <a:t>6/22/2020</a:t>
             </a:fld>
             <a:endParaRPr lang="en-US" dirty="0"/>
           </a:p>
@@ -6442,7 +6444,7 @@
           <a:p>
             <a:fld id="{3A98EE3D-8CD1-4C3F-BD1C-C98C9596463C}" type="slidenum">
               <a:rPr lang="en-US" smtClean="0"/>
-              <a:t>‹nr.›</a:t>
+              <a:t>‹#›</a:t>
             </a:fld>
             <a:endParaRPr lang="en-US" dirty="0"/>
           </a:p>
@@ -7530,8 +7532,8 @@
           </a:p>
         </p:txBody>
       </p:sp>
-      <mc:AlternateContent xmlns:mc="http://schemas.openxmlformats.org/markup-compatibility/2006">
-        <mc:Choice xmlns:a14="http://schemas.microsoft.com/office/drawing/2010/main" Requires="a14">
+      <mc:AlternateContent xmlns:mc="http://schemas.openxmlformats.org/markup-compatibility/2006" xmlns:a14="http://schemas.microsoft.com/office/drawing/2010/main">
+        <mc:Choice Requires="a14">
           <p:sp>
             <p:nvSpPr>
               <p:cNvPr id="3" name="Content Placeholder 2">
@@ -9162,7 +9164,7 @@
             </p:txBody>
           </p:sp>
         </mc:Choice>
-        <mc:Fallback>
+        <mc:Fallback xmlns="">
           <p:sp>
             <p:nvSpPr>
               <p:cNvPr id="3" name="Content Placeholder 2">
@@ -9559,8 +9561,8 @@
           </a:p>
         </p:txBody>
       </p:sp>
-      <mc:AlternateContent xmlns:mc="http://schemas.openxmlformats.org/markup-compatibility/2006">
-        <mc:Choice xmlns:a14="http://schemas.microsoft.com/office/drawing/2010/main" Requires="a14">
+      <mc:AlternateContent xmlns:mc="http://schemas.openxmlformats.org/markup-compatibility/2006" xmlns:a14="http://schemas.microsoft.com/office/drawing/2010/main">
+        <mc:Choice Requires="a14">
           <p:sp>
             <p:nvSpPr>
               <p:cNvPr id="3" name="Content Placeholder 2">
@@ -10559,7 +10561,7 @@
             </p:txBody>
           </p:sp>
         </mc:Choice>
-        <mc:Fallback>
+        <mc:Fallback xmlns="">
           <p:sp>
             <p:nvSpPr>
               <p:cNvPr id="3" name="Content Placeholder 2">
@@ -10830,7 +10832,7 @@
           <a:p>
             <a:r>
               <a:rPr lang="en-US" dirty="0"/>
-              <a:t>Bot</a:t>
+              <a:t>Single Shot Bot</a:t>
             </a:r>
           </a:p>
         </p:txBody>
@@ -10856,10 +10858,7 @@
           <a:bodyPr/>
           <a:lstStyle/>
           <a:p>
-            <a:r>
-              <a:rPr lang="en-US" dirty="0"/>
-              <a:t>- New bot explanation</a:t>
-            </a:r>
+            <a:endParaRPr lang="en-US" dirty="0"/>
           </a:p>
         </p:txBody>
       </p:sp>
@@ -10898,6 +10897,174 @@
           <p:cNvPr id="2" name="Title 1">
             <a:extLst>
               <a:ext uri="{FF2B5EF4-FFF2-40B4-BE49-F238E27FC236}">
+                <a16:creationId xmlns:a16="http://schemas.microsoft.com/office/drawing/2014/main" id="{63D06BF1-877A-4219-BA51-AF999FC079E6}"/>
+              </a:ext>
+            </a:extLst>
+          </p:cNvPr>
+          <p:cNvSpPr>
+            <a:spLocks noGrp="1"/>
+          </p:cNvSpPr>
+          <p:nvPr>
+            <p:ph type="title"/>
+          </p:nvPr>
+        </p:nvSpPr>
+        <p:spPr/>
+        <p:txBody>
+          <a:bodyPr/>
+          <a:lstStyle/>
+          <a:p>
+            <a:r>
+              <a:rPr lang="en-US" dirty="0"/>
+              <a:t>BFS Graph Bot</a:t>
+            </a:r>
+            <a:endParaRPr lang="nl-NL" dirty="0"/>
+          </a:p>
+        </p:txBody>
+      </p:sp>
+      <p:sp>
+        <p:nvSpPr>
+          <p:cNvPr id="3" name="Content Placeholder 2">
+            <a:extLst>
+              <a:ext uri="{FF2B5EF4-FFF2-40B4-BE49-F238E27FC236}">
+                <a16:creationId xmlns:a16="http://schemas.microsoft.com/office/drawing/2014/main" id="{098D9F7B-126A-410E-881A-6F47451123DE}"/>
+              </a:ext>
+            </a:extLst>
+          </p:cNvPr>
+          <p:cNvSpPr>
+            <a:spLocks noGrp="1"/>
+          </p:cNvSpPr>
+          <p:nvPr>
+            <p:ph idx="1"/>
+          </p:nvPr>
+        </p:nvSpPr>
+        <p:spPr/>
+        <p:txBody>
+          <a:bodyPr/>
+          <a:lstStyle/>
+          <a:p>
+            <a:endParaRPr lang="nl-NL"/>
+          </a:p>
+        </p:txBody>
+      </p:sp>
+    </p:spTree>
+    <p:extLst>
+      <p:ext uri="{BB962C8B-B14F-4D97-AF65-F5344CB8AC3E}">
+        <p14:creationId xmlns:p14="http://schemas.microsoft.com/office/powerpoint/2010/main" val="763570164"/>
+      </p:ext>
+    </p:extLst>
+  </p:cSld>
+  <p:clrMapOvr>
+    <a:masterClrMapping/>
+  </p:clrMapOvr>
+</p:sld>
+</file>
+
+<file path=ppt/slides/slide17.xml><?xml version="1.0" encoding="utf-8"?>
+<p:sld xmlns:a="http://schemas.openxmlformats.org/drawingml/2006/main" xmlns:r="http://schemas.openxmlformats.org/officeDocument/2006/relationships" xmlns:p="http://schemas.openxmlformats.org/presentationml/2006/main">
+  <p:cSld>
+    <p:spTree>
+      <p:nvGrpSpPr>
+        <p:cNvPr id="1" name=""/>
+        <p:cNvGrpSpPr/>
+        <p:nvPr/>
+      </p:nvGrpSpPr>
+      <p:grpSpPr>
+        <a:xfrm>
+          <a:off x="0" y="0"/>
+          <a:ext cx="0" cy="0"/>
+          <a:chOff x="0" y="0"/>
+          <a:chExt cx="0" cy="0"/>
+        </a:xfrm>
+      </p:grpSpPr>
+      <p:sp>
+        <p:nvSpPr>
+          <p:cNvPr id="2" name="Title 1">
+            <a:extLst>
+              <a:ext uri="{FF2B5EF4-FFF2-40B4-BE49-F238E27FC236}">
+                <a16:creationId xmlns:a16="http://schemas.microsoft.com/office/drawing/2014/main" id="{6A017E4A-2ABC-4269-A259-9DB5FCFA878A}"/>
+              </a:ext>
+            </a:extLst>
+          </p:cNvPr>
+          <p:cNvSpPr>
+            <a:spLocks noGrp="1"/>
+          </p:cNvSpPr>
+          <p:nvPr>
+            <p:ph type="title"/>
+          </p:nvPr>
+        </p:nvSpPr>
+        <p:spPr/>
+        <p:txBody>
+          <a:bodyPr/>
+          <a:lstStyle/>
+          <a:p>
+            <a:r>
+              <a:rPr lang="en-US" dirty="0"/>
+              <a:t>A* Bot</a:t>
+            </a:r>
+            <a:endParaRPr lang="nl-NL" dirty="0"/>
+          </a:p>
+        </p:txBody>
+      </p:sp>
+      <p:sp>
+        <p:nvSpPr>
+          <p:cNvPr id="3" name="Content Placeholder 2">
+            <a:extLst>
+              <a:ext uri="{FF2B5EF4-FFF2-40B4-BE49-F238E27FC236}">
+                <a16:creationId xmlns:a16="http://schemas.microsoft.com/office/drawing/2014/main" id="{6FB12979-3BAA-4143-9ED9-BBBD2B8C1F83}"/>
+              </a:ext>
+            </a:extLst>
+          </p:cNvPr>
+          <p:cNvSpPr>
+            <a:spLocks noGrp="1"/>
+          </p:cNvSpPr>
+          <p:nvPr>
+            <p:ph idx="1"/>
+          </p:nvPr>
+        </p:nvSpPr>
+        <p:spPr/>
+        <p:txBody>
+          <a:bodyPr/>
+          <a:lstStyle/>
+          <a:p>
+            <a:endParaRPr lang="nl-NL"/>
+          </a:p>
+        </p:txBody>
+      </p:sp>
+    </p:spTree>
+    <p:extLst>
+      <p:ext uri="{BB962C8B-B14F-4D97-AF65-F5344CB8AC3E}">
+        <p14:creationId xmlns:p14="http://schemas.microsoft.com/office/powerpoint/2010/main" val="1199054610"/>
+      </p:ext>
+    </p:extLst>
+  </p:cSld>
+  <p:clrMapOvr>
+    <a:masterClrMapping/>
+  </p:clrMapOvr>
+</p:sld>
+</file>
+
+<file path=ppt/slides/slide18.xml><?xml version="1.0" encoding="utf-8"?>
+<p:sld xmlns:a="http://schemas.openxmlformats.org/drawingml/2006/main" xmlns:r="http://schemas.openxmlformats.org/officeDocument/2006/relationships" xmlns:p="http://schemas.openxmlformats.org/presentationml/2006/main">
+  <p:cSld>
+    <p:spTree>
+      <p:nvGrpSpPr>
+        <p:cNvPr id="1" name=""/>
+        <p:cNvGrpSpPr/>
+        <p:nvPr/>
+      </p:nvGrpSpPr>
+      <p:grpSpPr>
+        <a:xfrm>
+          <a:off x="0" y="0"/>
+          <a:ext cx="0" cy="0"/>
+          <a:chOff x="0" y="0"/>
+          <a:chExt cx="0" cy="0"/>
+        </a:xfrm>
+      </p:grpSpPr>
+      <p:sp>
+        <p:nvSpPr>
+          <p:cNvPr id="2" name="Title 1">
+            <a:extLst>
+              <a:ext uri="{FF2B5EF4-FFF2-40B4-BE49-F238E27FC236}">
                 <a16:creationId xmlns:a16="http://schemas.microsoft.com/office/drawing/2014/main" id="{29F19A6B-CDB2-8D48-97AF-EC9F49EA2578}"/>
               </a:ext>
             </a:extLst>
@@ -10916,7 +11083,7 @@
           <a:p>
             <a:r>
               <a:rPr lang="en-US" dirty="0"/>
-              <a:t>Experiments</a:t>
+              <a:t>Experiment</a:t>
             </a:r>
           </a:p>
         </p:txBody>
@@ -10942,10 +11109,7 @@
           <a:bodyPr/>
           <a:lstStyle/>
           <a:p>
-            <a:r>
-              <a:rPr lang="en-US" dirty="0"/>
-              <a:t>- TODO</a:t>
-            </a:r>
+            <a:endParaRPr lang="en-US" dirty="0"/>
           </a:p>
         </p:txBody>
       </p:sp>
@@ -10962,7 +11126,7 @@
 </p:sld>
 </file>
 
-<file path=ppt/slides/slide17.xml><?xml version="1.0" encoding="utf-8"?>
+<file path=ppt/slides/slide19.xml><?xml version="1.0" encoding="utf-8"?>
 <p:sld xmlns:a="http://schemas.openxmlformats.org/drawingml/2006/main" xmlns:r="http://schemas.openxmlformats.org/officeDocument/2006/relationships" xmlns:p="http://schemas.openxmlformats.org/presentationml/2006/main">
   <p:cSld>
     <p:spTree>
@@ -11028,7 +11192,54 @@
           <a:bodyPr/>
           <a:lstStyle/>
           <a:p>
-            <a:endParaRPr lang="en-US"/>
+            <a:pPr>
+              <a:buFont typeface="Arial" panose="020B0604020202020204" pitchFamily="34" charset="0"/>
+              <a:buChar char="•"/>
+            </a:pPr>
+            <a:r>
+              <a:rPr lang="en-US" dirty="0"/>
+              <a:t> Graphics engine</a:t>
+            </a:r>
+          </a:p>
+          <a:p>
+            <a:pPr>
+              <a:buFont typeface="Arial" panose="020B0604020202020204" pitchFamily="34" charset="0"/>
+              <a:buChar char="•"/>
+            </a:pPr>
+            <a:r>
+              <a:rPr lang="en-US" dirty="0"/>
+              <a:t> Collision detection</a:t>
+            </a:r>
+          </a:p>
+          <a:p>
+            <a:pPr>
+              <a:buFont typeface="Arial" panose="020B0604020202020204" pitchFamily="34" charset="0"/>
+              <a:buChar char="•"/>
+            </a:pPr>
+            <a:r>
+              <a:rPr lang="en-US" dirty="0"/>
+              <a:t> Physics solvers</a:t>
+            </a:r>
+          </a:p>
+          <a:p>
+            <a:pPr>
+              <a:buFont typeface="Arial" panose="020B0604020202020204" pitchFamily="34" charset="0"/>
+              <a:buChar char="•"/>
+            </a:pPr>
+            <a:r>
+              <a:rPr lang="en-US" dirty="0"/>
+              <a:t> Flying and bouncing balls</a:t>
+            </a:r>
+          </a:p>
+          <a:p>
+            <a:pPr>
+              <a:buFont typeface="Arial" panose="020B0604020202020204" pitchFamily="34" charset="0"/>
+              <a:buChar char="•"/>
+            </a:pPr>
+            <a:r>
+              <a:rPr lang="en-US" dirty="0"/>
+              <a:t> AI</a:t>
+            </a:r>
           </a:p>
         </p:txBody>
       </p:sp>
@@ -11036,174 +11247,6 @@
     <p:extLst>
       <p:ext uri="{BB962C8B-B14F-4D97-AF65-F5344CB8AC3E}">
         <p14:creationId xmlns:p14="http://schemas.microsoft.com/office/powerpoint/2010/main" val="2578131005"/>
-      </p:ext>
-    </p:extLst>
-  </p:cSld>
-  <p:clrMapOvr>
-    <a:masterClrMapping/>
-  </p:clrMapOvr>
-</p:sld>
-</file>
-
-<file path=ppt/slides/slide18.xml><?xml version="1.0" encoding="utf-8"?>
-<p:sld xmlns:a="http://schemas.openxmlformats.org/drawingml/2006/main" xmlns:r="http://schemas.openxmlformats.org/officeDocument/2006/relationships" xmlns:p="http://schemas.openxmlformats.org/presentationml/2006/main">
-  <p:cSld>
-    <p:spTree>
-      <p:nvGrpSpPr>
-        <p:cNvPr id="1" name=""/>
-        <p:cNvGrpSpPr/>
-        <p:nvPr/>
-      </p:nvGrpSpPr>
-      <p:grpSpPr>
-        <a:xfrm>
-          <a:off x="0" y="0"/>
-          <a:ext cx="0" cy="0"/>
-          <a:chOff x="0" y="0"/>
-          <a:chExt cx="0" cy="0"/>
-        </a:xfrm>
-      </p:grpSpPr>
-      <p:sp>
-        <p:nvSpPr>
-          <p:cNvPr id="2" name="Title 1">
-            <a:extLst>
-              <a:ext uri="{FF2B5EF4-FFF2-40B4-BE49-F238E27FC236}">
-                <a16:creationId xmlns:a16="http://schemas.microsoft.com/office/drawing/2014/main" id="{829E259F-FE68-4055-B7BD-1312721101B5}"/>
-              </a:ext>
-            </a:extLst>
-          </p:cNvPr>
-          <p:cNvSpPr>
-            <a:spLocks noGrp="1"/>
-          </p:cNvSpPr>
-          <p:nvPr>
-            <p:ph type="title"/>
-          </p:nvPr>
-        </p:nvSpPr>
-        <p:spPr/>
-        <p:txBody>
-          <a:bodyPr/>
-          <a:lstStyle/>
-          <a:p>
-            <a:r>
-              <a:rPr lang="en-US" dirty="0"/>
-              <a:t>Questions</a:t>
-            </a:r>
-            <a:endParaRPr lang="nl-NL" dirty="0"/>
-          </a:p>
-        </p:txBody>
-      </p:sp>
-      <p:sp>
-        <p:nvSpPr>
-          <p:cNvPr id="3" name="Content Placeholder 2">
-            <a:extLst>
-              <a:ext uri="{FF2B5EF4-FFF2-40B4-BE49-F238E27FC236}">
-                <a16:creationId xmlns:a16="http://schemas.microsoft.com/office/drawing/2014/main" id="{C9B3192F-3F18-48D2-9AD9-5FB803B1B522}"/>
-              </a:ext>
-            </a:extLst>
-          </p:cNvPr>
-          <p:cNvSpPr>
-            <a:spLocks noGrp="1"/>
-          </p:cNvSpPr>
-          <p:nvPr>
-            <p:ph idx="1"/>
-          </p:nvPr>
-        </p:nvSpPr>
-        <p:spPr/>
-        <p:txBody>
-          <a:bodyPr/>
-          <a:lstStyle/>
-          <a:p>
-            <a:endParaRPr lang="nl-NL"/>
-          </a:p>
-        </p:txBody>
-      </p:sp>
-    </p:spTree>
-    <p:extLst>
-      <p:ext uri="{BB962C8B-B14F-4D97-AF65-F5344CB8AC3E}">
-        <p14:creationId xmlns:p14="http://schemas.microsoft.com/office/powerpoint/2010/main" val="566507608"/>
-      </p:ext>
-    </p:extLst>
-  </p:cSld>
-  <p:clrMapOvr>
-    <a:masterClrMapping/>
-  </p:clrMapOvr>
-</p:sld>
-</file>
-
-<file path=ppt/slides/slide19.xml><?xml version="1.0" encoding="utf-8"?>
-<p:sld xmlns:a="http://schemas.openxmlformats.org/drawingml/2006/main" xmlns:r="http://schemas.openxmlformats.org/officeDocument/2006/relationships" xmlns:p="http://schemas.openxmlformats.org/presentationml/2006/main">
-  <p:cSld>
-    <p:spTree>
-      <p:nvGrpSpPr>
-        <p:cNvPr id="1" name=""/>
-        <p:cNvGrpSpPr/>
-        <p:nvPr/>
-      </p:nvGrpSpPr>
-      <p:grpSpPr>
-        <a:xfrm>
-          <a:off x="0" y="0"/>
-          <a:ext cx="0" cy="0"/>
-          <a:chOff x="0" y="0"/>
-          <a:chExt cx="0" cy="0"/>
-        </a:xfrm>
-      </p:grpSpPr>
-      <p:sp>
-        <p:nvSpPr>
-          <p:cNvPr id="2" name="Title 1">
-            <a:extLst>
-              <a:ext uri="{FF2B5EF4-FFF2-40B4-BE49-F238E27FC236}">
-                <a16:creationId xmlns:a16="http://schemas.microsoft.com/office/drawing/2014/main" id="{83CB4DD8-CB42-424F-9E5A-2FDB23B37659}"/>
-              </a:ext>
-            </a:extLst>
-          </p:cNvPr>
-          <p:cNvSpPr>
-            <a:spLocks noGrp="1"/>
-          </p:cNvSpPr>
-          <p:nvPr>
-            <p:ph type="title"/>
-          </p:nvPr>
-        </p:nvSpPr>
-        <p:spPr/>
-        <p:txBody>
-          <a:bodyPr/>
-          <a:lstStyle/>
-          <a:p>
-            <a:r>
-              <a:rPr lang="en-US" dirty="0"/>
-              <a:t>Sources</a:t>
-            </a:r>
-            <a:endParaRPr lang="nl-NL" dirty="0"/>
-          </a:p>
-        </p:txBody>
-      </p:sp>
-      <p:sp>
-        <p:nvSpPr>
-          <p:cNvPr id="3" name="Content Placeholder 2">
-            <a:extLst>
-              <a:ext uri="{FF2B5EF4-FFF2-40B4-BE49-F238E27FC236}">
-                <a16:creationId xmlns:a16="http://schemas.microsoft.com/office/drawing/2014/main" id="{5482C07E-4C00-4318-851C-0ABA7BC3E702}"/>
-              </a:ext>
-            </a:extLst>
-          </p:cNvPr>
-          <p:cNvSpPr>
-            <a:spLocks noGrp="1"/>
-          </p:cNvSpPr>
-          <p:nvPr>
-            <p:ph idx="1"/>
-          </p:nvPr>
-        </p:nvSpPr>
-        <p:spPr/>
-        <p:txBody>
-          <a:bodyPr/>
-          <a:lstStyle/>
-          <a:p>
-            <a:endParaRPr lang="nl-NL" dirty="0"/>
-          </a:p>
-        </p:txBody>
-      </p:sp>
-    </p:spTree>
-    <p:extLst>
-      <p:ext uri="{BB962C8B-B14F-4D97-AF65-F5344CB8AC3E}">
-        <p14:creationId xmlns:p14="http://schemas.microsoft.com/office/powerpoint/2010/main" val="1912911425"/>
       </p:ext>
     </p:extLst>
   </p:cSld>
@@ -11317,6 +11360,512 @@
     <p:extLst>
       <p:ext uri="{BB962C8B-B14F-4D97-AF65-F5344CB8AC3E}">
         <p14:creationId xmlns:p14="http://schemas.microsoft.com/office/powerpoint/2010/main" val="503401743"/>
+      </p:ext>
+    </p:extLst>
+  </p:cSld>
+  <p:clrMapOvr>
+    <a:masterClrMapping/>
+  </p:clrMapOvr>
+</p:sld>
+</file>
+
+<file path=ppt/slides/slide20.xml><?xml version="1.0" encoding="utf-8"?>
+<p:sld xmlns:a="http://schemas.openxmlformats.org/drawingml/2006/main" xmlns:r="http://schemas.openxmlformats.org/officeDocument/2006/relationships" xmlns:p="http://schemas.openxmlformats.org/presentationml/2006/main">
+  <p:cSld>
+    <p:spTree>
+      <p:nvGrpSpPr>
+        <p:cNvPr id="1" name=""/>
+        <p:cNvGrpSpPr/>
+        <p:nvPr/>
+      </p:nvGrpSpPr>
+      <p:grpSpPr>
+        <a:xfrm>
+          <a:off x="0" y="0"/>
+          <a:ext cx="0" cy="0"/>
+          <a:chOff x="0" y="0"/>
+          <a:chExt cx="0" cy="0"/>
+        </a:xfrm>
+      </p:grpSpPr>
+      <p:sp>
+        <p:nvSpPr>
+          <p:cNvPr id="2" name="Title 1">
+            <a:extLst>
+              <a:ext uri="{FF2B5EF4-FFF2-40B4-BE49-F238E27FC236}">
+                <a16:creationId xmlns:a16="http://schemas.microsoft.com/office/drawing/2014/main" id="{829E259F-FE68-4055-B7BD-1312721101B5}"/>
+              </a:ext>
+            </a:extLst>
+          </p:cNvPr>
+          <p:cNvSpPr>
+            <a:spLocks noGrp="1"/>
+          </p:cNvSpPr>
+          <p:nvPr>
+            <p:ph type="title"/>
+          </p:nvPr>
+        </p:nvSpPr>
+        <p:spPr/>
+        <p:txBody>
+          <a:bodyPr/>
+          <a:lstStyle/>
+          <a:p>
+            <a:r>
+              <a:rPr lang="en-US" dirty="0"/>
+              <a:t>Questions</a:t>
+            </a:r>
+            <a:endParaRPr lang="nl-NL" dirty="0"/>
+          </a:p>
+        </p:txBody>
+      </p:sp>
+      <p:sp>
+        <p:nvSpPr>
+          <p:cNvPr id="3" name="Content Placeholder 2">
+            <a:extLst>
+              <a:ext uri="{FF2B5EF4-FFF2-40B4-BE49-F238E27FC236}">
+                <a16:creationId xmlns:a16="http://schemas.microsoft.com/office/drawing/2014/main" id="{C9B3192F-3F18-48D2-9AD9-5FB803B1B522}"/>
+              </a:ext>
+            </a:extLst>
+          </p:cNvPr>
+          <p:cNvSpPr>
+            <a:spLocks noGrp="1"/>
+          </p:cNvSpPr>
+          <p:nvPr>
+            <p:ph idx="1"/>
+          </p:nvPr>
+        </p:nvSpPr>
+        <p:spPr/>
+        <p:txBody>
+          <a:bodyPr/>
+          <a:lstStyle/>
+          <a:p>
+            <a:endParaRPr lang="nl-NL"/>
+          </a:p>
+        </p:txBody>
+      </p:sp>
+    </p:spTree>
+    <p:extLst>
+      <p:ext uri="{BB962C8B-B14F-4D97-AF65-F5344CB8AC3E}">
+        <p14:creationId xmlns:p14="http://schemas.microsoft.com/office/powerpoint/2010/main" val="566507608"/>
+      </p:ext>
+    </p:extLst>
+  </p:cSld>
+  <p:clrMapOvr>
+    <a:masterClrMapping/>
+  </p:clrMapOvr>
+</p:sld>
+</file>
+
+<file path=ppt/slides/slide21.xml><?xml version="1.0" encoding="utf-8"?>
+<p:sld xmlns:a="http://schemas.openxmlformats.org/drawingml/2006/main" xmlns:r="http://schemas.openxmlformats.org/officeDocument/2006/relationships" xmlns:p="http://schemas.openxmlformats.org/presentationml/2006/main">
+  <p:cSld>
+    <p:spTree>
+      <p:nvGrpSpPr>
+        <p:cNvPr id="1" name=""/>
+        <p:cNvGrpSpPr/>
+        <p:nvPr/>
+      </p:nvGrpSpPr>
+      <p:grpSpPr>
+        <a:xfrm>
+          <a:off x="0" y="0"/>
+          <a:ext cx="0" cy="0"/>
+          <a:chOff x="0" y="0"/>
+          <a:chExt cx="0" cy="0"/>
+        </a:xfrm>
+      </p:grpSpPr>
+      <p:sp>
+        <p:nvSpPr>
+          <p:cNvPr id="2" name="Title 1">
+            <a:extLst>
+              <a:ext uri="{FF2B5EF4-FFF2-40B4-BE49-F238E27FC236}">
+                <a16:creationId xmlns:a16="http://schemas.microsoft.com/office/drawing/2014/main" id="{83CB4DD8-CB42-424F-9E5A-2FDB23B37659}"/>
+              </a:ext>
+            </a:extLst>
+          </p:cNvPr>
+          <p:cNvSpPr>
+            <a:spLocks noGrp="1"/>
+          </p:cNvSpPr>
+          <p:nvPr>
+            <p:ph type="title"/>
+          </p:nvPr>
+        </p:nvSpPr>
+        <p:spPr/>
+        <p:txBody>
+          <a:bodyPr/>
+          <a:lstStyle/>
+          <a:p>
+            <a:r>
+              <a:rPr lang="en-US" dirty="0"/>
+              <a:t>Sources</a:t>
+            </a:r>
+            <a:endParaRPr lang="nl-NL" dirty="0"/>
+          </a:p>
+        </p:txBody>
+      </p:sp>
+      <p:sp>
+        <p:nvSpPr>
+          <p:cNvPr id="3" name="Content Placeholder 2">
+            <a:extLst>
+              <a:ext uri="{FF2B5EF4-FFF2-40B4-BE49-F238E27FC236}">
+                <a16:creationId xmlns:a16="http://schemas.microsoft.com/office/drawing/2014/main" id="{5482C07E-4C00-4318-851C-0ABA7BC3E702}"/>
+              </a:ext>
+            </a:extLst>
+          </p:cNvPr>
+          <p:cNvSpPr>
+            <a:spLocks noGrp="1"/>
+          </p:cNvSpPr>
+          <p:nvPr>
+            <p:ph idx="1"/>
+          </p:nvPr>
+        </p:nvSpPr>
+        <p:spPr/>
+        <p:txBody>
+          <a:bodyPr>
+            <a:normAutofit fontScale="70000" lnSpcReduction="20000"/>
+          </a:bodyPr>
+          <a:lstStyle/>
+          <a:p>
+            <a:r>
+              <a:rPr lang="nl-NL" dirty="0"/>
+              <a:t>[1] </a:t>
+            </a:r>
+            <a:r>
+              <a:rPr lang="nl-NL" dirty="0" err="1"/>
+              <a:t>Inc</a:t>
+            </a:r>
+            <a:r>
+              <a:rPr lang="nl-NL" dirty="0"/>
+              <a:t> </a:t>
+            </a:r>
+            <a:r>
+              <a:rPr lang="nl-NL" dirty="0" err="1"/>
+              <a:t>Epic</a:t>
+            </a:r>
+            <a:r>
+              <a:rPr lang="nl-NL" dirty="0"/>
+              <a:t> games. Chaos </a:t>
+            </a:r>
+            <a:r>
+              <a:rPr lang="nl-NL" dirty="0" err="1"/>
+              <a:t>Destruction</a:t>
+            </a:r>
+            <a:r>
+              <a:rPr lang="nl-NL" dirty="0"/>
+              <a:t>, </a:t>
+            </a:r>
+            <a:r>
+              <a:rPr lang="nl-NL" dirty="0" err="1"/>
+              <a:t>accessed</a:t>
+            </a:r>
+            <a:r>
+              <a:rPr lang="nl-NL" dirty="0"/>
+              <a:t> 10-06-2020. https://docs.unrealengine.com/en-US/Engine/Chaos/ChaosDestruction/ index.html.</a:t>
+            </a:r>
+          </a:p>
+          <a:p>
+            <a:r>
+              <a:rPr lang="nl-NL" dirty="0"/>
+              <a:t>[2] The </a:t>
+            </a:r>
+            <a:r>
+              <a:rPr lang="nl-NL" dirty="0" err="1"/>
+              <a:t>AlphaStar</a:t>
+            </a:r>
+            <a:r>
+              <a:rPr lang="nl-NL" dirty="0"/>
+              <a:t>. </a:t>
+            </a:r>
+            <a:r>
+              <a:rPr lang="nl-NL" dirty="0" err="1"/>
+              <a:t>AlphaStar</a:t>
+            </a:r>
+            <a:r>
+              <a:rPr lang="nl-NL" dirty="0"/>
+              <a:t>: Mastering </a:t>
+            </a:r>
+            <a:r>
+              <a:rPr lang="nl-NL" dirty="0" err="1"/>
+              <a:t>the</a:t>
+            </a:r>
+            <a:r>
+              <a:rPr lang="nl-NL" dirty="0"/>
+              <a:t> </a:t>
+            </a:r>
+            <a:r>
+              <a:rPr lang="nl-NL" dirty="0" err="1"/>
+              <a:t>RealTime</a:t>
+            </a:r>
+            <a:r>
+              <a:rPr lang="nl-NL" dirty="0"/>
+              <a:t> </a:t>
+            </a:r>
+            <a:r>
+              <a:rPr lang="nl-NL" dirty="0" err="1"/>
+              <a:t>Strategy</a:t>
+            </a:r>
+            <a:r>
+              <a:rPr lang="nl-NL" dirty="0"/>
+              <a:t> Game </a:t>
+            </a:r>
+            <a:r>
+              <a:rPr lang="nl-NL" dirty="0" err="1"/>
+              <a:t>StarCraft</a:t>
+            </a:r>
+            <a:r>
+              <a:rPr lang="nl-NL" dirty="0"/>
+              <a:t> II, </a:t>
+            </a:r>
+            <a:r>
+              <a:rPr lang="nl-NL" dirty="0" err="1"/>
+              <a:t>accessed</a:t>
+            </a:r>
+            <a:r>
+              <a:rPr lang="nl-NL" dirty="0"/>
+              <a:t> 10-06-2020. https://deepmind.com/blog/article/alphastar-mastering-real-time-strategy-game-starcraft-ii.</a:t>
+            </a:r>
+          </a:p>
+          <a:p>
+            <a:r>
+              <a:rPr lang="nl-NL" dirty="0"/>
+              <a:t>[3] </a:t>
+            </a:r>
+            <a:r>
+              <a:rPr lang="nl-NL" dirty="0" err="1"/>
+              <a:t>Cass</a:t>
+            </a:r>
+            <a:r>
+              <a:rPr lang="nl-NL" dirty="0"/>
+              <a:t> </a:t>
+            </a:r>
+            <a:r>
+              <a:rPr lang="nl-NL" dirty="0" err="1"/>
+              <a:t>Everitt</a:t>
+            </a:r>
+            <a:r>
+              <a:rPr lang="nl-NL" dirty="0"/>
+              <a:t>. </a:t>
+            </a:r>
+            <a:r>
+              <a:rPr lang="nl-NL" dirty="0" err="1"/>
+              <a:t>Projective</a:t>
+            </a:r>
+            <a:r>
+              <a:rPr lang="nl-NL" dirty="0"/>
+              <a:t> </a:t>
+            </a:r>
+            <a:r>
+              <a:rPr lang="nl-NL" dirty="0" err="1"/>
+              <a:t>Texture</a:t>
+            </a:r>
+            <a:r>
+              <a:rPr lang="nl-NL" dirty="0"/>
+              <a:t> </a:t>
+            </a:r>
+            <a:r>
+              <a:rPr lang="nl-NL" dirty="0" err="1"/>
+              <a:t>Mapping</a:t>
+            </a:r>
+            <a:r>
+              <a:rPr lang="nl-NL" dirty="0"/>
+              <a:t> [</a:t>
+            </a:r>
+            <a:r>
+              <a:rPr lang="nl-NL" dirty="0" err="1"/>
+              <a:t>white</a:t>
+            </a:r>
+            <a:r>
+              <a:rPr lang="nl-NL" dirty="0"/>
+              <a:t> paper], 2001. https://www.nvidia.com/en-us/drivers/Projective-Texture-Mapping/.</a:t>
+            </a:r>
+          </a:p>
+          <a:p>
+            <a:r>
+              <a:rPr lang="nl-NL" dirty="0"/>
+              <a:t>[4] </a:t>
+            </a:r>
+            <a:r>
+              <a:rPr lang="nl-NL" dirty="0" err="1"/>
+              <a:t>Department</a:t>
+            </a:r>
+            <a:r>
+              <a:rPr lang="nl-NL" dirty="0"/>
+              <a:t> of Data Science and Knowledge Engineer Maastricht University. Crazy Putting, 2019-2020.</a:t>
+            </a:r>
+          </a:p>
+          <a:p>
+            <a:r>
+              <a:rPr lang="nl-NL" dirty="0"/>
+              <a:t>[5] R.E.A. Bouwens, P.A.M. de Groot, W. Kranendonk, J.P. van </a:t>
+            </a:r>
+            <a:r>
+              <a:rPr lang="nl-NL" dirty="0" err="1"/>
+              <a:t>Lune</a:t>
+            </a:r>
+            <a:r>
+              <a:rPr lang="nl-NL" dirty="0"/>
+              <a:t>, </a:t>
+            </a:r>
+            <a:r>
+              <a:rPr lang="nl-NL" dirty="0" err="1"/>
+              <a:t>C.M.Prop</a:t>
+            </a:r>
+            <a:r>
+              <a:rPr lang="nl-NL" dirty="0"/>
+              <a:t>-van den Berg, J.A.M.H. van </a:t>
+            </a:r>
+            <a:r>
+              <a:rPr lang="nl-NL" dirty="0" err="1"/>
+              <a:t>Riswick</a:t>
+            </a:r>
+            <a:r>
+              <a:rPr lang="nl-NL" dirty="0"/>
+              <a:t>, and J.J. Westra. </a:t>
+            </a:r>
+            <a:r>
+              <a:rPr lang="nl-NL" dirty="0" err="1"/>
+              <a:t>BiNaS.Groningen</a:t>
+            </a:r>
+            <a:r>
+              <a:rPr lang="nl-NL" dirty="0"/>
+              <a:t>/Houten, The Netherlands, 6 </a:t>
+            </a:r>
+            <a:r>
+              <a:rPr lang="nl-NL" dirty="0" err="1"/>
+              <a:t>edition</a:t>
+            </a:r>
+            <a:r>
+              <a:rPr lang="nl-NL" dirty="0"/>
+              <a:t>, 2013. ISBN 978-90-01-81749-7.</a:t>
+            </a:r>
+          </a:p>
+          <a:p>
+            <a:r>
+              <a:rPr lang="nl-NL" dirty="0"/>
+              <a:t>[6] </a:t>
+            </a:r>
+            <a:r>
+              <a:rPr lang="nl-NL" dirty="0" err="1"/>
+              <a:t>Anastas</a:t>
+            </a:r>
+            <a:r>
+              <a:rPr lang="nl-NL" dirty="0"/>
+              <a:t> </a:t>
+            </a:r>
+            <a:r>
+              <a:rPr lang="nl-NL" dirty="0" err="1"/>
+              <a:t>Ivanov</a:t>
+            </a:r>
+            <a:r>
+              <a:rPr lang="nl-NL" dirty="0"/>
+              <a:t> and Juliana </a:t>
+            </a:r>
+            <a:r>
+              <a:rPr lang="nl-NL" dirty="0" err="1"/>
+              <a:t>Javorova</a:t>
+            </a:r>
+            <a:r>
+              <a:rPr lang="nl-NL" dirty="0"/>
+              <a:t>. THREE DIMENSIONAL GOLFBALL FLIGHT, 2017.</a:t>
+            </a:r>
+          </a:p>
+          <a:p>
+            <a:r>
+              <a:rPr lang="nl-NL" dirty="0"/>
+              <a:t>[7] Matthias </a:t>
+            </a:r>
+            <a:r>
+              <a:rPr lang="nl-NL" dirty="0" err="1"/>
+              <a:t>Teschner</a:t>
+            </a:r>
+            <a:r>
+              <a:rPr lang="nl-NL" dirty="0"/>
+              <a:t>. </a:t>
+            </a:r>
+            <a:r>
+              <a:rPr lang="nl-NL" dirty="0" err="1"/>
+              <a:t>Simulation</a:t>
+            </a:r>
+            <a:r>
+              <a:rPr lang="nl-NL" dirty="0"/>
+              <a:t> in Computer Graphics </a:t>
+            </a:r>
+            <a:r>
+              <a:rPr lang="nl-NL" dirty="0" err="1"/>
+              <a:t>Particles</a:t>
+            </a:r>
+            <a:r>
+              <a:rPr lang="nl-NL" dirty="0"/>
+              <a:t>. Computer Science </a:t>
+            </a:r>
+            <a:r>
+              <a:rPr lang="nl-NL" dirty="0" err="1"/>
+              <a:t>Department</a:t>
+            </a:r>
+            <a:r>
+              <a:rPr lang="nl-NL" dirty="0"/>
+              <a:t> University of </a:t>
+            </a:r>
+            <a:r>
+              <a:rPr lang="nl-NL" dirty="0" err="1"/>
+              <a:t>Freiburg.https</a:t>
+            </a:r>
+            <a:r>
+              <a:rPr lang="nl-NL" dirty="0"/>
+              <a:t>://cg.informatik.uni-freiburg.de/course_notes/sim_02_particles.pdf.</a:t>
+            </a:r>
+          </a:p>
+          <a:p>
+            <a:r>
+              <a:rPr lang="nl-NL" dirty="0"/>
+              <a:t>[8] Christian </a:t>
+            </a:r>
+            <a:r>
+              <a:rPr lang="nl-NL" dirty="0" err="1"/>
+              <a:t>Holm</a:t>
+            </a:r>
+            <a:r>
+              <a:rPr lang="nl-NL" dirty="0"/>
+              <a:t>. </a:t>
+            </a:r>
+            <a:r>
+              <a:rPr lang="nl-NL" dirty="0" err="1"/>
+              <a:t>Simulation</a:t>
+            </a:r>
+            <a:r>
+              <a:rPr lang="nl-NL" dirty="0"/>
+              <a:t> </a:t>
+            </a:r>
+            <a:r>
+              <a:rPr lang="nl-NL" dirty="0" err="1"/>
+              <a:t>Methods</a:t>
+            </a:r>
+            <a:r>
+              <a:rPr lang="nl-NL" dirty="0"/>
+              <a:t> in Physics 1. </a:t>
+            </a:r>
+            <a:r>
+              <a:rPr lang="nl-NL" dirty="0" err="1"/>
+              <a:t>Institutefor</a:t>
+            </a:r>
+            <a:r>
+              <a:rPr lang="nl-NL" dirty="0"/>
+              <a:t> </a:t>
+            </a:r>
+            <a:r>
+              <a:rPr lang="nl-NL" dirty="0" err="1"/>
+              <a:t>Computational</a:t>
+            </a:r>
+            <a:r>
+              <a:rPr lang="nl-NL" dirty="0"/>
+              <a:t> Physics University of Stuttgart, 2012-2013.https://www2.icp.uni-stuttgart.de/~icp/mediawiki/images/5/54/Skript_sim_methods_I.pdf.</a:t>
+            </a:r>
+          </a:p>
+          <a:p>
+            <a:endParaRPr lang="nl-NL" dirty="0"/>
+          </a:p>
+        </p:txBody>
+      </p:sp>
+    </p:spTree>
+    <p:extLst>
+      <p:ext uri="{BB962C8B-B14F-4D97-AF65-F5344CB8AC3E}">
+        <p14:creationId xmlns:p14="http://schemas.microsoft.com/office/powerpoint/2010/main" val="1912911425"/>
       </p:ext>
     </p:extLst>
   </p:cSld>
@@ -11537,13 +12086,13 @@
           <a:p>
             <a:r>
               <a:rPr lang="en-US" dirty="0"/>
-              <a:t>2. Physics and experiments</a:t>
+              <a:t>2. Physics </a:t>
             </a:r>
           </a:p>
           <a:p>
             <a:r>
               <a:rPr lang="en-US" dirty="0"/>
-              <a:t>3. Bots and experiments  </a:t>
+              <a:t>3. Bots</a:t>
             </a:r>
           </a:p>
           <a:p>
@@ -14887,6 +15436,15 @@
 </file>
 
 <file path=customXml/item1.xml><?xml version="1.0" encoding="utf-8"?>
+<?mso-contentType ?>
+<FormTemplates xmlns="http://schemas.microsoft.com/sharepoint/v3/contenttype/forms">
+  <Display>DocumentLibraryForm</Display>
+  <Edit>DocumentLibraryForm</Edit>
+  <New>DocumentLibraryForm</New>
+</FormTemplates>
+</file>
+
+<file path=customXml/item2.xml><?xml version="1.0" encoding="utf-8"?>
 <ct:contentTypeSchema xmlns:ct="http://schemas.microsoft.com/office/2006/metadata/contentType" xmlns:ma="http://schemas.microsoft.com/office/2006/metadata/properties/metaAttributes" ct:_="" ma:_="" ma:contentTypeName="Document" ma:contentTypeID="0x01010079F111ED35F8CC479449609E8A0923A6" ma:contentTypeVersion="12" ma:contentTypeDescription="Create a new document." ma:contentTypeScope="" ma:versionID="a410dd7f93c95333ffa1b60ed6adedd1">
   <xsd:schema xmlns:xsd="http://www.w3.org/2001/XMLSchema" xmlns:xs="http://www.w3.org/2001/XMLSchema" xmlns:p="http://schemas.microsoft.com/office/2006/metadata/properties" xmlns:ns2="71af3243-3dd4-4a8d-8c0d-dd76da1f02a5" xmlns:ns3="16c05727-aa75-4e4a-9b5f-8a80a1165891" targetNamespace="http://schemas.microsoft.com/office/2006/metadata/properties" ma:root="true" ma:fieldsID="a936d9baba76aa3866493feff160faab" ns2:_="" ns3:_="">
     <xsd:import namespace="71af3243-3dd4-4a8d-8c0d-dd76da1f02a5"/>
@@ -15107,15 +15665,6 @@
 </ct:contentTypeSchema>
 </file>
 
-<file path=customXml/item2.xml><?xml version="1.0" encoding="utf-8"?>
-<?mso-contentType ?>
-<FormTemplates xmlns="http://schemas.microsoft.com/sharepoint/v3/contenttype/forms">
-  <Display>DocumentLibraryForm</Display>
-  <Edit>DocumentLibraryForm</Edit>
-  <New>DocumentLibraryForm</New>
-</FormTemplates>
-</file>
-
 <file path=customXml/item3.xml><?xml version="1.0" encoding="utf-8"?>
 <p:properties xmlns:p="http://schemas.microsoft.com/office/2006/metadata/properties" xmlns:xsi="http://www.w3.org/2001/XMLSchema-instance" xmlns:pc="http://schemas.microsoft.com/office/infopath/2007/PartnerControls">
   <documentManagement>
@@ -15126,6 +15675,14 @@
 </file>
 
 <file path=customXml/itemProps1.xml><?xml version="1.0" encoding="utf-8"?>
+<ds:datastoreItem xmlns:ds="http://schemas.openxmlformats.org/officeDocument/2006/customXml" ds:itemID="{3C586965-D4BF-4605-8C1C-5B8CCCAB7737}">
+  <ds:schemaRefs>
+    <ds:schemaRef ds:uri="http://schemas.microsoft.com/sharepoint/v3/contenttype/forms"/>
+  </ds:schemaRefs>
+</ds:datastoreItem>
+</file>
+
+<file path=customXml/itemProps2.xml><?xml version="1.0" encoding="utf-8"?>
 <ds:datastoreItem xmlns:ds="http://schemas.openxmlformats.org/officeDocument/2006/customXml" ds:itemID="{6E499CE6-06FC-4D3E-8B56-30558CC9D1A4}">
   <ds:schemaRefs>
     <ds:schemaRef ds:uri="http://schemas.microsoft.com/office/2006/metadata/contentType"/>
@@ -15144,14 +15701,6 @@
 </ds:datastoreItem>
 </file>
 
-<file path=customXml/itemProps2.xml><?xml version="1.0" encoding="utf-8"?>
-<ds:datastoreItem xmlns:ds="http://schemas.openxmlformats.org/officeDocument/2006/customXml" ds:itemID="{3C586965-D4BF-4605-8C1C-5B8CCCAB7737}">
-  <ds:schemaRefs>
-    <ds:schemaRef ds:uri="http://schemas.microsoft.com/sharepoint/v3/contenttype/forms"/>
-  </ds:schemaRefs>
-</ds:datastoreItem>
-</file>
-
 <file path=customXml/itemProps3.xml><?xml version="1.0" encoding="utf-8"?>
 <ds:datastoreItem xmlns:ds="http://schemas.openxmlformats.org/officeDocument/2006/customXml" ds:itemID="{626E351D-C19B-467F-A5C7-085C4CECACA9}">
   <ds:schemaRefs>

--- a/04-PresentationThirdPhase.pptx
+++ b/04-PresentationThirdPhase.pptx
@@ -5,7 +5,7 @@
     <p:sldMasterId id="2147483660" r:id="rId4"/>
   </p:sldMasterIdLst>
   <p:notesMasterIdLst>
-    <p:notesMasterId r:id="rId26"/>
+    <p:notesMasterId r:id="rId27"/>
   </p:notesMasterIdLst>
   <p:sldIdLst>
     <p:sldId id="265" r:id="rId5"/>
@@ -22,13 +22,14 @@
     <p:sldId id="331" r:id="rId16"/>
     <p:sldId id="319" r:id="rId17"/>
     <p:sldId id="330" r:id="rId18"/>
-    <p:sldId id="313" r:id="rId19"/>
-    <p:sldId id="332" r:id="rId20"/>
-    <p:sldId id="333" r:id="rId21"/>
-    <p:sldId id="320" r:id="rId22"/>
-    <p:sldId id="322" r:id="rId23"/>
-    <p:sldId id="324" r:id="rId24"/>
-    <p:sldId id="327" r:id="rId25"/>
+    <p:sldId id="334" r:id="rId19"/>
+    <p:sldId id="313" r:id="rId20"/>
+    <p:sldId id="332" r:id="rId21"/>
+    <p:sldId id="333" r:id="rId22"/>
+    <p:sldId id="320" r:id="rId23"/>
+    <p:sldId id="322" r:id="rId24"/>
+    <p:sldId id="324" r:id="rId25"/>
+    <p:sldId id="327" r:id="rId26"/>
   </p:sldIdLst>
   <p:sldSz cx="12192000" cy="6858000"/>
   <p:notesSz cx="6858000" cy="9144000"/>
@@ -671,6 +672,36 @@
   </mc:AlternateContent>
   <c:chart>
     <c:title>
+      <c:tx>
+        <c:rich>
+          <a:bodyPr rot="0" spcFirstLastPara="1" vertOverflow="ellipsis" vert="horz" wrap="square" anchor="ctr" anchorCtr="1"/>
+          <a:lstStyle/>
+          <a:p>
+            <a:pPr>
+              <a:defRPr sz="1862" b="0" i="0" u="none" strike="noStrike" kern="1200" spc="0" baseline="0">
+                <a:solidFill>
+                  <a:schemeClr val="tx1">
+                    <a:lumMod val="65000"/>
+                    <a:lumOff val="35000"/>
+                  </a:schemeClr>
+                </a:solidFill>
+                <a:latin typeface="+mn-lt"/>
+                <a:ea typeface="+mn-ea"/>
+                <a:cs typeface="+mn-cs"/>
+              </a:defRPr>
+            </a:pPr>
+            <a:r>
+              <a:rPr lang="en-US" dirty="0"/>
+              <a:t>Solver</a:t>
+            </a:r>
+            <a:r>
+              <a:rPr lang="en-US" baseline="0" dirty="0"/>
+              <a:t> speed</a:t>
+            </a:r>
+            <a:endParaRPr lang="nl-NL" dirty="0"/>
+          </a:p>
+        </c:rich>
+      </c:tx>
       <c:overlay val="0"/>
       <c:spPr>
         <a:noFill/>
@@ -2740,7 +2771,7 @@
           <a:p>
             <a:fld id="{F917F88C-BACD-4A94-B7B7-C91B49D4CB7C}" type="slidenum">
               <a:rPr lang="nl-NL" smtClean="0"/>
-              <a:t>19</a:t>
+              <a:t>20</a:t>
             </a:fld>
             <a:endParaRPr lang="nl-NL"/>
           </a:p>
@@ -2845,7 +2876,7 @@
           <a:p>
             <a:fld id="{F917F88C-BACD-4A94-B7B7-C91B49D4CB7C}" type="slidenum">
               <a:rPr lang="nl-NL" smtClean="0"/>
-              <a:t>20</a:t>
+              <a:t>21</a:t>
             </a:fld>
             <a:endParaRPr lang="nl-NL"/>
           </a:p>
@@ -2950,7 +2981,7 @@
           <a:p>
             <a:fld id="{F917F88C-BACD-4A94-B7B7-C91B49D4CB7C}" type="slidenum">
               <a:rPr lang="nl-NL" smtClean="0"/>
-              <a:t>21</a:t>
+              <a:t>22</a:t>
             </a:fld>
             <a:endParaRPr lang="nl-NL"/>
           </a:p>
@@ -3213,7 +3244,61 @@
               <a:rPr lang="en-US" dirty="0"/>
               <a:t>Aaron</a:t>
             </a:r>
-            <a:endParaRPr lang="nl-NL" dirty="0"/>
+          </a:p>
+          <a:p>
+            <a:endParaRPr lang="en-US" dirty="0"/>
+          </a:p>
+          <a:p>
+            <a:r>
+              <a:rPr lang="en-US" dirty="0"/>
+              <a:t>Third image: </a:t>
+            </a:r>
+          </a:p>
+          <a:p>
+            <a:r>
+              <a:rPr lang="en-GB" sz="1200" kern="1200" dirty="0">
+                <a:solidFill>
+                  <a:schemeClr val="tx1"/>
+                </a:solidFill>
+                <a:effectLst/>
+                <a:latin typeface="+mn-lt"/>
+                <a:ea typeface="+mn-ea"/>
+                <a:cs typeface="+mn-cs"/>
+              </a:rPr>
+              <a:t>Once we know that the boxes overlap, we check if any of the faces collides.</a:t>
+            </a:r>
+            <a:endParaRPr lang="nl-NL" sz="1200" kern="1200" dirty="0">
+              <a:solidFill>
+                <a:schemeClr val="tx1"/>
+              </a:solidFill>
+              <a:effectLst/>
+              <a:latin typeface="+mn-lt"/>
+              <a:ea typeface="+mn-ea"/>
+              <a:cs typeface="+mn-cs"/>
+            </a:endParaRPr>
+          </a:p>
+          <a:p>
+            <a:r>
+              <a:rPr lang="en-GB" sz="1200" kern="1200" dirty="0">
+                <a:solidFill>
+                  <a:schemeClr val="tx1"/>
+                </a:solidFill>
+                <a:effectLst/>
+                <a:latin typeface="+mn-lt"/>
+                <a:ea typeface="+mn-ea"/>
+                <a:cs typeface="+mn-cs"/>
+              </a:rPr>
+              <a:t>We do this by projecting the ball onto the face and check if this projection is closer to the centre of the ball than the size of the ball. If this is the case, we have a collision and return the normal vector of the face that the ball collided with.</a:t>
+            </a:r>
+            <a:endParaRPr lang="nl-NL" sz="1200" kern="1200" dirty="0">
+              <a:solidFill>
+                <a:schemeClr val="tx1"/>
+              </a:solidFill>
+              <a:effectLst/>
+              <a:latin typeface="+mn-lt"/>
+              <a:ea typeface="+mn-ea"/>
+              <a:cs typeface="+mn-cs"/>
+            </a:endParaRPr>
           </a:p>
         </p:txBody>
       </p:sp>
@@ -8808,7 +8893,13 @@
                       <a:rPr lang="nl-NL" b="0" i="1" smtClean="0">
                         <a:latin typeface="Cambria Math" panose="02040503050406030204" pitchFamily="18" charset="0"/>
                       </a:rPr>
-                      <m:t>+2</m:t>
+                      <m:t>+</m:t>
+                    </m:r>
+                    <m:r>
+                      <a:rPr lang="nl-NL" b="0" i="1" smtClean="0">
+                        <a:latin typeface="Cambria Math" panose="02040503050406030204" pitchFamily="18" charset="0"/>
+                      </a:rPr>
+                      <m:t>2</m:t>
                     </m:r>
                     <m:sSub>
                       <m:sSubPr>
@@ -8839,7 +8930,13 @@
                       <a:rPr lang="nl-NL" b="0" i="1" smtClean="0">
                         <a:latin typeface="Cambria Math" panose="02040503050406030204" pitchFamily="18" charset="0"/>
                       </a:rPr>
-                      <m:t>+2</m:t>
+                      <m:t>+</m:t>
+                    </m:r>
+                    <m:r>
+                      <a:rPr lang="nl-NL" b="0" i="1" smtClean="0">
+                        <a:latin typeface="Cambria Math" panose="02040503050406030204" pitchFamily="18" charset="0"/>
+                      </a:rPr>
+                      <m:t>2</m:t>
                     </m:r>
                     <m:sSub>
                       <m:sSubPr>
@@ -9062,7 +9159,13 @@
                       <a:rPr lang="nl-NL" i="1">
                         <a:latin typeface="Cambria Math" panose="02040503050406030204" pitchFamily="18" charset="0"/>
                       </a:rPr>
-                      <m:t>+2</m:t>
+                      <m:t>+</m:t>
+                    </m:r>
+                    <m:r>
+                      <a:rPr lang="nl-NL" i="1">
+                        <a:latin typeface="Cambria Math" panose="02040503050406030204" pitchFamily="18" charset="0"/>
+                      </a:rPr>
+                      <m:t>2</m:t>
                     </m:r>
                     <m:sSub>
                       <m:sSubPr>
@@ -9093,7 +9196,13 @@
                       <a:rPr lang="nl-NL" i="1">
                         <a:latin typeface="Cambria Math" panose="02040503050406030204" pitchFamily="18" charset="0"/>
                       </a:rPr>
-                      <m:t>+2</m:t>
+                      <m:t>+</m:t>
+                    </m:r>
+                    <m:r>
+                      <a:rPr lang="nl-NL" i="1">
+                        <a:latin typeface="Cambria Math" panose="02040503050406030204" pitchFamily="18" charset="0"/>
+                      </a:rPr>
+                      <m:t>2</m:t>
                     </m:r>
                     <m:sSub>
                       <m:sSubPr>
@@ -9561,8 +9670,8 @@
           </a:p>
         </p:txBody>
       </p:sp>
-      <mc:AlternateContent xmlns:mc="http://schemas.openxmlformats.org/markup-compatibility/2006" xmlns:a14="http://schemas.microsoft.com/office/drawing/2010/main">
-        <mc:Choice Requires="a14">
+      <mc:AlternateContent xmlns:mc="http://schemas.openxmlformats.org/markup-compatibility/2006">
+        <mc:Choice xmlns:a14="http://schemas.microsoft.com/office/drawing/2010/main" Requires="a14">
           <p:sp>
             <p:nvSpPr>
               <p:cNvPr id="3" name="Content Placeholder 2">
@@ -10376,14 +10485,28 @@
                         </m:ctrlPr>
                       </m:sSupPr>
                       <m:e>
-                        <m:r>
-                          <a:rPr lang="nl-NL" i="1">
-                            <a:latin typeface="Cambria Math" panose="02040503050406030204" pitchFamily="18" charset="0"/>
-                            <a:ea typeface="Cambria Math" panose="02040503050406030204" pitchFamily="18" charset="0"/>
-                            <a:sym typeface="Wingdings" panose="05000000000000000000" pitchFamily="2" charset="2"/>
-                          </a:rPr>
-                          <m:t>𝑣</m:t>
-                        </m:r>
+                        <m:acc>
+                          <m:accPr>
+                            <m:chr m:val="̇"/>
+                            <m:ctrlPr>
+                              <a:rPr lang="nl-NL" i="1" smtClean="0">
+                                <a:latin typeface="Cambria Math" panose="02040503050406030204" pitchFamily="18" charset="0"/>
+                                <a:ea typeface="Cambria Math" panose="02040503050406030204" pitchFamily="18" charset="0"/>
+                                <a:sym typeface="Wingdings" panose="05000000000000000000" pitchFamily="2" charset="2"/>
+                              </a:rPr>
+                            </m:ctrlPr>
+                          </m:accPr>
+                          <m:e>
+                            <m:r>
+                              <a:rPr lang="en-US" b="0" i="1" smtClean="0">
+                                <a:latin typeface="Cambria Math" panose="02040503050406030204" pitchFamily="18" charset="0"/>
+                                <a:ea typeface="Cambria Math" panose="02040503050406030204" pitchFamily="18" charset="0"/>
+                                <a:sym typeface="Wingdings" panose="05000000000000000000" pitchFamily="2" charset="2"/>
+                              </a:rPr>
+                              <m:t>𝑧</m:t>
+                            </m:r>
+                          </m:e>
+                        </m:acc>
                       </m:e>
                       <m:sup>
                         <m:r>
@@ -10398,7 +10521,7 @@
                     </m:sSup>
                   </m:oMath>
                 </a14:m>
-                <a:endParaRPr lang="en-GB" dirty="0"/>
+                <a:endParaRPr lang="en-GB" i="1" dirty="0"/>
               </a:p>
               <a:p>
                 <a:pPr marL="0" indent="0">
@@ -10518,12 +10641,12 @@
                               </m:accPr>
                               <m:e>
                                 <m:r>
-                                  <a:rPr lang="nl-NL" i="1">
+                                  <a:rPr lang="en-US" b="0" i="1" smtClean="0">
                                     <a:latin typeface="Cambria Math" panose="02040503050406030204" pitchFamily="18" charset="0"/>
                                     <a:ea typeface="Cambria Math" panose="02040503050406030204" pitchFamily="18" charset="0"/>
                                     <a:sym typeface="Wingdings" panose="05000000000000000000" pitchFamily="2" charset="2"/>
                                   </a:rPr>
-                                  <m:t>𝑥</m:t>
+                                  <m:t>𝑧</m:t>
                                 </m:r>
                               </m:e>
                             </m:acc>
@@ -10561,7 +10684,7 @@
             </p:txBody>
           </p:sp>
         </mc:Choice>
-        <mc:Fallback xmlns="">
+        <mc:Fallback>
           <p:sp>
             <p:nvSpPr>
               <p:cNvPr id="3" name="Content Placeholder 2">
@@ -10591,7 +10714,7 @@
               <a:lstStyle/>
               <a:p>
                 <a:r>
-                  <a:rPr lang="en-GB">
+                  <a:rPr lang="nl-NL">
                     <a:noFill/>
                   </a:rPr>
                   <a:t> </a:t>
@@ -10764,7 +10887,7 @@
             <p:ph idx="1"/>
             <p:extLst>
               <p:ext uri="{D42A27DB-BD31-4B8C-83A1-F6EECF244321}">
-                <p14:modId xmlns:p14="http://schemas.microsoft.com/office/powerpoint/2010/main" val="437339874"/>
+                <p14:modId xmlns:p14="http://schemas.microsoft.com/office/powerpoint/2010/main" val="438617812"/>
               </p:ext>
             </p:extLst>
           </p:nvPr>
@@ -10814,6 +10937,108 @@
           <p:cNvPr id="2" name="Title 1">
             <a:extLst>
               <a:ext uri="{FF2B5EF4-FFF2-40B4-BE49-F238E27FC236}">
+                <a16:creationId xmlns:a16="http://schemas.microsoft.com/office/drawing/2014/main" id="{4CEE2087-2294-43E9-95E7-87FCAA28D723}"/>
+              </a:ext>
+            </a:extLst>
+          </p:cNvPr>
+          <p:cNvSpPr>
+            <a:spLocks noGrp="1"/>
+          </p:cNvSpPr>
+          <p:nvPr>
+            <p:ph type="title"/>
+          </p:nvPr>
+        </p:nvSpPr>
+        <p:spPr/>
+        <p:txBody>
+          <a:bodyPr/>
+          <a:lstStyle/>
+          <a:p>
+            <a:r>
+              <a:rPr lang="en-US" dirty="0"/>
+              <a:t>Bots</a:t>
+            </a:r>
+            <a:endParaRPr lang="nl-NL" dirty="0"/>
+          </a:p>
+        </p:txBody>
+      </p:sp>
+      <p:sp>
+        <p:nvSpPr>
+          <p:cNvPr id="3" name="Content Placeholder 2">
+            <a:extLst>
+              <a:ext uri="{FF2B5EF4-FFF2-40B4-BE49-F238E27FC236}">
+                <a16:creationId xmlns:a16="http://schemas.microsoft.com/office/drawing/2014/main" id="{33658A63-B8FB-444C-BE36-48F15BC86CA4}"/>
+              </a:ext>
+            </a:extLst>
+          </p:cNvPr>
+          <p:cNvSpPr>
+            <a:spLocks noGrp="1"/>
+          </p:cNvSpPr>
+          <p:nvPr>
+            <p:ph idx="1"/>
+          </p:nvPr>
+        </p:nvSpPr>
+        <p:spPr/>
+        <p:txBody>
+          <a:bodyPr/>
+          <a:lstStyle/>
+          <a:p>
+            <a:pPr>
+              <a:buFont typeface="Wingdings" panose="05000000000000000000" pitchFamily="2" charset="2"/>
+              <a:buChar char="v"/>
+            </a:pPr>
+            <a:r>
+              <a:rPr lang="en-US" dirty="0"/>
+              <a:t> Random error</a:t>
+            </a:r>
+          </a:p>
+          <a:p>
+            <a:pPr>
+              <a:buFont typeface="Wingdings" panose="05000000000000000000" pitchFamily="2" charset="2"/>
+              <a:buChar char="v"/>
+            </a:pPr>
+            <a:r>
+              <a:rPr lang="en-US" dirty="0"/>
+              <a:t> Different coefficients of frictions</a:t>
+            </a:r>
+            <a:endParaRPr lang="nl-NL" dirty="0"/>
+          </a:p>
+        </p:txBody>
+      </p:sp>
+    </p:spTree>
+    <p:extLst>
+      <p:ext uri="{BB962C8B-B14F-4D97-AF65-F5344CB8AC3E}">
+        <p14:creationId xmlns:p14="http://schemas.microsoft.com/office/powerpoint/2010/main" val="3508503817"/>
+      </p:ext>
+    </p:extLst>
+  </p:cSld>
+  <p:clrMapOvr>
+    <a:masterClrMapping/>
+  </p:clrMapOvr>
+</p:sld>
+</file>
+
+<file path=ppt/slides/slide16.xml><?xml version="1.0" encoding="utf-8"?>
+<p:sld xmlns:a="http://schemas.openxmlformats.org/drawingml/2006/main" xmlns:r="http://schemas.openxmlformats.org/officeDocument/2006/relationships" xmlns:p="http://schemas.openxmlformats.org/presentationml/2006/main">
+  <p:cSld>
+    <p:spTree>
+      <p:nvGrpSpPr>
+        <p:cNvPr id="1" name=""/>
+        <p:cNvGrpSpPr/>
+        <p:nvPr/>
+      </p:nvGrpSpPr>
+      <p:grpSpPr>
+        <a:xfrm>
+          <a:off x="0" y="0"/>
+          <a:ext cx="0" cy="0"/>
+          <a:chOff x="0" y="0"/>
+          <a:chExt cx="0" cy="0"/>
+        </a:xfrm>
+      </p:grpSpPr>
+      <p:sp>
+        <p:nvSpPr>
+          <p:cNvPr id="2" name="Title 1">
+            <a:extLst>
+              <a:ext uri="{FF2B5EF4-FFF2-40B4-BE49-F238E27FC236}">
                 <a16:creationId xmlns:a16="http://schemas.microsoft.com/office/drawing/2014/main" id="{8BA4C2DD-6E22-274B-8E73-0864CCF300AE}"/>
               </a:ext>
             </a:extLst>
@@ -10875,7 +11100,7 @@
 </p:sld>
 </file>
 
-<file path=ppt/slides/slide16.xml><?xml version="1.0" encoding="utf-8"?>
+<file path=ppt/slides/slide17.xml><?xml version="1.0" encoding="utf-8"?>
 <p:sld xmlns:a="http://schemas.openxmlformats.org/drawingml/2006/main" xmlns:r="http://schemas.openxmlformats.org/officeDocument/2006/relationships" xmlns:p="http://schemas.openxmlformats.org/presentationml/2006/main">
   <p:cSld>
     <p:spTree>
@@ -10959,7 +11184,7 @@
 </p:sld>
 </file>
 
-<file path=ppt/slides/slide17.xml><?xml version="1.0" encoding="utf-8"?>
+<file path=ppt/slides/slide18.xml><?xml version="1.0" encoding="utf-8"?>
 <p:sld xmlns:a="http://schemas.openxmlformats.org/drawingml/2006/main" xmlns:r="http://schemas.openxmlformats.org/officeDocument/2006/relationships" xmlns:p="http://schemas.openxmlformats.org/presentationml/2006/main">
   <p:cSld>
     <p:spTree>
@@ -11043,7 +11268,7 @@
 </p:sld>
 </file>
 
-<file path=ppt/slides/slide18.xml><?xml version="1.0" encoding="utf-8"?>
+<file path=ppt/slides/slide19.xml><?xml version="1.0" encoding="utf-8"?>
 <p:sld xmlns:a="http://schemas.openxmlformats.org/drawingml/2006/main" xmlns:r="http://schemas.openxmlformats.org/officeDocument/2006/relationships" xmlns:p="http://schemas.openxmlformats.org/presentationml/2006/main">
   <p:cSld>
     <p:spTree>
@@ -11117,136 +11342,6 @@
     <p:extLst>
       <p:ext uri="{BB962C8B-B14F-4D97-AF65-F5344CB8AC3E}">
         <p14:creationId xmlns:p14="http://schemas.microsoft.com/office/powerpoint/2010/main" val="3107714555"/>
-      </p:ext>
-    </p:extLst>
-  </p:cSld>
-  <p:clrMapOvr>
-    <a:masterClrMapping/>
-  </p:clrMapOvr>
-</p:sld>
-</file>
-
-<file path=ppt/slides/slide19.xml><?xml version="1.0" encoding="utf-8"?>
-<p:sld xmlns:a="http://schemas.openxmlformats.org/drawingml/2006/main" xmlns:r="http://schemas.openxmlformats.org/officeDocument/2006/relationships" xmlns:p="http://schemas.openxmlformats.org/presentationml/2006/main">
-  <p:cSld>
-    <p:spTree>
-      <p:nvGrpSpPr>
-        <p:cNvPr id="1" name=""/>
-        <p:cNvGrpSpPr/>
-        <p:nvPr/>
-      </p:nvGrpSpPr>
-      <p:grpSpPr>
-        <a:xfrm>
-          <a:off x="0" y="0"/>
-          <a:ext cx="0" cy="0"/>
-          <a:chOff x="0" y="0"/>
-          <a:chExt cx="0" cy="0"/>
-        </a:xfrm>
-      </p:grpSpPr>
-      <p:sp>
-        <p:nvSpPr>
-          <p:cNvPr id="2" name="Title 1">
-            <a:extLst>
-              <a:ext uri="{FF2B5EF4-FFF2-40B4-BE49-F238E27FC236}">
-                <a16:creationId xmlns:a16="http://schemas.microsoft.com/office/drawing/2014/main" id="{AE509FE0-01FE-484D-9253-00E27C5034A6}"/>
-              </a:ext>
-            </a:extLst>
-          </p:cNvPr>
-          <p:cNvSpPr>
-            <a:spLocks noGrp="1"/>
-          </p:cNvSpPr>
-          <p:nvPr>
-            <p:ph type="title"/>
-          </p:nvPr>
-        </p:nvSpPr>
-        <p:spPr/>
-        <p:txBody>
-          <a:bodyPr/>
-          <a:lstStyle/>
-          <a:p>
-            <a:r>
-              <a:rPr lang="en-US" dirty="0"/>
-              <a:t>Conclusion</a:t>
-            </a:r>
-          </a:p>
-        </p:txBody>
-      </p:sp>
-      <p:sp>
-        <p:nvSpPr>
-          <p:cNvPr id="3" name="Content Placeholder 2">
-            <a:extLst>
-              <a:ext uri="{FF2B5EF4-FFF2-40B4-BE49-F238E27FC236}">
-                <a16:creationId xmlns:a16="http://schemas.microsoft.com/office/drawing/2014/main" id="{89B654AC-0CDE-8E40-85E6-B44275F7D14F}"/>
-              </a:ext>
-            </a:extLst>
-          </p:cNvPr>
-          <p:cNvSpPr>
-            <a:spLocks noGrp="1"/>
-          </p:cNvSpPr>
-          <p:nvPr>
-            <p:ph idx="1"/>
-          </p:nvPr>
-        </p:nvSpPr>
-        <p:spPr/>
-        <p:txBody>
-          <a:bodyPr/>
-          <a:lstStyle/>
-          <a:p>
-            <a:pPr>
-              <a:buFont typeface="Arial" panose="020B0604020202020204" pitchFamily="34" charset="0"/>
-              <a:buChar char="•"/>
-            </a:pPr>
-            <a:r>
-              <a:rPr lang="en-US" dirty="0"/>
-              <a:t> Graphics engine</a:t>
-            </a:r>
-          </a:p>
-          <a:p>
-            <a:pPr>
-              <a:buFont typeface="Arial" panose="020B0604020202020204" pitchFamily="34" charset="0"/>
-              <a:buChar char="•"/>
-            </a:pPr>
-            <a:r>
-              <a:rPr lang="en-US" dirty="0"/>
-              <a:t> Collision detection</a:t>
-            </a:r>
-          </a:p>
-          <a:p>
-            <a:pPr>
-              <a:buFont typeface="Arial" panose="020B0604020202020204" pitchFamily="34" charset="0"/>
-              <a:buChar char="•"/>
-            </a:pPr>
-            <a:r>
-              <a:rPr lang="en-US" dirty="0"/>
-              <a:t> Physics solvers</a:t>
-            </a:r>
-          </a:p>
-          <a:p>
-            <a:pPr>
-              <a:buFont typeface="Arial" panose="020B0604020202020204" pitchFamily="34" charset="0"/>
-              <a:buChar char="•"/>
-            </a:pPr>
-            <a:r>
-              <a:rPr lang="en-US" dirty="0"/>
-              <a:t> Flying and bouncing balls</a:t>
-            </a:r>
-          </a:p>
-          <a:p>
-            <a:pPr>
-              <a:buFont typeface="Arial" panose="020B0604020202020204" pitchFamily="34" charset="0"/>
-              <a:buChar char="•"/>
-            </a:pPr>
-            <a:r>
-              <a:rPr lang="en-US" dirty="0"/>
-              <a:t> AI</a:t>
-            </a:r>
-          </a:p>
-        </p:txBody>
-      </p:sp>
-    </p:spTree>
-    <p:extLst>
-      <p:ext uri="{BB962C8B-B14F-4D97-AF65-F5344CB8AC3E}">
-        <p14:creationId xmlns:p14="http://schemas.microsoft.com/office/powerpoint/2010/main" val="2578131005"/>
       </p:ext>
     </p:extLst>
   </p:cSld>
@@ -11320,39 +11415,60 @@
         </p:nvSpPr>
         <p:spPr/>
         <p:txBody>
-          <a:bodyPr/>
+          <a:bodyPr>
+            <a:normAutofit/>
+          </a:bodyPr>
           <a:lstStyle/>
           <a:p>
+            <a:pPr marL="457200" indent="-457200">
+              <a:buFont typeface="+mj-lt"/>
+              <a:buAutoNum type="arabicPeriod"/>
+            </a:pPr>
             <a:r>
               <a:rPr lang="en-US" dirty="0"/>
-              <a:t>1. Having a random error in the initial position and velocity of the ball, including an analysis of the impact on the bot’s performance.</a:t>
-            </a:r>
-          </a:p>
-          <a:p>
+              <a:t>Implement collision detection.</a:t>
+            </a:r>
+          </a:p>
+          <a:p>
+            <a:pPr marL="457200" indent="-457200">
+              <a:buFont typeface="+mj-lt"/>
+              <a:buAutoNum type="arabicPeriod"/>
+            </a:pPr>
             <a:r>
               <a:rPr lang="en-US" dirty="0"/>
-              <a:t>2. Handling different (unknown) coefficients of friction and making sure the bot can handle them.</a:t>
-            </a:r>
-          </a:p>
-          <a:p>
+              <a:t>Improve the bot to handle complex terrains like mazes.</a:t>
+            </a:r>
+          </a:p>
+          <a:p>
+            <a:pPr marL="457200" indent="-457200">
+              <a:buFont typeface="+mj-lt"/>
+              <a:buAutoNum type="arabicPeriod"/>
+            </a:pPr>
             <a:r>
               <a:rPr lang="en-US" dirty="0"/>
-              <a:t>3. Allow for balls that can both fly and bounce, as well as improvements to the bot so it can handle these new options.</a:t>
+              <a:t>Having a random error in the initial position and velocity of the ball, including an analysis of the impact on the bot’s performance.</a:t>
+            </a:r>
+          </a:p>
+          <a:p>
+            <a:pPr marL="457200" indent="-457200">
+              <a:buFont typeface="+mj-lt"/>
+              <a:buAutoNum type="arabicPeriod"/>
+            </a:pPr>
+            <a:r>
+              <a:rPr lang="en-US" dirty="0"/>
+              <a:t>Allow for balls that can both fly and bounce, as well as improvements to the bot so it can handle these new options.</a:t>
             </a:r>
             <a:endParaRPr lang="nl-NL" dirty="0"/>
           </a:p>
           <a:p>
+            <a:pPr marL="457200" indent="-457200">
+              <a:buFont typeface="+mj-lt"/>
+              <a:buAutoNum type="arabicPeriod"/>
+            </a:pPr>
             <a:r>
               <a:rPr lang="en-US" dirty="0"/>
-              <a:t>4. Improve the bot to handle complex terrains like mazes.</a:t>
-            </a:r>
-          </a:p>
-          <a:p>
-            <a:r>
-              <a:rPr lang="en-US" dirty="0"/>
-              <a:t>5. Implement collision detection.</a:t>
-            </a:r>
-            <a:endParaRPr lang="nl-NL" dirty="0"/>
+              <a:t>Handling different (unknown) coefficients of friction and making sure the bot can handle them.</a:t>
+            </a:r>
           </a:p>
         </p:txBody>
       </p:sp>
@@ -11391,6 +11507,136 @@
           <p:cNvPr id="2" name="Title 1">
             <a:extLst>
               <a:ext uri="{FF2B5EF4-FFF2-40B4-BE49-F238E27FC236}">
+                <a16:creationId xmlns:a16="http://schemas.microsoft.com/office/drawing/2014/main" id="{AE509FE0-01FE-484D-9253-00E27C5034A6}"/>
+              </a:ext>
+            </a:extLst>
+          </p:cNvPr>
+          <p:cNvSpPr>
+            <a:spLocks noGrp="1"/>
+          </p:cNvSpPr>
+          <p:nvPr>
+            <p:ph type="title"/>
+          </p:nvPr>
+        </p:nvSpPr>
+        <p:spPr/>
+        <p:txBody>
+          <a:bodyPr/>
+          <a:lstStyle/>
+          <a:p>
+            <a:r>
+              <a:rPr lang="en-US" dirty="0"/>
+              <a:t>Conclusion</a:t>
+            </a:r>
+          </a:p>
+        </p:txBody>
+      </p:sp>
+      <p:sp>
+        <p:nvSpPr>
+          <p:cNvPr id="3" name="Content Placeholder 2">
+            <a:extLst>
+              <a:ext uri="{FF2B5EF4-FFF2-40B4-BE49-F238E27FC236}">
+                <a16:creationId xmlns:a16="http://schemas.microsoft.com/office/drawing/2014/main" id="{89B654AC-0CDE-8E40-85E6-B44275F7D14F}"/>
+              </a:ext>
+            </a:extLst>
+          </p:cNvPr>
+          <p:cNvSpPr>
+            <a:spLocks noGrp="1"/>
+          </p:cNvSpPr>
+          <p:nvPr>
+            <p:ph idx="1"/>
+          </p:nvPr>
+        </p:nvSpPr>
+        <p:spPr/>
+        <p:txBody>
+          <a:bodyPr/>
+          <a:lstStyle/>
+          <a:p>
+            <a:pPr>
+              <a:buFont typeface="Wingdings" panose="05000000000000000000" pitchFamily="2" charset="2"/>
+              <a:buChar char="v"/>
+            </a:pPr>
+            <a:r>
+              <a:rPr lang="en-US" dirty="0"/>
+              <a:t> Graphics engine</a:t>
+            </a:r>
+          </a:p>
+          <a:p>
+            <a:pPr>
+              <a:buFont typeface="Wingdings" panose="05000000000000000000" pitchFamily="2" charset="2"/>
+              <a:buChar char="v"/>
+            </a:pPr>
+            <a:r>
+              <a:rPr lang="en-US" dirty="0"/>
+              <a:t> Collision detection</a:t>
+            </a:r>
+          </a:p>
+          <a:p>
+            <a:pPr>
+              <a:buFont typeface="Wingdings" panose="05000000000000000000" pitchFamily="2" charset="2"/>
+              <a:buChar char="v"/>
+            </a:pPr>
+            <a:r>
+              <a:rPr lang="en-US" dirty="0"/>
+              <a:t> Physics solvers</a:t>
+            </a:r>
+          </a:p>
+          <a:p>
+            <a:pPr>
+              <a:buFont typeface="Wingdings" panose="05000000000000000000" pitchFamily="2" charset="2"/>
+              <a:buChar char="v"/>
+            </a:pPr>
+            <a:r>
+              <a:rPr lang="en-US" dirty="0"/>
+              <a:t> Flying and bouncing balls</a:t>
+            </a:r>
+          </a:p>
+          <a:p>
+            <a:pPr>
+              <a:buFont typeface="Wingdings" panose="05000000000000000000" pitchFamily="2" charset="2"/>
+              <a:buChar char="v"/>
+            </a:pPr>
+            <a:r>
+              <a:rPr lang="en-US" dirty="0"/>
+              <a:t> AI</a:t>
+            </a:r>
+          </a:p>
+        </p:txBody>
+      </p:sp>
+    </p:spTree>
+    <p:extLst>
+      <p:ext uri="{BB962C8B-B14F-4D97-AF65-F5344CB8AC3E}">
+        <p14:creationId xmlns:p14="http://schemas.microsoft.com/office/powerpoint/2010/main" val="2578131005"/>
+      </p:ext>
+    </p:extLst>
+  </p:cSld>
+  <p:clrMapOvr>
+    <a:masterClrMapping/>
+  </p:clrMapOvr>
+</p:sld>
+</file>
+
+<file path=ppt/slides/slide21.xml><?xml version="1.0" encoding="utf-8"?>
+<p:sld xmlns:a="http://schemas.openxmlformats.org/drawingml/2006/main" xmlns:r="http://schemas.openxmlformats.org/officeDocument/2006/relationships" xmlns:p="http://schemas.openxmlformats.org/presentationml/2006/main">
+  <p:cSld>
+    <p:spTree>
+      <p:nvGrpSpPr>
+        <p:cNvPr id="1" name=""/>
+        <p:cNvGrpSpPr/>
+        <p:nvPr/>
+      </p:nvGrpSpPr>
+      <p:grpSpPr>
+        <a:xfrm>
+          <a:off x="0" y="0"/>
+          <a:ext cx="0" cy="0"/>
+          <a:chOff x="0" y="0"/>
+          <a:chExt cx="0" cy="0"/>
+        </a:xfrm>
+      </p:grpSpPr>
+      <p:sp>
+        <p:nvSpPr>
+          <p:cNvPr id="2" name="Title 1">
+            <a:extLst>
+              <a:ext uri="{FF2B5EF4-FFF2-40B4-BE49-F238E27FC236}">
                 <a16:creationId xmlns:a16="http://schemas.microsoft.com/office/drawing/2014/main" id="{829E259F-FE68-4055-B7BD-1312721101B5}"/>
               </a:ext>
             </a:extLst>
@@ -11453,7 +11699,7 @@
 </p:sld>
 </file>
 
-<file path=ppt/slides/slide21.xml><?xml version="1.0" encoding="utf-8"?>
+<file path=ppt/slides/slide22.xml><?xml version="1.0" encoding="utf-8"?>
 <p:sld xmlns:a="http://schemas.openxmlformats.org/drawingml/2006/main" xmlns:r="http://schemas.openxmlformats.org/officeDocument/2006/relationships" xmlns:p="http://schemas.openxmlformats.org/presentationml/2006/main">
   <p:cSld>
     <p:spTree>
@@ -13822,7 +14068,7 @@
             </a:pPr>
             <a:r>
               <a:rPr lang="en-US" dirty="0"/>
-              <a:t>Second order velocity Verlet</a:t>
+              <a:t> Second order velocity Verlet</a:t>
             </a:r>
           </a:p>
           <a:p>
@@ -15436,15 +15682,6 @@
 </file>
 
 <file path=customXml/item1.xml><?xml version="1.0" encoding="utf-8"?>
-<?mso-contentType ?>
-<FormTemplates xmlns="http://schemas.microsoft.com/sharepoint/v3/contenttype/forms">
-  <Display>DocumentLibraryForm</Display>
-  <Edit>DocumentLibraryForm</Edit>
-  <New>DocumentLibraryForm</New>
-</FormTemplates>
-</file>
-
-<file path=customXml/item2.xml><?xml version="1.0" encoding="utf-8"?>
 <ct:contentTypeSchema xmlns:ct="http://schemas.microsoft.com/office/2006/metadata/contentType" xmlns:ma="http://schemas.microsoft.com/office/2006/metadata/properties/metaAttributes" ct:_="" ma:_="" ma:contentTypeName="Document" ma:contentTypeID="0x01010079F111ED35F8CC479449609E8A0923A6" ma:contentTypeVersion="12" ma:contentTypeDescription="Create a new document." ma:contentTypeScope="" ma:versionID="a410dd7f93c95333ffa1b60ed6adedd1">
   <xsd:schema xmlns:xsd="http://www.w3.org/2001/XMLSchema" xmlns:xs="http://www.w3.org/2001/XMLSchema" xmlns:p="http://schemas.microsoft.com/office/2006/metadata/properties" xmlns:ns2="71af3243-3dd4-4a8d-8c0d-dd76da1f02a5" xmlns:ns3="16c05727-aa75-4e4a-9b5f-8a80a1165891" targetNamespace="http://schemas.microsoft.com/office/2006/metadata/properties" ma:root="true" ma:fieldsID="a936d9baba76aa3866493feff160faab" ns2:_="" ns3:_="">
     <xsd:import namespace="71af3243-3dd4-4a8d-8c0d-dd76da1f02a5"/>
@@ -15665,6 +15902,15 @@
 </ct:contentTypeSchema>
 </file>
 
+<file path=customXml/item2.xml><?xml version="1.0" encoding="utf-8"?>
+<?mso-contentType ?>
+<FormTemplates xmlns="http://schemas.microsoft.com/sharepoint/v3/contenttype/forms">
+  <Display>DocumentLibraryForm</Display>
+  <Edit>DocumentLibraryForm</Edit>
+  <New>DocumentLibraryForm</New>
+</FormTemplates>
+</file>
+
 <file path=customXml/item3.xml><?xml version="1.0" encoding="utf-8"?>
 <p:properties xmlns:p="http://schemas.microsoft.com/office/2006/metadata/properties" xmlns:xsi="http://www.w3.org/2001/XMLSchema-instance" xmlns:pc="http://schemas.microsoft.com/office/infopath/2007/PartnerControls">
   <documentManagement>
@@ -15675,14 +15921,6 @@
 </file>
 
 <file path=customXml/itemProps1.xml><?xml version="1.0" encoding="utf-8"?>
-<ds:datastoreItem xmlns:ds="http://schemas.openxmlformats.org/officeDocument/2006/customXml" ds:itemID="{3C586965-D4BF-4605-8C1C-5B8CCCAB7737}">
-  <ds:schemaRefs>
-    <ds:schemaRef ds:uri="http://schemas.microsoft.com/sharepoint/v3/contenttype/forms"/>
-  </ds:schemaRefs>
-</ds:datastoreItem>
-</file>
-
-<file path=customXml/itemProps2.xml><?xml version="1.0" encoding="utf-8"?>
 <ds:datastoreItem xmlns:ds="http://schemas.openxmlformats.org/officeDocument/2006/customXml" ds:itemID="{6E499CE6-06FC-4D3E-8B56-30558CC9D1A4}">
   <ds:schemaRefs>
     <ds:schemaRef ds:uri="http://schemas.microsoft.com/office/2006/metadata/contentType"/>
@@ -15701,6 +15939,14 @@
 </ds:datastoreItem>
 </file>
 
+<file path=customXml/itemProps2.xml><?xml version="1.0" encoding="utf-8"?>
+<ds:datastoreItem xmlns:ds="http://schemas.openxmlformats.org/officeDocument/2006/customXml" ds:itemID="{3C586965-D4BF-4605-8C1C-5B8CCCAB7737}">
+  <ds:schemaRefs>
+    <ds:schemaRef ds:uri="http://schemas.microsoft.com/sharepoint/v3/contenttype/forms"/>
+  </ds:schemaRefs>
+</ds:datastoreItem>
+</file>
+
 <file path=customXml/itemProps3.xml><?xml version="1.0" encoding="utf-8"?>
 <ds:datastoreItem xmlns:ds="http://schemas.openxmlformats.org/officeDocument/2006/customXml" ds:itemID="{626E351D-C19B-467F-A5C7-085C4CECACA9}">
   <ds:schemaRefs>

--- a/04-PresentationThirdPhase.pptx
+++ b/04-PresentationThirdPhase.pptx
@@ -2746,11 +2746,7 @@
           <a:bodyPr/>
           <a:lstStyle/>
           <a:p>
-            <a:r>
-              <a:rPr lang="en-US" dirty="0"/>
-              <a:t>Aaron</a:t>
-            </a:r>
-            <a:endParaRPr lang="nl-NL" dirty="0"/>
+            <a:endParaRPr lang="nl-NL"/>
           </a:p>
         </p:txBody>
       </p:sp>
@@ -2771,7 +2767,7 @@
           <a:p>
             <a:fld id="{F917F88C-BACD-4A94-B7B7-C91B49D4CB7C}" type="slidenum">
               <a:rPr lang="nl-NL" smtClean="0"/>
-              <a:t>20</a:t>
+              <a:t>19</a:t>
             </a:fld>
             <a:endParaRPr lang="nl-NL"/>
           </a:p>
@@ -2780,7 +2776,7 @@
     </p:spTree>
     <p:extLst>
       <p:ext uri="{BB962C8B-B14F-4D97-AF65-F5344CB8AC3E}">
-        <p14:creationId xmlns:p14="http://schemas.microsoft.com/office/powerpoint/2010/main" val="925085918"/>
+        <p14:creationId xmlns:p14="http://schemas.microsoft.com/office/powerpoint/2010/main" val="1895606626"/>
       </p:ext>
     </p:extLst>
   </p:cSld>
@@ -2834,6 +2830,94 @@
           <a:bodyPr/>
           <a:lstStyle/>
           <a:p>
+            <a:r>
+              <a:rPr lang="en-US" dirty="0"/>
+              <a:t>Aaron</a:t>
+            </a:r>
+            <a:endParaRPr lang="nl-NL" dirty="0"/>
+          </a:p>
+        </p:txBody>
+      </p:sp>
+      <p:sp>
+        <p:nvSpPr>
+          <p:cNvPr id="4" name="Slide Number Placeholder 3"/>
+          <p:cNvSpPr>
+            <a:spLocks noGrp="1"/>
+          </p:cNvSpPr>
+          <p:nvPr>
+            <p:ph type="sldNum" sz="quarter" idx="5"/>
+          </p:nvPr>
+        </p:nvSpPr>
+        <p:spPr/>
+        <p:txBody>
+          <a:bodyPr/>
+          <a:lstStyle/>
+          <a:p>
+            <a:fld id="{F917F88C-BACD-4A94-B7B7-C91B49D4CB7C}" type="slidenum">
+              <a:rPr lang="nl-NL" smtClean="0"/>
+              <a:t>20</a:t>
+            </a:fld>
+            <a:endParaRPr lang="nl-NL"/>
+          </a:p>
+        </p:txBody>
+      </p:sp>
+    </p:spTree>
+    <p:extLst>
+      <p:ext uri="{BB962C8B-B14F-4D97-AF65-F5344CB8AC3E}">
+        <p14:creationId xmlns:p14="http://schemas.microsoft.com/office/powerpoint/2010/main" val="925085918"/>
+      </p:ext>
+    </p:extLst>
+  </p:cSld>
+  <p:clrMapOvr>
+    <a:masterClrMapping/>
+  </p:clrMapOvr>
+</p:notes>
+</file>
+
+<file path=ppt/notesSlides/notesSlide13.xml><?xml version="1.0" encoding="utf-8"?>
+<p:notes xmlns:a="http://schemas.openxmlformats.org/drawingml/2006/main" xmlns:r="http://schemas.openxmlformats.org/officeDocument/2006/relationships" xmlns:p="http://schemas.openxmlformats.org/presentationml/2006/main">
+  <p:cSld>
+    <p:spTree>
+      <p:nvGrpSpPr>
+        <p:cNvPr id="1" name=""/>
+        <p:cNvGrpSpPr/>
+        <p:nvPr/>
+      </p:nvGrpSpPr>
+      <p:grpSpPr>
+        <a:xfrm>
+          <a:off x="0" y="0"/>
+          <a:ext cx="0" cy="0"/>
+          <a:chOff x="0" y="0"/>
+          <a:chExt cx="0" cy="0"/>
+        </a:xfrm>
+      </p:grpSpPr>
+      <p:sp>
+        <p:nvSpPr>
+          <p:cNvPr id="2" name="Slide Image Placeholder 1"/>
+          <p:cNvSpPr>
+            <a:spLocks noGrp="1" noRot="1" noChangeAspect="1"/>
+          </p:cNvSpPr>
+          <p:nvPr>
+            <p:ph type="sldImg"/>
+          </p:nvPr>
+        </p:nvSpPr>
+        <p:spPr/>
+      </p:sp>
+      <p:sp>
+        <p:nvSpPr>
+          <p:cNvPr id="3" name="Notes Placeholder 2"/>
+          <p:cNvSpPr>
+            <a:spLocks noGrp="1"/>
+          </p:cNvSpPr>
+          <p:nvPr>
+            <p:ph type="body" idx="1"/>
+          </p:nvPr>
+        </p:nvSpPr>
+        <p:spPr/>
+        <p:txBody>
+          <a:bodyPr/>
+          <a:lstStyle/>
+          <a:p>
             <a:pPr marL="0" marR="0" lvl="0" indent="0" algn="l" defTabSz="914400" rtl="0" eaLnBrk="1" fontAlgn="auto" latinLnBrk="0" hangingPunct="1">
               <a:lnSpc>
                 <a:spcPct val="100000"/>
@@ -2895,7 +2979,7 @@
 </p:notes>
 </file>
 
-<file path=ppt/notesSlides/notesSlide13.xml><?xml version="1.0" encoding="utf-8"?>
+<file path=ppt/notesSlides/notesSlide14.xml><?xml version="1.0" encoding="utf-8"?>
 <p:notes xmlns:a="http://schemas.openxmlformats.org/drawingml/2006/main" xmlns:r="http://schemas.openxmlformats.org/officeDocument/2006/relationships" xmlns:p="http://schemas.openxmlformats.org/presentationml/2006/main">
   <p:cSld>
     <p:spTree>
@@ -7282,7 +7366,7 @@
                   <a:srgbClr val="FFFFFF"/>
                 </a:solidFill>
               </a:rPr>
-              <a:t>Crazy Putting phase 3</a:t>
+              <a:t>Crazy Putting Phase 3</a:t>
             </a:r>
           </a:p>
         </p:txBody>
@@ -8893,13 +8977,7 @@
                       <a:rPr lang="nl-NL" b="0" i="1" smtClean="0">
                         <a:latin typeface="Cambria Math" panose="02040503050406030204" pitchFamily="18" charset="0"/>
                       </a:rPr>
-                      <m:t>+</m:t>
-                    </m:r>
-                    <m:r>
-                      <a:rPr lang="nl-NL" b="0" i="1" smtClean="0">
-                        <a:latin typeface="Cambria Math" panose="02040503050406030204" pitchFamily="18" charset="0"/>
-                      </a:rPr>
-                      <m:t>2</m:t>
+                      <m:t>+2</m:t>
                     </m:r>
                     <m:sSub>
                       <m:sSubPr>
@@ -8930,13 +9008,7 @@
                       <a:rPr lang="nl-NL" b="0" i="1" smtClean="0">
                         <a:latin typeface="Cambria Math" panose="02040503050406030204" pitchFamily="18" charset="0"/>
                       </a:rPr>
-                      <m:t>+</m:t>
-                    </m:r>
-                    <m:r>
-                      <a:rPr lang="nl-NL" b="0" i="1" smtClean="0">
-                        <a:latin typeface="Cambria Math" panose="02040503050406030204" pitchFamily="18" charset="0"/>
-                      </a:rPr>
-                      <m:t>2</m:t>
+                      <m:t>+2</m:t>
                     </m:r>
                     <m:sSub>
                       <m:sSubPr>
@@ -9159,13 +9231,7 @@
                       <a:rPr lang="nl-NL" i="1">
                         <a:latin typeface="Cambria Math" panose="02040503050406030204" pitchFamily="18" charset="0"/>
                       </a:rPr>
-                      <m:t>+</m:t>
-                    </m:r>
-                    <m:r>
-                      <a:rPr lang="nl-NL" i="1">
-                        <a:latin typeface="Cambria Math" panose="02040503050406030204" pitchFamily="18" charset="0"/>
-                      </a:rPr>
-                      <m:t>2</m:t>
+                      <m:t>+2</m:t>
                     </m:r>
                     <m:sSub>
                       <m:sSubPr>
@@ -9196,13 +9262,7 @@
                       <a:rPr lang="nl-NL" i="1">
                         <a:latin typeface="Cambria Math" panose="02040503050406030204" pitchFamily="18" charset="0"/>
                       </a:rPr>
-                      <m:t>+</m:t>
-                    </m:r>
-                    <m:r>
-                      <a:rPr lang="nl-NL" i="1">
-                        <a:latin typeface="Cambria Math" panose="02040503050406030204" pitchFamily="18" charset="0"/>
-                      </a:rPr>
-                      <m:t>2</m:t>
+                      <m:t>+2</m:t>
                     </m:r>
                     <m:sSub>
                       <m:sSubPr>
@@ -9670,8 +9730,8 @@
           </a:p>
         </p:txBody>
       </p:sp>
-      <mc:AlternateContent xmlns:mc="http://schemas.openxmlformats.org/markup-compatibility/2006">
-        <mc:Choice xmlns:a14="http://schemas.microsoft.com/office/drawing/2010/main" Requires="a14">
+      <mc:AlternateContent xmlns:mc="http://schemas.openxmlformats.org/markup-compatibility/2006" xmlns:a14="http://schemas.microsoft.com/office/drawing/2010/main">
+        <mc:Choice Requires="a14">
           <p:sp>
             <p:nvSpPr>
               <p:cNvPr id="3" name="Content Placeholder 2">
@@ -10684,7 +10744,7 @@
             </p:txBody>
           </p:sp>
         </mc:Choice>
-        <mc:Fallback>
+        <mc:Fallback xmlns="">
           <p:sp>
             <p:nvSpPr>
               <p:cNvPr id="3" name="Content Placeholder 2">
@@ -15682,6 +15742,15 @@
 </file>
 
 <file path=customXml/item1.xml><?xml version="1.0" encoding="utf-8"?>
+<?mso-contentType ?>
+<FormTemplates xmlns="http://schemas.microsoft.com/sharepoint/v3/contenttype/forms">
+  <Display>DocumentLibraryForm</Display>
+  <Edit>DocumentLibraryForm</Edit>
+  <New>DocumentLibraryForm</New>
+</FormTemplates>
+</file>
+
+<file path=customXml/item2.xml><?xml version="1.0" encoding="utf-8"?>
 <ct:contentTypeSchema xmlns:ct="http://schemas.microsoft.com/office/2006/metadata/contentType" xmlns:ma="http://schemas.microsoft.com/office/2006/metadata/properties/metaAttributes" ct:_="" ma:_="" ma:contentTypeName="Document" ma:contentTypeID="0x01010079F111ED35F8CC479449609E8A0923A6" ma:contentTypeVersion="12" ma:contentTypeDescription="Create a new document." ma:contentTypeScope="" ma:versionID="a410dd7f93c95333ffa1b60ed6adedd1">
   <xsd:schema xmlns:xsd="http://www.w3.org/2001/XMLSchema" xmlns:xs="http://www.w3.org/2001/XMLSchema" xmlns:p="http://schemas.microsoft.com/office/2006/metadata/properties" xmlns:ns2="71af3243-3dd4-4a8d-8c0d-dd76da1f02a5" xmlns:ns3="16c05727-aa75-4e4a-9b5f-8a80a1165891" targetNamespace="http://schemas.microsoft.com/office/2006/metadata/properties" ma:root="true" ma:fieldsID="a936d9baba76aa3866493feff160faab" ns2:_="" ns3:_="">
     <xsd:import namespace="71af3243-3dd4-4a8d-8c0d-dd76da1f02a5"/>
@@ -15902,15 +15971,6 @@
 </ct:contentTypeSchema>
 </file>
 
-<file path=customXml/item2.xml><?xml version="1.0" encoding="utf-8"?>
-<?mso-contentType ?>
-<FormTemplates xmlns="http://schemas.microsoft.com/sharepoint/v3/contenttype/forms">
-  <Display>DocumentLibraryForm</Display>
-  <Edit>DocumentLibraryForm</Edit>
-  <New>DocumentLibraryForm</New>
-</FormTemplates>
-</file>
-
 <file path=customXml/item3.xml><?xml version="1.0" encoding="utf-8"?>
 <p:properties xmlns:p="http://schemas.microsoft.com/office/2006/metadata/properties" xmlns:xsi="http://www.w3.org/2001/XMLSchema-instance" xmlns:pc="http://schemas.microsoft.com/office/infopath/2007/PartnerControls">
   <documentManagement>
@@ -15921,6 +15981,14 @@
 </file>
 
 <file path=customXml/itemProps1.xml><?xml version="1.0" encoding="utf-8"?>
+<ds:datastoreItem xmlns:ds="http://schemas.openxmlformats.org/officeDocument/2006/customXml" ds:itemID="{3C586965-D4BF-4605-8C1C-5B8CCCAB7737}">
+  <ds:schemaRefs>
+    <ds:schemaRef ds:uri="http://schemas.microsoft.com/sharepoint/v3/contenttype/forms"/>
+  </ds:schemaRefs>
+</ds:datastoreItem>
+</file>
+
+<file path=customXml/itemProps2.xml><?xml version="1.0" encoding="utf-8"?>
 <ds:datastoreItem xmlns:ds="http://schemas.openxmlformats.org/officeDocument/2006/customXml" ds:itemID="{6E499CE6-06FC-4D3E-8B56-30558CC9D1A4}">
   <ds:schemaRefs>
     <ds:schemaRef ds:uri="http://schemas.microsoft.com/office/2006/metadata/contentType"/>
@@ -15939,14 +16007,6 @@
 </ds:datastoreItem>
 </file>
 
-<file path=customXml/itemProps2.xml><?xml version="1.0" encoding="utf-8"?>
-<ds:datastoreItem xmlns:ds="http://schemas.openxmlformats.org/officeDocument/2006/customXml" ds:itemID="{3C586965-D4BF-4605-8C1C-5B8CCCAB7737}">
-  <ds:schemaRefs>
-    <ds:schemaRef ds:uri="http://schemas.microsoft.com/sharepoint/v3/contenttype/forms"/>
-  </ds:schemaRefs>
-</ds:datastoreItem>
-</file>
-
 <file path=customXml/itemProps3.xml><?xml version="1.0" encoding="utf-8"?>
 <ds:datastoreItem xmlns:ds="http://schemas.openxmlformats.org/officeDocument/2006/customXml" ds:itemID="{626E351D-C19B-467F-A5C7-085C4CECACA9}">
   <ds:schemaRefs>

--- a/04-PresentationThirdPhase.pptx
+++ b/04-PresentationThirdPhase.pptx
@@ -141,7 +141,7 @@
 <file path=ppt/charts/chart1.xml><?xml version="1.0" encoding="utf-8"?>
 <c:chartSpace xmlns:c="http://schemas.openxmlformats.org/drawingml/2006/chart" xmlns:a="http://schemas.openxmlformats.org/drawingml/2006/main" xmlns:r="http://schemas.openxmlformats.org/officeDocument/2006/relationships" xmlns:c16r2="http://schemas.microsoft.com/office/drawing/2015/06/chart">
   <c:date1904 val="0"/>
-  <c:lang val="nl-NL"/>
+  <c:lang val="en-GB"/>
   <c:roundedCorners val="0"/>
   <mc:AlternateContent xmlns:mc="http://schemas.openxmlformats.org/markup-compatibility/2006">
     <mc:Choice xmlns:c14="http://schemas.microsoft.com/office/drawing/2007/8/2/chart" Requires="c14">
@@ -203,7 +203,7 @@
               <a:cs typeface="+mn-cs"/>
             </a:defRPr>
           </a:pPr>
-          <a:endParaRPr lang="en-US"/>
+          <a:endParaRPr lang="en-BE"/>
         </a:p>
       </c:txPr>
     </c:title>
@@ -517,7 +517,7 @@
                 <a:cs typeface="+mn-cs"/>
               </a:defRPr>
             </a:pPr>
-            <a:endParaRPr lang="en-US"/>
+            <a:endParaRPr lang="en-BE"/>
           </a:p>
         </c:txPr>
         <c:crossAx val="690337440"/>
@@ -576,7 +576,7 @@
                 <a:cs typeface="+mn-cs"/>
               </a:defRPr>
             </a:pPr>
-            <a:endParaRPr lang="en-US"/>
+            <a:endParaRPr lang="en-BE"/>
           </a:p>
         </c:txPr>
         <c:crossAx val="547336896"/>
@@ -618,7 +618,7 @@
               <a:cs typeface="+mn-cs"/>
             </a:defRPr>
           </a:pPr>
-          <a:endParaRPr lang="en-US"/>
+          <a:endParaRPr lang="en-BE"/>
         </a:p>
       </c:txPr>
     </c:legend>
@@ -647,7 +647,7 @@
       <a:pPr>
         <a:defRPr/>
       </a:pPr>
-      <a:endParaRPr lang="en-US"/>
+      <a:endParaRPr lang="en-BE"/>
     </a:p>
   </c:txPr>
   <c:externalData r:id="rId3">
@@ -659,7 +659,7 @@
 <file path=ppt/charts/chart2.xml><?xml version="1.0" encoding="utf-8"?>
 <c:chartSpace xmlns:c="http://schemas.openxmlformats.org/drawingml/2006/chart" xmlns:a="http://schemas.openxmlformats.org/drawingml/2006/main" xmlns:r="http://schemas.openxmlformats.org/officeDocument/2006/relationships" xmlns:c16r2="http://schemas.microsoft.com/office/drawing/2015/06/chart">
   <c:date1904 val="0"/>
-  <c:lang val="nl-NL"/>
+  <c:lang val="en-GB"/>
   <c:roundedCorners val="0"/>
   <mc:AlternateContent xmlns:mc="http://schemas.openxmlformats.org/markup-compatibility/2006">
     <mc:Choice xmlns:c14="http://schemas.microsoft.com/office/drawing/2007/8/2/chart" Requires="c14">
@@ -726,7 +726,7 @@
               <a:cs typeface="+mn-cs"/>
             </a:defRPr>
           </a:pPr>
-          <a:endParaRPr lang="en-US"/>
+          <a:endParaRPr lang="en-BE"/>
         </a:p>
       </c:txPr>
     </c:title>
@@ -950,7 +950,7 @@
                 <a:cs typeface="+mn-cs"/>
               </a:defRPr>
             </a:pPr>
-            <a:endParaRPr lang="en-US"/>
+            <a:endParaRPr lang="en-BE"/>
           </a:p>
         </c:txPr>
         <c:crossAx val="641512976"/>
@@ -1009,7 +1009,7 @@
                 <a:cs typeface="+mn-cs"/>
               </a:defRPr>
             </a:pPr>
-            <a:endParaRPr lang="en-US"/>
+            <a:endParaRPr lang="en-BE"/>
           </a:p>
         </c:txPr>
         <c:crossAx val="723243472"/>
@@ -1051,7 +1051,7 @@
               <a:cs typeface="+mn-cs"/>
             </a:defRPr>
           </a:pPr>
-          <a:endParaRPr lang="en-US"/>
+          <a:endParaRPr lang="en-BE"/>
         </a:p>
       </c:txPr>
     </c:legend>
@@ -1080,7 +1080,7 @@
       <a:pPr>
         <a:defRPr/>
       </a:pPr>
-      <a:endParaRPr lang="en-US"/>
+      <a:endParaRPr lang="en-BE"/>
     </a:p>
   </c:txPr>
   <c:externalData r:id="rId3">
@@ -2257,7 +2257,7 @@
           <a:p>
             <a:fld id="{05052211-91C2-4B5D-9566-2C0C10015937}" type="datetimeFigureOut">
               <a:rPr lang="nl-NL" smtClean="0"/>
-              <a:t>22-6-2020</a:t>
+              <a:t>23-06-2020</a:t>
             </a:fld>
             <a:endParaRPr lang="nl-NL"/>
           </a:p>
@@ -2416,7 +2416,7 @@
           <a:p>
             <a:fld id="{F917F88C-BACD-4A94-B7B7-C91B49D4CB7C}" type="slidenum">
               <a:rPr lang="nl-NL" smtClean="0"/>
-              <a:t>‹nr.›</a:t>
+              <a:t>‹#›</a:t>
             </a:fld>
             <a:endParaRPr lang="nl-NL"/>
           </a:p>
@@ -4008,7 +4008,7 @@
           <a:p>
             <a:fld id="{9184DA70-C731-4C70-880D-CCD4705E623C}" type="datetime1">
               <a:rPr lang="en-US" smtClean="0"/>
-              <a:t>6/22/2020</a:t>
+              <a:t>6/23/20</a:t>
             </a:fld>
             <a:endParaRPr lang="en-US" dirty="0"/>
           </a:p>
@@ -4062,7 +4062,7 @@
           <a:p>
             <a:fld id="{3A98EE3D-8CD1-4C3F-BD1C-C98C9596463C}" type="slidenum">
               <a:rPr lang="en-US" smtClean="0"/>
-              <a:t>‹nr.›</a:t>
+              <a:t>‹#›</a:t>
             </a:fld>
             <a:endParaRPr lang="en-US" dirty="0"/>
           </a:p>
@@ -4196,7 +4196,7 @@
           <a:p>
             <a:fld id="{4BE1D723-8F53-4F53-90B0-1982A396982E}" type="datetime1">
               <a:rPr lang="en-US" smtClean="0"/>
-              <a:t>6/22/2020</a:t>
+              <a:t>6/23/20</a:t>
             </a:fld>
             <a:endParaRPr lang="en-US" dirty="0"/>
           </a:p>
@@ -4250,7 +4250,7 @@
           <a:p>
             <a:fld id="{3A98EE3D-8CD1-4C3F-BD1C-C98C9596463C}" type="slidenum">
               <a:rPr lang="en-US" smtClean="0"/>
-              <a:t>‹nr.›</a:t>
+              <a:t>‹#›</a:t>
             </a:fld>
             <a:endParaRPr lang="en-US" dirty="0"/>
           </a:p>
@@ -4569,7 +4569,7 @@
           <a:p>
             <a:fld id="{97669AF7-7BEB-44E4-9852-375E34362B5B}" type="datetime1">
               <a:rPr lang="en-US" smtClean="0"/>
-              <a:t>6/22/2020</a:t>
+              <a:t>6/23/20</a:t>
             </a:fld>
             <a:endParaRPr lang="en-US" dirty="0"/>
           </a:p>
@@ -4623,7 +4623,7 @@
           <a:p>
             <a:fld id="{3A98EE3D-8CD1-4C3F-BD1C-C98C9596463C}" type="slidenum">
               <a:rPr lang="en-US" smtClean="0"/>
-              <a:t>‹nr.›</a:t>
+              <a:t>‹#›</a:t>
             </a:fld>
             <a:endParaRPr lang="en-US" dirty="0"/>
           </a:p>
@@ -4824,7 +4824,7 @@
           <a:p>
             <a:fld id="{BAAAC38D-0552-4C82-B593-E6124DFADBE2}" type="datetime1">
               <a:rPr lang="en-US" smtClean="0"/>
-              <a:t>6/22/2020</a:t>
+              <a:t>6/23/20</a:t>
             </a:fld>
             <a:endParaRPr lang="en-US" dirty="0"/>
           </a:p>
@@ -4878,7 +4878,7 @@
           <a:p>
             <a:fld id="{3A98EE3D-8CD1-4C3F-BD1C-C98C9596463C}" type="slidenum">
               <a:rPr lang="en-US" smtClean="0"/>
-              <a:t>‹nr.›</a:t>
+              <a:t>‹#›</a:t>
             </a:fld>
             <a:endParaRPr lang="en-US" dirty="0"/>
           </a:p>
@@ -5221,7 +5221,7 @@
           <a:p>
             <a:fld id="{D9DF0F1C-5577-4ACB-BB62-DF8F3C494C7E}" type="datetime1">
               <a:rPr lang="en-US" smtClean="0"/>
-              <a:t>6/22/2020</a:t>
+              <a:t>6/23/20</a:t>
             </a:fld>
             <a:endParaRPr lang="en-US" dirty="0"/>
           </a:p>
@@ -5275,7 +5275,7 @@
           <a:p>
             <a:fld id="{3A98EE3D-8CD1-4C3F-BD1C-C98C9596463C}" type="slidenum">
               <a:rPr lang="en-US" smtClean="0"/>
-              <a:t>‹nr.›</a:t>
+              <a:t>‹#›</a:t>
             </a:fld>
             <a:endParaRPr lang="en-US" dirty="0"/>
           </a:p>
@@ -5357,7 +5357,7 @@
           <a:p>
             <a:fld id="{1775B394-D9F9-4F0C-B15D-605F45CB9E9F}" type="datetime1">
               <a:rPr lang="en-US" smtClean="0"/>
-              <a:t>6/22/2020</a:t>
+              <a:t>6/23/20</a:t>
             </a:fld>
             <a:endParaRPr lang="en-US" dirty="0"/>
           </a:p>
@@ -5411,7 +5411,7 @@
           <a:p>
             <a:fld id="{3A98EE3D-8CD1-4C3F-BD1C-C98C9596463C}" type="slidenum">
               <a:rPr lang="en-US" smtClean="0"/>
-              <a:t>‹nr.›</a:t>
+              <a:t>‹#›</a:t>
             </a:fld>
             <a:endParaRPr lang="en-US" dirty="0"/>
           </a:p>
@@ -5514,7 +5514,7 @@
           <a:p>
             <a:fld id="{39667345-2558-425A-8533-9BFDBCE15005}" type="datetime1">
               <a:rPr lang="en-US" smtClean="0"/>
-              <a:t>6/22/2020</a:t>
+              <a:t>6/23/20</a:t>
             </a:fld>
             <a:endParaRPr lang="en-US" dirty="0"/>
           </a:p>
@@ -5568,7 +5568,7 @@
           <a:p>
             <a:fld id="{3A98EE3D-8CD1-4C3F-BD1C-C98C9596463C}" type="slidenum">
               <a:rPr lang="en-US" smtClean="0"/>
-              <a:t>‹nr.›</a:t>
+              <a:t>‹#›</a:t>
             </a:fld>
             <a:endParaRPr lang="en-US" dirty="0"/>
           </a:p>
@@ -5843,7 +5843,7 @@
           <a:p>
             <a:fld id="{92BEA474-078D-4E9B-9B14-09A87B19DC46}" type="datetime1">
               <a:rPr lang="en-US" smtClean="0"/>
-              <a:t>6/22/2020</a:t>
+              <a:t>6/23/20</a:t>
             </a:fld>
             <a:endParaRPr lang="en-US" dirty="0"/>
           </a:p>
@@ -5907,7 +5907,7 @@
             <a:fld id="{3A98EE3D-8CD1-4C3F-BD1C-C98C9596463C}" type="slidenum">
               <a:rPr lang="en-US" smtClean="0"/>
               <a:pPr/>
-              <a:t>‹nr.›</a:t>
+              <a:t>‹#›</a:t>
             </a:fld>
             <a:endParaRPr lang="en-US" dirty="0"/>
           </a:p>
@@ -6193,7 +6193,7 @@
           <a:p>
             <a:fld id="{4907D986-8816-4272-A432-0437A28A9828}" type="datetime1">
               <a:rPr lang="en-US" smtClean="0"/>
-              <a:t>6/22/2020</a:t>
+              <a:t>6/23/20</a:t>
             </a:fld>
             <a:endParaRPr lang="en-US" dirty="0"/>
           </a:p>
@@ -6241,7 +6241,7 @@
           <a:p>
             <a:fld id="{3A98EE3D-8CD1-4C3F-BD1C-C98C9596463C}" type="slidenum">
               <a:rPr lang="en-US" smtClean="0"/>
-              <a:t>‹nr.›</a:t>
+              <a:t>‹#›</a:t>
             </a:fld>
             <a:endParaRPr lang="en-US" dirty="0"/>
           </a:p>
@@ -6454,7 +6454,7 @@
           <a:p>
             <a:fld id="{62D6E202-B606-4609-B914-27C9371A1F6D}" type="datetime1">
               <a:rPr lang="en-US" smtClean="0"/>
-              <a:t>6/22/2020</a:t>
+              <a:t>6/23/20</a:t>
             </a:fld>
             <a:endParaRPr lang="en-US" dirty="0"/>
           </a:p>
@@ -6528,7 +6528,7 @@
           <a:p>
             <a:fld id="{3A98EE3D-8CD1-4C3F-BD1C-C98C9596463C}" type="slidenum">
               <a:rPr lang="en-US" smtClean="0"/>
-              <a:t>‹nr.›</a:t>
+              <a:t>‹#›</a:t>
             </a:fld>
             <a:endParaRPr lang="en-US" dirty="0"/>
           </a:p>
@@ -7895,8 +7895,8 @@
           </a:p>
         </p:txBody>
       </p:sp>
-      <mc:AlternateContent xmlns:mc="http://schemas.openxmlformats.org/markup-compatibility/2006" xmlns:a14="http://schemas.microsoft.com/office/drawing/2010/main">
-        <mc:Choice Requires="a14">
+      <mc:AlternateContent xmlns:mc="http://schemas.openxmlformats.org/markup-compatibility/2006">
+        <mc:Choice xmlns:a14="http://schemas.microsoft.com/office/drawing/2010/main" Requires="a14">
           <p:sp>
             <p:nvSpPr>
               <p:cNvPr id="3" name="Content Placeholder 2">
@@ -7918,7 +7918,7 @@
               <a:bodyPr/>
               <a:lstStyle/>
               <a:p>
-                <a:pPr marL="0" indent="0">
+                <a:pPr>
                   <a:lnSpc>
                     <a:spcPct val="100000"/>
                   </a:lnSpc>
@@ -7928,11 +7928,12 @@
                   <a:spcAft>
                     <a:spcPts val="0"/>
                   </a:spcAft>
-                  <a:buNone/>
+                  <a:buFont typeface="Wingdings" pitchFamily="2" charset="2"/>
+                  <a:buChar char="v"/>
                 </a:pPr>
                 <a:r>
                   <a:rPr lang="en-GB" dirty="0"/>
-                  <a:t>In the horizontal directions:</a:t>
+                  <a:t> In the horizontal directions:</a:t>
                 </a:r>
                 <a:endParaRPr lang="en-GB" i="1" dirty="0">
                   <a:latin typeface="Cambria Math" panose="02040503050406030204" pitchFamily="18" charset="0"/>
@@ -8456,7 +8457,7 @@
                 <a:endParaRPr lang="en-GB" dirty="0"/>
               </a:p>
               <a:p>
-                <a:pPr marL="0" indent="0">
+                <a:pPr>
                   <a:lnSpc>
                     <a:spcPct val="100000"/>
                   </a:lnSpc>
@@ -8466,11 +8467,12 @@
                   <a:spcAft>
                     <a:spcPts val="0"/>
                   </a:spcAft>
-                  <a:buNone/>
+                  <a:buFont typeface="Wingdings" pitchFamily="2" charset="2"/>
+                  <a:buChar char="v"/>
                 </a:pPr>
                 <a:r>
                   <a:rPr lang="en-GB" dirty="0"/>
-                  <a:t>In the vertical direction:</a:t>
+                  <a:t> In the vertical direction:</a:t>
                 </a:r>
               </a:p>
               <a:p>
@@ -8909,7 +8911,7 @@
             </p:txBody>
           </p:sp>
         </mc:Choice>
-        <mc:Fallback xmlns="">
+        <mc:Fallback>
           <p:sp>
             <p:nvSpPr>
               <p:cNvPr id="3" name="Content Placeholder 2">
@@ -8930,7 +8932,7 @@
               <a:blipFill>
                 <a:blip r:embed="rId2"/>
                 <a:stretch>
-                  <a:fillRect l="-1455" t="-972"/>
+                  <a:fillRect l="-1261" t="-673"/>
                 </a:stretch>
               </a:blipFill>
             </p:spPr>
@@ -8939,7 +8941,7 @@
               <a:lstStyle/>
               <a:p>
                 <a:r>
-                  <a:rPr lang="nl-NL">
+                  <a:rPr lang="en-US">
                     <a:noFill/>
                   </a:rPr>
                   <a:t> </a:t>
@@ -9245,6 +9247,14 @@
 <file path=ppt/slides/slide15.xml><?xml version="1.0" encoding="utf-8"?>
 <p:sld xmlns:a="http://schemas.openxmlformats.org/drawingml/2006/main" xmlns:r="http://schemas.openxmlformats.org/officeDocument/2006/relationships" xmlns:p="http://schemas.openxmlformats.org/presentationml/2006/main">
   <p:cSld>
+    <p:bg>
+      <p:bgPr>
+        <a:solidFill>
+          <a:schemeClr val="bg1"/>
+        </a:solidFill>
+        <a:effectLst/>
+      </p:bgPr>
+    </p:bg>
     <p:spTree>
       <p:nvGrpSpPr>
         <p:cNvPr id="1" name=""/>
@@ -9259,6 +9269,121 @@
           <a:chExt cx="0" cy="0"/>
         </a:xfrm>
       </p:grpSpPr>
+      <p:sp useBgFill="1">
+        <p:nvSpPr>
+          <p:cNvPr id="9" name="Rectangle 8">
+            <a:extLst>
+              <a:ext uri="{FF2B5EF4-FFF2-40B4-BE49-F238E27FC236}">
+                <a16:creationId xmlns:a16="http://schemas.microsoft.com/office/drawing/2014/main" id="{3741B58E-3B65-4A01-A276-975AB2CF8A08}"/>
+              </a:ext>
+              <a:ext uri="{C183D7F6-B498-43B3-948B-1728B52AA6E4}">
+                <adec:decorative xmlns:adec="http://schemas.microsoft.com/office/drawing/2017/decorative" val="1"/>
+              </a:ext>
+            </a:extLst>
+          </p:cNvPr>
+          <p:cNvSpPr>
+            <a:spLocks noGrp="1" noRot="1" noChangeAspect="1" noMove="1" noResize="1" noEditPoints="1" noAdjustHandles="1" noChangeArrowheads="1" noChangeShapeType="1" noTextEdit="1"/>
+          </p:cNvSpPr>
+          <p:nvPr>
+            <p:extLst>
+              <p:ext uri="{386F3935-93C4-4BCD-93E2-E3B085C9AB24}">
+                <p16:designElem xmlns:p16="http://schemas.microsoft.com/office/powerpoint/2015/main" val="1"/>
+              </p:ext>
+            </p:extLst>
+          </p:nvPr>
+        </p:nvSpPr>
+        <p:spPr>
+          <a:xfrm>
+            <a:off x="0" y="0"/>
+            <a:ext cx="12186315" cy="6858000"/>
+          </a:xfrm>
+          <a:prstGeom prst="rect">
+            <a:avLst/>
+          </a:prstGeom>
+          <a:ln>
+            <a:noFill/>
+          </a:ln>
+        </p:spPr>
+        <p:style>
+          <a:lnRef idx="2">
+            <a:schemeClr val="accent6">
+              <a:shade val="50000"/>
+            </a:schemeClr>
+          </a:lnRef>
+          <a:fillRef idx="1001">
+            <a:schemeClr val="lt1"/>
+          </a:fillRef>
+          <a:effectRef idx="0">
+            <a:schemeClr val="accent6"/>
+          </a:effectRef>
+          <a:fontRef idx="minor">
+            <a:schemeClr val="lt1"/>
+          </a:fontRef>
+        </p:style>
+        <p:txBody>
+          <a:bodyPr rtlCol="0" anchor="ctr"/>
+          <a:lstStyle/>
+          <a:p>
+            <a:pPr algn="ctr"/>
+            <a:endParaRPr lang="en-US"/>
+          </a:p>
+        </p:txBody>
+      </p:sp>
+      <p:sp>
+        <p:nvSpPr>
+          <p:cNvPr id="11" name="Rectangle 10">
+            <a:extLst>
+              <a:ext uri="{FF2B5EF4-FFF2-40B4-BE49-F238E27FC236}">
+                <a16:creationId xmlns:a16="http://schemas.microsoft.com/office/drawing/2014/main" id="{7AAC67C3-831B-4AB1-A259-DFB839CAFAFC}"/>
+              </a:ext>
+              <a:ext uri="{C183D7F6-B498-43B3-948B-1728B52AA6E4}">
+                <adec:decorative xmlns:adec="http://schemas.microsoft.com/office/drawing/2017/decorative" val="1"/>
+              </a:ext>
+            </a:extLst>
+          </p:cNvPr>
+          <p:cNvSpPr>
+            <a:spLocks noGrp="1" noRot="1" noChangeAspect="1" noMove="1" noResize="1" noEditPoints="1" noAdjustHandles="1" noChangeArrowheads="1" noChangeShapeType="1" noTextEdit="1"/>
+          </p:cNvSpPr>
+          <p:nvPr>
+            <p:extLst>
+              <p:ext uri="{386F3935-93C4-4BCD-93E2-E3B085C9AB24}">
+                <p16:designElem xmlns:p16="http://schemas.microsoft.com/office/powerpoint/2015/main" val="1"/>
+              </p:ext>
+            </p:extLst>
+          </p:nvPr>
+        </p:nvSpPr>
+        <p:spPr>
+          <a:xfrm>
+            <a:off x="16" y="-1"/>
+            <a:ext cx="4648593" cy="6857999"/>
+          </a:xfrm>
+          <a:prstGeom prst="rect">
+            <a:avLst/>
+          </a:prstGeom>
+          <a:solidFill>
+            <a:schemeClr val="accent1"/>
+          </a:solidFill>
+          <a:ln>
+            <a:noFill/>
+          </a:ln>
+        </p:spPr>
+        <p:style>
+          <a:lnRef idx="2">
+            <a:schemeClr val="accent1">
+              <a:shade val="50000"/>
+            </a:schemeClr>
+          </a:lnRef>
+          <a:fillRef idx="1">
+            <a:schemeClr val="accent1"/>
+          </a:fillRef>
+          <a:effectRef idx="0">
+            <a:schemeClr val="accent1"/>
+          </a:effectRef>
+          <a:fontRef idx="minor">
+            <a:schemeClr val="lt1"/>
+          </a:fontRef>
+        </p:style>
+      </p:sp>
       <p:sp>
         <p:nvSpPr>
           <p:cNvPr id="2" name="Title 1">
@@ -9275,13 +9400,24 @@
             <p:ph type="title"/>
           </p:nvPr>
         </p:nvSpPr>
-        <p:spPr/>
+        <p:spPr>
+          <a:xfrm>
+            <a:off x="492369" y="605896"/>
+            <a:ext cx="3642309" cy="5646208"/>
+          </a:xfrm>
+        </p:spPr>
         <p:txBody>
-          <a:bodyPr/>
+          <a:bodyPr anchor="ctr">
+            <a:normAutofit/>
+          </a:bodyPr>
           <a:lstStyle/>
           <a:p>
             <a:r>
-              <a:rPr lang="en-US" dirty="0"/>
+              <a:rPr lang="en-US" sz="4400">
+                <a:solidFill>
+                  <a:srgbClr val="FFFFFF"/>
+                </a:solidFill>
+              </a:rPr>
               <a:t>Single Shot Bot</a:t>
             </a:r>
           </a:p>
@@ -9289,10 +9425,10 @@
       </p:sp>
       <p:sp>
         <p:nvSpPr>
-          <p:cNvPr id="3" name="Content Placeholder 2">
+          <p:cNvPr id="4" name="Content Placeholder 2">
             <a:extLst>
               <a:ext uri="{FF2B5EF4-FFF2-40B4-BE49-F238E27FC236}">
-                <a16:creationId xmlns:a16="http://schemas.microsoft.com/office/drawing/2014/main" id="{4E3DCD13-71A0-6B4E-AD41-C79CB8F6CFFC}"/>
+                <a16:creationId xmlns:a16="http://schemas.microsoft.com/office/drawing/2014/main" id="{665ECEF1-9D93-F049-BE9E-AD1186C891BD}"/>
               </a:ext>
             </a:extLst>
           </p:cNvPr>
@@ -9303,14 +9439,159 @@
             <p:ph idx="1"/>
           </p:nvPr>
         </p:nvSpPr>
-        <p:spPr/>
+        <p:spPr>
+          <a:xfrm>
+            <a:off x="5231958" y="605896"/>
+            <a:ext cx="5923721" cy="5646208"/>
+          </a:xfrm>
+        </p:spPr>
         <p:txBody>
-          <a:bodyPr/>
+          <a:bodyPr anchor="ctr">
+            <a:normAutofit/>
+          </a:bodyPr>
           <a:lstStyle/>
           <a:p>
-            <a:endParaRPr lang="en-US" dirty="0"/>
+            <a:pPr>
+              <a:lnSpc>
+                <a:spcPct val="100000"/>
+              </a:lnSpc>
+              <a:buFont typeface="Wingdings" pitchFamily="2" charset="2"/>
+              <a:buChar char="v"/>
+            </a:pPr>
+            <a:r>
+              <a:rPr lang="en-US" sz="2400" dirty="0"/>
+              <a:t> Finds the location of the flag</a:t>
+            </a:r>
+          </a:p>
+          <a:p>
+            <a:pPr>
+              <a:lnSpc>
+                <a:spcPct val="100000"/>
+              </a:lnSpc>
+              <a:buFont typeface="Wingdings" pitchFamily="2" charset="2"/>
+              <a:buChar char="v"/>
+            </a:pPr>
+            <a:r>
+              <a:rPr lang="en-US" sz="2400" dirty="0"/>
+              <a:t> Computes shots in the area of the flag and stores the successful ones</a:t>
+            </a:r>
+          </a:p>
+          <a:p>
+            <a:pPr>
+              <a:lnSpc>
+                <a:spcPct val="100000"/>
+              </a:lnSpc>
+              <a:buFont typeface="Wingdings" pitchFamily="2" charset="2"/>
+              <a:buChar char="v"/>
+            </a:pPr>
+            <a:r>
+              <a:rPr lang="en-US" sz="2400" dirty="0"/>
+              <a:t> For each successful shot stored, it aims to try the perfect velocity</a:t>
+            </a:r>
+          </a:p>
+          <a:p>
+            <a:pPr>
+              <a:lnSpc>
+                <a:spcPct val="100000"/>
+              </a:lnSpc>
+              <a:buFont typeface="Wingdings" pitchFamily="2" charset="2"/>
+              <a:buChar char="v"/>
+            </a:pPr>
+            <a:r>
+              <a:rPr lang="en-US" sz="2400" dirty="0"/>
+              <a:t> If there is an obstacle between the ball and the flag, it will shoot the ball with a wider angle</a:t>
+            </a:r>
+          </a:p>
+          <a:p>
+            <a:pPr>
+              <a:lnSpc>
+                <a:spcPct val="100000"/>
+              </a:lnSpc>
+              <a:buFont typeface="Wingdings" pitchFamily="2" charset="2"/>
+              <a:buChar char="v"/>
+            </a:pPr>
+            <a:r>
+              <a:rPr lang="en-US" sz="2400" dirty="0"/>
+              <a:t> If no hole in one solution is possible, it won’t find a solution.</a:t>
+            </a:r>
+          </a:p>
+          <a:p>
+            <a:pPr>
+              <a:lnSpc>
+                <a:spcPct val="100000"/>
+              </a:lnSpc>
+              <a:buFont typeface="Wingdings" pitchFamily="2" charset="2"/>
+              <a:buChar char="v"/>
+            </a:pPr>
+            <a:r>
+              <a:rPr lang="en-US" sz="2400" dirty="0"/>
+              <a:t> O(</a:t>
+            </a:r>
+            <a:r>
+              <a:rPr lang="en-US" sz="2400"/>
+              <a:t>maxVelocity</a:t>
+            </a:r>
+            <a:r>
+              <a:rPr lang="en-US" sz="2400" dirty="0"/>
+              <a:t> / (degree step * velocity step))</a:t>
+            </a:r>
           </a:p>
         </p:txBody>
+      </p:sp>
+      <p:sp>
+        <p:nvSpPr>
+          <p:cNvPr id="13" name="Rectangle 12">
+            <a:extLst>
+              <a:ext uri="{FF2B5EF4-FFF2-40B4-BE49-F238E27FC236}">
+                <a16:creationId xmlns:a16="http://schemas.microsoft.com/office/drawing/2014/main" id="{FCAEED9E-BB91-43A0-911B-1ACD8803E3CE}"/>
+              </a:ext>
+              <a:ext uri="{C183D7F6-B498-43B3-948B-1728B52AA6E4}">
+                <adec:decorative xmlns:adec="http://schemas.microsoft.com/office/drawing/2017/decorative" val="1"/>
+              </a:ext>
+            </a:extLst>
+          </p:cNvPr>
+          <p:cNvSpPr>
+            <a:spLocks noGrp="1" noRot="1" noChangeAspect="1" noMove="1" noResize="1" noEditPoints="1" noAdjustHandles="1" noChangeArrowheads="1" noChangeShapeType="1" noTextEdit="1"/>
+          </p:cNvSpPr>
+          <p:nvPr>
+            <p:extLst>
+              <p:ext uri="{386F3935-93C4-4BCD-93E2-E3B085C9AB24}">
+                <p16:designElem xmlns:p16="http://schemas.microsoft.com/office/powerpoint/2015/main" val="1"/>
+              </p:ext>
+            </p:extLst>
+          </p:nvPr>
+        </p:nvSpPr>
+        <p:spPr>
+          <a:xfrm>
+            <a:off x="0" y="6400800"/>
+            <a:ext cx="12192000" cy="457200"/>
+          </a:xfrm>
+          <a:prstGeom prst="rect">
+            <a:avLst/>
+          </a:prstGeom>
+          <a:solidFill>
+            <a:srgbClr val="262626"/>
+          </a:solidFill>
+          <a:ln>
+            <a:noFill/>
+          </a:ln>
+        </p:spPr>
+        <p:style>
+          <a:lnRef idx="2">
+            <a:schemeClr val="accent1">
+              <a:shade val="50000"/>
+            </a:schemeClr>
+          </a:lnRef>
+          <a:fillRef idx="1">
+            <a:schemeClr val="accent1"/>
+          </a:fillRef>
+          <a:effectRef idx="0">
+            <a:schemeClr val="accent1"/>
+          </a:effectRef>
+          <a:fontRef idx="minor">
+            <a:schemeClr val="lt1"/>
+          </a:fontRef>
+        </p:style>
       </p:sp>
     </p:spTree>
     <p:extLst>
@@ -9328,6 +9609,14 @@
 <file path=ppt/slides/slide16.xml><?xml version="1.0" encoding="utf-8"?>
 <p:sld xmlns:a="http://schemas.openxmlformats.org/drawingml/2006/main" xmlns:r="http://schemas.openxmlformats.org/officeDocument/2006/relationships" xmlns:p="http://schemas.openxmlformats.org/presentationml/2006/main">
   <p:cSld>
+    <p:bg>
+      <p:bgPr>
+        <a:solidFill>
+          <a:schemeClr val="bg1"/>
+        </a:solidFill>
+        <a:effectLst/>
+      </p:bgPr>
+    </p:bg>
     <p:spTree>
       <p:nvGrpSpPr>
         <p:cNvPr id="1" name=""/>
@@ -9344,6 +9633,231 @@
       </p:grpSpPr>
       <p:sp>
         <p:nvSpPr>
+          <p:cNvPr id="12" name="Rectangle 11">
+            <a:extLst>
+              <a:ext uri="{FF2B5EF4-FFF2-40B4-BE49-F238E27FC236}">
+                <a16:creationId xmlns:a16="http://schemas.microsoft.com/office/drawing/2014/main" id="{39E3965E-AC41-4711-9D10-E25ABB132D86}"/>
+              </a:ext>
+              <a:ext uri="{C183D7F6-B498-43B3-948B-1728B52AA6E4}">
+                <adec:decorative xmlns:adec="http://schemas.microsoft.com/office/drawing/2017/decorative" val="1"/>
+              </a:ext>
+            </a:extLst>
+          </p:cNvPr>
+          <p:cNvSpPr>
+            <a:spLocks noGrp="1" noRot="1" noChangeAspect="1" noMove="1" noResize="1" noEditPoints="1" noAdjustHandles="1" noChangeArrowheads="1" noChangeShapeType="1" noTextEdit="1"/>
+          </p:cNvSpPr>
+          <p:nvPr>
+            <p:extLst>
+              <p:ext uri="{386F3935-93C4-4BCD-93E2-E3B085C9AB24}">
+                <p16:designElem xmlns:p16="http://schemas.microsoft.com/office/powerpoint/2015/main" val="1"/>
+              </p:ext>
+            </p:extLst>
+          </p:nvPr>
+        </p:nvSpPr>
+        <p:spPr>
+          <a:xfrm>
+            <a:off x="3175" y="6400800"/>
+            <a:ext cx="12188825" cy="457200"/>
+          </a:xfrm>
+          <a:prstGeom prst="rect">
+            <a:avLst/>
+          </a:prstGeom>
+          <a:solidFill>
+            <a:srgbClr val="262626"/>
+          </a:solidFill>
+          <a:ln>
+            <a:noFill/>
+          </a:ln>
+        </p:spPr>
+        <p:style>
+          <a:lnRef idx="2">
+            <a:schemeClr val="accent1">
+              <a:shade val="50000"/>
+            </a:schemeClr>
+          </a:lnRef>
+          <a:fillRef idx="1">
+            <a:schemeClr val="accent1"/>
+          </a:fillRef>
+          <a:effectRef idx="0">
+            <a:schemeClr val="accent1"/>
+          </a:effectRef>
+          <a:fontRef idx="minor">
+            <a:schemeClr val="lt1"/>
+          </a:fontRef>
+        </p:style>
+      </p:sp>
+      <p:cxnSp>
+        <p:nvCxnSpPr>
+          <p:cNvPr id="14" name="Straight Connector 13">
+            <a:extLst>
+              <a:ext uri="{FF2B5EF4-FFF2-40B4-BE49-F238E27FC236}">
+                <a16:creationId xmlns:a16="http://schemas.microsoft.com/office/drawing/2014/main" id="{1F5DC8C3-BA5F-4EED-BB9A-A14272BD82A1}"/>
+              </a:ext>
+              <a:ext uri="{C183D7F6-B498-43B3-948B-1728B52AA6E4}">
+                <adec:decorative xmlns:adec="http://schemas.microsoft.com/office/drawing/2017/decorative" val="1"/>
+              </a:ext>
+            </a:extLst>
+          </p:cNvPr>
+          <p:cNvCxnSpPr>
+            <a:cxnSpLocks noGrp="1" noRot="1" noChangeAspect="1" noMove="1" noResize="1" noEditPoints="1" noAdjustHandles="1" noChangeArrowheads="1" noChangeShapeType="1"/>
+          </p:cNvCxnSpPr>
+          <p:nvPr>
+            <p:extLst>
+              <p:ext uri="{386F3935-93C4-4BCD-93E2-E3B085C9AB24}">
+                <p16:designElem xmlns:p16="http://schemas.microsoft.com/office/powerpoint/2015/main" val="1"/>
+              </p:ext>
+            </p:extLst>
+          </p:nvPr>
+        </p:nvCxnSpPr>
+        <p:spPr>
+          <a:xfrm>
+            <a:off x="1207658" y="4474741"/>
+            <a:ext cx="9875520" cy="0"/>
+          </a:xfrm>
+          <a:prstGeom prst="line">
+            <a:avLst/>
+          </a:prstGeom>
+          <a:ln w="12700">
+            <a:solidFill>
+              <a:schemeClr val="tx1">
+                <a:lumMod val="75000"/>
+                <a:lumOff val="25000"/>
+              </a:schemeClr>
+            </a:solidFill>
+          </a:ln>
+        </p:spPr>
+        <p:style>
+          <a:lnRef idx="1">
+            <a:schemeClr val="accent1"/>
+          </a:lnRef>
+          <a:fillRef idx="0">
+            <a:schemeClr val="accent1"/>
+          </a:fillRef>
+          <a:effectRef idx="0">
+            <a:schemeClr val="accent1"/>
+          </a:effectRef>
+          <a:fontRef idx="minor">
+            <a:schemeClr val="tx1"/>
+          </a:fontRef>
+        </p:style>
+      </p:cxnSp>
+      <p:sp useBgFill="1">
+        <p:nvSpPr>
+          <p:cNvPr id="16" name="Rectangle 15">
+            <a:extLst>
+              <a:ext uri="{FF2B5EF4-FFF2-40B4-BE49-F238E27FC236}">
+                <a16:creationId xmlns:a16="http://schemas.microsoft.com/office/drawing/2014/main" id="{B4D0E555-16F6-44D0-BF56-AF5FF5BDE9D6}"/>
+              </a:ext>
+              <a:ext uri="{C183D7F6-B498-43B3-948B-1728B52AA6E4}">
+                <adec:decorative xmlns:adec="http://schemas.microsoft.com/office/drawing/2017/decorative" val="1"/>
+              </a:ext>
+            </a:extLst>
+          </p:cNvPr>
+          <p:cNvSpPr>
+            <a:spLocks noGrp="1" noRot="1" noChangeAspect="1" noMove="1" noResize="1" noEditPoints="1" noAdjustHandles="1" noChangeArrowheads="1" noChangeShapeType="1" noTextEdit="1"/>
+          </p:cNvSpPr>
+          <p:nvPr>
+            <p:extLst>
+              <p:ext uri="{386F3935-93C4-4BCD-93E2-E3B085C9AB24}">
+                <p16:designElem xmlns:p16="http://schemas.microsoft.com/office/powerpoint/2015/main" val="1"/>
+              </p:ext>
+            </p:extLst>
+          </p:nvPr>
+        </p:nvSpPr>
+        <p:spPr>
+          <a:xfrm>
+            <a:off x="0" y="0"/>
+            <a:ext cx="12192000" cy="6858000"/>
+          </a:xfrm>
+          <a:prstGeom prst="rect">
+            <a:avLst/>
+          </a:prstGeom>
+          <a:ln>
+            <a:noFill/>
+          </a:ln>
+        </p:spPr>
+        <p:style>
+          <a:lnRef idx="2">
+            <a:schemeClr val="accent1">
+              <a:shade val="50000"/>
+            </a:schemeClr>
+          </a:lnRef>
+          <a:fillRef idx="1001">
+            <a:schemeClr val="lt1"/>
+          </a:fillRef>
+          <a:effectRef idx="0">
+            <a:schemeClr val="accent1"/>
+          </a:effectRef>
+          <a:fontRef idx="minor">
+            <a:schemeClr val="lt1"/>
+          </a:fontRef>
+        </p:style>
+        <p:txBody>
+          <a:bodyPr rtlCol="0" anchor="ctr"/>
+          <a:lstStyle/>
+          <a:p>
+            <a:pPr algn="ctr"/>
+            <a:endParaRPr lang="en-US"/>
+          </a:p>
+        </p:txBody>
+      </p:sp>
+      <p:sp>
+        <p:nvSpPr>
+          <p:cNvPr id="18" name="Rectangle 17">
+            <a:extLst>
+              <a:ext uri="{FF2B5EF4-FFF2-40B4-BE49-F238E27FC236}">
+                <a16:creationId xmlns:a16="http://schemas.microsoft.com/office/drawing/2014/main" id="{8117041D-1A7B-4ECA-AB68-3CFDB6726B8E}"/>
+              </a:ext>
+              <a:ext uri="{C183D7F6-B498-43B3-948B-1728B52AA6E4}">
+                <adec:decorative xmlns:adec="http://schemas.microsoft.com/office/drawing/2017/decorative" val="1"/>
+              </a:ext>
+            </a:extLst>
+          </p:cNvPr>
+          <p:cNvSpPr>
+            <a:spLocks noGrp="1" noRot="1" noChangeAspect="1" noMove="1" noResize="1" noEditPoints="1" noAdjustHandles="1" noChangeArrowheads="1" noChangeShapeType="1" noTextEdit="1"/>
+          </p:cNvSpPr>
+          <p:nvPr>
+            <p:extLst>
+              <p:ext uri="{386F3935-93C4-4BCD-93E2-E3B085C9AB24}">
+                <p16:designElem xmlns:p16="http://schemas.microsoft.com/office/powerpoint/2015/main" val="1"/>
+              </p:ext>
+            </p:extLst>
+          </p:nvPr>
+        </p:nvSpPr>
+        <p:spPr bwMode="white">
+          <a:xfrm>
+            <a:off x="-6220" y="0"/>
+            <a:ext cx="4641314" cy="6858000"/>
+          </a:xfrm>
+          <a:prstGeom prst="rect">
+            <a:avLst/>
+          </a:prstGeom>
+          <a:solidFill>
+            <a:srgbClr val="262626"/>
+          </a:solidFill>
+          <a:ln>
+            <a:noFill/>
+          </a:ln>
+        </p:spPr>
+        <p:style>
+          <a:lnRef idx="2">
+            <a:schemeClr val="accent1">
+              <a:shade val="50000"/>
+            </a:schemeClr>
+          </a:lnRef>
+          <a:fillRef idx="1">
+            <a:schemeClr val="accent1"/>
+          </a:fillRef>
+          <a:effectRef idx="0">
+            <a:schemeClr val="accent1"/>
+          </a:effectRef>
+          <a:fontRef idx="minor">
+            <a:schemeClr val="lt1"/>
+          </a:fontRef>
+        </p:style>
+      </p:sp>
+      <p:sp>
+        <p:nvSpPr>
           <p:cNvPr id="2" name="Title 1">
             <a:extLst>
               <a:ext uri="{FF2B5EF4-FFF2-40B4-BE49-F238E27FC236}">
@@ -9358,41 +9872,216 @@
             <p:ph type="title"/>
           </p:nvPr>
         </p:nvSpPr>
-        <p:spPr/>
+        <p:spPr>
+          <a:xfrm>
+            <a:off x="435869" y="640080"/>
+            <a:ext cx="3659246" cy="2862699"/>
+          </a:xfrm>
+        </p:spPr>
         <p:txBody>
-          <a:bodyPr/>
+          <a:bodyPr vert="horz" lIns="91440" tIns="45720" rIns="91440" bIns="45720" rtlCol="0" anchor="b">
+            <a:normAutofit/>
+          </a:bodyPr>
           <a:lstStyle/>
           <a:p>
             <a:r>
-              <a:rPr lang="en-US" dirty="0"/>
+              <a:rPr lang="en-US" sz="4400">
+                <a:solidFill>
+                  <a:srgbClr val="FFFFFF"/>
+                </a:solidFill>
+              </a:rPr>
               <a:t>BFS Graph Bot</a:t>
             </a:r>
-            <a:endParaRPr lang="nl-NL" dirty="0"/>
           </a:p>
         </p:txBody>
       </p:sp>
-      <p:sp>
-        <p:nvSpPr>
-          <p:cNvPr id="3" name="Content Placeholder 2">
+      <p:cxnSp>
+        <p:nvCxnSpPr>
+          <p:cNvPr id="20" name="Straight Connector 19">
             <a:extLst>
               <a:ext uri="{FF2B5EF4-FFF2-40B4-BE49-F238E27FC236}">
-                <a16:creationId xmlns:a16="http://schemas.microsoft.com/office/drawing/2014/main" id="{098D9F7B-126A-410E-881A-6F47451123DE}"/>
+                <a16:creationId xmlns:a16="http://schemas.microsoft.com/office/drawing/2014/main" id="{ABCD2462-4C1E-401A-AC2D-F799A138B245}"/>
+              </a:ext>
+              <a:ext uri="{C183D7F6-B498-43B3-948B-1728B52AA6E4}">
+                <adec:decorative xmlns:adec="http://schemas.microsoft.com/office/drawing/2017/decorative" val="1"/>
               </a:ext>
             </a:extLst>
           </p:cNvPr>
-          <p:cNvSpPr>
-            <a:spLocks noGrp="1"/>
-          </p:cNvSpPr>
+          <p:cNvCxnSpPr>
+            <a:cxnSpLocks noGrp="1" noRot="1" noChangeAspect="1" noMove="1" noResize="1" noEditPoints="1" noAdjustHandles="1" noChangeArrowheads="1" noChangeShapeType="1"/>
+          </p:cNvCxnSpPr>
+          <p:nvPr>
+            <p:extLst>
+              <p:ext uri="{386F3935-93C4-4BCD-93E2-E3B085C9AB24}">
+                <p16:designElem xmlns:p16="http://schemas.microsoft.com/office/powerpoint/2015/main" val="1"/>
+              </p:ext>
+            </p:extLst>
+          </p:nvPr>
+        </p:nvCxnSpPr>
+        <p:spPr>
+          <a:xfrm>
+            <a:off x="573852" y="3663649"/>
+            <a:ext cx="3383280" cy="0"/>
+          </a:xfrm>
+          <a:prstGeom prst="line">
+            <a:avLst/>
+          </a:prstGeom>
+          <a:ln w="19050">
+            <a:solidFill>
+              <a:schemeClr val="accent1"/>
+            </a:solidFill>
+          </a:ln>
+        </p:spPr>
+        <p:style>
+          <a:lnRef idx="1">
+            <a:schemeClr val="accent1"/>
+          </a:lnRef>
+          <a:fillRef idx="0">
+            <a:schemeClr val="accent1"/>
+          </a:fillRef>
+          <a:effectRef idx="0">
+            <a:schemeClr val="accent1"/>
+          </a:effectRef>
+          <a:fontRef idx="minor">
+            <a:schemeClr val="tx1"/>
+          </a:fontRef>
+        </p:style>
+      </p:cxnSp>
+      <p:pic>
+        <p:nvPicPr>
+          <p:cNvPr id="4" name="Content Placeholder 8">
+            <a:extLst>
+              <a:ext uri="{FF2B5EF4-FFF2-40B4-BE49-F238E27FC236}">
+                <a16:creationId xmlns:a16="http://schemas.microsoft.com/office/drawing/2014/main" id="{AE3B6999-9B7C-774A-A435-BD0FD5099446}"/>
+              </a:ext>
+            </a:extLst>
+          </p:cNvPr>
+          <p:cNvPicPr>
+            <a:picLocks noGrp="1" noChangeAspect="1"/>
+          </p:cNvPicPr>
           <p:nvPr>
             <p:ph idx="1"/>
           </p:nvPr>
-        </p:nvSpPr>
-        <p:spPr/>
+        </p:nvPicPr>
+        <p:blipFill>
+          <a:blip r:embed="rId2"/>
+          <a:stretch/>
+        </p:blipFill>
+        <p:spPr>
+          <a:xfrm>
+            <a:off x="5174428" y="306398"/>
+            <a:ext cx="6689214" cy="3762682"/>
+          </a:xfrm>
+          <a:prstGeom prst="rect">
+            <a:avLst/>
+          </a:prstGeom>
+        </p:spPr>
+      </p:pic>
+      <p:sp>
+        <p:nvSpPr>
+          <p:cNvPr id="6" name="Rectangle 5">
+            <a:extLst>
+              <a:ext uri="{FF2B5EF4-FFF2-40B4-BE49-F238E27FC236}">
+                <a16:creationId xmlns:a16="http://schemas.microsoft.com/office/drawing/2014/main" id="{3C0CB9F3-C86B-424F-AB29-082AD7E27747}"/>
+              </a:ext>
+            </a:extLst>
+          </p:cNvPr>
+          <p:cNvSpPr/>
+          <p:nvPr/>
+        </p:nvSpPr>
+        <p:spPr>
+          <a:xfrm>
+            <a:off x="5773270" y="4213131"/>
+            <a:ext cx="6096000" cy="523220"/>
+          </a:xfrm>
+          <a:prstGeom prst="rect">
+            <a:avLst/>
+          </a:prstGeom>
+        </p:spPr>
         <p:txBody>
-          <a:bodyPr/>
+          <a:bodyPr>
+            <a:spAutoFit/>
+          </a:bodyPr>
           <a:lstStyle/>
           <a:p>
-            <a:endParaRPr lang="nl-NL"/>
+            <a:pPr>
+              <a:spcAft>
+                <a:spcPts val="600"/>
+              </a:spcAft>
+            </a:pPr>
+            <a:r>
+              <a:rPr lang="en-US" sz="1400" dirty="0"/>
+              <a:t>Olivera </a:t>
+            </a:r>
+            <a:r>
+              <a:rPr lang="en-US" sz="1400" dirty="0" err="1"/>
+              <a:t>Popovi</a:t>
+            </a:r>
+            <a:r>
+              <a:rPr lang="nl-NL" sz="1400" dirty="0" err="1"/>
+              <a:t>ć</a:t>
+            </a:r>
+            <a:r>
+              <a:rPr lang="en-US" sz="1400" dirty="0"/>
+              <a:t>. (2020). Breadth-First Search [gif]. Stack Abuse https://</a:t>
+            </a:r>
+            <a:r>
+              <a:rPr lang="en-US" sz="1400" dirty="0" err="1"/>
+              <a:t>stackabuse.com</a:t>
+            </a:r>
+            <a:r>
+              <a:rPr lang="en-US" sz="1400" dirty="0"/>
+              <a:t>/graphs-in-java-breadth-first-search-</a:t>
+            </a:r>
+            <a:r>
+              <a:rPr lang="en-US" sz="1400" dirty="0" err="1"/>
+              <a:t>bfs</a:t>
+            </a:r>
+            <a:r>
+              <a:rPr lang="en-US" sz="1400" dirty="0"/>
+              <a:t>/</a:t>
+            </a:r>
+            <a:endParaRPr lang="nl-NL" sz="1400" dirty="0"/>
+          </a:p>
+        </p:txBody>
+      </p:sp>
+      <p:sp>
+        <p:nvSpPr>
+          <p:cNvPr id="7" name="Rectangle 6">
+            <a:extLst>
+              <a:ext uri="{FF2B5EF4-FFF2-40B4-BE49-F238E27FC236}">
+                <a16:creationId xmlns:a16="http://schemas.microsoft.com/office/drawing/2014/main" id="{0814E273-4725-C945-8072-BD883640598C}"/>
+              </a:ext>
+            </a:extLst>
+          </p:cNvPr>
+          <p:cNvSpPr/>
+          <p:nvPr/>
+        </p:nvSpPr>
+        <p:spPr>
+          <a:xfrm>
+            <a:off x="5773270" y="5009527"/>
+            <a:ext cx="4016189" cy="646331"/>
+          </a:xfrm>
+          <a:prstGeom prst="rect">
+            <a:avLst/>
+          </a:prstGeom>
+        </p:spPr>
+        <p:txBody>
+          <a:bodyPr wrap="square">
+            <a:spAutoFit/>
+          </a:bodyPr>
+          <a:lstStyle/>
+          <a:p>
+            <a:pPr>
+              <a:spcAft>
+                <a:spcPts val="600"/>
+              </a:spcAft>
+            </a:pPr>
+            <a:r>
+              <a:rPr lang="en-US" dirty="0"/>
+              <a:t>O(grid * the number of outcoming shots * shot complexity + grid)</a:t>
+            </a:r>
+            <a:endParaRPr lang="nl-NL" dirty="0"/>
           </a:p>
         </p:txBody>
       </p:sp>
@@ -14720,6 +15409,15 @@
 </file>
 
 <file path=customXml/item2.xml><?xml version="1.0" encoding="utf-8"?>
+<?mso-contentType ?>
+<FormTemplates xmlns="http://schemas.microsoft.com/sharepoint/v3/contenttype/forms">
+  <Display>DocumentLibraryForm</Display>
+  <Edit>DocumentLibraryForm</Edit>
+  <New>DocumentLibraryForm</New>
+</FormTemplates>
+</file>
+
+<file path=customXml/item3.xml><?xml version="1.0" encoding="utf-8"?>
 <ct:contentTypeSchema xmlns:ct="http://schemas.microsoft.com/office/2006/metadata/contentType" xmlns:ma="http://schemas.microsoft.com/office/2006/metadata/properties/metaAttributes" ct:_="" ma:_="" ma:contentTypeName="Document" ma:contentTypeID="0x01010079F111ED35F8CC479449609E8A0923A6" ma:contentTypeVersion="12" ma:contentTypeDescription="Create a new document." ma:contentTypeScope="" ma:versionID="a410dd7f93c95333ffa1b60ed6adedd1">
   <xsd:schema xmlns:xsd="http://www.w3.org/2001/XMLSchema" xmlns:xs="http://www.w3.org/2001/XMLSchema" xmlns:p="http://schemas.microsoft.com/office/2006/metadata/properties" xmlns:ns2="71af3243-3dd4-4a8d-8c0d-dd76da1f02a5" xmlns:ns3="16c05727-aa75-4e4a-9b5f-8a80a1165891" targetNamespace="http://schemas.microsoft.com/office/2006/metadata/properties" ma:root="true" ma:fieldsID="a936d9baba76aa3866493feff160faab" ns2:_="" ns3:_="">
     <xsd:import namespace="71af3243-3dd4-4a8d-8c0d-dd76da1f02a5"/>
@@ -14940,15 +15638,6 @@
 </ct:contentTypeSchema>
 </file>
 
-<file path=customXml/item3.xml><?xml version="1.0" encoding="utf-8"?>
-<?mso-contentType ?>
-<FormTemplates xmlns="http://schemas.microsoft.com/sharepoint/v3/contenttype/forms">
-  <Display>DocumentLibraryForm</Display>
-  <Edit>DocumentLibraryForm</Edit>
-  <New>DocumentLibraryForm</New>
-</FormTemplates>
-</file>
-
 <file path=customXml/itemProps1.xml><?xml version="1.0" encoding="utf-8"?>
 <ds:datastoreItem xmlns:ds="http://schemas.openxmlformats.org/officeDocument/2006/customXml" ds:itemID="{626E351D-C19B-467F-A5C7-085C4CECACA9}">
   <ds:schemaRefs>
@@ -14960,6 +15649,14 @@
 </file>
 
 <file path=customXml/itemProps2.xml><?xml version="1.0" encoding="utf-8"?>
+<ds:datastoreItem xmlns:ds="http://schemas.openxmlformats.org/officeDocument/2006/customXml" ds:itemID="{3C586965-D4BF-4605-8C1C-5B8CCCAB7737}">
+  <ds:schemaRefs>
+    <ds:schemaRef ds:uri="http://schemas.microsoft.com/sharepoint/v3/contenttype/forms"/>
+  </ds:schemaRefs>
+</ds:datastoreItem>
+</file>
+
+<file path=customXml/itemProps3.xml><?xml version="1.0" encoding="utf-8"?>
 <ds:datastoreItem xmlns:ds="http://schemas.openxmlformats.org/officeDocument/2006/customXml" ds:itemID="{6E499CE6-06FC-4D3E-8B56-30558CC9D1A4}">
   <ds:schemaRefs>
     <ds:schemaRef ds:uri="http://schemas.microsoft.com/office/2006/metadata/contentType"/>
@@ -14976,12 +15673,4 @@
     <ds:schemaRef ds:uri="http://schemas.microsoft.com/internal/obd"/>
   </ds:schemaRefs>
 </ds:datastoreItem>
-</file>
-
-<file path=customXml/itemProps3.xml><?xml version="1.0" encoding="utf-8"?>
-<ds:datastoreItem xmlns:ds="http://schemas.openxmlformats.org/officeDocument/2006/customXml" ds:itemID="{3C586965-D4BF-4605-8C1C-5B8CCCAB7737}">
-  <ds:schemaRefs>
-    <ds:schemaRef ds:uri="http://schemas.microsoft.com/sharepoint/v3/contenttype/forms"/>
-  </ds:schemaRefs>
-</ds:datastoreItem>
 </file>
--- a/04-PresentationThirdPhase.pptx
+++ b/04-PresentationThirdPhase.pptx
@@ -5,7 +5,7 @@
     <p:sldMasterId id="2147483660" r:id="rId4"/>
   </p:sldMasterIdLst>
   <p:notesMasterIdLst>
-    <p:notesMasterId r:id="rId26"/>
+    <p:notesMasterId r:id="rId27"/>
   </p:notesMasterIdLst>
   <p:sldIdLst>
     <p:sldId id="265" r:id="rId5"/>
@@ -18,17 +18,18 @@
     <p:sldId id="291" r:id="rId12"/>
     <p:sldId id="305" r:id="rId13"/>
     <p:sldId id="328" r:id="rId14"/>
-    <p:sldId id="331" r:id="rId15"/>
-    <p:sldId id="319" r:id="rId16"/>
-    <p:sldId id="330" r:id="rId17"/>
-    <p:sldId id="334" r:id="rId18"/>
-    <p:sldId id="313" r:id="rId19"/>
-    <p:sldId id="332" r:id="rId20"/>
-    <p:sldId id="333" r:id="rId21"/>
-    <p:sldId id="320" r:id="rId22"/>
-    <p:sldId id="322" r:id="rId23"/>
-    <p:sldId id="324" r:id="rId24"/>
-    <p:sldId id="327" r:id="rId25"/>
+    <p:sldId id="335" r:id="rId15"/>
+    <p:sldId id="331" r:id="rId16"/>
+    <p:sldId id="319" r:id="rId17"/>
+    <p:sldId id="330" r:id="rId18"/>
+    <p:sldId id="334" r:id="rId19"/>
+    <p:sldId id="313" r:id="rId20"/>
+    <p:sldId id="332" r:id="rId21"/>
+    <p:sldId id="333" r:id="rId22"/>
+    <p:sldId id="320" r:id="rId23"/>
+    <p:sldId id="322" r:id="rId24"/>
+    <p:sldId id="324" r:id="rId25"/>
+    <p:sldId id="327" r:id="rId26"/>
   </p:sldIdLst>
   <p:sldSz cx="12192000" cy="6858000"/>
   <p:notesSz cx="6858000" cy="9144000"/>
@@ -141,7 +142,7 @@
 <file path=ppt/charts/chart1.xml><?xml version="1.0" encoding="utf-8"?>
 <c:chartSpace xmlns:c="http://schemas.openxmlformats.org/drawingml/2006/chart" xmlns:a="http://schemas.openxmlformats.org/drawingml/2006/main" xmlns:r="http://schemas.openxmlformats.org/officeDocument/2006/relationships" xmlns:c16r2="http://schemas.microsoft.com/office/drawing/2015/06/chart">
   <c:date1904 val="0"/>
-  <c:lang val="en-GB"/>
+  <c:lang val="en-US"/>
   <c:roundedCorners val="0"/>
   <mc:AlternateContent xmlns:mc="http://schemas.openxmlformats.org/markup-compatibility/2006">
     <mc:Choice xmlns:c14="http://schemas.microsoft.com/office/drawing/2007/8/2/chart" Requires="c14">
@@ -203,7 +204,7 @@
               <a:cs typeface="+mn-cs"/>
             </a:defRPr>
           </a:pPr>
-          <a:endParaRPr lang="en-BE"/>
+          <a:endParaRPr lang="nl-NL"/>
         </a:p>
       </c:txPr>
     </c:title>
@@ -517,7 +518,7 @@
                 <a:cs typeface="+mn-cs"/>
               </a:defRPr>
             </a:pPr>
-            <a:endParaRPr lang="en-BE"/>
+            <a:endParaRPr lang="nl-NL"/>
           </a:p>
         </c:txPr>
         <c:crossAx val="690337440"/>
@@ -576,7 +577,7 @@
                 <a:cs typeface="+mn-cs"/>
               </a:defRPr>
             </a:pPr>
-            <a:endParaRPr lang="en-BE"/>
+            <a:endParaRPr lang="nl-NL"/>
           </a:p>
         </c:txPr>
         <c:crossAx val="547336896"/>
@@ -618,7 +619,7 @@
               <a:cs typeface="+mn-cs"/>
             </a:defRPr>
           </a:pPr>
-          <a:endParaRPr lang="en-BE"/>
+          <a:endParaRPr lang="nl-NL"/>
         </a:p>
       </c:txPr>
     </c:legend>
@@ -647,7 +648,7 @@
       <a:pPr>
         <a:defRPr/>
       </a:pPr>
-      <a:endParaRPr lang="en-BE"/>
+      <a:endParaRPr lang="nl-NL"/>
     </a:p>
   </c:txPr>
   <c:externalData r:id="rId3">
@@ -659,7 +660,7 @@
 <file path=ppt/charts/chart2.xml><?xml version="1.0" encoding="utf-8"?>
 <c:chartSpace xmlns:c="http://schemas.openxmlformats.org/drawingml/2006/chart" xmlns:a="http://schemas.openxmlformats.org/drawingml/2006/main" xmlns:r="http://schemas.openxmlformats.org/officeDocument/2006/relationships" xmlns:c16r2="http://schemas.microsoft.com/office/drawing/2015/06/chart">
   <c:date1904 val="0"/>
-  <c:lang val="en-GB"/>
+  <c:lang val="en-US"/>
   <c:roundedCorners val="0"/>
   <mc:AlternateContent xmlns:mc="http://schemas.openxmlformats.org/markup-compatibility/2006">
     <mc:Choice xmlns:c14="http://schemas.microsoft.com/office/drawing/2007/8/2/chart" Requires="c14">
@@ -726,7 +727,7 @@
               <a:cs typeface="+mn-cs"/>
             </a:defRPr>
           </a:pPr>
-          <a:endParaRPr lang="en-BE"/>
+          <a:endParaRPr lang="nl-NL"/>
         </a:p>
       </c:txPr>
     </c:title>
@@ -950,7 +951,7 @@
                 <a:cs typeface="+mn-cs"/>
               </a:defRPr>
             </a:pPr>
-            <a:endParaRPr lang="en-BE"/>
+            <a:endParaRPr lang="nl-NL"/>
           </a:p>
         </c:txPr>
         <c:crossAx val="641512976"/>
@@ -1009,7 +1010,7 @@
                 <a:cs typeface="+mn-cs"/>
               </a:defRPr>
             </a:pPr>
-            <a:endParaRPr lang="en-BE"/>
+            <a:endParaRPr lang="nl-NL"/>
           </a:p>
         </c:txPr>
         <c:crossAx val="723243472"/>
@@ -1051,7 +1052,7 @@
               <a:cs typeface="+mn-cs"/>
             </a:defRPr>
           </a:pPr>
-          <a:endParaRPr lang="en-BE"/>
+          <a:endParaRPr lang="nl-NL"/>
         </a:p>
       </c:txPr>
     </c:legend>
@@ -1080,7 +1081,7 @@
       <a:pPr>
         <a:defRPr/>
       </a:pPr>
-      <a:endParaRPr lang="en-BE"/>
+      <a:endParaRPr lang="nl-NL"/>
     </a:p>
   </c:txPr>
   <c:externalData r:id="rId3">
@@ -2257,7 +2258,7 @@
           <a:p>
             <a:fld id="{05052211-91C2-4B5D-9566-2C0C10015937}" type="datetimeFigureOut">
               <a:rPr lang="nl-NL" smtClean="0"/>
-              <a:t>23-06-2020</a:t>
+              <a:t>23-6-2020</a:t>
             </a:fld>
             <a:endParaRPr lang="nl-NL"/>
           </a:p>
@@ -2678,7 +2679,7 @@
           <a:p>
             <a:fld id="{F917F88C-BACD-4A94-B7B7-C91B49D4CB7C}" type="slidenum">
               <a:rPr lang="nl-NL" smtClean="0"/>
-              <a:t>18</a:t>
+              <a:t>19</a:t>
             </a:fld>
             <a:endParaRPr lang="nl-NL"/>
           </a:p>
@@ -2766,7 +2767,7 @@
           <a:p>
             <a:fld id="{F917F88C-BACD-4A94-B7B7-C91B49D4CB7C}" type="slidenum">
               <a:rPr lang="nl-NL" smtClean="0"/>
-              <a:t>19</a:t>
+              <a:t>20</a:t>
             </a:fld>
             <a:endParaRPr lang="nl-NL"/>
           </a:p>
@@ -2871,7 +2872,7 @@
           <a:p>
             <a:fld id="{F917F88C-BACD-4A94-B7B7-C91B49D4CB7C}" type="slidenum">
               <a:rPr lang="nl-NL" smtClean="0"/>
-              <a:t>20</a:t>
+              <a:t>21</a:t>
             </a:fld>
             <a:endParaRPr lang="nl-NL"/>
           </a:p>
@@ -2976,7 +2977,7 @@
           <a:p>
             <a:fld id="{F917F88C-BACD-4A94-B7B7-C91B49D4CB7C}" type="slidenum">
               <a:rPr lang="nl-NL" smtClean="0"/>
-              <a:t>21</a:t>
+              <a:t>22</a:t>
             </a:fld>
             <a:endParaRPr lang="nl-NL"/>
           </a:p>
@@ -3657,7 +3658,7 @@
           <a:p>
             <a:fld id="{F917F88C-BACD-4A94-B7B7-C91B49D4CB7C}" type="slidenum">
               <a:rPr lang="nl-NL" smtClean="0"/>
-              <a:t>12</a:t>
+              <a:t>13</a:t>
             </a:fld>
             <a:endParaRPr lang="nl-NL"/>
           </a:p>
@@ -3745,7 +3746,7 @@
           <a:p>
             <a:fld id="{F917F88C-BACD-4A94-B7B7-C91B49D4CB7C}" type="slidenum">
               <a:rPr lang="nl-NL" smtClean="0"/>
-              <a:t>13</a:t>
+              <a:t>14</a:t>
             </a:fld>
             <a:endParaRPr lang="nl-NL"/>
           </a:p>
@@ -4008,7 +4009,7 @@
           <a:p>
             <a:fld id="{9184DA70-C731-4C70-880D-CCD4705E623C}" type="datetime1">
               <a:rPr lang="en-US" smtClean="0"/>
-              <a:t>6/23/20</a:t>
+              <a:t>6/23/2020</a:t>
             </a:fld>
             <a:endParaRPr lang="en-US" dirty="0"/>
           </a:p>
@@ -4196,7 +4197,7 @@
           <a:p>
             <a:fld id="{4BE1D723-8F53-4F53-90B0-1982A396982E}" type="datetime1">
               <a:rPr lang="en-US" smtClean="0"/>
-              <a:t>6/23/20</a:t>
+              <a:t>6/23/2020</a:t>
             </a:fld>
             <a:endParaRPr lang="en-US" dirty="0"/>
           </a:p>
@@ -4569,7 +4570,7 @@
           <a:p>
             <a:fld id="{97669AF7-7BEB-44E4-9852-375E34362B5B}" type="datetime1">
               <a:rPr lang="en-US" smtClean="0"/>
-              <a:t>6/23/20</a:t>
+              <a:t>6/23/2020</a:t>
             </a:fld>
             <a:endParaRPr lang="en-US" dirty="0"/>
           </a:p>
@@ -4824,7 +4825,7 @@
           <a:p>
             <a:fld id="{BAAAC38D-0552-4C82-B593-E6124DFADBE2}" type="datetime1">
               <a:rPr lang="en-US" smtClean="0"/>
-              <a:t>6/23/20</a:t>
+              <a:t>6/23/2020</a:t>
             </a:fld>
             <a:endParaRPr lang="en-US" dirty="0"/>
           </a:p>
@@ -5221,7 +5222,7 @@
           <a:p>
             <a:fld id="{D9DF0F1C-5577-4ACB-BB62-DF8F3C494C7E}" type="datetime1">
               <a:rPr lang="en-US" smtClean="0"/>
-              <a:t>6/23/20</a:t>
+              <a:t>6/23/2020</a:t>
             </a:fld>
             <a:endParaRPr lang="en-US" dirty="0"/>
           </a:p>
@@ -5357,7 +5358,7 @@
           <a:p>
             <a:fld id="{1775B394-D9F9-4F0C-B15D-605F45CB9E9F}" type="datetime1">
               <a:rPr lang="en-US" smtClean="0"/>
-              <a:t>6/23/20</a:t>
+              <a:t>6/23/2020</a:t>
             </a:fld>
             <a:endParaRPr lang="en-US" dirty="0"/>
           </a:p>
@@ -5514,7 +5515,7 @@
           <a:p>
             <a:fld id="{39667345-2558-425A-8533-9BFDBCE15005}" type="datetime1">
               <a:rPr lang="en-US" smtClean="0"/>
-              <a:t>6/23/20</a:t>
+              <a:t>6/23/2020</a:t>
             </a:fld>
             <a:endParaRPr lang="en-US" dirty="0"/>
           </a:p>
@@ -5843,7 +5844,7 @@
           <a:p>
             <a:fld id="{92BEA474-078D-4E9B-9B14-09A87B19DC46}" type="datetime1">
               <a:rPr lang="en-US" smtClean="0"/>
-              <a:t>6/23/20</a:t>
+              <a:t>6/23/2020</a:t>
             </a:fld>
             <a:endParaRPr lang="en-US" dirty="0"/>
           </a:p>
@@ -6193,7 +6194,7 @@
           <a:p>
             <a:fld id="{4907D986-8816-4272-A432-0437A28A9828}" type="datetime1">
               <a:rPr lang="en-US" smtClean="0"/>
-              <a:t>6/23/20</a:t>
+              <a:t>6/23/2020</a:t>
             </a:fld>
             <a:endParaRPr lang="en-US" dirty="0"/>
           </a:p>
@@ -6454,7 +6455,7 @@
           <a:p>
             <a:fld id="{62D6E202-B606-4609-B914-27C9371A1F6D}" type="datetime1">
               <a:rPr lang="en-US" smtClean="0"/>
-              <a:t>6/23/20</a:t>
+              <a:t>6/23/2020</a:t>
             </a:fld>
             <a:endParaRPr lang="en-US" dirty="0"/>
           </a:p>
@@ -7852,6 +7853,14 @@
 <file path=ppt/slides/slide11.xml><?xml version="1.0" encoding="utf-8"?>
 <p:sld xmlns:a="http://schemas.openxmlformats.org/drawingml/2006/main" xmlns:r="http://schemas.openxmlformats.org/officeDocument/2006/relationships" xmlns:p="http://schemas.openxmlformats.org/presentationml/2006/main">
   <p:cSld>
+    <p:bg>
+      <p:bgPr>
+        <a:solidFill>
+          <a:schemeClr val="bg1"/>
+        </a:solidFill>
+        <a:effectLst/>
+      </p:bgPr>
+    </p:bg>
     <p:spTree>
       <p:nvGrpSpPr>
         <p:cNvPr id="1" name=""/>
@@ -7868,6 +7877,522 @@
       </p:grpSpPr>
       <p:sp>
         <p:nvSpPr>
+          <p:cNvPr id="9" name="Rectangle 8">
+            <a:extLst>
+              <a:ext uri="{FF2B5EF4-FFF2-40B4-BE49-F238E27FC236}">
+                <a16:creationId xmlns:a16="http://schemas.microsoft.com/office/drawing/2014/main" id="{39E3965E-AC41-4711-9D10-E25ABB132D86}"/>
+              </a:ext>
+              <a:ext uri="{C183D7F6-B498-43B3-948B-1728B52AA6E4}">
+                <adec:decorative xmlns:adec="http://schemas.microsoft.com/office/drawing/2017/decorative" val="1"/>
+              </a:ext>
+            </a:extLst>
+          </p:cNvPr>
+          <p:cNvSpPr>
+            <a:spLocks noGrp="1" noRot="1" noChangeAspect="1" noMove="1" noResize="1" noEditPoints="1" noAdjustHandles="1" noChangeArrowheads="1" noChangeShapeType="1" noTextEdit="1"/>
+          </p:cNvSpPr>
+          <p:nvPr>
+            <p:extLst>
+              <p:ext uri="{386F3935-93C4-4BCD-93E2-E3B085C9AB24}">
+                <p16:designElem xmlns:p16="http://schemas.microsoft.com/office/powerpoint/2015/main" val="1"/>
+              </p:ext>
+            </p:extLst>
+          </p:nvPr>
+        </p:nvSpPr>
+        <p:spPr>
+          <a:xfrm>
+            <a:off x="3175" y="6400800"/>
+            <a:ext cx="12188825" cy="457200"/>
+          </a:xfrm>
+          <a:prstGeom prst="rect">
+            <a:avLst/>
+          </a:prstGeom>
+          <a:solidFill>
+            <a:srgbClr val="262626"/>
+          </a:solidFill>
+          <a:ln>
+            <a:noFill/>
+          </a:ln>
+        </p:spPr>
+        <p:style>
+          <a:lnRef idx="2">
+            <a:schemeClr val="accent1">
+              <a:shade val="50000"/>
+            </a:schemeClr>
+          </a:lnRef>
+          <a:fillRef idx="1">
+            <a:schemeClr val="accent1"/>
+          </a:fillRef>
+          <a:effectRef idx="0">
+            <a:schemeClr val="accent1"/>
+          </a:effectRef>
+          <a:fontRef idx="minor">
+            <a:schemeClr val="lt1"/>
+          </a:fontRef>
+        </p:style>
+      </p:sp>
+      <p:cxnSp>
+        <p:nvCxnSpPr>
+          <p:cNvPr id="11" name="Straight Connector 10">
+            <a:extLst>
+              <a:ext uri="{FF2B5EF4-FFF2-40B4-BE49-F238E27FC236}">
+                <a16:creationId xmlns:a16="http://schemas.microsoft.com/office/drawing/2014/main" id="{1F5DC8C3-BA5F-4EED-BB9A-A14272BD82A1}"/>
+              </a:ext>
+              <a:ext uri="{C183D7F6-B498-43B3-948B-1728B52AA6E4}">
+                <adec:decorative xmlns:adec="http://schemas.microsoft.com/office/drawing/2017/decorative" val="1"/>
+              </a:ext>
+            </a:extLst>
+          </p:cNvPr>
+          <p:cNvCxnSpPr>
+            <a:cxnSpLocks noGrp="1" noRot="1" noChangeAspect="1" noMove="1" noResize="1" noEditPoints="1" noAdjustHandles="1" noChangeArrowheads="1" noChangeShapeType="1"/>
+          </p:cNvCxnSpPr>
+          <p:nvPr>
+            <p:extLst>
+              <p:ext uri="{386F3935-93C4-4BCD-93E2-E3B085C9AB24}">
+                <p16:designElem xmlns:p16="http://schemas.microsoft.com/office/powerpoint/2015/main" val="1"/>
+              </p:ext>
+            </p:extLst>
+          </p:nvPr>
+        </p:nvCxnSpPr>
+        <p:spPr>
+          <a:xfrm>
+            <a:off x="1207658" y="4474741"/>
+            <a:ext cx="9875520" cy="0"/>
+          </a:xfrm>
+          <a:prstGeom prst="line">
+            <a:avLst/>
+          </a:prstGeom>
+          <a:ln w="12700">
+            <a:solidFill>
+              <a:schemeClr val="tx1">
+                <a:lumMod val="75000"/>
+                <a:lumOff val="25000"/>
+              </a:schemeClr>
+            </a:solidFill>
+          </a:ln>
+        </p:spPr>
+        <p:style>
+          <a:lnRef idx="1">
+            <a:schemeClr val="accent1"/>
+          </a:lnRef>
+          <a:fillRef idx="0">
+            <a:schemeClr val="accent1"/>
+          </a:fillRef>
+          <a:effectRef idx="0">
+            <a:schemeClr val="accent1"/>
+          </a:effectRef>
+          <a:fontRef idx="minor">
+            <a:schemeClr val="tx1"/>
+          </a:fontRef>
+        </p:style>
+      </p:cxnSp>
+      <p:sp useBgFill="1">
+        <p:nvSpPr>
+          <p:cNvPr id="13" name="Rectangle 12">
+            <a:extLst>
+              <a:ext uri="{FF2B5EF4-FFF2-40B4-BE49-F238E27FC236}">
+                <a16:creationId xmlns:a16="http://schemas.microsoft.com/office/drawing/2014/main" id="{990BAFCD-EA0A-47F4-8B00-AAB1E67A90CC}"/>
+              </a:ext>
+              <a:ext uri="{C183D7F6-B498-43B3-948B-1728B52AA6E4}">
+                <adec:decorative xmlns:adec="http://schemas.microsoft.com/office/drawing/2017/decorative" val="1"/>
+              </a:ext>
+            </a:extLst>
+          </p:cNvPr>
+          <p:cNvSpPr>
+            <a:spLocks noGrp="1" noRot="1" noChangeAspect="1" noMove="1" noResize="1" noEditPoints="1" noAdjustHandles="1" noChangeArrowheads="1" noChangeShapeType="1" noTextEdit="1"/>
+          </p:cNvSpPr>
+          <p:nvPr>
+            <p:extLst>
+              <p:ext uri="{386F3935-93C4-4BCD-93E2-E3B085C9AB24}">
+                <p16:designElem xmlns:p16="http://schemas.microsoft.com/office/powerpoint/2015/main" val="1"/>
+              </p:ext>
+            </p:extLst>
+          </p:nvPr>
+        </p:nvSpPr>
+        <p:spPr>
+          <a:xfrm>
+            <a:off x="0" y="0"/>
+            <a:ext cx="12192001" cy="6858000"/>
+          </a:xfrm>
+          <a:prstGeom prst="rect">
+            <a:avLst/>
+          </a:prstGeom>
+          <a:ln>
+            <a:noFill/>
+          </a:ln>
+        </p:spPr>
+        <p:style>
+          <a:lnRef idx="2">
+            <a:schemeClr val="accent1">
+              <a:shade val="50000"/>
+            </a:schemeClr>
+          </a:lnRef>
+          <a:fillRef idx="1">
+            <a:schemeClr val="accent1"/>
+          </a:fillRef>
+          <a:effectRef idx="0">
+            <a:schemeClr val="accent1"/>
+          </a:effectRef>
+          <a:fontRef idx="minor">
+            <a:schemeClr val="lt1"/>
+          </a:fontRef>
+        </p:style>
+        <p:txBody>
+          <a:bodyPr rtlCol="0" anchor="ctr"/>
+          <a:lstStyle/>
+          <a:p>
+            <a:pPr algn="ctr"/>
+            <a:endParaRPr lang="en-US"/>
+          </a:p>
+        </p:txBody>
+      </p:sp>
+      <p:pic>
+        <p:nvPicPr>
+          <p:cNvPr id="4" name="Online Media 3" title="Bouncing ball">
+            <a:hlinkClick r:id="" action="ppaction://media"/>
+            <a:extLst>
+              <a:ext uri="{FF2B5EF4-FFF2-40B4-BE49-F238E27FC236}">
+                <a16:creationId xmlns:a16="http://schemas.microsoft.com/office/drawing/2014/main" id="{8E60426A-14EA-42C0-A149-D90DA4F2302F}"/>
+              </a:ext>
+            </a:extLst>
+          </p:cNvPr>
+          <p:cNvPicPr>
+            <a:picLocks noGrp="1" noRot="1" noChangeAspect="1"/>
+          </p:cNvPicPr>
+          <p:nvPr>
+            <p:ph idx="1"/>
+            <a:videoFile r:link="rId1"/>
+          </p:nvPr>
+        </p:nvPicPr>
+        <p:blipFill>
+          <a:blip r:embed="rId3"/>
+          <a:stretch>
+            <a:fillRect/>
+          </a:stretch>
+        </p:blipFill>
+        <p:spPr>
+          <a:xfrm>
+            <a:off x="2880029" y="643538"/>
+            <a:ext cx="6433041" cy="3618586"/>
+          </a:xfrm>
+          <a:prstGeom prst="rect">
+            <a:avLst/>
+          </a:prstGeom>
+        </p:spPr>
+      </p:pic>
+      <p:sp>
+        <p:nvSpPr>
+          <p:cNvPr id="15" name="Rectangle 14">
+            <a:extLst>
+              <a:ext uri="{FF2B5EF4-FFF2-40B4-BE49-F238E27FC236}">
+                <a16:creationId xmlns:a16="http://schemas.microsoft.com/office/drawing/2014/main" id="{2F9C61D6-37CC-4AD4-83C3-022D08874179}"/>
+              </a:ext>
+              <a:ext uri="{C183D7F6-B498-43B3-948B-1728B52AA6E4}">
+                <adec:decorative xmlns:adec="http://schemas.microsoft.com/office/drawing/2017/decorative" val="1"/>
+              </a:ext>
+            </a:extLst>
+          </p:cNvPr>
+          <p:cNvSpPr>
+            <a:spLocks noGrp="1" noRot="1" noChangeAspect="1" noMove="1" noResize="1" noEditPoints="1" noAdjustHandles="1" noChangeArrowheads="1" noChangeShapeType="1" noTextEdit="1"/>
+          </p:cNvSpPr>
+          <p:nvPr>
+            <p:extLst>
+              <p:ext uri="{386F3935-93C4-4BCD-93E2-E3B085C9AB24}">
+                <p16:designElem xmlns:p16="http://schemas.microsoft.com/office/powerpoint/2015/main" val="1"/>
+              </p:ext>
+            </p:extLst>
+          </p:nvPr>
+        </p:nvSpPr>
+        <p:spPr bwMode="white">
+          <a:xfrm>
+            <a:off x="0" y="4551037"/>
+            <a:ext cx="12192000" cy="2306963"/>
+          </a:xfrm>
+          <a:prstGeom prst="rect">
+            <a:avLst/>
+          </a:prstGeom>
+          <a:solidFill>
+            <a:srgbClr val="262626"/>
+          </a:solidFill>
+          <a:ln>
+            <a:noFill/>
+          </a:ln>
+        </p:spPr>
+        <p:style>
+          <a:lnRef idx="2">
+            <a:schemeClr val="accent1">
+              <a:shade val="50000"/>
+            </a:schemeClr>
+          </a:lnRef>
+          <a:fillRef idx="1">
+            <a:schemeClr val="accent1"/>
+          </a:fillRef>
+          <a:effectRef idx="0">
+            <a:schemeClr val="accent1"/>
+          </a:effectRef>
+          <a:fontRef idx="minor">
+            <a:schemeClr val="lt1"/>
+          </a:fontRef>
+        </p:style>
+      </p:sp>
+      <p:sp>
+        <p:nvSpPr>
+          <p:cNvPr id="2" name="Title 1">
+            <a:extLst>
+              <a:ext uri="{FF2B5EF4-FFF2-40B4-BE49-F238E27FC236}">
+                <a16:creationId xmlns:a16="http://schemas.microsoft.com/office/drawing/2014/main" id="{DD86ACE1-55D4-47C3-AD4C-2435B7525F00}"/>
+              </a:ext>
+            </a:extLst>
+          </p:cNvPr>
+          <p:cNvSpPr>
+            <a:spLocks noGrp="1"/>
+          </p:cNvSpPr>
+          <p:nvPr>
+            <p:ph type="title"/>
+          </p:nvPr>
+        </p:nvSpPr>
+        <p:spPr>
+          <a:xfrm>
+            <a:off x="632900" y="4905662"/>
+            <a:ext cx="7330353" cy="1541176"/>
+          </a:xfrm>
+        </p:spPr>
+        <p:txBody>
+          <a:bodyPr vert="horz" lIns="91440" tIns="45720" rIns="91440" bIns="45720" rtlCol="0" anchor="ctr">
+            <a:normAutofit/>
+          </a:bodyPr>
+          <a:lstStyle/>
+          <a:p>
+            <a:pPr algn="r"/>
+            <a:r>
+              <a:rPr lang="en-US" sz="4800">
+                <a:solidFill>
+                  <a:srgbClr val="FFFFFF"/>
+                </a:solidFill>
+              </a:rPr>
+              <a:t>Bouncing ball video</a:t>
+            </a:r>
+          </a:p>
+        </p:txBody>
+      </p:sp>
+      <p:cxnSp>
+        <p:nvCxnSpPr>
+          <p:cNvPr id="17" name="Straight Connector 16">
+            <a:extLst>
+              <a:ext uri="{FF2B5EF4-FFF2-40B4-BE49-F238E27FC236}">
+                <a16:creationId xmlns:a16="http://schemas.microsoft.com/office/drawing/2014/main" id="{2669285E-35F6-4010-B084-229A808458CD}"/>
+              </a:ext>
+              <a:ext uri="{C183D7F6-B498-43B3-948B-1728B52AA6E4}">
+                <adec:decorative xmlns:adec="http://schemas.microsoft.com/office/drawing/2017/decorative" val="1"/>
+              </a:ext>
+            </a:extLst>
+          </p:cNvPr>
+          <p:cNvCxnSpPr>
+            <a:cxnSpLocks noGrp="1" noRot="1" noChangeAspect="1" noMove="1" noResize="1" noEditPoints="1" noAdjustHandles="1" noChangeArrowheads="1" noChangeShapeType="1"/>
+          </p:cNvCxnSpPr>
+          <p:nvPr>
+            <p:extLst>
+              <p:ext uri="{386F3935-93C4-4BCD-93E2-E3B085C9AB24}">
+                <p16:designElem xmlns:p16="http://schemas.microsoft.com/office/powerpoint/2015/main" val="1"/>
+              </p:ext>
+            </p:extLst>
+          </p:nvPr>
+        </p:nvCxnSpPr>
+        <p:spPr>
+          <a:xfrm rot="16200000">
+            <a:off x="7532847" y="5676251"/>
+            <a:ext cx="1188720" cy="0"/>
+          </a:xfrm>
+          <a:prstGeom prst="line">
+            <a:avLst/>
+          </a:prstGeom>
+          <a:ln w="19050">
+            <a:solidFill>
+              <a:schemeClr val="accent1"/>
+            </a:solidFill>
+          </a:ln>
+        </p:spPr>
+        <p:style>
+          <a:lnRef idx="1">
+            <a:schemeClr val="accent1"/>
+          </a:lnRef>
+          <a:fillRef idx="0">
+            <a:schemeClr val="accent1"/>
+          </a:fillRef>
+          <a:effectRef idx="0">
+            <a:schemeClr val="accent1"/>
+          </a:effectRef>
+          <a:fontRef idx="minor">
+            <a:schemeClr val="tx1"/>
+          </a:fontRef>
+        </p:style>
+      </p:cxnSp>
+    </p:spTree>
+    <p:extLst>
+      <p:ext uri="{BB962C8B-B14F-4D97-AF65-F5344CB8AC3E}">
+        <p14:creationId xmlns:p14="http://schemas.microsoft.com/office/powerpoint/2010/main" val="798634937"/>
+      </p:ext>
+    </p:extLst>
+  </p:cSld>
+  <p:clrMapOvr>
+    <a:masterClrMapping/>
+  </p:clrMapOvr>
+  <p:timing>
+    <p:tnLst>
+      <p:par>
+        <p:cTn id="1" dur="indefinite" restart="never" nodeType="tmRoot">
+          <p:childTnLst>
+            <p:seq concurrent="1" nextAc="seek">
+              <p:cTn id="2" dur="indefinite" nodeType="mainSeq">
+                <p:childTnLst>
+                  <p:par>
+                    <p:cTn id="3" fill="hold">
+                      <p:stCondLst>
+                        <p:cond delay="indefinite"/>
+                      </p:stCondLst>
+                      <p:childTnLst>
+                        <p:par>
+                          <p:cTn id="4" fill="hold">
+                            <p:stCondLst>
+                              <p:cond delay="0"/>
+                            </p:stCondLst>
+                            <p:childTnLst>
+                              <p:par>
+                                <p:cTn id="5" presetID="1" presetClass="mediacall" presetSubtype="0" fill="hold" nodeType="clickEffect">
+                                  <p:stCondLst>
+                                    <p:cond delay="0"/>
+                                  </p:stCondLst>
+                                  <p:childTnLst>
+                                    <p:cmd type="call" cmd="playFrom(0.0)">
+                                      <p:cBhvr>
+                                        <p:cTn id="6" dur="1" fill="hold"/>
+                                        <p:tgtEl>
+                                          <p:spTgt spid="4"/>
+                                        </p:tgtEl>
+                                      </p:cBhvr>
+                                    </p:cmd>
+                                  </p:childTnLst>
+                                </p:cTn>
+                              </p:par>
+                            </p:childTnLst>
+                          </p:cTn>
+                        </p:par>
+                      </p:childTnLst>
+                    </p:cTn>
+                  </p:par>
+                </p:childTnLst>
+              </p:cTn>
+              <p:prevCondLst>
+                <p:cond evt="onPrev" delay="0">
+                  <p:tgtEl>
+                    <p:sldTgt/>
+                  </p:tgtEl>
+                </p:cond>
+              </p:prevCondLst>
+              <p:nextCondLst>
+                <p:cond evt="onNext" delay="0">
+                  <p:tgtEl>
+                    <p:sldTgt/>
+                  </p:tgtEl>
+                </p:cond>
+              </p:nextCondLst>
+            </p:seq>
+            <p:video>
+              <p:cMediaNode vol="80000">
+                <p:cTn id="7" fill="hold" display="0">
+                  <p:stCondLst>
+                    <p:cond delay="indefinite"/>
+                  </p:stCondLst>
+                </p:cTn>
+                <p:tgtEl>
+                  <p:spTgt spid="4"/>
+                </p:tgtEl>
+              </p:cMediaNode>
+            </p:video>
+            <p:seq concurrent="1" nextAc="seek">
+              <p:cTn id="8" restart="whenNotActive" fill="hold" evtFilter="cancelBubble" nodeType="interactiveSeq">
+                <p:stCondLst>
+                  <p:cond evt="onClick" delay="0">
+                    <p:tgtEl>
+                      <p:spTgt spid="4"/>
+                    </p:tgtEl>
+                  </p:cond>
+                </p:stCondLst>
+                <p:endSync evt="end" delay="0">
+                  <p:rtn val="all"/>
+                </p:endSync>
+                <p:childTnLst>
+                  <p:par>
+                    <p:cTn id="9" fill="hold">
+                      <p:stCondLst>
+                        <p:cond delay="0"/>
+                      </p:stCondLst>
+                      <p:childTnLst>
+                        <p:par>
+                          <p:cTn id="10" fill="hold">
+                            <p:stCondLst>
+                              <p:cond delay="0"/>
+                            </p:stCondLst>
+                            <p:childTnLst>
+                              <p:par>
+                                <p:cTn id="11" presetID="2" presetClass="mediacall" presetSubtype="0" fill="hold" nodeType="clickEffect">
+                                  <p:stCondLst>
+                                    <p:cond delay="0"/>
+                                  </p:stCondLst>
+                                  <p:childTnLst>
+                                    <p:cmd type="call" cmd="togglePause">
+                                      <p:cBhvr>
+                                        <p:cTn id="12" dur="1" fill="hold"/>
+                                        <p:tgtEl>
+                                          <p:spTgt spid="4"/>
+                                        </p:tgtEl>
+                                      </p:cBhvr>
+                                    </p:cmd>
+                                  </p:childTnLst>
+                                </p:cTn>
+                              </p:par>
+                            </p:childTnLst>
+                          </p:cTn>
+                        </p:par>
+                      </p:childTnLst>
+                    </p:cTn>
+                  </p:par>
+                </p:childTnLst>
+              </p:cTn>
+              <p:nextCondLst>
+                <p:cond evt="onClick" delay="0">
+                  <p:tgtEl>
+                    <p:spTgt spid="4"/>
+                  </p:tgtEl>
+                </p:cond>
+              </p:nextCondLst>
+            </p:seq>
+          </p:childTnLst>
+        </p:cTn>
+      </p:par>
+    </p:tnLst>
+  </p:timing>
+</p:sld>
+</file>
+
+<file path=ppt/slides/slide12.xml><?xml version="1.0" encoding="utf-8"?>
+<p:sld xmlns:a="http://schemas.openxmlformats.org/drawingml/2006/main" xmlns:r="http://schemas.openxmlformats.org/officeDocument/2006/relationships" xmlns:p="http://schemas.openxmlformats.org/presentationml/2006/main">
+  <p:cSld>
+    <p:spTree>
+      <p:nvGrpSpPr>
+        <p:cNvPr id="1" name=""/>
+        <p:cNvGrpSpPr/>
+        <p:nvPr/>
+      </p:nvGrpSpPr>
+      <p:grpSpPr>
+        <a:xfrm>
+          <a:off x="0" y="0"/>
+          <a:ext cx="0" cy="0"/>
+          <a:chOff x="0" y="0"/>
+          <a:chExt cx="0" cy="0"/>
+        </a:xfrm>
+      </p:grpSpPr>
+      <p:sp>
+        <p:nvSpPr>
           <p:cNvPr id="2" name="Title 1">
             <a:extLst>
               <a:ext uri="{FF2B5EF4-FFF2-40B4-BE49-F238E27FC236}">
@@ -7895,8 +8420,8 @@
           </a:p>
         </p:txBody>
       </p:sp>
-      <mc:AlternateContent xmlns:mc="http://schemas.openxmlformats.org/markup-compatibility/2006">
-        <mc:Choice xmlns:a14="http://schemas.microsoft.com/office/drawing/2010/main" Requires="a14">
+      <mc:AlternateContent xmlns:mc="http://schemas.openxmlformats.org/markup-compatibility/2006" xmlns:a14="http://schemas.microsoft.com/office/drawing/2010/main">
+        <mc:Choice Requires="a14">
           <p:sp>
             <p:nvSpPr>
               <p:cNvPr id="3" name="Content Placeholder 2">
@@ -8911,7 +9436,7 @@
             </p:txBody>
           </p:sp>
         </mc:Choice>
-        <mc:Fallback>
+        <mc:Fallback xmlns="">
           <p:sp>
             <p:nvSpPr>
               <p:cNvPr id="3" name="Content Placeholder 2">
@@ -8964,95 +9489,6 @@
 </p:sld>
 </file>
 
-<file path=ppt/slides/slide12.xml><?xml version="1.0" encoding="utf-8"?>
-<p:sld xmlns:a="http://schemas.openxmlformats.org/drawingml/2006/main" xmlns:r="http://schemas.openxmlformats.org/officeDocument/2006/relationships" xmlns:p="http://schemas.openxmlformats.org/presentationml/2006/main">
-  <p:cSld>
-    <p:spTree>
-      <p:nvGrpSpPr>
-        <p:cNvPr id="1" name=""/>
-        <p:cNvGrpSpPr/>
-        <p:nvPr/>
-      </p:nvGrpSpPr>
-      <p:grpSpPr>
-        <a:xfrm>
-          <a:off x="0" y="0"/>
-          <a:ext cx="0" cy="0"/>
-          <a:chOff x="0" y="0"/>
-          <a:chExt cx="0" cy="0"/>
-        </a:xfrm>
-      </p:grpSpPr>
-      <p:sp>
-        <p:nvSpPr>
-          <p:cNvPr id="2" name="Title 1">
-            <a:extLst>
-              <a:ext uri="{FF2B5EF4-FFF2-40B4-BE49-F238E27FC236}">
-                <a16:creationId xmlns:a16="http://schemas.microsoft.com/office/drawing/2014/main" id="{ECC9EA66-DA16-8F4D-85C8-7C1A8AA5E8C0}"/>
-              </a:ext>
-            </a:extLst>
-          </p:cNvPr>
-          <p:cNvSpPr>
-            <a:spLocks noGrp="1"/>
-          </p:cNvSpPr>
-          <p:nvPr>
-            <p:ph type="title"/>
-          </p:nvPr>
-        </p:nvSpPr>
-        <p:spPr/>
-        <p:txBody>
-          <a:bodyPr/>
-          <a:lstStyle/>
-          <a:p>
-            <a:r>
-              <a:rPr lang="en-US" dirty="0"/>
-              <a:t>Precision experiment</a:t>
-            </a:r>
-          </a:p>
-        </p:txBody>
-      </p:sp>
-      <p:graphicFrame>
-        <p:nvGraphicFramePr>
-          <p:cNvPr id="10" name="Content Placeholder 9">
-            <a:extLst>
-              <a:ext uri="{FF2B5EF4-FFF2-40B4-BE49-F238E27FC236}">
-                <a16:creationId xmlns:a16="http://schemas.microsoft.com/office/drawing/2014/main" id="{3AEE1C2D-5E0D-4DC5-AAC3-615B534E0A83}"/>
-              </a:ext>
-            </a:extLst>
-          </p:cNvPr>
-          <p:cNvGraphicFramePr>
-            <a:graphicFrameLocks noGrp="1"/>
-          </p:cNvGraphicFramePr>
-          <p:nvPr>
-            <p:ph idx="1"/>
-            <p:extLst>
-              <p:ext uri="{D42A27DB-BD31-4B8C-83A1-F6EECF244321}">
-                <p14:modId xmlns:p14="http://schemas.microsoft.com/office/powerpoint/2010/main" val="3157494902"/>
-              </p:ext>
-            </p:extLst>
-          </p:nvPr>
-        </p:nvGraphicFramePr>
-        <p:xfrm>
-          <a:off x="1096963" y="2108200"/>
-          <a:ext cx="10058400" cy="3760788"/>
-        </p:xfrm>
-        <a:graphic>
-          <a:graphicData uri="http://schemas.openxmlformats.org/drawingml/2006/chart">
-            <c:chart xmlns:c="http://schemas.openxmlformats.org/drawingml/2006/chart" xmlns:r="http://schemas.openxmlformats.org/officeDocument/2006/relationships" r:id="rId3"/>
-          </a:graphicData>
-        </a:graphic>
-      </p:graphicFrame>
-    </p:spTree>
-    <p:extLst>
-      <p:ext uri="{BB962C8B-B14F-4D97-AF65-F5344CB8AC3E}">
-        <p14:creationId xmlns:p14="http://schemas.microsoft.com/office/powerpoint/2010/main" val="233089366"/>
-      </p:ext>
-    </p:extLst>
-  </p:cSld>
-  <p:clrMapOvr>
-    <a:masterClrMapping/>
-  </p:clrMapOvr>
-</p:sld>
-</file>
-
 <file path=ppt/slides/slide13.xml><?xml version="1.0" encoding="utf-8"?>
 <p:sld xmlns:a="http://schemas.openxmlformats.org/drawingml/2006/main" xmlns:r="http://schemas.openxmlformats.org/officeDocument/2006/relationships" xmlns:p="http://schemas.openxmlformats.org/presentationml/2006/main">
   <p:cSld>
@@ -9093,17 +9529,17 @@
           <a:p>
             <a:r>
               <a:rPr lang="en-US" dirty="0"/>
-              <a:t>Speed experiment</a:t>
+              <a:t>Precision experiment</a:t>
             </a:r>
           </a:p>
         </p:txBody>
       </p:sp>
       <p:graphicFrame>
         <p:nvGraphicFramePr>
-          <p:cNvPr id="6" name="Content Placeholder 5">
+          <p:cNvPr id="10" name="Content Placeholder 9">
             <a:extLst>
               <a:ext uri="{FF2B5EF4-FFF2-40B4-BE49-F238E27FC236}">
-                <a16:creationId xmlns:a16="http://schemas.microsoft.com/office/drawing/2014/main" id="{12FFDC9B-A7DC-4EAD-85ED-D1DC46C73A1C}"/>
+                <a16:creationId xmlns:a16="http://schemas.microsoft.com/office/drawing/2014/main" id="{3AEE1C2D-5E0D-4DC5-AAC3-615B534E0A83}"/>
               </a:ext>
             </a:extLst>
           </p:cNvPr>
@@ -9114,7 +9550,7 @@
             <p:ph idx="1"/>
             <p:extLst>
               <p:ext uri="{D42A27DB-BD31-4B8C-83A1-F6EECF244321}">
-                <p14:modId xmlns:p14="http://schemas.microsoft.com/office/powerpoint/2010/main" val="438617812"/>
+                <p14:modId xmlns:p14="http://schemas.microsoft.com/office/powerpoint/2010/main" val="3157494902"/>
               </p:ext>
             </p:extLst>
           </p:nvPr>
@@ -9132,7 +9568,7 @@
     </p:spTree>
     <p:extLst>
       <p:ext uri="{BB962C8B-B14F-4D97-AF65-F5344CB8AC3E}">
-        <p14:creationId xmlns:p14="http://schemas.microsoft.com/office/powerpoint/2010/main" val="2360495450"/>
+        <p14:creationId xmlns:p14="http://schemas.microsoft.com/office/powerpoint/2010/main" val="233089366"/>
       </p:ext>
     </p:extLst>
   </p:cSld>
@@ -9164,6 +9600,95 @@
           <p:cNvPr id="2" name="Title 1">
             <a:extLst>
               <a:ext uri="{FF2B5EF4-FFF2-40B4-BE49-F238E27FC236}">
+                <a16:creationId xmlns:a16="http://schemas.microsoft.com/office/drawing/2014/main" id="{ECC9EA66-DA16-8F4D-85C8-7C1A8AA5E8C0}"/>
+              </a:ext>
+            </a:extLst>
+          </p:cNvPr>
+          <p:cNvSpPr>
+            <a:spLocks noGrp="1"/>
+          </p:cNvSpPr>
+          <p:nvPr>
+            <p:ph type="title"/>
+          </p:nvPr>
+        </p:nvSpPr>
+        <p:spPr/>
+        <p:txBody>
+          <a:bodyPr/>
+          <a:lstStyle/>
+          <a:p>
+            <a:r>
+              <a:rPr lang="en-US" dirty="0"/>
+              <a:t>Speed experiment</a:t>
+            </a:r>
+          </a:p>
+        </p:txBody>
+      </p:sp>
+      <p:graphicFrame>
+        <p:nvGraphicFramePr>
+          <p:cNvPr id="6" name="Content Placeholder 5">
+            <a:extLst>
+              <a:ext uri="{FF2B5EF4-FFF2-40B4-BE49-F238E27FC236}">
+                <a16:creationId xmlns:a16="http://schemas.microsoft.com/office/drawing/2014/main" id="{12FFDC9B-A7DC-4EAD-85ED-D1DC46C73A1C}"/>
+              </a:ext>
+            </a:extLst>
+          </p:cNvPr>
+          <p:cNvGraphicFramePr>
+            <a:graphicFrameLocks noGrp="1"/>
+          </p:cNvGraphicFramePr>
+          <p:nvPr>
+            <p:ph idx="1"/>
+            <p:extLst>
+              <p:ext uri="{D42A27DB-BD31-4B8C-83A1-F6EECF244321}">
+                <p14:modId xmlns:p14="http://schemas.microsoft.com/office/powerpoint/2010/main" val="438617812"/>
+              </p:ext>
+            </p:extLst>
+          </p:nvPr>
+        </p:nvGraphicFramePr>
+        <p:xfrm>
+          <a:off x="1096963" y="2108200"/>
+          <a:ext cx="10058400" cy="3760788"/>
+        </p:xfrm>
+        <a:graphic>
+          <a:graphicData uri="http://schemas.openxmlformats.org/drawingml/2006/chart">
+            <c:chart xmlns:c="http://schemas.openxmlformats.org/drawingml/2006/chart" xmlns:r="http://schemas.openxmlformats.org/officeDocument/2006/relationships" r:id="rId3"/>
+          </a:graphicData>
+        </a:graphic>
+      </p:graphicFrame>
+    </p:spTree>
+    <p:extLst>
+      <p:ext uri="{BB962C8B-B14F-4D97-AF65-F5344CB8AC3E}">
+        <p14:creationId xmlns:p14="http://schemas.microsoft.com/office/powerpoint/2010/main" val="2360495450"/>
+      </p:ext>
+    </p:extLst>
+  </p:cSld>
+  <p:clrMapOvr>
+    <a:masterClrMapping/>
+  </p:clrMapOvr>
+</p:sld>
+</file>
+
+<file path=ppt/slides/slide15.xml><?xml version="1.0" encoding="utf-8"?>
+<p:sld xmlns:a="http://schemas.openxmlformats.org/drawingml/2006/main" xmlns:r="http://schemas.openxmlformats.org/officeDocument/2006/relationships" xmlns:p="http://schemas.openxmlformats.org/presentationml/2006/main">
+  <p:cSld>
+    <p:spTree>
+      <p:nvGrpSpPr>
+        <p:cNvPr id="1" name=""/>
+        <p:cNvGrpSpPr/>
+        <p:nvPr/>
+      </p:nvGrpSpPr>
+      <p:grpSpPr>
+        <a:xfrm>
+          <a:off x="0" y="0"/>
+          <a:ext cx="0" cy="0"/>
+          <a:chOff x="0" y="0"/>
+          <a:chExt cx="0" cy="0"/>
+        </a:xfrm>
+      </p:grpSpPr>
+      <p:sp>
+        <p:nvSpPr>
+          <p:cNvPr id="2" name="Title 1">
+            <a:extLst>
+              <a:ext uri="{FF2B5EF4-FFF2-40B4-BE49-F238E27FC236}">
                 <a16:creationId xmlns:a16="http://schemas.microsoft.com/office/drawing/2014/main" id="{4CEE2087-2294-43E9-95E7-87FCAA28D723}"/>
               </a:ext>
             </a:extLst>
@@ -9244,7 +9769,7 @@
 </p:sld>
 </file>
 
-<file path=ppt/slides/slide15.xml><?xml version="1.0" encoding="utf-8"?>
+<file path=ppt/slides/slide16.xml><?xml version="1.0" encoding="utf-8"?>
 <p:sld xmlns:a="http://schemas.openxmlformats.org/drawingml/2006/main" xmlns:r="http://schemas.openxmlformats.org/officeDocument/2006/relationships" xmlns:p="http://schemas.openxmlformats.org/presentationml/2006/main">
   <p:cSld>
     <p:bg>
@@ -9606,7 +10131,7 @@
 </p:sld>
 </file>
 
-<file path=ppt/slides/slide16.xml><?xml version="1.0" encoding="utf-8"?>
+<file path=ppt/slides/slide17.xml><?xml version="1.0" encoding="utf-8"?>
 <p:sld xmlns:a="http://schemas.openxmlformats.org/drawingml/2006/main" xmlns:r="http://schemas.openxmlformats.org/officeDocument/2006/relationships" xmlns:p="http://schemas.openxmlformats.org/presentationml/2006/main">
   <p:cSld>
     <p:bg>
@@ -10098,90 +10623,6 @@
 </p:sld>
 </file>
 
-<file path=ppt/slides/slide17.xml><?xml version="1.0" encoding="utf-8"?>
-<p:sld xmlns:a="http://schemas.openxmlformats.org/drawingml/2006/main" xmlns:r="http://schemas.openxmlformats.org/officeDocument/2006/relationships" xmlns:p="http://schemas.openxmlformats.org/presentationml/2006/main">
-  <p:cSld>
-    <p:spTree>
-      <p:nvGrpSpPr>
-        <p:cNvPr id="1" name=""/>
-        <p:cNvGrpSpPr/>
-        <p:nvPr/>
-      </p:nvGrpSpPr>
-      <p:grpSpPr>
-        <a:xfrm>
-          <a:off x="0" y="0"/>
-          <a:ext cx="0" cy="0"/>
-          <a:chOff x="0" y="0"/>
-          <a:chExt cx="0" cy="0"/>
-        </a:xfrm>
-      </p:grpSpPr>
-      <p:sp>
-        <p:nvSpPr>
-          <p:cNvPr id="2" name="Title 1">
-            <a:extLst>
-              <a:ext uri="{FF2B5EF4-FFF2-40B4-BE49-F238E27FC236}">
-                <a16:creationId xmlns:a16="http://schemas.microsoft.com/office/drawing/2014/main" id="{6A017E4A-2ABC-4269-A259-9DB5FCFA878A}"/>
-              </a:ext>
-            </a:extLst>
-          </p:cNvPr>
-          <p:cNvSpPr>
-            <a:spLocks noGrp="1"/>
-          </p:cNvSpPr>
-          <p:nvPr>
-            <p:ph type="title"/>
-          </p:nvPr>
-        </p:nvSpPr>
-        <p:spPr/>
-        <p:txBody>
-          <a:bodyPr/>
-          <a:lstStyle/>
-          <a:p>
-            <a:r>
-              <a:rPr lang="en-US" dirty="0"/>
-              <a:t>A* Bot</a:t>
-            </a:r>
-            <a:endParaRPr lang="nl-NL" dirty="0"/>
-          </a:p>
-        </p:txBody>
-      </p:sp>
-      <p:sp>
-        <p:nvSpPr>
-          <p:cNvPr id="3" name="Content Placeholder 2">
-            <a:extLst>
-              <a:ext uri="{FF2B5EF4-FFF2-40B4-BE49-F238E27FC236}">
-                <a16:creationId xmlns:a16="http://schemas.microsoft.com/office/drawing/2014/main" id="{6FB12979-3BAA-4143-9ED9-BBBD2B8C1F83}"/>
-              </a:ext>
-            </a:extLst>
-          </p:cNvPr>
-          <p:cNvSpPr>
-            <a:spLocks noGrp="1"/>
-          </p:cNvSpPr>
-          <p:nvPr>
-            <p:ph idx="1"/>
-          </p:nvPr>
-        </p:nvSpPr>
-        <p:spPr/>
-        <p:txBody>
-          <a:bodyPr/>
-          <a:lstStyle/>
-          <a:p>
-            <a:endParaRPr lang="nl-NL"/>
-          </a:p>
-        </p:txBody>
-      </p:sp>
-    </p:spTree>
-    <p:extLst>
-      <p:ext uri="{BB962C8B-B14F-4D97-AF65-F5344CB8AC3E}">
-        <p14:creationId xmlns:p14="http://schemas.microsoft.com/office/powerpoint/2010/main" val="1199054610"/>
-      </p:ext>
-    </p:extLst>
-  </p:cSld>
-  <p:clrMapOvr>
-    <a:masterClrMapping/>
-  </p:clrMapOvr>
-</p:sld>
-</file>
-
 <file path=ppt/slides/slide18.xml><?xml version="1.0" encoding="utf-8"?>
 <p:sld xmlns:a="http://schemas.openxmlformats.org/drawingml/2006/main" xmlns:r="http://schemas.openxmlformats.org/officeDocument/2006/relationships" xmlns:p="http://schemas.openxmlformats.org/presentationml/2006/main">
   <p:cSld>
@@ -10204,7 +10645,7 @@
           <p:cNvPr id="2" name="Title 1">
             <a:extLst>
               <a:ext uri="{FF2B5EF4-FFF2-40B4-BE49-F238E27FC236}">
-                <a16:creationId xmlns:a16="http://schemas.microsoft.com/office/drawing/2014/main" id="{29F19A6B-CDB2-8D48-97AF-EC9F49EA2578}"/>
+                <a16:creationId xmlns:a16="http://schemas.microsoft.com/office/drawing/2014/main" id="{6A017E4A-2ABC-4269-A259-9DB5FCFA878A}"/>
               </a:ext>
             </a:extLst>
           </p:cNvPr>
@@ -10222,8 +10663,9 @@
           <a:p>
             <a:r>
               <a:rPr lang="en-US" dirty="0"/>
-              <a:t>Experiment</a:t>
-            </a:r>
+              <a:t>A* Bot</a:t>
+            </a:r>
+            <a:endParaRPr lang="nl-NL" dirty="0"/>
           </a:p>
         </p:txBody>
       </p:sp>
@@ -10232,7 +10674,7 @@
           <p:cNvPr id="3" name="Content Placeholder 2">
             <a:extLst>
               <a:ext uri="{FF2B5EF4-FFF2-40B4-BE49-F238E27FC236}">
-                <a16:creationId xmlns:a16="http://schemas.microsoft.com/office/drawing/2014/main" id="{B33325E4-832A-D040-B461-E6D8A517BFF9}"/>
+                <a16:creationId xmlns:a16="http://schemas.microsoft.com/office/drawing/2014/main" id="{6FB12979-3BAA-4143-9ED9-BBBD2B8C1F83}"/>
               </a:ext>
             </a:extLst>
           </p:cNvPr>
@@ -10248,14 +10690,14 @@
           <a:bodyPr/>
           <a:lstStyle/>
           <a:p>
-            <a:endParaRPr lang="en-US" dirty="0"/>
+            <a:endParaRPr lang="nl-NL"/>
           </a:p>
         </p:txBody>
       </p:sp>
     </p:spTree>
     <p:extLst>
       <p:ext uri="{BB962C8B-B14F-4D97-AF65-F5344CB8AC3E}">
-        <p14:creationId xmlns:p14="http://schemas.microsoft.com/office/powerpoint/2010/main" val="3107714555"/>
+        <p14:creationId xmlns:p14="http://schemas.microsoft.com/office/powerpoint/2010/main" val="1199054610"/>
       </p:ext>
     </p:extLst>
   </p:cSld>
@@ -10287,7 +10729,7 @@
           <p:cNvPr id="2" name="Title 1">
             <a:extLst>
               <a:ext uri="{FF2B5EF4-FFF2-40B4-BE49-F238E27FC236}">
-                <a16:creationId xmlns:a16="http://schemas.microsoft.com/office/drawing/2014/main" id="{AE509FE0-01FE-484D-9253-00E27C5034A6}"/>
+                <a16:creationId xmlns:a16="http://schemas.microsoft.com/office/drawing/2014/main" id="{29F19A6B-CDB2-8D48-97AF-EC9F49EA2578}"/>
               </a:ext>
             </a:extLst>
           </p:cNvPr>
@@ -10305,7 +10747,7 @@
           <a:p>
             <a:r>
               <a:rPr lang="en-US" dirty="0"/>
-              <a:t>Conclusion</a:t>
+              <a:t>Experiment</a:t>
             </a:r>
           </a:p>
         </p:txBody>
@@ -10315,7 +10757,7 @@
           <p:cNvPr id="3" name="Content Placeholder 2">
             <a:extLst>
               <a:ext uri="{FF2B5EF4-FFF2-40B4-BE49-F238E27FC236}">
-                <a16:creationId xmlns:a16="http://schemas.microsoft.com/office/drawing/2014/main" id="{89B654AC-0CDE-8E40-85E6-B44275F7D14F}"/>
+                <a16:creationId xmlns:a16="http://schemas.microsoft.com/office/drawing/2014/main" id="{B33325E4-832A-D040-B461-E6D8A517BFF9}"/>
               </a:ext>
             </a:extLst>
           </p:cNvPr>
@@ -10331,61 +10773,14 @@
           <a:bodyPr/>
           <a:lstStyle/>
           <a:p>
-            <a:pPr>
-              <a:buFont typeface="Wingdings" panose="05000000000000000000" pitchFamily="2" charset="2"/>
-              <a:buChar char="v"/>
-            </a:pPr>
-            <a:r>
-              <a:rPr lang="en-US" dirty="0"/>
-              <a:t> Graphics engine</a:t>
-            </a:r>
-          </a:p>
-          <a:p>
-            <a:pPr>
-              <a:buFont typeface="Wingdings" panose="05000000000000000000" pitchFamily="2" charset="2"/>
-              <a:buChar char="v"/>
-            </a:pPr>
-            <a:r>
-              <a:rPr lang="en-US" dirty="0"/>
-              <a:t> Collision detection</a:t>
-            </a:r>
-          </a:p>
-          <a:p>
-            <a:pPr>
-              <a:buFont typeface="Wingdings" panose="05000000000000000000" pitchFamily="2" charset="2"/>
-              <a:buChar char="v"/>
-            </a:pPr>
-            <a:r>
-              <a:rPr lang="en-US" dirty="0"/>
-              <a:t> Physics solvers</a:t>
-            </a:r>
-          </a:p>
-          <a:p>
-            <a:pPr>
-              <a:buFont typeface="Wingdings" panose="05000000000000000000" pitchFamily="2" charset="2"/>
-              <a:buChar char="v"/>
-            </a:pPr>
-            <a:r>
-              <a:rPr lang="en-US" dirty="0"/>
-              <a:t> Flying and bouncing balls</a:t>
-            </a:r>
-          </a:p>
-          <a:p>
-            <a:pPr>
-              <a:buFont typeface="Wingdings" panose="05000000000000000000" pitchFamily="2" charset="2"/>
-              <a:buChar char="v"/>
-            </a:pPr>
-            <a:r>
-              <a:rPr lang="en-US" dirty="0"/>
-              <a:t> AI</a:t>
-            </a:r>
+            <a:endParaRPr lang="en-US" dirty="0"/>
           </a:p>
         </p:txBody>
       </p:sp>
     </p:spTree>
     <p:extLst>
       <p:ext uri="{BB962C8B-B14F-4D97-AF65-F5344CB8AC3E}">
-        <p14:creationId xmlns:p14="http://schemas.microsoft.com/office/powerpoint/2010/main" val="2578131005"/>
+        <p14:creationId xmlns:p14="http://schemas.microsoft.com/office/powerpoint/2010/main" val="3107714555"/>
       </p:ext>
     </p:extLst>
   </p:cSld>
@@ -10551,6 +10946,136 @@
           <p:cNvPr id="2" name="Title 1">
             <a:extLst>
               <a:ext uri="{FF2B5EF4-FFF2-40B4-BE49-F238E27FC236}">
+                <a16:creationId xmlns:a16="http://schemas.microsoft.com/office/drawing/2014/main" id="{AE509FE0-01FE-484D-9253-00E27C5034A6}"/>
+              </a:ext>
+            </a:extLst>
+          </p:cNvPr>
+          <p:cNvSpPr>
+            <a:spLocks noGrp="1"/>
+          </p:cNvSpPr>
+          <p:nvPr>
+            <p:ph type="title"/>
+          </p:nvPr>
+        </p:nvSpPr>
+        <p:spPr/>
+        <p:txBody>
+          <a:bodyPr/>
+          <a:lstStyle/>
+          <a:p>
+            <a:r>
+              <a:rPr lang="en-US" dirty="0"/>
+              <a:t>Conclusion</a:t>
+            </a:r>
+          </a:p>
+        </p:txBody>
+      </p:sp>
+      <p:sp>
+        <p:nvSpPr>
+          <p:cNvPr id="3" name="Content Placeholder 2">
+            <a:extLst>
+              <a:ext uri="{FF2B5EF4-FFF2-40B4-BE49-F238E27FC236}">
+                <a16:creationId xmlns:a16="http://schemas.microsoft.com/office/drawing/2014/main" id="{89B654AC-0CDE-8E40-85E6-B44275F7D14F}"/>
+              </a:ext>
+            </a:extLst>
+          </p:cNvPr>
+          <p:cNvSpPr>
+            <a:spLocks noGrp="1"/>
+          </p:cNvSpPr>
+          <p:nvPr>
+            <p:ph idx="1"/>
+          </p:nvPr>
+        </p:nvSpPr>
+        <p:spPr/>
+        <p:txBody>
+          <a:bodyPr/>
+          <a:lstStyle/>
+          <a:p>
+            <a:pPr>
+              <a:buFont typeface="Wingdings" panose="05000000000000000000" pitchFamily="2" charset="2"/>
+              <a:buChar char="v"/>
+            </a:pPr>
+            <a:r>
+              <a:rPr lang="en-US" dirty="0"/>
+              <a:t> Graphics engine</a:t>
+            </a:r>
+          </a:p>
+          <a:p>
+            <a:pPr>
+              <a:buFont typeface="Wingdings" panose="05000000000000000000" pitchFamily="2" charset="2"/>
+              <a:buChar char="v"/>
+            </a:pPr>
+            <a:r>
+              <a:rPr lang="en-US" dirty="0"/>
+              <a:t> Collision detection</a:t>
+            </a:r>
+          </a:p>
+          <a:p>
+            <a:pPr>
+              <a:buFont typeface="Wingdings" panose="05000000000000000000" pitchFamily="2" charset="2"/>
+              <a:buChar char="v"/>
+            </a:pPr>
+            <a:r>
+              <a:rPr lang="en-US" dirty="0"/>
+              <a:t> Physics solvers</a:t>
+            </a:r>
+          </a:p>
+          <a:p>
+            <a:pPr>
+              <a:buFont typeface="Wingdings" panose="05000000000000000000" pitchFamily="2" charset="2"/>
+              <a:buChar char="v"/>
+            </a:pPr>
+            <a:r>
+              <a:rPr lang="en-US" dirty="0"/>
+              <a:t> Flying and bouncing balls</a:t>
+            </a:r>
+          </a:p>
+          <a:p>
+            <a:pPr>
+              <a:buFont typeface="Wingdings" panose="05000000000000000000" pitchFamily="2" charset="2"/>
+              <a:buChar char="v"/>
+            </a:pPr>
+            <a:r>
+              <a:rPr lang="en-US" dirty="0"/>
+              <a:t> AI</a:t>
+            </a:r>
+          </a:p>
+        </p:txBody>
+      </p:sp>
+    </p:spTree>
+    <p:extLst>
+      <p:ext uri="{BB962C8B-B14F-4D97-AF65-F5344CB8AC3E}">
+        <p14:creationId xmlns:p14="http://schemas.microsoft.com/office/powerpoint/2010/main" val="2578131005"/>
+      </p:ext>
+    </p:extLst>
+  </p:cSld>
+  <p:clrMapOvr>
+    <a:masterClrMapping/>
+  </p:clrMapOvr>
+</p:sld>
+</file>
+
+<file path=ppt/slides/slide21.xml><?xml version="1.0" encoding="utf-8"?>
+<p:sld xmlns:a="http://schemas.openxmlformats.org/drawingml/2006/main" xmlns:r="http://schemas.openxmlformats.org/officeDocument/2006/relationships" xmlns:p="http://schemas.openxmlformats.org/presentationml/2006/main">
+  <p:cSld>
+    <p:spTree>
+      <p:nvGrpSpPr>
+        <p:cNvPr id="1" name=""/>
+        <p:cNvGrpSpPr/>
+        <p:nvPr/>
+      </p:nvGrpSpPr>
+      <p:grpSpPr>
+        <a:xfrm>
+          <a:off x="0" y="0"/>
+          <a:ext cx="0" cy="0"/>
+          <a:chOff x="0" y="0"/>
+          <a:chExt cx="0" cy="0"/>
+        </a:xfrm>
+      </p:grpSpPr>
+      <p:sp>
+        <p:nvSpPr>
+          <p:cNvPr id="2" name="Title 1">
+            <a:extLst>
+              <a:ext uri="{FF2B5EF4-FFF2-40B4-BE49-F238E27FC236}">
                 <a16:creationId xmlns:a16="http://schemas.microsoft.com/office/drawing/2014/main" id="{829E259F-FE68-4055-B7BD-1312721101B5}"/>
               </a:ext>
             </a:extLst>
@@ -10613,7 +11138,7 @@
 </p:sld>
 </file>
 
-<file path=ppt/slides/slide21.xml><?xml version="1.0" encoding="utf-8"?>
+<file path=ppt/slides/slide22.xml><?xml version="1.0" encoding="utf-8"?>
 <p:sld xmlns:a="http://schemas.openxmlformats.org/drawingml/2006/main" xmlns:r="http://schemas.openxmlformats.org/officeDocument/2006/relationships" xmlns:p="http://schemas.openxmlformats.org/presentationml/2006/main">
   <p:cSld>
     <p:spTree>
@@ -15400,21 +15925,21 @@
 </file>
 
 <file path=customXml/item1.xml><?xml version="1.0" encoding="utf-8"?>
+<?mso-contentType ?>
+<FormTemplates xmlns="http://schemas.microsoft.com/sharepoint/v3/contenttype/forms">
+  <Display>DocumentLibraryForm</Display>
+  <Edit>DocumentLibraryForm</Edit>
+  <New>DocumentLibraryForm</New>
+</FormTemplates>
+</file>
+
+<file path=customXml/item2.xml><?xml version="1.0" encoding="utf-8"?>
 <p:properties xmlns:p="http://schemas.microsoft.com/office/2006/metadata/properties" xmlns:xsi="http://www.w3.org/2001/XMLSchema-instance" xmlns:pc="http://schemas.microsoft.com/office/infopath/2007/PartnerControls">
   <documentManagement>
     <Status xmlns="71af3243-3dd4-4a8d-8c0d-dd76da1f02a5">Not started</Status>
     <MediaServiceKeyPoints xmlns="71af3243-3dd4-4a8d-8c0d-dd76da1f02a5" xsi:nil="true"/>
   </documentManagement>
 </p:properties>
-</file>
-
-<file path=customXml/item2.xml><?xml version="1.0" encoding="utf-8"?>
-<?mso-contentType ?>
-<FormTemplates xmlns="http://schemas.microsoft.com/sharepoint/v3/contenttype/forms">
-  <Display>DocumentLibraryForm</Display>
-  <Edit>DocumentLibraryForm</Edit>
-  <New>DocumentLibraryForm</New>
-</FormTemplates>
 </file>
 
 <file path=customXml/item3.xml><?xml version="1.0" encoding="utf-8"?>
@@ -15639,19 +16164,19 @@
 </file>
 
 <file path=customXml/itemProps1.xml><?xml version="1.0" encoding="utf-8"?>
+<ds:datastoreItem xmlns:ds="http://schemas.openxmlformats.org/officeDocument/2006/customXml" ds:itemID="{3C586965-D4BF-4605-8C1C-5B8CCCAB7737}">
+  <ds:schemaRefs>
+    <ds:schemaRef ds:uri="http://schemas.microsoft.com/sharepoint/v3/contenttype/forms"/>
+  </ds:schemaRefs>
+</ds:datastoreItem>
+</file>
+
+<file path=customXml/itemProps2.xml><?xml version="1.0" encoding="utf-8"?>
 <ds:datastoreItem xmlns:ds="http://schemas.openxmlformats.org/officeDocument/2006/customXml" ds:itemID="{626E351D-C19B-467F-A5C7-085C4CECACA9}">
   <ds:schemaRefs>
     <ds:schemaRef ds:uri="http://schemas.microsoft.com/office/2006/metadata/properties"/>
     <ds:schemaRef ds:uri="http://schemas.microsoft.com/office/infopath/2007/PartnerControls"/>
     <ds:schemaRef ds:uri="71af3243-3dd4-4a8d-8c0d-dd76da1f02a5"/>
-  </ds:schemaRefs>
-</ds:datastoreItem>
-</file>
-
-<file path=customXml/itemProps2.xml><?xml version="1.0" encoding="utf-8"?>
-<ds:datastoreItem xmlns:ds="http://schemas.openxmlformats.org/officeDocument/2006/customXml" ds:itemID="{3C586965-D4BF-4605-8C1C-5B8CCCAB7737}">
-  <ds:schemaRefs>
-    <ds:schemaRef ds:uri="http://schemas.microsoft.com/sharepoint/v3/contenttype/forms"/>
   </ds:schemaRefs>
 </ds:datastoreItem>
 </file>

--- a/04-PresentationThirdPhase.pptx
+++ b/04-PresentationThirdPhase.pptx
@@ -139,2043 +139,6 @@
 </p:presentation>
 </file>
 
-<file path=ppt/charts/chart1.xml><?xml version="1.0" encoding="utf-8"?>
-<c:chartSpace xmlns:c="http://schemas.openxmlformats.org/drawingml/2006/chart" xmlns:a="http://schemas.openxmlformats.org/drawingml/2006/main" xmlns:r="http://schemas.openxmlformats.org/officeDocument/2006/relationships" xmlns:c16r2="http://schemas.microsoft.com/office/drawing/2015/06/chart">
-  <c:date1904 val="0"/>
-  <c:lang val="en-US"/>
-  <c:roundedCorners val="0"/>
-  <mc:AlternateContent xmlns:mc="http://schemas.openxmlformats.org/markup-compatibility/2006">
-    <mc:Choice xmlns:c14="http://schemas.microsoft.com/office/drawing/2007/8/2/chart" Requires="c14">
-      <c14:style val="102"/>
-    </mc:Choice>
-    <mc:Fallback>
-      <c:style val="2"/>
-    </mc:Fallback>
-  </mc:AlternateContent>
-  <c:chart>
-    <c:title>
-      <c:tx>
-        <c:rich>
-          <a:bodyPr rot="0" spcFirstLastPara="1" vertOverflow="ellipsis" vert="horz" wrap="square" anchor="ctr" anchorCtr="1"/>
-          <a:lstStyle/>
-          <a:p>
-            <a:pPr>
-              <a:defRPr sz="1862" b="0" i="0" u="none" strike="noStrike" kern="1200" spc="0" baseline="0">
-                <a:solidFill>
-                  <a:schemeClr val="tx1">
-                    <a:lumMod val="65000"/>
-                    <a:lumOff val="35000"/>
-                  </a:schemeClr>
-                </a:solidFill>
-                <a:latin typeface="+mn-lt"/>
-                <a:ea typeface="+mn-ea"/>
-                <a:cs typeface="+mn-cs"/>
-              </a:defRPr>
-            </a:pPr>
-            <a:r>
-              <a:rPr lang="en-GB" noProof="0" dirty="0"/>
-              <a:t>Error compared to step size</a:t>
-            </a:r>
-          </a:p>
-        </c:rich>
-      </c:tx>
-      <c:overlay val="0"/>
-      <c:spPr>
-        <a:noFill/>
-        <a:ln>
-          <a:noFill/>
-        </a:ln>
-        <a:effectLst/>
-      </c:spPr>
-      <c:txPr>
-        <a:bodyPr rot="0" spcFirstLastPara="1" vertOverflow="ellipsis" vert="horz" wrap="square" anchor="ctr" anchorCtr="1"/>
-        <a:lstStyle/>
-        <a:p>
-          <a:pPr>
-            <a:defRPr sz="1862" b="0" i="0" u="none" strike="noStrike" kern="1200" spc="0" baseline="0">
-              <a:solidFill>
-                <a:schemeClr val="tx1">
-                  <a:lumMod val="65000"/>
-                  <a:lumOff val="35000"/>
-                </a:schemeClr>
-              </a:solidFill>
-              <a:latin typeface="+mn-lt"/>
-              <a:ea typeface="+mn-ea"/>
-              <a:cs typeface="+mn-cs"/>
-            </a:defRPr>
-          </a:pPr>
-          <a:endParaRPr lang="nl-NL"/>
-        </a:p>
-      </c:txPr>
-    </c:title>
-    <c:autoTitleDeleted val="0"/>
-    <c:plotArea>
-      <c:layout/>
-      <c:barChart>
-        <c:barDir val="col"/>
-        <c:grouping val="clustered"/>
-        <c:varyColors val="0"/>
-        <c:ser>
-          <c:idx val="0"/>
-          <c:order val="0"/>
-          <c:tx>
-            <c:strRef>
-              <c:f>Sheet1!$B$1</c:f>
-              <c:strCache>
-                <c:ptCount val="1"/>
-                <c:pt idx="0">
-                  <c:v>Euler</c:v>
-                </c:pt>
-              </c:strCache>
-            </c:strRef>
-          </c:tx>
-          <c:spPr>
-            <a:solidFill>
-              <a:schemeClr val="accent1"/>
-            </a:solidFill>
-            <a:ln>
-              <a:noFill/>
-            </a:ln>
-            <a:effectLst/>
-          </c:spPr>
-          <c:invertIfNegative val="0"/>
-          <c:cat>
-            <c:strRef>
-              <c:f>Sheet1!$A$2:$A$7</c:f>
-              <c:strCache>
-                <c:ptCount val="6"/>
-                <c:pt idx="0">
-                  <c:v>0.01</c:v>
-                </c:pt>
-                <c:pt idx="1">
-                  <c:v>0.05</c:v>
-                </c:pt>
-                <c:pt idx="2">
-                  <c:v>0.10</c:v>
-                </c:pt>
-                <c:pt idx="3">
-                  <c:v>0.50</c:v>
-                </c:pt>
-                <c:pt idx="4">
-                  <c:v>1.00</c:v>
-                </c:pt>
-                <c:pt idx="5">
-                  <c:v>5.00</c:v>
-                </c:pt>
-              </c:strCache>
-            </c:strRef>
-          </c:cat>
-          <c:val>
-            <c:numRef>
-              <c:f>Sheet1!$B$2:$B$7</c:f>
-              <c:numCache>
-                <c:formatCode>General</c:formatCode>
-                <c:ptCount val="6"/>
-                <c:pt idx="0">
-                  <c:v>4.3</c:v>
-                </c:pt>
-                <c:pt idx="1">
-                  <c:v>2.5</c:v>
-                </c:pt>
-                <c:pt idx="2">
-                  <c:v>3.5</c:v>
-                </c:pt>
-                <c:pt idx="3">
-                  <c:v>4.5</c:v>
-                </c:pt>
-                <c:pt idx="4">
-                  <c:v>3.5</c:v>
-                </c:pt>
-                <c:pt idx="5">
-                  <c:v>4.5</c:v>
-                </c:pt>
-              </c:numCache>
-            </c:numRef>
-          </c:val>
-          <c:extLst>
-            <c:ext xmlns:c16="http://schemas.microsoft.com/office/drawing/2014/chart" uri="{C3380CC4-5D6E-409C-BE32-E72D297353CC}">
-              <c16:uniqueId val="{00000000-F6EE-43F4-B578-3451D73C3D2B}"/>
-            </c:ext>
-          </c:extLst>
-        </c:ser>
-        <c:ser>
-          <c:idx val="1"/>
-          <c:order val="1"/>
-          <c:tx>
-            <c:strRef>
-              <c:f>Sheet1!$C$1</c:f>
-              <c:strCache>
-                <c:ptCount val="1"/>
-                <c:pt idx="0">
-                  <c:v>Verlet</c:v>
-                </c:pt>
-              </c:strCache>
-            </c:strRef>
-          </c:tx>
-          <c:spPr>
-            <a:solidFill>
-              <a:schemeClr val="accent2"/>
-            </a:solidFill>
-            <a:ln>
-              <a:noFill/>
-            </a:ln>
-            <a:effectLst/>
-          </c:spPr>
-          <c:invertIfNegative val="0"/>
-          <c:cat>
-            <c:strRef>
-              <c:f>Sheet1!$A$2:$A$7</c:f>
-              <c:strCache>
-                <c:ptCount val="6"/>
-                <c:pt idx="0">
-                  <c:v>0.01</c:v>
-                </c:pt>
-                <c:pt idx="1">
-                  <c:v>0.05</c:v>
-                </c:pt>
-                <c:pt idx="2">
-                  <c:v>0.10</c:v>
-                </c:pt>
-                <c:pt idx="3">
-                  <c:v>0.50</c:v>
-                </c:pt>
-                <c:pt idx="4">
-                  <c:v>1.00</c:v>
-                </c:pt>
-                <c:pt idx="5">
-                  <c:v>5.00</c:v>
-                </c:pt>
-              </c:strCache>
-            </c:strRef>
-          </c:cat>
-          <c:val>
-            <c:numRef>
-              <c:f>Sheet1!$C$2:$C$7</c:f>
-              <c:numCache>
-                <c:formatCode>General</c:formatCode>
-                <c:ptCount val="6"/>
-                <c:pt idx="0">
-                  <c:v>2.4</c:v>
-                </c:pt>
-                <c:pt idx="1">
-                  <c:v>4.4000000000000004</c:v>
-                </c:pt>
-                <c:pt idx="2">
-                  <c:v>1.8</c:v>
-                </c:pt>
-                <c:pt idx="3">
-                  <c:v>2.8</c:v>
-                </c:pt>
-                <c:pt idx="4">
-                  <c:v>1.8</c:v>
-                </c:pt>
-                <c:pt idx="5">
-                  <c:v>2.8</c:v>
-                </c:pt>
-              </c:numCache>
-            </c:numRef>
-          </c:val>
-          <c:extLst>
-            <c:ext xmlns:c16="http://schemas.microsoft.com/office/drawing/2014/chart" uri="{C3380CC4-5D6E-409C-BE32-E72D297353CC}">
-              <c16:uniqueId val="{00000001-F6EE-43F4-B578-3451D73C3D2B}"/>
-            </c:ext>
-          </c:extLst>
-        </c:ser>
-        <c:ser>
-          <c:idx val="2"/>
-          <c:order val="2"/>
-          <c:tx>
-            <c:strRef>
-              <c:f>Sheet1!$D$1</c:f>
-              <c:strCache>
-                <c:ptCount val="1"/>
-                <c:pt idx="0">
-                  <c:v>Runge-Kutta</c:v>
-                </c:pt>
-              </c:strCache>
-            </c:strRef>
-          </c:tx>
-          <c:spPr>
-            <a:solidFill>
-              <a:schemeClr val="accent3"/>
-            </a:solidFill>
-            <a:ln>
-              <a:noFill/>
-            </a:ln>
-            <a:effectLst/>
-          </c:spPr>
-          <c:invertIfNegative val="0"/>
-          <c:cat>
-            <c:strRef>
-              <c:f>Sheet1!$A$2:$A$7</c:f>
-              <c:strCache>
-                <c:ptCount val="6"/>
-                <c:pt idx="0">
-                  <c:v>0.01</c:v>
-                </c:pt>
-                <c:pt idx="1">
-                  <c:v>0.05</c:v>
-                </c:pt>
-                <c:pt idx="2">
-                  <c:v>0.10</c:v>
-                </c:pt>
-                <c:pt idx="3">
-                  <c:v>0.50</c:v>
-                </c:pt>
-                <c:pt idx="4">
-                  <c:v>1.00</c:v>
-                </c:pt>
-                <c:pt idx="5">
-                  <c:v>5.00</c:v>
-                </c:pt>
-              </c:strCache>
-            </c:strRef>
-          </c:cat>
-          <c:val>
-            <c:numRef>
-              <c:f>Sheet1!$D$2:$D$7</c:f>
-              <c:numCache>
-                <c:formatCode>General</c:formatCode>
-                <c:ptCount val="6"/>
-                <c:pt idx="0">
-                  <c:v>2</c:v>
-                </c:pt>
-                <c:pt idx="1">
-                  <c:v>2</c:v>
-                </c:pt>
-                <c:pt idx="2">
-                  <c:v>3</c:v>
-                </c:pt>
-                <c:pt idx="3">
-                  <c:v>5</c:v>
-                </c:pt>
-                <c:pt idx="4">
-                  <c:v>3</c:v>
-                </c:pt>
-                <c:pt idx="5">
-                  <c:v>5</c:v>
-                </c:pt>
-              </c:numCache>
-            </c:numRef>
-          </c:val>
-          <c:extLst>
-            <c:ext xmlns:c16="http://schemas.microsoft.com/office/drawing/2014/chart" uri="{C3380CC4-5D6E-409C-BE32-E72D297353CC}">
-              <c16:uniqueId val="{00000002-F6EE-43F4-B578-3451D73C3D2B}"/>
-            </c:ext>
-          </c:extLst>
-        </c:ser>
-        <c:dLbls>
-          <c:showLegendKey val="0"/>
-          <c:showVal val="0"/>
-          <c:showCatName val="0"/>
-          <c:showSerName val="0"/>
-          <c:showPercent val="0"/>
-          <c:showBubbleSize val="0"/>
-        </c:dLbls>
-        <c:gapWidth val="219"/>
-        <c:overlap val="-27"/>
-        <c:axId val="547336896"/>
-        <c:axId val="690337440"/>
-      </c:barChart>
-      <c:catAx>
-        <c:axId val="547336896"/>
-        <c:scaling>
-          <c:orientation val="minMax"/>
-        </c:scaling>
-        <c:delete val="0"/>
-        <c:axPos val="b"/>
-        <c:numFmt formatCode="General" sourceLinked="1"/>
-        <c:majorTickMark val="none"/>
-        <c:minorTickMark val="none"/>
-        <c:tickLblPos val="nextTo"/>
-        <c:spPr>
-          <a:noFill/>
-          <a:ln w="9525" cap="flat" cmpd="sng" algn="ctr">
-            <a:solidFill>
-              <a:schemeClr val="tx1">
-                <a:lumMod val="15000"/>
-                <a:lumOff val="85000"/>
-              </a:schemeClr>
-            </a:solidFill>
-            <a:round/>
-          </a:ln>
-          <a:effectLst/>
-        </c:spPr>
-        <c:txPr>
-          <a:bodyPr rot="-60000000" spcFirstLastPara="1" vertOverflow="ellipsis" vert="horz" wrap="square" anchor="ctr" anchorCtr="1"/>
-          <a:lstStyle/>
-          <a:p>
-            <a:pPr>
-              <a:defRPr sz="1197" b="0" i="0" u="none" strike="noStrike" kern="1200" baseline="0">
-                <a:solidFill>
-                  <a:schemeClr val="tx1">
-                    <a:lumMod val="65000"/>
-                    <a:lumOff val="35000"/>
-                  </a:schemeClr>
-                </a:solidFill>
-                <a:latin typeface="+mn-lt"/>
-                <a:ea typeface="+mn-ea"/>
-                <a:cs typeface="+mn-cs"/>
-              </a:defRPr>
-            </a:pPr>
-            <a:endParaRPr lang="nl-NL"/>
-          </a:p>
-        </c:txPr>
-        <c:crossAx val="690337440"/>
-        <c:crosses val="autoZero"/>
-        <c:auto val="1"/>
-        <c:lblAlgn val="ctr"/>
-        <c:lblOffset val="100"/>
-        <c:noMultiLvlLbl val="0"/>
-      </c:catAx>
-      <c:valAx>
-        <c:axId val="690337440"/>
-        <c:scaling>
-          <c:orientation val="minMax"/>
-        </c:scaling>
-        <c:delete val="0"/>
-        <c:axPos val="l"/>
-        <c:majorGridlines>
-          <c:spPr>
-            <a:ln w="9525" cap="flat" cmpd="sng" algn="ctr">
-              <a:solidFill>
-                <a:schemeClr val="tx1">
-                  <a:lumMod val="15000"/>
-                  <a:lumOff val="85000"/>
-                </a:schemeClr>
-              </a:solidFill>
-              <a:round/>
-            </a:ln>
-            <a:effectLst/>
-          </c:spPr>
-        </c:majorGridlines>
-        <c:numFmt formatCode="General" sourceLinked="1"/>
-        <c:majorTickMark val="none"/>
-        <c:minorTickMark val="none"/>
-        <c:tickLblPos val="nextTo"/>
-        <c:spPr>
-          <a:noFill/>
-          <a:ln>
-            <a:noFill/>
-          </a:ln>
-          <a:effectLst/>
-        </c:spPr>
-        <c:txPr>
-          <a:bodyPr rot="-60000000" spcFirstLastPara="1" vertOverflow="ellipsis" vert="horz" wrap="square" anchor="ctr" anchorCtr="1"/>
-          <a:lstStyle/>
-          <a:p>
-            <a:pPr>
-              <a:defRPr sz="1197" b="0" i="0" u="none" strike="noStrike" kern="1200" baseline="0">
-                <a:solidFill>
-                  <a:schemeClr val="tx1">
-                    <a:lumMod val="65000"/>
-                    <a:lumOff val="35000"/>
-                  </a:schemeClr>
-                </a:solidFill>
-                <a:latin typeface="+mn-lt"/>
-                <a:ea typeface="+mn-ea"/>
-                <a:cs typeface="+mn-cs"/>
-              </a:defRPr>
-            </a:pPr>
-            <a:endParaRPr lang="nl-NL"/>
-          </a:p>
-        </c:txPr>
-        <c:crossAx val="547336896"/>
-        <c:crosses val="autoZero"/>
-        <c:crossBetween val="between"/>
-      </c:valAx>
-      <c:spPr>
-        <a:noFill/>
-        <a:ln>
-          <a:noFill/>
-        </a:ln>
-        <a:effectLst/>
-      </c:spPr>
-    </c:plotArea>
-    <c:legend>
-      <c:legendPos val="b"/>
-      <c:overlay val="0"/>
-      <c:spPr>
-        <a:noFill/>
-        <a:ln>
-          <a:noFill/>
-        </a:ln>
-        <a:effectLst/>
-      </c:spPr>
-      <c:txPr>
-        <a:bodyPr rot="0" spcFirstLastPara="1" vertOverflow="ellipsis" vert="horz" wrap="square" anchor="ctr" anchorCtr="1"/>
-        <a:lstStyle/>
-        <a:p>
-          <a:pPr>
-            <a:defRPr sz="1197" b="0" i="0" u="none" strike="noStrike" kern="1200" baseline="0">
-              <a:solidFill>
-                <a:schemeClr val="tx1">
-                  <a:lumMod val="65000"/>
-                  <a:lumOff val="35000"/>
-                </a:schemeClr>
-              </a:solidFill>
-              <a:latin typeface="+mn-lt"/>
-              <a:ea typeface="+mn-ea"/>
-              <a:cs typeface="+mn-cs"/>
-            </a:defRPr>
-          </a:pPr>
-          <a:endParaRPr lang="nl-NL"/>
-        </a:p>
-      </c:txPr>
-    </c:legend>
-    <c:plotVisOnly val="1"/>
-    <c:dispBlanksAs val="gap"/>
-    <c:extLst>
-      <c:ext xmlns:c16r3="http://schemas.microsoft.com/office/drawing/2017/03/chart" uri="{56B9EC1D-385E-4148-901F-78D8002777C0}">
-        <c16r3:dataDisplayOptions16>
-          <c16r3:dispNaAsBlank val="1"/>
-        </c16r3:dataDisplayOptions16>
-      </c:ext>
-    </c:extLst>
-    <c:showDLblsOverMax val="0"/>
-  </c:chart>
-  <c:spPr>
-    <a:noFill/>
-    <a:ln>
-      <a:noFill/>
-    </a:ln>
-    <a:effectLst/>
-  </c:spPr>
-  <c:txPr>
-    <a:bodyPr/>
-    <a:lstStyle/>
-    <a:p>
-      <a:pPr>
-        <a:defRPr/>
-      </a:pPr>
-      <a:endParaRPr lang="nl-NL"/>
-    </a:p>
-  </c:txPr>
-  <c:externalData r:id="rId3">
-    <c:autoUpdate val="0"/>
-  </c:externalData>
-</c:chartSpace>
-</file>
-
-<file path=ppt/charts/chart2.xml><?xml version="1.0" encoding="utf-8"?>
-<c:chartSpace xmlns:c="http://schemas.openxmlformats.org/drawingml/2006/chart" xmlns:a="http://schemas.openxmlformats.org/drawingml/2006/main" xmlns:r="http://schemas.openxmlformats.org/officeDocument/2006/relationships" xmlns:c16r2="http://schemas.microsoft.com/office/drawing/2015/06/chart">
-  <c:date1904 val="0"/>
-  <c:lang val="en-US"/>
-  <c:roundedCorners val="0"/>
-  <mc:AlternateContent xmlns:mc="http://schemas.openxmlformats.org/markup-compatibility/2006">
-    <mc:Choice xmlns:c14="http://schemas.microsoft.com/office/drawing/2007/8/2/chart" Requires="c14">
-      <c14:style val="102"/>
-    </mc:Choice>
-    <mc:Fallback>
-      <c:style val="2"/>
-    </mc:Fallback>
-  </mc:AlternateContent>
-  <c:chart>
-    <c:title>
-      <c:tx>
-        <c:rich>
-          <a:bodyPr rot="0" spcFirstLastPara="1" vertOverflow="ellipsis" vert="horz" wrap="square" anchor="ctr" anchorCtr="1"/>
-          <a:lstStyle/>
-          <a:p>
-            <a:pPr>
-              <a:defRPr sz="1862" b="0" i="0" u="none" strike="noStrike" kern="1200" spc="0" baseline="0">
-                <a:solidFill>
-                  <a:schemeClr val="tx1">
-                    <a:lumMod val="65000"/>
-                    <a:lumOff val="35000"/>
-                  </a:schemeClr>
-                </a:solidFill>
-                <a:latin typeface="+mn-lt"/>
-                <a:ea typeface="+mn-ea"/>
-                <a:cs typeface="+mn-cs"/>
-              </a:defRPr>
-            </a:pPr>
-            <a:r>
-              <a:rPr lang="en-US" dirty="0"/>
-              <a:t>Solver</a:t>
-            </a:r>
-            <a:r>
-              <a:rPr lang="en-US" baseline="0" dirty="0"/>
-              <a:t> speed</a:t>
-            </a:r>
-            <a:endParaRPr lang="nl-NL" dirty="0"/>
-          </a:p>
-        </c:rich>
-      </c:tx>
-      <c:overlay val="0"/>
-      <c:spPr>
-        <a:noFill/>
-        <a:ln>
-          <a:noFill/>
-        </a:ln>
-        <a:effectLst/>
-      </c:spPr>
-      <c:txPr>
-        <a:bodyPr rot="0" spcFirstLastPara="1" vertOverflow="ellipsis" vert="horz" wrap="square" anchor="ctr" anchorCtr="1"/>
-        <a:lstStyle/>
-        <a:p>
-          <a:pPr>
-            <a:defRPr sz="1862" b="0" i="0" u="none" strike="noStrike" kern="1200" spc="0" baseline="0">
-              <a:solidFill>
-                <a:schemeClr val="tx1">
-                  <a:lumMod val="65000"/>
-                  <a:lumOff val="35000"/>
-                </a:schemeClr>
-              </a:solidFill>
-              <a:latin typeface="+mn-lt"/>
-              <a:ea typeface="+mn-ea"/>
-              <a:cs typeface="+mn-cs"/>
-            </a:defRPr>
-          </a:pPr>
-          <a:endParaRPr lang="nl-NL"/>
-        </a:p>
-      </c:txPr>
-    </c:title>
-    <c:autoTitleDeleted val="0"/>
-    <c:plotArea>
-      <c:layout/>
-      <c:barChart>
-        <c:barDir val="col"/>
-        <c:grouping val="clustered"/>
-        <c:varyColors val="0"/>
-        <c:ser>
-          <c:idx val="0"/>
-          <c:order val="0"/>
-          <c:tx>
-            <c:strRef>
-              <c:f>Sheet1!$B$1</c:f>
-              <c:strCache>
-                <c:ptCount val="1"/>
-                <c:pt idx="0">
-                  <c:v>Euler</c:v>
-                </c:pt>
-              </c:strCache>
-            </c:strRef>
-          </c:tx>
-          <c:spPr>
-            <a:solidFill>
-              <a:schemeClr val="accent1"/>
-            </a:solidFill>
-            <a:ln>
-              <a:noFill/>
-            </a:ln>
-            <a:effectLst/>
-          </c:spPr>
-          <c:invertIfNegative val="0"/>
-          <c:cat>
-            <c:strRef>
-              <c:f>Sheet1!$A$2</c:f>
-              <c:strCache>
-                <c:ptCount val="1"/>
-                <c:pt idx="0">
-                  <c:v>time spent</c:v>
-                </c:pt>
-              </c:strCache>
-            </c:strRef>
-          </c:cat>
-          <c:val>
-            <c:numRef>
-              <c:f>Sheet1!$B$2</c:f>
-              <c:numCache>
-                <c:formatCode>General</c:formatCode>
-                <c:ptCount val="1"/>
-                <c:pt idx="0">
-                  <c:v>4.3</c:v>
-                </c:pt>
-              </c:numCache>
-            </c:numRef>
-          </c:val>
-          <c:extLst>
-            <c:ext xmlns:c16="http://schemas.microsoft.com/office/drawing/2014/chart" uri="{C3380CC4-5D6E-409C-BE32-E72D297353CC}">
-              <c16:uniqueId val="{00000000-7854-481C-893F-9AC8E01E0481}"/>
-            </c:ext>
-          </c:extLst>
-        </c:ser>
-        <c:ser>
-          <c:idx val="1"/>
-          <c:order val="1"/>
-          <c:tx>
-            <c:strRef>
-              <c:f>Sheet1!$C$1</c:f>
-              <c:strCache>
-                <c:ptCount val="1"/>
-                <c:pt idx="0">
-                  <c:v>Verlet</c:v>
-                </c:pt>
-              </c:strCache>
-            </c:strRef>
-          </c:tx>
-          <c:spPr>
-            <a:solidFill>
-              <a:schemeClr val="accent2"/>
-            </a:solidFill>
-            <a:ln>
-              <a:noFill/>
-            </a:ln>
-            <a:effectLst/>
-          </c:spPr>
-          <c:invertIfNegative val="0"/>
-          <c:cat>
-            <c:strRef>
-              <c:f>Sheet1!$A$2</c:f>
-              <c:strCache>
-                <c:ptCount val="1"/>
-                <c:pt idx="0">
-                  <c:v>time spent</c:v>
-                </c:pt>
-              </c:strCache>
-            </c:strRef>
-          </c:cat>
-          <c:val>
-            <c:numRef>
-              <c:f>Sheet1!$C$2</c:f>
-              <c:numCache>
-                <c:formatCode>General</c:formatCode>
-                <c:ptCount val="1"/>
-                <c:pt idx="0">
-                  <c:v>2.4</c:v>
-                </c:pt>
-              </c:numCache>
-            </c:numRef>
-          </c:val>
-          <c:extLst>
-            <c:ext xmlns:c16="http://schemas.microsoft.com/office/drawing/2014/chart" uri="{C3380CC4-5D6E-409C-BE32-E72D297353CC}">
-              <c16:uniqueId val="{00000001-7854-481C-893F-9AC8E01E0481}"/>
-            </c:ext>
-          </c:extLst>
-        </c:ser>
-        <c:ser>
-          <c:idx val="2"/>
-          <c:order val="2"/>
-          <c:tx>
-            <c:strRef>
-              <c:f>Sheet1!$D$1</c:f>
-              <c:strCache>
-                <c:ptCount val="1"/>
-                <c:pt idx="0">
-                  <c:v>Runge-Kutta</c:v>
-                </c:pt>
-              </c:strCache>
-            </c:strRef>
-          </c:tx>
-          <c:spPr>
-            <a:solidFill>
-              <a:schemeClr val="accent3"/>
-            </a:solidFill>
-            <a:ln>
-              <a:noFill/>
-            </a:ln>
-            <a:effectLst/>
-          </c:spPr>
-          <c:invertIfNegative val="0"/>
-          <c:cat>
-            <c:strRef>
-              <c:f>Sheet1!$A$2</c:f>
-              <c:strCache>
-                <c:ptCount val="1"/>
-                <c:pt idx="0">
-                  <c:v>time spent</c:v>
-                </c:pt>
-              </c:strCache>
-            </c:strRef>
-          </c:cat>
-          <c:val>
-            <c:numRef>
-              <c:f>Sheet1!$D$2</c:f>
-              <c:numCache>
-                <c:formatCode>General</c:formatCode>
-                <c:ptCount val="1"/>
-                <c:pt idx="0">
-                  <c:v>2</c:v>
-                </c:pt>
-              </c:numCache>
-            </c:numRef>
-          </c:val>
-          <c:extLst>
-            <c:ext xmlns:c16="http://schemas.microsoft.com/office/drawing/2014/chart" uri="{C3380CC4-5D6E-409C-BE32-E72D297353CC}">
-              <c16:uniqueId val="{00000002-7854-481C-893F-9AC8E01E0481}"/>
-            </c:ext>
-          </c:extLst>
-        </c:ser>
-        <c:dLbls>
-          <c:showLegendKey val="0"/>
-          <c:showVal val="0"/>
-          <c:showCatName val="0"/>
-          <c:showSerName val="0"/>
-          <c:showPercent val="0"/>
-          <c:showBubbleSize val="0"/>
-        </c:dLbls>
-        <c:gapWidth val="219"/>
-        <c:overlap val="-27"/>
-        <c:axId val="723243472"/>
-        <c:axId val="641512976"/>
-      </c:barChart>
-      <c:catAx>
-        <c:axId val="723243472"/>
-        <c:scaling>
-          <c:orientation val="minMax"/>
-        </c:scaling>
-        <c:delete val="0"/>
-        <c:axPos val="b"/>
-        <c:numFmt formatCode="General" sourceLinked="1"/>
-        <c:majorTickMark val="none"/>
-        <c:minorTickMark val="none"/>
-        <c:tickLblPos val="nextTo"/>
-        <c:spPr>
-          <a:noFill/>
-          <a:ln w="9525" cap="flat" cmpd="sng" algn="ctr">
-            <a:solidFill>
-              <a:schemeClr val="tx1">
-                <a:lumMod val="15000"/>
-                <a:lumOff val="85000"/>
-              </a:schemeClr>
-            </a:solidFill>
-            <a:round/>
-          </a:ln>
-          <a:effectLst/>
-        </c:spPr>
-        <c:txPr>
-          <a:bodyPr rot="-60000000" spcFirstLastPara="1" vertOverflow="ellipsis" vert="horz" wrap="square" anchor="ctr" anchorCtr="1"/>
-          <a:lstStyle/>
-          <a:p>
-            <a:pPr>
-              <a:defRPr sz="1197" b="0" i="0" u="none" strike="noStrike" kern="1200" baseline="0">
-                <a:solidFill>
-                  <a:schemeClr val="tx1">
-                    <a:lumMod val="65000"/>
-                    <a:lumOff val="35000"/>
-                  </a:schemeClr>
-                </a:solidFill>
-                <a:latin typeface="+mn-lt"/>
-                <a:ea typeface="+mn-ea"/>
-                <a:cs typeface="+mn-cs"/>
-              </a:defRPr>
-            </a:pPr>
-            <a:endParaRPr lang="nl-NL"/>
-          </a:p>
-        </c:txPr>
-        <c:crossAx val="641512976"/>
-        <c:crosses val="autoZero"/>
-        <c:auto val="1"/>
-        <c:lblAlgn val="ctr"/>
-        <c:lblOffset val="100"/>
-        <c:noMultiLvlLbl val="0"/>
-      </c:catAx>
-      <c:valAx>
-        <c:axId val="641512976"/>
-        <c:scaling>
-          <c:orientation val="minMax"/>
-        </c:scaling>
-        <c:delete val="0"/>
-        <c:axPos val="l"/>
-        <c:majorGridlines>
-          <c:spPr>
-            <a:ln w="9525" cap="flat" cmpd="sng" algn="ctr">
-              <a:solidFill>
-                <a:schemeClr val="tx1">
-                  <a:lumMod val="15000"/>
-                  <a:lumOff val="85000"/>
-                </a:schemeClr>
-              </a:solidFill>
-              <a:round/>
-            </a:ln>
-            <a:effectLst/>
-          </c:spPr>
-        </c:majorGridlines>
-        <c:numFmt formatCode="General" sourceLinked="1"/>
-        <c:majorTickMark val="none"/>
-        <c:minorTickMark val="none"/>
-        <c:tickLblPos val="nextTo"/>
-        <c:spPr>
-          <a:noFill/>
-          <a:ln>
-            <a:noFill/>
-          </a:ln>
-          <a:effectLst/>
-        </c:spPr>
-        <c:txPr>
-          <a:bodyPr rot="-60000000" spcFirstLastPara="1" vertOverflow="ellipsis" vert="horz" wrap="square" anchor="ctr" anchorCtr="1"/>
-          <a:lstStyle/>
-          <a:p>
-            <a:pPr>
-              <a:defRPr sz="1197" b="0" i="0" u="none" strike="noStrike" kern="1200" baseline="0">
-                <a:solidFill>
-                  <a:schemeClr val="tx1">
-                    <a:lumMod val="65000"/>
-                    <a:lumOff val="35000"/>
-                  </a:schemeClr>
-                </a:solidFill>
-                <a:latin typeface="+mn-lt"/>
-                <a:ea typeface="+mn-ea"/>
-                <a:cs typeface="+mn-cs"/>
-              </a:defRPr>
-            </a:pPr>
-            <a:endParaRPr lang="nl-NL"/>
-          </a:p>
-        </c:txPr>
-        <c:crossAx val="723243472"/>
-        <c:crosses val="autoZero"/>
-        <c:crossBetween val="between"/>
-      </c:valAx>
-      <c:spPr>
-        <a:noFill/>
-        <a:ln>
-          <a:noFill/>
-        </a:ln>
-        <a:effectLst/>
-      </c:spPr>
-    </c:plotArea>
-    <c:legend>
-      <c:legendPos val="b"/>
-      <c:overlay val="0"/>
-      <c:spPr>
-        <a:noFill/>
-        <a:ln>
-          <a:noFill/>
-        </a:ln>
-        <a:effectLst/>
-      </c:spPr>
-      <c:txPr>
-        <a:bodyPr rot="0" spcFirstLastPara="1" vertOverflow="ellipsis" vert="horz" wrap="square" anchor="ctr" anchorCtr="1"/>
-        <a:lstStyle/>
-        <a:p>
-          <a:pPr>
-            <a:defRPr sz="1197" b="0" i="0" u="none" strike="noStrike" kern="1200" baseline="0">
-              <a:solidFill>
-                <a:schemeClr val="tx1">
-                  <a:lumMod val="65000"/>
-                  <a:lumOff val="35000"/>
-                </a:schemeClr>
-              </a:solidFill>
-              <a:latin typeface="+mn-lt"/>
-              <a:ea typeface="+mn-ea"/>
-              <a:cs typeface="+mn-cs"/>
-            </a:defRPr>
-          </a:pPr>
-          <a:endParaRPr lang="nl-NL"/>
-        </a:p>
-      </c:txPr>
-    </c:legend>
-    <c:plotVisOnly val="1"/>
-    <c:dispBlanksAs val="gap"/>
-    <c:extLst>
-      <c:ext xmlns:c16r3="http://schemas.microsoft.com/office/drawing/2017/03/chart" uri="{56B9EC1D-385E-4148-901F-78D8002777C0}">
-        <c16r3:dataDisplayOptions16>
-          <c16r3:dispNaAsBlank val="1"/>
-        </c16r3:dataDisplayOptions16>
-      </c:ext>
-    </c:extLst>
-    <c:showDLblsOverMax val="0"/>
-  </c:chart>
-  <c:spPr>
-    <a:noFill/>
-    <a:ln>
-      <a:noFill/>
-    </a:ln>
-    <a:effectLst/>
-  </c:spPr>
-  <c:txPr>
-    <a:bodyPr/>
-    <a:lstStyle/>
-    <a:p>
-      <a:pPr>
-        <a:defRPr/>
-      </a:pPr>
-      <a:endParaRPr lang="nl-NL"/>
-    </a:p>
-  </c:txPr>
-  <c:externalData r:id="rId3">
-    <c:autoUpdate val="0"/>
-  </c:externalData>
-</c:chartSpace>
-</file>
-
-<file path=ppt/charts/colors1.xml><?xml version="1.0" encoding="utf-8"?>
-<cs:colorStyle xmlns:cs="http://schemas.microsoft.com/office/drawing/2012/chartStyle" xmlns:a="http://schemas.openxmlformats.org/drawingml/2006/main" meth="cycle" id="10">
-  <a:schemeClr val="accent1"/>
-  <a:schemeClr val="accent2"/>
-  <a:schemeClr val="accent3"/>
-  <a:schemeClr val="accent4"/>
-  <a:schemeClr val="accent5"/>
-  <a:schemeClr val="accent6"/>
-  <cs:variation/>
-  <cs:variation>
-    <a:lumMod val="60000"/>
-  </cs:variation>
-  <cs:variation>
-    <a:lumMod val="80000"/>
-    <a:lumOff val="20000"/>
-  </cs:variation>
-  <cs:variation>
-    <a:lumMod val="80000"/>
-  </cs:variation>
-  <cs:variation>
-    <a:lumMod val="60000"/>
-    <a:lumOff val="40000"/>
-  </cs:variation>
-  <cs:variation>
-    <a:lumMod val="50000"/>
-  </cs:variation>
-  <cs:variation>
-    <a:lumMod val="70000"/>
-    <a:lumOff val="30000"/>
-  </cs:variation>
-  <cs:variation>
-    <a:lumMod val="70000"/>
-  </cs:variation>
-  <cs:variation>
-    <a:lumMod val="50000"/>
-    <a:lumOff val="50000"/>
-  </cs:variation>
-</cs:colorStyle>
-</file>
-
-<file path=ppt/charts/colors2.xml><?xml version="1.0" encoding="utf-8"?>
-<cs:colorStyle xmlns:cs="http://schemas.microsoft.com/office/drawing/2012/chartStyle" xmlns:a="http://schemas.openxmlformats.org/drawingml/2006/main" meth="cycle" id="10">
-  <a:schemeClr val="accent1"/>
-  <a:schemeClr val="accent2"/>
-  <a:schemeClr val="accent3"/>
-  <a:schemeClr val="accent4"/>
-  <a:schemeClr val="accent5"/>
-  <a:schemeClr val="accent6"/>
-  <cs:variation/>
-  <cs:variation>
-    <a:lumMod val="60000"/>
-  </cs:variation>
-  <cs:variation>
-    <a:lumMod val="80000"/>
-    <a:lumOff val="20000"/>
-  </cs:variation>
-  <cs:variation>
-    <a:lumMod val="80000"/>
-  </cs:variation>
-  <cs:variation>
-    <a:lumMod val="60000"/>
-    <a:lumOff val="40000"/>
-  </cs:variation>
-  <cs:variation>
-    <a:lumMod val="50000"/>
-  </cs:variation>
-  <cs:variation>
-    <a:lumMod val="70000"/>
-    <a:lumOff val="30000"/>
-  </cs:variation>
-  <cs:variation>
-    <a:lumMod val="70000"/>
-  </cs:variation>
-  <cs:variation>
-    <a:lumMod val="50000"/>
-    <a:lumOff val="50000"/>
-  </cs:variation>
-</cs:colorStyle>
-</file>
-
-<file path=ppt/charts/style1.xml><?xml version="1.0" encoding="utf-8"?>
-<cs:chartStyle xmlns:cs="http://schemas.microsoft.com/office/drawing/2012/chartStyle" xmlns:a="http://schemas.openxmlformats.org/drawingml/2006/main" id="201">
-  <cs:axisTitle>
-    <cs:lnRef idx="0"/>
-    <cs:fillRef idx="0"/>
-    <cs:effectRef idx="0"/>
-    <cs:fontRef idx="minor">
-      <a:schemeClr val="tx1">
-        <a:lumMod val="65000"/>
-        <a:lumOff val="35000"/>
-      </a:schemeClr>
-    </cs:fontRef>
-    <cs:defRPr sz="1330" kern="1200"/>
-  </cs:axisTitle>
-  <cs:categoryAxis>
-    <cs:lnRef idx="0"/>
-    <cs:fillRef idx="0"/>
-    <cs:effectRef idx="0"/>
-    <cs:fontRef idx="minor">
-      <a:schemeClr val="tx1">
-        <a:lumMod val="65000"/>
-        <a:lumOff val="35000"/>
-      </a:schemeClr>
-    </cs:fontRef>
-    <cs:spPr>
-      <a:ln w="9525" cap="flat" cmpd="sng" algn="ctr">
-        <a:solidFill>
-          <a:schemeClr val="tx1">
-            <a:lumMod val="15000"/>
-            <a:lumOff val="85000"/>
-          </a:schemeClr>
-        </a:solidFill>
-        <a:round/>
-      </a:ln>
-    </cs:spPr>
-    <cs:defRPr sz="1197" kern="1200"/>
-  </cs:categoryAxis>
-  <cs:chartArea mods="allowNoFillOverride allowNoLineOverride">
-    <cs:lnRef idx="0"/>
-    <cs:fillRef idx="0"/>
-    <cs:effectRef idx="0"/>
-    <cs:fontRef idx="minor">
-      <a:schemeClr val="tx1"/>
-    </cs:fontRef>
-    <cs:spPr>
-      <a:solidFill>
-        <a:schemeClr val="bg1"/>
-      </a:solidFill>
-      <a:ln w="9525" cap="flat" cmpd="sng" algn="ctr">
-        <a:solidFill>
-          <a:schemeClr val="tx1">
-            <a:lumMod val="15000"/>
-            <a:lumOff val="85000"/>
-          </a:schemeClr>
-        </a:solidFill>
-        <a:round/>
-      </a:ln>
-    </cs:spPr>
-    <cs:defRPr sz="1330" kern="1200"/>
-  </cs:chartArea>
-  <cs:dataLabel>
-    <cs:lnRef idx="0"/>
-    <cs:fillRef idx="0"/>
-    <cs:effectRef idx="0"/>
-    <cs:fontRef idx="minor">
-      <a:schemeClr val="tx1">
-        <a:lumMod val="75000"/>
-        <a:lumOff val="25000"/>
-      </a:schemeClr>
-    </cs:fontRef>
-    <cs:defRPr sz="1197" kern="1200"/>
-  </cs:dataLabel>
-  <cs:dataLabelCallout>
-    <cs:lnRef idx="0"/>
-    <cs:fillRef idx="0"/>
-    <cs:effectRef idx="0"/>
-    <cs:fontRef idx="minor">
-      <a:schemeClr val="dk1">
-        <a:lumMod val="65000"/>
-        <a:lumOff val="35000"/>
-      </a:schemeClr>
-    </cs:fontRef>
-    <cs:spPr>
-      <a:solidFill>
-        <a:schemeClr val="lt1"/>
-      </a:solidFill>
-      <a:ln>
-        <a:solidFill>
-          <a:schemeClr val="dk1">
-            <a:lumMod val="25000"/>
-            <a:lumOff val="75000"/>
-          </a:schemeClr>
-        </a:solidFill>
-      </a:ln>
-    </cs:spPr>
-    <cs:defRPr sz="1197" kern="1200"/>
-    <cs:bodyPr rot="0" spcFirstLastPara="1" vertOverflow="clip" horzOverflow="clip" vert="horz" wrap="square" lIns="36576" tIns="18288" rIns="36576" bIns="18288" anchor="ctr" anchorCtr="1">
-      <a:spAutoFit/>
-    </cs:bodyPr>
-  </cs:dataLabelCallout>
-  <cs:dataPoint>
-    <cs:lnRef idx="0"/>
-    <cs:fillRef idx="1">
-      <cs:styleClr val="auto"/>
-    </cs:fillRef>
-    <cs:effectRef idx="0"/>
-    <cs:fontRef idx="minor">
-      <a:schemeClr val="tx1"/>
-    </cs:fontRef>
-  </cs:dataPoint>
-  <cs:dataPoint3D>
-    <cs:lnRef idx="0"/>
-    <cs:fillRef idx="1">
-      <cs:styleClr val="auto"/>
-    </cs:fillRef>
-    <cs:effectRef idx="0"/>
-    <cs:fontRef idx="minor">
-      <a:schemeClr val="tx1"/>
-    </cs:fontRef>
-  </cs:dataPoint3D>
-  <cs:dataPointLine>
-    <cs:lnRef idx="0">
-      <cs:styleClr val="auto"/>
-    </cs:lnRef>
-    <cs:fillRef idx="1"/>
-    <cs:effectRef idx="0"/>
-    <cs:fontRef idx="minor">
-      <a:schemeClr val="tx1"/>
-    </cs:fontRef>
-    <cs:spPr>
-      <a:ln w="28575" cap="rnd">
-        <a:solidFill>
-          <a:schemeClr val="phClr"/>
-        </a:solidFill>
-        <a:round/>
-      </a:ln>
-    </cs:spPr>
-  </cs:dataPointLine>
-  <cs:dataPointMarker>
-    <cs:lnRef idx="0">
-      <cs:styleClr val="auto"/>
-    </cs:lnRef>
-    <cs:fillRef idx="1">
-      <cs:styleClr val="auto"/>
-    </cs:fillRef>
-    <cs:effectRef idx="0"/>
-    <cs:fontRef idx="minor">
-      <a:schemeClr val="tx1"/>
-    </cs:fontRef>
-    <cs:spPr>
-      <a:ln w="9525">
-        <a:solidFill>
-          <a:schemeClr val="phClr"/>
-        </a:solidFill>
-      </a:ln>
-    </cs:spPr>
-  </cs:dataPointMarker>
-  <cs:dataPointMarkerLayout symbol="circle" size="5"/>
-  <cs:dataPointWireframe>
-    <cs:lnRef idx="0">
-      <cs:styleClr val="auto"/>
-    </cs:lnRef>
-    <cs:fillRef idx="1"/>
-    <cs:effectRef idx="0"/>
-    <cs:fontRef idx="minor">
-      <a:schemeClr val="tx1"/>
-    </cs:fontRef>
-    <cs:spPr>
-      <a:ln w="9525" cap="rnd">
-        <a:solidFill>
-          <a:schemeClr val="phClr"/>
-        </a:solidFill>
-        <a:round/>
-      </a:ln>
-    </cs:spPr>
-  </cs:dataPointWireframe>
-  <cs:dataTable>
-    <cs:lnRef idx="0"/>
-    <cs:fillRef idx="0"/>
-    <cs:effectRef idx="0"/>
-    <cs:fontRef idx="minor">
-      <a:schemeClr val="tx1">
-        <a:lumMod val="65000"/>
-        <a:lumOff val="35000"/>
-      </a:schemeClr>
-    </cs:fontRef>
-    <cs:spPr>
-      <a:noFill/>
-      <a:ln w="9525" cap="flat" cmpd="sng" algn="ctr">
-        <a:solidFill>
-          <a:schemeClr val="tx1">
-            <a:lumMod val="15000"/>
-            <a:lumOff val="85000"/>
-          </a:schemeClr>
-        </a:solidFill>
-        <a:round/>
-      </a:ln>
-    </cs:spPr>
-    <cs:defRPr sz="1197" kern="1200"/>
-  </cs:dataTable>
-  <cs:downBar>
-    <cs:lnRef idx="0"/>
-    <cs:fillRef idx="0"/>
-    <cs:effectRef idx="0"/>
-    <cs:fontRef idx="minor">
-      <a:schemeClr val="dk1"/>
-    </cs:fontRef>
-    <cs:spPr>
-      <a:solidFill>
-        <a:schemeClr val="dk1">
-          <a:lumMod val="65000"/>
-          <a:lumOff val="35000"/>
-        </a:schemeClr>
-      </a:solidFill>
-      <a:ln w="9525">
-        <a:solidFill>
-          <a:schemeClr val="tx1">
-            <a:lumMod val="65000"/>
-            <a:lumOff val="35000"/>
-          </a:schemeClr>
-        </a:solidFill>
-      </a:ln>
-    </cs:spPr>
-  </cs:downBar>
-  <cs:dropLine>
-    <cs:lnRef idx="0"/>
-    <cs:fillRef idx="0"/>
-    <cs:effectRef idx="0"/>
-    <cs:fontRef idx="minor">
-      <a:schemeClr val="tx1"/>
-    </cs:fontRef>
-    <cs:spPr>
-      <a:ln w="9525" cap="flat" cmpd="sng" algn="ctr">
-        <a:solidFill>
-          <a:schemeClr val="tx1">
-            <a:lumMod val="35000"/>
-            <a:lumOff val="65000"/>
-          </a:schemeClr>
-        </a:solidFill>
-        <a:round/>
-      </a:ln>
-    </cs:spPr>
-  </cs:dropLine>
-  <cs:errorBar>
-    <cs:lnRef idx="0"/>
-    <cs:fillRef idx="0"/>
-    <cs:effectRef idx="0"/>
-    <cs:fontRef idx="minor">
-      <a:schemeClr val="tx1"/>
-    </cs:fontRef>
-    <cs:spPr>
-      <a:ln w="9525" cap="flat" cmpd="sng" algn="ctr">
-        <a:solidFill>
-          <a:schemeClr val="tx1">
-            <a:lumMod val="65000"/>
-            <a:lumOff val="35000"/>
-          </a:schemeClr>
-        </a:solidFill>
-        <a:round/>
-      </a:ln>
-    </cs:spPr>
-  </cs:errorBar>
-  <cs:floor>
-    <cs:lnRef idx="0"/>
-    <cs:fillRef idx="0"/>
-    <cs:effectRef idx="0"/>
-    <cs:fontRef idx="minor">
-      <a:schemeClr val="tx1"/>
-    </cs:fontRef>
-    <cs:spPr>
-      <a:noFill/>
-      <a:ln>
-        <a:noFill/>
-      </a:ln>
-    </cs:spPr>
-  </cs:floor>
-  <cs:gridlineMajor>
-    <cs:lnRef idx="0"/>
-    <cs:fillRef idx="0"/>
-    <cs:effectRef idx="0"/>
-    <cs:fontRef idx="minor">
-      <a:schemeClr val="tx1"/>
-    </cs:fontRef>
-    <cs:spPr>
-      <a:ln w="9525" cap="flat" cmpd="sng" algn="ctr">
-        <a:solidFill>
-          <a:schemeClr val="tx1">
-            <a:lumMod val="15000"/>
-            <a:lumOff val="85000"/>
-          </a:schemeClr>
-        </a:solidFill>
-        <a:round/>
-      </a:ln>
-    </cs:spPr>
-  </cs:gridlineMajor>
-  <cs:gridlineMinor>
-    <cs:lnRef idx="0"/>
-    <cs:fillRef idx="0"/>
-    <cs:effectRef idx="0"/>
-    <cs:fontRef idx="minor">
-      <a:schemeClr val="tx1"/>
-    </cs:fontRef>
-    <cs:spPr>
-      <a:ln w="9525" cap="flat" cmpd="sng" algn="ctr">
-        <a:solidFill>
-          <a:schemeClr val="tx1">
-            <a:lumMod val="5000"/>
-            <a:lumOff val="95000"/>
-          </a:schemeClr>
-        </a:solidFill>
-        <a:round/>
-      </a:ln>
-    </cs:spPr>
-  </cs:gridlineMinor>
-  <cs:hiLoLine>
-    <cs:lnRef idx="0"/>
-    <cs:fillRef idx="0"/>
-    <cs:effectRef idx="0"/>
-    <cs:fontRef idx="minor">
-      <a:schemeClr val="tx1"/>
-    </cs:fontRef>
-    <cs:spPr>
-      <a:ln w="9525" cap="flat" cmpd="sng" algn="ctr">
-        <a:solidFill>
-          <a:schemeClr val="tx1">
-            <a:lumMod val="75000"/>
-            <a:lumOff val="25000"/>
-          </a:schemeClr>
-        </a:solidFill>
-        <a:round/>
-      </a:ln>
-    </cs:spPr>
-  </cs:hiLoLine>
-  <cs:leaderLine>
-    <cs:lnRef idx="0"/>
-    <cs:fillRef idx="0"/>
-    <cs:effectRef idx="0"/>
-    <cs:fontRef idx="minor">
-      <a:schemeClr val="tx1"/>
-    </cs:fontRef>
-    <cs:spPr>
-      <a:ln w="9525" cap="flat" cmpd="sng" algn="ctr">
-        <a:solidFill>
-          <a:schemeClr val="tx1">
-            <a:lumMod val="35000"/>
-            <a:lumOff val="65000"/>
-          </a:schemeClr>
-        </a:solidFill>
-        <a:round/>
-      </a:ln>
-    </cs:spPr>
-  </cs:leaderLine>
-  <cs:legend>
-    <cs:lnRef idx="0"/>
-    <cs:fillRef idx="0"/>
-    <cs:effectRef idx="0"/>
-    <cs:fontRef idx="minor">
-      <a:schemeClr val="tx1">
-        <a:lumMod val="65000"/>
-        <a:lumOff val="35000"/>
-      </a:schemeClr>
-    </cs:fontRef>
-    <cs:defRPr sz="1197" kern="1200"/>
-  </cs:legend>
-  <cs:plotArea mods="allowNoFillOverride allowNoLineOverride">
-    <cs:lnRef idx="0"/>
-    <cs:fillRef idx="0"/>
-    <cs:effectRef idx="0"/>
-    <cs:fontRef idx="minor">
-      <a:schemeClr val="tx1"/>
-    </cs:fontRef>
-  </cs:plotArea>
-  <cs:plotArea3D mods="allowNoFillOverride allowNoLineOverride">
-    <cs:lnRef idx="0"/>
-    <cs:fillRef idx="0"/>
-    <cs:effectRef idx="0"/>
-    <cs:fontRef idx="minor">
-      <a:schemeClr val="tx1"/>
-    </cs:fontRef>
-  </cs:plotArea3D>
-  <cs:seriesAxis>
-    <cs:lnRef idx="0"/>
-    <cs:fillRef idx="0"/>
-    <cs:effectRef idx="0"/>
-    <cs:fontRef idx="minor">
-      <a:schemeClr val="tx1">
-        <a:lumMod val="65000"/>
-        <a:lumOff val="35000"/>
-      </a:schemeClr>
-    </cs:fontRef>
-    <cs:defRPr sz="1197" kern="1200"/>
-  </cs:seriesAxis>
-  <cs:seriesLine>
-    <cs:lnRef idx="0"/>
-    <cs:fillRef idx="0"/>
-    <cs:effectRef idx="0"/>
-    <cs:fontRef idx="minor">
-      <a:schemeClr val="tx1"/>
-    </cs:fontRef>
-    <cs:spPr>
-      <a:ln w="9525" cap="flat" cmpd="sng" algn="ctr">
-        <a:solidFill>
-          <a:schemeClr val="tx1">
-            <a:lumMod val="35000"/>
-            <a:lumOff val="65000"/>
-          </a:schemeClr>
-        </a:solidFill>
-        <a:round/>
-      </a:ln>
-    </cs:spPr>
-  </cs:seriesLine>
-  <cs:title>
-    <cs:lnRef idx="0"/>
-    <cs:fillRef idx="0"/>
-    <cs:effectRef idx="0"/>
-    <cs:fontRef idx="minor">
-      <a:schemeClr val="tx1">
-        <a:lumMod val="65000"/>
-        <a:lumOff val="35000"/>
-      </a:schemeClr>
-    </cs:fontRef>
-    <cs:defRPr sz="1862" b="0" kern="1200" spc="0" baseline="0"/>
-  </cs:title>
-  <cs:trendline>
-    <cs:lnRef idx="0">
-      <cs:styleClr val="auto"/>
-    </cs:lnRef>
-    <cs:fillRef idx="0"/>
-    <cs:effectRef idx="0"/>
-    <cs:fontRef idx="minor">
-      <a:schemeClr val="tx1"/>
-    </cs:fontRef>
-    <cs:spPr>
-      <a:ln w="19050" cap="rnd">
-        <a:solidFill>
-          <a:schemeClr val="phClr"/>
-        </a:solidFill>
-        <a:prstDash val="sysDot"/>
-      </a:ln>
-    </cs:spPr>
-  </cs:trendline>
-  <cs:trendlineLabel>
-    <cs:lnRef idx="0"/>
-    <cs:fillRef idx="0"/>
-    <cs:effectRef idx="0"/>
-    <cs:fontRef idx="minor">
-      <a:schemeClr val="tx1">
-        <a:lumMod val="65000"/>
-        <a:lumOff val="35000"/>
-      </a:schemeClr>
-    </cs:fontRef>
-    <cs:defRPr sz="1197" kern="1200"/>
-  </cs:trendlineLabel>
-  <cs:upBar>
-    <cs:lnRef idx="0"/>
-    <cs:fillRef idx="0"/>
-    <cs:effectRef idx="0"/>
-    <cs:fontRef idx="minor">
-      <a:schemeClr val="dk1"/>
-    </cs:fontRef>
-    <cs:spPr>
-      <a:solidFill>
-        <a:schemeClr val="lt1"/>
-      </a:solidFill>
-      <a:ln w="9525">
-        <a:solidFill>
-          <a:schemeClr val="tx1">
-            <a:lumMod val="15000"/>
-            <a:lumOff val="85000"/>
-          </a:schemeClr>
-        </a:solidFill>
-      </a:ln>
-    </cs:spPr>
-  </cs:upBar>
-  <cs:valueAxis>
-    <cs:lnRef idx="0"/>
-    <cs:fillRef idx="0"/>
-    <cs:effectRef idx="0"/>
-    <cs:fontRef idx="minor">
-      <a:schemeClr val="tx1">
-        <a:lumMod val="65000"/>
-        <a:lumOff val="35000"/>
-      </a:schemeClr>
-    </cs:fontRef>
-    <cs:defRPr sz="1197" kern="1200"/>
-  </cs:valueAxis>
-  <cs:wall>
-    <cs:lnRef idx="0"/>
-    <cs:fillRef idx="0"/>
-    <cs:effectRef idx="0"/>
-    <cs:fontRef idx="minor">
-      <a:schemeClr val="tx1"/>
-    </cs:fontRef>
-    <cs:spPr>
-      <a:noFill/>
-      <a:ln>
-        <a:noFill/>
-      </a:ln>
-    </cs:spPr>
-  </cs:wall>
-</cs:chartStyle>
-</file>
-
-<file path=ppt/charts/style2.xml><?xml version="1.0" encoding="utf-8"?>
-<cs:chartStyle xmlns:cs="http://schemas.microsoft.com/office/drawing/2012/chartStyle" xmlns:a="http://schemas.openxmlformats.org/drawingml/2006/main" id="201">
-  <cs:axisTitle>
-    <cs:lnRef idx="0"/>
-    <cs:fillRef idx="0"/>
-    <cs:effectRef idx="0"/>
-    <cs:fontRef idx="minor">
-      <a:schemeClr val="tx1">
-        <a:lumMod val="65000"/>
-        <a:lumOff val="35000"/>
-      </a:schemeClr>
-    </cs:fontRef>
-    <cs:defRPr sz="1330" kern="1200"/>
-  </cs:axisTitle>
-  <cs:categoryAxis>
-    <cs:lnRef idx="0"/>
-    <cs:fillRef idx="0"/>
-    <cs:effectRef idx="0"/>
-    <cs:fontRef idx="minor">
-      <a:schemeClr val="tx1">
-        <a:lumMod val="65000"/>
-        <a:lumOff val="35000"/>
-      </a:schemeClr>
-    </cs:fontRef>
-    <cs:spPr>
-      <a:ln w="9525" cap="flat" cmpd="sng" algn="ctr">
-        <a:solidFill>
-          <a:schemeClr val="tx1">
-            <a:lumMod val="15000"/>
-            <a:lumOff val="85000"/>
-          </a:schemeClr>
-        </a:solidFill>
-        <a:round/>
-      </a:ln>
-    </cs:spPr>
-    <cs:defRPr sz="1197" kern="1200"/>
-  </cs:categoryAxis>
-  <cs:chartArea mods="allowNoFillOverride allowNoLineOverride">
-    <cs:lnRef idx="0"/>
-    <cs:fillRef idx="0"/>
-    <cs:effectRef idx="0"/>
-    <cs:fontRef idx="minor">
-      <a:schemeClr val="tx1"/>
-    </cs:fontRef>
-    <cs:spPr>
-      <a:solidFill>
-        <a:schemeClr val="bg1"/>
-      </a:solidFill>
-      <a:ln w="9525" cap="flat" cmpd="sng" algn="ctr">
-        <a:solidFill>
-          <a:schemeClr val="tx1">
-            <a:lumMod val="15000"/>
-            <a:lumOff val="85000"/>
-          </a:schemeClr>
-        </a:solidFill>
-        <a:round/>
-      </a:ln>
-    </cs:spPr>
-    <cs:defRPr sz="1330" kern="1200"/>
-  </cs:chartArea>
-  <cs:dataLabel>
-    <cs:lnRef idx="0"/>
-    <cs:fillRef idx="0"/>
-    <cs:effectRef idx="0"/>
-    <cs:fontRef idx="minor">
-      <a:schemeClr val="tx1">
-        <a:lumMod val="75000"/>
-        <a:lumOff val="25000"/>
-      </a:schemeClr>
-    </cs:fontRef>
-    <cs:defRPr sz="1197" kern="1200"/>
-  </cs:dataLabel>
-  <cs:dataLabelCallout>
-    <cs:lnRef idx="0"/>
-    <cs:fillRef idx="0"/>
-    <cs:effectRef idx="0"/>
-    <cs:fontRef idx="minor">
-      <a:schemeClr val="dk1">
-        <a:lumMod val="65000"/>
-        <a:lumOff val="35000"/>
-      </a:schemeClr>
-    </cs:fontRef>
-    <cs:spPr>
-      <a:solidFill>
-        <a:schemeClr val="lt1"/>
-      </a:solidFill>
-      <a:ln>
-        <a:solidFill>
-          <a:schemeClr val="dk1">
-            <a:lumMod val="25000"/>
-            <a:lumOff val="75000"/>
-          </a:schemeClr>
-        </a:solidFill>
-      </a:ln>
-    </cs:spPr>
-    <cs:defRPr sz="1197" kern="1200"/>
-    <cs:bodyPr rot="0" spcFirstLastPara="1" vertOverflow="clip" horzOverflow="clip" vert="horz" wrap="square" lIns="36576" tIns="18288" rIns="36576" bIns="18288" anchor="ctr" anchorCtr="1">
-      <a:spAutoFit/>
-    </cs:bodyPr>
-  </cs:dataLabelCallout>
-  <cs:dataPoint>
-    <cs:lnRef idx="0"/>
-    <cs:fillRef idx="1">
-      <cs:styleClr val="auto"/>
-    </cs:fillRef>
-    <cs:effectRef idx="0"/>
-    <cs:fontRef idx="minor">
-      <a:schemeClr val="tx1"/>
-    </cs:fontRef>
-  </cs:dataPoint>
-  <cs:dataPoint3D>
-    <cs:lnRef idx="0"/>
-    <cs:fillRef idx="1">
-      <cs:styleClr val="auto"/>
-    </cs:fillRef>
-    <cs:effectRef idx="0"/>
-    <cs:fontRef idx="minor">
-      <a:schemeClr val="tx1"/>
-    </cs:fontRef>
-  </cs:dataPoint3D>
-  <cs:dataPointLine>
-    <cs:lnRef idx="0">
-      <cs:styleClr val="auto"/>
-    </cs:lnRef>
-    <cs:fillRef idx="1"/>
-    <cs:effectRef idx="0"/>
-    <cs:fontRef idx="minor">
-      <a:schemeClr val="tx1"/>
-    </cs:fontRef>
-    <cs:spPr>
-      <a:ln w="28575" cap="rnd">
-        <a:solidFill>
-          <a:schemeClr val="phClr"/>
-        </a:solidFill>
-        <a:round/>
-      </a:ln>
-    </cs:spPr>
-  </cs:dataPointLine>
-  <cs:dataPointMarker>
-    <cs:lnRef idx="0">
-      <cs:styleClr val="auto"/>
-    </cs:lnRef>
-    <cs:fillRef idx="1">
-      <cs:styleClr val="auto"/>
-    </cs:fillRef>
-    <cs:effectRef idx="0"/>
-    <cs:fontRef idx="minor">
-      <a:schemeClr val="tx1"/>
-    </cs:fontRef>
-    <cs:spPr>
-      <a:ln w="9525">
-        <a:solidFill>
-          <a:schemeClr val="phClr"/>
-        </a:solidFill>
-      </a:ln>
-    </cs:spPr>
-  </cs:dataPointMarker>
-  <cs:dataPointMarkerLayout symbol="circle" size="5"/>
-  <cs:dataPointWireframe>
-    <cs:lnRef idx="0">
-      <cs:styleClr val="auto"/>
-    </cs:lnRef>
-    <cs:fillRef idx="1"/>
-    <cs:effectRef idx="0"/>
-    <cs:fontRef idx="minor">
-      <a:schemeClr val="tx1"/>
-    </cs:fontRef>
-    <cs:spPr>
-      <a:ln w="9525" cap="rnd">
-        <a:solidFill>
-          <a:schemeClr val="phClr"/>
-        </a:solidFill>
-        <a:round/>
-      </a:ln>
-    </cs:spPr>
-  </cs:dataPointWireframe>
-  <cs:dataTable>
-    <cs:lnRef idx="0"/>
-    <cs:fillRef idx="0"/>
-    <cs:effectRef idx="0"/>
-    <cs:fontRef idx="minor">
-      <a:schemeClr val="tx1">
-        <a:lumMod val="65000"/>
-        <a:lumOff val="35000"/>
-      </a:schemeClr>
-    </cs:fontRef>
-    <cs:spPr>
-      <a:noFill/>
-      <a:ln w="9525" cap="flat" cmpd="sng" algn="ctr">
-        <a:solidFill>
-          <a:schemeClr val="tx1">
-            <a:lumMod val="15000"/>
-            <a:lumOff val="85000"/>
-          </a:schemeClr>
-        </a:solidFill>
-        <a:round/>
-      </a:ln>
-    </cs:spPr>
-    <cs:defRPr sz="1197" kern="1200"/>
-  </cs:dataTable>
-  <cs:downBar>
-    <cs:lnRef idx="0"/>
-    <cs:fillRef idx="0"/>
-    <cs:effectRef idx="0"/>
-    <cs:fontRef idx="minor">
-      <a:schemeClr val="dk1"/>
-    </cs:fontRef>
-    <cs:spPr>
-      <a:solidFill>
-        <a:schemeClr val="dk1">
-          <a:lumMod val="65000"/>
-          <a:lumOff val="35000"/>
-        </a:schemeClr>
-      </a:solidFill>
-      <a:ln w="9525">
-        <a:solidFill>
-          <a:schemeClr val="tx1">
-            <a:lumMod val="65000"/>
-            <a:lumOff val="35000"/>
-          </a:schemeClr>
-        </a:solidFill>
-      </a:ln>
-    </cs:spPr>
-  </cs:downBar>
-  <cs:dropLine>
-    <cs:lnRef idx="0"/>
-    <cs:fillRef idx="0"/>
-    <cs:effectRef idx="0"/>
-    <cs:fontRef idx="minor">
-      <a:schemeClr val="tx1"/>
-    </cs:fontRef>
-    <cs:spPr>
-      <a:ln w="9525" cap="flat" cmpd="sng" algn="ctr">
-        <a:solidFill>
-          <a:schemeClr val="tx1">
-            <a:lumMod val="35000"/>
-            <a:lumOff val="65000"/>
-          </a:schemeClr>
-        </a:solidFill>
-        <a:round/>
-      </a:ln>
-    </cs:spPr>
-  </cs:dropLine>
-  <cs:errorBar>
-    <cs:lnRef idx="0"/>
-    <cs:fillRef idx="0"/>
-    <cs:effectRef idx="0"/>
-    <cs:fontRef idx="minor">
-      <a:schemeClr val="tx1"/>
-    </cs:fontRef>
-    <cs:spPr>
-      <a:ln w="9525" cap="flat" cmpd="sng" algn="ctr">
-        <a:solidFill>
-          <a:schemeClr val="tx1">
-            <a:lumMod val="65000"/>
-            <a:lumOff val="35000"/>
-          </a:schemeClr>
-        </a:solidFill>
-        <a:round/>
-      </a:ln>
-    </cs:spPr>
-  </cs:errorBar>
-  <cs:floor>
-    <cs:lnRef idx="0"/>
-    <cs:fillRef idx="0"/>
-    <cs:effectRef idx="0"/>
-    <cs:fontRef idx="minor">
-      <a:schemeClr val="tx1"/>
-    </cs:fontRef>
-    <cs:spPr>
-      <a:noFill/>
-      <a:ln>
-        <a:noFill/>
-      </a:ln>
-    </cs:spPr>
-  </cs:floor>
-  <cs:gridlineMajor>
-    <cs:lnRef idx="0"/>
-    <cs:fillRef idx="0"/>
-    <cs:effectRef idx="0"/>
-    <cs:fontRef idx="minor">
-      <a:schemeClr val="tx1"/>
-    </cs:fontRef>
-    <cs:spPr>
-      <a:ln w="9525" cap="flat" cmpd="sng" algn="ctr">
-        <a:solidFill>
-          <a:schemeClr val="tx1">
-            <a:lumMod val="15000"/>
-            <a:lumOff val="85000"/>
-          </a:schemeClr>
-        </a:solidFill>
-        <a:round/>
-      </a:ln>
-    </cs:spPr>
-  </cs:gridlineMajor>
-  <cs:gridlineMinor>
-    <cs:lnRef idx="0"/>
-    <cs:fillRef idx="0"/>
-    <cs:effectRef idx="0"/>
-    <cs:fontRef idx="minor">
-      <a:schemeClr val="tx1"/>
-    </cs:fontRef>
-    <cs:spPr>
-      <a:ln w="9525" cap="flat" cmpd="sng" algn="ctr">
-        <a:solidFill>
-          <a:schemeClr val="tx1">
-            <a:lumMod val="5000"/>
-            <a:lumOff val="95000"/>
-          </a:schemeClr>
-        </a:solidFill>
-        <a:round/>
-      </a:ln>
-    </cs:spPr>
-  </cs:gridlineMinor>
-  <cs:hiLoLine>
-    <cs:lnRef idx="0"/>
-    <cs:fillRef idx="0"/>
-    <cs:effectRef idx="0"/>
-    <cs:fontRef idx="minor">
-      <a:schemeClr val="tx1"/>
-    </cs:fontRef>
-    <cs:spPr>
-      <a:ln w="9525" cap="flat" cmpd="sng" algn="ctr">
-        <a:solidFill>
-          <a:schemeClr val="tx1">
-            <a:lumMod val="75000"/>
-            <a:lumOff val="25000"/>
-          </a:schemeClr>
-        </a:solidFill>
-        <a:round/>
-      </a:ln>
-    </cs:spPr>
-  </cs:hiLoLine>
-  <cs:leaderLine>
-    <cs:lnRef idx="0"/>
-    <cs:fillRef idx="0"/>
-    <cs:effectRef idx="0"/>
-    <cs:fontRef idx="minor">
-      <a:schemeClr val="tx1"/>
-    </cs:fontRef>
-    <cs:spPr>
-      <a:ln w="9525" cap="flat" cmpd="sng" algn="ctr">
-        <a:solidFill>
-          <a:schemeClr val="tx1">
-            <a:lumMod val="35000"/>
-            <a:lumOff val="65000"/>
-          </a:schemeClr>
-        </a:solidFill>
-        <a:round/>
-      </a:ln>
-    </cs:spPr>
-  </cs:leaderLine>
-  <cs:legend>
-    <cs:lnRef idx="0"/>
-    <cs:fillRef idx="0"/>
-    <cs:effectRef idx="0"/>
-    <cs:fontRef idx="minor">
-      <a:schemeClr val="tx1">
-        <a:lumMod val="65000"/>
-        <a:lumOff val="35000"/>
-      </a:schemeClr>
-    </cs:fontRef>
-    <cs:defRPr sz="1197" kern="1200"/>
-  </cs:legend>
-  <cs:plotArea mods="allowNoFillOverride allowNoLineOverride">
-    <cs:lnRef idx="0"/>
-    <cs:fillRef idx="0"/>
-    <cs:effectRef idx="0"/>
-    <cs:fontRef idx="minor">
-      <a:schemeClr val="tx1"/>
-    </cs:fontRef>
-  </cs:plotArea>
-  <cs:plotArea3D mods="allowNoFillOverride allowNoLineOverride">
-    <cs:lnRef idx="0"/>
-    <cs:fillRef idx="0"/>
-    <cs:effectRef idx="0"/>
-    <cs:fontRef idx="minor">
-      <a:schemeClr val="tx1"/>
-    </cs:fontRef>
-  </cs:plotArea3D>
-  <cs:seriesAxis>
-    <cs:lnRef idx="0"/>
-    <cs:fillRef idx="0"/>
-    <cs:effectRef idx="0"/>
-    <cs:fontRef idx="minor">
-      <a:schemeClr val="tx1">
-        <a:lumMod val="65000"/>
-        <a:lumOff val="35000"/>
-      </a:schemeClr>
-    </cs:fontRef>
-    <cs:defRPr sz="1197" kern="1200"/>
-  </cs:seriesAxis>
-  <cs:seriesLine>
-    <cs:lnRef idx="0"/>
-    <cs:fillRef idx="0"/>
-    <cs:effectRef idx="0"/>
-    <cs:fontRef idx="minor">
-      <a:schemeClr val="tx1"/>
-    </cs:fontRef>
-    <cs:spPr>
-      <a:ln w="9525" cap="flat" cmpd="sng" algn="ctr">
-        <a:solidFill>
-          <a:schemeClr val="tx1">
-            <a:lumMod val="35000"/>
-            <a:lumOff val="65000"/>
-          </a:schemeClr>
-        </a:solidFill>
-        <a:round/>
-      </a:ln>
-    </cs:spPr>
-  </cs:seriesLine>
-  <cs:title>
-    <cs:lnRef idx="0"/>
-    <cs:fillRef idx="0"/>
-    <cs:effectRef idx="0"/>
-    <cs:fontRef idx="minor">
-      <a:schemeClr val="tx1">
-        <a:lumMod val="65000"/>
-        <a:lumOff val="35000"/>
-      </a:schemeClr>
-    </cs:fontRef>
-    <cs:defRPr sz="1862" b="0" kern="1200" spc="0" baseline="0"/>
-  </cs:title>
-  <cs:trendline>
-    <cs:lnRef idx="0">
-      <cs:styleClr val="auto"/>
-    </cs:lnRef>
-    <cs:fillRef idx="0"/>
-    <cs:effectRef idx="0"/>
-    <cs:fontRef idx="minor">
-      <a:schemeClr val="tx1"/>
-    </cs:fontRef>
-    <cs:spPr>
-      <a:ln w="19050" cap="rnd">
-        <a:solidFill>
-          <a:schemeClr val="phClr"/>
-        </a:solidFill>
-        <a:prstDash val="sysDot"/>
-      </a:ln>
-    </cs:spPr>
-  </cs:trendline>
-  <cs:trendlineLabel>
-    <cs:lnRef idx="0"/>
-    <cs:fillRef idx="0"/>
-    <cs:effectRef idx="0"/>
-    <cs:fontRef idx="minor">
-      <a:schemeClr val="tx1">
-        <a:lumMod val="65000"/>
-        <a:lumOff val="35000"/>
-      </a:schemeClr>
-    </cs:fontRef>
-    <cs:defRPr sz="1197" kern="1200"/>
-  </cs:trendlineLabel>
-  <cs:upBar>
-    <cs:lnRef idx="0"/>
-    <cs:fillRef idx="0"/>
-    <cs:effectRef idx="0"/>
-    <cs:fontRef idx="minor">
-      <a:schemeClr val="dk1"/>
-    </cs:fontRef>
-    <cs:spPr>
-      <a:solidFill>
-        <a:schemeClr val="lt1"/>
-      </a:solidFill>
-      <a:ln w="9525">
-        <a:solidFill>
-          <a:schemeClr val="tx1">
-            <a:lumMod val="15000"/>
-            <a:lumOff val="85000"/>
-          </a:schemeClr>
-        </a:solidFill>
-      </a:ln>
-    </cs:spPr>
-  </cs:upBar>
-  <cs:valueAxis>
-    <cs:lnRef idx="0"/>
-    <cs:fillRef idx="0"/>
-    <cs:effectRef idx="0"/>
-    <cs:fontRef idx="minor">
-      <a:schemeClr val="tx1">
-        <a:lumMod val="65000"/>
-        <a:lumOff val="35000"/>
-      </a:schemeClr>
-    </cs:fontRef>
-    <cs:defRPr sz="1197" kern="1200"/>
-  </cs:valueAxis>
-  <cs:wall>
-    <cs:lnRef idx="0"/>
-    <cs:fillRef idx="0"/>
-    <cs:effectRef idx="0"/>
-    <cs:fontRef idx="minor">
-      <a:schemeClr val="tx1"/>
-    </cs:fontRef>
-    <cs:spPr>
-      <a:noFill/>
-      <a:ln>
-        <a:noFill/>
-      </a:ln>
-    </cs:spPr>
-  </cs:wall>
-</cs:chartStyle>
-</file>
-
 <file path=ppt/notesMasters/notesMaster1.xml><?xml version="1.0" encoding="utf-8"?>
 <p:notesMaster xmlns:a="http://schemas.openxmlformats.org/drawingml/2006/main" xmlns:r="http://schemas.openxmlformats.org/officeDocument/2006/relationships" xmlns:p="http://schemas.openxmlformats.org/presentationml/2006/main">
   <p:cSld>
@@ -2258,7 +221,7 @@
           <a:p>
             <a:fld id="{05052211-91C2-4B5D-9566-2C0C10015937}" type="datetimeFigureOut">
               <a:rPr lang="nl-NL" smtClean="0"/>
-              <a:t>23-6-2020</a:t>
+              <a:t>24-6-2020</a:t>
             </a:fld>
             <a:endParaRPr lang="nl-NL"/>
           </a:p>
@@ -2658,7 +621,7 @@
           <a:bodyPr/>
           <a:lstStyle/>
           <a:p>
-            <a:endParaRPr lang="nl-NL"/>
+            <a:endParaRPr lang="nl-NL" dirty="0"/>
           </a:p>
         </p:txBody>
       </p:sp>
@@ -4009,7 +1972,7 @@
           <a:p>
             <a:fld id="{9184DA70-C731-4C70-880D-CCD4705E623C}" type="datetime1">
               <a:rPr lang="en-US" smtClean="0"/>
-              <a:t>6/23/2020</a:t>
+              <a:t>6/24/2020</a:t>
             </a:fld>
             <a:endParaRPr lang="en-US" dirty="0"/>
           </a:p>
@@ -4197,7 +2160,7 @@
           <a:p>
             <a:fld id="{4BE1D723-8F53-4F53-90B0-1982A396982E}" type="datetime1">
               <a:rPr lang="en-US" smtClean="0"/>
-              <a:t>6/23/2020</a:t>
+              <a:t>6/24/2020</a:t>
             </a:fld>
             <a:endParaRPr lang="en-US" dirty="0"/>
           </a:p>
@@ -4570,7 +2533,7 @@
           <a:p>
             <a:fld id="{97669AF7-7BEB-44E4-9852-375E34362B5B}" type="datetime1">
               <a:rPr lang="en-US" smtClean="0"/>
-              <a:t>6/23/2020</a:t>
+              <a:t>6/24/2020</a:t>
             </a:fld>
             <a:endParaRPr lang="en-US" dirty="0"/>
           </a:p>
@@ -4825,7 +2788,7 @@
           <a:p>
             <a:fld id="{BAAAC38D-0552-4C82-B593-E6124DFADBE2}" type="datetime1">
               <a:rPr lang="en-US" smtClean="0"/>
-              <a:t>6/23/2020</a:t>
+              <a:t>6/24/2020</a:t>
             </a:fld>
             <a:endParaRPr lang="en-US" dirty="0"/>
           </a:p>
@@ -5222,7 +3185,7 @@
           <a:p>
             <a:fld id="{D9DF0F1C-5577-4ACB-BB62-DF8F3C494C7E}" type="datetime1">
               <a:rPr lang="en-US" smtClean="0"/>
-              <a:t>6/23/2020</a:t>
+              <a:t>6/24/2020</a:t>
             </a:fld>
             <a:endParaRPr lang="en-US" dirty="0"/>
           </a:p>
@@ -5358,7 +3321,7 @@
           <a:p>
             <a:fld id="{1775B394-D9F9-4F0C-B15D-605F45CB9E9F}" type="datetime1">
               <a:rPr lang="en-US" smtClean="0"/>
-              <a:t>6/23/2020</a:t>
+              <a:t>6/24/2020</a:t>
             </a:fld>
             <a:endParaRPr lang="en-US" dirty="0"/>
           </a:p>
@@ -5515,7 +3478,7 @@
           <a:p>
             <a:fld id="{39667345-2558-425A-8533-9BFDBCE15005}" type="datetime1">
               <a:rPr lang="en-US" smtClean="0"/>
-              <a:t>6/23/2020</a:t>
+              <a:t>6/24/2020</a:t>
             </a:fld>
             <a:endParaRPr lang="en-US" dirty="0"/>
           </a:p>
@@ -5844,7 +3807,7 @@
           <a:p>
             <a:fld id="{92BEA474-078D-4E9B-9B14-09A87B19DC46}" type="datetime1">
               <a:rPr lang="en-US" smtClean="0"/>
-              <a:t>6/23/2020</a:t>
+              <a:t>6/24/2020</a:t>
             </a:fld>
             <a:endParaRPr lang="en-US" dirty="0"/>
           </a:p>
@@ -6194,7 +4157,7 @@
           <a:p>
             <a:fld id="{4907D986-8816-4272-A432-0437A28A9828}" type="datetime1">
               <a:rPr lang="en-US" smtClean="0"/>
-              <a:t>6/23/2020</a:t>
+              <a:t>6/24/2020</a:t>
             </a:fld>
             <a:endParaRPr lang="en-US" dirty="0"/>
           </a:p>
@@ -6455,7 +4418,7 @@
           <a:p>
             <a:fld id="{62D6E202-B606-4609-B914-27C9371A1F6D}" type="datetime1">
               <a:rPr lang="en-US" smtClean="0"/>
-              <a:t>6/23/2020</a:t>
+              <a:t>6/24/2020</a:t>
             </a:fld>
             <a:endParaRPr lang="en-US" dirty="0"/>
           </a:p>
@@ -9534,37 +7497,35 @@
           </a:p>
         </p:txBody>
       </p:sp>
-      <p:graphicFrame>
-        <p:nvGraphicFramePr>
-          <p:cNvPr id="10" name="Content Placeholder 9">
+      <p:pic>
+        <p:nvPicPr>
+          <p:cNvPr id="6" name="Content Placeholder 5" descr="A screenshot of a cell phone&#10;&#10;Description automatically generated">
             <a:extLst>
               <a:ext uri="{FF2B5EF4-FFF2-40B4-BE49-F238E27FC236}">
-                <a16:creationId xmlns:a16="http://schemas.microsoft.com/office/drawing/2014/main" id="{3AEE1C2D-5E0D-4DC5-AAC3-615B534E0A83}"/>
+                <a16:creationId xmlns:a16="http://schemas.microsoft.com/office/drawing/2014/main" id="{0B19820F-05A1-4CD7-843C-B7A30AF7FA4B}"/>
               </a:ext>
             </a:extLst>
           </p:cNvPr>
-          <p:cNvGraphicFramePr>
-            <a:graphicFrameLocks noGrp="1"/>
-          </p:cNvGraphicFramePr>
+          <p:cNvPicPr>
+            <a:picLocks noGrp="1" noChangeAspect="1"/>
+          </p:cNvPicPr>
           <p:nvPr>
             <p:ph idx="1"/>
-            <p:extLst>
-              <p:ext uri="{D42A27DB-BD31-4B8C-83A1-F6EECF244321}">
-                <p14:modId xmlns:p14="http://schemas.microsoft.com/office/powerpoint/2010/main" val="3157494902"/>
-              </p:ext>
-            </p:extLst>
-          </p:nvPr>
-        </p:nvGraphicFramePr>
-        <p:xfrm>
-          <a:off x="1096963" y="2108200"/>
-          <a:ext cx="10058400" cy="3760788"/>
-        </p:xfrm>
-        <a:graphic>
-          <a:graphicData uri="http://schemas.openxmlformats.org/drawingml/2006/chart">
-            <c:chart xmlns:c="http://schemas.openxmlformats.org/drawingml/2006/chart" xmlns:r="http://schemas.openxmlformats.org/officeDocument/2006/relationships" r:id="rId3"/>
-          </a:graphicData>
-        </a:graphic>
-      </p:graphicFrame>
+          </p:nvPr>
+        </p:nvPicPr>
+        <p:blipFill>
+          <a:blip r:embed="rId3"/>
+          <a:stretch>
+            <a:fillRect/>
+          </a:stretch>
+        </p:blipFill>
+        <p:spPr>
+          <a:xfrm>
+            <a:off x="3045430" y="2108200"/>
+            <a:ext cx="6161465" cy="3760788"/>
+          </a:xfrm>
+        </p:spPr>
+      </p:pic>
     </p:spTree>
     <p:extLst>
       <p:ext uri="{BB962C8B-B14F-4D97-AF65-F5344CB8AC3E}">
@@ -9623,37 +7584,35 @@
           </a:p>
         </p:txBody>
       </p:sp>
-      <p:graphicFrame>
-        <p:nvGraphicFramePr>
-          <p:cNvPr id="6" name="Content Placeholder 5">
+      <p:pic>
+        <p:nvPicPr>
+          <p:cNvPr id="7" name="Content Placeholder 6" descr="A screenshot of a cell phone&#10;&#10;Description automatically generated">
             <a:extLst>
               <a:ext uri="{FF2B5EF4-FFF2-40B4-BE49-F238E27FC236}">
-                <a16:creationId xmlns:a16="http://schemas.microsoft.com/office/drawing/2014/main" id="{12FFDC9B-A7DC-4EAD-85ED-D1DC46C73A1C}"/>
+                <a16:creationId xmlns:a16="http://schemas.microsoft.com/office/drawing/2014/main" id="{27717A05-1D5C-4645-91C5-6B4FA87697B8}"/>
               </a:ext>
             </a:extLst>
           </p:cNvPr>
-          <p:cNvGraphicFramePr>
-            <a:graphicFrameLocks noGrp="1"/>
-          </p:cNvGraphicFramePr>
+          <p:cNvPicPr>
+            <a:picLocks noGrp="1" noChangeAspect="1"/>
+          </p:cNvPicPr>
           <p:nvPr>
             <p:ph idx="1"/>
-            <p:extLst>
-              <p:ext uri="{D42A27DB-BD31-4B8C-83A1-F6EECF244321}">
-                <p14:modId xmlns:p14="http://schemas.microsoft.com/office/powerpoint/2010/main" val="438617812"/>
-              </p:ext>
-            </p:extLst>
-          </p:nvPr>
-        </p:nvGraphicFramePr>
-        <p:xfrm>
-          <a:off x="1096963" y="2108200"/>
-          <a:ext cx="10058400" cy="3760788"/>
-        </p:xfrm>
-        <a:graphic>
-          <a:graphicData uri="http://schemas.openxmlformats.org/drawingml/2006/chart">
-            <c:chart xmlns:c="http://schemas.openxmlformats.org/drawingml/2006/chart" xmlns:r="http://schemas.openxmlformats.org/officeDocument/2006/relationships" r:id="rId3"/>
-          </a:graphicData>
-        </a:graphic>
-      </p:graphicFrame>
+          </p:nvPr>
+        </p:nvPicPr>
+        <p:blipFill>
+          <a:blip r:embed="rId3"/>
+          <a:stretch>
+            <a:fillRect/>
+          </a:stretch>
+        </p:blipFill>
+        <p:spPr>
+          <a:xfrm>
+            <a:off x="2997720" y="2108200"/>
+            <a:ext cx="6256886" cy="3760788"/>
+          </a:xfrm>
+        </p:spPr>
+      </p:pic>
     </p:spTree>
     <p:extLst>
       <p:ext uri="{BB962C8B-B14F-4D97-AF65-F5344CB8AC3E}">
@@ -10626,6 +8585,14 @@
 <file path=ppt/slides/slide18.xml><?xml version="1.0" encoding="utf-8"?>
 <p:sld xmlns:a="http://schemas.openxmlformats.org/drawingml/2006/main" xmlns:r="http://schemas.openxmlformats.org/officeDocument/2006/relationships" xmlns:p="http://schemas.openxmlformats.org/presentationml/2006/main">
   <p:cSld>
+    <p:bg>
+      <p:bgPr>
+        <a:solidFill>
+          <a:schemeClr val="bg1"/>
+        </a:solidFill>
+        <a:effectLst/>
+      </p:bgPr>
+    </p:bg>
     <p:spTree>
       <p:nvGrpSpPr>
         <p:cNvPr id="1" name=""/>
@@ -10642,6 +8609,176 @@
       </p:grpSpPr>
       <p:sp>
         <p:nvSpPr>
+          <p:cNvPr id="24" name="Rectangle 14">
+            <a:extLst>
+              <a:ext uri="{FF2B5EF4-FFF2-40B4-BE49-F238E27FC236}">
+                <a16:creationId xmlns:a16="http://schemas.microsoft.com/office/drawing/2014/main" id="{39E3965E-AC41-4711-9D10-E25ABB132D86}"/>
+              </a:ext>
+              <a:ext uri="{C183D7F6-B498-43B3-948B-1728B52AA6E4}">
+                <adec:decorative xmlns:adec="http://schemas.microsoft.com/office/drawing/2017/decorative" val="1"/>
+              </a:ext>
+            </a:extLst>
+          </p:cNvPr>
+          <p:cNvSpPr>
+            <a:spLocks noGrp="1" noRot="1" noChangeAspect="1" noMove="1" noResize="1" noEditPoints="1" noAdjustHandles="1" noChangeArrowheads="1" noChangeShapeType="1" noTextEdit="1"/>
+          </p:cNvSpPr>
+          <p:nvPr>
+            <p:extLst>
+              <p:ext uri="{386F3935-93C4-4BCD-93E2-E3B085C9AB24}">
+                <p16:designElem xmlns:p16="http://schemas.microsoft.com/office/powerpoint/2015/main" val="1"/>
+              </p:ext>
+            </p:extLst>
+          </p:nvPr>
+        </p:nvSpPr>
+        <p:spPr>
+          <a:xfrm>
+            <a:off x="3175" y="6400800"/>
+            <a:ext cx="12188825" cy="457200"/>
+          </a:xfrm>
+          <a:prstGeom prst="rect">
+            <a:avLst/>
+          </a:prstGeom>
+          <a:solidFill>
+            <a:srgbClr val="262626"/>
+          </a:solidFill>
+          <a:ln>
+            <a:noFill/>
+          </a:ln>
+        </p:spPr>
+        <p:style>
+          <a:lnRef idx="2">
+            <a:schemeClr val="accent1">
+              <a:shade val="50000"/>
+            </a:schemeClr>
+          </a:lnRef>
+          <a:fillRef idx="1">
+            <a:schemeClr val="accent1"/>
+          </a:fillRef>
+          <a:effectRef idx="0">
+            <a:schemeClr val="accent1"/>
+          </a:effectRef>
+          <a:fontRef idx="minor">
+            <a:schemeClr val="lt1"/>
+          </a:fontRef>
+        </p:style>
+      </p:sp>
+      <p:cxnSp>
+        <p:nvCxnSpPr>
+          <p:cNvPr id="25" name="Straight Connector 16">
+            <a:extLst>
+              <a:ext uri="{FF2B5EF4-FFF2-40B4-BE49-F238E27FC236}">
+                <a16:creationId xmlns:a16="http://schemas.microsoft.com/office/drawing/2014/main" id="{1F5DC8C3-BA5F-4EED-BB9A-A14272BD82A1}"/>
+              </a:ext>
+              <a:ext uri="{C183D7F6-B498-43B3-948B-1728B52AA6E4}">
+                <adec:decorative xmlns:adec="http://schemas.microsoft.com/office/drawing/2017/decorative" val="1"/>
+              </a:ext>
+            </a:extLst>
+          </p:cNvPr>
+          <p:cNvCxnSpPr>
+            <a:cxnSpLocks noGrp="1" noRot="1" noChangeAspect="1" noMove="1" noResize="1" noEditPoints="1" noAdjustHandles="1" noChangeArrowheads="1" noChangeShapeType="1"/>
+          </p:cNvCxnSpPr>
+          <p:nvPr>
+            <p:extLst>
+              <p:ext uri="{386F3935-93C4-4BCD-93E2-E3B085C9AB24}">
+                <p16:designElem xmlns:p16="http://schemas.microsoft.com/office/powerpoint/2015/main" val="1"/>
+              </p:ext>
+            </p:extLst>
+          </p:nvPr>
+        </p:nvCxnSpPr>
+        <p:spPr>
+          <a:xfrm>
+            <a:off x="1207658" y="4474741"/>
+            <a:ext cx="9875520" cy="0"/>
+          </a:xfrm>
+          <a:prstGeom prst="line">
+            <a:avLst/>
+          </a:prstGeom>
+          <a:ln w="12700">
+            <a:solidFill>
+              <a:schemeClr val="tx1">
+                <a:lumMod val="75000"/>
+                <a:lumOff val="25000"/>
+              </a:schemeClr>
+            </a:solidFill>
+          </a:ln>
+        </p:spPr>
+        <p:style>
+          <a:lnRef idx="1">
+            <a:schemeClr val="accent1"/>
+          </a:lnRef>
+          <a:fillRef idx="0">
+            <a:schemeClr val="accent1"/>
+          </a:fillRef>
+          <a:effectRef idx="0">
+            <a:schemeClr val="accent1"/>
+          </a:effectRef>
+          <a:fontRef idx="minor">
+            <a:schemeClr val="tx1"/>
+          </a:fontRef>
+        </p:style>
+      </p:cxnSp>
+      <p:sp useBgFill="1">
+        <p:nvSpPr>
+          <p:cNvPr id="26" name="Rectangle 18">
+            <a:extLst>
+              <a:ext uri="{FF2B5EF4-FFF2-40B4-BE49-F238E27FC236}">
+                <a16:creationId xmlns:a16="http://schemas.microsoft.com/office/drawing/2014/main" id="{33428ACC-71EC-4171-9527-10983BA6B41D}"/>
+              </a:ext>
+              <a:ext uri="{C183D7F6-B498-43B3-948B-1728B52AA6E4}">
+                <adec:decorative xmlns:adec="http://schemas.microsoft.com/office/drawing/2017/decorative" val="1"/>
+              </a:ext>
+            </a:extLst>
+          </p:cNvPr>
+          <p:cNvSpPr>
+            <a:spLocks noGrp="1" noRot="1" noChangeAspect="1" noMove="1" noResize="1" noEditPoints="1" noAdjustHandles="1" noChangeArrowheads="1" noChangeShapeType="1" noTextEdit="1"/>
+          </p:cNvSpPr>
+          <p:nvPr>
+            <p:extLst>
+              <p:ext uri="{386F3935-93C4-4BCD-93E2-E3B085C9AB24}">
+                <p16:designElem xmlns:p16="http://schemas.microsoft.com/office/powerpoint/2015/main" val="1"/>
+              </p:ext>
+            </p:extLst>
+          </p:nvPr>
+        </p:nvSpPr>
+        <p:spPr>
+          <a:xfrm>
+            <a:off x="0" y="0"/>
+            <a:ext cx="12192001" cy="6858000"/>
+          </a:xfrm>
+          <a:prstGeom prst="rect">
+            <a:avLst/>
+          </a:prstGeom>
+          <a:ln>
+            <a:noFill/>
+          </a:ln>
+        </p:spPr>
+        <p:style>
+          <a:lnRef idx="2">
+            <a:schemeClr val="accent1">
+              <a:shade val="50000"/>
+            </a:schemeClr>
+          </a:lnRef>
+          <a:fillRef idx="1">
+            <a:schemeClr val="accent1"/>
+          </a:fillRef>
+          <a:effectRef idx="0">
+            <a:schemeClr val="accent1"/>
+          </a:effectRef>
+          <a:fontRef idx="minor">
+            <a:schemeClr val="lt1"/>
+          </a:fontRef>
+        </p:style>
+        <p:txBody>
+          <a:bodyPr rtlCol="0" anchor="ctr"/>
+          <a:lstStyle/>
+          <a:p>
+            <a:pPr algn="ctr"/>
+            <a:endParaRPr lang="en-US"/>
+          </a:p>
+        </p:txBody>
+      </p:sp>
+      <p:sp>
+        <p:nvSpPr>
           <p:cNvPr id="2" name="Title 1">
             <a:extLst>
               <a:ext uri="{FF2B5EF4-FFF2-40B4-BE49-F238E27FC236}">
@@ -10656,41 +8793,207 @@
             <p:ph type="title"/>
           </p:nvPr>
         </p:nvSpPr>
-        <p:spPr/>
+        <p:spPr>
+          <a:xfrm>
+            <a:off x="8141110" y="639098"/>
+            <a:ext cx="3401961" cy="3494790"/>
+          </a:xfrm>
+        </p:spPr>
         <p:txBody>
-          <a:bodyPr/>
+          <a:bodyPr vert="horz" lIns="91440" tIns="45720" rIns="91440" bIns="45720" rtlCol="0" anchor="b">
+            <a:normAutofit/>
+          </a:bodyPr>
           <a:lstStyle/>
           <a:p>
             <a:r>
-              <a:rPr lang="en-US" dirty="0"/>
+              <a:rPr lang="en-US" sz="5400">
+                <a:solidFill>
+                  <a:schemeClr val="tx1">
+                    <a:lumMod val="85000"/>
+                    <a:lumOff val="15000"/>
+                  </a:schemeClr>
+                </a:solidFill>
+              </a:rPr>
               <a:t>A* Bot</a:t>
             </a:r>
-            <a:endParaRPr lang="nl-NL" dirty="0"/>
           </a:p>
         </p:txBody>
       </p:sp>
-      <p:sp>
-        <p:nvSpPr>
-          <p:cNvPr id="3" name="Content Placeholder 2">
+      <p:pic>
+        <p:nvPicPr>
+          <p:cNvPr id="10" name="Content Placeholder 9" descr="A picture containing green, cage, tiled&#10;&#10;Description automatically generated">
             <a:extLst>
               <a:ext uri="{FF2B5EF4-FFF2-40B4-BE49-F238E27FC236}">
-                <a16:creationId xmlns:a16="http://schemas.microsoft.com/office/drawing/2014/main" id="{6FB12979-3BAA-4143-9ED9-BBBD2B8C1F83}"/>
+                <a16:creationId xmlns:a16="http://schemas.microsoft.com/office/drawing/2014/main" id="{4DC74B05-DDED-470B-BA9D-6EA04AFAE5F6}"/>
               </a:ext>
             </a:extLst>
           </p:cNvPr>
-          <p:cNvSpPr>
-            <a:spLocks noGrp="1"/>
-          </p:cNvSpPr>
+          <p:cNvPicPr>
+            <a:picLocks noGrp="1" noChangeAspect="1"/>
+          </p:cNvPicPr>
           <p:nvPr>
             <p:ph idx="1"/>
           </p:nvPr>
-        </p:nvSpPr>
-        <p:spPr/>
+        </p:nvPicPr>
+        <p:blipFill>
+          <a:blip r:embed="rId2"/>
+          <a:stretch>
+            <a:fillRect/>
+          </a:stretch>
+        </p:blipFill>
+        <p:spPr>
+          <a:xfrm>
+            <a:off x="633999" y="696633"/>
+            <a:ext cx="6912217" cy="4941052"/>
+          </a:xfrm>
+          <a:prstGeom prst="rect">
+            <a:avLst/>
+          </a:prstGeom>
+        </p:spPr>
+      </p:pic>
+      <p:cxnSp>
+        <p:nvCxnSpPr>
+          <p:cNvPr id="27" name="Straight Connector 20">
+            <a:extLst>
+              <a:ext uri="{FF2B5EF4-FFF2-40B4-BE49-F238E27FC236}">
+                <a16:creationId xmlns:a16="http://schemas.microsoft.com/office/drawing/2014/main" id="{BA22713B-ABB6-4391-97F9-0449A2B9B664}"/>
+              </a:ext>
+              <a:ext uri="{C183D7F6-B498-43B3-948B-1728B52AA6E4}">
+                <adec:decorative xmlns:adec="http://schemas.microsoft.com/office/drawing/2017/decorative" val="1"/>
+              </a:ext>
+            </a:extLst>
+          </p:cNvPr>
+          <p:cNvCxnSpPr>
+            <a:cxnSpLocks noGrp="1" noRot="1" noChangeAspect="1" noMove="1" noResize="1" noEditPoints="1" noAdjustHandles="1" noChangeArrowheads="1" noChangeShapeType="1"/>
+          </p:cNvCxnSpPr>
+          <p:nvPr>
+            <p:extLst>
+              <p:ext uri="{386F3935-93C4-4BCD-93E2-E3B085C9AB24}">
+                <p16:designElem xmlns:p16="http://schemas.microsoft.com/office/powerpoint/2015/main" val="1"/>
+              </p:ext>
+            </p:extLst>
+          </p:nvPr>
+        </p:nvCxnSpPr>
+        <p:spPr>
+          <a:xfrm>
+            <a:off x="8209305" y="4294754"/>
+            <a:ext cx="3200400" cy="0"/>
+          </a:xfrm>
+          <a:prstGeom prst="line">
+            <a:avLst/>
+          </a:prstGeom>
+          <a:ln w="12700">
+            <a:solidFill>
+              <a:schemeClr val="tx1">
+                <a:lumMod val="75000"/>
+                <a:lumOff val="25000"/>
+              </a:schemeClr>
+            </a:solidFill>
+          </a:ln>
+        </p:spPr>
+        <p:style>
+          <a:lnRef idx="1">
+            <a:schemeClr val="accent1"/>
+          </a:lnRef>
+          <a:fillRef idx="0">
+            <a:schemeClr val="accent1"/>
+          </a:fillRef>
+          <a:effectRef idx="0">
+            <a:schemeClr val="accent1"/>
+          </a:effectRef>
+          <a:fontRef idx="minor">
+            <a:schemeClr val="tx1"/>
+          </a:fontRef>
+        </p:style>
+      </p:cxnSp>
+      <p:sp>
+        <p:nvSpPr>
+          <p:cNvPr id="23" name="Rectangle 22">
+            <a:extLst>
+              <a:ext uri="{FF2B5EF4-FFF2-40B4-BE49-F238E27FC236}">
+                <a16:creationId xmlns:a16="http://schemas.microsoft.com/office/drawing/2014/main" id="{8D4480B4-953D-41FA-9052-09AB3A026947}"/>
+              </a:ext>
+              <a:ext uri="{C183D7F6-B498-43B3-948B-1728B52AA6E4}">
+                <adec:decorative xmlns:adec="http://schemas.microsoft.com/office/drawing/2017/decorative" val="1"/>
+              </a:ext>
+            </a:extLst>
+          </p:cNvPr>
+          <p:cNvSpPr>
+            <a:spLocks noGrp="1" noRot="1" noChangeAspect="1" noMove="1" noResize="1" noEditPoints="1" noAdjustHandles="1" noChangeArrowheads="1" noChangeShapeType="1" noTextEdit="1"/>
+          </p:cNvSpPr>
+          <p:nvPr>
+            <p:extLst>
+              <p:ext uri="{386F3935-93C4-4BCD-93E2-E3B085C9AB24}">
+                <p16:designElem xmlns:p16="http://schemas.microsoft.com/office/powerpoint/2015/main" val="1"/>
+              </p:ext>
+            </p:extLst>
+          </p:nvPr>
+        </p:nvSpPr>
+        <p:spPr>
+          <a:xfrm>
+            <a:off x="0" y="6400800"/>
+            <a:ext cx="12192000" cy="457200"/>
+          </a:xfrm>
+          <a:prstGeom prst="rect">
+            <a:avLst/>
+          </a:prstGeom>
+          <a:solidFill>
+            <a:srgbClr val="262626"/>
+          </a:solidFill>
+          <a:ln>
+            <a:noFill/>
+          </a:ln>
+        </p:spPr>
+        <p:style>
+          <a:lnRef idx="2">
+            <a:schemeClr val="accent1">
+              <a:shade val="50000"/>
+            </a:schemeClr>
+          </a:lnRef>
+          <a:fillRef idx="1">
+            <a:schemeClr val="accent1"/>
+          </a:fillRef>
+          <a:effectRef idx="0">
+            <a:schemeClr val="accent1"/>
+          </a:effectRef>
+          <a:fontRef idx="minor">
+            <a:schemeClr val="lt1"/>
+          </a:fontRef>
+        </p:style>
+      </p:sp>
+      <p:sp>
+        <p:nvSpPr>
+          <p:cNvPr id="11" name="TextBox 10">
+            <a:extLst>
+              <a:ext uri="{FF2B5EF4-FFF2-40B4-BE49-F238E27FC236}">
+                <a16:creationId xmlns:a16="http://schemas.microsoft.com/office/drawing/2014/main" id="{DF4FECC4-223A-4EA7-A990-6DAA1CB7B467}"/>
+              </a:ext>
+            </a:extLst>
+          </p:cNvPr>
+          <p:cNvSpPr txBox="1"/>
+          <p:nvPr/>
+        </p:nvSpPr>
+        <p:spPr>
+          <a:xfrm>
+            <a:off x="633999" y="5616243"/>
+            <a:ext cx="11053696" cy="246221"/>
+          </a:xfrm>
+          <a:prstGeom prst="rect">
+            <a:avLst/>
+          </a:prstGeom>
+          <a:noFill/>
+        </p:spPr>
         <p:txBody>
-          <a:bodyPr/>
+          <a:bodyPr wrap="square" rtlCol="0">
+            <a:spAutoFit/>
+          </a:bodyPr>
           <a:lstStyle/>
           <a:p>
-            <a:endParaRPr lang="nl-NL"/>
+            <a:r>
+              <a:rPr lang="en-US" sz="1000" dirty="0"/>
+              <a:t>From http://theory.stanford.edu/~amitp/GameProgramming/AStarComparison.html by Stanford, date unknown</a:t>
+            </a:r>
+            <a:endParaRPr lang="nl-NL" sz="1000" dirty="0"/>
           </a:p>
         </p:txBody>
       </p:sp>
@@ -10710,6 +9013,14 @@
 <file path=ppt/slides/slide19.xml><?xml version="1.0" encoding="utf-8"?>
 <p:sld xmlns:a="http://schemas.openxmlformats.org/drawingml/2006/main" xmlns:r="http://schemas.openxmlformats.org/officeDocument/2006/relationships" xmlns:p="http://schemas.openxmlformats.org/presentationml/2006/main">
   <p:cSld>
+    <p:bg>
+      <p:bgPr>
+        <a:solidFill>
+          <a:schemeClr val="bg1"/>
+        </a:solidFill>
+        <a:effectLst/>
+      </p:bgPr>
+    </p:bg>
     <p:spTree>
       <p:nvGrpSpPr>
         <p:cNvPr id="1" name=""/>
@@ -10726,6 +9037,176 @@
       </p:grpSpPr>
       <p:sp>
         <p:nvSpPr>
+          <p:cNvPr id="20" name="Rectangle 9">
+            <a:extLst>
+              <a:ext uri="{FF2B5EF4-FFF2-40B4-BE49-F238E27FC236}">
+                <a16:creationId xmlns:a16="http://schemas.microsoft.com/office/drawing/2014/main" id="{39E3965E-AC41-4711-9D10-E25ABB132D86}"/>
+              </a:ext>
+              <a:ext uri="{C183D7F6-B498-43B3-948B-1728B52AA6E4}">
+                <adec:decorative xmlns:adec="http://schemas.microsoft.com/office/drawing/2017/decorative" val="1"/>
+              </a:ext>
+            </a:extLst>
+          </p:cNvPr>
+          <p:cNvSpPr>
+            <a:spLocks noGrp="1" noRot="1" noChangeAspect="1" noMove="1" noResize="1" noEditPoints="1" noAdjustHandles="1" noChangeArrowheads="1" noChangeShapeType="1" noTextEdit="1"/>
+          </p:cNvSpPr>
+          <p:nvPr>
+            <p:extLst>
+              <p:ext uri="{386F3935-93C4-4BCD-93E2-E3B085C9AB24}">
+                <p16:designElem xmlns:p16="http://schemas.microsoft.com/office/powerpoint/2015/main" val="1"/>
+              </p:ext>
+            </p:extLst>
+          </p:nvPr>
+        </p:nvSpPr>
+        <p:spPr>
+          <a:xfrm>
+            <a:off x="3175" y="6400800"/>
+            <a:ext cx="12188825" cy="457200"/>
+          </a:xfrm>
+          <a:prstGeom prst="rect">
+            <a:avLst/>
+          </a:prstGeom>
+          <a:solidFill>
+            <a:srgbClr val="262626"/>
+          </a:solidFill>
+          <a:ln>
+            <a:noFill/>
+          </a:ln>
+        </p:spPr>
+        <p:style>
+          <a:lnRef idx="2">
+            <a:schemeClr val="accent1">
+              <a:shade val="50000"/>
+            </a:schemeClr>
+          </a:lnRef>
+          <a:fillRef idx="1">
+            <a:schemeClr val="accent1"/>
+          </a:fillRef>
+          <a:effectRef idx="0">
+            <a:schemeClr val="accent1"/>
+          </a:effectRef>
+          <a:fontRef idx="minor">
+            <a:schemeClr val="lt1"/>
+          </a:fontRef>
+        </p:style>
+      </p:sp>
+      <p:cxnSp>
+        <p:nvCxnSpPr>
+          <p:cNvPr id="21" name="Straight Connector 11">
+            <a:extLst>
+              <a:ext uri="{FF2B5EF4-FFF2-40B4-BE49-F238E27FC236}">
+                <a16:creationId xmlns:a16="http://schemas.microsoft.com/office/drawing/2014/main" id="{1F5DC8C3-BA5F-4EED-BB9A-A14272BD82A1}"/>
+              </a:ext>
+              <a:ext uri="{C183D7F6-B498-43B3-948B-1728B52AA6E4}">
+                <adec:decorative xmlns:adec="http://schemas.microsoft.com/office/drawing/2017/decorative" val="1"/>
+              </a:ext>
+            </a:extLst>
+          </p:cNvPr>
+          <p:cNvCxnSpPr>
+            <a:cxnSpLocks noGrp="1" noRot="1" noChangeAspect="1" noMove="1" noResize="1" noEditPoints="1" noAdjustHandles="1" noChangeArrowheads="1" noChangeShapeType="1"/>
+          </p:cNvCxnSpPr>
+          <p:nvPr>
+            <p:extLst>
+              <p:ext uri="{386F3935-93C4-4BCD-93E2-E3B085C9AB24}">
+                <p16:designElem xmlns:p16="http://schemas.microsoft.com/office/powerpoint/2015/main" val="1"/>
+              </p:ext>
+            </p:extLst>
+          </p:nvPr>
+        </p:nvCxnSpPr>
+        <p:spPr>
+          <a:xfrm>
+            <a:off x="1207658" y="4474741"/>
+            <a:ext cx="9875520" cy="0"/>
+          </a:xfrm>
+          <a:prstGeom prst="line">
+            <a:avLst/>
+          </a:prstGeom>
+          <a:ln w="12700">
+            <a:solidFill>
+              <a:schemeClr val="tx1">
+                <a:lumMod val="75000"/>
+                <a:lumOff val="25000"/>
+              </a:schemeClr>
+            </a:solidFill>
+          </a:ln>
+        </p:spPr>
+        <p:style>
+          <a:lnRef idx="1">
+            <a:schemeClr val="accent1"/>
+          </a:lnRef>
+          <a:fillRef idx="0">
+            <a:schemeClr val="accent1"/>
+          </a:fillRef>
+          <a:effectRef idx="0">
+            <a:schemeClr val="accent1"/>
+          </a:effectRef>
+          <a:fontRef idx="minor">
+            <a:schemeClr val="tx1"/>
+          </a:fontRef>
+        </p:style>
+      </p:cxnSp>
+      <p:sp useBgFill="1">
+        <p:nvSpPr>
+          <p:cNvPr id="22" name="Rectangle 13">
+            <a:extLst>
+              <a:ext uri="{FF2B5EF4-FFF2-40B4-BE49-F238E27FC236}">
+                <a16:creationId xmlns:a16="http://schemas.microsoft.com/office/drawing/2014/main" id="{EE362070-691D-44DB-98D4-BC61774B0E61}"/>
+              </a:ext>
+              <a:ext uri="{C183D7F6-B498-43B3-948B-1728B52AA6E4}">
+                <adec:decorative xmlns:adec="http://schemas.microsoft.com/office/drawing/2017/decorative" val="1"/>
+              </a:ext>
+            </a:extLst>
+          </p:cNvPr>
+          <p:cNvSpPr>
+            <a:spLocks noGrp="1" noRot="1" noChangeAspect="1" noMove="1" noResize="1" noEditPoints="1" noAdjustHandles="1" noChangeArrowheads="1" noChangeShapeType="1" noTextEdit="1"/>
+          </p:cNvSpPr>
+          <p:nvPr>
+            <p:extLst>
+              <p:ext uri="{386F3935-93C4-4BCD-93E2-E3B085C9AB24}">
+                <p16:designElem xmlns:p16="http://schemas.microsoft.com/office/powerpoint/2015/main" val="1"/>
+              </p:ext>
+            </p:extLst>
+          </p:nvPr>
+        </p:nvSpPr>
+        <p:spPr>
+          <a:xfrm>
+            <a:off x="0" y="0"/>
+            <a:ext cx="12192001" cy="6858000"/>
+          </a:xfrm>
+          <a:prstGeom prst="rect">
+            <a:avLst/>
+          </a:prstGeom>
+          <a:ln>
+            <a:noFill/>
+          </a:ln>
+        </p:spPr>
+        <p:style>
+          <a:lnRef idx="2">
+            <a:schemeClr val="accent1">
+              <a:shade val="50000"/>
+            </a:schemeClr>
+          </a:lnRef>
+          <a:fillRef idx="1">
+            <a:schemeClr val="accent1"/>
+          </a:fillRef>
+          <a:effectRef idx="0">
+            <a:schemeClr val="accent1"/>
+          </a:effectRef>
+          <a:fontRef idx="minor">
+            <a:schemeClr val="lt1"/>
+          </a:fontRef>
+        </p:style>
+        <p:txBody>
+          <a:bodyPr rtlCol="0" anchor="ctr"/>
+          <a:lstStyle/>
+          <a:p>
+            <a:pPr algn="ctr"/>
+            <a:endParaRPr lang="en-US"/>
+          </a:p>
+        </p:txBody>
+      </p:sp>
+      <p:sp>
+        <p:nvSpPr>
           <p:cNvPr id="2" name="Title 1">
             <a:extLst>
               <a:ext uri="{FF2B5EF4-FFF2-40B4-BE49-F238E27FC236}">
@@ -10740,42 +9221,180 @@
             <p:ph type="title"/>
           </p:nvPr>
         </p:nvSpPr>
-        <p:spPr/>
+        <p:spPr>
+          <a:xfrm>
+            <a:off x="3836504" y="758951"/>
+            <a:ext cx="7319175" cy="3374931"/>
+          </a:xfrm>
+        </p:spPr>
         <p:txBody>
-          <a:bodyPr/>
+          <a:bodyPr vert="horz" lIns="91440" tIns="45720" rIns="91440" bIns="45720" rtlCol="0" anchor="b">
+            <a:normAutofit/>
+          </a:bodyPr>
           <a:lstStyle/>
           <a:p>
             <a:r>
-              <a:rPr lang="en-US" dirty="0"/>
-              <a:t>Experiment</a:t>
+              <a:rPr lang="en-US" sz="8000" dirty="0">
+                <a:solidFill>
+                  <a:schemeClr val="tx1">
+                    <a:lumMod val="85000"/>
+                    <a:lumOff val="15000"/>
+                  </a:schemeClr>
+                </a:solidFill>
+              </a:rPr>
+              <a:t>Experiments</a:t>
             </a:r>
           </a:p>
         </p:txBody>
       </p:sp>
-      <p:sp>
-        <p:nvSpPr>
-          <p:cNvPr id="3" name="Content Placeholder 2">
+      <p:pic>
+        <p:nvPicPr>
+          <p:cNvPr id="23" name="Graphic 6" descr="Microscope">
             <a:extLst>
               <a:ext uri="{FF2B5EF4-FFF2-40B4-BE49-F238E27FC236}">
-                <a16:creationId xmlns:a16="http://schemas.microsoft.com/office/drawing/2014/main" id="{B33325E4-832A-D040-B461-E6D8A517BFF9}"/>
+                <a16:creationId xmlns:a16="http://schemas.microsoft.com/office/drawing/2014/main" id="{AF270E0F-46C4-4562-9167-64866A1E873B}"/>
               </a:ext>
             </a:extLst>
           </p:cNvPr>
-          <p:cNvSpPr>
-            <a:spLocks noGrp="1"/>
-          </p:cNvSpPr>
-          <p:nvPr>
-            <p:ph idx="1"/>
-          </p:nvPr>
-        </p:nvSpPr>
-        <p:spPr/>
-        <p:txBody>
-          <a:bodyPr/>
-          <a:lstStyle/>
-          <a:p>
-            <a:endParaRPr lang="en-US" dirty="0"/>
-          </a:p>
-        </p:txBody>
+          <p:cNvPicPr>
+            <a:picLocks noChangeAspect="1"/>
+          </p:cNvPicPr>
+          <p:nvPr/>
+        </p:nvPicPr>
+        <p:blipFill>
+          <a:blip r:embed="rId3">
+            <a:extLst>
+              <a:ext uri="{28A0092B-C50C-407E-A947-70E740481C1C}">
+                <a14:useLocalDpi xmlns:a14="http://schemas.microsoft.com/office/drawing/2010/main" val="0"/>
+              </a:ext>
+              <a:ext uri="{96DAC541-7B7A-43D3-8B79-37D633B846F1}">
+                <asvg:svgBlip xmlns:asvg="http://schemas.microsoft.com/office/drawing/2016/SVG/main" r:embed="rId4"/>
+              </a:ext>
+            </a:extLst>
+          </a:blip>
+          <a:stretch>
+            <a:fillRect/>
+          </a:stretch>
+        </p:blipFill>
+        <p:spPr>
+          <a:xfrm>
+            <a:off x="620973" y="1790485"/>
+            <a:ext cx="2758331" cy="2758331"/>
+          </a:xfrm>
+          <a:prstGeom prst="rect">
+            <a:avLst/>
+          </a:prstGeom>
+        </p:spPr>
+      </p:pic>
+      <p:cxnSp>
+        <p:nvCxnSpPr>
+          <p:cNvPr id="24" name="Straight Connector 15">
+            <a:extLst>
+              <a:ext uri="{FF2B5EF4-FFF2-40B4-BE49-F238E27FC236}">
+                <a16:creationId xmlns:a16="http://schemas.microsoft.com/office/drawing/2014/main" id="{5A7EFE9C-DAE7-4ECA-BDB2-34E2534B8AB7}"/>
+              </a:ext>
+              <a:ext uri="{C183D7F6-B498-43B3-948B-1728B52AA6E4}">
+                <adec:decorative xmlns:adec="http://schemas.microsoft.com/office/drawing/2017/decorative" val="1"/>
+              </a:ext>
+            </a:extLst>
+          </p:cNvPr>
+          <p:cNvCxnSpPr>
+            <a:cxnSpLocks noGrp="1" noRot="1" noChangeAspect="1" noMove="1" noResize="1" noEditPoints="1" noAdjustHandles="1" noChangeArrowheads="1" noChangeShapeType="1"/>
+          </p:cNvCxnSpPr>
+          <p:nvPr>
+            <p:extLst>
+              <p:ext uri="{386F3935-93C4-4BCD-93E2-E3B085C9AB24}">
+                <p16:designElem xmlns:p16="http://schemas.microsoft.com/office/powerpoint/2015/main" val="1"/>
+              </p:ext>
+            </p:extLst>
+          </p:nvPr>
+        </p:nvCxnSpPr>
+        <p:spPr>
+          <a:xfrm>
+            <a:off x="3958251" y="4294753"/>
+            <a:ext cx="7132320" cy="0"/>
+          </a:xfrm>
+          <a:prstGeom prst="line">
+            <a:avLst/>
+          </a:prstGeom>
+          <a:ln w="12700">
+            <a:solidFill>
+              <a:schemeClr val="tx1">
+                <a:lumMod val="75000"/>
+                <a:lumOff val="25000"/>
+              </a:schemeClr>
+            </a:solidFill>
+          </a:ln>
+        </p:spPr>
+        <p:style>
+          <a:lnRef idx="1">
+            <a:schemeClr val="accent1"/>
+          </a:lnRef>
+          <a:fillRef idx="0">
+            <a:schemeClr val="accent1"/>
+          </a:fillRef>
+          <a:effectRef idx="0">
+            <a:schemeClr val="accent1"/>
+          </a:effectRef>
+          <a:fontRef idx="minor">
+            <a:schemeClr val="tx1"/>
+          </a:fontRef>
+        </p:style>
+      </p:cxnSp>
+      <p:sp>
+        <p:nvSpPr>
+          <p:cNvPr id="25" name="Rectangle 17">
+            <a:extLst>
+              <a:ext uri="{FF2B5EF4-FFF2-40B4-BE49-F238E27FC236}">
+                <a16:creationId xmlns:a16="http://schemas.microsoft.com/office/drawing/2014/main" id="{32DB1480-5B24-4B37-B70E-C74945DD914E}"/>
+              </a:ext>
+              <a:ext uri="{C183D7F6-B498-43B3-948B-1728B52AA6E4}">
+                <adec:decorative xmlns:adec="http://schemas.microsoft.com/office/drawing/2017/decorative" val="1"/>
+              </a:ext>
+            </a:extLst>
+          </p:cNvPr>
+          <p:cNvSpPr>
+            <a:spLocks noGrp="1" noRot="1" noChangeAspect="1" noMove="1" noResize="1" noEditPoints="1" noAdjustHandles="1" noChangeArrowheads="1" noChangeShapeType="1" noTextEdit="1"/>
+          </p:cNvSpPr>
+          <p:nvPr>
+            <p:extLst>
+              <p:ext uri="{386F3935-93C4-4BCD-93E2-E3B085C9AB24}">
+                <p16:designElem xmlns:p16="http://schemas.microsoft.com/office/powerpoint/2015/main" val="1"/>
+              </p:ext>
+            </p:extLst>
+          </p:nvPr>
+        </p:nvSpPr>
+        <p:spPr>
+          <a:xfrm>
+            <a:off x="0" y="6400800"/>
+            <a:ext cx="12192000" cy="457200"/>
+          </a:xfrm>
+          <a:prstGeom prst="rect">
+            <a:avLst/>
+          </a:prstGeom>
+          <a:solidFill>
+            <a:srgbClr val="262626"/>
+          </a:solidFill>
+          <a:ln>
+            <a:noFill/>
+          </a:ln>
+        </p:spPr>
+        <p:style>
+          <a:lnRef idx="2">
+            <a:schemeClr val="accent1">
+              <a:shade val="50000"/>
+            </a:schemeClr>
+          </a:lnRef>
+          <a:fillRef idx="1">
+            <a:schemeClr val="accent1"/>
+          </a:fillRef>
+          <a:effectRef idx="0">
+            <a:schemeClr val="accent1"/>
+          </a:effectRef>
+          <a:fontRef idx="minor">
+            <a:schemeClr val="lt1"/>
+          </a:fontRef>
+        </p:style>
       </p:sp>
     </p:spTree>
     <p:extLst>
@@ -11057,6 +9676,14 @@
 <file path=ppt/slides/slide21.xml><?xml version="1.0" encoding="utf-8"?>
 <p:sld xmlns:a="http://schemas.openxmlformats.org/drawingml/2006/main" xmlns:r="http://schemas.openxmlformats.org/officeDocument/2006/relationships" xmlns:p="http://schemas.openxmlformats.org/presentationml/2006/main">
   <p:cSld>
+    <p:bg>
+      <p:bgPr>
+        <a:solidFill>
+          <a:schemeClr val="bg1"/>
+        </a:solidFill>
+        <a:effectLst/>
+      </p:bgPr>
+    </p:bg>
     <p:spTree>
       <p:nvGrpSpPr>
         <p:cNvPr id="1" name=""/>
@@ -11073,6 +9700,176 @@
       </p:grpSpPr>
       <p:sp>
         <p:nvSpPr>
+          <p:cNvPr id="10" name="Rectangle 9">
+            <a:extLst>
+              <a:ext uri="{FF2B5EF4-FFF2-40B4-BE49-F238E27FC236}">
+                <a16:creationId xmlns:a16="http://schemas.microsoft.com/office/drawing/2014/main" id="{39E3965E-AC41-4711-9D10-E25ABB132D86}"/>
+              </a:ext>
+              <a:ext uri="{C183D7F6-B498-43B3-948B-1728B52AA6E4}">
+                <adec:decorative xmlns:adec="http://schemas.microsoft.com/office/drawing/2017/decorative" val="1"/>
+              </a:ext>
+            </a:extLst>
+          </p:cNvPr>
+          <p:cNvSpPr>
+            <a:spLocks noGrp="1" noRot="1" noChangeAspect="1" noMove="1" noResize="1" noEditPoints="1" noAdjustHandles="1" noChangeArrowheads="1" noChangeShapeType="1" noTextEdit="1"/>
+          </p:cNvSpPr>
+          <p:nvPr>
+            <p:extLst>
+              <p:ext uri="{386F3935-93C4-4BCD-93E2-E3B085C9AB24}">
+                <p16:designElem xmlns:p16="http://schemas.microsoft.com/office/powerpoint/2015/main" val="1"/>
+              </p:ext>
+            </p:extLst>
+          </p:nvPr>
+        </p:nvSpPr>
+        <p:spPr>
+          <a:xfrm>
+            <a:off x="3175" y="6400800"/>
+            <a:ext cx="12188825" cy="457200"/>
+          </a:xfrm>
+          <a:prstGeom prst="rect">
+            <a:avLst/>
+          </a:prstGeom>
+          <a:solidFill>
+            <a:srgbClr val="262626"/>
+          </a:solidFill>
+          <a:ln>
+            <a:noFill/>
+          </a:ln>
+        </p:spPr>
+        <p:style>
+          <a:lnRef idx="2">
+            <a:schemeClr val="accent1">
+              <a:shade val="50000"/>
+            </a:schemeClr>
+          </a:lnRef>
+          <a:fillRef idx="1">
+            <a:schemeClr val="accent1"/>
+          </a:fillRef>
+          <a:effectRef idx="0">
+            <a:schemeClr val="accent1"/>
+          </a:effectRef>
+          <a:fontRef idx="minor">
+            <a:schemeClr val="lt1"/>
+          </a:fontRef>
+        </p:style>
+      </p:sp>
+      <p:cxnSp>
+        <p:nvCxnSpPr>
+          <p:cNvPr id="12" name="Straight Connector 11">
+            <a:extLst>
+              <a:ext uri="{FF2B5EF4-FFF2-40B4-BE49-F238E27FC236}">
+                <a16:creationId xmlns:a16="http://schemas.microsoft.com/office/drawing/2014/main" id="{1F5DC8C3-BA5F-4EED-BB9A-A14272BD82A1}"/>
+              </a:ext>
+              <a:ext uri="{C183D7F6-B498-43B3-948B-1728B52AA6E4}">
+                <adec:decorative xmlns:adec="http://schemas.microsoft.com/office/drawing/2017/decorative" val="1"/>
+              </a:ext>
+            </a:extLst>
+          </p:cNvPr>
+          <p:cNvCxnSpPr>
+            <a:cxnSpLocks noGrp="1" noRot="1" noChangeAspect="1" noMove="1" noResize="1" noEditPoints="1" noAdjustHandles="1" noChangeArrowheads="1" noChangeShapeType="1"/>
+          </p:cNvCxnSpPr>
+          <p:nvPr>
+            <p:extLst>
+              <p:ext uri="{386F3935-93C4-4BCD-93E2-E3B085C9AB24}">
+                <p16:designElem xmlns:p16="http://schemas.microsoft.com/office/powerpoint/2015/main" val="1"/>
+              </p:ext>
+            </p:extLst>
+          </p:nvPr>
+        </p:nvCxnSpPr>
+        <p:spPr>
+          <a:xfrm>
+            <a:off x="1207658" y="4474741"/>
+            <a:ext cx="9875520" cy="0"/>
+          </a:xfrm>
+          <a:prstGeom prst="line">
+            <a:avLst/>
+          </a:prstGeom>
+          <a:ln w="12700">
+            <a:solidFill>
+              <a:schemeClr val="tx1">
+                <a:lumMod val="75000"/>
+                <a:lumOff val="25000"/>
+              </a:schemeClr>
+            </a:solidFill>
+          </a:ln>
+        </p:spPr>
+        <p:style>
+          <a:lnRef idx="1">
+            <a:schemeClr val="accent1"/>
+          </a:lnRef>
+          <a:fillRef idx="0">
+            <a:schemeClr val="accent1"/>
+          </a:fillRef>
+          <a:effectRef idx="0">
+            <a:schemeClr val="accent1"/>
+          </a:effectRef>
+          <a:fontRef idx="minor">
+            <a:schemeClr val="tx1"/>
+          </a:fontRef>
+        </p:style>
+      </p:cxnSp>
+      <p:sp useBgFill="1">
+        <p:nvSpPr>
+          <p:cNvPr id="14" name="Rectangle 13">
+            <a:extLst>
+              <a:ext uri="{FF2B5EF4-FFF2-40B4-BE49-F238E27FC236}">
+                <a16:creationId xmlns:a16="http://schemas.microsoft.com/office/drawing/2014/main" id="{2779F603-B669-4AD6-82F9-E09F76165B99}"/>
+              </a:ext>
+              <a:ext uri="{C183D7F6-B498-43B3-948B-1728B52AA6E4}">
+                <adec:decorative xmlns:adec="http://schemas.microsoft.com/office/drawing/2017/decorative" val="1"/>
+              </a:ext>
+            </a:extLst>
+          </p:cNvPr>
+          <p:cNvSpPr>
+            <a:spLocks noGrp="1" noRot="1" noChangeAspect="1" noMove="1" noResize="1" noEditPoints="1" noAdjustHandles="1" noChangeArrowheads="1" noChangeShapeType="1" noTextEdit="1"/>
+          </p:cNvSpPr>
+          <p:nvPr>
+            <p:extLst>
+              <p:ext uri="{386F3935-93C4-4BCD-93E2-E3B085C9AB24}">
+                <p16:designElem xmlns:p16="http://schemas.microsoft.com/office/powerpoint/2015/main" val="1"/>
+              </p:ext>
+            </p:extLst>
+          </p:nvPr>
+        </p:nvSpPr>
+        <p:spPr>
+          <a:xfrm>
+            <a:off x="0" y="0"/>
+            <a:ext cx="12192001" cy="6858000"/>
+          </a:xfrm>
+          <a:prstGeom prst="rect">
+            <a:avLst/>
+          </a:prstGeom>
+          <a:ln>
+            <a:noFill/>
+          </a:ln>
+        </p:spPr>
+        <p:style>
+          <a:lnRef idx="2">
+            <a:schemeClr val="accent1">
+              <a:shade val="50000"/>
+            </a:schemeClr>
+          </a:lnRef>
+          <a:fillRef idx="1">
+            <a:schemeClr val="accent1"/>
+          </a:fillRef>
+          <a:effectRef idx="0">
+            <a:schemeClr val="accent1"/>
+          </a:effectRef>
+          <a:fontRef idx="minor">
+            <a:schemeClr val="lt1"/>
+          </a:fontRef>
+        </p:style>
+        <p:txBody>
+          <a:bodyPr rtlCol="0" anchor="ctr"/>
+          <a:lstStyle/>
+          <a:p>
+            <a:pPr algn="ctr"/>
+            <a:endParaRPr lang="en-US"/>
+          </a:p>
+        </p:txBody>
+      </p:sp>
+      <p:sp>
+        <p:nvSpPr>
           <p:cNvPr id="2" name="Title 1">
             <a:extLst>
               <a:ext uri="{FF2B5EF4-FFF2-40B4-BE49-F238E27FC236}">
@@ -11087,43 +9884,180 @@
             <p:ph type="title"/>
           </p:nvPr>
         </p:nvSpPr>
-        <p:spPr/>
+        <p:spPr>
+          <a:xfrm>
+            <a:off x="5396248" y="620720"/>
+            <a:ext cx="5759431" cy="2808122"/>
+          </a:xfrm>
+        </p:spPr>
         <p:txBody>
-          <a:bodyPr/>
+          <a:bodyPr vert="horz" lIns="91440" tIns="45720" rIns="91440" bIns="45720" rtlCol="0" anchor="b">
+            <a:normAutofit/>
+          </a:bodyPr>
           <a:lstStyle/>
           <a:p>
             <a:r>
-              <a:rPr lang="en-US" dirty="0"/>
+              <a:rPr lang="en-US" sz="4400">
+                <a:solidFill>
+                  <a:schemeClr val="tx1">
+                    <a:lumMod val="85000"/>
+                    <a:lumOff val="15000"/>
+                  </a:schemeClr>
+                </a:solidFill>
+              </a:rPr>
               <a:t>Questions</a:t>
             </a:r>
-            <a:endParaRPr lang="nl-NL" dirty="0"/>
           </a:p>
         </p:txBody>
       </p:sp>
-      <p:sp>
-        <p:nvSpPr>
-          <p:cNvPr id="3" name="Content Placeholder 2">
+      <p:pic>
+        <p:nvPicPr>
+          <p:cNvPr id="7" name="Graphic 6" descr="Help">
             <a:extLst>
               <a:ext uri="{FF2B5EF4-FFF2-40B4-BE49-F238E27FC236}">
-                <a16:creationId xmlns:a16="http://schemas.microsoft.com/office/drawing/2014/main" id="{C9B3192F-3F18-48D2-9AD9-5FB803B1B522}"/>
+                <a16:creationId xmlns:a16="http://schemas.microsoft.com/office/drawing/2014/main" id="{6B848E80-3EF9-4989-BC50-03732AAF8046}"/>
               </a:ext>
             </a:extLst>
           </p:cNvPr>
-          <p:cNvSpPr>
-            <a:spLocks noGrp="1"/>
-          </p:cNvSpPr>
-          <p:nvPr>
-            <p:ph idx="1"/>
-          </p:nvPr>
-        </p:nvSpPr>
-        <p:spPr/>
-        <p:txBody>
-          <a:bodyPr/>
-          <a:lstStyle/>
-          <a:p>
-            <a:endParaRPr lang="nl-NL"/>
-          </a:p>
-        </p:txBody>
+          <p:cNvPicPr>
+            <a:picLocks noChangeAspect="1"/>
+          </p:cNvPicPr>
+          <p:nvPr/>
+        </p:nvPicPr>
+        <p:blipFill>
+          <a:blip r:embed="rId3">
+            <a:extLst>
+              <a:ext uri="{28A0092B-C50C-407E-A947-70E740481C1C}">
+                <a14:useLocalDpi xmlns:a14="http://schemas.microsoft.com/office/drawing/2010/main" val="0"/>
+              </a:ext>
+              <a:ext uri="{96DAC541-7B7A-43D3-8B79-37D633B846F1}">
+                <asvg:svgBlip xmlns:asvg="http://schemas.microsoft.com/office/drawing/2016/SVG/main" r:embed="rId4"/>
+              </a:ext>
+            </a:extLst>
+          </a:blip>
+          <a:stretch>
+            <a:fillRect/>
+          </a:stretch>
+        </p:blipFill>
+        <p:spPr>
+          <a:xfrm>
+            <a:off x="633999" y="1163529"/>
+            <a:ext cx="4001315" cy="4001315"/>
+          </a:xfrm>
+          <a:prstGeom prst="rect">
+            <a:avLst/>
+          </a:prstGeom>
+        </p:spPr>
+      </p:pic>
+      <p:cxnSp>
+        <p:nvCxnSpPr>
+          <p:cNvPr id="16" name="Straight Connector 15">
+            <a:extLst>
+              <a:ext uri="{FF2B5EF4-FFF2-40B4-BE49-F238E27FC236}">
+                <a16:creationId xmlns:a16="http://schemas.microsoft.com/office/drawing/2014/main" id="{7ABFD994-C2DC-4E7D-9411-C7FF7813EF47}"/>
+              </a:ext>
+              <a:ext uri="{C183D7F6-B498-43B3-948B-1728B52AA6E4}">
+                <adec:decorative xmlns:adec="http://schemas.microsoft.com/office/drawing/2017/decorative" val="1"/>
+              </a:ext>
+            </a:extLst>
+          </p:cNvPr>
+          <p:cNvCxnSpPr>
+            <a:cxnSpLocks noGrp="1" noRot="1" noChangeAspect="1" noMove="1" noResize="1" noEditPoints="1" noAdjustHandles="1" noChangeArrowheads="1" noChangeShapeType="1"/>
+          </p:cNvCxnSpPr>
+          <p:nvPr>
+            <p:extLst>
+              <p:ext uri="{386F3935-93C4-4BCD-93E2-E3B085C9AB24}">
+                <p16:designElem xmlns:p16="http://schemas.microsoft.com/office/powerpoint/2015/main" val="1"/>
+              </p:ext>
+            </p:extLst>
+          </p:nvPr>
+        </p:nvCxnSpPr>
+        <p:spPr>
+          <a:xfrm>
+            <a:off x="5501663" y="3588862"/>
+            <a:ext cx="5486400" cy="0"/>
+          </a:xfrm>
+          <a:prstGeom prst="line">
+            <a:avLst/>
+          </a:prstGeom>
+          <a:ln w="12700">
+            <a:solidFill>
+              <a:schemeClr val="tx1">
+                <a:lumMod val="75000"/>
+                <a:lumOff val="25000"/>
+              </a:schemeClr>
+            </a:solidFill>
+          </a:ln>
+        </p:spPr>
+        <p:style>
+          <a:lnRef idx="1">
+            <a:schemeClr val="accent1"/>
+          </a:lnRef>
+          <a:fillRef idx="0">
+            <a:schemeClr val="accent1"/>
+          </a:fillRef>
+          <a:effectRef idx="0">
+            <a:schemeClr val="accent1"/>
+          </a:effectRef>
+          <a:fontRef idx="minor">
+            <a:schemeClr val="tx1"/>
+          </a:fontRef>
+        </p:style>
+      </p:cxnSp>
+      <p:sp>
+        <p:nvSpPr>
+          <p:cNvPr id="18" name="Rectangle 17">
+            <a:extLst>
+              <a:ext uri="{FF2B5EF4-FFF2-40B4-BE49-F238E27FC236}">
+                <a16:creationId xmlns:a16="http://schemas.microsoft.com/office/drawing/2014/main" id="{E798DCFB-14B6-4508-990A-13AB676C2F99}"/>
+              </a:ext>
+              <a:ext uri="{C183D7F6-B498-43B3-948B-1728B52AA6E4}">
+                <adec:decorative xmlns:adec="http://schemas.microsoft.com/office/drawing/2017/decorative" val="1"/>
+              </a:ext>
+            </a:extLst>
+          </p:cNvPr>
+          <p:cNvSpPr>
+            <a:spLocks noGrp="1" noRot="1" noChangeAspect="1" noMove="1" noResize="1" noEditPoints="1" noAdjustHandles="1" noChangeArrowheads="1" noChangeShapeType="1" noTextEdit="1"/>
+          </p:cNvSpPr>
+          <p:nvPr>
+            <p:extLst>
+              <p:ext uri="{386F3935-93C4-4BCD-93E2-E3B085C9AB24}">
+                <p16:designElem xmlns:p16="http://schemas.microsoft.com/office/powerpoint/2015/main" val="1"/>
+              </p:ext>
+            </p:extLst>
+          </p:nvPr>
+        </p:nvSpPr>
+        <p:spPr>
+          <a:xfrm>
+            <a:off x="0" y="6400800"/>
+            <a:ext cx="12192000" cy="457200"/>
+          </a:xfrm>
+          <a:prstGeom prst="rect">
+            <a:avLst/>
+          </a:prstGeom>
+          <a:solidFill>
+            <a:srgbClr val="262626"/>
+          </a:solidFill>
+          <a:ln>
+            <a:noFill/>
+          </a:ln>
+        </p:spPr>
+        <p:style>
+          <a:lnRef idx="2">
+            <a:schemeClr val="accent1">
+              <a:shade val="50000"/>
+            </a:schemeClr>
+          </a:lnRef>
+          <a:fillRef idx="1">
+            <a:schemeClr val="accent1"/>
+          </a:fillRef>
+          <a:effectRef idx="0">
+            <a:schemeClr val="accent1"/>
+          </a:effectRef>
+          <a:fontRef idx="minor">
+            <a:schemeClr val="lt1"/>
+          </a:fontRef>
+        </p:style>
       </p:sp>
     </p:spTree>
     <p:extLst>
@@ -11141,6 +10075,14 @@
 <file path=ppt/slides/slide22.xml><?xml version="1.0" encoding="utf-8"?>
 <p:sld xmlns:a="http://schemas.openxmlformats.org/drawingml/2006/main" xmlns:r="http://schemas.openxmlformats.org/officeDocument/2006/relationships" xmlns:p="http://schemas.openxmlformats.org/presentationml/2006/main">
   <p:cSld>
+    <p:bg>
+      <p:bgPr>
+        <a:solidFill>
+          <a:schemeClr val="bg1"/>
+        </a:solidFill>
+        <a:effectLst/>
+      </p:bgPr>
+    </p:bg>
     <p:spTree>
       <p:nvGrpSpPr>
         <p:cNvPr id="1" name=""/>
@@ -11155,6 +10097,121 @@
           <a:chExt cx="0" cy="0"/>
         </a:xfrm>
       </p:grpSpPr>
+      <p:sp useBgFill="1">
+        <p:nvSpPr>
+          <p:cNvPr id="8" name="Rectangle 7">
+            <a:extLst>
+              <a:ext uri="{FF2B5EF4-FFF2-40B4-BE49-F238E27FC236}">
+                <a16:creationId xmlns:a16="http://schemas.microsoft.com/office/drawing/2014/main" id="{3558DB37-9FEE-48A2-8578-ED0401573943}"/>
+              </a:ext>
+              <a:ext uri="{C183D7F6-B498-43B3-948B-1728B52AA6E4}">
+                <adec:decorative xmlns:adec="http://schemas.microsoft.com/office/drawing/2017/decorative" val="1"/>
+              </a:ext>
+            </a:extLst>
+          </p:cNvPr>
+          <p:cNvSpPr>
+            <a:spLocks noGrp="1" noRot="1" noChangeAspect="1" noMove="1" noResize="1" noEditPoints="1" noAdjustHandles="1" noChangeArrowheads="1" noChangeShapeType="1" noTextEdit="1"/>
+          </p:cNvSpPr>
+          <p:nvPr>
+            <p:extLst>
+              <p:ext uri="{386F3935-93C4-4BCD-93E2-E3B085C9AB24}">
+                <p16:designElem xmlns:p16="http://schemas.microsoft.com/office/powerpoint/2015/main" val="1"/>
+              </p:ext>
+            </p:extLst>
+          </p:nvPr>
+        </p:nvSpPr>
+        <p:spPr>
+          <a:xfrm>
+            <a:off x="1507" y="0"/>
+            <a:ext cx="12192000" cy="6858000"/>
+          </a:xfrm>
+          <a:prstGeom prst="rect">
+            <a:avLst/>
+          </a:prstGeom>
+          <a:ln>
+            <a:noFill/>
+          </a:ln>
+        </p:spPr>
+        <p:style>
+          <a:lnRef idx="2">
+            <a:schemeClr val="accent1">
+              <a:shade val="50000"/>
+            </a:schemeClr>
+          </a:lnRef>
+          <a:fillRef idx="1">
+            <a:schemeClr val="accent1"/>
+          </a:fillRef>
+          <a:effectRef idx="0">
+            <a:schemeClr val="accent1"/>
+          </a:effectRef>
+          <a:fontRef idx="minor">
+            <a:schemeClr val="lt1"/>
+          </a:fontRef>
+        </p:style>
+        <p:txBody>
+          <a:bodyPr rtlCol="0" anchor="ctr"/>
+          <a:lstStyle/>
+          <a:p>
+            <a:pPr algn="ctr"/>
+            <a:endParaRPr lang="en-US"/>
+          </a:p>
+        </p:txBody>
+      </p:sp>
+      <p:sp>
+        <p:nvSpPr>
+          <p:cNvPr id="10" name="Rectangle 9">
+            <a:extLst>
+              <a:ext uri="{FF2B5EF4-FFF2-40B4-BE49-F238E27FC236}">
+                <a16:creationId xmlns:a16="http://schemas.microsoft.com/office/drawing/2014/main" id="{5F7FCCA6-00E2-4F74-A105-0D769872F243}"/>
+              </a:ext>
+              <a:ext uri="{C183D7F6-B498-43B3-948B-1728B52AA6E4}">
+                <adec:decorative xmlns:adec="http://schemas.microsoft.com/office/drawing/2017/decorative" val="1"/>
+              </a:ext>
+            </a:extLst>
+          </p:cNvPr>
+          <p:cNvSpPr>
+            <a:spLocks noGrp="1" noRot="1" noChangeAspect="1" noMove="1" noResize="1" noEditPoints="1" noAdjustHandles="1" noChangeArrowheads="1" noChangeShapeType="1" noTextEdit="1"/>
+          </p:cNvSpPr>
+          <p:nvPr>
+            <p:extLst>
+              <p:ext uri="{386F3935-93C4-4BCD-93E2-E3B085C9AB24}">
+                <p16:designElem xmlns:p16="http://schemas.microsoft.com/office/powerpoint/2015/main" val="1"/>
+              </p:ext>
+            </p:extLst>
+          </p:nvPr>
+        </p:nvSpPr>
+        <p:spPr bwMode="white">
+          <a:xfrm>
+            <a:off x="1507" y="0"/>
+            <a:ext cx="12188952" cy="1905000"/>
+          </a:xfrm>
+          <a:prstGeom prst="rect">
+            <a:avLst/>
+          </a:prstGeom>
+          <a:solidFill>
+            <a:schemeClr val="accent1"/>
+          </a:solidFill>
+          <a:ln>
+            <a:noFill/>
+          </a:ln>
+        </p:spPr>
+        <p:style>
+          <a:lnRef idx="2">
+            <a:schemeClr val="accent1">
+              <a:shade val="50000"/>
+            </a:schemeClr>
+          </a:lnRef>
+          <a:fillRef idx="1">
+            <a:schemeClr val="accent1"/>
+          </a:fillRef>
+          <a:effectRef idx="0">
+            <a:schemeClr val="accent1"/>
+          </a:effectRef>
+          <a:fontRef idx="minor">
+            <a:schemeClr val="lt1"/>
+          </a:fontRef>
+        </p:style>
+      </p:sp>
       <p:sp>
         <p:nvSpPr>
           <p:cNvPr id="2" name="Title 1">
@@ -11171,16 +10228,31 @@
             <p:ph type="title"/>
           </p:nvPr>
         </p:nvSpPr>
-        <p:spPr/>
+        <p:spPr>
+          <a:xfrm>
+            <a:off x="1097280" y="286603"/>
+            <a:ext cx="10058400" cy="1450757"/>
+          </a:xfrm>
+        </p:spPr>
         <p:txBody>
-          <a:bodyPr/>
+          <a:bodyPr anchor="ctr">
+            <a:normAutofit/>
+          </a:bodyPr>
           <a:lstStyle/>
           <a:p>
             <a:r>
-              <a:rPr lang="en-US" dirty="0"/>
+              <a:rPr lang="en-US">
+                <a:solidFill>
+                  <a:srgbClr val="FFFFFF"/>
+                </a:solidFill>
+              </a:rPr>
               <a:t>Sources</a:t>
             </a:r>
-            <a:endParaRPr lang="nl-NL" dirty="0"/>
+            <a:endParaRPr lang="nl-NL">
+              <a:solidFill>
+                <a:srgbClr val="FFFFFF"/>
+              </a:solidFill>
+            </a:endParaRPr>
           </a:p>
         </p:txBody>
       </p:sp>
@@ -11200,352 +10272,615 @@
             <p:ph idx="1"/>
           </p:nvPr>
         </p:nvSpPr>
-        <p:spPr/>
+        <p:spPr>
+          <a:xfrm>
+            <a:off x="1096963" y="2110740"/>
+            <a:ext cx="10058400" cy="4122420"/>
+          </a:xfrm>
+        </p:spPr>
         <p:txBody>
           <a:bodyPr>
-            <a:normAutofit fontScale="70000" lnSpcReduction="20000"/>
+            <a:normAutofit/>
           </a:bodyPr>
           <a:lstStyle/>
           <a:p>
-            <a:r>
-              <a:rPr lang="nl-NL" dirty="0"/>
+            <a:pPr>
+              <a:lnSpc>
+                <a:spcPct val="100000"/>
+              </a:lnSpc>
+            </a:pPr>
+            <a:r>
+              <a:rPr lang="nl-NL" sz="900" dirty="0"/>
               <a:t>[1] </a:t>
             </a:r>
             <a:r>
-              <a:rPr lang="nl-NL" dirty="0" err="1"/>
+              <a:rPr lang="nl-NL" sz="900" dirty="0" err="1"/>
               <a:t>Inc</a:t>
             </a:r>
             <a:r>
-              <a:rPr lang="nl-NL" dirty="0"/>
+              <a:rPr lang="nl-NL" sz="900" dirty="0"/>
               <a:t> </a:t>
             </a:r>
             <a:r>
-              <a:rPr lang="nl-NL" dirty="0" err="1"/>
+              <a:rPr lang="nl-NL" sz="900" dirty="0" err="1"/>
               <a:t>Epic</a:t>
             </a:r>
             <a:r>
-              <a:rPr lang="nl-NL" dirty="0"/>
+              <a:rPr lang="nl-NL" sz="900" dirty="0"/>
               <a:t> games. Chaos </a:t>
             </a:r>
             <a:r>
-              <a:rPr lang="nl-NL" dirty="0" err="1"/>
+              <a:rPr lang="nl-NL" sz="900" dirty="0" err="1"/>
               <a:t>Destruction</a:t>
             </a:r>
             <a:r>
-              <a:rPr lang="nl-NL" dirty="0"/>
+              <a:rPr lang="nl-NL" sz="900" dirty="0"/>
               <a:t>, </a:t>
             </a:r>
             <a:r>
-              <a:rPr lang="nl-NL" dirty="0" err="1"/>
+              <a:rPr lang="nl-NL" sz="900" dirty="0" err="1"/>
               <a:t>accessed</a:t>
             </a:r>
             <a:r>
-              <a:rPr lang="nl-NL" dirty="0"/>
+              <a:rPr lang="nl-NL" sz="900" dirty="0"/>
               <a:t> 10-06-2020. https://docs.unrealengine.com/en-US/Engine/Chaos/ChaosDestruction/ index.html.</a:t>
             </a:r>
           </a:p>
           <a:p>
-            <a:r>
-              <a:rPr lang="nl-NL" dirty="0"/>
+            <a:pPr>
+              <a:lnSpc>
+                <a:spcPct val="100000"/>
+              </a:lnSpc>
+            </a:pPr>
+            <a:r>
+              <a:rPr lang="nl-NL" sz="900" dirty="0"/>
               <a:t>[2] The </a:t>
             </a:r>
             <a:r>
-              <a:rPr lang="nl-NL" dirty="0" err="1"/>
+              <a:rPr lang="nl-NL" sz="900" dirty="0" err="1"/>
               <a:t>AlphaStar</a:t>
             </a:r>
             <a:r>
-              <a:rPr lang="nl-NL" dirty="0"/>
+              <a:rPr lang="nl-NL" sz="900" dirty="0"/>
               <a:t>. </a:t>
             </a:r>
             <a:r>
-              <a:rPr lang="nl-NL" dirty="0" err="1"/>
+              <a:rPr lang="nl-NL" sz="900" dirty="0" err="1"/>
               <a:t>AlphaStar</a:t>
             </a:r>
             <a:r>
-              <a:rPr lang="nl-NL" dirty="0"/>
+              <a:rPr lang="nl-NL" sz="900" dirty="0"/>
               <a:t>: Mastering </a:t>
             </a:r>
             <a:r>
-              <a:rPr lang="nl-NL" dirty="0" err="1"/>
+              <a:rPr lang="nl-NL" sz="900" dirty="0" err="1"/>
               <a:t>the</a:t>
             </a:r>
             <a:r>
-              <a:rPr lang="nl-NL" dirty="0"/>
+              <a:rPr lang="nl-NL" sz="900" dirty="0"/>
               <a:t> </a:t>
             </a:r>
             <a:r>
-              <a:rPr lang="nl-NL" dirty="0" err="1"/>
+              <a:rPr lang="nl-NL" sz="900" dirty="0" err="1"/>
               <a:t>RealTime</a:t>
             </a:r>
             <a:r>
-              <a:rPr lang="nl-NL" dirty="0"/>
+              <a:rPr lang="nl-NL" sz="900" dirty="0"/>
               <a:t> </a:t>
             </a:r>
             <a:r>
-              <a:rPr lang="nl-NL" dirty="0" err="1"/>
+              <a:rPr lang="nl-NL" sz="900" dirty="0" err="1"/>
               <a:t>Strategy</a:t>
             </a:r>
             <a:r>
-              <a:rPr lang="nl-NL" dirty="0"/>
+              <a:rPr lang="nl-NL" sz="900" dirty="0"/>
               <a:t> Game </a:t>
             </a:r>
             <a:r>
-              <a:rPr lang="nl-NL" dirty="0" err="1"/>
+              <a:rPr lang="nl-NL" sz="900" dirty="0" err="1"/>
               <a:t>StarCraft</a:t>
             </a:r>
             <a:r>
-              <a:rPr lang="nl-NL" dirty="0"/>
+              <a:rPr lang="nl-NL" sz="900" dirty="0"/>
               <a:t> II, </a:t>
             </a:r>
             <a:r>
-              <a:rPr lang="nl-NL" dirty="0" err="1"/>
+              <a:rPr lang="nl-NL" sz="900" dirty="0" err="1"/>
               <a:t>accessed</a:t>
             </a:r>
             <a:r>
-              <a:rPr lang="nl-NL" dirty="0"/>
+              <a:rPr lang="nl-NL" sz="900" dirty="0"/>
               <a:t> 10-06-2020. https://deepmind.com/blog/article/alphastar-mastering-real-time-strategy-game-starcraft-ii.</a:t>
             </a:r>
           </a:p>
           <a:p>
-            <a:r>
-              <a:rPr lang="nl-NL" dirty="0"/>
+            <a:pPr>
+              <a:lnSpc>
+                <a:spcPct val="100000"/>
+              </a:lnSpc>
+            </a:pPr>
+            <a:r>
+              <a:rPr lang="nl-NL" sz="900" dirty="0"/>
               <a:t>[3] </a:t>
             </a:r>
             <a:r>
-              <a:rPr lang="nl-NL" dirty="0" err="1"/>
+              <a:rPr lang="nl-NL" sz="900" dirty="0" err="1"/>
               <a:t>Cass</a:t>
             </a:r>
             <a:r>
-              <a:rPr lang="nl-NL" dirty="0"/>
+              <a:rPr lang="nl-NL" sz="900" dirty="0"/>
               <a:t> </a:t>
             </a:r>
             <a:r>
-              <a:rPr lang="nl-NL" dirty="0" err="1"/>
+              <a:rPr lang="nl-NL" sz="900" dirty="0" err="1"/>
               <a:t>Everitt</a:t>
             </a:r>
             <a:r>
-              <a:rPr lang="nl-NL" dirty="0"/>
+              <a:rPr lang="nl-NL" sz="900" dirty="0"/>
               <a:t>. </a:t>
             </a:r>
             <a:r>
-              <a:rPr lang="nl-NL" dirty="0" err="1"/>
+              <a:rPr lang="nl-NL" sz="900" dirty="0" err="1"/>
               <a:t>Projective</a:t>
             </a:r>
             <a:r>
-              <a:rPr lang="nl-NL" dirty="0"/>
+              <a:rPr lang="nl-NL" sz="900" dirty="0"/>
               <a:t> </a:t>
             </a:r>
             <a:r>
-              <a:rPr lang="nl-NL" dirty="0" err="1"/>
+              <a:rPr lang="nl-NL" sz="900" dirty="0" err="1"/>
               <a:t>Texture</a:t>
             </a:r>
             <a:r>
-              <a:rPr lang="nl-NL" dirty="0"/>
+              <a:rPr lang="nl-NL" sz="900" dirty="0"/>
               <a:t> </a:t>
             </a:r>
             <a:r>
-              <a:rPr lang="nl-NL" dirty="0" err="1"/>
+              <a:rPr lang="nl-NL" sz="900" dirty="0" err="1"/>
               <a:t>Mapping</a:t>
             </a:r>
             <a:r>
-              <a:rPr lang="nl-NL" dirty="0"/>
+              <a:rPr lang="nl-NL" sz="900" dirty="0"/>
               <a:t> [</a:t>
             </a:r>
             <a:r>
-              <a:rPr lang="nl-NL" dirty="0" err="1"/>
+              <a:rPr lang="nl-NL" sz="900" dirty="0" err="1"/>
               <a:t>white</a:t>
             </a:r>
             <a:r>
-              <a:rPr lang="nl-NL" dirty="0"/>
+              <a:rPr lang="nl-NL" sz="900" dirty="0"/>
               <a:t> paper], 2001. https://www.nvidia.com/en-us/drivers/Projective-Texture-Mapping/.</a:t>
             </a:r>
           </a:p>
           <a:p>
-            <a:r>
-              <a:rPr lang="nl-NL" dirty="0"/>
+            <a:pPr>
+              <a:lnSpc>
+                <a:spcPct val="100000"/>
+              </a:lnSpc>
+            </a:pPr>
+            <a:r>
+              <a:rPr lang="nl-NL" sz="900" dirty="0"/>
               <a:t>[4] </a:t>
             </a:r>
             <a:r>
-              <a:rPr lang="nl-NL" dirty="0" err="1"/>
+              <a:rPr lang="nl-NL" sz="900" dirty="0" err="1"/>
+              <a:t>Rene</a:t>
+            </a:r>
+            <a:r>
+              <a:rPr lang="nl-NL" sz="900" dirty="0"/>
+              <a:t> </a:t>
+            </a:r>
+            <a:r>
+              <a:rPr lang="nl-NL" sz="900" dirty="0" err="1"/>
+              <a:t>Truelsen.Real</a:t>
+            </a:r>
+            <a:r>
+              <a:rPr lang="nl-NL" sz="900" dirty="0"/>
+              <a:t>-time </a:t>
+            </a:r>
+            <a:r>
+              <a:rPr lang="nl-NL" sz="900" dirty="0" err="1"/>
+              <a:t>Shallow</a:t>
+            </a:r>
+            <a:r>
+              <a:rPr lang="nl-NL" sz="900" dirty="0"/>
+              <a:t> Water </a:t>
+            </a:r>
+            <a:r>
+              <a:rPr lang="nl-NL" sz="900" dirty="0" err="1"/>
+              <a:t>Simulation</a:t>
+            </a:r>
+            <a:r>
+              <a:rPr lang="nl-NL" sz="900" dirty="0"/>
+              <a:t> and </a:t>
+            </a:r>
+            <a:r>
+              <a:rPr lang="nl-NL" sz="900" dirty="0" err="1"/>
+              <a:t>EnvironmentMapping</a:t>
+            </a:r>
+            <a:r>
+              <a:rPr lang="nl-NL" sz="900" dirty="0"/>
+              <a:t> and </a:t>
+            </a:r>
+            <a:r>
+              <a:rPr lang="nl-NL" sz="900" dirty="0" err="1"/>
+              <a:t>Clouds</a:t>
+            </a:r>
+            <a:r>
+              <a:rPr lang="nl-NL" sz="900" dirty="0"/>
+              <a:t>. </a:t>
+            </a:r>
+            <a:r>
+              <a:rPr lang="nl-NL" sz="900" dirty="0" err="1"/>
+              <a:t>Universitetsparken</a:t>
+            </a:r>
+            <a:r>
+              <a:rPr lang="nl-NL" sz="900" dirty="0"/>
+              <a:t> 1, DK-2100 Copenhagen, Den-mark.</a:t>
+            </a:r>
+          </a:p>
+          <a:p>
+            <a:pPr>
+              <a:lnSpc>
+                <a:spcPct val="100000"/>
+              </a:lnSpc>
+            </a:pPr>
+            <a:r>
+              <a:rPr lang="nl-NL" sz="900" dirty="0"/>
+              <a:t>[5] </a:t>
+            </a:r>
+            <a:r>
+              <a:rPr lang="nl-NL" sz="900" dirty="0" err="1"/>
               <a:t>Department</a:t>
             </a:r>
             <a:r>
-              <a:rPr lang="nl-NL" dirty="0"/>
+              <a:rPr lang="nl-NL" sz="900" dirty="0"/>
               <a:t> of Data Science and Knowledge Engineer Maastricht University. Crazy Putting, 2019-2020.</a:t>
             </a:r>
           </a:p>
           <a:p>
-            <a:r>
-              <a:rPr lang="nl-NL" dirty="0"/>
-              <a:t>[5] R.E.A. Bouwens, P.A.M. de Groot, W. Kranendonk, J.P. van </a:t>
-            </a:r>
-            <a:r>
-              <a:rPr lang="nl-NL" dirty="0" err="1"/>
+            <a:pPr>
+              <a:lnSpc>
+                <a:spcPct val="100000"/>
+              </a:lnSpc>
+            </a:pPr>
+            <a:r>
+              <a:rPr lang="nl-NL" sz="900" dirty="0"/>
+              <a:t>[6] R.E.A. Bouwens, P.A.M. de Groot, W. Kranendonk, J.P. van </a:t>
+            </a:r>
+            <a:r>
+              <a:rPr lang="nl-NL" sz="900" dirty="0" err="1"/>
               <a:t>Lune</a:t>
             </a:r>
             <a:r>
-              <a:rPr lang="nl-NL" dirty="0"/>
+              <a:rPr lang="nl-NL" sz="900" dirty="0"/>
               <a:t>, </a:t>
             </a:r>
             <a:r>
-              <a:rPr lang="nl-NL" dirty="0" err="1"/>
+              <a:rPr lang="nl-NL" sz="900" dirty="0" err="1"/>
               <a:t>C.M.Prop</a:t>
             </a:r>
             <a:r>
-              <a:rPr lang="nl-NL" dirty="0"/>
+              <a:rPr lang="nl-NL" sz="900" dirty="0"/>
               <a:t>-van den Berg, J.A.M.H. van </a:t>
             </a:r>
             <a:r>
-              <a:rPr lang="nl-NL" dirty="0" err="1"/>
+              <a:rPr lang="nl-NL" sz="900" dirty="0" err="1"/>
               <a:t>Riswick</a:t>
             </a:r>
             <a:r>
-              <a:rPr lang="nl-NL" dirty="0"/>
+              <a:rPr lang="nl-NL" sz="900" dirty="0"/>
               <a:t>, and J.J. Westra. </a:t>
             </a:r>
             <a:r>
-              <a:rPr lang="nl-NL" dirty="0" err="1"/>
+              <a:rPr lang="nl-NL" sz="900" dirty="0" err="1"/>
               <a:t>BiNaS.Groningen</a:t>
             </a:r>
             <a:r>
-              <a:rPr lang="nl-NL" dirty="0"/>
+              <a:rPr lang="nl-NL" sz="900" dirty="0"/>
               <a:t>/Houten, The Netherlands, 6 </a:t>
             </a:r>
             <a:r>
-              <a:rPr lang="nl-NL" dirty="0" err="1"/>
+              <a:rPr lang="nl-NL" sz="900" dirty="0" err="1"/>
               <a:t>edition</a:t>
             </a:r>
             <a:r>
-              <a:rPr lang="nl-NL" dirty="0"/>
+              <a:rPr lang="nl-NL" sz="900" dirty="0"/>
               <a:t>, 2013. ISBN 978-90-01-81749-7.</a:t>
             </a:r>
           </a:p>
           <a:p>
-            <a:r>
-              <a:rPr lang="nl-NL" dirty="0"/>
-              <a:t>[6] </a:t>
-            </a:r>
-            <a:r>
-              <a:rPr lang="nl-NL" dirty="0" err="1"/>
+            <a:pPr>
+              <a:lnSpc>
+                <a:spcPct val="100000"/>
+              </a:lnSpc>
+            </a:pPr>
+            <a:r>
+              <a:rPr lang="nl-NL" sz="900" dirty="0"/>
+              <a:t>[7] </a:t>
+            </a:r>
+            <a:r>
+              <a:rPr lang="nl-NL" sz="900" dirty="0" err="1"/>
               <a:t>Anastas</a:t>
             </a:r>
             <a:r>
-              <a:rPr lang="nl-NL" dirty="0"/>
+              <a:rPr lang="nl-NL" sz="900" dirty="0"/>
               <a:t> </a:t>
             </a:r>
             <a:r>
-              <a:rPr lang="nl-NL" dirty="0" err="1"/>
+              <a:rPr lang="nl-NL" sz="900" dirty="0" err="1"/>
               <a:t>Ivanov</a:t>
             </a:r>
             <a:r>
-              <a:rPr lang="nl-NL" dirty="0"/>
+              <a:rPr lang="nl-NL" sz="900" dirty="0"/>
               <a:t> and Juliana </a:t>
             </a:r>
             <a:r>
-              <a:rPr lang="nl-NL" dirty="0" err="1"/>
+              <a:rPr lang="nl-NL" sz="900" dirty="0" err="1"/>
               <a:t>Javorova</a:t>
             </a:r>
             <a:r>
-              <a:rPr lang="nl-NL" dirty="0"/>
+              <a:rPr lang="nl-NL" sz="900" dirty="0"/>
               <a:t>. THREE DIMENSIONAL GOLFBALL FLIGHT, 2017.</a:t>
             </a:r>
           </a:p>
           <a:p>
-            <a:r>
-              <a:rPr lang="nl-NL" dirty="0"/>
-              <a:t>[7] Matthias </a:t>
-            </a:r>
-            <a:r>
-              <a:rPr lang="nl-NL" dirty="0" err="1"/>
+            <a:pPr>
+              <a:lnSpc>
+                <a:spcPct val="100000"/>
+              </a:lnSpc>
+            </a:pPr>
+            <a:r>
+              <a:rPr lang="nl-NL" sz="900" dirty="0"/>
+              <a:t>[8] Matthias </a:t>
+            </a:r>
+            <a:r>
+              <a:rPr lang="nl-NL" sz="900" dirty="0" err="1"/>
               <a:t>Teschner</a:t>
             </a:r>
             <a:r>
-              <a:rPr lang="nl-NL" dirty="0"/>
+              <a:rPr lang="nl-NL" sz="900" dirty="0"/>
               <a:t>. </a:t>
             </a:r>
             <a:r>
-              <a:rPr lang="nl-NL" dirty="0" err="1"/>
+              <a:rPr lang="nl-NL" sz="900" dirty="0" err="1"/>
               <a:t>Simulation</a:t>
             </a:r>
             <a:r>
-              <a:rPr lang="nl-NL" dirty="0"/>
+              <a:rPr lang="nl-NL" sz="900" dirty="0"/>
               <a:t> in Computer Graphics </a:t>
             </a:r>
             <a:r>
-              <a:rPr lang="nl-NL" dirty="0" err="1"/>
+              <a:rPr lang="nl-NL" sz="900" dirty="0" err="1"/>
               <a:t>Particles</a:t>
             </a:r>
             <a:r>
-              <a:rPr lang="nl-NL" dirty="0"/>
+              <a:rPr lang="nl-NL" sz="900" dirty="0"/>
               <a:t>. Computer Science </a:t>
             </a:r>
             <a:r>
-              <a:rPr lang="nl-NL" dirty="0" err="1"/>
+              <a:rPr lang="nl-NL" sz="900" dirty="0" err="1"/>
               <a:t>Department</a:t>
             </a:r>
             <a:r>
-              <a:rPr lang="nl-NL" dirty="0"/>
+              <a:rPr lang="nl-NL" sz="900" dirty="0"/>
               <a:t> University of </a:t>
             </a:r>
             <a:r>
-              <a:rPr lang="nl-NL" dirty="0" err="1"/>
+              <a:rPr lang="nl-NL" sz="900" dirty="0" err="1"/>
               <a:t>Freiburg.https</a:t>
             </a:r>
             <a:r>
-              <a:rPr lang="nl-NL" dirty="0"/>
-              <a:t>://cg.informatik.uni-freiburg.de/course_notes/sim_02_particles.pdf.</a:t>
-            </a:r>
-          </a:p>
-          <a:p>
-            <a:r>
-              <a:rPr lang="nl-NL" dirty="0"/>
-              <a:t>[8] Christian </a:t>
-            </a:r>
-            <a:r>
-              <a:rPr lang="nl-NL" dirty="0" err="1"/>
+              <a:rPr lang="nl-NL" sz="900" dirty="0"/>
+              <a:t>://cg.informatik.uni-freiburg.de/</a:t>
+            </a:r>
+            <a:r>
+              <a:rPr lang="nl-NL" sz="900" dirty="0" err="1"/>
+              <a:t>course_notes</a:t>
+            </a:r>
+            <a:r>
+              <a:rPr lang="nl-NL" sz="900" dirty="0"/>
+              <a:t>/sim_02_particles.pdf.</a:t>
+            </a:r>
+          </a:p>
+          <a:p>
+            <a:pPr>
+              <a:lnSpc>
+                <a:spcPct val="100000"/>
+              </a:lnSpc>
+            </a:pPr>
+            <a:r>
+              <a:rPr lang="nl-NL" sz="900" dirty="0"/>
+              <a:t>[9] </a:t>
+            </a:r>
+            <a:r>
+              <a:rPr lang="nl-NL" sz="900" dirty="0" err="1"/>
+              <a:t>Vadim</a:t>
+            </a:r>
+            <a:r>
+              <a:rPr lang="nl-NL" sz="900" dirty="0"/>
+              <a:t> </a:t>
+            </a:r>
+            <a:r>
+              <a:rPr lang="nl-NL" sz="900" dirty="0" err="1"/>
+              <a:t>Ivshin.Algorithm</a:t>
+            </a:r>
+            <a:r>
+              <a:rPr lang="nl-NL" sz="900" dirty="0"/>
+              <a:t> A* </a:t>
+            </a:r>
+            <a:r>
+              <a:rPr lang="nl-NL" sz="900" dirty="0" err="1"/>
+              <a:t>implementation.https</a:t>
+            </a:r>
+            <a:r>
+              <a:rPr lang="nl-NL" sz="900" dirty="0"/>
+              <a:t>://habr.com/en/post/331220/</a:t>
+            </a:r>
+          </a:p>
+          <a:p>
+            <a:pPr>
+              <a:lnSpc>
+                <a:spcPct val="100000"/>
+              </a:lnSpc>
+            </a:pPr>
+            <a:r>
+              <a:rPr lang="nl-NL" sz="900" dirty="0"/>
+              <a:t>[10] ITMO  </a:t>
+            </a:r>
+            <a:r>
+              <a:rPr lang="nl-NL" sz="900" dirty="0" err="1"/>
+              <a:t>University.Algorithm</a:t>
+            </a:r>
+            <a:r>
+              <a:rPr lang="nl-NL" sz="900" dirty="0"/>
+              <a:t> A*.http://neerc.ifmo.ru/wiki/</a:t>
+            </a:r>
+            <a:r>
+              <a:rPr lang="nl-NL" sz="900" dirty="0" err="1"/>
+              <a:t>index.php</a:t>
+            </a:r>
+            <a:endParaRPr lang="nl-NL" sz="900" dirty="0"/>
+          </a:p>
+          <a:p>
+            <a:pPr>
+              <a:lnSpc>
+                <a:spcPct val="100000"/>
+              </a:lnSpc>
+            </a:pPr>
+            <a:r>
+              <a:rPr lang="nl-NL" sz="900" dirty="0"/>
+              <a:t>[11] </a:t>
+            </a:r>
+            <a:r>
+              <a:rPr lang="en-US" sz="900" dirty="0"/>
+              <a:t>PATH FINDING: A* OR </a:t>
+            </a:r>
+            <a:r>
+              <a:rPr lang="en-US" sz="900" dirty="0" err="1"/>
+              <a:t>DIJKSTRA’S?http</a:t>
+            </a:r>
+            <a:r>
+              <a:rPr lang="en-US" sz="900" dirty="0"/>
+              <a:t>://www.hindex.org/2014/p520.pdf</a:t>
+            </a:r>
+            <a:endParaRPr lang="nl-NL" sz="900" dirty="0"/>
+          </a:p>
+          <a:p>
+            <a:pPr>
+              <a:lnSpc>
+                <a:spcPct val="100000"/>
+              </a:lnSpc>
+            </a:pPr>
+            <a:r>
+              <a:rPr lang="nl-NL" sz="900" dirty="0"/>
+              <a:t>[12] Christian </a:t>
+            </a:r>
+            <a:r>
+              <a:rPr lang="nl-NL" sz="900" dirty="0" err="1"/>
               <a:t>Holm</a:t>
             </a:r>
             <a:r>
-              <a:rPr lang="nl-NL" dirty="0"/>
+              <a:rPr lang="nl-NL" sz="900" dirty="0"/>
               <a:t>. </a:t>
             </a:r>
             <a:r>
-              <a:rPr lang="nl-NL" dirty="0" err="1"/>
+              <a:rPr lang="nl-NL" sz="900" dirty="0" err="1"/>
               <a:t>Simulation</a:t>
             </a:r>
             <a:r>
-              <a:rPr lang="nl-NL" dirty="0"/>
+              <a:rPr lang="nl-NL" sz="900" dirty="0"/>
               <a:t> </a:t>
             </a:r>
             <a:r>
-              <a:rPr lang="nl-NL" dirty="0" err="1"/>
+              <a:rPr lang="nl-NL" sz="900" dirty="0" err="1"/>
               <a:t>Methods</a:t>
             </a:r>
             <a:r>
-              <a:rPr lang="nl-NL" dirty="0"/>
+              <a:rPr lang="nl-NL" sz="900" dirty="0"/>
               <a:t> in Physics 1. </a:t>
             </a:r>
             <a:r>
-              <a:rPr lang="nl-NL" dirty="0" err="1"/>
+              <a:rPr lang="nl-NL" sz="900" dirty="0" err="1"/>
               <a:t>Institutefor</a:t>
             </a:r>
             <a:r>
-              <a:rPr lang="nl-NL" dirty="0"/>
+              <a:rPr lang="nl-NL" sz="900" dirty="0"/>
               <a:t> </a:t>
             </a:r>
             <a:r>
-              <a:rPr lang="nl-NL" dirty="0" err="1"/>
+              <a:rPr lang="nl-NL" sz="900" dirty="0" err="1"/>
               <a:t>Computational</a:t>
             </a:r>
             <a:r>
-              <a:rPr lang="nl-NL" dirty="0"/>
+              <a:rPr lang="nl-NL" sz="900" dirty="0"/>
               <a:t> Physics University of Stuttgart, 2012-2013.https://www2.icp.uni-stuttgart.de/~icp/mediawiki/images/5/54/Skript_sim_methods_I.pdf.</a:t>
             </a:r>
           </a:p>
           <a:p>
-            <a:endParaRPr lang="nl-NL" dirty="0"/>
+            <a:pPr>
+              <a:lnSpc>
+                <a:spcPct val="100000"/>
+              </a:lnSpc>
+            </a:pPr>
+            <a:endParaRPr lang="nl-NL" sz="900" dirty="0"/>
           </a:p>
         </p:txBody>
+      </p:sp>
+      <p:sp>
+        <p:nvSpPr>
+          <p:cNvPr id="12" name="Rectangle 11">
+            <a:extLst>
+              <a:ext uri="{FF2B5EF4-FFF2-40B4-BE49-F238E27FC236}">
+                <a16:creationId xmlns:a16="http://schemas.microsoft.com/office/drawing/2014/main" id="{9B834327-03F1-4931-8261-971373A5A694}"/>
+              </a:ext>
+              <a:ext uri="{C183D7F6-B498-43B3-948B-1728B52AA6E4}">
+                <adec:decorative xmlns:adec="http://schemas.microsoft.com/office/drawing/2017/decorative" val="1"/>
+              </a:ext>
+            </a:extLst>
+          </p:cNvPr>
+          <p:cNvSpPr>
+            <a:spLocks noGrp="1" noRot="1" noChangeAspect="1" noMove="1" noResize="1" noEditPoints="1" noAdjustHandles="1" noChangeArrowheads="1" noChangeShapeType="1" noTextEdit="1"/>
+          </p:cNvSpPr>
+          <p:nvPr>
+            <p:extLst>
+              <p:ext uri="{386F3935-93C4-4BCD-93E2-E3B085C9AB24}">
+                <p16:designElem xmlns:p16="http://schemas.microsoft.com/office/powerpoint/2015/main" val="1"/>
+              </p:ext>
+            </p:extLst>
+          </p:nvPr>
+        </p:nvSpPr>
+        <p:spPr>
+          <a:xfrm>
+            <a:off x="0" y="6400800"/>
+            <a:ext cx="12192000" cy="457200"/>
+          </a:xfrm>
+          <a:prstGeom prst="rect">
+            <a:avLst/>
+          </a:prstGeom>
+          <a:solidFill>
+            <a:srgbClr val="262626"/>
+          </a:solidFill>
+          <a:ln>
+            <a:noFill/>
+          </a:ln>
+        </p:spPr>
+        <p:style>
+          <a:lnRef idx="2">
+            <a:schemeClr val="accent1">
+              <a:shade val="50000"/>
+            </a:schemeClr>
+          </a:lnRef>
+          <a:fillRef idx="1">
+            <a:schemeClr val="accent1"/>
+          </a:fillRef>
+          <a:effectRef idx="0">
+            <a:schemeClr val="accent1"/>
+          </a:effectRef>
+          <a:fontRef idx="minor">
+            <a:schemeClr val="lt1"/>
+          </a:fontRef>
+        </p:style>
       </p:sp>
     </p:spTree>
     <p:extLst>
@@ -15925,21 +15260,21 @@
 </file>
 
 <file path=customXml/item1.xml><?xml version="1.0" encoding="utf-8"?>
+<p:properties xmlns:p="http://schemas.microsoft.com/office/2006/metadata/properties" xmlns:xsi="http://www.w3.org/2001/XMLSchema-instance" xmlns:pc="http://schemas.microsoft.com/office/infopath/2007/PartnerControls">
+  <documentManagement>
+    <Status xmlns="71af3243-3dd4-4a8d-8c0d-dd76da1f02a5">Not started</Status>
+    <MediaServiceKeyPoints xmlns="71af3243-3dd4-4a8d-8c0d-dd76da1f02a5" xsi:nil="true"/>
+  </documentManagement>
+</p:properties>
+</file>
+
+<file path=customXml/item2.xml><?xml version="1.0" encoding="utf-8"?>
 <?mso-contentType ?>
 <FormTemplates xmlns="http://schemas.microsoft.com/sharepoint/v3/contenttype/forms">
   <Display>DocumentLibraryForm</Display>
   <Edit>DocumentLibraryForm</Edit>
   <New>DocumentLibraryForm</New>
 </FormTemplates>
-</file>
-
-<file path=customXml/item2.xml><?xml version="1.0" encoding="utf-8"?>
-<p:properties xmlns:p="http://schemas.microsoft.com/office/2006/metadata/properties" xmlns:xsi="http://www.w3.org/2001/XMLSchema-instance" xmlns:pc="http://schemas.microsoft.com/office/infopath/2007/PartnerControls">
-  <documentManagement>
-    <Status xmlns="71af3243-3dd4-4a8d-8c0d-dd76da1f02a5">Not started</Status>
-    <MediaServiceKeyPoints xmlns="71af3243-3dd4-4a8d-8c0d-dd76da1f02a5" xsi:nil="true"/>
-  </documentManagement>
-</p:properties>
 </file>
 
 <file path=customXml/item3.xml><?xml version="1.0" encoding="utf-8"?>
@@ -16164,19 +15499,19 @@
 </file>
 
 <file path=customXml/itemProps1.xml><?xml version="1.0" encoding="utf-8"?>
-<ds:datastoreItem xmlns:ds="http://schemas.openxmlformats.org/officeDocument/2006/customXml" ds:itemID="{3C586965-D4BF-4605-8C1C-5B8CCCAB7737}">
+<ds:datastoreItem xmlns:ds="http://schemas.openxmlformats.org/officeDocument/2006/customXml" ds:itemID="{626E351D-C19B-467F-A5C7-085C4CECACA9}">
   <ds:schemaRefs>
-    <ds:schemaRef ds:uri="http://schemas.microsoft.com/sharepoint/v3/contenttype/forms"/>
+    <ds:schemaRef ds:uri="http://schemas.microsoft.com/office/2006/metadata/properties"/>
+    <ds:schemaRef ds:uri="http://schemas.microsoft.com/office/infopath/2007/PartnerControls"/>
+    <ds:schemaRef ds:uri="71af3243-3dd4-4a8d-8c0d-dd76da1f02a5"/>
   </ds:schemaRefs>
 </ds:datastoreItem>
 </file>
 
 <file path=customXml/itemProps2.xml><?xml version="1.0" encoding="utf-8"?>
-<ds:datastoreItem xmlns:ds="http://schemas.openxmlformats.org/officeDocument/2006/customXml" ds:itemID="{626E351D-C19B-467F-A5C7-085C4CECACA9}">
+<ds:datastoreItem xmlns:ds="http://schemas.openxmlformats.org/officeDocument/2006/customXml" ds:itemID="{3C586965-D4BF-4605-8C1C-5B8CCCAB7737}">
   <ds:schemaRefs>
-    <ds:schemaRef ds:uri="http://schemas.microsoft.com/office/2006/metadata/properties"/>
-    <ds:schemaRef ds:uri="http://schemas.microsoft.com/office/infopath/2007/PartnerControls"/>
-    <ds:schemaRef ds:uri="71af3243-3dd4-4a8d-8c0d-dd76da1f02a5"/>
+    <ds:schemaRef ds:uri="http://schemas.microsoft.com/sharepoint/v3/contenttype/forms"/>
   </ds:schemaRefs>
 </ds:datastoreItem>
 </file>
